--- a/PriceMonitoringDesign.pptx
+++ b/PriceMonitoringDesign.pptx
@@ -5,7 +5,7 @@
     <p:sldMasterId id="2147483648" r:id="rId1"/>
   </p:sldMasterIdLst>
   <p:notesMasterIdLst>
-    <p:notesMasterId r:id="rId10"/>
+    <p:notesMasterId r:id="rId8"/>
   </p:notesMasterIdLst>
   <p:sldIdLst>
     <p:sldId id="256" r:id="rId2"/>
@@ -14,8 +14,6 @@
     <p:sldId id="259" r:id="rId5"/>
     <p:sldId id="260" r:id="rId6"/>
     <p:sldId id="261" r:id="rId7"/>
-    <p:sldId id="262" r:id="rId8"/>
-    <p:sldId id="263" r:id="rId9"/>
   </p:sldIdLst>
   <p:sldSz cx="12192000" cy="6858000"/>
   <p:notesSz cx="6858000" cy="9144000"/>
@@ -204,7 +202,7 @@
           <a:p>
             <a:fld id="{822F189D-D7C4-2B4B-BA7D-F542C8765D31}" type="datetimeFigureOut">
               <a:rPr lang="en-US" smtClean="0"/>
-              <a:t>5/30/17</a:t>
+              <a:t>5/31/17</a:t>
             </a:fld>
             <a:endParaRPr lang="en-US"/>
           </a:p>
@@ -603,7 +601,7 @@
           <a:p>
             <a:fld id="{FE13B3C1-B50E-B844-B5EC-A0E6C3AA92EA}" type="datetimeFigureOut">
               <a:rPr lang="en-US" smtClean="0"/>
-              <a:t>5/30/17</a:t>
+              <a:t>5/31/17</a:t>
             </a:fld>
             <a:endParaRPr lang="en-US"/>
           </a:p>
@@ -773,7 +771,7 @@
           <a:p>
             <a:fld id="{FE13B3C1-B50E-B844-B5EC-A0E6C3AA92EA}" type="datetimeFigureOut">
               <a:rPr lang="en-US" smtClean="0"/>
-              <a:t>5/30/17</a:t>
+              <a:t>5/31/17</a:t>
             </a:fld>
             <a:endParaRPr lang="en-US"/>
           </a:p>
@@ -953,7 +951,7 @@
           <a:p>
             <a:fld id="{FE13B3C1-B50E-B844-B5EC-A0E6C3AA92EA}" type="datetimeFigureOut">
               <a:rPr lang="en-US" smtClean="0"/>
-              <a:t>5/30/17</a:t>
+              <a:t>5/31/17</a:t>
             </a:fld>
             <a:endParaRPr lang="en-US"/>
           </a:p>
@@ -1123,7 +1121,7 @@
           <a:p>
             <a:fld id="{FE13B3C1-B50E-B844-B5EC-A0E6C3AA92EA}" type="datetimeFigureOut">
               <a:rPr lang="en-US" smtClean="0"/>
-              <a:t>5/30/17</a:t>
+              <a:t>5/31/17</a:t>
             </a:fld>
             <a:endParaRPr lang="en-US"/>
           </a:p>
@@ -1369,7 +1367,7 @@
           <a:p>
             <a:fld id="{FE13B3C1-B50E-B844-B5EC-A0E6C3AA92EA}" type="datetimeFigureOut">
               <a:rPr lang="en-US" smtClean="0"/>
-              <a:t>5/30/17</a:t>
+              <a:t>5/31/17</a:t>
             </a:fld>
             <a:endParaRPr lang="en-US"/>
           </a:p>
@@ -1601,7 +1599,7 @@
           <a:p>
             <a:fld id="{FE13B3C1-B50E-B844-B5EC-A0E6C3AA92EA}" type="datetimeFigureOut">
               <a:rPr lang="en-US" smtClean="0"/>
-              <a:t>5/30/17</a:t>
+              <a:t>5/31/17</a:t>
             </a:fld>
             <a:endParaRPr lang="en-US"/>
           </a:p>
@@ -1968,7 +1966,7 @@
           <a:p>
             <a:fld id="{FE13B3C1-B50E-B844-B5EC-A0E6C3AA92EA}" type="datetimeFigureOut">
               <a:rPr lang="en-US" smtClean="0"/>
-              <a:t>5/30/17</a:t>
+              <a:t>5/31/17</a:t>
             </a:fld>
             <a:endParaRPr lang="en-US"/>
           </a:p>
@@ -2086,7 +2084,7 @@
           <a:p>
             <a:fld id="{FE13B3C1-B50E-B844-B5EC-A0E6C3AA92EA}" type="datetimeFigureOut">
               <a:rPr lang="en-US" smtClean="0"/>
-              <a:t>5/30/17</a:t>
+              <a:t>5/31/17</a:t>
             </a:fld>
             <a:endParaRPr lang="en-US"/>
           </a:p>
@@ -2181,7 +2179,7 @@
           <a:p>
             <a:fld id="{FE13B3C1-B50E-B844-B5EC-A0E6C3AA92EA}" type="datetimeFigureOut">
               <a:rPr lang="en-US" smtClean="0"/>
-              <a:t>5/30/17</a:t>
+              <a:t>5/31/17</a:t>
             </a:fld>
             <a:endParaRPr lang="en-US"/>
           </a:p>
@@ -2458,7 +2456,7 @@
           <a:p>
             <a:fld id="{FE13B3C1-B50E-B844-B5EC-A0E6C3AA92EA}" type="datetimeFigureOut">
               <a:rPr lang="en-US" smtClean="0"/>
-              <a:t>5/30/17</a:t>
+              <a:t>5/31/17</a:t>
             </a:fld>
             <a:endParaRPr lang="en-US"/>
           </a:p>
@@ -2711,7 +2709,7 @@
           <a:p>
             <a:fld id="{FE13B3C1-B50E-B844-B5EC-A0E6C3AA92EA}" type="datetimeFigureOut">
               <a:rPr lang="en-US" smtClean="0"/>
-              <a:t>5/30/17</a:t>
+              <a:t>5/31/17</a:t>
             </a:fld>
             <a:endParaRPr lang="en-US"/>
           </a:p>
@@ -2924,7 +2922,7 @@
           <a:p>
             <a:fld id="{FE13B3C1-B50E-B844-B5EC-A0E6C3AA92EA}" type="datetimeFigureOut">
               <a:rPr lang="en-US" smtClean="0"/>
-              <a:t>5/30/17</a:t>
+              <a:t>5/31/17</a:t>
             </a:fld>
             <a:endParaRPr lang="en-US"/>
           </a:p>
@@ -4413,11 +4411,7 @@
             </a:r>
             <a:r>
               <a:rPr lang="en-US" dirty="0" smtClean="0"/>
-              <a:t>, </a:t>
-            </a:r>
-            <a:r>
-              <a:rPr lang="en-US" dirty="0" smtClean="0"/>
-              <a:t>value: </a:t>
+              <a:t>, value: </a:t>
             </a:r>
             <a:r>
               <a:rPr lang="en-US" dirty="0" err="1" smtClean="0"/>
@@ -6458,607 +6452,6 @@
     <p:extLst>
       <p:ext uri="{BB962C8B-B14F-4D97-AF65-F5344CB8AC3E}">
         <p14:creationId xmlns:p14="http://schemas.microsoft.com/office/powerpoint/2010/main" val="1506946782"/>
-      </p:ext>
-    </p:extLst>
-  </p:cSld>
-  <p:clrMapOvr>
-    <a:masterClrMapping/>
-  </p:clrMapOvr>
-  <p:timing>
-    <p:tnLst>
-      <p:par>
-        <p:cTn id="1" dur="indefinite" restart="never" nodeType="tmRoot"/>
-      </p:par>
-    </p:tnLst>
-  </p:timing>
-</p:sld>
-</file>
-
-<file path=ppt/slides/slide7.xml><?xml version="1.0" encoding="utf-8"?>
-<p:sld xmlns:a="http://schemas.openxmlformats.org/drawingml/2006/main" xmlns:r="http://schemas.openxmlformats.org/officeDocument/2006/relationships" xmlns:p="http://schemas.openxmlformats.org/presentationml/2006/main">
-  <p:cSld>
-    <p:spTree>
-      <p:nvGrpSpPr>
-        <p:cNvPr id="1" name=""/>
-        <p:cNvGrpSpPr/>
-        <p:nvPr/>
-      </p:nvGrpSpPr>
-      <p:grpSpPr>
-        <a:xfrm>
-          <a:off x="0" y="0"/>
-          <a:ext cx="0" cy="0"/>
-          <a:chOff x="0" y="0"/>
-          <a:chExt cx="0" cy="0"/>
-        </a:xfrm>
-      </p:grpSpPr>
-      <p:sp>
-        <p:nvSpPr>
-          <p:cNvPr id="2" name="Title 1"/>
-          <p:cNvSpPr>
-            <a:spLocks noGrp="1"/>
-          </p:cNvSpPr>
-          <p:nvPr>
-            <p:ph type="title"/>
-          </p:nvPr>
-        </p:nvSpPr>
-        <p:spPr/>
-        <p:txBody>
-          <a:bodyPr/>
-          <a:lstStyle/>
-          <a:p>
-            <a:r>
-              <a:rPr lang="en-US" dirty="0" smtClean="0"/>
-              <a:t>Category Crawling Detail</a:t>
-            </a:r>
-            <a:endParaRPr lang="en-US" dirty="0"/>
-          </a:p>
-        </p:txBody>
-      </p:sp>
-      <p:sp>
-        <p:nvSpPr>
-          <p:cNvPr id="3" name="Content Placeholder 2"/>
-          <p:cNvSpPr>
-            <a:spLocks noGrp="1"/>
-          </p:cNvSpPr>
-          <p:nvPr>
-            <p:ph idx="1"/>
-          </p:nvPr>
-        </p:nvSpPr>
-        <p:spPr/>
-        <p:txBody>
-          <a:bodyPr>
-            <a:normAutofit lnSpcReduction="10000"/>
-          </a:bodyPr>
-          <a:lstStyle/>
-          <a:p>
-            <a:r>
-              <a:rPr lang="en-US" dirty="0" smtClean="0"/>
-              <a:t>From </a:t>
-            </a:r>
-            <a:r>
-              <a:rPr lang="en-US" dirty="0" err="1" smtClean="0"/>
-              <a:t>url</a:t>
-            </a:r>
-            <a:r>
-              <a:rPr lang="en-US" dirty="0"/>
-              <a:t>: https://</a:t>
-            </a:r>
-            <a:r>
-              <a:rPr lang="en-US" dirty="0" err="1"/>
-              <a:t>www.amazon.com</a:t>
-            </a:r>
-            <a:r>
-              <a:rPr lang="en-US" dirty="0"/>
-              <a:t>/s/ref=nb_sb_noss_2?url=search-alias=</a:t>
-            </a:r>
-            <a:r>
-              <a:rPr lang="en-US" dirty="0" err="1"/>
-              <a:t>aps&amp;field-keywords</a:t>
-            </a:r>
-            <a:r>
-              <a:rPr lang="en-US" dirty="0"/>
-              <a:t>=-12345</a:t>
-            </a:r>
-            <a:endParaRPr lang="en-US" dirty="0" smtClean="0"/>
-          </a:p>
-          <a:p>
-            <a:r>
-              <a:rPr lang="en-US" dirty="0" smtClean="0"/>
-              <a:t>Selector : #</a:t>
-            </a:r>
-            <a:r>
-              <a:rPr lang="en-US" dirty="0" err="1" smtClean="0"/>
-              <a:t>searchDropdownBox</a:t>
-            </a:r>
-            <a:r>
-              <a:rPr lang="en-US" dirty="0" smtClean="0"/>
-              <a:t> </a:t>
-            </a:r>
-            <a:r>
-              <a:rPr lang="en-US" dirty="0"/>
-              <a:t>&gt; </a:t>
-            </a:r>
-            <a:r>
-              <a:rPr lang="en-US" dirty="0" err="1" smtClean="0"/>
-              <a:t>option:nth-child</a:t>
-            </a:r>
-            <a:r>
-              <a:rPr lang="en-US" dirty="0" smtClean="0"/>
-              <a:t>(n), n &gt;= 2</a:t>
-            </a:r>
-          </a:p>
-          <a:p>
-            <a:r>
-              <a:rPr lang="en-US" dirty="0" smtClean="0"/>
-              <a:t>Get all “search-alias” as category name</a:t>
-            </a:r>
-          </a:p>
-          <a:p>
-            <a:r>
-              <a:rPr lang="en-US" dirty="0" smtClean="0"/>
-              <a:t>Repeat till empty element returned.</a:t>
-            </a:r>
-          </a:p>
-          <a:p>
-            <a:r>
-              <a:rPr lang="en-US" dirty="0" smtClean="0"/>
-              <a:t>The product list </a:t>
-            </a:r>
-            <a:r>
-              <a:rPr lang="en-US" dirty="0" err="1" smtClean="0"/>
-              <a:t>url</a:t>
-            </a:r>
-            <a:r>
-              <a:rPr lang="en-US" dirty="0" smtClean="0"/>
-              <a:t> for each category is in the following format:</a:t>
-            </a:r>
-          </a:p>
-          <a:p>
-            <a:pPr lvl="1"/>
-            <a:r>
-              <a:rPr lang="en-US" dirty="0" smtClean="0"/>
-              <a:t>https</a:t>
-            </a:r>
-            <a:r>
-              <a:rPr lang="en-US" dirty="0"/>
-              <a:t>://</a:t>
-            </a:r>
-            <a:r>
-              <a:rPr lang="en-US" dirty="0" err="1"/>
-              <a:t>www.amazon.com</a:t>
-            </a:r>
-            <a:r>
-              <a:rPr lang="en-US" dirty="0"/>
-              <a:t>/s/ref=</a:t>
-            </a:r>
-            <a:r>
-              <a:rPr lang="en-US" dirty="0" err="1"/>
-              <a:t>nb_sb_noss?url</a:t>
-            </a:r>
-            <a:r>
-              <a:rPr lang="en-US" dirty="0"/>
-              <a:t>=search-alias</a:t>
-            </a:r>
-            <a:r>
-              <a:rPr lang="en-US" dirty="0" smtClean="0"/>
-              <a:t>=$</a:t>
-            </a:r>
-            <a:r>
-              <a:rPr lang="en-US" dirty="0" err="1" smtClean="0"/>
-              <a:t>SEARCH_ALIAS&amp;field-keywords</a:t>
-            </a:r>
-            <a:r>
-              <a:rPr lang="en-US" dirty="0"/>
-              <a:t>=-12345&amp;page</a:t>
-            </a:r>
-            <a:r>
-              <a:rPr lang="en-US" dirty="0" smtClean="0"/>
-              <a:t>=$PAGE_NO, replace the $SEARCH_ALIAS with category name and $PAGE_NO with the desired product list.</a:t>
-            </a:r>
-          </a:p>
-          <a:p>
-            <a:pPr lvl="1"/>
-            <a:r>
-              <a:rPr lang="en-US" dirty="0" smtClean="0"/>
-              <a:t>Store the &lt;Category name, product list </a:t>
-            </a:r>
-            <a:r>
-              <a:rPr lang="en-US" dirty="0" err="1" smtClean="0"/>
-              <a:t>url</a:t>
-            </a:r>
-            <a:r>
-              <a:rPr lang="en-US" dirty="0" smtClean="0"/>
-              <a:t>&gt; into Category DB.</a:t>
-            </a:r>
-            <a:endParaRPr lang="en-US" dirty="0"/>
-          </a:p>
-        </p:txBody>
-      </p:sp>
-    </p:spTree>
-    <p:extLst>
-      <p:ext uri="{BB962C8B-B14F-4D97-AF65-F5344CB8AC3E}">
-        <p14:creationId xmlns:p14="http://schemas.microsoft.com/office/powerpoint/2010/main" val="36258584"/>
-      </p:ext>
-    </p:extLst>
-  </p:cSld>
-  <p:clrMapOvr>
-    <a:masterClrMapping/>
-  </p:clrMapOvr>
-  <p:timing>
-    <p:tnLst>
-      <p:par>
-        <p:cTn id="1" dur="indefinite" restart="never" nodeType="tmRoot"/>
-      </p:par>
-    </p:tnLst>
-  </p:timing>
-</p:sld>
-</file>
-
-<file path=ppt/slides/slide8.xml><?xml version="1.0" encoding="utf-8"?>
-<p:sld xmlns:a="http://schemas.openxmlformats.org/drawingml/2006/main" xmlns:r="http://schemas.openxmlformats.org/officeDocument/2006/relationships" xmlns:p="http://schemas.openxmlformats.org/presentationml/2006/main">
-  <p:cSld>
-    <p:spTree>
-      <p:nvGrpSpPr>
-        <p:cNvPr id="1" name=""/>
-        <p:cNvGrpSpPr/>
-        <p:nvPr/>
-      </p:nvGrpSpPr>
-      <p:grpSpPr>
-        <a:xfrm>
-          <a:off x="0" y="0"/>
-          <a:ext cx="0" cy="0"/>
-          <a:chOff x="0" y="0"/>
-          <a:chExt cx="0" cy="0"/>
-        </a:xfrm>
-      </p:grpSpPr>
-      <p:sp>
-        <p:nvSpPr>
-          <p:cNvPr id="2" name="Title 1"/>
-          <p:cNvSpPr>
-            <a:spLocks noGrp="1"/>
-          </p:cNvSpPr>
-          <p:nvPr>
-            <p:ph type="title"/>
-          </p:nvPr>
-        </p:nvSpPr>
-        <p:spPr/>
-        <p:txBody>
-          <a:bodyPr/>
-          <a:lstStyle/>
-          <a:p>
-            <a:r>
-              <a:rPr lang="en-US" dirty="0" smtClean="0"/>
-              <a:t>Product Crawling Detail</a:t>
-            </a:r>
-            <a:endParaRPr lang="en-US" dirty="0"/>
-          </a:p>
-        </p:txBody>
-      </p:sp>
-      <p:sp>
-        <p:nvSpPr>
-          <p:cNvPr id="3" name="Content Placeholder 2"/>
-          <p:cNvSpPr>
-            <a:spLocks noGrp="1"/>
-          </p:cNvSpPr>
-          <p:nvPr>
-            <p:ph idx="1"/>
-          </p:nvPr>
-        </p:nvSpPr>
-        <p:spPr/>
-        <p:txBody>
-          <a:bodyPr>
-            <a:normAutofit fontScale="92500" lnSpcReduction="20000"/>
-          </a:bodyPr>
-          <a:lstStyle/>
-          <a:p>
-            <a:r>
-              <a:rPr lang="en-US" dirty="0" smtClean="0"/>
-              <a:t>Title: get title from selector</a:t>
-            </a:r>
-            <a:r>
-              <a:rPr lang="en-US" dirty="0"/>
-              <a:t>: #</a:t>
-            </a:r>
-            <a:r>
-              <a:rPr lang="en-US" dirty="0" err="1"/>
-              <a:t>result</a:t>
-            </a:r>
-            <a:r>
-              <a:rPr lang="en-US" dirty="0" err="1" smtClean="0"/>
-              <a:t>_$RESULT_NO</a:t>
-            </a:r>
-            <a:r>
-              <a:rPr lang="en-US" dirty="0" smtClean="0"/>
-              <a:t> </a:t>
-            </a:r>
-            <a:r>
-              <a:rPr lang="en-US" dirty="0"/>
-              <a:t>&gt; div &gt; div &gt; div &gt; </a:t>
-            </a:r>
-            <a:r>
-              <a:rPr lang="en-US" dirty="0" err="1"/>
-              <a:t>div.a</a:t>
-            </a:r>
-            <a:r>
-              <a:rPr lang="en-US" dirty="0"/>
-              <a:t>-fixed-left-grid-</a:t>
-            </a:r>
-            <a:r>
-              <a:rPr lang="en-US" dirty="0" err="1"/>
-              <a:t>col.a</a:t>
-            </a:r>
-            <a:r>
-              <a:rPr lang="en-US" dirty="0"/>
-              <a:t>-col-right &gt; </a:t>
-            </a:r>
-            <a:r>
-              <a:rPr lang="en-US" dirty="0" err="1"/>
-              <a:t>div.a</a:t>
-            </a:r>
-            <a:r>
-              <a:rPr lang="en-US" dirty="0"/>
-              <a:t>-</a:t>
-            </a:r>
-            <a:r>
-              <a:rPr lang="en-US" dirty="0" err="1"/>
-              <a:t>row.a</a:t>
-            </a:r>
-            <a:r>
-              <a:rPr lang="en-US" dirty="0"/>
-              <a:t>-spacing-small &gt; </a:t>
-            </a:r>
-            <a:r>
-              <a:rPr lang="en-US" dirty="0" err="1"/>
-              <a:t>div:nth-child</a:t>
-            </a:r>
-            <a:r>
-              <a:rPr lang="en-US" dirty="0"/>
-              <a:t>(1) &gt; </a:t>
-            </a:r>
-            <a:r>
-              <a:rPr lang="en-US" dirty="0" smtClean="0"/>
-              <a:t>a, $RESULT_NO starts from 0</a:t>
-            </a:r>
-          </a:p>
-          <a:p>
-            <a:r>
-              <a:rPr lang="en-US" dirty="0" smtClean="0"/>
-              <a:t>Price: get aria-label from </a:t>
-            </a:r>
-            <a:r>
-              <a:rPr lang="en-US" dirty="0"/>
-              <a:t>selector: #</a:t>
-            </a:r>
-            <a:r>
-              <a:rPr lang="en-US" dirty="0" err="1"/>
-              <a:t>result</a:t>
-            </a:r>
-            <a:r>
-              <a:rPr lang="en-US" dirty="0" err="1" smtClean="0"/>
-              <a:t>_$RESULT_NO</a:t>
-            </a:r>
-            <a:r>
-              <a:rPr lang="en-US" dirty="0" smtClean="0"/>
-              <a:t> </a:t>
-            </a:r>
-            <a:r>
-              <a:rPr lang="en-US" dirty="0"/>
-              <a:t>&gt; div &gt; div &gt; div &gt; </a:t>
-            </a:r>
-            <a:r>
-              <a:rPr lang="en-US" dirty="0" err="1"/>
-              <a:t>div.a</a:t>
-            </a:r>
-            <a:r>
-              <a:rPr lang="en-US" dirty="0"/>
-              <a:t>-fixed-left-grid-</a:t>
-            </a:r>
-            <a:r>
-              <a:rPr lang="en-US" dirty="0" err="1"/>
-              <a:t>col.a</a:t>
-            </a:r>
-            <a:r>
-              <a:rPr lang="en-US" dirty="0"/>
-              <a:t>-col-right &gt; </a:t>
-            </a:r>
-            <a:r>
-              <a:rPr lang="en-US" dirty="0" err="1"/>
-              <a:t>div:nth-child</a:t>
-            </a:r>
-            <a:r>
-              <a:rPr lang="en-US" dirty="0"/>
-              <a:t>(2) &gt; div.a-column.a-span7 &gt; </a:t>
-            </a:r>
-            <a:r>
-              <a:rPr lang="en-US" dirty="0" err="1"/>
-              <a:t>div.a</a:t>
-            </a:r>
-            <a:r>
-              <a:rPr lang="en-US" dirty="0"/>
-              <a:t>-</a:t>
-            </a:r>
-            <a:r>
-              <a:rPr lang="en-US" dirty="0" err="1"/>
-              <a:t>row.a</a:t>
-            </a:r>
-            <a:r>
-              <a:rPr lang="en-US" dirty="0"/>
-              <a:t>-spacing-none &gt; a &gt; </a:t>
-            </a:r>
-            <a:r>
-              <a:rPr lang="en-US" dirty="0" smtClean="0"/>
-              <a:t>span</a:t>
-            </a:r>
-          </a:p>
-          <a:p>
-            <a:r>
-              <a:rPr lang="en-US" dirty="0" err="1" smtClean="0"/>
-              <a:t>Thumnail</a:t>
-            </a:r>
-            <a:r>
-              <a:rPr lang="en-US" dirty="0"/>
-              <a:t>: get </a:t>
-            </a:r>
-            <a:r>
-              <a:rPr lang="en-US" dirty="0" err="1"/>
-              <a:t>src</a:t>
-            </a:r>
-            <a:r>
-              <a:rPr lang="en-US" dirty="0"/>
-              <a:t> from selector: #</a:t>
-            </a:r>
-            <a:r>
-              <a:rPr lang="en-US" dirty="0" err="1" smtClean="0"/>
-              <a:t>result_$</a:t>
-            </a:r>
-            <a:r>
-              <a:rPr lang="en-US" dirty="0" err="1"/>
-              <a:t>RESULT_NO</a:t>
-            </a:r>
-            <a:r>
-              <a:rPr lang="en-US" dirty="0" smtClean="0"/>
-              <a:t> </a:t>
-            </a:r>
-            <a:r>
-              <a:rPr lang="en-US" dirty="0"/>
-              <a:t>&gt; div &gt; div &gt; div &gt; </a:t>
-            </a:r>
-            <a:r>
-              <a:rPr lang="en-US" dirty="0" err="1"/>
-              <a:t>div.a</a:t>
-            </a:r>
-            <a:r>
-              <a:rPr lang="en-US" dirty="0"/>
-              <a:t>-fixed-left-grid-</a:t>
-            </a:r>
-            <a:r>
-              <a:rPr lang="en-US" dirty="0" err="1"/>
-              <a:t>col.a</a:t>
-            </a:r>
-            <a:r>
-              <a:rPr lang="en-US" dirty="0"/>
-              <a:t>-col-left &gt; div &gt; div &gt; a &gt; </a:t>
-            </a:r>
-            <a:r>
-              <a:rPr lang="en-US" dirty="0" err="1" smtClean="0"/>
-              <a:t>img</a:t>
-            </a:r>
-            <a:endParaRPr lang="en-US" dirty="0" smtClean="0"/>
-          </a:p>
-          <a:p>
-            <a:r>
-              <a:rPr lang="en-US" dirty="0" err="1" smtClean="0"/>
-              <a:t>Detail_url</a:t>
-            </a:r>
-            <a:r>
-              <a:rPr lang="en-US" dirty="0" smtClean="0"/>
-              <a:t>: </a:t>
-            </a:r>
-            <a:r>
-              <a:rPr lang="en-US" dirty="0"/>
-              <a:t>get </a:t>
-            </a:r>
-            <a:r>
-              <a:rPr lang="en-US" dirty="0" err="1" smtClean="0"/>
-              <a:t>href</a:t>
-            </a:r>
-            <a:r>
-              <a:rPr lang="en-US" dirty="0" smtClean="0"/>
-              <a:t> from </a:t>
-            </a:r>
-            <a:r>
-              <a:rPr lang="en-US" dirty="0"/>
-              <a:t>selector: #</a:t>
-            </a:r>
-            <a:r>
-              <a:rPr lang="en-US" dirty="0" smtClean="0"/>
-              <a:t>result</a:t>
-            </a:r>
-            <a:r>
-              <a:rPr lang="en-US" dirty="0"/>
-              <a:t> _$RESULT_NO</a:t>
-            </a:r>
-            <a:r>
-              <a:rPr lang="en-US" dirty="0" smtClean="0"/>
-              <a:t> </a:t>
-            </a:r>
-            <a:r>
-              <a:rPr lang="en-US" dirty="0"/>
-              <a:t>&gt; div &gt; div &gt; div &gt; </a:t>
-            </a:r>
-            <a:r>
-              <a:rPr lang="en-US" dirty="0" err="1"/>
-              <a:t>div.a</a:t>
-            </a:r>
-            <a:r>
-              <a:rPr lang="en-US" dirty="0"/>
-              <a:t>-fixed-left-grid-</a:t>
-            </a:r>
-            <a:r>
-              <a:rPr lang="en-US" dirty="0" err="1"/>
-              <a:t>col.a</a:t>
-            </a:r>
-            <a:r>
-              <a:rPr lang="en-US" dirty="0"/>
-              <a:t>-col-right &gt; </a:t>
-            </a:r>
-            <a:r>
-              <a:rPr lang="en-US" dirty="0" err="1"/>
-              <a:t>div.a</a:t>
-            </a:r>
-            <a:r>
-              <a:rPr lang="en-US" dirty="0"/>
-              <a:t>-</a:t>
-            </a:r>
-            <a:r>
-              <a:rPr lang="en-US" dirty="0" err="1"/>
-              <a:t>row.a</a:t>
-            </a:r>
-            <a:r>
-              <a:rPr lang="en-US" dirty="0"/>
-              <a:t>-spacing-small &gt; </a:t>
-            </a:r>
-            <a:r>
-              <a:rPr lang="en-US" dirty="0" err="1"/>
-              <a:t>div:nth-child</a:t>
-            </a:r>
-            <a:r>
-              <a:rPr lang="en-US" dirty="0"/>
-              <a:t>(1) &gt; </a:t>
-            </a:r>
-            <a:r>
-              <a:rPr lang="en-US" dirty="0" smtClean="0"/>
-              <a:t>a</a:t>
-            </a:r>
-          </a:p>
-          <a:p>
-            <a:r>
-              <a:rPr lang="en-US" dirty="0" err="1" smtClean="0"/>
-              <a:t>Product_id</a:t>
-            </a:r>
-            <a:r>
-              <a:rPr lang="en-US" dirty="0" smtClean="0"/>
-              <a:t>: get the last section of </a:t>
-            </a:r>
-            <a:r>
-              <a:rPr lang="en-US" dirty="0" err="1" smtClean="0"/>
-              <a:t>detail_url</a:t>
-            </a:r>
-            <a:r>
-              <a:rPr lang="en-US" dirty="0" smtClean="0"/>
-              <a:t>.</a:t>
-            </a:r>
-            <a:endParaRPr lang="en-US" dirty="0" smtClean="0"/>
-          </a:p>
-          <a:p>
-            <a:endParaRPr lang="en-US" dirty="0"/>
-          </a:p>
-        </p:txBody>
-      </p:sp>
-    </p:spTree>
-    <p:extLst>
-      <p:ext uri="{BB962C8B-B14F-4D97-AF65-F5344CB8AC3E}">
-        <p14:creationId xmlns:p14="http://schemas.microsoft.com/office/powerpoint/2010/main" val="162850207"/>
       </p:ext>
     </p:extLst>
   </p:cSld>

--- a/PriceMonitoringDesign.pptx
+++ b/PriceMonitoringDesign.pptx
@@ -5,7 +5,7 @@
     <p:sldMasterId id="2147483648" r:id="rId1"/>
   </p:sldMasterIdLst>
   <p:notesMasterIdLst>
-    <p:notesMasterId r:id="rId8"/>
+    <p:notesMasterId r:id="rId10"/>
   </p:notesMasterIdLst>
   <p:sldIdLst>
     <p:sldId id="256" r:id="rId2"/>
@@ -14,6 +14,8 @@
     <p:sldId id="259" r:id="rId5"/>
     <p:sldId id="260" r:id="rId6"/>
     <p:sldId id="261" r:id="rId7"/>
+    <p:sldId id="262" r:id="rId8"/>
+    <p:sldId id="263" r:id="rId9"/>
   </p:sldIdLst>
   <p:sldSz cx="12192000" cy="6858000"/>
   <p:notesSz cx="6858000" cy="9144000"/>
@@ -6465,6 +6467,720 @@
       </p:par>
     </p:tnLst>
   </p:timing>
+</p:sld>
+</file>
+
+<file path=ppt/slides/slide7.xml><?xml version="1.0" encoding="utf-8"?>
+<p:sld xmlns:a="http://schemas.openxmlformats.org/drawingml/2006/main" xmlns:r="http://schemas.openxmlformats.org/officeDocument/2006/relationships" xmlns:p="http://schemas.openxmlformats.org/presentationml/2006/main">
+  <p:cSld>
+    <p:spTree>
+      <p:nvGrpSpPr>
+        <p:cNvPr id="1" name=""/>
+        <p:cNvGrpSpPr/>
+        <p:nvPr/>
+      </p:nvGrpSpPr>
+      <p:grpSpPr>
+        <a:xfrm>
+          <a:off x="0" y="0"/>
+          <a:ext cx="0" cy="0"/>
+          <a:chOff x="0" y="0"/>
+          <a:chExt cx="0" cy="0"/>
+        </a:xfrm>
+      </p:grpSpPr>
+      <p:sp>
+        <p:nvSpPr>
+          <p:cNvPr id="2" name="Title 1"/>
+          <p:cNvSpPr>
+            <a:spLocks noGrp="1"/>
+          </p:cNvSpPr>
+          <p:nvPr>
+            <p:ph type="title"/>
+          </p:nvPr>
+        </p:nvSpPr>
+        <p:spPr/>
+        <p:txBody>
+          <a:bodyPr/>
+          <a:lstStyle/>
+          <a:p>
+            <a:r>
+              <a:rPr lang="en-US" dirty="0" smtClean="0"/>
+              <a:t>Category Crawler Detail</a:t>
+            </a:r>
+            <a:endParaRPr lang="en-US" dirty="0"/>
+          </a:p>
+        </p:txBody>
+      </p:sp>
+      <p:sp>
+        <p:nvSpPr>
+          <p:cNvPr id="3" name="Content Placeholder 2"/>
+          <p:cNvSpPr>
+            <a:spLocks noGrp="1"/>
+          </p:cNvSpPr>
+          <p:nvPr>
+            <p:ph idx="1"/>
+          </p:nvPr>
+        </p:nvSpPr>
+        <p:spPr/>
+        <p:txBody>
+          <a:bodyPr>
+            <a:normAutofit fontScale="62500" lnSpcReduction="20000"/>
+          </a:bodyPr>
+          <a:lstStyle/>
+          <a:p>
+            <a:r>
+              <a:rPr lang="en-US" dirty="0" smtClean="0"/>
+              <a:t>Since </a:t>
+            </a:r>
+            <a:r>
+              <a:rPr lang="en-US" dirty="0"/>
+              <a:t>product category won't change too fast, this crawler is scheduled to run once a </a:t>
+            </a:r>
+            <a:r>
+              <a:rPr lang="en-US" dirty="0" smtClean="0"/>
+              <a:t>week.</a:t>
+            </a:r>
+          </a:p>
+          <a:p>
+            <a:r>
+              <a:rPr lang="en-US" dirty="0" smtClean="0"/>
+              <a:t>From </a:t>
+            </a:r>
+            <a:r>
+              <a:rPr lang="en-US" dirty="0" err="1"/>
+              <a:t>url</a:t>
+            </a:r>
+            <a:r>
+              <a:rPr lang="en-US" dirty="0"/>
+              <a:t>: </a:t>
+            </a:r>
+            <a:r>
+              <a:rPr lang="en-US" dirty="0" smtClean="0">
+                <a:hlinkClick r:id="rId2"/>
+              </a:rPr>
+              <a:t>https</a:t>
+            </a:r>
+            <a:r>
+              <a:rPr lang="en-US" dirty="0">
+                <a:hlinkClick r:id="rId2"/>
+              </a:rPr>
+              <a:t>://www.amazon.com/s/ref=nb_sb_noss_2?url=search-alias=aps&amp;field-keywords=-</a:t>
+            </a:r>
+            <a:r>
+              <a:rPr lang="en-US" dirty="0" smtClean="0">
+                <a:hlinkClick r:id="rId2"/>
+              </a:rPr>
+              <a:t>12345</a:t>
+            </a:r>
+            <a:endParaRPr lang="en-US" dirty="0"/>
+          </a:p>
+          <a:p>
+            <a:r>
+              <a:rPr lang="en-US" dirty="0" smtClean="0"/>
+              <a:t>Selector: #</a:t>
+            </a:r>
+            <a:r>
+              <a:rPr lang="en-US" dirty="0" err="1" smtClean="0"/>
+              <a:t>searchDropdownBox</a:t>
+            </a:r>
+            <a:r>
+              <a:rPr lang="en-US" dirty="0" smtClean="0"/>
+              <a:t> </a:t>
+            </a:r>
+            <a:r>
+              <a:rPr lang="en-US" dirty="0"/>
+              <a:t>&gt; </a:t>
+            </a:r>
+            <a:r>
+              <a:rPr lang="en-US" dirty="0" err="1"/>
+              <a:t>option:nth-child</a:t>
+            </a:r>
+            <a:r>
+              <a:rPr lang="en-US" dirty="0"/>
+              <a:t>(n)</a:t>
+            </a:r>
+            <a:br>
+              <a:rPr lang="en-US" dirty="0"/>
+            </a:br>
+            <a:r>
+              <a:rPr lang="en-US" dirty="0"/>
+              <a:t/>
+            </a:r>
+            <a:br>
+              <a:rPr lang="en-US" dirty="0"/>
+            </a:br>
+            <a:r>
+              <a:rPr lang="en-US" dirty="0"/>
+              <a:t>Where n &gt;= </a:t>
+            </a:r>
+            <a:r>
+              <a:rPr lang="en-US" dirty="0" smtClean="0"/>
+              <a:t>2</a:t>
+            </a:r>
+          </a:p>
+          <a:p>
+            <a:r>
+              <a:rPr lang="en-US" dirty="0" smtClean="0"/>
+              <a:t>Get category name from child node text.</a:t>
+            </a:r>
+            <a:endParaRPr lang="en-US" dirty="0"/>
+          </a:p>
+          <a:p>
+            <a:r>
+              <a:rPr lang="en-US" dirty="0" smtClean="0"/>
+              <a:t>Get </a:t>
+            </a:r>
+            <a:r>
+              <a:rPr lang="en-US" dirty="0"/>
+              <a:t>“</a:t>
+            </a:r>
+            <a:r>
+              <a:rPr lang="en-US" dirty="0" smtClean="0"/>
+              <a:t>search-alias=xxx” </a:t>
+            </a:r>
+            <a:r>
+              <a:rPr lang="en-US" dirty="0"/>
+              <a:t>as category </a:t>
+            </a:r>
+            <a:r>
+              <a:rPr lang="en-US" dirty="0" smtClean="0"/>
+              <a:t>search alias</a:t>
+            </a:r>
+            <a:endParaRPr lang="en-US" b="1" dirty="0"/>
+          </a:p>
+          <a:p>
+            <a:r>
+              <a:rPr lang="en-US" dirty="0" smtClean="0"/>
+              <a:t>Repeat </a:t>
+            </a:r>
+            <a:r>
+              <a:rPr lang="en-US" dirty="0"/>
+              <a:t>till empty element </a:t>
+            </a:r>
+            <a:r>
+              <a:rPr lang="en-US" dirty="0" smtClean="0"/>
+              <a:t>is reached.</a:t>
+            </a:r>
+          </a:p>
+          <a:p>
+            <a:r>
+              <a:rPr lang="en-US" dirty="0" smtClean="0"/>
+              <a:t>The </a:t>
+            </a:r>
+            <a:r>
+              <a:rPr lang="en-US" dirty="0"/>
+              <a:t>product list </a:t>
+            </a:r>
+            <a:r>
+              <a:rPr lang="en-US" dirty="0" err="1"/>
+              <a:t>url</a:t>
+            </a:r>
+            <a:r>
+              <a:rPr lang="en-US" dirty="0"/>
+              <a:t> for each category is in the following format:</a:t>
+            </a:r>
+            <a:br>
+              <a:rPr lang="en-US" dirty="0"/>
+            </a:br>
+            <a:r>
+              <a:rPr lang="en-US" dirty="0" smtClean="0"/>
+              <a:t>https</a:t>
+            </a:r>
+            <a:r>
+              <a:rPr lang="en-US" dirty="0"/>
+              <a:t>://</a:t>
+            </a:r>
+            <a:r>
+              <a:rPr lang="en-US" dirty="0" err="1"/>
+              <a:t>www.amazon.com</a:t>
+            </a:r>
+            <a:r>
+              <a:rPr lang="en-US" dirty="0"/>
+              <a:t>/s/ref=</a:t>
+            </a:r>
+            <a:r>
+              <a:rPr lang="en-US" dirty="0" err="1"/>
+              <a:t>nb_sb_noss?url</a:t>
+            </a:r>
+            <a:r>
+              <a:rPr lang="en-US" dirty="0"/>
+              <a:t>=$</a:t>
+            </a:r>
+            <a:r>
+              <a:rPr lang="en-US" dirty="0" err="1"/>
+              <a:t>SEARCH_ALIAS&amp;field-keywords</a:t>
+            </a:r>
+            <a:r>
+              <a:rPr lang="en-US" dirty="0"/>
+              <a:t>=-12345&amp;page=$PAGE_NO</a:t>
+            </a:r>
+            <a:br>
+              <a:rPr lang="en-US" dirty="0"/>
+            </a:br>
+            <a:r>
+              <a:rPr lang="en-US" dirty="0"/>
+              <a:t/>
+            </a:r>
+            <a:br>
+              <a:rPr lang="en-US" dirty="0"/>
+            </a:br>
+            <a:r>
+              <a:rPr lang="en-US" dirty="0"/>
+              <a:t>Replace the $SEARCH_ALIAS with category name and $PAGE_NO with the desired product </a:t>
+            </a:r>
+            <a:r>
+              <a:rPr lang="en-US" dirty="0" smtClean="0"/>
+              <a:t>list.</a:t>
+            </a:r>
+            <a:endParaRPr lang="en-US" dirty="0"/>
+          </a:p>
+          <a:p>
+            <a:r>
+              <a:rPr lang="en-US" dirty="0" smtClean="0"/>
+              <a:t>Store </a:t>
+            </a:r>
+            <a:r>
+              <a:rPr lang="en-US" dirty="0"/>
+              <a:t>the &lt;Category name, product list </a:t>
+            </a:r>
+            <a:r>
+              <a:rPr lang="en-US" dirty="0" err="1"/>
+              <a:t>url</a:t>
+            </a:r>
+            <a:r>
+              <a:rPr lang="en-US" dirty="0"/>
+              <a:t>&gt; pairs into Category DB.</a:t>
+            </a:r>
+            <a:br>
+              <a:rPr lang="en-US" dirty="0"/>
+            </a:br>
+            <a:endParaRPr lang="en-US" dirty="0"/>
+          </a:p>
+        </p:txBody>
+      </p:sp>
+    </p:spTree>
+    <p:extLst>
+      <p:ext uri="{BB962C8B-B14F-4D97-AF65-F5344CB8AC3E}">
+        <p14:creationId xmlns:p14="http://schemas.microsoft.com/office/powerpoint/2010/main" val="662863133"/>
+      </p:ext>
+    </p:extLst>
+  </p:cSld>
+  <p:clrMapOvr>
+    <a:masterClrMapping/>
+  </p:clrMapOvr>
+</p:sld>
+</file>
+
+<file path=ppt/slides/slide8.xml><?xml version="1.0" encoding="utf-8"?>
+<p:sld xmlns:a="http://schemas.openxmlformats.org/drawingml/2006/main" xmlns:r="http://schemas.openxmlformats.org/officeDocument/2006/relationships" xmlns:p="http://schemas.openxmlformats.org/presentationml/2006/main">
+  <p:cSld>
+    <p:spTree>
+      <p:nvGrpSpPr>
+        <p:cNvPr id="1" name=""/>
+        <p:cNvGrpSpPr/>
+        <p:nvPr/>
+      </p:nvGrpSpPr>
+      <p:grpSpPr>
+        <a:xfrm>
+          <a:off x="0" y="0"/>
+          <a:ext cx="0" cy="0"/>
+          <a:chOff x="0" y="0"/>
+          <a:chExt cx="0" cy="0"/>
+        </a:xfrm>
+      </p:grpSpPr>
+      <p:sp>
+        <p:nvSpPr>
+          <p:cNvPr id="2" name="Title 1"/>
+          <p:cNvSpPr>
+            <a:spLocks noGrp="1"/>
+          </p:cNvSpPr>
+          <p:nvPr>
+            <p:ph type="title"/>
+          </p:nvPr>
+        </p:nvSpPr>
+        <p:spPr/>
+        <p:txBody>
+          <a:bodyPr/>
+          <a:lstStyle/>
+          <a:p>
+            <a:r>
+              <a:rPr lang="en-US" dirty="0" smtClean="0"/>
+              <a:t>Product Crawler Detail</a:t>
+            </a:r>
+            <a:endParaRPr lang="en-US" dirty="0"/>
+          </a:p>
+        </p:txBody>
+      </p:sp>
+      <p:sp>
+        <p:nvSpPr>
+          <p:cNvPr id="3" name="Content Placeholder 2"/>
+          <p:cNvSpPr>
+            <a:spLocks noGrp="1"/>
+          </p:cNvSpPr>
+          <p:nvPr>
+            <p:ph idx="1"/>
+          </p:nvPr>
+        </p:nvSpPr>
+        <p:spPr/>
+        <p:txBody>
+          <a:bodyPr>
+            <a:normAutofit fontScale="62500" lnSpcReduction="20000"/>
+          </a:bodyPr>
+          <a:lstStyle/>
+          <a:p>
+            <a:r>
+              <a:rPr lang="en-US" dirty="0" smtClean="0"/>
+              <a:t>This </a:t>
+            </a:r>
+            <a:r>
+              <a:rPr lang="en-US" dirty="0"/>
+              <a:t>crawler is scheduled to run every 4 hours to quickly catch price changing </a:t>
+            </a:r>
+            <a:r>
+              <a:rPr lang="en-US" dirty="0" smtClean="0"/>
+              <a:t>information.</a:t>
+            </a:r>
+          </a:p>
+          <a:p>
+            <a:r>
+              <a:rPr lang="en-US" dirty="0" smtClean="0"/>
+              <a:t>If </a:t>
+            </a:r>
+            <a:r>
+              <a:rPr lang="en-US" dirty="0"/>
+              <a:t>a category contains a lot of products, multiple crawlers can be started to share the </a:t>
+            </a:r>
+            <a:r>
+              <a:rPr lang="en-US" dirty="0" smtClean="0"/>
+              <a:t>load.</a:t>
+            </a:r>
+          </a:p>
+          <a:p>
+            <a:r>
+              <a:rPr lang="en-US" dirty="0" smtClean="0"/>
+              <a:t>Only </a:t>
+            </a:r>
+            <a:r>
+              <a:rPr lang="en-US" dirty="0"/>
+              <a:t>subscribed categories will be </a:t>
+            </a:r>
+            <a:r>
+              <a:rPr lang="en-US" dirty="0" smtClean="0"/>
+              <a:t>crawled.</a:t>
+            </a:r>
+          </a:p>
+          <a:p>
+            <a:r>
+              <a:rPr lang="en-US" dirty="0" smtClean="0"/>
+              <a:t>Title</a:t>
+            </a:r>
+            <a:r>
+              <a:rPr lang="en-US" dirty="0"/>
+              <a:t>: get title from selector: </a:t>
+            </a:r>
+            <a:br>
+              <a:rPr lang="en-US" dirty="0"/>
+            </a:br>
+            <a:r>
+              <a:rPr lang="en-US" dirty="0" smtClean="0"/>
+              <a:t>#</a:t>
+            </a:r>
+            <a:r>
+              <a:rPr lang="en-US" dirty="0" err="1"/>
+              <a:t>result_$RESULT_NO</a:t>
+            </a:r>
+            <a:r>
+              <a:rPr lang="en-US" dirty="0"/>
+              <a:t> &gt; div &gt; div &gt; div &gt; </a:t>
+            </a:r>
+            <a:r>
+              <a:rPr lang="en-US" dirty="0" err="1"/>
+              <a:t>div.a</a:t>
+            </a:r>
+            <a:r>
+              <a:rPr lang="en-US" dirty="0"/>
+              <a:t>-fixed-left-grid-</a:t>
+            </a:r>
+            <a:r>
+              <a:rPr lang="en-US" dirty="0" err="1"/>
+              <a:t>col.a</a:t>
+            </a:r>
+            <a:r>
+              <a:rPr lang="en-US" dirty="0"/>
+              <a:t>-col-right &gt; </a:t>
+            </a:r>
+            <a:r>
+              <a:rPr lang="en-US" dirty="0" err="1"/>
+              <a:t>div.a</a:t>
+            </a:r>
+            <a:r>
+              <a:rPr lang="en-US" dirty="0"/>
+              <a:t>-</a:t>
+            </a:r>
+            <a:r>
+              <a:rPr lang="en-US" dirty="0" err="1"/>
+              <a:t>row.a</a:t>
+            </a:r>
+            <a:r>
+              <a:rPr lang="en-US" dirty="0"/>
+              <a:t>-spacing-small &gt; </a:t>
+            </a:r>
+            <a:r>
+              <a:rPr lang="en-US" dirty="0" err="1"/>
+              <a:t>div:nth-child</a:t>
+            </a:r>
+            <a:r>
+              <a:rPr lang="en-US" dirty="0"/>
+              <a:t>(1) &gt; a</a:t>
+            </a:r>
+            <a:br>
+              <a:rPr lang="en-US" dirty="0"/>
+            </a:br>
+            <a:r>
+              <a:rPr lang="en-US" dirty="0"/>
+              <a:t/>
+            </a:r>
+            <a:br>
+              <a:rPr lang="en-US" dirty="0"/>
+            </a:br>
+            <a:r>
+              <a:rPr lang="en-US" dirty="0"/>
+              <a:t>Where $RESULT_NO starts from </a:t>
+            </a:r>
+            <a:r>
+              <a:rPr lang="en-US" dirty="0" smtClean="0"/>
+              <a:t>0</a:t>
+            </a:r>
+            <a:endParaRPr lang="en-US" dirty="0"/>
+          </a:p>
+          <a:p>
+            <a:r>
+              <a:rPr lang="en-US" dirty="0" smtClean="0"/>
+              <a:t>Price</a:t>
+            </a:r>
+            <a:r>
+              <a:rPr lang="en-US" dirty="0"/>
+              <a:t>: get aria-label from selector: </a:t>
+            </a:r>
+            <a:br>
+              <a:rPr lang="en-US" dirty="0"/>
+            </a:br>
+            <a:r>
+              <a:rPr lang="en-US" dirty="0" smtClean="0"/>
+              <a:t>#</a:t>
+            </a:r>
+            <a:r>
+              <a:rPr lang="en-US" dirty="0" err="1"/>
+              <a:t>result_$RESULT_NO</a:t>
+            </a:r>
+            <a:r>
+              <a:rPr lang="en-US" dirty="0"/>
+              <a:t> &gt; div &gt; div &gt; div &gt; </a:t>
+            </a:r>
+            <a:r>
+              <a:rPr lang="en-US" dirty="0" err="1"/>
+              <a:t>div.a</a:t>
+            </a:r>
+            <a:r>
+              <a:rPr lang="en-US" dirty="0"/>
+              <a:t>-fixed-left-grid-</a:t>
+            </a:r>
+            <a:r>
+              <a:rPr lang="en-US" dirty="0" err="1"/>
+              <a:t>col.a</a:t>
+            </a:r>
+            <a:r>
+              <a:rPr lang="en-US" dirty="0"/>
+              <a:t>-col-right &gt; </a:t>
+            </a:r>
+            <a:r>
+              <a:rPr lang="en-US" dirty="0" err="1"/>
+              <a:t>div:nth-child</a:t>
+            </a:r>
+            <a:r>
+              <a:rPr lang="en-US" dirty="0"/>
+              <a:t>(2) &gt; div.a-column.a-span7 &gt; </a:t>
+            </a:r>
+            <a:r>
+              <a:rPr lang="en-US" dirty="0" err="1"/>
+              <a:t>div.a</a:t>
+            </a:r>
+            <a:r>
+              <a:rPr lang="en-US" dirty="0"/>
+              <a:t>-</a:t>
+            </a:r>
+            <a:r>
+              <a:rPr lang="en-US" dirty="0" err="1"/>
+              <a:t>row.a</a:t>
+            </a:r>
+            <a:r>
+              <a:rPr lang="en-US" dirty="0"/>
+              <a:t>-spacing-none &gt; a &gt; </a:t>
+            </a:r>
+            <a:r>
+              <a:rPr lang="en-US" dirty="0" smtClean="0"/>
+              <a:t>span</a:t>
+            </a:r>
+            <a:endParaRPr lang="en-US" dirty="0"/>
+          </a:p>
+          <a:p>
+            <a:r>
+              <a:rPr lang="en-US" dirty="0" err="1" smtClean="0"/>
+              <a:t>Thumnail</a:t>
+            </a:r>
+            <a:r>
+              <a:rPr lang="en-US" dirty="0"/>
+              <a:t>: get </a:t>
+            </a:r>
+            <a:r>
+              <a:rPr lang="en-US" dirty="0" err="1"/>
+              <a:t>src</a:t>
+            </a:r>
+            <a:r>
+              <a:rPr lang="en-US" dirty="0"/>
+              <a:t> from selector: </a:t>
+            </a:r>
+            <a:br>
+              <a:rPr lang="en-US" dirty="0"/>
+            </a:br>
+            <a:r>
+              <a:rPr lang="en-US" dirty="0" smtClean="0"/>
+              <a:t>#</a:t>
+            </a:r>
+            <a:r>
+              <a:rPr lang="en-US" dirty="0" err="1"/>
+              <a:t>result_$RESULT_NO</a:t>
+            </a:r>
+            <a:r>
+              <a:rPr lang="en-US" dirty="0"/>
+              <a:t> &gt; div &gt; div &gt; div &gt; </a:t>
+            </a:r>
+            <a:r>
+              <a:rPr lang="en-US" dirty="0" err="1"/>
+              <a:t>div.a</a:t>
+            </a:r>
+            <a:r>
+              <a:rPr lang="en-US" dirty="0"/>
+              <a:t>-fixed-left-grid-</a:t>
+            </a:r>
+            <a:r>
+              <a:rPr lang="en-US" dirty="0" err="1"/>
+              <a:t>col.a</a:t>
+            </a:r>
+            <a:r>
+              <a:rPr lang="en-US" dirty="0"/>
+              <a:t>-col-left &gt; div &gt; div &gt; a &gt; </a:t>
+            </a:r>
+            <a:r>
+              <a:rPr lang="en-US" dirty="0" err="1" smtClean="0"/>
+              <a:t>img</a:t>
+            </a:r>
+            <a:endParaRPr lang="en-US" dirty="0"/>
+          </a:p>
+          <a:p>
+            <a:r>
+              <a:rPr lang="en-US" dirty="0" err="1" smtClean="0"/>
+              <a:t>Detail_url</a:t>
+            </a:r>
+            <a:r>
+              <a:rPr lang="en-US" dirty="0"/>
+              <a:t>: get </a:t>
+            </a:r>
+            <a:r>
+              <a:rPr lang="en-US" dirty="0" err="1"/>
+              <a:t>href</a:t>
+            </a:r>
+            <a:r>
+              <a:rPr lang="en-US" dirty="0"/>
+              <a:t> from selector: </a:t>
+            </a:r>
+            <a:br>
+              <a:rPr lang="en-US" dirty="0"/>
+            </a:br>
+            <a:r>
+              <a:rPr lang="en-US" dirty="0" smtClean="0"/>
+              <a:t>#</a:t>
+            </a:r>
+            <a:r>
+              <a:rPr lang="en-US" dirty="0"/>
+              <a:t>result _$RESULT_NO &gt; div &gt; div &gt; div &gt; </a:t>
+            </a:r>
+            <a:r>
+              <a:rPr lang="en-US" dirty="0" err="1"/>
+              <a:t>div.a</a:t>
+            </a:r>
+            <a:r>
+              <a:rPr lang="en-US" dirty="0"/>
+              <a:t>-fixed-left-grid-</a:t>
+            </a:r>
+            <a:r>
+              <a:rPr lang="en-US" dirty="0" err="1"/>
+              <a:t>col.a</a:t>
+            </a:r>
+            <a:r>
+              <a:rPr lang="en-US" dirty="0"/>
+              <a:t>-col-right &gt; </a:t>
+            </a:r>
+            <a:r>
+              <a:rPr lang="en-US" dirty="0" err="1"/>
+              <a:t>div.a</a:t>
+            </a:r>
+            <a:r>
+              <a:rPr lang="en-US" dirty="0"/>
+              <a:t>-</a:t>
+            </a:r>
+            <a:r>
+              <a:rPr lang="en-US" dirty="0" err="1"/>
+              <a:t>row.a</a:t>
+            </a:r>
+            <a:r>
+              <a:rPr lang="en-US" dirty="0"/>
+              <a:t>-spacing-small &gt; </a:t>
+            </a:r>
+            <a:r>
+              <a:rPr lang="en-US" dirty="0" err="1"/>
+              <a:t>div:nth-child</a:t>
+            </a:r>
+            <a:r>
+              <a:rPr lang="en-US" dirty="0"/>
+              <a:t>(1) &gt; </a:t>
+            </a:r>
+            <a:r>
+              <a:rPr lang="en-US" dirty="0" smtClean="0"/>
+              <a:t>a</a:t>
+            </a:r>
+            <a:endParaRPr lang="en-US" dirty="0"/>
+          </a:p>
+          <a:p>
+            <a:r>
+              <a:rPr lang="en-US" dirty="0" err="1" smtClean="0"/>
+              <a:t>product_id</a:t>
+            </a:r>
+            <a:r>
+              <a:rPr lang="en-US" dirty="0"/>
+              <a:t>: get last portion of </a:t>
+            </a:r>
+            <a:r>
+              <a:rPr lang="en-US" dirty="0" err="1"/>
+              <a:t>detail_url</a:t>
+            </a:r>
+            <a:r>
+              <a:rPr lang="en-US" dirty="0" smtClean="0"/>
+              <a:t>.</a:t>
+            </a:r>
+            <a:endParaRPr lang="en-US" dirty="0"/>
+          </a:p>
+        </p:txBody>
+      </p:sp>
+    </p:spTree>
+    <p:extLst>
+      <p:ext uri="{BB962C8B-B14F-4D97-AF65-F5344CB8AC3E}">
+        <p14:creationId xmlns:p14="http://schemas.microsoft.com/office/powerpoint/2010/main" val="893143620"/>
+      </p:ext>
+    </p:extLst>
+  </p:cSld>
+  <p:clrMapOvr>
+    <a:masterClrMapping/>
+  </p:clrMapOvr>
 </p:sld>
 </file>
 

--- a/PriceMonitoringDesign.pptx
+++ b/PriceMonitoringDesign.pptx
@@ -5,7 +5,7 @@
     <p:sldMasterId id="2147483648" r:id="rId1"/>
   </p:sldMasterIdLst>
   <p:notesMasterIdLst>
-    <p:notesMasterId r:id="rId10"/>
+    <p:notesMasterId r:id="rId11"/>
   </p:notesMasterIdLst>
   <p:sldIdLst>
     <p:sldId id="256" r:id="rId2"/>
@@ -16,6 +16,7 @@
     <p:sldId id="261" r:id="rId7"/>
     <p:sldId id="262" r:id="rId8"/>
     <p:sldId id="263" r:id="rId9"/>
+    <p:sldId id="264" r:id="rId10"/>
   </p:sldIdLst>
   <p:sldSz cx="12192000" cy="6858000"/>
   <p:notesSz cx="6858000" cy="9144000"/>
@@ -204,7 +205,7 @@
           <a:p>
             <a:fld id="{822F189D-D7C4-2B4B-BA7D-F542C8765D31}" type="datetimeFigureOut">
               <a:rPr lang="en-US" smtClean="0"/>
-              <a:t>5/31/17</a:t>
+              <a:t>6/11/17</a:t>
             </a:fld>
             <a:endParaRPr lang="en-US"/>
           </a:p>
@@ -603,7 +604,7 @@
           <a:p>
             <a:fld id="{FE13B3C1-B50E-B844-B5EC-A0E6C3AA92EA}" type="datetimeFigureOut">
               <a:rPr lang="en-US" smtClean="0"/>
-              <a:t>5/31/17</a:t>
+              <a:t>6/11/17</a:t>
             </a:fld>
             <a:endParaRPr lang="en-US"/>
           </a:p>
@@ -773,7 +774,7 @@
           <a:p>
             <a:fld id="{FE13B3C1-B50E-B844-B5EC-A0E6C3AA92EA}" type="datetimeFigureOut">
               <a:rPr lang="en-US" smtClean="0"/>
-              <a:t>5/31/17</a:t>
+              <a:t>6/11/17</a:t>
             </a:fld>
             <a:endParaRPr lang="en-US"/>
           </a:p>
@@ -953,7 +954,7 @@
           <a:p>
             <a:fld id="{FE13B3C1-B50E-B844-B5EC-A0E6C3AA92EA}" type="datetimeFigureOut">
               <a:rPr lang="en-US" smtClean="0"/>
-              <a:t>5/31/17</a:t>
+              <a:t>6/11/17</a:t>
             </a:fld>
             <a:endParaRPr lang="en-US"/>
           </a:p>
@@ -1123,7 +1124,7 @@
           <a:p>
             <a:fld id="{FE13B3C1-B50E-B844-B5EC-A0E6C3AA92EA}" type="datetimeFigureOut">
               <a:rPr lang="en-US" smtClean="0"/>
-              <a:t>5/31/17</a:t>
+              <a:t>6/11/17</a:t>
             </a:fld>
             <a:endParaRPr lang="en-US"/>
           </a:p>
@@ -1369,7 +1370,7 @@
           <a:p>
             <a:fld id="{FE13B3C1-B50E-B844-B5EC-A0E6C3AA92EA}" type="datetimeFigureOut">
               <a:rPr lang="en-US" smtClean="0"/>
-              <a:t>5/31/17</a:t>
+              <a:t>6/11/17</a:t>
             </a:fld>
             <a:endParaRPr lang="en-US"/>
           </a:p>
@@ -1601,7 +1602,7 @@
           <a:p>
             <a:fld id="{FE13B3C1-B50E-B844-B5EC-A0E6C3AA92EA}" type="datetimeFigureOut">
               <a:rPr lang="en-US" smtClean="0"/>
-              <a:t>5/31/17</a:t>
+              <a:t>6/11/17</a:t>
             </a:fld>
             <a:endParaRPr lang="en-US"/>
           </a:p>
@@ -1968,7 +1969,7 @@
           <a:p>
             <a:fld id="{FE13B3C1-B50E-B844-B5EC-A0E6C3AA92EA}" type="datetimeFigureOut">
               <a:rPr lang="en-US" smtClean="0"/>
-              <a:t>5/31/17</a:t>
+              <a:t>6/11/17</a:t>
             </a:fld>
             <a:endParaRPr lang="en-US"/>
           </a:p>
@@ -2086,7 +2087,7 @@
           <a:p>
             <a:fld id="{FE13B3C1-B50E-B844-B5EC-A0E6C3AA92EA}" type="datetimeFigureOut">
               <a:rPr lang="en-US" smtClean="0"/>
-              <a:t>5/31/17</a:t>
+              <a:t>6/11/17</a:t>
             </a:fld>
             <a:endParaRPr lang="en-US"/>
           </a:p>
@@ -2181,7 +2182,7 @@
           <a:p>
             <a:fld id="{FE13B3C1-B50E-B844-B5EC-A0E6C3AA92EA}" type="datetimeFigureOut">
               <a:rPr lang="en-US" smtClean="0"/>
-              <a:t>5/31/17</a:t>
+              <a:t>6/11/17</a:t>
             </a:fld>
             <a:endParaRPr lang="en-US"/>
           </a:p>
@@ -2458,7 +2459,7 @@
           <a:p>
             <a:fld id="{FE13B3C1-B50E-B844-B5EC-A0E6C3AA92EA}" type="datetimeFigureOut">
               <a:rPr lang="en-US" smtClean="0"/>
-              <a:t>5/31/17</a:t>
+              <a:t>6/11/17</a:t>
             </a:fld>
             <a:endParaRPr lang="en-US"/>
           </a:p>
@@ -2711,7 +2712,7 @@
           <a:p>
             <a:fld id="{FE13B3C1-B50E-B844-B5EC-A0E6C3AA92EA}" type="datetimeFigureOut">
               <a:rPr lang="en-US" smtClean="0"/>
-              <a:t>5/31/17</a:t>
+              <a:t>6/11/17</a:t>
             </a:fld>
             <a:endParaRPr lang="en-US"/>
           </a:p>
@@ -2924,7 +2925,7 @@
           <a:p>
             <a:fld id="{FE13B3C1-B50E-B844-B5EC-A0E6C3AA92EA}" type="datetimeFigureOut">
               <a:rPr lang="en-US" smtClean="0"/>
-              <a:t>5/31/17</a:t>
+              <a:t>6/11/17</a:t>
             </a:fld>
             <a:endParaRPr lang="en-US"/>
           </a:p>
@@ -7175,6 +7176,151 @@
     <p:extLst>
       <p:ext uri="{BB962C8B-B14F-4D97-AF65-F5344CB8AC3E}">
         <p14:creationId xmlns:p14="http://schemas.microsoft.com/office/powerpoint/2010/main" val="893143620"/>
+      </p:ext>
+    </p:extLst>
+  </p:cSld>
+  <p:clrMapOvr>
+    <a:masterClrMapping/>
+  </p:clrMapOvr>
+</p:sld>
+</file>
+
+<file path=ppt/slides/slide9.xml><?xml version="1.0" encoding="utf-8"?>
+<p:sld xmlns:a="http://schemas.openxmlformats.org/drawingml/2006/main" xmlns:r="http://schemas.openxmlformats.org/officeDocument/2006/relationships" xmlns:p="http://schemas.openxmlformats.org/presentationml/2006/main">
+  <p:cSld>
+    <p:spTree>
+      <p:nvGrpSpPr>
+        <p:cNvPr id="1" name=""/>
+        <p:cNvGrpSpPr/>
+        <p:nvPr/>
+      </p:nvGrpSpPr>
+      <p:grpSpPr>
+        <a:xfrm>
+          <a:off x="0" y="0"/>
+          <a:ext cx="0" cy="0"/>
+          <a:chOff x="0" y="0"/>
+          <a:chExt cx="0" cy="0"/>
+        </a:xfrm>
+      </p:grpSpPr>
+      <p:sp>
+        <p:nvSpPr>
+          <p:cNvPr id="2" name="Title 1"/>
+          <p:cNvSpPr>
+            <a:spLocks noGrp="1"/>
+          </p:cNvSpPr>
+          <p:nvPr>
+            <p:ph type="title"/>
+          </p:nvPr>
+        </p:nvSpPr>
+        <p:spPr/>
+        <p:txBody>
+          <a:bodyPr/>
+          <a:lstStyle/>
+          <a:p>
+            <a:r>
+              <a:rPr lang="en-US" dirty="0" smtClean="0"/>
+              <a:t>Scheduling</a:t>
+            </a:r>
+            <a:endParaRPr lang="en-US" dirty="0"/>
+          </a:p>
+        </p:txBody>
+      </p:sp>
+      <p:sp>
+        <p:nvSpPr>
+          <p:cNvPr id="3" name="Content Placeholder 2"/>
+          <p:cNvSpPr>
+            <a:spLocks noGrp="1"/>
+          </p:cNvSpPr>
+          <p:nvPr>
+            <p:ph idx="1"/>
+          </p:nvPr>
+        </p:nvSpPr>
+        <p:spPr/>
+        <p:txBody>
+          <a:bodyPr>
+            <a:normAutofit fontScale="92500" lnSpcReduction="10000"/>
+          </a:bodyPr>
+          <a:lstStyle/>
+          <a:p>
+            <a:r>
+              <a:rPr lang="en-US" dirty="0" smtClean="0"/>
+              <a:t>Category Crawler</a:t>
+            </a:r>
+          </a:p>
+          <a:p>
+            <a:pPr lvl="1"/>
+            <a:r>
+              <a:rPr lang="en-US" dirty="0" smtClean="0"/>
+              <a:t>Every week at 12:00 AM Sunday</a:t>
+            </a:r>
+          </a:p>
+          <a:p>
+            <a:r>
+              <a:rPr lang="en-US" dirty="0" smtClean="0"/>
+              <a:t>High Priority Product Crawler</a:t>
+            </a:r>
+          </a:p>
+          <a:p>
+            <a:pPr lvl="1"/>
+            <a:r>
+              <a:rPr lang="en-US" dirty="0" smtClean="0"/>
+              <a:t>Every 3 hours starting from 1:00 AM daily</a:t>
+            </a:r>
+          </a:p>
+          <a:p>
+            <a:r>
+              <a:rPr lang="en-US" dirty="0" smtClean="0"/>
+              <a:t>Medium Priority Product Crawler</a:t>
+            </a:r>
+          </a:p>
+          <a:p>
+            <a:pPr lvl="1"/>
+            <a:r>
+              <a:rPr lang="en-US" dirty="0" smtClean="0"/>
+              <a:t>Every 12 hours starting from 2:00 AM daily</a:t>
+            </a:r>
+          </a:p>
+          <a:p>
+            <a:r>
+              <a:rPr lang="en-US" dirty="0" smtClean="0"/>
+              <a:t>Low Priority Product Crawler</a:t>
+            </a:r>
+          </a:p>
+          <a:p>
+            <a:pPr lvl="1"/>
+            <a:r>
+              <a:rPr lang="en-US" dirty="0" smtClean="0"/>
+              <a:t>Every day at 3:00 AM</a:t>
+            </a:r>
+          </a:p>
+          <a:p>
+            <a:r>
+              <a:rPr lang="en-US" smtClean="0"/>
+              <a:t>Order </a:t>
+            </a:r>
+            <a:r>
+              <a:rPr lang="en-US" dirty="0" smtClean="0"/>
+              <a:t>categories by subscribers count, then by category id.</a:t>
+            </a:r>
+          </a:p>
+          <a:p>
+            <a:r>
+              <a:rPr lang="en-US" dirty="0" smtClean="0"/>
+              <a:t>First 1/3 goes to high priority queue, second 1/3 to medium and last 1/3 goes to low priority queue.</a:t>
+            </a:r>
+          </a:p>
+          <a:p>
+            <a:endParaRPr lang="en-US" dirty="0" smtClean="0"/>
+          </a:p>
+          <a:p>
+            <a:endParaRPr lang="en-US" dirty="0"/>
+          </a:p>
+        </p:txBody>
+      </p:sp>
+    </p:spTree>
+    <p:extLst>
+      <p:ext uri="{BB962C8B-B14F-4D97-AF65-F5344CB8AC3E}">
+        <p14:creationId xmlns:p14="http://schemas.microsoft.com/office/powerpoint/2010/main" val="2042320774"/>
       </p:ext>
     </p:extLst>
   </p:cSld>

--- a/PriceMonitoringDesign.pptx
+++ b/PriceMonitoringDesign.pptx
@@ -5,18 +5,20 @@
     <p:sldMasterId id="2147483648" r:id="rId1"/>
   </p:sldMasterIdLst>
   <p:notesMasterIdLst>
-    <p:notesMasterId r:id="rId11"/>
+    <p:notesMasterId r:id="rId13"/>
   </p:notesMasterIdLst>
   <p:sldIdLst>
-    <p:sldId id="256" r:id="rId2"/>
-    <p:sldId id="257" r:id="rId3"/>
-    <p:sldId id="258" r:id="rId4"/>
-    <p:sldId id="259" r:id="rId5"/>
-    <p:sldId id="260" r:id="rId6"/>
-    <p:sldId id="261" r:id="rId7"/>
-    <p:sldId id="262" r:id="rId8"/>
-    <p:sldId id="263" r:id="rId9"/>
-    <p:sldId id="264" r:id="rId10"/>
+    <p:sldId id="268" r:id="rId2"/>
+    <p:sldId id="266" r:id="rId3"/>
+    <p:sldId id="256" r:id="rId4"/>
+    <p:sldId id="257" r:id="rId5"/>
+    <p:sldId id="258" r:id="rId6"/>
+    <p:sldId id="259" r:id="rId7"/>
+    <p:sldId id="260" r:id="rId8"/>
+    <p:sldId id="261" r:id="rId9"/>
+    <p:sldId id="262" r:id="rId10"/>
+    <p:sldId id="263" r:id="rId11"/>
+    <p:sldId id="264" r:id="rId12"/>
   </p:sldIdLst>
   <p:sldSz cx="12192000" cy="6858000"/>
   <p:notesSz cx="6858000" cy="9144000"/>
@@ -471,6 +473,90 @@
     </a:lvl9pPr>
   </p:notesStyle>
 </p:notesMaster>
+</file>
+
+<file path=ppt/notesSlides/notesSlide1.xml><?xml version="1.0" encoding="utf-8"?>
+<p:notes xmlns:a="http://schemas.openxmlformats.org/drawingml/2006/main" xmlns:r="http://schemas.openxmlformats.org/officeDocument/2006/relationships" xmlns:p="http://schemas.openxmlformats.org/presentationml/2006/main">
+  <p:cSld>
+    <p:spTree>
+      <p:nvGrpSpPr>
+        <p:cNvPr id="1" name=""/>
+        <p:cNvGrpSpPr/>
+        <p:nvPr/>
+      </p:nvGrpSpPr>
+      <p:grpSpPr>
+        <a:xfrm>
+          <a:off x="0" y="0"/>
+          <a:ext cx="0" cy="0"/>
+          <a:chOff x="0" y="0"/>
+          <a:chExt cx="0" cy="0"/>
+        </a:xfrm>
+      </p:grpSpPr>
+      <p:sp>
+        <p:nvSpPr>
+          <p:cNvPr id="2" name="Slide Image Placeholder 1"/>
+          <p:cNvSpPr>
+            <a:spLocks noGrp="1" noRot="1" noChangeAspect="1"/>
+          </p:cNvSpPr>
+          <p:nvPr>
+            <p:ph type="sldImg"/>
+          </p:nvPr>
+        </p:nvSpPr>
+        <p:spPr/>
+      </p:sp>
+      <p:sp>
+        <p:nvSpPr>
+          <p:cNvPr id="3" name="Notes Placeholder 2"/>
+          <p:cNvSpPr>
+            <a:spLocks noGrp="1"/>
+          </p:cNvSpPr>
+          <p:nvPr>
+            <p:ph type="body" idx="1"/>
+          </p:nvPr>
+        </p:nvSpPr>
+        <p:spPr/>
+        <p:txBody>
+          <a:bodyPr/>
+          <a:lstStyle/>
+          <a:p>
+            <a:endParaRPr lang="en-US" dirty="0"/>
+          </a:p>
+        </p:txBody>
+      </p:sp>
+      <p:sp>
+        <p:nvSpPr>
+          <p:cNvPr id="4" name="Slide Number Placeholder 3"/>
+          <p:cNvSpPr>
+            <a:spLocks noGrp="1"/>
+          </p:cNvSpPr>
+          <p:nvPr>
+            <p:ph type="sldNum" sz="quarter" idx="10"/>
+          </p:nvPr>
+        </p:nvSpPr>
+        <p:spPr/>
+        <p:txBody>
+          <a:bodyPr/>
+          <a:lstStyle/>
+          <a:p>
+            <a:fld id="{EC7320ED-0C6B-184D-AB80-F731C6164C1E}" type="slidenum">
+              <a:rPr lang="en-US" smtClean="0"/>
+              <a:t>2</a:t>
+            </a:fld>
+            <a:endParaRPr lang="en-US"/>
+          </a:p>
+        </p:txBody>
+      </p:sp>
+    </p:spTree>
+    <p:extLst>
+      <p:ext uri="{BB962C8B-B14F-4D97-AF65-F5344CB8AC3E}">
+        <p14:creationId xmlns:p14="http://schemas.microsoft.com/office/powerpoint/2010/main" val="1760959089"/>
+      </p:ext>
+    </p:extLst>
+  </p:cSld>
+  <p:clrMapOvr>
+    <a:masterClrMapping/>
+  </p:clrMapOvr>
+</p:notes>
 </file>
 
 <file path=ppt/slideLayouts/slideLayout1.xml><?xml version="1.0" encoding="utf-8"?>
@@ -3337,24 +3423,18 @@
             <a:spLocks noGrp="1"/>
           </p:cNvSpPr>
           <p:nvPr>
-            <p:ph type="ctrTitle"/>
+            <p:ph type="title"/>
           </p:nvPr>
         </p:nvSpPr>
-        <p:spPr>
-          <a:xfrm>
-            <a:off x="1524000" y="0"/>
-            <a:ext cx="9144000" cy="856527"/>
-          </a:xfrm>
-        </p:spPr>
-        <p:txBody>
-          <a:bodyPr>
-            <a:normAutofit fontScale="90000"/>
-          </a:bodyPr>
-          <a:lstStyle/>
-          <a:p>
-            <a:r>
-              <a:rPr lang="en-US" dirty="0" smtClean="0"/>
-              <a:t>Category Crawling Flow</a:t>
+        <p:spPr/>
+        <p:txBody>
+          <a:bodyPr/>
+          <a:lstStyle/>
+          <a:p>
+            <a:pPr algn="ctr"/>
+            <a:r>
+              <a:rPr lang="en-US" dirty="0" smtClean="0"/>
+              <a:t>What is Price Monitoring System	</a:t>
             </a:r>
             <a:endParaRPr lang="en-US" dirty="0"/>
           </a:p>
@@ -3362,318 +3442,69 @@
       </p:sp>
       <p:sp>
         <p:nvSpPr>
-          <p:cNvPr id="3" name="Subtitle 2"/>
+          <p:cNvPr id="3" name="Content Placeholder 2"/>
           <p:cNvSpPr>
             <a:spLocks noGrp="1"/>
           </p:cNvSpPr>
           <p:nvPr>
-            <p:ph type="subTitle" idx="1"/>
+            <p:ph idx="1"/>
           </p:nvPr>
         </p:nvSpPr>
-        <p:spPr>
-          <a:xfrm>
-            <a:off x="0" y="856527"/>
-            <a:ext cx="12192000" cy="6001473"/>
-          </a:xfrm>
-        </p:spPr>
+        <p:spPr/>
         <p:txBody>
           <a:bodyPr/>
           <a:lstStyle/>
           <a:p>
             <a:r>
               <a:rPr lang="en-US" dirty="0" smtClean="0"/>
-              <a:t>Offline service: executed every week</a:t>
+              <a:t>A product price monitoring system, similar to </a:t>
+            </a:r>
+            <a:r>
+              <a:rPr lang="en-US" dirty="0" err="1" smtClean="0"/>
+              <a:t>dealmoon.com</a:t>
+            </a:r>
+            <a:r>
+              <a:rPr lang="en-US" dirty="0" smtClean="0"/>
+              <a:t>, to notify subscribers about discount products.</a:t>
+            </a:r>
+          </a:p>
+          <a:p>
+            <a:r>
+              <a:rPr lang="en-US" dirty="0" smtClean="0"/>
+              <a:t>Acquire product info from Amazon web site and store into MySQL DB.</a:t>
+            </a:r>
+          </a:p>
+          <a:p>
+            <a:r>
+              <a:rPr lang="en-US" dirty="0" smtClean="0"/>
+              <a:t>Sort products according to category.</a:t>
+            </a:r>
+          </a:p>
+          <a:p>
+            <a:r>
+              <a:rPr lang="en-US" dirty="0" smtClean="0"/>
+              <a:t>Users can subscribe via email the interested categories.</a:t>
+            </a:r>
+          </a:p>
+          <a:p>
+            <a:r>
+              <a:rPr lang="en-US" dirty="0" smtClean="0"/>
+              <a:t>Notify user when product prices in the subscribed categories is reduced.</a:t>
+            </a:r>
+          </a:p>
+          <a:p>
+            <a:r>
+              <a:rPr lang="en-US" dirty="0" smtClean="0"/>
+              <a:t>User can also query discount products of any category.</a:t>
             </a:r>
             <a:endParaRPr lang="en-US" dirty="0"/>
-          </a:p>
-        </p:txBody>
-      </p:sp>
-      <p:sp>
-        <p:nvSpPr>
-          <p:cNvPr id="4" name="Rectangle 3"/>
-          <p:cNvSpPr/>
-          <p:nvPr/>
-        </p:nvSpPr>
-        <p:spPr>
-          <a:xfrm>
-            <a:off x="3152075" y="1969798"/>
-            <a:ext cx="1944547" cy="833378"/>
-          </a:xfrm>
-          <a:prstGeom prst="rect">
-            <a:avLst/>
-          </a:prstGeom>
-        </p:spPr>
-        <p:style>
-          <a:lnRef idx="2">
-            <a:schemeClr val="accent1">
-              <a:shade val="50000"/>
-            </a:schemeClr>
-          </a:lnRef>
-          <a:fillRef idx="1">
-            <a:schemeClr val="accent1"/>
-          </a:fillRef>
-          <a:effectRef idx="0">
-            <a:schemeClr val="accent1"/>
-          </a:effectRef>
-          <a:fontRef idx="minor">
-            <a:schemeClr val="lt1"/>
-          </a:fontRef>
-        </p:style>
-        <p:txBody>
-          <a:bodyPr rtlCol="0" anchor="ctr"/>
-          <a:lstStyle/>
-          <a:p>
-            <a:pPr algn="ctr"/>
-            <a:r>
-              <a:rPr lang="en-US" dirty="0" smtClean="0"/>
-              <a:t>Start Category Crawling Service</a:t>
-            </a:r>
-            <a:endParaRPr lang="en-US" dirty="0"/>
-          </a:p>
-        </p:txBody>
-      </p:sp>
-      <p:sp>
-        <p:nvSpPr>
-          <p:cNvPr id="5" name="Rectangle 4"/>
-          <p:cNvSpPr/>
-          <p:nvPr/>
-        </p:nvSpPr>
-        <p:spPr>
-          <a:xfrm>
-            <a:off x="5885630" y="1796179"/>
-            <a:ext cx="2741271" cy="1160775"/>
-          </a:xfrm>
-          <a:prstGeom prst="rect">
-            <a:avLst/>
-          </a:prstGeom>
-        </p:spPr>
-        <p:style>
-          <a:lnRef idx="2">
-            <a:schemeClr val="accent1">
-              <a:shade val="50000"/>
-            </a:schemeClr>
-          </a:lnRef>
-          <a:fillRef idx="1">
-            <a:schemeClr val="accent1"/>
-          </a:fillRef>
-          <a:effectRef idx="0">
-            <a:schemeClr val="accent1"/>
-          </a:effectRef>
-          <a:fontRef idx="minor">
-            <a:schemeClr val="lt1"/>
-          </a:fontRef>
-        </p:style>
-        <p:txBody>
-          <a:bodyPr rtlCol="0" anchor="ctr"/>
-          <a:lstStyle/>
-          <a:p>
-            <a:pPr algn="ctr"/>
-            <a:r>
-              <a:rPr lang="en-US" dirty="0" smtClean="0"/>
-              <a:t>Crawl Amazon Web  to find Product List URL for Each Category</a:t>
-            </a:r>
-            <a:endParaRPr lang="en-US" dirty="0"/>
-          </a:p>
-        </p:txBody>
-      </p:sp>
-      <p:cxnSp>
-        <p:nvCxnSpPr>
-          <p:cNvPr id="7" name="Straight Arrow Connector 6"/>
-          <p:cNvCxnSpPr>
-            <a:stCxn id="4" idx="3"/>
-            <a:endCxn id="5" idx="1"/>
-          </p:cNvCxnSpPr>
-          <p:nvPr/>
-        </p:nvCxnSpPr>
-        <p:spPr>
-          <a:xfrm flipV="1">
-            <a:off x="5096622" y="2376567"/>
-            <a:ext cx="789008" cy="9920"/>
-          </a:xfrm>
-          <a:prstGeom prst="straightConnector1">
-            <a:avLst/>
-          </a:prstGeom>
-          <a:ln>
-            <a:tailEnd type="triangle"/>
-          </a:ln>
-        </p:spPr>
-        <p:style>
-          <a:lnRef idx="1">
-            <a:schemeClr val="accent1"/>
-          </a:lnRef>
-          <a:fillRef idx="0">
-            <a:schemeClr val="accent1"/>
-          </a:fillRef>
-          <a:effectRef idx="0">
-            <a:schemeClr val="accent1"/>
-          </a:effectRef>
-          <a:fontRef idx="minor">
-            <a:schemeClr val="tx1"/>
-          </a:fontRef>
-        </p:style>
-      </p:cxnSp>
-      <p:sp>
-        <p:nvSpPr>
-          <p:cNvPr id="8" name="Magnetic Disk 7"/>
-          <p:cNvSpPr/>
-          <p:nvPr/>
-        </p:nvSpPr>
-        <p:spPr>
-          <a:xfrm>
-            <a:off x="6642807" y="3468716"/>
-            <a:ext cx="1226916" cy="1055779"/>
-          </a:xfrm>
-          <a:prstGeom prst="flowChartMagneticDisk">
-            <a:avLst/>
-          </a:prstGeom>
-        </p:spPr>
-        <p:style>
-          <a:lnRef idx="2">
-            <a:schemeClr val="accent1">
-              <a:shade val="50000"/>
-            </a:schemeClr>
-          </a:lnRef>
-          <a:fillRef idx="1">
-            <a:schemeClr val="accent1"/>
-          </a:fillRef>
-          <a:effectRef idx="0">
-            <a:schemeClr val="accent1"/>
-          </a:effectRef>
-          <a:fontRef idx="minor">
-            <a:schemeClr val="lt1"/>
-          </a:fontRef>
-        </p:style>
-        <p:txBody>
-          <a:bodyPr rtlCol="0" anchor="ctr"/>
-          <a:lstStyle/>
-          <a:p>
-            <a:pPr algn="ctr"/>
-            <a:r>
-              <a:rPr lang="en-US" dirty="0" smtClean="0"/>
-              <a:t>Category DB</a:t>
-            </a:r>
-            <a:endParaRPr lang="en-US" dirty="0"/>
-          </a:p>
-        </p:txBody>
-      </p:sp>
-      <p:cxnSp>
-        <p:nvCxnSpPr>
-          <p:cNvPr id="10" name="Straight Arrow Connector 9"/>
-          <p:cNvCxnSpPr>
-            <a:stCxn id="5" idx="2"/>
-            <a:endCxn id="8" idx="1"/>
-          </p:cNvCxnSpPr>
-          <p:nvPr/>
-        </p:nvCxnSpPr>
-        <p:spPr>
-          <a:xfrm flipH="1">
-            <a:off x="7256265" y="2956954"/>
-            <a:ext cx="1" cy="511762"/>
-          </a:xfrm>
-          <a:prstGeom prst="straightConnector1">
-            <a:avLst/>
-          </a:prstGeom>
-          <a:ln>
-            <a:tailEnd type="triangle"/>
-          </a:ln>
-        </p:spPr>
-        <p:style>
-          <a:lnRef idx="1">
-            <a:schemeClr val="accent1"/>
-          </a:lnRef>
-          <a:fillRef idx="0">
-            <a:schemeClr val="accent1"/>
-          </a:fillRef>
-          <a:effectRef idx="0">
-            <a:schemeClr val="accent1"/>
-          </a:effectRef>
-          <a:fontRef idx="minor">
-            <a:schemeClr val="tx1"/>
-          </a:fontRef>
-        </p:style>
-      </p:cxnSp>
-      <p:sp>
-        <p:nvSpPr>
-          <p:cNvPr id="13" name="TextBox 12"/>
-          <p:cNvSpPr txBox="1"/>
-          <p:nvPr/>
-        </p:nvSpPr>
-        <p:spPr>
-          <a:xfrm>
-            <a:off x="3272228" y="4780857"/>
-            <a:ext cx="6382412" cy="1200329"/>
-          </a:xfrm>
-          <a:prstGeom prst="rect">
-            <a:avLst/>
-          </a:prstGeom>
-          <a:noFill/>
-          <a:ln>
-            <a:solidFill>
-              <a:schemeClr val="tx1"/>
-            </a:solidFill>
-          </a:ln>
-        </p:spPr>
-        <p:txBody>
-          <a:bodyPr wrap="square" rtlCol="0">
-            <a:spAutoFit/>
-          </a:bodyPr>
-          <a:lstStyle/>
-          <a:p>
-            <a:r>
-              <a:rPr lang="en-US" dirty="0" err="1" smtClean="0"/>
-              <a:t>CategoryDB</a:t>
-            </a:r>
-            <a:r>
-              <a:rPr lang="en-US" dirty="0" smtClean="0"/>
-              <a:t>:</a:t>
-            </a:r>
-          </a:p>
-          <a:p>
-            <a:r>
-              <a:rPr lang="en-US" dirty="0" smtClean="0"/>
-              <a:t>category table</a:t>
-            </a:r>
-          </a:p>
-          <a:p>
-            <a:endParaRPr lang="en-US" dirty="0" smtClean="0"/>
-          </a:p>
-          <a:p>
-            <a:r>
-              <a:rPr lang="en-US" dirty="0" err="1" smtClean="0"/>
-              <a:t>category_id</a:t>
-            </a:r>
-            <a:r>
-              <a:rPr lang="en-US" dirty="0" smtClean="0"/>
-              <a:t>, </a:t>
-            </a:r>
-            <a:r>
-              <a:rPr lang="en-US" dirty="0" err="1" smtClean="0"/>
-              <a:t>category_name</a:t>
-            </a:r>
-            <a:r>
-              <a:rPr lang="en-US" dirty="0" smtClean="0"/>
-              <a:t>, </a:t>
-            </a:r>
-            <a:r>
-              <a:rPr lang="en-US" dirty="0" err="1" smtClean="0"/>
-              <a:t>product_list_url</a:t>
-            </a:r>
-            <a:r>
-              <a:rPr lang="en-US" dirty="0" smtClean="0"/>
-              <a:t>, </a:t>
-            </a:r>
-            <a:r>
-              <a:rPr lang="en-US" dirty="0" err="1" smtClean="0"/>
-              <a:t>last_updated_time</a:t>
-            </a:r>
-            <a:endParaRPr lang="en-US" dirty="0" smtClean="0"/>
           </a:p>
         </p:txBody>
       </p:sp>
     </p:spTree>
     <p:extLst>
       <p:ext uri="{BB962C8B-B14F-4D97-AF65-F5344CB8AC3E}">
-        <p14:creationId xmlns:p14="http://schemas.microsoft.com/office/powerpoint/2010/main" val="1899744138"/>
+        <p14:creationId xmlns:p14="http://schemas.microsoft.com/office/powerpoint/2010/main" val="1660518413"/>
       </p:ext>
     </p:extLst>
   </p:cSld>
@@ -3687,6 +3518,593 @@
       </p:par>
     </p:tnLst>
   </p:timing>
+</p:sld>
+</file>
+
+<file path=ppt/slides/slide10.xml><?xml version="1.0" encoding="utf-8"?>
+<p:sld xmlns:a="http://schemas.openxmlformats.org/drawingml/2006/main" xmlns:r="http://schemas.openxmlformats.org/officeDocument/2006/relationships" xmlns:p="http://schemas.openxmlformats.org/presentationml/2006/main">
+  <p:cSld>
+    <p:spTree>
+      <p:nvGrpSpPr>
+        <p:cNvPr id="1" name=""/>
+        <p:cNvGrpSpPr/>
+        <p:nvPr/>
+      </p:nvGrpSpPr>
+      <p:grpSpPr>
+        <a:xfrm>
+          <a:off x="0" y="0"/>
+          <a:ext cx="0" cy="0"/>
+          <a:chOff x="0" y="0"/>
+          <a:chExt cx="0" cy="0"/>
+        </a:xfrm>
+      </p:grpSpPr>
+      <p:sp>
+        <p:nvSpPr>
+          <p:cNvPr id="2" name="Title 1"/>
+          <p:cNvSpPr>
+            <a:spLocks noGrp="1"/>
+          </p:cNvSpPr>
+          <p:nvPr>
+            <p:ph type="title"/>
+          </p:nvPr>
+        </p:nvSpPr>
+        <p:spPr/>
+        <p:txBody>
+          <a:bodyPr/>
+          <a:lstStyle/>
+          <a:p>
+            <a:r>
+              <a:rPr lang="en-US" dirty="0" smtClean="0"/>
+              <a:t>Product Crawler Detail</a:t>
+            </a:r>
+            <a:endParaRPr lang="en-US" dirty="0"/>
+          </a:p>
+        </p:txBody>
+      </p:sp>
+      <p:sp>
+        <p:nvSpPr>
+          <p:cNvPr id="3" name="Content Placeholder 2"/>
+          <p:cNvSpPr>
+            <a:spLocks noGrp="1"/>
+          </p:cNvSpPr>
+          <p:nvPr>
+            <p:ph idx="1"/>
+          </p:nvPr>
+        </p:nvSpPr>
+        <p:spPr/>
+        <p:txBody>
+          <a:bodyPr>
+            <a:normAutofit fontScale="62500" lnSpcReduction="20000"/>
+          </a:bodyPr>
+          <a:lstStyle/>
+          <a:p>
+            <a:r>
+              <a:rPr lang="en-US" dirty="0" smtClean="0"/>
+              <a:t>This </a:t>
+            </a:r>
+            <a:r>
+              <a:rPr lang="en-US" dirty="0"/>
+              <a:t>crawler is scheduled to run every 4 hours to quickly catch price changing </a:t>
+            </a:r>
+            <a:r>
+              <a:rPr lang="en-US" dirty="0" smtClean="0"/>
+              <a:t>information.</a:t>
+            </a:r>
+          </a:p>
+          <a:p>
+            <a:r>
+              <a:rPr lang="en-US" dirty="0" smtClean="0"/>
+              <a:t>If </a:t>
+            </a:r>
+            <a:r>
+              <a:rPr lang="en-US" dirty="0"/>
+              <a:t>a category contains a lot of products, multiple crawlers can be started to share the </a:t>
+            </a:r>
+            <a:r>
+              <a:rPr lang="en-US" dirty="0" smtClean="0"/>
+              <a:t>load.</a:t>
+            </a:r>
+          </a:p>
+          <a:p>
+            <a:r>
+              <a:rPr lang="en-US" dirty="0" smtClean="0"/>
+              <a:t>Only </a:t>
+            </a:r>
+            <a:r>
+              <a:rPr lang="en-US" dirty="0"/>
+              <a:t>subscribed categories will be </a:t>
+            </a:r>
+            <a:r>
+              <a:rPr lang="en-US" dirty="0" smtClean="0"/>
+              <a:t>crawled.</a:t>
+            </a:r>
+          </a:p>
+          <a:p>
+            <a:r>
+              <a:rPr lang="en-US" dirty="0" smtClean="0"/>
+              <a:t>Title</a:t>
+            </a:r>
+            <a:r>
+              <a:rPr lang="en-US" dirty="0"/>
+              <a:t>: get title from selector: </a:t>
+            </a:r>
+            <a:br>
+              <a:rPr lang="en-US" dirty="0"/>
+            </a:br>
+            <a:r>
+              <a:rPr lang="en-US" dirty="0" smtClean="0"/>
+              <a:t>#</a:t>
+            </a:r>
+            <a:r>
+              <a:rPr lang="en-US" dirty="0" err="1"/>
+              <a:t>result_$RESULT_NO</a:t>
+            </a:r>
+            <a:r>
+              <a:rPr lang="en-US" dirty="0"/>
+              <a:t> &gt; div &gt; div &gt; div &gt; </a:t>
+            </a:r>
+            <a:r>
+              <a:rPr lang="en-US" dirty="0" err="1"/>
+              <a:t>div.a</a:t>
+            </a:r>
+            <a:r>
+              <a:rPr lang="en-US" dirty="0"/>
+              <a:t>-fixed-left-grid-</a:t>
+            </a:r>
+            <a:r>
+              <a:rPr lang="en-US" dirty="0" err="1"/>
+              <a:t>col.a</a:t>
+            </a:r>
+            <a:r>
+              <a:rPr lang="en-US" dirty="0"/>
+              <a:t>-col-right &gt; </a:t>
+            </a:r>
+            <a:r>
+              <a:rPr lang="en-US" dirty="0" err="1"/>
+              <a:t>div.a</a:t>
+            </a:r>
+            <a:r>
+              <a:rPr lang="en-US" dirty="0"/>
+              <a:t>-</a:t>
+            </a:r>
+            <a:r>
+              <a:rPr lang="en-US" dirty="0" err="1"/>
+              <a:t>row.a</a:t>
+            </a:r>
+            <a:r>
+              <a:rPr lang="en-US" dirty="0"/>
+              <a:t>-spacing-small &gt; </a:t>
+            </a:r>
+            <a:r>
+              <a:rPr lang="en-US" dirty="0" err="1"/>
+              <a:t>div:nth-child</a:t>
+            </a:r>
+            <a:r>
+              <a:rPr lang="en-US" dirty="0"/>
+              <a:t>(1) &gt; a</a:t>
+            </a:r>
+            <a:br>
+              <a:rPr lang="en-US" dirty="0"/>
+            </a:br>
+            <a:r>
+              <a:rPr lang="en-US" dirty="0"/>
+              <a:t/>
+            </a:r>
+            <a:br>
+              <a:rPr lang="en-US" dirty="0"/>
+            </a:br>
+            <a:r>
+              <a:rPr lang="en-US" dirty="0"/>
+              <a:t>Where $RESULT_NO starts from </a:t>
+            </a:r>
+            <a:r>
+              <a:rPr lang="en-US" dirty="0" smtClean="0"/>
+              <a:t>0</a:t>
+            </a:r>
+            <a:endParaRPr lang="en-US" dirty="0"/>
+          </a:p>
+          <a:p>
+            <a:r>
+              <a:rPr lang="en-US" dirty="0" smtClean="0"/>
+              <a:t>Price</a:t>
+            </a:r>
+            <a:r>
+              <a:rPr lang="en-US" dirty="0"/>
+              <a:t>: get aria-label from selector: </a:t>
+            </a:r>
+            <a:br>
+              <a:rPr lang="en-US" dirty="0"/>
+            </a:br>
+            <a:r>
+              <a:rPr lang="en-US" dirty="0" smtClean="0"/>
+              <a:t>#</a:t>
+            </a:r>
+            <a:r>
+              <a:rPr lang="en-US" dirty="0" err="1"/>
+              <a:t>result_$RESULT_NO</a:t>
+            </a:r>
+            <a:r>
+              <a:rPr lang="en-US" dirty="0"/>
+              <a:t> &gt; div &gt; div &gt; div &gt; </a:t>
+            </a:r>
+            <a:r>
+              <a:rPr lang="en-US" dirty="0" err="1"/>
+              <a:t>div.a</a:t>
+            </a:r>
+            <a:r>
+              <a:rPr lang="en-US" dirty="0"/>
+              <a:t>-fixed-left-grid-</a:t>
+            </a:r>
+            <a:r>
+              <a:rPr lang="en-US" dirty="0" err="1"/>
+              <a:t>col.a</a:t>
+            </a:r>
+            <a:r>
+              <a:rPr lang="en-US" dirty="0"/>
+              <a:t>-col-right &gt; </a:t>
+            </a:r>
+            <a:r>
+              <a:rPr lang="en-US" dirty="0" err="1"/>
+              <a:t>div:nth-child</a:t>
+            </a:r>
+            <a:r>
+              <a:rPr lang="en-US" dirty="0"/>
+              <a:t>(2) &gt; div.a-column.a-span7 &gt; </a:t>
+            </a:r>
+            <a:r>
+              <a:rPr lang="en-US" dirty="0" err="1"/>
+              <a:t>div.a</a:t>
+            </a:r>
+            <a:r>
+              <a:rPr lang="en-US" dirty="0"/>
+              <a:t>-</a:t>
+            </a:r>
+            <a:r>
+              <a:rPr lang="en-US" dirty="0" err="1"/>
+              <a:t>row.a</a:t>
+            </a:r>
+            <a:r>
+              <a:rPr lang="en-US" dirty="0"/>
+              <a:t>-spacing-none &gt; a &gt; </a:t>
+            </a:r>
+            <a:r>
+              <a:rPr lang="en-US" dirty="0" smtClean="0"/>
+              <a:t>span</a:t>
+            </a:r>
+            <a:endParaRPr lang="en-US" dirty="0"/>
+          </a:p>
+          <a:p>
+            <a:r>
+              <a:rPr lang="en-US" dirty="0" err="1" smtClean="0"/>
+              <a:t>Thumnail</a:t>
+            </a:r>
+            <a:r>
+              <a:rPr lang="en-US" dirty="0"/>
+              <a:t>: get </a:t>
+            </a:r>
+            <a:r>
+              <a:rPr lang="en-US" dirty="0" err="1"/>
+              <a:t>src</a:t>
+            </a:r>
+            <a:r>
+              <a:rPr lang="en-US" dirty="0"/>
+              <a:t> from selector: </a:t>
+            </a:r>
+            <a:br>
+              <a:rPr lang="en-US" dirty="0"/>
+            </a:br>
+            <a:r>
+              <a:rPr lang="en-US" dirty="0" smtClean="0"/>
+              <a:t>#</a:t>
+            </a:r>
+            <a:r>
+              <a:rPr lang="en-US" dirty="0" err="1"/>
+              <a:t>result_$RESULT_NO</a:t>
+            </a:r>
+            <a:r>
+              <a:rPr lang="en-US" dirty="0"/>
+              <a:t> &gt; div &gt; div &gt; div &gt; </a:t>
+            </a:r>
+            <a:r>
+              <a:rPr lang="en-US" dirty="0" err="1"/>
+              <a:t>div.a</a:t>
+            </a:r>
+            <a:r>
+              <a:rPr lang="en-US" dirty="0"/>
+              <a:t>-fixed-left-grid-</a:t>
+            </a:r>
+            <a:r>
+              <a:rPr lang="en-US" dirty="0" err="1"/>
+              <a:t>col.a</a:t>
+            </a:r>
+            <a:r>
+              <a:rPr lang="en-US" dirty="0"/>
+              <a:t>-col-left &gt; div &gt; div &gt; a &gt; </a:t>
+            </a:r>
+            <a:r>
+              <a:rPr lang="en-US" dirty="0" err="1" smtClean="0"/>
+              <a:t>img</a:t>
+            </a:r>
+            <a:endParaRPr lang="en-US" dirty="0"/>
+          </a:p>
+          <a:p>
+            <a:r>
+              <a:rPr lang="en-US" dirty="0" err="1" smtClean="0"/>
+              <a:t>Detail_url</a:t>
+            </a:r>
+            <a:r>
+              <a:rPr lang="en-US" dirty="0"/>
+              <a:t>: get </a:t>
+            </a:r>
+            <a:r>
+              <a:rPr lang="en-US" dirty="0" err="1"/>
+              <a:t>href</a:t>
+            </a:r>
+            <a:r>
+              <a:rPr lang="en-US" dirty="0"/>
+              <a:t> from selector: </a:t>
+            </a:r>
+            <a:br>
+              <a:rPr lang="en-US" dirty="0"/>
+            </a:br>
+            <a:r>
+              <a:rPr lang="en-US" dirty="0" smtClean="0"/>
+              <a:t>#</a:t>
+            </a:r>
+            <a:r>
+              <a:rPr lang="en-US" dirty="0"/>
+              <a:t>result _$RESULT_NO &gt; div &gt; div &gt; div &gt; </a:t>
+            </a:r>
+            <a:r>
+              <a:rPr lang="en-US" dirty="0" err="1"/>
+              <a:t>div.a</a:t>
+            </a:r>
+            <a:r>
+              <a:rPr lang="en-US" dirty="0"/>
+              <a:t>-fixed-left-grid-</a:t>
+            </a:r>
+            <a:r>
+              <a:rPr lang="en-US" dirty="0" err="1"/>
+              <a:t>col.a</a:t>
+            </a:r>
+            <a:r>
+              <a:rPr lang="en-US" dirty="0"/>
+              <a:t>-col-right &gt; </a:t>
+            </a:r>
+            <a:r>
+              <a:rPr lang="en-US" dirty="0" err="1"/>
+              <a:t>div.a</a:t>
+            </a:r>
+            <a:r>
+              <a:rPr lang="en-US" dirty="0"/>
+              <a:t>-</a:t>
+            </a:r>
+            <a:r>
+              <a:rPr lang="en-US" dirty="0" err="1"/>
+              <a:t>row.a</a:t>
+            </a:r>
+            <a:r>
+              <a:rPr lang="en-US" dirty="0"/>
+              <a:t>-spacing-small &gt; </a:t>
+            </a:r>
+            <a:r>
+              <a:rPr lang="en-US" dirty="0" err="1"/>
+              <a:t>div:nth-child</a:t>
+            </a:r>
+            <a:r>
+              <a:rPr lang="en-US" dirty="0"/>
+              <a:t>(1) &gt; </a:t>
+            </a:r>
+            <a:r>
+              <a:rPr lang="en-US" dirty="0" smtClean="0"/>
+              <a:t>a</a:t>
+            </a:r>
+            <a:endParaRPr lang="en-US" dirty="0"/>
+          </a:p>
+          <a:p>
+            <a:r>
+              <a:rPr lang="en-US" dirty="0" err="1" smtClean="0"/>
+              <a:t>product_id</a:t>
+            </a:r>
+            <a:r>
+              <a:rPr lang="en-US" dirty="0"/>
+              <a:t>: get last portion of </a:t>
+            </a:r>
+            <a:r>
+              <a:rPr lang="en-US" dirty="0" err="1"/>
+              <a:t>detail_url</a:t>
+            </a:r>
+            <a:r>
+              <a:rPr lang="en-US" dirty="0" smtClean="0"/>
+              <a:t>.</a:t>
+            </a:r>
+            <a:endParaRPr lang="en-US" dirty="0"/>
+          </a:p>
+        </p:txBody>
+      </p:sp>
+    </p:spTree>
+    <p:extLst>
+      <p:ext uri="{BB962C8B-B14F-4D97-AF65-F5344CB8AC3E}">
+        <p14:creationId xmlns:p14="http://schemas.microsoft.com/office/powerpoint/2010/main" val="893143620"/>
+      </p:ext>
+    </p:extLst>
+  </p:cSld>
+  <p:clrMapOvr>
+    <a:masterClrMapping/>
+  </p:clrMapOvr>
+</p:sld>
+</file>
+
+<file path=ppt/slides/slide11.xml><?xml version="1.0" encoding="utf-8"?>
+<p:sld xmlns:a="http://schemas.openxmlformats.org/drawingml/2006/main" xmlns:r="http://schemas.openxmlformats.org/officeDocument/2006/relationships" xmlns:p="http://schemas.openxmlformats.org/presentationml/2006/main">
+  <p:cSld>
+    <p:spTree>
+      <p:nvGrpSpPr>
+        <p:cNvPr id="1" name=""/>
+        <p:cNvGrpSpPr/>
+        <p:nvPr/>
+      </p:nvGrpSpPr>
+      <p:grpSpPr>
+        <a:xfrm>
+          <a:off x="0" y="0"/>
+          <a:ext cx="0" cy="0"/>
+          <a:chOff x="0" y="0"/>
+          <a:chExt cx="0" cy="0"/>
+        </a:xfrm>
+      </p:grpSpPr>
+      <p:sp>
+        <p:nvSpPr>
+          <p:cNvPr id="2" name="Title 1"/>
+          <p:cNvSpPr>
+            <a:spLocks noGrp="1"/>
+          </p:cNvSpPr>
+          <p:nvPr>
+            <p:ph type="title"/>
+          </p:nvPr>
+        </p:nvSpPr>
+        <p:spPr/>
+        <p:txBody>
+          <a:bodyPr/>
+          <a:lstStyle/>
+          <a:p>
+            <a:r>
+              <a:rPr lang="en-US" dirty="0" smtClean="0"/>
+              <a:t>Scheduling</a:t>
+            </a:r>
+            <a:endParaRPr lang="en-US" dirty="0"/>
+          </a:p>
+        </p:txBody>
+      </p:sp>
+      <p:sp>
+        <p:nvSpPr>
+          <p:cNvPr id="3" name="Content Placeholder 2"/>
+          <p:cNvSpPr>
+            <a:spLocks noGrp="1"/>
+          </p:cNvSpPr>
+          <p:nvPr>
+            <p:ph idx="1"/>
+          </p:nvPr>
+        </p:nvSpPr>
+        <p:spPr/>
+        <p:txBody>
+          <a:bodyPr>
+            <a:normAutofit fontScale="55000" lnSpcReduction="20000"/>
+          </a:bodyPr>
+          <a:lstStyle/>
+          <a:p>
+            <a:r>
+              <a:rPr lang="en-US" dirty="0" smtClean="0"/>
+              <a:t>Category Crawler</a:t>
+            </a:r>
+          </a:p>
+          <a:p>
+            <a:pPr lvl="1"/>
+            <a:r>
+              <a:rPr lang="en-US" dirty="0" smtClean="0"/>
+              <a:t>Every week at 12:00 AM Sunday</a:t>
+            </a:r>
+          </a:p>
+          <a:p>
+            <a:r>
+              <a:rPr lang="en-US" dirty="0" smtClean="0"/>
+              <a:t>High Priority Product Crawler</a:t>
+            </a:r>
+          </a:p>
+          <a:p>
+            <a:pPr lvl="1"/>
+            <a:r>
+              <a:rPr lang="en-US" dirty="0" smtClean="0"/>
+              <a:t>Every 3 hours starting from 1:00 AM daily</a:t>
+            </a:r>
+          </a:p>
+          <a:p>
+            <a:r>
+              <a:rPr lang="en-US" dirty="0" smtClean="0"/>
+              <a:t>Medium Priority Product Crawler</a:t>
+            </a:r>
+          </a:p>
+          <a:p>
+            <a:pPr lvl="1"/>
+            <a:r>
+              <a:rPr lang="en-US" dirty="0" smtClean="0"/>
+              <a:t>Every 12 hours starting from 2:00 AM daily</a:t>
+            </a:r>
+          </a:p>
+          <a:p>
+            <a:r>
+              <a:rPr lang="en-US" dirty="0" smtClean="0"/>
+              <a:t>Low Priority Product Crawler</a:t>
+            </a:r>
+          </a:p>
+          <a:p>
+            <a:pPr lvl="1"/>
+            <a:r>
+              <a:rPr lang="en-US" dirty="0" smtClean="0"/>
+              <a:t>Every day at 3:00 AM</a:t>
+            </a:r>
+          </a:p>
+          <a:p>
+            <a:r>
+              <a:rPr lang="en-US" dirty="0" smtClean="0"/>
+              <a:t>Order categories by subscribers count, then by category id.</a:t>
+            </a:r>
+          </a:p>
+          <a:p>
+            <a:r>
+              <a:rPr lang="en-US" dirty="0" smtClean="0"/>
+              <a:t>User-count-threshold property decides if the category belongs to high priority group.</a:t>
+            </a:r>
+          </a:p>
+          <a:p>
+            <a:r>
+              <a:rPr lang="en-US" dirty="0" smtClean="0"/>
+              <a:t>Category crawler sets the threshold in DB at start time.</a:t>
+            </a:r>
+          </a:p>
+          <a:p>
+            <a:r>
+              <a:rPr lang="en-US" dirty="0" smtClean="0"/>
+              <a:t>User can dynamically change the threshold through REST </a:t>
+            </a:r>
+            <a:r>
+              <a:rPr lang="en-US" dirty="0" err="1" smtClean="0"/>
+              <a:t>api</a:t>
+            </a:r>
+            <a:r>
+              <a:rPr lang="en-US" dirty="0" smtClean="0"/>
+              <a:t>.</a:t>
+            </a:r>
+          </a:p>
+          <a:p>
+            <a:r>
+              <a:rPr lang="en-US" dirty="0" smtClean="0"/>
+              <a:t>Categories w/ user count &gt; threshold belongs to the high priority group (priority = 1).</a:t>
+            </a:r>
+          </a:p>
+          <a:p>
+            <a:r>
+              <a:rPr lang="en-US" dirty="0" smtClean="0"/>
+              <a:t>The rest of categories are ordered by user count, first half go to medium group (priority = 2).</a:t>
+            </a:r>
+          </a:p>
+          <a:p>
+            <a:r>
+              <a:rPr lang="en-US" dirty="0" smtClean="0"/>
+              <a:t>The other half of the rest categories go to low priority group (priority = 3).</a:t>
+            </a:r>
+          </a:p>
+        </p:txBody>
+      </p:sp>
+    </p:spTree>
+    <p:extLst>
+      <p:ext uri="{BB962C8B-B14F-4D97-AF65-F5344CB8AC3E}">
+        <p14:creationId xmlns:p14="http://schemas.microsoft.com/office/powerpoint/2010/main" val="2042320774"/>
+      </p:ext>
+    </p:extLst>
+  </p:cSld>
+  <p:clrMapOvr>
+    <a:masterClrMapping/>
+  </p:clrMapOvr>
 </p:sld>
 </file>
 
@@ -3714,71 +4132,75 @@
             <a:spLocks noGrp="1"/>
           </p:cNvSpPr>
           <p:nvPr>
-            <p:ph type="ctrTitle"/>
+            <p:ph type="title"/>
           </p:nvPr>
         </p:nvSpPr>
-        <p:spPr>
-          <a:xfrm>
-            <a:off x="1524000" y="0"/>
-            <a:ext cx="9144000" cy="856527"/>
-          </a:xfrm>
-        </p:spPr>
-        <p:txBody>
-          <a:bodyPr>
-            <a:normAutofit fontScale="90000"/>
-          </a:bodyPr>
-          <a:lstStyle/>
-          <a:p>
-            <a:r>
-              <a:rPr lang="en-US" dirty="0" smtClean="0"/>
-              <a:t>Product Crawling Flow</a:t>
+        <p:spPr/>
+        <p:txBody>
+          <a:bodyPr/>
+          <a:lstStyle/>
+          <a:p>
+            <a:pPr algn="ctr"/>
+            <a:r>
+              <a:rPr lang="en-US" dirty="0" smtClean="0"/>
+              <a:t>Price Monitoring System </a:t>
+            </a:r>
+            <a:r>
+              <a:rPr lang="en-US" dirty="0" smtClean="0"/>
+              <a:t>Design</a:t>
             </a:r>
             <a:endParaRPr lang="en-US" dirty="0"/>
           </a:p>
         </p:txBody>
       </p:sp>
-      <p:sp>
-        <p:nvSpPr>
-          <p:cNvPr id="3" name="Subtitle 2"/>
-          <p:cNvSpPr>
-            <a:spLocks noGrp="1"/>
-          </p:cNvSpPr>
+      <p:pic>
+        <p:nvPicPr>
+          <p:cNvPr id="120" name="Content Placeholder 119"/>
+          <p:cNvPicPr>
+            <a:picLocks noGrp="1" noChangeAspect="1"/>
+          </p:cNvPicPr>
           <p:nvPr>
-            <p:ph type="subTitle" idx="1"/>
+            <p:ph idx="1"/>
           </p:nvPr>
-        </p:nvSpPr>
-        <p:spPr>
-          <a:xfrm>
-            <a:off x="0" y="856527"/>
-            <a:ext cx="12192000" cy="6001474"/>
-          </a:xfrm>
-        </p:spPr>
-        <p:txBody>
-          <a:bodyPr/>
-          <a:lstStyle/>
-          <a:p>
-            <a:r>
-              <a:rPr lang="en-US" dirty="0" smtClean="0"/>
-              <a:t>Offline service: executed every 4 hours (depends on how many active categories)</a:t>
-            </a:r>
-            <a:endParaRPr lang="en-US" dirty="0"/>
-          </a:p>
-        </p:txBody>
-      </p:sp>
-      <p:sp>
-        <p:nvSpPr>
-          <p:cNvPr id="4" name="Rectangle 3"/>
+        </p:nvPicPr>
+        <p:blipFill>
+          <a:blip r:embed="rId3">
+            <a:extLst>
+              <a:ext uri="{28A0092B-C50C-407E-A947-70E740481C1C}">
+                <a14:useLocalDpi xmlns:a14="http://schemas.microsoft.com/office/drawing/2010/main" val="0"/>
+              </a:ext>
+            </a:extLst>
+          </a:blip>
+          <a:stretch>
+            <a:fillRect/>
+          </a:stretch>
+        </p:blipFill>
+        <p:spPr>
+          <a:xfrm>
+            <a:off x="5460197" y="6171880"/>
+            <a:ext cx="273043" cy="273043"/>
+          </a:xfrm>
+        </p:spPr>
+      </p:pic>
+      <p:sp>
+        <p:nvSpPr>
+          <p:cNvPr id="4" name="Cloud 3"/>
           <p:cNvSpPr/>
           <p:nvPr/>
         </p:nvSpPr>
         <p:spPr>
           <a:xfrm>
-            <a:off x="737324" y="1713054"/>
-            <a:ext cx="2968830" cy="1160775"/>
-          </a:xfrm>
-          <a:prstGeom prst="rect">
-            <a:avLst/>
-          </a:prstGeom>
+            <a:off x="1435677" y="2014045"/>
+            <a:ext cx="791004" cy="653598"/>
+          </a:xfrm>
+          <a:prstGeom prst="cloud">
+            <a:avLst/>
+          </a:prstGeom>
+          <a:solidFill>
+            <a:schemeClr val="bg2">
+              <a:lumMod val="90000"/>
+            </a:schemeClr>
+          </a:solidFill>
         </p:spPr>
         <p:style>
           <a:lnRef idx="2">
@@ -3801,28 +4223,29 @@
           <a:lstStyle/>
           <a:p>
             <a:pPr algn="ctr"/>
-            <a:r>
-              <a:rPr lang="en-US" dirty="0" smtClean="0"/>
-              <a:t>Start Product Crawling Service For Each Category w/ Subscribers</a:t>
-            </a:r>
-            <a:endParaRPr lang="en-US" dirty="0"/>
-          </a:p>
-        </p:txBody>
-      </p:sp>
-      <p:sp>
-        <p:nvSpPr>
-          <p:cNvPr id="5" name="Rectangle 4"/>
+            <a:endParaRPr lang="en-US"/>
+          </a:p>
+        </p:txBody>
+      </p:sp>
+      <p:sp>
+        <p:nvSpPr>
+          <p:cNvPr id="27" name="Up-Down Arrow 26"/>
           <p:cNvSpPr/>
           <p:nvPr/>
         </p:nvSpPr>
         <p:spPr>
           <a:xfrm>
-            <a:off x="5763287" y="2257816"/>
-            <a:ext cx="2741271" cy="1160775"/>
-          </a:xfrm>
-          <a:prstGeom prst="rect">
-            <a:avLst/>
-          </a:prstGeom>
+            <a:off x="2389289" y="4768321"/>
+            <a:ext cx="237564" cy="571500"/>
+          </a:xfrm>
+          <a:prstGeom prst="upDownArrow">
+            <a:avLst/>
+          </a:prstGeom>
+          <a:solidFill>
+            <a:schemeClr val="bg2">
+              <a:lumMod val="90000"/>
+            </a:schemeClr>
+          </a:solidFill>
         </p:spPr>
         <p:style>
           <a:lnRef idx="2">
@@ -3845,60 +4268,27 @@
           <a:lstStyle/>
           <a:p>
             <a:pPr algn="ctr"/>
-            <a:endParaRPr lang="en-US" dirty="0" smtClean="0"/>
-          </a:p>
-        </p:txBody>
-      </p:sp>
-      <p:cxnSp>
-        <p:nvCxnSpPr>
-          <p:cNvPr id="7" name="Straight Arrow Connector 6"/>
-          <p:cNvCxnSpPr>
-            <a:stCxn id="4" idx="3"/>
-            <a:endCxn id="38" idx="1"/>
-          </p:cNvCxnSpPr>
-          <p:nvPr/>
-        </p:nvCxnSpPr>
-        <p:spPr>
-          <a:xfrm flipV="1">
-            <a:off x="3706154" y="2284560"/>
-            <a:ext cx="1484415" cy="8882"/>
-          </a:xfrm>
-          <a:prstGeom prst="straightConnector1">
-            <a:avLst/>
-          </a:prstGeom>
-          <a:ln>
-            <a:tailEnd type="triangle"/>
-          </a:ln>
-        </p:spPr>
-        <p:style>
-          <a:lnRef idx="1">
-            <a:schemeClr val="accent1"/>
-          </a:lnRef>
-          <a:fillRef idx="0">
-            <a:schemeClr val="accent1"/>
-          </a:fillRef>
-          <a:effectRef idx="0">
-            <a:schemeClr val="accent1"/>
-          </a:effectRef>
-          <a:fontRef idx="minor">
-            <a:schemeClr val="tx1"/>
-          </a:fontRef>
-        </p:style>
-      </p:cxnSp>
-      <p:sp>
-        <p:nvSpPr>
-          <p:cNvPr id="16" name="Magnetic Disk 15"/>
+            <a:endParaRPr lang="en-US"/>
+          </a:p>
+        </p:txBody>
+      </p:sp>
+      <p:sp>
+        <p:nvSpPr>
+          <p:cNvPr id="28" name="Heart 27"/>
           <p:cNvSpPr/>
           <p:nvPr/>
         </p:nvSpPr>
         <p:spPr>
           <a:xfrm>
-            <a:off x="1608281" y="3466092"/>
-            <a:ext cx="1226916" cy="1055779"/>
-          </a:xfrm>
-          <a:prstGeom prst="flowChartMagneticDisk">
-            <a:avLst/>
-          </a:prstGeom>
+            <a:off x="7826657" y="6374999"/>
+            <a:ext cx="270062" cy="267260"/>
+          </a:xfrm>
+          <a:prstGeom prst="heart">
+            <a:avLst/>
+          </a:prstGeom>
+          <a:solidFill>
+            <a:schemeClr val="accent2"/>
+          </a:solidFill>
         </p:spPr>
         <p:style>
           <a:lnRef idx="2">
@@ -3921,35 +4311,27 @@
           <a:lstStyle/>
           <a:p>
             <a:pPr algn="ctr"/>
-            <a:r>
-              <a:rPr lang="en-US" dirty="0" smtClean="0"/>
-              <a:t>Category</a:t>
-            </a:r>
-          </a:p>
-          <a:p>
-            <a:pPr algn="ctr"/>
-            <a:r>
-              <a:rPr lang="en-US" dirty="0" smtClean="0"/>
-              <a:t>DB</a:t>
-            </a:r>
-            <a:endParaRPr lang="en-US" dirty="0"/>
-          </a:p>
-        </p:txBody>
-      </p:sp>
-      <p:sp>
-        <p:nvSpPr>
-          <p:cNvPr id="37" name="Rectangle 36"/>
+            <a:endParaRPr lang="en-US"/>
+          </a:p>
+        </p:txBody>
+      </p:sp>
+      <p:sp>
+        <p:nvSpPr>
+          <p:cNvPr id="30" name="Heart 29"/>
           <p:cNvSpPr/>
           <p:nvPr/>
         </p:nvSpPr>
         <p:spPr>
           <a:xfrm>
-            <a:off x="5476928" y="1961567"/>
-            <a:ext cx="2741271" cy="1160775"/>
-          </a:xfrm>
-          <a:prstGeom prst="rect">
-            <a:avLst/>
-          </a:prstGeom>
+            <a:off x="7826657" y="5681404"/>
+            <a:ext cx="270062" cy="285750"/>
+          </a:xfrm>
+          <a:prstGeom prst="heart">
+            <a:avLst/>
+          </a:prstGeom>
+          <a:solidFill>
+            <a:schemeClr val="accent2"/>
+          </a:solidFill>
         </p:spPr>
         <p:style>
           <a:lnRef idx="2">
@@ -3972,24 +4354,147 @@
           <a:lstStyle/>
           <a:p>
             <a:pPr algn="ctr"/>
-            <a:endParaRPr lang="en-US" dirty="0" smtClean="0"/>
-          </a:p>
-        </p:txBody>
-      </p:sp>
-      <p:sp>
-        <p:nvSpPr>
-          <p:cNvPr id="38" name="Rectangle 37"/>
+            <a:endParaRPr lang="en-US"/>
+          </a:p>
+        </p:txBody>
+      </p:sp>
+      <p:sp>
+        <p:nvSpPr>
+          <p:cNvPr id="102" name="TextBox 101"/>
+          <p:cNvSpPr txBox="1"/>
+          <p:nvPr/>
+        </p:nvSpPr>
+        <p:spPr>
+          <a:xfrm>
+            <a:off x="2234584" y="2219889"/>
+            <a:ext cx="1068620" cy="276999"/>
+          </a:xfrm>
+          <a:prstGeom prst="rect">
+            <a:avLst/>
+          </a:prstGeom>
+          <a:noFill/>
+        </p:spPr>
+        <p:txBody>
+          <a:bodyPr wrap="square" rtlCol="0">
+            <a:spAutoFit/>
+          </a:bodyPr>
+          <a:lstStyle/>
+          <a:p>
+            <a:r>
+              <a:rPr lang="en-US" sz="1200" dirty="0" smtClean="0"/>
+              <a:t>HTTP Request</a:t>
+            </a:r>
+            <a:endParaRPr lang="en-US" sz="1200" dirty="0"/>
+          </a:p>
+        </p:txBody>
+      </p:sp>
+      <p:sp>
+        <p:nvSpPr>
+          <p:cNvPr id="109" name="TextBox 108"/>
+          <p:cNvSpPr txBox="1"/>
+          <p:nvPr/>
+        </p:nvSpPr>
+        <p:spPr>
+          <a:xfrm>
+            <a:off x="8040130" y="6374999"/>
+            <a:ext cx="2124981" cy="276999"/>
+          </a:xfrm>
+          <a:prstGeom prst="rect">
+            <a:avLst/>
+          </a:prstGeom>
+          <a:noFill/>
+        </p:spPr>
+        <p:txBody>
+          <a:bodyPr wrap="square" rtlCol="0">
+            <a:spAutoFit/>
+          </a:bodyPr>
+          <a:lstStyle/>
+          <a:p>
+            <a:r>
+              <a:rPr lang="en-US" sz="1200" dirty="0" smtClean="0"/>
+              <a:t>Health Check Service</a:t>
+            </a:r>
+            <a:endParaRPr lang="en-US" sz="1200" dirty="0"/>
+          </a:p>
+        </p:txBody>
+      </p:sp>
+      <p:sp>
+        <p:nvSpPr>
+          <p:cNvPr id="110" name="TextBox 109"/>
+          <p:cNvSpPr txBox="1"/>
+          <p:nvPr/>
+        </p:nvSpPr>
+        <p:spPr>
+          <a:xfrm>
+            <a:off x="8040130" y="5681404"/>
+            <a:ext cx="1551453" cy="276999"/>
+          </a:xfrm>
+          <a:prstGeom prst="rect">
+            <a:avLst/>
+          </a:prstGeom>
+          <a:noFill/>
+        </p:spPr>
+        <p:txBody>
+          <a:bodyPr wrap="square" rtlCol="0">
+            <a:spAutoFit/>
+          </a:bodyPr>
+          <a:lstStyle/>
+          <a:p>
+            <a:r>
+              <a:rPr lang="en-US" sz="1200" dirty="0" smtClean="0"/>
+              <a:t>Health Check Service</a:t>
+            </a:r>
+            <a:endParaRPr lang="en-US" sz="1200" dirty="0"/>
+          </a:p>
+        </p:txBody>
+      </p:sp>
+      <p:sp>
+        <p:nvSpPr>
+          <p:cNvPr id="111" name="TextBox 110"/>
+          <p:cNvSpPr txBox="1"/>
+          <p:nvPr/>
+        </p:nvSpPr>
+        <p:spPr>
+          <a:xfrm>
+            <a:off x="1891846" y="6472042"/>
+            <a:ext cx="1958603" cy="276999"/>
+          </a:xfrm>
+          <a:prstGeom prst="rect">
+            <a:avLst/>
+          </a:prstGeom>
+          <a:noFill/>
+        </p:spPr>
+        <p:txBody>
+          <a:bodyPr wrap="square" rtlCol="0">
+            <a:spAutoFit/>
+          </a:bodyPr>
+          <a:lstStyle/>
+          <a:p>
+            <a:r>
+              <a:rPr lang="en-US" sz="1200" dirty="0" smtClean="0"/>
+              <a:t>Cloud Infrastructure Service</a:t>
+            </a:r>
+            <a:endParaRPr lang="en-US" sz="1200" dirty="0"/>
+          </a:p>
+        </p:txBody>
+      </p:sp>
+      <p:sp>
+        <p:nvSpPr>
+          <p:cNvPr id="54" name="Heart 53"/>
           <p:cNvSpPr/>
           <p:nvPr/>
         </p:nvSpPr>
         <p:spPr>
           <a:xfrm>
-            <a:off x="5190569" y="1704172"/>
-            <a:ext cx="2741271" cy="1160775"/>
-          </a:xfrm>
-          <a:prstGeom prst="rect">
-            <a:avLst/>
-          </a:prstGeom>
+            <a:off x="7826657" y="4122827"/>
+            <a:ext cx="270062" cy="285750"/>
+          </a:xfrm>
+          <a:prstGeom prst="heart">
+            <a:avLst/>
+          </a:prstGeom>
+          <a:solidFill>
+            <a:schemeClr val="accent2"/>
+          </a:solidFill>
         </p:spPr>
         <p:style>
           <a:lnRef idx="2">
@@ -4012,27 +4517,57 @@
           <a:lstStyle/>
           <a:p>
             <a:pPr algn="ctr"/>
-            <a:r>
-              <a:rPr lang="en-US" dirty="0" smtClean="0"/>
-              <a:t>Crawl Amazon Web  For All Products Of The  Specified Category</a:t>
-            </a:r>
-          </a:p>
-        </p:txBody>
-      </p:sp>
-      <p:sp>
-        <p:nvSpPr>
-          <p:cNvPr id="50" name="Multidocument 49"/>
+            <a:endParaRPr lang="en-US"/>
+          </a:p>
+        </p:txBody>
+      </p:sp>
+      <p:sp>
+        <p:nvSpPr>
+          <p:cNvPr id="55" name="TextBox 54"/>
+          <p:cNvSpPr txBox="1"/>
+          <p:nvPr/>
+        </p:nvSpPr>
+        <p:spPr>
+          <a:xfrm>
+            <a:off x="8040130" y="4122827"/>
+            <a:ext cx="2124981" cy="276999"/>
+          </a:xfrm>
+          <a:prstGeom prst="rect">
+            <a:avLst/>
+          </a:prstGeom>
+          <a:noFill/>
+        </p:spPr>
+        <p:txBody>
+          <a:bodyPr wrap="square" rtlCol="0">
+            <a:spAutoFit/>
+          </a:bodyPr>
+          <a:lstStyle/>
+          <a:p>
+            <a:r>
+              <a:rPr lang="en-US" sz="1200" dirty="0" smtClean="0"/>
+              <a:t>Health Check Service</a:t>
+            </a:r>
+            <a:endParaRPr lang="en-US" sz="1200" dirty="0"/>
+          </a:p>
+        </p:txBody>
+      </p:sp>
+      <p:sp>
+        <p:nvSpPr>
+          <p:cNvPr id="57" name="Cube 56"/>
           <p:cNvSpPr/>
           <p:nvPr/>
         </p:nvSpPr>
         <p:spPr>
           <a:xfrm>
-            <a:off x="9478613" y="1529304"/>
-            <a:ext cx="1805049" cy="1457024"/>
-          </a:xfrm>
-          <a:prstGeom prst="flowChartMultidocument">
-            <a:avLst/>
-          </a:prstGeom>
+            <a:off x="5772479" y="1653763"/>
+            <a:ext cx="1980955" cy="417372"/>
+          </a:xfrm>
+          <a:prstGeom prst="cube">
+            <a:avLst/>
+          </a:prstGeom>
+          <a:solidFill>
+            <a:srgbClr val="00B0F0"/>
+          </a:solidFill>
         </p:spPr>
         <p:style>
           <a:lnRef idx="2">
@@ -4055,32 +4590,385 @@
           <a:lstStyle/>
           <a:p>
             <a:pPr algn="ctr"/>
-            <a:r>
-              <a:rPr lang="en-US" dirty="0" smtClean="0"/>
-              <a:t>Category Queue</a:t>
-            </a:r>
-            <a:endParaRPr lang="en-US" dirty="0"/>
-          </a:p>
-        </p:txBody>
-      </p:sp>
+            <a:endParaRPr lang="en-US"/>
+          </a:p>
+        </p:txBody>
+      </p:sp>
+      <p:sp>
+        <p:nvSpPr>
+          <p:cNvPr id="71" name="Heart 70"/>
+          <p:cNvSpPr/>
+          <p:nvPr/>
+        </p:nvSpPr>
+        <p:spPr>
+          <a:xfrm>
+            <a:off x="7826657" y="1853280"/>
+            <a:ext cx="270062" cy="285750"/>
+          </a:xfrm>
+          <a:prstGeom prst="heart">
+            <a:avLst/>
+          </a:prstGeom>
+          <a:solidFill>
+            <a:schemeClr val="accent2"/>
+          </a:solidFill>
+        </p:spPr>
+        <p:style>
+          <a:lnRef idx="2">
+            <a:schemeClr val="accent1">
+              <a:shade val="50000"/>
+            </a:schemeClr>
+          </a:lnRef>
+          <a:fillRef idx="1">
+            <a:schemeClr val="accent1"/>
+          </a:fillRef>
+          <a:effectRef idx="0">
+            <a:schemeClr val="accent1"/>
+          </a:effectRef>
+          <a:fontRef idx="minor">
+            <a:schemeClr val="lt1"/>
+          </a:fontRef>
+        </p:style>
+        <p:txBody>
+          <a:bodyPr rtlCol="0" anchor="ctr"/>
+          <a:lstStyle/>
+          <a:p>
+            <a:pPr algn="ctr"/>
+            <a:endParaRPr lang="en-US"/>
+          </a:p>
+        </p:txBody>
+      </p:sp>
+      <p:sp>
+        <p:nvSpPr>
+          <p:cNvPr id="72" name="TextBox 71"/>
+          <p:cNvSpPr txBox="1"/>
+          <p:nvPr/>
+        </p:nvSpPr>
+        <p:spPr>
+          <a:xfrm>
+            <a:off x="8040130" y="1853280"/>
+            <a:ext cx="1623716" cy="276999"/>
+          </a:xfrm>
+          <a:prstGeom prst="rect">
+            <a:avLst/>
+          </a:prstGeom>
+          <a:noFill/>
+        </p:spPr>
+        <p:txBody>
+          <a:bodyPr wrap="square" rtlCol="0">
+            <a:spAutoFit/>
+          </a:bodyPr>
+          <a:lstStyle/>
+          <a:p>
+            <a:r>
+              <a:rPr lang="en-US" sz="1200" dirty="0" smtClean="0"/>
+              <a:t>Health Check Service</a:t>
+            </a:r>
+            <a:endParaRPr lang="en-US" sz="1200" dirty="0"/>
+          </a:p>
+        </p:txBody>
+      </p:sp>
+      <p:sp>
+        <p:nvSpPr>
+          <p:cNvPr id="78" name="TextBox 77"/>
+          <p:cNvSpPr txBox="1"/>
+          <p:nvPr/>
+        </p:nvSpPr>
+        <p:spPr>
+          <a:xfrm>
+            <a:off x="5772479" y="1761147"/>
+            <a:ext cx="1017714" cy="276999"/>
+          </a:xfrm>
+          <a:prstGeom prst="rect">
+            <a:avLst/>
+          </a:prstGeom>
+          <a:noFill/>
+        </p:spPr>
+        <p:txBody>
+          <a:bodyPr wrap="square" rtlCol="0">
+            <a:spAutoFit/>
+          </a:bodyPr>
+          <a:lstStyle/>
+          <a:p>
+            <a:r>
+              <a:rPr lang="en-US" sz="1200" dirty="0" smtClean="0"/>
+              <a:t>User Service</a:t>
+            </a:r>
+            <a:endParaRPr lang="en-US" sz="1200" dirty="0"/>
+          </a:p>
+        </p:txBody>
+      </p:sp>
+      <p:sp>
+        <p:nvSpPr>
+          <p:cNvPr id="100" name="Heart 99"/>
+          <p:cNvSpPr/>
+          <p:nvPr/>
+        </p:nvSpPr>
+        <p:spPr>
+          <a:xfrm>
+            <a:off x="7826657" y="4862979"/>
+            <a:ext cx="270265" cy="285750"/>
+          </a:xfrm>
+          <a:prstGeom prst="heart">
+            <a:avLst/>
+          </a:prstGeom>
+          <a:solidFill>
+            <a:schemeClr val="accent2"/>
+          </a:solidFill>
+        </p:spPr>
+        <p:style>
+          <a:lnRef idx="2">
+            <a:schemeClr val="accent1">
+              <a:shade val="50000"/>
+            </a:schemeClr>
+          </a:lnRef>
+          <a:fillRef idx="1">
+            <a:schemeClr val="accent1"/>
+          </a:fillRef>
+          <a:effectRef idx="0">
+            <a:schemeClr val="accent1"/>
+          </a:effectRef>
+          <a:fontRef idx="minor">
+            <a:schemeClr val="lt1"/>
+          </a:fontRef>
+        </p:style>
+        <p:txBody>
+          <a:bodyPr rtlCol="0" anchor="ctr"/>
+          <a:lstStyle/>
+          <a:p>
+            <a:pPr algn="ctr"/>
+            <a:endParaRPr lang="en-US"/>
+          </a:p>
+        </p:txBody>
+      </p:sp>
+      <p:sp>
+        <p:nvSpPr>
+          <p:cNvPr id="101" name="TextBox 100"/>
+          <p:cNvSpPr txBox="1"/>
+          <p:nvPr/>
+        </p:nvSpPr>
+        <p:spPr>
+          <a:xfrm>
+            <a:off x="8040130" y="4862979"/>
+            <a:ext cx="2126578" cy="276999"/>
+          </a:xfrm>
+          <a:prstGeom prst="rect">
+            <a:avLst/>
+          </a:prstGeom>
+          <a:noFill/>
+        </p:spPr>
+        <p:txBody>
+          <a:bodyPr wrap="square" rtlCol="0">
+            <a:spAutoFit/>
+          </a:bodyPr>
+          <a:lstStyle/>
+          <a:p>
+            <a:r>
+              <a:rPr lang="en-US" sz="1200" smtClean="0"/>
+              <a:t>Health </a:t>
+            </a:r>
+            <a:r>
+              <a:rPr lang="en-US" sz="1200" dirty="0" smtClean="0"/>
+              <a:t>Check Service</a:t>
+            </a:r>
+            <a:endParaRPr lang="en-US" sz="1200" dirty="0"/>
+          </a:p>
+        </p:txBody>
+      </p:sp>
+      <p:sp>
+        <p:nvSpPr>
+          <p:cNvPr id="89" name="Heart 88"/>
+          <p:cNvSpPr/>
+          <p:nvPr/>
+        </p:nvSpPr>
+        <p:spPr>
+          <a:xfrm>
+            <a:off x="7826657" y="3346816"/>
+            <a:ext cx="270062" cy="285750"/>
+          </a:xfrm>
+          <a:prstGeom prst="heart">
+            <a:avLst/>
+          </a:prstGeom>
+          <a:solidFill>
+            <a:schemeClr val="accent2"/>
+          </a:solidFill>
+        </p:spPr>
+        <p:style>
+          <a:lnRef idx="2">
+            <a:schemeClr val="accent1">
+              <a:shade val="50000"/>
+            </a:schemeClr>
+          </a:lnRef>
+          <a:fillRef idx="1">
+            <a:schemeClr val="accent1"/>
+          </a:fillRef>
+          <a:effectRef idx="0">
+            <a:schemeClr val="accent1"/>
+          </a:effectRef>
+          <a:fontRef idx="minor">
+            <a:schemeClr val="lt1"/>
+          </a:fontRef>
+        </p:style>
+        <p:txBody>
+          <a:bodyPr rtlCol="0" anchor="ctr"/>
+          <a:lstStyle/>
+          <a:p>
+            <a:pPr algn="ctr"/>
+            <a:endParaRPr lang="en-US"/>
+          </a:p>
+        </p:txBody>
+      </p:sp>
+      <p:sp>
+        <p:nvSpPr>
+          <p:cNvPr id="90" name="TextBox 89"/>
+          <p:cNvSpPr txBox="1"/>
+          <p:nvPr/>
+        </p:nvSpPr>
+        <p:spPr>
+          <a:xfrm>
+            <a:off x="8040130" y="3346816"/>
+            <a:ext cx="1623716" cy="276999"/>
+          </a:xfrm>
+          <a:prstGeom prst="rect">
+            <a:avLst/>
+          </a:prstGeom>
+          <a:noFill/>
+        </p:spPr>
+        <p:txBody>
+          <a:bodyPr wrap="square" rtlCol="0">
+            <a:spAutoFit/>
+          </a:bodyPr>
+          <a:lstStyle/>
+          <a:p>
+            <a:r>
+              <a:rPr lang="en-US" sz="1200" dirty="0" smtClean="0"/>
+              <a:t>Health Check Service</a:t>
+            </a:r>
+            <a:endParaRPr lang="en-US" sz="1200" dirty="0"/>
+          </a:p>
+        </p:txBody>
+      </p:sp>
+      <p:sp>
+        <p:nvSpPr>
+          <p:cNvPr id="114" name="Heart 113"/>
+          <p:cNvSpPr/>
+          <p:nvPr/>
+        </p:nvSpPr>
+        <p:spPr>
+          <a:xfrm>
+            <a:off x="7826657" y="2609642"/>
+            <a:ext cx="270062" cy="285750"/>
+          </a:xfrm>
+          <a:prstGeom prst="heart">
+            <a:avLst/>
+          </a:prstGeom>
+          <a:solidFill>
+            <a:schemeClr val="accent2"/>
+          </a:solidFill>
+        </p:spPr>
+        <p:style>
+          <a:lnRef idx="2">
+            <a:schemeClr val="accent1">
+              <a:shade val="50000"/>
+            </a:schemeClr>
+          </a:lnRef>
+          <a:fillRef idx="1">
+            <a:schemeClr val="accent1"/>
+          </a:fillRef>
+          <a:effectRef idx="0">
+            <a:schemeClr val="accent1"/>
+          </a:effectRef>
+          <a:fontRef idx="minor">
+            <a:schemeClr val="lt1"/>
+          </a:fontRef>
+        </p:style>
+        <p:txBody>
+          <a:bodyPr rtlCol="0" anchor="ctr"/>
+          <a:lstStyle/>
+          <a:p>
+            <a:pPr algn="ctr"/>
+            <a:endParaRPr lang="en-US"/>
+          </a:p>
+        </p:txBody>
+      </p:sp>
+      <p:sp>
+        <p:nvSpPr>
+          <p:cNvPr id="115" name="TextBox 114"/>
+          <p:cNvSpPr txBox="1"/>
+          <p:nvPr/>
+        </p:nvSpPr>
+        <p:spPr>
+          <a:xfrm>
+            <a:off x="8040130" y="2609642"/>
+            <a:ext cx="1623716" cy="276999"/>
+          </a:xfrm>
+          <a:prstGeom prst="rect">
+            <a:avLst/>
+          </a:prstGeom>
+          <a:noFill/>
+        </p:spPr>
+        <p:txBody>
+          <a:bodyPr wrap="square" rtlCol="0">
+            <a:spAutoFit/>
+          </a:bodyPr>
+          <a:lstStyle/>
+          <a:p>
+            <a:r>
+              <a:rPr lang="en-US" sz="1200" dirty="0" smtClean="0"/>
+              <a:t>Health Check Service</a:t>
+            </a:r>
+            <a:endParaRPr lang="en-US" sz="1200" dirty="0"/>
+          </a:p>
+        </p:txBody>
+      </p:sp>
+      <p:pic>
+        <p:nvPicPr>
+          <p:cNvPr id="124" name="Content Placeholder 119"/>
+          <p:cNvPicPr>
+            <a:picLocks noChangeAspect="1"/>
+          </p:cNvPicPr>
+          <p:nvPr/>
+        </p:nvPicPr>
+        <p:blipFill>
+          <a:blip r:embed="rId3">
+            <a:extLst>
+              <a:ext uri="{28A0092B-C50C-407E-A947-70E740481C1C}">
+                <a14:useLocalDpi xmlns:a14="http://schemas.microsoft.com/office/drawing/2010/main" val="0"/>
+              </a:ext>
+            </a:extLst>
+          </a:blip>
+          <a:stretch>
+            <a:fillRect/>
+          </a:stretch>
+        </p:blipFill>
+        <p:spPr>
+          <a:xfrm>
+            <a:off x="5434447" y="4654445"/>
+            <a:ext cx="273043" cy="273043"/>
+          </a:xfrm>
+          <a:prstGeom prst="rect">
+            <a:avLst/>
+          </a:prstGeom>
+        </p:spPr>
+      </p:pic>
       <p:cxnSp>
         <p:nvCxnSpPr>
-          <p:cNvPr id="51" name="Straight Arrow Connector 50"/>
+          <p:cNvPr id="131" name="Elbow Connector 130"/>
           <p:cNvCxnSpPr>
-            <a:stCxn id="38" idx="3"/>
-            <a:endCxn id="50" idx="1"/>
+            <a:stCxn id="207" idx="5"/>
+            <a:endCxn id="365" idx="2"/>
           </p:cNvCxnSpPr>
           <p:nvPr/>
         </p:nvCxnSpPr>
         <p:spPr>
           <a:xfrm flipV="1">
-            <a:off x="7931840" y="2257816"/>
-            <a:ext cx="1546773" cy="26744"/>
-          </a:xfrm>
-          <a:prstGeom prst="straightConnector1">
+            <a:off x="7753434" y="3723466"/>
+            <a:ext cx="3936040" cy="2604929"/>
+          </a:xfrm>
+          <a:prstGeom prst="bentConnector2">
             <a:avLst/>
           </a:prstGeom>
           <a:ln>
+            <a:headEnd type="triangle"/>
             <a:tailEnd type="triangle"/>
           </a:ln>
         </p:spPr>
@@ -4101,23 +4989,1355 @@
       </p:cxnSp>
       <p:cxnSp>
         <p:nvCxnSpPr>
-          <p:cNvPr id="58" name="Straight Arrow Connector 57"/>
+          <p:cNvPr id="194" name="Elbow Connector 193"/>
           <p:cNvCxnSpPr>
-            <a:stCxn id="4" idx="2"/>
-            <a:endCxn id="16" idx="1"/>
+            <a:stCxn id="57" idx="5"/>
+            <a:endCxn id="365" idx="0"/>
           </p:cNvCxnSpPr>
           <p:nvPr/>
         </p:nvCxnSpPr>
         <p:spPr>
           <a:xfrm>
-            <a:off x="2221739" y="2873829"/>
-            <a:ext cx="0" cy="592263"/>
-          </a:xfrm>
-          <a:prstGeom prst="straightConnector1">
+            <a:off x="7753434" y="1810278"/>
+            <a:ext cx="3936040" cy="1103678"/>
+          </a:xfrm>
+          <a:prstGeom prst="bentConnector2">
             <a:avLst/>
           </a:prstGeom>
           <a:ln>
             <a:headEnd type="triangle"/>
+            <a:tailEnd type="triangle"/>
+          </a:ln>
+        </p:spPr>
+        <p:style>
+          <a:lnRef idx="1">
+            <a:schemeClr val="accent1"/>
+          </a:lnRef>
+          <a:fillRef idx="0">
+            <a:schemeClr val="accent1"/>
+          </a:fillRef>
+          <a:effectRef idx="0">
+            <a:schemeClr val="accent1"/>
+          </a:effectRef>
+          <a:fontRef idx="minor">
+            <a:schemeClr val="tx1"/>
+          </a:fontRef>
+        </p:style>
+      </p:cxnSp>
+      <p:cxnSp>
+        <p:nvCxnSpPr>
+          <p:cNvPr id="200" name="Elbow Connector 199"/>
+          <p:cNvCxnSpPr>
+            <a:stCxn id="365" idx="0"/>
+            <a:endCxn id="202" idx="5"/>
+          </p:cNvCxnSpPr>
+          <p:nvPr/>
+        </p:nvCxnSpPr>
+        <p:spPr>
+          <a:xfrm rot="16200000" flipV="1">
+            <a:off x="9546125" y="770607"/>
+            <a:ext cx="350659" cy="3936040"/>
+          </a:xfrm>
+          <a:prstGeom prst="bentConnector2">
+            <a:avLst/>
+          </a:prstGeom>
+          <a:ln>
+            <a:tailEnd type="triangle"/>
+          </a:ln>
+        </p:spPr>
+        <p:style>
+          <a:lnRef idx="1">
+            <a:schemeClr val="accent1"/>
+          </a:lnRef>
+          <a:fillRef idx="0">
+            <a:schemeClr val="accent1"/>
+          </a:fillRef>
+          <a:effectRef idx="0">
+            <a:schemeClr val="accent1"/>
+          </a:effectRef>
+          <a:fontRef idx="minor">
+            <a:schemeClr val="tx1"/>
+          </a:fontRef>
+        </p:style>
+      </p:cxnSp>
+      <p:sp>
+        <p:nvSpPr>
+          <p:cNvPr id="202" name="Cube 201"/>
+          <p:cNvSpPr/>
+          <p:nvPr/>
+        </p:nvSpPr>
+        <p:spPr>
+          <a:xfrm>
+            <a:off x="5772479" y="2406782"/>
+            <a:ext cx="1980955" cy="417372"/>
+          </a:xfrm>
+          <a:prstGeom prst="cube">
+            <a:avLst/>
+          </a:prstGeom>
+          <a:solidFill>
+            <a:srgbClr val="00B0F0"/>
+          </a:solidFill>
+        </p:spPr>
+        <p:style>
+          <a:lnRef idx="2">
+            <a:schemeClr val="accent1">
+              <a:shade val="50000"/>
+            </a:schemeClr>
+          </a:lnRef>
+          <a:fillRef idx="1">
+            <a:schemeClr val="accent1"/>
+          </a:fillRef>
+          <a:effectRef idx="0">
+            <a:schemeClr val="accent1"/>
+          </a:effectRef>
+          <a:fontRef idx="minor">
+            <a:schemeClr val="lt1"/>
+          </a:fontRef>
+        </p:style>
+        <p:txBody>
+          <a:bodyPr rtlCol="0" anchor="ctr"/>
+          <a:lstStyle/>
+          <a:p>
+            <a:pPr algn="ctr"/>
+            <a:endParaRPr lang="en-US"/>
+          </a:p>
+        </p:txBody>
+      </p:sp>
+      <p:sp>
+        <p:nvSpPr>
+          <p:cNvPr id="203" name="Cube 202"/>
+          <p:cNvSpPr/>
+          <p:nvPr/>
+        </p:nvSpPr>
+        <p:spPr>
+          <a:xfrm>
+            <a:off x="5772479" y="3159801"/>
+            <a:ext cx="1980955" cy="417372"/>
+          </a:xfrm>
+          <a:prstGeom prst="cube">
+            <a:avLst/>
+          </a:prstGeom>
+          <a:solidFill>
+            <a:srgbClr val="00B0F0"/>
+          </a:solidFill>
+        </p:spPr>
+        <p:style>
+          <a:lnRef idx="2">
+            <a:schemeClr val="accent1">
+              <a:shade val="50000"/>
+            </a:schemeClr>
+          </a:lnRef>
+          <a:fillRef idx="1">
+            <a:schemeClr val="accent1"/>
+          </a:fillRef>
+          <a:effectRef idx="0">
+            <a:schemeClr val="accent1"/>
+          </a:effectRef>
+          <a:fontRef idx="minor">
+            <a:schemeClr val="lt1"/>
+          </a:fontRef>
+        </p:style>
+        <p:txBody>
+          <a:bodyPr rtlCol="0" anchor="ctr"/>
+          <a:lstStyle/>
+          <a:p>
+            <a:pPr algn="ctr"/>
+            <a:endParaRPr lang="en-US"/>
+          </a:p>
+        </p:txBody>
+      </p:sp>
+      <p:sp>
+        <p:nvSpPr>
+          <p:cNvPr id="204" name="Cube 203"/>
+          <p:cNvSpPr/>
+          <p:nvPr/>
+        </p:nvSpPr>
+        <p:spPr>
+          <a:xfrm>
+            <a:off x="5772479" y="3912820"/>
+            <a:ext cx="1980955" cy="417372"/>
+          </a:xfrm>
+          <a:prstGeom prst="cube">
+            <a:avLst/>
+          </a:prstGeom>
+          <a:solidFill>
+            <a:srgbClr val="00B0F0"/>
+          </a:solidFill>
+        </p:spPr>
+        <p:style>
+          <a:lnRef idx="2">
+            <a:schemeClr val="accent1">
+              <a:shade val="50000"/>
+            </a:schemeClr>
+          </a:lnRef>
+          <a:fillRef idx="1">
+            <a:schemeClr val="accent1"/>
+          </a:fillRef>
+          <a:effectRef idx="0">
+            <a:schemeClr val="accent1"/>
+          </a:effectRef>
+          <a:fontRef idx="minor">
+            <a:schemeClr val="lt1"/>
+          </a:fontRef>
+        </p:style>
+        <p:txBody>
+          <a:bodyPr rtlCol="0" anchor="ctr"/>
+          <a:lstStyle/>
+          <a:p>
+            <a:pPr algn="ctr"/>
+            <a:endParaRPr lang="en-US"/>
+          </a:p>
+        </p:txBody>
+      </p:sp>
+      <p:sp>
+        <p:nvSpPr>
+          <p:cNvPr id="205" name="Cube 204"/>
+          <p:cNvSpPr/>
+          <p:nvPr/>
+        </p:nvSpPr>
+        <p:spPr>
+          <a:xfrm>
+            <a:off x="5749692" y="4665839"/>
+            <a:ext cx="1980955" cy="417372"/>
+          </a:xfrm>
+          <a:prstGeom prst="cube">
+            <a:avLst/>
+          </a:prstGeom>
+          <a:solidFill>
+            <a:srgbClr val="00B0F0"/>
+          </a:solidFill>
+        </p:spPr>
+        <p:style>
+          <a:lnRef idx="2">
+            <a:schemeClr val="accent1">
+              <a:shade val="50000"/>
+            </a:schemeClr>
+          </a:lnRef>
+          <a:fillRef idx="1">
+            <a:schemeClr val="accent1"/>
+          </a:fillRef>
+          <a:effectRef idx="0">
+            <a:schemeClr val="accent1"/>
+          </a:effectRef>
+          <a:fontRef idx="minor">
+            <a:schemeClr val="lt1"/>
+          </a:fontRef>
+        </p:style>
+        <p:txBody>
+          <a:bodyPr rtlCol="0" anchor="ctr"/>
+          <a:lstStyle/>
+          <a:p>
+            <a:pPr algn="ctr"/>
+            <a:endParaRPr lang="en-US"/>
+          </a:p>
+        </p:txBody>
+      </p:sp>
+      <p:sp>
+        <p:nvSpPr>
+          <p:cNvPr id="206" name="Cube 205"/>
+          <p:cNvSpPr/>
+          <p:nvPr/>
+        </p:nvSpPr>
+        <p:spPr>
+          <a:xfrm>
+            <a:off x="5761298" y="5418858"/>
+            <a:ext cx="1980955" cy="417372"/>
+          </a:xfrm>
+          <a:prstGeom prst="cube">
+            <a:avLst/>
+          </a:prstGeom>
+          <a:solidFill>
+            <a:srgbClr val="00B0F0"/>
+          </a:solidFill>
+        </p:spPr>
+        <p:style>
+          <a:lnRef idx="2">
+            <a:schemeClr val="accent1">
+              <a:shade val="50000"/>
+            </a:schemeClr>
+          </a:lnRef>
+          <a:fillRef idx="1">
+            <a:schemeClr val="accent1"/>
+          </a:fillRef>
+          <a:effectRef idx="0">
+            <a:schemeClr val="accent1"/>
+          </a:effectRef>
+          <a:fontRef idx="minor">
+            <a:schemeClr val="lt1"/>
+          </a:fontRef>
+        </p:style>
+        <p:txBody>
+          <a:bodyPr rtlCol="0" anchor="ctr"/>
+          <a:lstStyle/>
+          <a:p>
+            <a:pPr algn="ctr"/>
+            <a:endParaRPr lang="en-US"/>
+          </a:p>
+        </p:txBody>
+      </p:sp>
+      <p:sp>
+        <p:nvSpPr>
+          <p:cNvPr id="207" name="Cube 206"/>
+          <p:cNvSpPr/>
+          <p:nvPr/>
+        </p:nvSpPr>
+        <p:spPr>
+          <a:xfrm>
+            <a:off x="5772479" y="6171880"/>
+            <a:ext cx="1980955" cy="417372"/>
+          </a:xfrm>
+          <a:prstGeom prst="cube">
+            <a:avLst/>
+          </a:prstGeom>
+          <a:solidFill>
+            <a:srgbClr val="00B0F0"/>
+          </a:solidFill>
+        </p:spPr>
+        <p:style>
+          <a:lnRef idx="2">
+            <a:schemeClr val="accent1">
+              <a:shade val="50000"/>
+            </a:schemeClr>
+          </a:lnRef>
+          <a:fillRef idx="1">
+            <a:schemeClr val="accent1"/>
+          </a:fillRef>
+          <a:effectRef idx="0">
+            <a:schemeClr val="accent1"/>
+          </a:effectRef>
+          <a:fontRef idx="minor">
+            <a:schemeClr val="lt1"/>
+          </a:fontRef>
+        </p:style>
+        <p:txBody>
+          <a:bodyPr rtlCol="0" anchor="ctr"/>
+          <a:lstStyle/>
+          <a:p>
+            <a:pPr algn="ctr"/>
+            <a:endParaRPr lang="en-US"/>
+          </a:p>
+        </p:txBody>
+      </p:sp>
+      <p:sp>
+        <p:nvSpPr>
+          <p:cNvPr id="208" name="TextBox 207"/>
+          <p:cNvSpPr txBox="1"/>
+          <p:nvPr/>
+        </p:nvSpPr>
+        <p:spPr>
+          <a:xfrm>
+            <a:off x="5772479" y="2510123"/>
+            <a:ext cx="1685522" cy="276999"/>
+          </a:xfrm>
+          <a:prstGeom prst="rect">
+            <a:avLst/>
+          </a:prstGeom>
+          <a:noFill/>
+        </p:spPr>
+        <p:txBody>
+          <a:bodyPr wrap="square" rtlCol="0">
+            <a:spAutoFit/>
+          </a:bodyPr>
+          <a:lstStyle/>
+          <a:p>
+            <a:r>
+              <a:rPr lang="en-US" sz="1200" dirty="0" smtClean="0"/>
+              <a:t>Deal Search Service</a:t>
+            </a:r>
+            <a:endParaRPr lang="en-US" sz="1200" dirty="0"/>
+          </a:p>
+        </p:txBody>
+      </p:sp>
+      <p:sp>
+        <p:nvSpPr>
+          <p:cNvPr id="209" name="TextBox 208"/>
+          <p:cNvSpPr txBox="1"/>
+          <p:nvPr/>
+        </p:nvSpPr>
+        <p:spPr>
+          <a:xfrm>
+            <a:off x="5772479" y="3259099"/>
+            <a:ext cx="1980726" cy="276999"/>
+          </a:xfrm>
+          <a:prstGeom prst="rect">
+            <a:avLst/>
+          </a:prstGeom>
+          <a:noFill/>
+        </p:spPr>
+        <p:txBody>
+          <a:bodyPr wrap="square" rtlCol="0">
+            <a:spAutoFit/>
+          </a:bodyPr>
+          <a:lstStyle/>
+          <a:p>
+            <a:r>
+              <a:rPr lang="en-US" sz="1200" dirty="0" smtClean="0"/>
+              <a:t>Instant Notification Service</a:t>
+            </a:r>
+            <a:endParaRPr lang="en-US" sz="1200" dirty="0"/>
+          </a:p>
+        </p:txBody>
+      </p:sp>
+      <p:sp>
+        <p:nvSpPr>
+          <p:cNvPr id="211" name="TextBox 210"/>
+          <p:cNvSpPr txBox="1"/>
+          <p:nvPr/>
+        </p:nvSpPr>
+        <p:spPr>
+          <a:xfrm>
+            <a:off x="5772479" y="4008075"/>
+            <a:ext cx="1980726" cy="276999"/>
+          </a:xfrm>
+          <a:prstGeom prst="rect">
+            <a:avLst/>
+          </a:prstGeom>
+          <a:noFill/>
+        </p:spPr>
+        <p:txBody>
+          <a:bodyPr wrap="square" rtlCol="0">
+            <a:spAutoFit/>
+          </a:bodyPr>
+          <a:lstStyle/>
+          <a:p>
+            <a:r>
+              <a:rPr lang="en-US" sz="1200" dirty="0" smtClean="0"/>
+              <a:t>Price Monitoring Service</a:t>
+            </a:r>
+            <a:endParaRPr lang="en-US" sz="1200" dirty="0"/>
+          </a:p>
+        </p:txBody>
+      </p:sp>
+      <p:sp>
+        <p:nvSpPr>
+          <p:cNvPr id="212" name="TextBox 211"/>
+          <p:cNvSpPr txBox="1"/>
+          <p:nvPr/>
+        </p:nvSpPr>
+        <p:spPr>
+          <a:xfrm>
+            <a:off x="5749692" y="4757051"/>
+            <a:ext cx="1980726" cy="276999"/>
+          </a:xfrm>
+          <a:prstGeom prst="rect">
+            <a:avLst/>
+          </a:prstGeom>
+          <a:noFill/>
+        </p:spPr>
+        <p:txBody>
+          <a:bodyPr wrap="square" rtlCol="0">
+            <a:spAutoFit/>
+          </a:bodyPr>
+          <a:lstStyle/>
+          <a:p>
+            <a:r>
+              <a:rPr lang="en-US" sz="1200" dirty="0" smtClean="0"/>
+              <a:t>Product Crawler</a:t>
+            </a:r>
+            <a:endParaRPr lang="en-US" sz="1200" dirty="0"/>
+          </a:p>
+        </p:txBody>
+      </p:sp>
+      <p:sp>
+        <p:nvSpPr>
+          <p:cNvPr id="213" name="TextBox 212"/>
+          <p:cNvSpPr txBox="1"/>
+          <p:nvPr/>
+        </p:nvSpPr>
+        <p:spPr>
+          <a:xfrm>
+            <a:off x="5772479" y="6255005"/>
+            <a:ext cx="1980726" cy="276999"/>
+          </a:xfrm>
+          <a:prstGeom prst="rect">
+            <a:avLst/>
+          </a:prstGeom>
+          <a:noFill/>
+        </p:spPr>
+        <p:txBody>
+          <a:bodyPr wrap="square" rtlCol="0">
+            <a:spAutoFit/>
+          </a:bodyPr>
+          <a:lstStyle/>
+          <a:p>
+            <a:r>
+              <a:rPr lang="en-US" sz="1200" dirty="0" smtClean="0"/>
+              <a:t>Category Crawler</a:t>
+            </a:r>
+            <a:endParaRPr lang="en-US" sz="1200" dirty="0"/>
+          </a:p>
+        </p:txBody>
+      </p:sp>
+      <p:sp>
+        <p:nvSpPr>
+          <p:cNvPr id="214" name="TextBox 213"/>
+          <p:cNvSpPr txBox="1"/>
+          <p:nvPr/>
+        </p:nvSpPr>
+        <p:spPr>
+          <a:xfrm>
+            <a:off x="5761298" y="5506027"/>
+            <a:ext cx="1980726" cy="276999"/>
+          </a:xfrm>
+          <a:prstGeom prst="rect">
+            <a:avLst/>
+          </a:prstGeom>
+          <a:noFill/>
+        </p:spPr>
+        <p:txBody>
+          <a:bodyPr wrap="square" rtlCol="0">
+            <a:spAutoFit/>
+          </a:bodyPr>
+          <a:lstStyle/>
+          <a:p>
+            <a:r>
+              <a:rPr lang="en-US" sz="1200" dirty="0" smtClean="0"/>
+              <a:t>Product Log Service</a:t>
+            </a:r>
+            <a:endParaRPr lang="en-US" sz="1200" dirty="0"/>
+          </a:p>
+        </p:txBody>
+      </p:sp>
+      <p:cxnSp>
+        <p:nvCxnSpPr>
+          <p:cNvPr id="216" name="Elbow Connector 215"/>
+          <p:cNvCxnSpPr>
+            <a:endCxn id="365" idx="2"/>
+          </p:cNvCxnSpPr>
+          <p:nvPr/>
+        </p:nvCxnSpPr>
+        <p:spPr>
+          <a:xfrm flipV="1">
+            <a:off x="7721744" y="3723466"/>
+            <a:ext cx="3967730" cy="1915244"/>
+          </a:xfrm>
+          <a:prstGeom prst="bentConnector2">
+            <a:avLst/>
+          </a:prstGeom>
+          <a:ln>
+            <a:headEnd type="triangle"/>
+            <a:tailEnd type="triangle"/>
+          </a:ln>
+        </p:spPr>
+        <p:style>
+          <a:lnRef idx="1">
+            <a:schemeClr val="accent1"/>
+          </a:lnRef>
+          <a:fillRef idx="0">
+            <a:schemeClr val="accent1"/>
+          </a:fillRef>
+          <a:effectRef idx="0">
+            <a:schemeClr val="accent1"/>
+          </a:effectRef>
+          <a:fontRef idx="minor">
+            <a:schemeClr val="tx1"/>
+          </a:fontRef>
+        </p:style>
+      </p:cxnSp>
+      <p:cxnSp>
+        <p:nvCxnSpPr>
+          <p:cNvPr id="219" name="Elbow Connector 218"/>
+          <p:cNvCxnSpPr>
+            <a:stCxn id="205" idx="5"/>
+            <a:endCxn id="365" idx="2"/>
+          </p:cNvCxnSpPr>
+          <p:nvPr/>
+        </p:nvCxnSpPr>
+        <p:spPr>
+          <a:xfrm flipV="1">
+            <a:off x="7730647" y="3723466"/>
+            <a:ext cx="3958827" cy="1098888"/>
+          </a:xfrm>
+          <a:prstGeom prst="bentConnector2">
+            <a:avLst/>
+          </a:prstGeom>
+          <a:ln>
+            <a:headEnd type="triangle"/>
+            <a:tailEnd type="triangle"/>
+          </a:ln>
+        </p:spPr>
+        <p:style>
+          <a:lnRef idx="1">
+            <a:schemeClr val="accent1"/>
+          </a:lnRef>
+          <a:fillRef idx="0">
+            <a:schemeClr val="accent1"/>
+          </a:fillRef>
+          <a:effectRef idx="0">
+            <a:schemeClr val="accent1"/>
+          </a:effectRef>
+          <a:fontRef idx="minor">
+            <a:schemeClr val="tx1"/>
+          </a:fontRef>
+        </p:style>
+      </p:cxnSp>
+      <p:cxnSp>
+        <p:nvCxnSpPr>
+          <p:cNvPr id="223" name="Elbow Connector 222"/>
+          <p:cNvCxnSpPr>
+            <a:stCxn id="204" idx="5"/>
+            <a:endCxn id="365" idx="2"/>
+          </p:cNvCxnSpPr>
+          <p:nvPr/>
+        </p:nvCxnSpPr>
+        <p:spPr>
+          <a:xfrm flipV="1">
+            <a:off x="7753434" y="3723466"/>
+            <a:ext cx="3936040" cy="345869"/>
+          </a:xfrm>
+          <a:prstGeom prst="bentConnector2">
+            <a:avLst/>
+          </a:prstGeom>
+          <a:ln>
+            <a:headEnd type="triangle"/>
+            <a:tailEnd type="triangle"/>
+          </a:ln>
+        </p:spPr>
+        <p:style>
+          <a:lnRef idx="1">
+            <a:schemeClr val="accent1"/>
+          </a:lnRef>
+          <a:fillRef idx="0">
+            <a:schemeClr val="accent1"/>
+          </a:fillRef>
+          <a:effectRef idx="0">
+            <a:schemeClr val="accent1"/>
+          </a:effectRef>
+          <a:fontRef idx="minor">
+            <a:schemeClr val="tx1"/>
+          </a:fontRef>
+        </p:style>
+      </p:cxnSp>
+      <p:cxnSp>
+        <p:nvCxnSpPr>
+          <p:cNvPr id="246" name="Elbow Connector 245"/>
+          <p:cNvCxnSpPr>
+            <a:stCxn id="203" idx="5"/>
+            <a:endCxn id="365" idx="1"/>
+          </p:cNvCxnSpPr>
+          <p:nvPr/>
+        </p:nvCxnSpPr>
+        <p:spPr>
+          <a:xfrm>
+            <a:off x="7753434" y="3316316"/>
+            <a:ext cx="3531285" cy="2395"/>
+          </a:xfrm>
+          <a:prstGeom prst="bentConnector3">
+            <a:avLst>
+              <a:gd name="adj1" fmla="val 50000"/>
+            </a:avLst>
+          </a:prstGeom>
+          <a:ln>
+            <a:headEnd type="triangle"/>
+            <a:tailEnd type="triangle"/>
+          </a:ln>
+        </p:spPr>
+        <p:style>
+          <a:lnRef idx="1">
+            <a:schemeClr val="accent1"/>
+          </a:lnRef>
+          <a:fillRef idx="0">
+            <a:schemeClr val="accent1"/>
+          </a:fillRef>
+          <a:effectRef idx="0">
+            <a:schemeClr val="accent1"/>
+          </a:effectRef>
+          <a:fontRef idx="minor">
+            <a:schemeClr val="tx1"/>
+          </a:fontRef>
+        </p:style>
+      </p:cxnSp>
+      <p:cxnSp>
+        <p:nvCxnSpPr>
+          <p:cNvPr id="282" name="Elbow Connector 281"/>
+          <p:cNvCxnSpPr>
+            <a:endCxn id="407" idx="1"/>
+          </p:cNvCxnSpPr>
+          <p:nvPr/>
+        </p:nvCxnSpPr>
+        <p:spPr>
+          <a:xfrm flipV="1">
+            <a:off x="1241466" y="1990784"/>
+            <a:ext cx="2461216" cy="260751"/>
+          </a:xfrm>
+          <a:prstGeom prst="bentConnector3">
+            <a:avLst>
+              <a:gd name="adj1" fmla="val 50000"/>
+            </a:avLst>
+          </a:prstGeom>
+          <a:ln>
+            <a:headEnd type="triangle"/>
+            <a:tailEnd type="triangle"/>
+          </a:ln>
+        </p:spPr>
+        <p:style>
+          <a:lnRef idx="1">
+            <a:schemeClr val="accent1"/>
+          </a:lnRef>
+          <a:fillRef idx="0">
+            <a:schemeClr val="accent1"/>
+          </a:fillRef>
+          <a:effectRef idx="0">
+            <a:schemeClr val="accent1"/>
+          </a:effectRef>
+          <a:fontRef idx="minor">
+            <a:schemeClr val="tx1"/>
+          </a:fontRef>
+        </p:style>
+      </p:cxnSp>
+      <p:cxnSp>
+        <p:nvCxnSpPr>
+          <p:cNvPr id="286" name="Elbow Connector 285"/>
+          <p:cNvCxnSpPr>
+            <a:endCxn id="399" idx="1"/>
+          </p:cNvCxnSpPr>
+          <p:nvPr/>
+        </p:nvCxnSpPr>
+        <p:spPr>
+          <a:xfrm>
+            <a:off x="1253395" y="2459244"/>
+            <a:ext cx="2372443" cy="679720"/>
+          </a:xfrm>
+          <a:prstGeom prst="bentConnector3">
+            <a:avLst>
+              <a:gd name="adj1" fmla="val 50000"/>
+            </a:avLst>
+          </a:prstGeom>
+          <a:ln>
+            <a:headEnd type="triangle"/>
+            <a:tailEnd type="triangle"/>
+          </a:ln>
+        </p:spPr>
+        <p:style>
+          <a:lnRef idx="1">
+            <a:schemeClr val="accent1"/>
+          </a:lnRef>
+          <a:fillRef idx="0">
+            <a:schemeClr val="accent1"/>
+          </a:fillRef>
+          <a:effectRef idx="0">
+            <a:schemeClr val="accent1"/>
+          </a:effectRef>
+          <a:fontRef idx="minor">
+            <a:schemeClr val="tx1"/>
+          </a:fontRef>
+        </p:style>
+      </p:cxnSp>
+      <p:cxnSp>
+        <p:nvCxnSpPr>
+          <p:cNvPr id="298" name="Straight Arrow Connector 297"/>
+          <p:cNvCxnSpPr>
+            <a:stCxn id="211" idx="1"/>
+            <a:endCxn id="351" idx="3"/>
+          </p:cNvCxnSpPr>
+          <p:nvPr/>
+        </p:nvCxnSpPr>
+        <p:spPr>
+          <a:xfrm flipH="1" flipV="1">
+            <a:off x="4441776" y="3971416"/>
+            <a:ext cx="1330703" cy="175159"/>
+          </a:xfrm>
+          <a:prstGeom prst="straightConnector1">
+            <a:avLst/>
+          </a:prstGeom>
+          <a:ln>
+            <a:tailEnd type="triangle"/>
+          </a:ln>
+        </p:spPr>
+        <p:style>
+          <a:lnRef idx="1">
+            <a:schemeClr val="accent1"/>
+          </a:lnRef>
+          <a:fillRef idx="0">
+            <a:schemeClr val="accent1"/>
+          </a:fillRef>
+          <a:effectRef idx="0">
+            <a:schemeClr val="accent1"/>
+          </a:effectRef>
+          <a:fontRef idx="minor">
+            <a:schemeClr val="tx1"/>
+          </a:fontRef>
+        </p:style>
+      </p:cxnSp>
+      <p:cxnSp>
+        <p:nvCxnSpPr>
+          <p:cNvPr id="304" name="Straight Arrow Connector 303"/>
+          <p:cNvCxnSpPr>
+            <a:stCxn id="351" idx="3"/>
+            <a:endCxn id="203" idx="2"/>
+          </p:cNvCxnSpPr>
+          <p:nvPr/>
+        </p:nvCxnSpPr>
+        <p:spPr>
+          <a:xfrm flipV="1">
+            <a:off x="4441776" y="3420659"/>
+            <a:ext cx="1330703" cy="550757"/>
+          </a:xfrm>
+          <a:prstGeom prst="straightConnector1">
+            <a:avLst/>
+          </a:prstGeom>
+          <a:ln>
+            <a:tailEnd type="triangle"/>
+          </a:ln>
+        </p:spPr>
+        <p:style>
+          <a:lnRef idx="1">
+            <a:schemeClr val="accent1"/>
+          </a:lnRef>
+          <a:fillRef idx="0">
+            <a:schemeClr val="accent1"/>
+          </a:fillRef>
+          <a:effectRef idx="0">
+            <a:schemeClr val="accent1"/>
+          </a:effectRef>
+          <a:fontRef idx="minor">
+            <a:schemeClr val="tx1"/>
+          </a:fontRef>
+        </p:style>
+      </p:cxnSp>
+      <p:cxnSp>
+        <p:nvCxnSpPr>
+          <p:cNvPr id="311" name="Straight Arrow Connector 310"/>
+          <p:cNvCxnSpPr>
+            <a:stCxn id="205" idx="2"/>
+            <a:endCxn id="354" idx="3"/>
+          </p:cNvCxnSpPr>
+          <p:nvPr/>
+        </p:nvCxnSpPr>
+        <p:spPr>
+          <a:xfrm flipH="1">
+            <a:off x="4441776" y="4926697"/>
+            <a:ext cx="1307916" cy="600329"/>
+          </a:xfrm>
+          <a:prstGeom prst="straightConnector1">
+            <a:avLst/>
+          </a:prstGeom>
+          <a:ln>
+            <a:tailEnd type="triangle"/>
+          </a:ln>
+        </p:spPr>
+        <p:style>
+          <a:lnRef idx="1">
+            <a:schemeClr val="accent1"/>
+          </a:lnRef>
+          <a:fillRef idx="0">
+            <a:schemeClr val="accent1"/>
+          </a:fillRef>
+          <a:effectRef idx="0">
+            <a:schemeClr val="accent1"/>
+          </a:effectRef>
+          <a:fontRef idx="minor">
+            <a:schemeClr val="tx1"/>
+          </a:fontRef>
+        </p:style>
+      </p:cxnSp>
+      <p:cxnSp>
+        <p:nvCxnSpPr>
+          <p:cNvPr id="313" name="Straight Arrow Connector 312"/>
+          <p:cNvCxnSpPr>
+            <a:stCxn id="354" idx="3"/>
+            <a:endCxn id="204" idx="2"/>
+          </p:cNvCxnSpPr>
+          <p:nvPr/>
+        </p:nvCxnSpPr>
+        <p:spPr>
+          <a:xfrm flipV="1">
+            <a:off x="4441776" y="4173678"/>
+            <a:ext cx="1330703" cy="1353348"/>
+          </a:xfrm>
+          <a:prstGeom prst="straightConnector1">
+            <a:avLst/>
+          </a:prstGeom>
+          <a:ln>
+            <a:tailEnd type="triangle"/>
+          </a:ln>
+        </p:spPr>
+        <p:style>
+          <a:lnRef idx="1">
+            <a:schemeClr val="accent1"/>
+          </a:lnRef>
+          <a:fillRef idx="0">
+            <a:schemeClr val="accent1"/>
+          </a:fillRef>
+          <a:effectRef idx="0">
+            <a:schemeClr val="accent1"/>
+          </a:effectRef>
+          <a:fontRef idx="minor">
+            <a:schemeClr val="tx1"/>
+          </a:fontRef>
+        </p:style>
+      </p:cxnSp>
+      <p:cxnSp>
+        <p:nvCxnSpPr>
+          <p:cNvPr id="315" name="Straight Arrow Connector 314"/>
+          <p:cNvCxnSpPr>
+            <a:stCxn id="433" idx="3"/>
+            <a:endCxn id="206" idx="2"/>
+          </p:cNvCxnSpPr>
+          <p:nvPr/>
+        </p:nvCxnSpPr>
+        <p:spPr>
+          <a:xfrm flipV="1">
+            <a:off x="4441776" y="5679716"/>
+            <a:ext cx="1319522" cy="531522"/>
+          </a:xfrm>
+          <a:prstGeom prst="straightConnector1">
+            <a:avLst/>
+          </a:prstGeom>
+          <a:ln>
+            <a:tailEnd type="triangle"/>
+          </a:ln>
+        </p:spPr>
+        <p:style>
+          <a:lnRef idx="1">
+            <a:schemeClr val="accent1"/>
+          </a:lnRef>
+          <a:fillRef idx="0">
+            <a:schemeClr val="accent1"/>
+          </a:fillRef>
+          <a:effectRef idx="0">
+            <a:schemeClr val="accent1"/>
+          </a:effectRef>
+          <a:fontRef idx="minor">
+            <a:schemeClr val="tx1"/>
+          </a:fontRef>
+        </p:style>
+      </p:cxnSp>
+      <p:pic>
+        <p:nvPicPr>
+          <p:cNvPr id="349" name="Picture 348"/>
+          <p:cNvPicPr>
+            <a:picLocks noChangeAspect="1"/>
+          </p:cNvPicPr>
+          <p:nvPr/>
+        </p:nvPicPr>
+        <p:blipFill>
+          <a:blip r:embed="rId4">
+            <a:extLst>
+              <a:ext uri="{28A0092B-C50C-407E-A947-70E740481C1C}">
+                <a14:useLocalDpi xmlns:a14="http://schemas.microsoft.com/office/drawing/2010/main" val="0"/>
+              </a:ext>
+            </a:extLst>
+          </a:blip>
+          <a:stretch>
+            <a:fillRect/>
+          </a:stretch>
+        </p:blipFill>
+        <p:spPr>
+          <a:xfrm>
+            <a:off x="496636" y="1921711"/>
+            <a:ext cx="671607" cy="671607"/>
+          </a:xfrm>
+          <a:prstGeom prst="rect">
+            <a:avLst/>
+          </a:prstGeom>
+        </p:spPr>
+      </p:pic>
+      <p:pic>
+        <p:nvPicPr>
+          <p:cNvPr id="351" name="Picture 350"/>
+          <p:cNvPicPr>
+            <a:picLocks noChangeAspect="1"/>
+          </p:cNvPicPr>
+          <p:nvPr/>
+        </p:nvPicPr>
+        <p:blipFill>
+          <a:blip r:embed="rId5">
+            <a:extLst>
+              <a:ext uri="{28A0092B-C50C-407E-A947-70E740481C1C}">
+                <a14:useLocalDpi xmlns:a14="http://schemas.microsoft.com/office/drawing/2010/main" val="0"/>
+              </a:ext>
+            </a:extLst>
+          </a:blip>
+          <a:stretch>
+            <a:fillRect/>
+          </a:stretch>
+        </p:blipFill>
+        <p:spPr>
+          <a:xfrm>
+            <a:off x="3923858" y="3712457"/>
+            <a:ext cx="517918" cy="517918"/>
+          </a:xfrm>
+          <a:prstGeom prst="rect">
+            <a:avLst/>
+          </a:prstGeom>
+        </p:spPr>
+      </p:pic>
+      <p:pic>
+        <p:nvPicPr>
+          <p:cNvPr id="354" name="Picture 353"/>
+          <p:cNvPicPr>
+            <a:picLocks noChangeAspect="1"/>
+          </p:cNvPicPr>
+          <p:nvPr/>
+        </p:nvPicPr>
+        <p:blipFill>
+          <a:blip r:embed="rId5">
+            <a:extLst>
+              <a:ext uri="{28A0092B-C50C-407E-A947-70E740481C1C}">
+                <a14:useLocalDpi xmlns:a14="http://schemas.microsoft.com/office/drawing/2010/main" val="0"/>
+              </a:ext>
+            </a:extLst>
+          </a:blip>
+          <a:stretch>
+            <a:fillRect/>
+          </a:stretch>
+        </p:blipFill>
+        <p:spPr>
+          <a:xfrm>
+            <a:off x="3923858" y="5268067"/>
+            <a:ext cx="517918" cy="517918"/>
+          </a:xfrm>
+          <a:prstGeom prst="rect">
+            <a:avLst/>
+          </a:prstGeom>
+        </p:spPr>
+      </p:pic>
+      <p:pic>
+        <p:nvPicPr>
+          <p:cNvPr id="358" name="Picture 357"/>
+          <p:cNvPicPr>
+            <a:picLocks noChangeAspect="1"/>
+          </p:cNvPicPr>
+          <p:nvPr/>
+        </p:nvPicPr>
+        <p:blipFill>
+          <a:blip r:embed="rId6">
+            <a:extLst>
+              <a:ext uri="{28A0092B-C50C-407E-A947-70E740481C1C}">
+                <a14:useLocalDpi xmlns:a14="http://schemas.microsoft.com/office/drawing/2010/main" val="0"/>
+              </a:ext>
+            </a:extLst>
+          </a:blip>
+          <a:stretch>
+            <a:fillRect/>
+          </a:stretch>
+        </p:blipFill>
+        <p:spPr>
+          <a:xfrm>
+            <a:off x="3923858" y="4263781"/>
+            <a:ext cx="828643" cy="828643"/>
+          </a:xfrm>
+          <a:prstGeom prst="rect">
+            <a:avLst/>
+          </a:prstGeom>
+        </p:spPr>
+      </p:pic>
+      <p:pic>
+        <p:nvPicPr>
+          <p:cNvPr id="362" name="Picture 361"/>
+          <p:cNvPicPr>
+            <a:picLocks noChangeAspect="1"/>
+          </p:cNvPicPr>
+          <p:nvPr/>
+        </p:nvPicPr>
+        <p:blipFill>
+          <a:blip r:embed="rId7">
+            <a:extLst>
+              <a:ext uri="{28A0092B-C50C-407E-A947-70E740481C1C}">
+                <a14:useLocalDpi xmlns:a14="http://schemas.microsoft.com/office/drawing/2010/main" val="0"/>
+              </a:ext>
+            </a:extLst>
+          </a:blip>
+          <a:stretch>
+            <a:fillRect/>
+          </a:stretch>
+        </p:blipFill>
+        <p:spPr>
+          <a:xfrm>
+            <a:off x="2053945" y="5487757"/>
+            <a:ext cx="986256" cy="1003964"/>
+          </a:xfrm>
+          <a:prstGeom prst="rect">
+            <a:avLst/>
+          </a:prstGeom>
+        </p:spPr>
+      </p:pic>
+      <p:pic>
+        <p:nvPicPr>
+          <p:cNvPr id="365" name="Picture 364"/>
+          <p:cNvPicPr>
+            <a:picLocks noChangeAspect="1"/>
+          </p:cNvPicPr>
+          <p:nvPr/>
+        </p:nvPicPr>
+        <p:blipFill>
+          <a:blip r:embed="rId8">
+            <a:extLst>
+              <a:ext uri="{28A0092B-C50C-407E-A947-70E740481C1C}">
+                <a14:useLocalDpi xmlns:a14="http://schemas.microsoft.com/office/drawing/2010/main" val="0"/>
+              </a:ext>
+            </a:extLst>
+          </a:blip>
+          <a:stretch>
+            <a:fillRect/>
+          </a:stretch>
+        </p:blipFill>
+        <p:spPr>
+          <a:xfrm>
+            <a:off x="11284719" y="2913956"/>
+            <a:ext cx="809510" cy="809510"/>
+          </a:xfrm>
+          <a:prstGeom prst="rect">
+            <a:avLst/>
+          </a:prstGeom>
+        </p:spPr>
+      </p:pic>
+      <p:cxnSp>
+        <p:nvCxnSpPr>
+          <p:cNvPr id="379" name="Straight Arrow Connector 378"/>
+          <p:cNvCxnSpPr>
+            <a:stCxn id="203" idx="2"/>
+            <a:endCxn id="399" idx="3"/>
+          </p:cNvCxnSpPr>
+          <p:nvPr/>
+        </p:nvCxnSpPr>
+        <p:spPr>
+          <a:xfrm flipH="1" flipV="1">
+            <a:off x="4526928" y="3138964"/>
+            <a:ext cx="1245551" cy="281695"/>
+          </a:xfrm>
+          <a:prstGeom prst="straightConnector1">
+            <a:avLst/>
+          </a:prstGeom>
+          <a:ln>
+            <a:tailEnd type="triangle"/>
+          </a:ln>
+        </p:spPr>
+        <p:style>
+          <a:lnRef idx="1">
+            <a:schemeClr val="accent1"/>
+          </a:lnRef>
+          <a:fillRef idx="0">
+            <a:schemeClr val="accent1"/>
+          </a:fillRef>
+          <a:effectRef idx="0">
+            <a:schemeClr val="accent1"/>
+          </a:effectRef>
+          <a:fontRef idx="minor">
+            <a:schemeClr val="tx1"/>
+          </a:fontRef>
+        </p:style>
+      </p:cxnSp>
+      <p:cxnSp>
+        <p:nvCxnSpPr>
+          <p:cNvPr id="392" name="Straight Arrow Connector 391"/>
+          <p:cNvCxnSpPr>
+            <a:stCxn id="211" idx="1"/>
+            <a:endCxn id="358" idx="3"/>
+          </p:cNvCxnSpPr>
+          <p:nvPr/>
+        </p:nvCxnSpPr>
+        <p:spPr>
+          <a:xfrm flipH="1">
+            <a:off x="4752501" y="4146575"/>
+            <a:ext cx="1019978" cy="531528"/>
+          </a:xfrm>
+          <a:prstGeom prst="straightConnector1">
+            <a:avLst/>
+          </a:prstGeom>
+          <a:ln>
+            <a:headEnd type="triangle"/>
+            <a:tailEnd type="triangle"/>
+          </a:ln>
+        </p:spPr>
+        <p:style>
+          <a:lnRef idx="1">
+            <a:schemeClr val="accent1"/>
+          </a:lnRef>
+          <a:fillRef idx="0">
+            <a:schemeClr val="accent1"/>
+          </a:fillRef>
+          <a:effectRef idx="0">
+            <a:schemeClr val="accent1"/>
+          </a:effectRef>
+          <a:fontRef idx="minor">
+            <a:schemeClr val="tx1"/>
+          </a:fontRef>
+        </p:style>
+      </p:cxnSp>
+      <p:pic>
+        <p:nvPicPr>
+          <p:cNvPr id="399" name="Picture 398"/>
+          <p:cNvPicPr>
+            <a:picLocks noChangeAspect="1"/>
+          </p:cNvPicPr>
+          <p:nvPr/>
+        </p:nvPicPr>
+        <p:blipFill>
+          <a:blip r:embed="rId9">
+            <a:extLst>
+              <a:ext uri="{28A0092B-C50C-407E-A947-70E740481C1C}">
+                <a14:useLocalDpi xmlns:a14="http://schemas.microsoft.com/office/drawing/2010/main" val="0"/>
+              </a:ext>
+            </a:extLst>
+          </a:blip>
+          <a:stretch>
+            <a:fillRect/>
+          </a:stretch>
+        </p:blipFill>
+        <p:spPr>
+          <a:xfrm>
+            <a:off x="3625838" y="2688419"/>
+            <a:ext cx="901090" cy="901090"/>
+          </a:xfrm>
+          <a:prstGeom prst="rect">
+            <a:avLst/>
+          </a:prstGeom>
+        </p:spPr>
+      </p:pic>
+      <p:pic>
+        <p:nvPicPr>
+          <p:cNvPr id="407" name="Picture 406"/>
+          <p:cNvPicPr>
+            <a:picLocks noChangeAspect="1"/>
+          </p:cNvPicPr>
+          <p:nvPr/>
+        </p:nvPicPr>
+        <p:blipFill>
+          <a:blip r:embed="rId10">
+            <a:extLst>
+              <a:ext uri="{28A0092B-C50C-407E-A947-70E740481C1C}">
+                <a14:useLocalDpi xmlns:a14="http://schemas.microsoft.com/office/drawing/2010/main" val="0"/>
+              </a:ext>
+            </a:extLst>
+          </a:blip>
+          <a:stretch>
+            <a:fillRect/>
+          </a:stretch>
+        </p:blipFill>
+        <p:spPr>
+          <a:xfrm>
+            <a:off x="3702682" y="1510902"/>
+            <a:ext cx="959764" cy="959764"/>
+          </a:xfrm>
+          <a:prstGeom prst="rect">
+            <a:avLst/>
+          </a:prstGeom>
+        </p:spPr>
+      </p:pic>
+      <p:cxnSp>
+        <p:nvCxnSpPr>
+          <p:cNvPr id="412" name="Straight Arrow Connector 411"/>
+          <p:cNvCxnSpPr>
+            <a:stCxn id="57" idx="2"/>
+            <a:endCxn id="407" idx="3"/>
+          </p:cNvCxnSpPr>
+          <p:nvPr/>
+        </p:nvCxnSpPr>
+        <p:spPr>
+          <a:xfrm flipH="1">
+            <a:off x="4662446" y="1914621"/>
+            <a:ext cx="1110033" cy="76163"/>
+          </a:xfrm>
+          <a:prstGeom prst="straightConnector1">
+            <a:avLst/>
+          </a:prstGeom>
+          <a:ln>
+            <a:headEnd type="triangle"/>
+            <a:tailEnd type="triangle"/>
+          </a:ln>
+        </p:spPr>
+        <p:style>
+          <a:lnRef idx="1">
+            <a:schemeClr val="accent1"/>
+          </a:lnRef>
+          <a:fillRef idx="0">
+            <a:schemeClr val="accent1"/>
+          </a:fillRef>
+          <a:effectRef idx="0">
+            <a:schemeClr val="accent1"/>
+          </a:effectRef>
+          <a:fontRef idx="minor">
+            <a:schemeClr val="tx1"/>
+          </a:fontRef>
+        </p:style>
+      </p:cxnSp>
+      <p:cxnSp>
+        <p:nvCxnSpPr>
+          <p:cNvPr id="413" name="Straight Arrow Connector 412"/>
+          <p:cNvCxnSpPr>
+            <a:stCxn id="208" idx="1"/>
+            <a:endCxn id="407" idx="3"/>
+          </p:cNvCxnSpPr>
+          <p:nvPr/>
+        </p:nvCxnSpPr>
+        <p:spPr>
+          <a:xfrm flipH="1" flipV="1">
+            <a:off x="4662446" y="1990784"/>
+            <a:ext cx="1110033" cy="657839"/>
+          </a:xfrm>
+          <a:prstGeom prst="straightConnector1">
+            <a:avLst/>
+          </a:prstGeom>
+          <a:ln>
+            <a:headEnd type="triangle"/>
+            <a:tailEnd type="triangle"/>
+          </a:ln>
+        </p:spPr>
+        <p:style>
+          <a:lnRef idx="1">
+            <a:schemeClr val="accent1"/>
+          </a:lnRef>
+          <a:fillRef idx="0">
+            <a:schemeClr val="accent1"/>
+          </a:fillRef>
+          <a:effectRef idx="0">
+            <a:schemeClr val="accent1"/>
+          </a:effectRef>
+          <a:fontRef idx="minor">
+            <a:schemeClr val="tx1"/>
+          </a:fontRef>
+        </p:style>
+      </p:cxnSp>
+      <p:pic>
+        <p:nvPicPr>
+          <p:cNvPr id="433" name="Picture 432"/>
+          <p:cNvPicPr>
+            <a:picLocks noChangeAspect="1"/>
+          </p:cNvPicPr>
+          <p:nvPr/>
+        </p:nvPicPr>
+        <p:blipFill>
+          <a:blip r:embed="rId5">
+            <a:extLst>
+              <a:ext uri="{28A0092B-C50C-407E-A947-70E740481C1C}">
+                <a14:useLocalDpi xmlns:a14="http://schemas.microsoft.com/office/drawing/2010/main" val="0"/>
+              </a:ext>
+            </a:extLst>
+          </a:blip>
+          <a:stretch>
+            <a:fillRect/>
+          </a:stretch>
+        </p:blipFill>
+        <p:spPr>
+          <a:xfrm>
+            <a:off x="3923858" y="5952279"/>
+            <a:ext cx="517918" cy="517918"/>
+          </a:xfrm>
+          <a:prstGeom prst="rect">
+            <a:avLst/>
+          </a:prstGeom>
+        </p:spPr>
+      </p:pic>
+      <p:cxnSp>
+        <p:nvCxnSpPr>
+          <p:cNvPr id="435" name="Straight Arrow Connector 434"/>
+          <p:cNvCxnSpPr>
+            <a:stCxn id="212" idx="1"/>
+            <a:endCxn id="433" idx="3"/>
+          </p:cNvCxnSpPr>
+          <p:nvPr/>
+        </p:nvCxnSpPr>
+        <p:spPr>
+          <a:xfrm flipH="1">
+            <a:off x="4441776" y="4895551"/>
+            <a:ext cx="1307916" cy="1315687"/>
+          </a:xfrm>
+          <a:prstGeom prst="straightConnector1">
+            <a:avLst/>
+          </a:prstGeom>
+          <a:ln>
             <a:tailEnd type="triangle"/>
           </a:ln>
         </p:spPr>
@@ -4139,7 +6359,7 @@
     </p:spTree>
     <p:extLst>
       <p:ext uri="{BB962C8B-B14F-4D97-AF65-F5344CB8AC3E}">
-        <p14:creationId xmlns:p14="http://schemas.microsoft.com/office/powerpoint/2010/main" val="1689035394"/>
+        <p14:creationId xmlns:p14="http://schemas.microsoft.com/office/powerpoint/2010/main" val="1999219421"/>
       </p:ext>
     </p:extLst>
   </p:cSld>
@@ -4197,7 +6417,11 @@
           <a:p>
             <a:r>
               <a:rPr lang="en-US" dirty="0" smtClean="0"/>
-              <a:t>Price Monitoring Flow</a:t>
+              <a:t>Category </a:t>
+            </a:r>
+            <a:r>
+              <a:rPr lang="en-US" dirty="0" smtClean="0"/>
+              <a:t>Crawler</a:t>
             </a:r>
             <a:endParaRPr lang="en-US" dirty="0"/>
           </a:p>
@@ -4216,7 +6440,7 @@
         <p:spPr>
           <a:xfrm>
             <a:off x="0" y="856527"/>
-            <a:ext cx="12192000" cy="6001474"/>
+            <a:ext cx="12192000" cy="6001473"/>
           </a:xfrm>
         </p:spPr>
         <p:txBody>
@@ -4225,26 +6449,95 @@
           <a:p>
             <a:r>
               <a:rPr lang="en-US" dirty="0" smtClean="0"/>
-              <a:t>Offline service</a:t>
+              <a:t>Offline service: </a:t>
+            </a:r>
+            <a:r>
+              <a:rPr lang="en-US" dirty="0" smtClean="0"/>
+              <a:t>executed weekly at 00:00:00 AM</a:t>
             </a:r>
             <a:endParaRPr lang="en-US" dirty="0"/>
           </a:p>
         </p:txBody>
       </p:sp>
-      <p:sp>
-        <p:nvSpPr>
-          <p:cNvPr id="5" name="Rectangle 4"/>
+      <p:pic>
+        <p:nvPicPr>
+          <p:cNvPr id="11" name="Picture 10"/>
+          <p:cNvPicPr>
+            <a:picLocks noChangeAspect="1"/>
+          </p:cNvPicPr>
+          <p:nvPr/>
+        </p:nvPicPr>
+        <p:blipFill>
+          <a:blip r:embed="rId2">
+            <a:extLst>
+              <a:ext uri="{28A0092B-C50C-407E-A947-70E740481C1C}">
+                <a14:useLocalDpi xmlns:a14="http://schemas.microsoft.com/office/drawing/2010/main" val="0"/>
+              </a:ext>
+            </a:extLst>
+          </a:blip>
+          <a:stretch>
+            <a:fillRect/>
+          </a:stretch>
+        </p:blipFill>
+        <p:spPr>
+          <a:xfrm>
+            <a:off x="7485195" y="1327012"/>
+            <a:ext cx="809510" cy="809510"/>
+          </a:xfrm>
+          <a:prstGeom prst="rect">
+            <a:avLst/>
+          </a:prstGeom>
+        </p:spPr>
+      </p:pic>
+      <p:pic>
+        <p:nvPicPr>
+          <p:cNvPr id="12" name="Content Placeholder 119"/>
+          <p:cNvPicPr>
+            <a:picLocks noChangeAspect="1"/>
+          </p:cNvPicPr>
+          <p:nvPr/>
+        </p:nvPicPr>
+        <p:blipFill>
+          <a:blip r:embed="rId3">
+            <a:extLst>
+              <a:ext uri="{28A0092B-C50C-407E-A947-70E740481C1C}">
+                <a14:useLocalDpi xmlns:a14="http://schemas.microsoft.com/office/drawing/2010/main" val="0"/>
+              </a:ext>
+            </a:extLst>
+          </a:blip>
+          <a:stretch>
+            <a:fillRect/>
+          </a:stretch>
+        </p:blipFill>
+        <p:spPr>
+          <a:xfrm>
+            <a:off x="2568788" y="916788"/>
+            <a:ext cx="273043" cy="273043"/>
+          </a:xfrm>
+          <a:prstGeom prst="rect">
+            <a:avLst/>
+          </a:prstGeom>
+        </p:spPr>
+      </p:pic>
+      <p:sp>
+        <p:nvSpPr>
+          <p:cNvPr id="14" name="Cloud 13"/>
           <p:cNvSpPr/>
           <p:nvPr/>
         </p:nvSpPr>
         <p:spPr>
           <a:xfrm>
-            <a:off x="5200518" y="2095134"/>
-            <a:ext cx="2741271" cy="1160775"/>
-          </a:xfrm>
-          <a:prstGeom prst="rect">
-            <a:avLst/>
-          </a:prstGeom>
+            <a:off x="2446329" y="1531170"/>
+            <a:ext cx="791004" cy="653598"/>
+          </a:xfrm>
+          <a:prstGeom prst="cloud">
+            <a:avLst/>
+          </a:prstGeom>
+          <a:solidFill>
+            <a:schemeClr val="bg2">
+              <a:lumMod val="90000"/>
+            </a:schemeClr>
+          </a:solidFill>
         </p:spPr>
         <p:style>
           <a:lnRef idx="2">
@@ -4267,24 +6560,27 @@
           <a:lstStyle/>
           <a:p>
             <a:pPr algn="ctr"/>
-            <a:endParaRPr lang="en-US" dirty="0" smtClean="0"/>
-          </a:p>
-        </p:txBody>
-      </p:sp>
-      <p:sp>
-        <p:nvSpPr>
-          <p:cNvPr id="8" name="Magnetic Disk 7"/>
+            <a:endParaRPr lang="en-US"/>
+          </a:p>
+        </p:txBody>
+      </p:sp>
+      <p:sp>
+        <p:nvSpPr>
+          <p:cNvPr id="15" name="Cube 14"/>
           <p:cNvSpPr/>
           <p:nvPr/>
         </p:nvSpPr>
         <p:spPr>
           <a:xfrm>
-            <a:off x="7027994" y="4030243"/>
-            <a:ext cx="1226916" cy="1055779"/>
-          </a:xfrm>
-          <a:prstGeom prst="flowChartMagneticDisk">
-            <a:avLst/>
-          </a:prstGeom>
+            <a:off x="4419607" y="1581235"/>
+            <a:ext cx="1980955" cy="417372"/>
+          </a:xfrm>
+          <a:prstGeom prst="cube">
+            <a:avLst/>
+          </a:prstGeom>
+          <a:solidFill>
+            <a:srgbClr val="00B0F0"/>
+          </a:solidFill>
         </p:spPr>
         <p:style>
           <a:lnRef idx="2">
@@ -4307,34 +6603,25 @@
           <a:lstStyle/>
           <a:p>
             <a:pPr algn="ctr"/>
-            <a:r>
-              <a:rPr lang="en-US" dirty="0" smtClean="0"/>
-              <a:t>Product DB</a:t>
-            </a:r>
-            <a:endParaRPr lang="en-US" dirty="0"/>
-          </a:p>
-        </p:txBody>
-      </p:sp>
-      <p:sp>
-        <p:nvSpPr>
-          <p:cNvPr id="13" name="TextBox 12"/>
+            <a:endParaRPr lang="en-US"/>
+          </a:p>
+        </p:txBody>
+      </p:sp>
+      <p:sp>
+        <p:nvSpPr>
+          <p:cNvPr id="16" name="TextBox 15"/>
           <p:cNvSpPr txBox="1"/>
           <p:nvPr/>
         </p:nvSpPr>
         <p:spPr>
           <a:xfrm>
-            <a:off x="2265930" y="5233347"/>
-            <a:ext cx="8298985" cy="1477328"/>
+            <a:off x="4482708" y="1638048"/>
+            <a:ext cx="1980726" cy="276999"/>
           </a:xfrm>
           <a:prstGeom prst="rect">
             <a:avLst/>
           </a:prstGeom>
           <a:noFill/>
-          <a:ln>
-            <a:solidFill>
-              <a:schemeClr val="tx1"/>
-            </a:solidFill>
-          </a:ln>
         </p:spPr>
         <p:txBody>
           <a:bodyPr wrap="square" rtlCol="0">
@@ -4343,284 +6630,31 @@
           <a:lstStyle/>
           <a:p>
             <a:r>
-              <a:rPr lang="en-US" dirty="0" smtClean="0"/>
-              <a:t>Product DB: product table</a:t>
-            </a:r>
-          </a:p>
-          <a:p>
-            <a:r>
-              <a:rPr lang="en-US" dirty="0" err="1" smtClean="0"/>
-              <a:t>product_id</a:t>
-            </a:r>
-            <a:r>
-              <a:rPr lang="en-US" dirty="0" smtClean="0"/>
-              <a:t>, </a:t>
-            </a:r>
-            <a:r>
-              <a:rPr lang="en-US" dirty="0" err="1" smtClean="0"/>
-              <a:t>category_id</a:t>
-            </a:r>
-            <a:r>
-              <a:rPr lang="en-US" dirty="0" smtClean="0"/>
-              <a:t>, title, </a:t>
-            </a:r>
-            <a:r>
-              <a:rPr lang="en-US" dirty="0" err="1" smtClean="0"/>
-              <a:t>thumnail</a:t>
-            </a:r>
-            <a:r>
-              <a:rPr lang="en-US" dirty="0" smtClean="0"/>
-              <a:t>, </a:t>
-            </a:r>
-            <a:r>
-              <a:rPr lang="en-US" dirty="0" err="1" smtClean="0"/>
-              <a:t>detail_url</a:t>
-            </a:r>
-            <a:r>
-              <a:rPr lang="en-US" dirty="0" smtClean="0"/>
-              <a:t>, price, </a:t>
-            </a:r>
-            <a:r>
-              <a:rPr lang="en-US" dirty="0" err="1" smtClean="0"/>
-              <a:t>old_price</a:t>
-            </a:r>
-            <a:r>
-              <a:rPr lang="en-US" dirty="0" smtClean="0"/>
-              <a:t>, </a:t>
-            </a:r>
-            <a:r>
-              <a:rPr lang="en-US" dirty="0" err="1" smtClean="0"/>
-              <a:t>last_updated_time</a:t>
-            </a:r>
-            <a:endParaRPr lang="en-US" dirty="0" smtClean="0"/>
-          </a:p>
-          <a:p>
-            <a:endParaRPr lang="en-US" dirty="0"/>
-          </a:p>
-          <a:p>
-            <a:r>
-              <a:rPr lang="en-US" dirty="0" smtClean="0"/>
-              <a:t>Product Price Cache:</a:t>
-            </a:r>
-          </a:p>
-          <a:p>
-            <a:r>
-              <a:rPr lang="en-US" dirty="0" smtClean="0"/>
-              <a:t>Key: </a:t>
-            </a:r>
-            <a:r>
-              <a:rPr lang="en-US" dirty="0" err="1" smtClean="0"/>
-              <a:t>product_id</a:t>
-            </a:r>
-            <a:r>
-              <a:rPr lang="en-US" dirty="0" smtClean="0"/>
-              <a:t>, value: </a:t>
-            </a:r>
-            <a:r>
-              <a:rPr lang="en-US" dirty="0" err="1" smtClean="0"/>
-              <a:t>last_price</a:t>
-            </a:r>
-            <a:endParaRPr lang="en-US" dirty="0" smtClean="0"/>
-          </a:p>
-        </p:txBody>
-      </p:sp>
-      <p:sp>
-        <p:nvSpPr>
-          <p:cNvPr id="16" name="Magnetic Disk 15"/>
-          <p:cNvSpPr/>
-          <p:nvPr/>
-        </p:nvSpPr>
-        <p:spPr>
-          <a:xfrm>
-            <a:off x="4502360" y="3961725"/>
-            <a:ext cx="1226916" cy="1055779"/>
-          </a:xfrm>
-          <a:prstGeom prst="flowChartMagneticDisk">
-            <a:avLst/>
-          </a:prstGeom>
-        </p:spPr>
-        <p:style>
-          <a:lnRef idx="2">
-            <a:schemeClr val="accent1">
-              <a:shade val="50000"/>
-            </a:schemeClr>
-          </a:lnRef>
-          <a:fillRef idx="1">
-            <a:schemeClr val="accent1"/>
-          </a:fillRef>
-          <a:effectRef idx="0">
-            <a:schemeClr val="accent1"/>
-          </a:effectRef>
-          <a:fontRef idx="minor">
-            <a:schemeClr val="lt1"/>
-          </a:fontRef>
-        </p:style>
-        <p:txBody>
-          <a:bodyPr rtlCol="0" anchor="ctr"/>
-          <a:lstStyle/>
-          <a:p>
-            <a:pPr algn="ctr"/>
-            <a:r>
-              <a:rPr lang="en-US" dirty="0" smtClean="0"/>
-              <a:t>Product Price Cache</a:t>
-            </a:r>
-            <a:endParaRPr lang="en-US" dirty="0"/>
-          </a:p>
-        </p:txBody>
-      </p:sp>
-      <p:sp>
-        <p:nvSpPr>
-          <p:cNvPr id="37" name="Rectangle 36"/>
-          <p:cNvSpPr/>
-          <p:nvPr/>
-        </p:nvSpPr>
-        <p:spPr>
-          <a:xfrm>
-            <a:off x="4914159" y="1798885"/>
-            <a:ext cx="2741271" cy="1160775"/>
-          </a:xfrm>
-          <a:prstGeom prst="rect">
-            <a:avLst/>
-          </a:prstGeom>
-        </p:spPr>
-        <p:style>
-          <a:lnRef idx="2">
-            <a:schemeClr val="accent1">
-              <a:shade val="50000"/>
-            </a:schemeClr>
-          </a:lnRef>
-          <a:fillRef idx="1">
-            <a:schemeClr val="accent1"/>
-          </a:fillRef>
-          <a:effectRef idx="0">
-            <a:schemeClr val="accent1"/>
-          </a:effectRef>
-          <a:fontRef idx="minor">
-            <a:schemeClr val="lt1"/>
-          </a:fontRef>
-        </p:style>
-        <p:txBody>
-          <a:bodyPr rtlCol="0" anchor="ctr"/>
-          <a:lstStyle/>
-          <a:p>
-            <a:pPr algn="ctr"/>
-            <a:endParaRPr lang="en-US" dirty="0" smtClean="0"/>
-          </a:p>
-        </p:txBody>
-      </p:sp>
-      <p:sp>
-        <p:nvSpPr>
-          <p:cNvPr id="38" name="Rectangle 37"/>
-          <p:cNvSpPr/>
-          <p:nvPr/>
-        </p:nvSpPr>
-        <p:spPr>
-          <a:xfrm>
-            <a:off x="4627800" y="1541491"/>
-            <a:ext cx="2741271" cy="1155264"/>
-          </a:xfrm>
-          <a:prstGeom prst="rect">
-            <a:avLst/>
-          </a:prstGeom>
-        </p:spPr>
-        <p:style>
-          <a:lnRef idx="2">
-            <a:schemeClr val="accent1">
-              <a:shade val="50000"/>
-            </a:schemeClr>
-          </a:lnRef>
-          <a:fillRef idx="1">
-            <a:schemeClr val="accent1"/>
-          </a:fillRef>
-          <a:effectRef idx="0">
-            <a:schemeClr val="accent1"/>
-          </a:effectRef>
-          <a:fontRef idx="minor">
-            <a:schemeClr val="lt1"/>
-          </a:fontRef>
-        </p:style>
-        <p:txBody>
-          <a:bodyPr rtlCol="0" anchor="ctr"/>
-          <a:lstStyle/>
-          <a:p>
-            <a:pPr algn="ctr"/>
-            <a:r>
-              <a:rPr lang="en-US" dirty="0" smtClean="0"/>
-              <a:t>Price Monitoring Services</a:t>
-            </a:r>
-          </a:p>
-          <a:p>
-            <a:pPr algn="ctr"/>
-            <a:r>
-              <a:rPr lang="en-US" dirty="0" smtClean="0"/>
-              <a:t>for each category</a:t>
-            </a:r>
-          </a:p>
-        </p:txBody>
-      </p:sp>
-      <p:sp>
-        <p:nvSpPr>
-          <p:cNvPr id="50" name="Multidocument 49"/>
-          <p:cNvSpPr/>
-          <p:nvPr/>
-        </p:nvSpPr>
-        <p:spPr>
-          <a:xfrm>
-            <a:off x="1462537" y="1401431"/>
-            <a:ext cx="1805049" cy="1457024"/>
-          </a:xfrm>
-          <a:prstGeom prst="flowChartMultidocument">
-            <a:avLst/>
-          </a:prstGeom>
-        </p:spPr>
-        <p:style>
-          <a:lnRef idx="2">
-            <a:schemeClr val="accent1">
-              <a:shade val="50000"/>
-            </a:schemeClr>
-          </a:lnRef>
-          <a:fillRef idx="1">
-            <a:schemeClr val="accent1"/>
-          </a:fillRef>
-          <a:effectRef idx="0">
-            <a:schemeClr val="accent1"/>
-          </a:effectRef>
-          <a:fontRef idx="minor">
-            <a:schemeClr val="lt1"/>
-          </a:fontRef>
-        </p:style>
-        <p:txBody>
-          <a:bodyPr rtlCol="0" anchor="ctr"/>
-          <a:lstStyle/>
-          <a:p>
-            <a:pPr algn="ctr"/>
-            <a:r>
-              <a:rPr lang="en-US" dirty="0" smtClean="0"/>
-              <a:t>Category Queue</a:t>
-            </a:r>
-            <a:endParaRPr lang="en-US" dirty="0"/>
+              <a:rPr lang="en-US" sz="1200" dirty="0" smtClean="0"/>
+              <a:t>Category Crawler</a:t>
+            </a:r>
+            <a:endParaRPr lang="en-US" sz="1200" dirty="0"/>
           </a:p>
         </p:txBody>
       </p:sp>
       <p:cxnSp>
         <p:nvCxnSpPr>
-          <p:cNvPr id="20" name="Straight Arrow Connector 19"/>
+          <p:cNvPr id="9" name="Straight Arrow Connector 8"/>
           <p:cNvCxnSpPr>
-            <a:stCxn id="5" idx="2"/>
-            <a:endCxn id="16" idx="1"/>
+            <a:stCxn id="14" idx="0"/>
+            <a:endCxn id="15" idx="2"/>
           </p:cNvCxnSpPr>
           <p:nvPr/>
         </p:nvCxnSpPr>
         <p:spPr>
-          <a:xfrm flipH="1">
-            <a:off x="5115818" y="3255909"/>
-            <a:ext cx="1455336" cy="705816"/>
+          <a:xfrm flipV="1">
+            <a:off x="3236674" y="1842093"/>
+            <a:ext cx="1182933" cy="15876"/>
           </a:xfrm>
           <a:prstGeom prst="straightConnector1">
             <a:avLst/>
           </a:prstGeom>
           <a:ln>
-            <a:headEnd type="triangle"/>
             <a:tailEnd type="triangle"/>
           </a:ln>
         </p:spPr>
@@ -4641,23 +6675,22 @@
       </p:cxnSp>
       <p:cxnSp>
         <p:nvCxnSpPr>
-          <p:cNvPr id="32" name="Straight Arrow Connector 31"/>
+          <p:cNvPr id="20" name="Straight Arrow Connector 19"/>
           <p:cNvCxnSpPr>
-            <a:stCxn id="8" idx="1"/>
-            <a:endCxn id="5" idx="2"/>
+            <a:stCxn id="15" idx="5"/>
+            <a:endCxn id="11" idx="1"/>
           </p:cNvCxnSpPr>
           <p:nvPr/>
         </p:nvCxnSpPr>
         <p:spPr>
-          <a:xfrm flipH="1" flipV="1">
-            <a:off x="6571154" y="3255909"/>
-            <a:ext cx="1070298" cy="774334"/>
+          <a:xfrm flipV="1">
+            <a:off x="6400562" y="1731767"/>
+            <a:ext cx="1084633" cy="5983"/>
           </a:xfrm>
           <a:prstGeom prst="straightConnector1">
             <a:avLst/>
           </a:prstGeom>
           <a:ln>
-            <a:headEnd type="triangle"/>
             <a:tailEnd type="triangle"/>
           </a:ln>
         </p:spPr>
@@ -4676,126 +6709,124 @@
           </a:fontRef>
         </p:style>
       </p:cxnSp>
-      <p:sp>
-        <p:nvSpPr>
-          <p:cNvPr id="35" name="Multidocument 34"/>
-          <p:cNvSpPr/>
-          <p:nvPr/>
-        </p:nvSpPr>
-        <p:spPr>
-          <a:xfrm>
-            <a:off x="9496881" y="1957829"/>
-            <a:ext cx="1805049" cy="1457024"/>
-          </a:xfrm>
-          <a:prstGeom prst="flowChartMultidocument">
-            <a:avLst/>
-          </a:prstGeom>
-        </p:spPr>
-        <p:style>
-          <a:lnRef idx="2">
-            <a:schemeClr val="accent1">
-              <a:shade val="50000"/>
-            </a:schemeClr>
-          </a:lnRef>
-          <a:fillRef idx="1">
-            <a:schemeClr val="accent1"/>
-          </a:fillRef>
-          <a:effectRef idx="0">
-            <a:schemeClr val="accent1"/>
-          </a:effectRef>
-          <a:fontRef idx="minor">
-            <a:schemeClr val="lt1"/>
-          </a:fontRef>
-        </p:style>
-        <p:txBody>
-          <a:bodyPr rtlCol="0" anchor="ctr"/>
-          <a:lstStyle/>
-          <a:p>
-            <a:pPr algn="ctr"/>
-            <a:r>
-              <a:rPr lang="en-US" dirty="0" smtClean="0"/>
-              <a:t>Price Reduction Queue</a:t>
-            </a:r>
-            <a:endParaRPr lang="en-US" dirty="0"/>
-          </a:p>
-        </p:txBody>
-      </p:sp>
-      <p:cxnSp>
-        <p:nvCxnSpPr>
-          <p:cNvPr id="31" name="Straight Arrow Connector 30"/>
-          <p:cNvCxnSpPr>
-            <a:stCxn id="50" idx="3"/>
-            <a:endCxn id="38" idx="1"/>
-          </p:cNvCxnSpPr>
-          <p:nvPr/>
-        </p:nvCxnSpPr>
-        <p:spPr>
-          <a:xfrm flipV="1">
-            <a:off x="3267586" y="2119123"/>
-            <a:ext cx="1360214" cy="10820"/>
-          </a:xfrm>
-          <a:prstGeom prst="straightConnector1">
-            <a:avLst/>
-          </a:prstGeom>
-          <a:ln>
-            <a:tailEnd type="triangle"/>
-          </a:ln>
-        </p:spPr>
-        <p:style>
-          <a:lnRef idx="1">
-            <a:schemeClr val="accent1"/>
-          </a:lnRef>
-          <a:fillRef idx="0">
-            <a:schemeClr val="accent1"/>
-          </a:fillRef>
-          <a:effectRef idx="0">
-            <a:schemeClr val="accent1"/>
-          </a:effectRef>
-          <a:fontRef idx="minor">
-            <a:schemeClr val="tx1"/>
-          </a:fontRef>
-        </p:style>
-      </p:cxnSp>
-      <p:cxnSp>
-        <p:nvCxnSpPr>
-          <p:cNvPr id="40" name="Straight Arrow Connector 39"/>
-          <p:cNvCxnSpPr>
-            <a:stCxn id="5" idx="3"/>
-            <a:endCxn id="35" idx="1"/>
-          </p:cNvCxnSpPr>
-          <p:nvPr/>
-        </p:nvCxnSpPr>
-        <p:spPr>
-          <a:xfrm>
-            <a:off x="7941789" y="2675522"/>
-            <a:ext cx="1555092" cy="10819"/>
-          </a:xfrm>
-          <a:prstGeom prst="straightConnector1">
-            <a:avLst/>
-          </a:prstGeom>
-          <a:ln>
-            <a:tailEnd type="triangle"/>
-          </a:ln>
-        </p:spPr>
-        <p:style>
-          <a:lnRef idx="1">
-            <a:schemeClr val="accent1"/>
-          </a:lnRef>
-          <a:fillRef idx="0">
-            <a:schemeClr val="accent1"/>
-          </a:fillRef>
-          <a:effectRef idx="0">
-            <a:schemeClr val="accent1"/>
-          </a:effectRef>
-          <a:fontRef idx="minor">
-            <a:schemeClr val="tx1"/>
-          </a:fontRef>
-        </p:style>
-      </p:cxnSp>
+      <p:pic>
+        <p:nvPicPr>
+          <p:cNvPr id="34" name="Picture 33"/>
+          <p:cNvPicPr>
+            <a:picLocks noChangeAspect="1"/>
+          </p:cNvPicPr>
+          <p:nvPr/>
+        </p:nvPicPr>
+        <p:blipFill>
+          <a:blip r:embed="rId4">
+            <a:extLst>
+              <a:ext uri="{28A0092B-C50C-407E-A947-70E740481C1C}">
+                <a14:useLocalDpi xmlns:a14="http://schemas.microsoft.com/office/drawing/2010/main" val="0"/>
+              </a:ext>
+            </a:extLst>
+          </a:blip>
+          <a:stretch>
+            <a:fillRect/>
+          </a:stretch>
+        </p:blipFill>
+        <p:spPr>
+          <a:xfrm>
+            <a:off x="7294536" y="2559879"/>
+            <a:ext cx="4805894" cy="2259810"/>
+          </a:xfrm>
+          <a:prstGeom prst="rect">
+            <a:avLst/>
+          </a:prstGeom>
+        </p:spPr>
+      </p:pic>
+      <p:sp>
+        <p:nvSpPr>
+          <p:cNvPr id="35" name="TextBox 34"/>
+          <p:cNvSpPr txBox="1"/>
+          <p:nvPr/>
+        </p:nvSpPr>
+        <p:spPr>
+          <a:xfrm>
+            <a:off x="721241" y="2502298"/>
+            <a:ext cx="6356453" cy="2554545"/>
+          </a:xfrm>
+          <a:prstGeom prst="rect">
+            <a:avLst/>
+          </a:prstGeom>
+          <a:noFill/>
+        </p:spPr>
+        <p:txBody>
+          <a:bodyPr wrap="square" rtlCol="0">
+            <a:spAutoFit/>
+          </a:bodyPr>
+          <a:lstStyle/>
+          <a:p>
+            <a:pPr marL="285750" indent="-285750">
+              <a:buFont typeface="Arial" charset="0"/>
+              <a:buChar char="•"/>
+            </a:pPr>
+            <a:r>
+              <a:rPr lang="en-US" sz="2000" dirty="0" smtClean="0"/>
+              <a:t>Crawl categories from Amazon web site, store into DB.</a:t>
+            </a:r>
+          </a:p>
+          <a:p>
+            <a:pPr marL="285750" indent="-285750">
+              <a:buFont typeface="Arial" charset="0"/>
+              <a:buChar char="•"/>
+            </a:pPr>
+            <a:r>
+              <a:rPr lang="en-US" sz="2000" dirty="0" smtClean="0"/>
+              <a:t>Set category priorities according to subscribers count.</a:t>
+            </a:r>
+          </a:p>
+          <a:p>
+            <a:pPr marL="285750" indent="-285750">
+              <a:buFont typeface="Arial" charset="0"/>
+              <a:buChar char="•"/>
+            </a:pPr>
+            <a:r>
+              <a:rPr lang="en-US" sz="2000" dirty="0" smtClean="0"/>
+              <a:t>Categories with subscribers count &gt; THRESHOLD, set to HIGH (1) priority.</a:t>
+            </a:r>
+          </a:p>
+          <a:p>
+            <a:pPr marL="285750" indent="-285750">
+              <a:buFont typeface="Arial" charset="0"/>
+              <a:buChar char="•"/>
+            </a:pPr>
+            <a:r>
+              <a:rPr lang="en-US" sz="2000" dirty="0" smtClean="0"/>
+              <a:t>Sort the rest of the categories by subscribers count in descending order.</a:t>
+            </a:r>
+          </a:p>
+          <a:p>
+            <a:pPr marL="285750" indent="-285750">
+              <a:buFont typeface="Arial" charset="0"/>
+              <a:buChar char="•"/>
+            </a:pPr>
+            <a:r>
+              <a:rPr lang="en-US" sz="2000" dirty="0" smtClean="0"/>
+              <a:t>The first half groups are set to MEDIUM (2) priority.</a:t>
+            </a:r>
+          </a:p>
+          <a:p>
+            <a:pPr marL="285750" indent="-285750">
+              <a:buFont typeface="Arial" charset="0"/>
+              <a:buChar char="•"/>
+            </a:pPr>
+            <a:r>
+              <a:rPr lang="en-US" sz="2000" dirty="0" smtClean="0"/>
+              <a:t>The second half groups are set to LOW (3) priority.</a:t>
+            </a:r>
+            <a:endParaRPr lang="en-US" sz="2000" dirty="0"/>
+          </a:p>
+        </p:txBody>
+      </p:sp>
     </p:spTree>
     <p:extLst>
       <p:ext uri="{BB962C8B-B14F-4D97-AF65-F5344CB8AC3E}">
-        <p14:creationId xmlns:p14="http://schemas.microsoft.com/office/powerpoint/2010/main" val="1902379388"/>
+        <p14:creationId xmlns:p14="http://schemas.microsoft.com/office/powerpoint/2010/main" val="1899744138"/>
       </p:ext>
     </p:extLst>
   </p:cSld>
@@ -4853,35 +6884,198 @@
           <a:p>
             <a:r>
               <a:rPr lang="en-US" dirty="0" smtClean="0"/>
-              <a:t>Instant Notification Flow</a:t>
+              <a:t>Product </a:t>
+            </a:r>
+            <a:r>
+              <a:rPr lang="en-US" dirty="0" smtClean="0"/>
+              <a:t>Crawler</a:t>
             </a:r>
             <a:endParaRPr lang="en-US" dirty="0"/>
           </a:p>
         </p:txBody>
       </p:sp>
-      <p:sp>
-        <p:nvSpPr>
-          <p:cNvPr id="3" name="Subtitle 2"/>
-          <p:cNvSpPr>
-            <a:spLocks noGrp="1"/>
-          </p:cNvSpPr>
-          <p:nvPr>
-            <p:ph type="subTitle" idx="1"/>
-          </p:nvPr>
-        </p:nvSpPr>
-        <p:spPr>
-          <a:xfrm>
-            <a:off x="0" y="856527"/>
-            <a:ext cx="12192000" cy="6001474"/>
-          </a:xfrm>
-        </p:spPr>
-        <p:txBody>
-          <a:bodyPr/>
-          <a:lstStyle/>
-          <a:p>
-            <a:r>
-              <a:rPr lang="en-US" dirty="0" smtClean="0"/>
-              <a:t>Offline service</a:t>
+      <p:pic>
+        <p:nvPicPr>
+          <p:cNvPr id="13" name="Content Placeholder 119"/>
+          <p:cNvPicPr>
+            <a:picLocks noChangeAspect="1"/>
+          </p:cNvPicPr>
+          <p:nvPr/>
+        </p:nvPicPr>
+        <p:blipFill>
+          <a:blip r:embed="rId2">
+            <a:extLst>
+              <a:ext uri="{28A0092B-C50C-407E-A947-70E740481C1C}">
+                <a14:useLocalDpi xmlns:a14="http://schemas.microsoft.com/office/drawing/2010/main" val="0"/>
+              </a:ext>
+            </a:extLst>
+          </a:blip>
+          <a:stretch>
+            <a:fillRect/>
+          </a:stretch>
+        </p:blipFill>
+        <p:spPr>
+          <a:xfrm>
+            <a:off x="1250955" y="875226"/>
+            <a:ext cx="273043" cy="273043"/>
+          </a:xfrm>
+          <a:prstGeom prst="rect">
+            <a:avLst/>
+          </a:prstGeom>
+        </p:spPr>
+      </p:pic>
+      <p:pic>
+        <p:nvPicPr>
+          <p:cNvPr id="14" name="Content Placeholder 119"/>
+          <p:cNvPicPr>
+            <a:picLocks noChangeAspect="1"/>
+          </p:cNvPicPr>
+          <p:nvPr/>
+        </p:nvPicPr>
+        <p:blipFill>
+          <a:blip r:embed="rId2">
+            <a:extLst>
+              <a:ext uri="{28A0092B-C50C-407E-A947-70E740481C1C}">
+                <a14:useLocalDpi xmlns:a14="http://schemas.microsoft.com/office/drawing/2010/main" val="0"/>
+              </a:ext>
+            </a:extLst>
+          </a:blip>
+          <a:stretch>
+            <a:fillRect/>
+          </a:stretch>
+        </p:blipFill>
+        <p:spPr>
+          <a:xfrm>
+            <a:off x="1250955" y="1197973"/>
+            <a:ext cx="273043" cy="273043"/>
+          </a:xfrm>
+          <a:prstGeom prst="rect">
+            <a:avLst/>
+          </a:prstGeom>
+        </p:spPr>
+      </p:pic>
+      <p:pic>
+        <p:nvPicPr>
+          <p:cNvPr id="15" name="Content Placeholder 119"/>
+          <p:cNvPicPr>
+            <a:picLocks noChangeAspect="1"/>
+          </p:cNvPicPr>
+          <p:nvPr/>
+        </p:nvPicPr>
+        <p:blipFill>
+          <a:blip r:embed="rId2">
+            <a:extLst>
+              <a:ext uri="{28A0092B-C50C-407E-A947-70E740481C1C}">
+                <a14:useLocalDpi xmlns:a14="http://schemas.microsoft.com/office/drawing/2010/main" val="0"/>
+              </a:ext>
+            </a:extLst>
+          </a:blip>
+          <a:stretch>
+            <a:fillRect/>
+          </a:stretch>
+        </p:blipFill>
+        <p:spPr>
+          <a:xfrm>
+            <a:off x="1250955" y="1509122"/>
+            <a:ext cx="273043" cy="273043"/>
+          </a:xfrm>
+          <a:prstGeom prst="rect">
+            <a:avLst/>
+          </a:prstGeom>
+        </p:spPr>
+      </p:pic>
+      <p:sp>
+        <p:nvSpPr>
+          <p:cNvPr id="6" name="TextBox 5"/>
+          <p:cNvSpPr txBox="1"/>
+          <p:nvPr/>
+        </p:nvSpPr>
+        <p:spPr>
+          <a:xfrm>
+            <a:off x="1524000" y="875226"/>
+            <a:ext cx="7559471" cy="369332"/>
+          </a:xfrm>
+          <a:prstGeom prst="rect">
+            <a:avLst/>
+          </a:prstGeom>
+          <a:noFill/>
+        </p:spPr>
+        <p:txBody>
+          <a:bodyPr wrap="square" rtlCol="0">
+            <a:spAutoFit/>
+          </a:bodyPr>
+          <a:lstStyle/>
+          <a:p>
+            <a:r>
+              <a:rPr lang="en-US" dirty="0"/>
+              <a:t>HIGH priority: executed every 3 hours starting at 01:00:00 AM</a:t>
+            </a:r>
+          </a:p>
+        </p:txBody>
+      </p:sp>
+      <p:sp>
+        <p:nvSpPr>
+          <p:cNvPr id="8" name="TextBox 7"/>
+          <p:cNvSpPr txBox="1"/>
+          <p:nvPr/>
+        </p:nvSpPr>
+        <p:spPr>
+          <a:xfrm>
+            <a:off x="1524000" y="1197973"/>
+            <a:ext cx="6899564" cy="369332"/>
+          </a:xfrm>
+          <a:prstGeom prst="rect">
+            <a:avLst/>
+          </a:prstGeom>
+          <a:noFill/>
+        </p:spPr>
+        <p:txBody>
+          <a:bodyPr wrap="square" rtlCol="0">
+            <a:spAutoFit/>
+          </a:bodyPr>
+          <a:lstStyle/>
+          <a:p>
+            <a:r>
+              <a:rPr lang="en-US"/>
+              <a:t>MIDUM priority: executed every 12 hours starting at </a:t>
+            </a:r>
+            <a:r>
+              <a:rPr lang="en-US"/>
+              <a:t>02:00:00 </a:t>
+            </a:r>
+            <a:r>
+              <a:rPr lang="en-US" smtClean="0"/>
+              <a:t>AM</a:t>
+            </a:r>
+            <a:endParaRPr lang="en-US"/>
+          </a:p>
+        </p:txBody>
+      </p:sp>
+      <p:sp>
+        <p:nvSpPr>
+          <p:cNvPr id="9" name="TextBox 8"/>
+          <p:cNvSpPr txBox="1"/>
+          <p:nvPr/>
+        </p:nvSpPr>
+        <p:spPr>
+          <a:xfrm>
+            <a:off x="1524000" y="1509122"/>
+            <a:ext cx="5838701" cy="369332"/>
+          </a:xfrm>
+          <a:prstGeom prst="rect">
+            <a:avLst/>
+          </a:prstGeom>
+          <a:noFill/>
+        </p:spPr>
+        <p:txBody>
+          <a:bodyPr wrap="square" rtlCol="0">
+            <a:spAutoFit/>
+          </a:bodyPr>
+          <a:lstStyle/>
+          <a:p>
+            <a:r>
+              <a:rPr lang="en-US" dirty="0"/>
+              <a:t>LOW priority: executed every day at 03:00:00 AM</a:t>
             </a:r>
             <a:endParaRPr lang="en-US" dirty="0"/>
           </a:p>
@@ -4889,18 +7083,21 @@
       </p:sp>
       <p:sp>
         <p:nvSpPr>
-          <p:cNvPr id="5" name="Rectangle 4"/>
+          <p:cNvPr id="21" name="Cube 20"/>
           <p:cNvSpPr/>
           <p:nvPr/>
         </p:nvSpPr>
         <p:spPr>
           <a:xfrm>
-            <a:off x="4499868" y="2095134"/>
-            <a:ext cx="2741271" cy="1160775"/>
-          </a:xfrm>
-          <a:prstGeom prst="rect">
-            <a:avLst/>
-          </a:prstGeom>
+            <a:off x="2210797" y="2182310"/>
+            <a:ext cx="1980955" cy="417372"/>
+          </a:xfrm>
+          <a:prstGeom prst="cube">
+            <a:avLst/>
+          </a:prstGeom>
+          <a:solidFill>
+            <a:srgbClr val="00B0F0"/>
+          </a:solidFill>
         </p:spPr>
         <p:style>
           <a:lnRef idx="2">
@@ -4923,30 +7120,25 @@
           <a:lstStyle/>
           <a:p>
             <a:pPr algn="ctr"/>
-            <a:endParaRPr lang="en-US" dirty="0" smtClean="0"/>
-          </a:p>
-        </p:txBody>
-      </p:sp>
-      <p:sp>
-        <p:nvSpPr>
-          <p:cNvPr id="13" name="TextBox 12"/>
+            <a:endParaRPr lang="en-US"/>
+          </a:p>
+        </p:txBody>
+      </p:sp>
+      <p:sp>
+        <p:nvSpPr>
+          <p:cNvPr id="22" name="TextBox 21"/>
           <p:cNvSpPr txBox="1"/>
           <p:nvPr/>
         </p:nvSpPr>
         <p:spPr>
           <a:xfrm>
-            <a:off x="3378957" y="4837330"/>
-            <a:ext cx="5652655" cy="2031325"/>
+            <a:off x="2211026" y="2292193"/>
+            <a:ext cx="1980726" cy="276999"/>
           </a:xfrm>
           <a:prstGeom prst="rect">
             <a:avLst/>
           </a:prstGeom>
           <a:noFill/>
-          <a:ln>
-            <a:solidFill>
-              <a:schemeClr val="tx1"/>
-            </a:solidFill>
-          </a:ln>
         </p:spPr>
         <p:txBody>
           <a:bodyPr wrap="square" rtlCol="0">
@@ -4955,259 +7147,86 @@
           <a:lstStyle/>
           <a:p>
             <a:r>
-              <a:rPr lang="en-US" dirty="0" smtClean="0"/>
-              <a:t>User DB: </a:t>
-            </a:r>
-          </a:p>
-          <a:p>
-            <a:endParaRPr lang="en-US" dirty="0"/>
-          </a:p>
-          <a:p>
-            <a:r>
-              <a:rPr lang="en-US" dirty="0" smtClean="0"/>
-              <a:t>user table</a:t>
-            </a:r>
-          </a:p>
-          <a:p>
-            <a:r>
-              <a:rPr lang="en-US" dirty="0" err="1" smtClean="0"/>
-              <a:t>user_id</a:t>
-            </a:r>
-            <a:r>
-              <a:rPr lang="en-US" dirty="0" smtClean="0"/>
-              <a:t>, email, password, </a:t>
-            </a:r>
-            <a:r>
-              <a:rPr lang="en-US" dirty="0" err="1" smtClean="0"/>
-              <a:t>last_updated_time</a:t>
-            </a:r>
-            <a:endParaRPr lang="en-US" dirty="0" smtClean="0"/>
-          </a:p>
-          <a:p>
-            <a:endParaRPr lang="en-US" dirty="0"/>
-          </a:p>
-          <a:p>
-            <a:r>
-              <a:rPr lang="en-US" dirty="0" err="1" smtClean="0"/>
-              <a:t>user_category</a:t>
-            </a:r>
-            <a:r>
-              <a:rPr lang="en-US" dirty="0" smtClean="0"/>
-              <a:t> table</a:t>
-            </a:r>
-          </a:p>
-          <a:p>
-            <a:r>
-              <a:rPr lang="en-US" dirty="0" err="1" smtClean="0"/>
-              <a:t>user_id</a:t>
-            </a:r>
-            <a:r>
-              <a:rPr lang="en-US" dirty="0" smtClean="0"/>
-              <a:t>, </a:t>
-            </a:r>
-            <a:r>
-              <a:rPr lang="en-US" dirty="0" err="1" smtClean="0"/>
-              <a:t>category_id</a:t>
-            </a:r>
-            <a:r>
-              <a:rPr lang="en-US" dirty="0" smtClean="0"/>
-              <a:t>, </a:t>
-            </a:r>
-            <a:r>
-              <a:rPr lang="en-US" dirty="0" err="1" smtClean="0"/>
-              <a:t>notification_type</a:t>
-            </a:r>
-            <a:r>
-              <a:rPr lang="en-US" dirty="0" smtClean="0"/>
-              <a:t> (0: instant, 1: daily)</a:t>
-            </a:r>
-          </a:p>
-        </p:txBody>
-      </p:sp>
-      <p:sp>
-        <p:nvSpPr>
-          <p:cNvPr id="16" name="Magnetic Disk 15"/>
-          <p:cNvSpPr/>
-          <p:nvPr/>
-        </p:nvSpPr>
-        <p:spPr>
-          <a:xfrm>
-            <a:off x="5257045" y="3639113"/>
-            <a:ext cx="1226916" cy="1055779"/>
-          </a:xfrm>
-          <a:prstGeom prst="flowChartMagneticDisk">
-            <a:avLst/>
-          </a:prstGeom>
-        </p:spPr>
-        <p:style>
-          <a:lnRef idx="2">
-            <a:schemeClr val="accent1">
-              <a:shade val="50000"/>
-            </a:schemeClr>
-          </a:lnRef>
-          <a:fillRef idx="1">
-            <a:schemeClr val="accent1"/>
-          </a:fillRef>
-          <a:effectRef idx="0">
-            <a:schemeClr val="accent1"/>
-          </a:effectRef>
-          <a:fontRef idx="minor">
-            <a:schemeClr val="lt1"/>
-          </a:fontRef>
-        </p:style>
-        <p:txBody>
-          <a:bodyPr rtlCol="0" anchor="ctr"/>
-          <a:lstStyle/>
-          <a:p>
-            <a:pPr algn="ctr"/>
-            <a:r>
-              <a:rPr lang="en-US" dirty="0" smtClean="0"/>
-              <a:t>User DB</a:t>
-            </a:r>
-            <a:endParaRPr lang="en-US" dirty="0"/>
-          </a:p>
-        </p:txBody>
-      </p:sp>
-      <p:sp>
-        <p:nvSpPr>
-          <p:cNvPr id="37" name="Rectangle 36"/>
-          <p:cNvSpPr/>
-          <p:nvPr/>
-        </p:nvSpPr>
-        <p:spPr>
-          <a:xfrm>
-            <a:off x="4213509" y="1798885"/>
-            <a:ext cx="2741271" cy="1160775"/>
+              <a:rPr lang="en-US" sz="1200" dirty="0" smtClean="0"/>
+              <a:t>Category Crawler (p1)</a:t>
+            </a:r>
+            <a:endParaRPr lang="en-US" sz="1200" dirty="0"/>
+          </a:p>
+        </p:txBody>
+      </p:sp>
+      <p:pic>
+        <p:nvPicPr>
+          <p:cNvPr id="23" name="Picture 22"/>
+          <p:cNvPicPr>
+            <a:picLocks noChangeAspect="1"/>
+          </p:cNvPicPr>
+          <p:nvPr/>
+        </p:nvPicPr>
+        <p:blipFill>
+          <a:blip r:embed="rId3">
+            <a:extLst>
+              <a:ext uri="{28A0092B-C50C-407E-A947-70E740481C1C}">
+                <a14:useLocalDpi xmlns:a14="http://schemas.microsoft.com/office/drawing/2010/main" val="0"/>
+              </a:ext>
+            </a:extLst>
+          </a:blip>
+          <a:stretch>
+            <a:fillRect/>
+          </a:stretch>
+        </p:blipFill>
+        <p:spPr>
+          <a:xfrm>
+            <a:off x="4964156" y="2059247"/>
+            <a:ext cx="517918" cy="517918"/>
           </a:xfrm>
           <a:prstGeom prst="rect">
             <a:avLst/>
           </a:prstGeom>
         </p:spPr>
-        <p:style>
-          <a:lnRef idx="2">
-            <a:schemeClr val="accent1">
-              <a:shade val="50000"/>
-            </a:schemeClr>
-          </a:lnRef>
-          <a:fillRef idx="1">
-            <a:schemeClr val="accent1"/>
-          </a:fillRef>
-          <a:effectRef idx="0">
-            <a:schemeClr val="accent1"/>
-          </a:effectRef>
-          <a:fontRef idx="minor">
-            <a:schemeClr val="lt1"/>
-          </a:fontRef>
-        </p:style>
-        <p:txBody>
-          <a:bodyPr rtlCol="0" anchor="ctr"/>
-          <a:lstStyle/>
-          <a:p>
-            <a:pPr algn="ctr"/>
-            <a:endParaRPr lang="en-US" dirty="0" smtClean="0"/>
-          </a:p>
-        </p:txBody>
-      </p:sp>
-      <p:sp>
-        <p:nvSpPr>
-          <p:cNvPr id="38" name="Rectangle 37"/>
-          <p:cNvSpPr/>
-          <p:nvPr/>
-        </p:nvSpPr>
-        <p:spPr>
-          <a:xfrm>
-            <a:off x="3927150" y="1541491"/>
-            <a:ext cx="2741271" cy="1155264"/>
+      </p:pic>
+      <p:pic>
+        <p:nvPicPr>
+          <p:cNvPr id="24" name="Picture 23"/>
+          <p:cNvPicPr>
+            <a:picLocks noChangeAspect="1"/>
+          </p:cNvPicPr>
+          <p:nvPr/>
+        </p:nvPicPr>
+        <p:blipFill>
+          <a:blip r:embed="rId4">
+            <a:extLst>
+              <a:ext uri="{28A0092B-C50C-407E-A947-70E740481C1C}">
+                <a14:useLocalDpi xmlns:a14="http://schemas.microsoft.com/office/drawing/2010/main" val="0"/>
+              </a:ext>
+            </a:extLst>
+          </a:blip>
+          <a:stretch>
+            <a:fillRect/>
+          </a:stretch>
+        </p:blipFill>
+        <p:spPr>
+          <a:xfrm>
+            <a:off x="982721" y="3854143"/>
+            <a:ext cx="809510" cy="809510"/>
           </a:xfrm>
           <a:prstGeom prst="rect">
             <a:avLst/>
           </a:prstGeom>
         </p:spPr>
-        <p:style>
-          <a:lnRef idx="2">
-            <a:schemeClr val="accent1">
-              <a:shade val="50000"/>
-            </a:schemeClr>
-          </a:lnRef>
-          <a:fillRef idx="1">
-            <a:schemeClr val="accent1"/>
-          </a:fillRef>
-          <a:effectRef idx="0">
-            <a:schemeClr val="accent1"/>
-          </a:effectRef>
-          <a:fontRef idx="minor">
-            <a:schemeClr val="lt1"/>
-          </a:fontRef>
-        </p:style>
-        <p:txBody>
-          <a:bodyPr rtlCol="0" anchor="ctr"/>
-          <a:lstStyle/>
-          <a:p>
-            <a:pPr algn="ctr"/>
-            <a:r>
-              <a:rPr lang="en-US" dirty="0" smtClean="0"/>
-              <a:t>Notification Service</a:t>
-            </a:r>
-          </a:p>
-        </p:txBody>
-      </p:sp>
-      <p:sp>
-        <p:nvSpPr>
-          <p:cNvPr id="50" name="Multidocument 49"/>
-          <p:cNvSpPr/>
-          <p:nvPr/>
-        </p:nvSpPr>
-        <p:spPr>
-          <a:xfrm>
-            <a:off x="761887" y="1401431"/>
-            <a:ext cx="1805049" cy="1457024"/>
-          </a:xfrm>
-          <a:prstGeom prst="flowChartMultidocument">
-            <a:avLst/>
-          </a:prstGeom>
-        </p:spPr>
-        <p:style>
-          <a:lnRef idx="2">
-            <a:schemeClr val="accent1">
-              <a:shade val="50000"/>
-            </a:schemeClr>
-          </a:lnRef>
-          <a:fillRef idx="1">
-            <a:schemeClr val="accent1"/>
-          </a:fillRef>
-          <a:effectRef idx="0">
-            <a:schemeClr val="accent1"/>
-          </a:effectRef>
-          <a:fontRef idx="minor">
-            <a:schemeClr val="lt1"/>
-          </a:fontRef>
-        </p:style>
-        <p:txBody>
-          <a:bodyPr rtlCol="0" anchor="ctr"/>
-          <a:lstStyle/>
-          <a:p>
-            <a:pPr algn="ctr"/>
-            <a:r>
-              <a:rPr lang="en-US" dirty="0" smtClean="0"/>
-              <a:t>Price Reduction Queue</a:t>
-            </a:r>
-            <a:endParaRPr lang="en-US" dirty="0"/>
-          </a:p>
-        </p:txBody>
-      </p:sp>
+      </p:pic>
       <p:cxnSp>
         <p:nvCxnSpPr>
-          <p:cNvPr id="20" name="Straight Arrow Connector 19"/>
+          <p:cNvPr id="17" name="Straight Arrow Connector 16"/>
           <p:cNvCxnSpPr>
-            <a:stCxn id="5" idx="2"/>
-            <a:endCxn id="16" idx="1"/>
+            <a:stCxn id="42" idx="2"/>
+            <a:endCxn id="24" idx="0"/>
           </p:cNvCxnSpPr>
           <p:nvPr/>
         </p:nvCxnSpPr>
         <p:spPr>
           <a:xfrm flipH="1">
-            <a:off x="5870503" y="3255909"/>
-            <a:ext cx="1" cy="383204"/>
+            <a:off x="1387476" y="3058705"/>
+            <a:ext cx="823321" cy="795438"/>
           </a:xfrm>
           <a:prstGeom prst="straightConnector1">
             <a:avLst/>
@@ -5234,22 +7253,467 @@
       </p:cxnSp>
       <p:cxnSp>
         <p:nvCxnSpPr>
-          <p:cNvPr id="31" name="Straight Arrow Connector 30"/>
+          <p:cNvPr id="19" name="Straight Arrow Connector 18"/>
           <p:cNvCxnSpPr>
-            <a:stCxn id="50" idx="3"/>
-            <a:endCxn id="38" idx="1"/>
+            <a:stCxn id="21" idx="5"/>
+            <a:endCxn id="23" idx="1"/>
           </p:cNvCxnSpPr>
           <p:nvPr/>
         </p:nvCxnSpPr>
         <p:spPr>
           <a:xfrm flipV="1">
-            <a:off x="2566936" y="2119123"/>
-            <a:ext cx="1360214" cy="10820"/>
+            <a:off x="4191752" y="2318206"/>
+            <a:ext cx="772404" cy="20619"/>
           </a:xfrm>
           <a:prstGeom prst="straightConnector1">
             <a:avLst/>
           </a:prstGeom>
           <a:ln>
+            <a:tailEnd type="triangle"/>
+          </a:ln>
+        </p:spPr>
+        <p:style>
+          <a:lnRef idx="1">
+            <a:schemeClr val="accent1"/>
+          </a:lnRef>
+          <a:fillRef idx="0">
+            <a:schemeClr val="accent1"/>
+          </a:fillRef>
+          <a:effectRef idx="0">
+            <a:schemeClr val="accent1"/>
+          </a:effectRef>
+          <a:fontRef idx="minor">
+            <a:schemeClr val="tx1"/>
+          </a:fontRef>
+        </p:style>
+      </p:cxnSp>
+      <p:sp>
+        <p:nvSpPr>
+          <p:cNvPr id="20" name="TextBox 19"/>
+          <p:cNvSpPr txBox="1"/>
+          <p:nvPr/>
+        </p:nvSpPr>
+        <p:spPr>
+          <a:xfrm>
+            <a:off x="1207323" y="5142016"/>
+            <a:ext cx="9460677" cy="1200329"/>
+          </a:xfrm>
+          <a:prstGeom prst="rect">
+            <a:avLst/>
+          </a:prstGeom>
+          <a:noFill/>
+        </p:spPr>
+        <p:txBody>
+          <a:bodyPr wrap="square" rtlCol="0">
+            <a:spAutoFit/>
+          </a:bodyPr>
+          <a:lstStyle/>
+          <a:p>
+            <a:pPr marL="285750" indent="-285750">
+              <a:buFont typeface="Arial" charset="0"/>
+              <a:buChar char="•"/>
+            </a:pPr>
+            <a:r>
+              <a:rPr lang="en-US" dirty="0" smtClean="0"/>
+              <a:t>Get category list from Category table with matching priority.</a:t>
+            </a:r>
+          </a:p>
+          <a:p>
+            <a:pPr marL="285750" indent="-285750">
+              <a:buFont typeface="Arial" charset="0"/>
+              <a:buChar char="•"/>
+            </a:pPr>
+            <a:r>
+              <a:rPr lang="en-US" dirty="0" smtClean="0"/>
+              <a:t>Product is sent to q_product_p1, q_product_p2, q_product_p3.</a:t>
+            </a:r>
+          </a:p>
+          <a:p>
+            <a:pPr marL="285750" indent="-285750">
+              <a:buFont typeface="Arial" charset="0"/>
+              <a:buChar char="•"/>
+            </a:pPr>
+            <a:r>
+              <a:rPr lang="en-US" dirty="0" smtClean="0"/>
+              <a:t>For each category, a new worker thread is started to parallel crawling the products.</a:t>
+            </a:r>
+          </a:p>
+          <a:p>
+            <a:pPr marL="285750" indent="-285750">
+              <a:buFont typeface="Arial" charset="0"/>
+              <a:buChar char="•"/>
+            </a:pPr>
+            <a:r>
+              <a:rPr lang="en-US" dirty="0" smtClean="0"/>
+              <a:t>Log information is sent to </a:t>
+            </a:r>
+            <a:r>
+              <a:rPr lang="en-US" dirty="0" err="1" smtClean="0"/>
+              <a:t>q_product_log</a:t>
+            </a:r>
+            <a:r>
+              <a:rPr lang="en-US" dirty="0" smtClean="0"/>
+              <a:t> with status SUCCESS (0) or FAIL (1). </a:t>
+            </a:r>
+            <a:endParaRPr lang="en-US" dirty="0"/>
+          </a:p>
+        </p:txBody>
+      </p:sp>
+      <p:pic>
+        <p:nvPicPr>
+          <p:cNvPr id="31" name="Picture 30"/>
+          <p:cNvPicPr>
+            <a:picLocks noChangeAspect="1"/>
+          </p:cNvPicPr>
+          <p:nvPr/>
+        </p:nvPicPr>
+        <p:blipFill>
+          <a:blip r:embed="rId3">
+            <a:extLst>
+              <a:ext uri="{28A0092B-C50C-407E-A947-70E740481C1C}">
+                <a14:useLocalDpi xmlns:a14="http://schemas.microsoft.com/office/drawing/2010/main" val="0"/>
+              </a:ext>
+            </a:extLst>
+          </a:blip>
+          <a:stretch>
+            <a:fillRect/>
+          </a:stretch>
+        </p:blipFill>
+        <p:spPr>
+          <a:xfrm>
+            <a:off x="4964156" y="4021588"/>
+            <a:ext cx="517918" cy="517918"/>
+          </a:xfrm>
+          <a:prstGeom prst="rect">
+            <a:avLst/>
+          </a:prstGeom>
+        </p:spPr>
+      </p:pic>
+      <p:cxnSp>
+        <p:nvCxnSpPr>
+          <p:cNvPr id="33" name="Straight Arrow Connector 32"/>
+          <p:cNvCxnSpPr>
+            <a:stCxn id="22" idx="3"/>
+            <a:endCxn id="31" idx="1"/>
+          </p:cNvCxnSpPr>
+          <p:nvPr/>
+        </p:nvCxnSpPr>
+        <p:spPr>
+          <a:xfrm>
+            <a:off x="4191752" y="2430693"/>
+            <a:ext cx="772404" cy="1849854"/>
+          </a:xfrm>
+          <a:prstGeom prst="straightConnector1">
+            <a:avLst/>
+          </a:prstGeom>
+          <a:ln>
+            <a:tailEnd type="triangle"/>
+          </a:ln>
+        </p:spPr>
+        <p:style>
+          <a:lnRef idx="1">
+            <a:schemeClr val="accent1"/>
+          </a:lnRef>
+          <a:fillRef idx="0">
+            <a:schemeClr val="accent1"/>
+          </a:fillRef>
+          <a:effectRef idx="0">
+            <a:schemeClr val="accent1"/>
+          </a:effectRef>
+          <a:fontRef idx="minor">
+            <a:schemeClr val="tx1"/>
+          </a:fontRef>
+        </p:style>
+      </p:cxnSp>
+      <p:sp>
+        <p:nvSpPr>
+          <p:cNvPr id="30" name="TextBox 29"/>
+          <p:cNvSpPr txBox="1"/>
+          <p:nvPr/>
+        </p:nvSpPr>
+        <p:spPr>
+          <a:xfrm>
+            <a:off x="5438896" y="2059247"/>
+            <a:ext cx="2339441" cy="369332"/>
+          </a:xfrm>
+          <a:prstGeom prst="rect">
+            <a:avLst/>
+          </a:prstGeom>
+          <a:noFill/>
+        </p:spPr>
+        <p:txBody>
+          <a:bodyPr wrap="square" rtlCol="0">
+            <a:spAutoFit/>
+          </a:bodyPr>
+          <a:lstStyle/>
+          <a:p>
+            <a:r>
+              <a:rPr lang="en-US" dirty="0" smtClean="0"/>
+              <a:t>q_product_p1 (High)</a:t>
+            </a:r>
+            <a:endParaRPr lang="en-US" dirty="0"/>
+          </a:p>
+        </p:txBody>
+      </p:sp>
+      <p:sp>
+        <p:nvSpPr>
+          <p:cNvPr id="32" name="TextBox 31"/>
+          <p:cNvSpPr txBox="1"/>
+          <p:nvPr/>
+        </p:nvSpPr>
+        <p:spPr>
+          <a:xfrm>
+            <a:off x="5438897" y="4021588"/>
+            <a:ext cx="1626920" cy="369332"/>
+          </a:xfrm>
+          <a:prstGeom prst="rect">
+            <a:avLst/>
+          </a:prstGeom>
+          <a:noFill/>
+        </p:spPr>
+        <p:txBody>
+          <a:bodyPr wrap="square" rtlCol="0">
+            <a:spAutoFit/>
+          </a:bodyPr>
+          <a:lstStyle/>
+          <a:p>
+            <a:r>
+              <a:rPr lang="en-US" dirty="0" err="1"/>
+              <a:t>q</a:t>
+            </a:r>
+            <a:r>
+              <a:rPr lang="en-US" dirty="0" err="1" smtClean="0"/>
+              <a:t>_product_log</a:t>
+            </a:r>
+            <a:endParaRPr lang="en-US" dirty="0"/>
+          </a:p>
+        </p:txBody>
+      </p:sp>
+      <p:pic>
+        <p:nvPicPr>
+          <p:cNvPr id="39" name="Picture 38"/>
+          <p:cNvPicPr>
+            <a:picLocks noChangeAspect="1"/>
+          </p:cNvPicPr>
+          <p:nvPr/>
+        </p:nvPicPr>
+        <p:blipFill>
+          <a:blip r:embed="rId3">
+            <a:extLst>
+              <a:ext uri="{28A0092B-C50C-407E-A947-70E740481C1C}">
+                <a14:useLocalDpi xmlns:a14="http://schemas.microsoft.com/office/drawing/2010/main" val="0"/>
+              </a:ext>
+            </a:extLst>
+          </a:blip>
+          <a:stretch>
+            <a:fillRect/>
+          </a:stretch>
+        </p:blipFill>
+        <p:spPr>
+          <a:xfrm>
+            <a:off x="4964156" y="2710410"/>
+            <a:ext cx="517918" cy="517918"/>
+          </a:xfrm>
+          <a:prstGeom prst="rect">
+            <a:avLst/>
+          </a:prstGeom>
+        </p:spPr>
+      </p:pic>
+      <p:pic>
+        <p:nvPicPr>
+          <p:cNvPr id="40" name="Picture 39"/>
+          <p:cNvPicPr>
+            <a:picLocks noChangeAspect="1"/>
+          </p:cNvPicPr>
+          <p:nvPr/>
+        </p:nvPicPr>
+        <p:blipFill>
+          <a:blip r:embed="rId3">
+            <a:extLst>
+              <a:ext uri="{28A0092B-C50C-407E-A947-70E740481C1C}">
+                <a14:useLocalDpi xmlns:a14="http://schemas.microsoft.com/office/drawing/2010/main" val="0"/>
+              </a:ext>
+            </a:extLst>
+          </a:blip>
+          <a:stretch>
+            <a:fillRect/>
+          </a:stretch>
+        </p:blipFill>
+        <p:spPr>
+          <a:xfrm>
+            <a:off x="4964156" y="3370425"/>
+            <a:ext cx="517918" cy="517918"/>
+          </a:xfrm>
+          <a:prstGeom prst="rect">
+            <a:avLst/>
+          </a:prstGeom>
+        </p:spPr>
+      </p:pic>
+      <p:sp>
+        <p:nvSpPr>
+          <p:cNvPr id="42" name="Cube 41"/>
+          <p:cNvSpPr/>
+          <p:nvPr/>
+        </p:nvSpPr>
+        <p:spPr>
+          <a:xfrm>
+            <a:off x="2210797" y="2797847"/>
+            <a:ext cx="1980955" cy="417372"/>
+          </a:xfrm>
+          <a:prstGeom prst="cube">
+            <a:avLst/>
+          </a:prstGeom>
+          <a:solidFill>
+            <a:srgbClr val="00B0F0"/>
+          </a:solidFill>
+        </p:spPr>
+        <p:style>
+          <a:lnRef idx="2">
+            <a:schemeClr val="accent1">
+              <a:shade val="50000"/>
+            </a:schemeClr>
+          </a:lnRef>
+          <a:fillRef idx="1">
+            <a:schemeClr val="accent1"/>
+          </a:fillRef>
+          <a:effectRef idx="0">
+            <a:schemeClr val="accent1"/>
+          </a:effectRef>
+          <a:fontRef idx="minor">
+            <a:schemeClr val="lt1"/>
+          </a:fontRef>
+        </p:style>
+        <p:txBody>
+          <a:bodyPr rtlCol="0" anchor="ctr"/>
+          <a:lstStyle/>
+          <a:p>
+            <a:pPr algn="ctr"/>
+            <a:endParaRPr lang="en-US"/>
+          </a:p>
+        </p:txBody>
+      </p:sp>
+      <p:sp>
+        <p:nvSpPr>
+          <p:cNvPr id="43" name="Cube 42"/>
+          <p:cNvSpPr/>
+          <p:nvPr/>
+        </p:nvSpPr>
+        <p:spPr>
+          <a:xfrm>
+            <a:off x="2210797" y="3413385"/>
+            <a:ext cx="1980955" cy="417372"/>
+          </a:xfrm>
+          <a:prstGeom prst="cube">
+            <a:avLst/>
+          </a:prstGeom>
+          <a:solidFill>
+            <a:srgbClr val="00B0F0"/>
+          </a:solidFill>
+        </p:spPr>
+        <p:style>
+          <a:lnRef idx="2">
+            <a:schemeClr val="accent1">
+              <a:shade val="50000"/>
+            </a:schemeClr>
+          </a:lnRef>
+          <a:fillRef idx="1">
+            <a:schemeClr val="accent1"/>
+          </a:fillRef>
+          <a:effectRef idx="0">
+            <a:schemeClr val="accent1"/>
+          </a:effectRef>
+          <a:fontRef idx="minor">
+            <a:schemeClr val="lt1"/>
+          </a:fontRef>
+        </p:style>
+        <p:txBody>
+          <a:bodyPr rtlCol="0" anchor="ctr"/>
+          <a:lstStyle/>
+          <a:p>
+            <a:pPr algn="ctr"/>
+            <a:endParaRPr lang="en-US"/>
+          </a:p>
+        </p:txBody>
+      </p:sp>
+      <p:sp>
+        <p:nvSpPr>
+          <p:cNvPr id="44" name="TextBox 43"/>
+          <p:cNvSpPr txBox="1"/>
+          <p:nvPr/>
+        </p:nvSpPr>
+        <p:spPr>
+          <a:xfrm>
+            <a:off x="2211026" y="2932472"/>
+            <a:ext cx="1980726" cy="276999"/>
+          </a:xfrm>
+          <a:prstGeom prst="rect">
+            <a:avLst/>
+          </a:prstGeom>
+          <a:noFill/>
+        </p:spPr>
+        <p:txBody>
+          <a:bodyPr wrap="square" rtlCol="0">
+            <a:spAutoFit/>
+          </a:bodyPr>
+          <a:lstStyle/>
+          <a:p>
+            <a:r>
+              <a:rPr lang="en-US" sz="1200" dirty="0" smtClean="0"/>
+              <a:t>Category Crawler (p2)</a:t>
+            </a:r>
+            <a:endParaRPr lang="en-US" sz="1200" dirty="0"/>
+          </a:p>
+        </p:txBody>
+      </p:sp>
+      <p:sp>
+        <p:nvSpPr>
+          <p:cNvPr id="45" name="TextBox 44"/>
+          <p:cNvSpPr txBox="1"/>
+          <p:nvPr/>
+        </p:nvSpPr>
+        <p:spPr>
+          <a:xfrm>
+            <a:off x="2211026" y="3537126"/>
+            <a:ext cx="1980726" cy="276999"/>
+          </a:xfrm>
+          <a:prstGeom prst="rect">
+            <a:avLst/>
+          </a:prstGeom>
+          <a:noFill/>
+        </p:spPr>
+        <p:txBody>
+          <a:bodyPr wrap="square" rtlCol="0">
+            <a:spAutoFit/>
+          </a:bodyPr>
+          <a:lstStyle/>
+          <a:p>
+            <a:r>
+              <a:rPr lang="en-US" sz="1200" dirty="0" smtClean="0"/>
+              <a:t>Category Crawler (p3)</a:t>
+            </a:r>
+            <a:endParaRPr lang="en-US" sz="1200" dirty="0"/>
+          </a:p>
+        </p:txBody>
+      </p:sp>
+      <p:cxnSp>
+        <p:nvCxnSpPr>
+          <p:cNvPr id="47" name="Straight Arrow Connector 46"/>
+          <p:cNvCxnSpPr>
+            <a:stCxn id="45" idx="1"/>
+            <a:endCxn id="24" idx="0"/>
+          </p:cNvCxnSpPr>
+          <p:nvPr/>
+        </p:nvCxnSpPr>
+        <p:spPr>
+          <a:xfrm flipH="1">
+            <a:off x="1387476" y="3675626"/>
+            <a:ext cx="823550" cy="178517"/>
+          </a:xfrm>
+          <a:prstGeom prst="straightConnector1">
+            <a:avLst/>
+          </a:prstGeom>
+          <a:ln>
+            <a:headEnd type="triangle"/>
             <a:tailEnd type="triangle"/>
           </a:ln>
         </p:spPr>
@@ -5270,22 +7734,23 @@
       </p:cxnSp>
       <p:cxnSp>
         <p:nvCxnSpPr>
-          <p:cNvPr id="40" name="Straight Arrow Connector 39"/>
+          <p:cNvPr id="48" name="Straight Arrow Connector 47"/>
           <p:cNvCxnSpPr>
-            <a:stCxn id="5" idx="3"/>
-            <a:endCxn id="21" idx="1"/>
+            <a:stCxn id="21" idx="2"/>
+            <a:endCxn id="24" idx="0"/>
           </p:cNvCxnSpPr>
           <p:nvPr/>
         </p:nvCxnSpPr>
         <p:spPr>
-          <a:xfrm flipV="1">
-            <a:off x="7241139" y="2672766"/>
-            <a:ext cx="1427006" cy="2756"/>
+          <a:xfrm flipH="1">
+            <a:off x="1387476" y="2443168"/>
+            <a:ext cx="823321" cy="1410975"/>
           </a:xfrm>
           <a:prstGeom prst="straightConnector1">
             <a:avLst/>
           </a:prstGeom>
           <a:ln>
+            <a:headEnd type="triangle"/>
             <a:tailEnd type="triangle"/>
           </a:ln>
         </p:spPr>
@@ -5304,133 +7769,214 @@
           </a:fontRef>
         </p:style>
       </p:cxnSp>
-      <p:sp>
-        <p:nvSpPr>
-          <p:cNvPr id="18" name="Rectangle 17"/>
-          <p:cNvSpPr/>
-          <p:nvPr/>
-        </p:nvSpPr>
-        <p:spPr>
-          <a:xfrm>
-            <a:off x="9249149" y="2672766"/>
-            <a:ext cx="2741271" cy="1155264"/>
-          </a:xfrm>
-          <a:prstGeom prst="rect">
-            <a:avLst/>
-          </a:prstGeom>
+      <p:cxnSp>
+        <p:nvCxnSpPr>
+          <p:cNvPr id="53" name="Straight Arrow Connector 52"/>
+          <p:cNvCxnSpPr>
+            <a:stCxn id="42" idx="5"/>
+            <a:endCxn id="39" idx="1"/>
+          </p:cNvCxnSpPr>
+          <p:nvPr/>
+        </p:nvCxnSpPr>
+        <p:spPr>
+          <a:xfrm>
+            <a:off x="4191752" y="2954362"/>
+            <a:ext cx="772404" cy="15007"/>
+          </a:xfrm>
+          <a:prstGeom prst="straightConnector1">
+            <a:avLst/>
+          </a:prstGeom>
+          <a:ln>
+            <a:tailEnd type="triangle"/>
+          </a:ln>
         </p:spPr>
         <p:style>
-          <a:lnRef idx="2">
-            <a:schemeClr val="accent1">
-              <a:shade val="50000"/>
-            </a:schemeClr>
+          <a:lnRef idx="1">
+            <a:schemeClr val="accent1"/>
           </a:lnRef>
-          <a:fillRef idx="1">
+          <a:fillRef idx="0">
             <a:schemeClr val="accent1"/>
           </a:fillRef>
           <a:effectRef idx="0">
             <a:schemeClr val="accent1"/>
           </a:effectRef>
           <a:fontRef idx="minor">
-            <a:schemeClr val="lt1"/>
+            <a:schemeClr val="tx1"/>
           </a:fontRef>
         </p:style>
-        <p:txBody>
-          <a:bodyPr rtlCol="0" anchor="ctr"/>
-          <a:lstStyle/>
-          <a:p>
-            <a:pPr algn="ctr"/>
-            <a:endParaRPr lang="en-US" dirty="0" smtClean="0"/>
-          </a:p>
-        </p:txBody>
-      </p:sp>
-      <p:sp>
-        <p:nvSpPr>
-          <p:cNvPr id="19" name="Rectangle 18"/>
-          <p:cNvSpPr/>
-          <p:nvPr/>
-        </p:nvSpPr>
-        <p:spPr>
-          <a:xfrm>
-            <a:off x="8942628" y="2404633"/>
-            <a:ext cx="2741271" cy="1155264"/>
-          </a:xfrm>
-          <a:prstGeom prst="rect">
-            <a:avLst/>
-          </a:prstGeom>
+      </p:cxnSp>
+      <p:cxnSp>
+        <p:nvCxnSpPr>
+          <p:cNvPr id="54" name="Straight Arrow Connector 53"/>
+          <p:cNvCxnSpPr>
+            <a:stCxn id="43" idx="5"/>
+            <a:endCxn id="40" idx="1"/>
+          </p:cNvCxnSpPr>
+          <p:nvPr/>
+        </p:nvCxnSpPr>
+        <p:spPr>
+          <a:xfrm>
+            <a:off x="4191752" y="3569900"/>
+            <a:ext cx="772404" cy="59484"/>
+          </a:xfrm>
+          <a:prstGeom prst="straightConnector1">
+            <a:avLst/>
+          </a:prstGeom>
+          <a:ln>
+            <a:tailEnd type="triangle"/>
+          </a:ln>
         </p:spPr>
         <p:style>
-          <a:lnRef idx="2">
-            <a:schemeClr val="accent1">
-              <a:shade val="50000"/>
-            </a:schemeClr>
+          <a:lnRef idx="1">
+            <a:schemeClr val="accent1"/>
           </a:lnRef>
-          <a:fillRef idx="1">
+          <a:fillRef idx="0">
             <a:schemeClr val="accent1"/>
           </a:fillRef>
           <a:effectRef idx="0">
             <a:schemeClr val="accent1"/>
           </a:effectRef>
           <a:fontRef idx="minor">
-            <a:schemeClr val="lt1"/>
+            <a:schemeClr val="tx1"/>
           </a:fontRef>
         </p:style>
-        <p:txBody>
-          <a:bodyPr rtlCol="0" anchor="ctr"/>
-          <a:lstStyle/>
-          <a:p>
-            <a:pPr algn="ctr"/>
-            <a:endParaRPr lang="en-US" dirty="0" smtClean="0"/>
-          </a:p>
-        </p:txBody>
-      </p:sp>
-      <p:sp>
-        <p:nvSpPr>
-          <p:cNvPr id="21" name="Rectangle 20"/>
-          <p:cNvSpPr/>
-          <p:nvPr/>
-        </p:nvSpPr>
-        <p:spPr>
-          <a:xfrm>
-            <a:off x="8668145" y="2095134"/>
-            <a:ext cx="2741271" cy="1155264"/>
-          </a:xfrm>
-          <a:prstGeom prst="rect">
-            <a:avLst/>
-          </a:prstGeom>
+      </p:cxnSp>
+      <p:cxnSp>
+        <p:nvCxnSpPr>
+          <p:cNvPr id="60" name="Straight Arrow Connector 59"/>
+          <p:cNvCxnSpPr>
+            <a:stCxn id="43" idx="5"/>
+            <a:endCxn id="31" idx="1"/>
+          </p:cNvCxnSpPr>
+          <p:nvPr/>
+        </p:nvCxnSpPr>
+        <p:spPr>
+          <a:xfrm>
+            <a:off x="4191752" y="3569900"/>
+            <a:ext cx="772404" cy="710647"/>
+          </a:xfrm>
+          <a:prstGeom prst="straightConnector1">
+            <a:avLst/>
+          </a:prstGeom>
+          <a:ln>
+            <a:tailEnd type="triangle"/>
+          </a:ln>
         </p:spPr>
         <p:style>
-          <a:lnRef idx="2">
-            <a:schemeClr val="accent1">
-              <a:shade val="50000"/>
-            </a:schemeClr>
+          <a:lnRef idx="1">
+            <a:schemeClr val="accent1"/>
           </a:lnRef>
-          <a:fillRef idx="1">
+          <a:fillRef idx="0">
             <a:schemeClr val="accent1"/>
           </a:fillRef>
           <a:effectRef idx="0">
             <a:schemeClr val="accent1"/>
           </a:effectRef>
           <a:fontRef idx="minor">
-            <a:schemeClr val="lt1"/>
+            <a:schemeClr val="tx1"/>
           </a:fontRef>
         </p:style>
-        <p:txBody>
-          <a:bodyPr rtlCol="0" anchor="ctr"/>
-          <a:lstStyle/>
-          <a:p>
-            <a:pPr algn="ctr"/>
-            <a:r>
-              <a:rPr lang="en-US" dirty="0" smtClean="0"/>
-              <a:t>Send Email</a:t>
-            </a:r>
+      </p:cxnSp>
+      <p:cxnSp>
+        <p:nvCxnSpPr>
+          <p:cNvPr id="61" name="Straight Arrow Connector 60"/>
+          <p:cNvCxnSpPr>
+            <a:stCxn id="44" idx="3"/>
+            <a:endCxn id="31" idx="1"/>
+          </p:cNvCxnSpPr>
+          <p:nvPr/>
+        </p:nvCxnSpPr>
+        <p:spPr>
+          <a:xfrm>
+            <a:off x="4191752" y="3070972"/>
+            <a:ext cx="772404" cy="1209575"/>
+          </a:xfrm>
+          <a:prstGeom prst="straightConnector1">
+            <a:avLst/>
+          </a:prstGeom>
+          <a:ln>
+            <a:tailEnd type="triangle"/>
+          </a:ln>
+        </p:spPr>
+        <p:style>
+          <a:lnRef idx="1">
+            <a:schemeClr val="accent1"/>
+          </a:lnRef>
+          <a:fillRef idx="0">
+            <a:schemeClr val="accent1"/>
+          </a:fillRef>
+          <a:effectRef idx="0">
+            <a:schemeClr val="accent1"/>
+          </a:effectRef>
+          <a:fontRef idx="minor">
+            <a:schemeClr val="tx1"/>
+          </a:fontRef>
+        </p:style>
+      </p:cxnSp>
+      <p:sp>
+        <p:nvSpPr>
+          <p:cNvPr id="67" name="TextBox 66"/>
+          <p:cNvSpPr txBox="1"/>
+          <p:nvPr/>
+        </p:nvSpPr>
+        <p:spPr>
+          <a:xfrm>
+            <a:off x="5438896" y="2710410"/>
+            <a:ext cx="2719451" cy="369332"/>
+          </a:xfrm>
+          <a:prstGeom prst="rect">
+            <a:avLst/>
+          </a:prstGeom>
+          <a:noFill/>
+        </p:spPr>
+        <p:txBody>
+          <a:bodyPr wrap="square" rtlCol="0">
+            <a:spAutoFit/>
+          </a:bodyPr>
+          <a:lstStyle/>
+          <a:p>
+            <a:r>
+              <a:rPr lang="en-US" smtClean="0"/>
+              <a:t>q_product_p2 (Medium)</a:t>
+            </a:r>
+            <a:endParaRPr lang="en-US" dirty="0"/>
+          </a:p>
+        </p:txBody>
+      </p:sp>
+      <p:sp>
+        <p:nvSpPr>
+          <p:cNvPr id="68" name="TextBox 67"/>
+          <p:cNvSpPr txBox="1"/>
+          <p:nvPr/>
+        </p:nvSpPr>
+        <p:spPr>
+          <a:xfrm>
+            <a:off x="5438897" y="3370425"/>
+            <a:ext cx="2339440" cy="369332"/>
+          </a:xfrm>
+          <a:prstGeom prst="rect">
+            <a:avLst/>
+          </a:prstGeom>
+          <a:noFill/>
+        </p:spPr>
+        <p:txBody>
+          <a:bodyPr wrap="square" rtlCol="0">
+            <a:spAutoFit/>
+          </a:bodyPr>
+          <a:lstStyle/>
+          <a:p>
+            <a:r>
+              <a:rPr lang="en-US" smtClean="0"/>
+              <a:t>q_product_p3 (Low)</a:t>
+            </a:r>
+            <a:endParaRPr lang="en-US" dirty="0"/>
           </a:p>
         </p:txBody>
       </p:sp>
     </p:spTree>
     <p:extLst>
       <p:ext uri="{BB962C8B-B14F-4D97-AF65-F5344CB8AC3E}">
-        <p14:creationId xmlns:p14="http://schemas.microsoft.com/office/powerpoint/2010/main" val="257935025"/>
+        <p14:creationId xmlns:p14="http://schemas.microsoft.com/office/powerpoint/2010/main" val="1689035394"/>
       </p:ext>
     </p:extLst>
   </p:cSld>
@@ -5488,7 +8034,7 @@
           <a:p>
             <a:r>
               <a:rPr lang="en-US" dirty="0" smtClean="0"/>
-              <a:t>Daily Notification Flow</a:t>
+              <a:t>Price Monitoring Flow</a:t>
             </a:r>
             <a:endParaRPr lang="en-US" dirty="0"/>
           </a:p>
@@ -5530,7 +8076,7 @@
         </p:nvSpPr>
         <p:spPr>
           <a:xfrm>
-            <a:off x="5016459" y="2249511"/>
+            <a:off x="5200518" y="2095134"/>
             <a:ext cx="2741271" cy="1160775"/>
           </a:xfrm>
           <a:prstGeom prst="rect">
@@ -5564,13 +8110,13 @@
       </p:sp>
       <p:sp>
         <p:nvSpPr>
-          <p:cNvPr id="16" name="Magnetic Disk 15"/>
+          <p:cNvPr id="8" name="Magnetic Disk 7"/>
           <p:cNvSpPr/>
           <p:nvPr/>
         </p:nvSpPr>
         <p:spPr>
           <a:xfrm>
-            <a:off x="5773636" y="4300304"/>
+            <a:off x="7027994" y="4030243"/>
             <a:ext cx="1226916" cy="1055779"/>
           </a:xfrm>
           <a:prstGeom prst="flowChartMagneticDisk">
@@ -5600,7 +8146,7 @@
             <a:pPr algn="ctr"/>
             <a:r>
               <a:rPr lang="en-US" dirty="0" smtClean="0"/>
-              <a:t>User DB</a:t>
+              <a:t>Product DB</a:t>
             </a:r>
             <a:endParaRPr lang="en-US" dirty="0"/>
           </a:p>
@@ -5608,16 +8154,125 @@
       </p:sp>
       <p:sp>
         <p:nvSpPr>
-          <p:cNvPr id="37" name="Rectangle 36"/>
+          <p:cNvPr id="13" name="TextBox 12"/>
+          <p:cNvSpPr txBox="1"/>
+          <p:nvPr/>
+        </p:nvSpPr>
+        <p:spPr>
+          <a:xfrm>
+            <a:off x="2265930" y="5233347"/>
+            <a:ext cx="8298985" cy="1477328"/>
+          </a:xfrm>
+          <a:prstGeom prst="rect">
+            <a:avLst/>
+          </a:prstGeom>
+          <a:noFill/>
+          <a:ln>
+            <a:solidFill>
+              <a:schemeClr val="tx1"/>
+            </a:solidFill>
+          </a:ln>
+        </p:spPr>
+        <p:txBody>
+          <a:bodyPr wrap="square" rtlCol="0">
+            <a:spAutoFit/>
+          </a:bodyPr>
+          <a:lstStyle/>
+          <a:p>
+            <a:r>
+              <a:rPr lang="en-US" dirty="0" smtClean="0"/>
+              <a:t>Product DB: product table</a:t>
+            </a:r>
+          </a:p>
+          <a:p>
+            <a:r>
+              <a:rPr lang="en-US" dirty="0" err="1" smtClean="0"/>
+              <a:t>product_id</a:t>
+            </a:r>
+            <a:r>
+              <a:rPr lang="en-US" dirty="0" smtClean="0"/>
+              <a:t>, </a:t>
+            </a:r>
+            <a:r>
+              <a:rPr lang="en-US" dirty="0" err="1" smtClean="0"/>
+              <a:t>category_id</a:t>
+            </a:r>
+            <a:r>
+              <a:rPr lang="en-US" dirty="0" smtClean="0"/>
+              <a:t>, title, </a:t>
+            </a:r>
+            <a:r>
+              <a:rPr lang="en-US" dirty="0" err="1" smtClean="0"/>
+              <a:t>thumnail</a:t>
+            </a:r>
+            <a:r>
+              <a:rPr lang="en-US" dirty="0" smtClean="0"/>
+              <a:t>, </a:t>
+            </a:r>
+            <a:r>
+              <a:rPr lang="en-US" dirty="0" err="1" smtClean="0"/>
+              <a:t>detail_url</a:t>
+            </a:r>
+            <a:r>
+              <a:rPr lang="en-US" dirty="0" smtClean="0"/>
+              <a:t>, price, </a:t>
+            </a:r>
+            <a:r>
+              <a:rPr lang="en-US" dirty="0" err="1" smtClean="0"/>
+              <a:t>old_price</a:t>
+            </a:r>
+            <a:r>
+              <a:rPr lang="en-US" dirty="0" smtClean="0"/>
+              <a:t>, </a:t>
+            </a:r>
+            <a:r>
+              <a:rPr lang="en-US" dirty="0" err="1" smtClean="0"/>
+              <a:t>last_updated_time</a:t>
+            </a:r>
+            <a:endParaRPr lang="en-US" dirty="0" smtClean="0"/>
+          </a:p>
+          <a:p>
+            <a:endParaRPr lang="en-US" dirty="0"/>
+          </a:p>
+          <a:p>
+            <a:r>
+              <a:rPr lang="en-US" dirty="0" smtClean="0"/>
+              <a:t>Product Price Cache:</a:t>
+            </a:r>
+          </a:p>
+          <a:p>
+            <a:r>
+              <a:rPr lang="en-US" dirty="0" smtClean="0"/>
+              <a:t>Key: </a:t>
+            </a:r>
+            <a:r>
+              <a:rPr lang="en-US" dirty="0" err="1" smtClean="0"/>
+              <a:t>product_id</a:t>
+            </a:r>
+            <a:r>
+              <a:rPr lang="en-US" dirty="0" smtClean="0"/>
+              <a:t>, value: </a:t>
+            </a:r>
+            <a:r>
+              <a:rPr lang="en-US" dirty="0" err="1" smtClean="0"/>
+              <a:t>last_price</a:t>
+            </a:r>
+            <a:endParaRPr lang="en-US" dirty="0" smtClean="0"/>
+          </a:p>
+        </p:txBody>
+      </p:sp>
+      <p:sp>
+        <p:nvSpPr>
+          <p:cNvPr id="16" name="Magnetic Disk 15"/>
           <p:cNvSpPr/>
           <p:nvPr/>
         </p:nvSpPr>
         <p:spPr>
           <a:xfrm>
-            <a:off x="4730100" y="1953262"/>
-            <a:ext cx="2741271" cy="1160775"/>
-          </a:xfrm>
-          <a:prstGeom prst="rect">
+            <a:off x="4502360" y="3961725"/>
+            <a:ext cx="1226916" cy="1055779"/>
+          </a:xfrm>
+          <a:prstGeom prst="flowChartMagneticDisk">
             <a:avLst/>
           </a:prstGeom>
         </p:spPr>
@@ -5642,20 +8297,24 @@
           <a:lstStyle/>
           <a:p>
             <a:pPr algn="ctr"/>
-            <a:endParaRPr lang="en-US" dirty="0" smtClean="0"/>
-          </a:p>
-        </p:txBody>
-      </p:sp>
-      <p:sp>
-        <p:nvSpPr>
-          <p:cNvPr id="38" name="Rectangle 37"/>
+            <a:r>
+              <a:rPr lang="en-US" dirty="0" smtClean="0"/>
+              <a:t>Product Price Cache</a:t>
+            </a:r>
+            <a:endParaRPr lang="en-US" dirty="0"/>
+          </a:p>
+        </p:txBody>
+      </p:sp>
+      <p:sp>
+        <p:nvSpPr>
+          <p:cNvPr id="37" name="Rectangle 36"/>
           <p:cNvSpPr/>
           <p:nvPr/>
         </p:nvSpPr>
         <p:spPr>
           <a:xfrm>
-            <a:off x="4443741" y="1695868"/>
-            <a:ext cx="2741271" cy="1155264"/>
+            <a:off x="4914159" y="1798885"/>
+            <a:ext cx="2741271" cy="1160775"/>
           </a:xfrm>
           <a:prstGeom prst="rect">
             <a:avLst/>
@@ -5682,10 +8341,101 @@
           <a:lstStyle/>
           <a:p>
             <a:pPr algn="ctr"/>
-            <a:r>
-              <a:rPr lang="en-US" dirty="0" smtClean="0"/>
-              <a:t>Daily Notification Service</a:t>
-            </a:r>
+            <a:endParaRPr lang="en-US" dirty="0" smtClean="0"/>
+          </a:p>
+        </p:txBody>
+      </p:sp>
+      <p:sp>
+        <p:nvSpPr>
+          <p:cNvPr id="38" name="Rectangle 37"/>
+          <p:cNvSpPr/>
+          <p:nvPr/>
+        </p:nvSpPr>
+        <p:spPr>
+          <a:xfrm>
+            <a:off x="4627800" y="1541491"/>
+            <a:ext cx="2741271" cy="1155264"/>
+          </a:xfrm>
+          <a:prstGeom prst="rect">
+            <a:avLst/>
+          </a:prstGeom>
+        </p:spPr>
+        <p:style>
+          <a:lnRef idx="2">
+            <a:schemeClr val="accent1">
+              <a:shade val="50000"/>
+            </a:schemeClr>
+          </a:lnRef>
+          <a:fillRef idx="1">
+            <a:schemeClr val="accent1"/>
+          </a:fillRef>
+          <a:effectRef idx="0">
+            <a:schemeClr val="accent1"/>
+          </a:effectRef>
+          <a:fontRef idx="minor">
+            <a:schemeClr val="lt1"/>
+          </a:fontRef>
+        </p:style>
+        <p:txBody>
+          <a:bodyPr rtlCol="0" anchor="ctr"/>
+          <a:lstStyle/>
+          <a:p>
+            <a:pPr algn="ctr"/>
+            <a:r>
+              <a:rPr lang="en-US" dirty="0" smtClean="0"/>
+              <a:t>Price Monitoring Services</a:t>
+            </a:r>
+          </a:p>
+          <a:p>
+            <a:pPr algn="ctr"/>
+            <a:r>
+              <a:rPr lang="en-US" dirty="0" smtClean="0"/>
+              <a:t>for each category</a:t>
+            </a:r>
+          </a:p>
+        </p:txBody>
+      </p:sp>
+      <p:sp>
+        <p:nvSpPr>
+          <p:cNvPr id="50" name="Multidocument 49"/>
+          <p:cNvSpPr/>
+          <p:nvPr/>
+        </p:nvSpPr>
+        <p:spPr>
+          <a:xfrm>
+            <a:off x="1462537" y="1401431"/>
+            <a:ext cx="1805049" cy="1457024"/>
+          </a:xfrm>
+          <a:prstGeom prst="flowChartMultidocument">
+            <a:avLst/>
+          </a:prstGeom>
+        </p:spPr>
+        <p:style>
+          <a:lnRef idx="2">
+            <a:schemeClr val="accent1">
+              <a:shade val="50000"/>
+            </a:schemeClr>
+          </a:lnRef>
+          <a:fillRef idx="1">
+            <a:schemeClr val="accent1"/>
+          </a:fillRef>
+          <a:effectRef idx="0">
+            <a:schemeClr val="accent1"/>
+          </a:effectRef>
+          <a:fontRef idx="minor">
+            <a:schemeClr val="lt1"/>
+          </a:fontRef>
+        </p:style>
+        <p:txBody>
+          <a:bodyPr rtlCol="0" anchor="ctr"/>
+          <a:lstStyle/>
+          <a:p>
+            <a:pPr algn="ctr"/>
+            <a:r>
+              <a:rPr lang="en-US" dirty="0" smtClean="0"/>
+              <a:t>Category Queue</a:t>
+            </a:r>
+            <a:endParaRPr lang="en-US" dirty="0"/>
           </a:p>
         </p:txBody>
       </p:sp>
@@ -5700,14 +8450,131 @@
         </p:nvCxnSpPr>
         <p:spPr>
           <a:xfrm flipH="1">
-            <a:off x="6387094" y="3410286"/>
-            <a:ext cx="1" cy="890018"/>
+            <a:off x="5115818" y="3255909"/>
+            <a:ext cx="1455336" cy="705816"/>
           </a:xfrm>
           <a:prstGeom prst="straightConnector1">
             <a:avLst/>
           </a:prstGeom>
           <a:ln>
             <a:headEnd type="triangle"/>
+            <a:tailEnd type="triangle"/>
+          </a:ln>
+        </p:spPr>
+        <p:style>
+          <a:lnRef idx="1">
+            <a:schemeClr val="accent1"/>
+          </a:lnRef>
+          <a:fillRef idx="0">
+            <a:schemeClr val="accent1"/>
+          </a:fillRef>
+          <a:effectRef idx="0">
+            <a:schemeClr val="accent1"/>
+          </a:effectRef>
+          <a:fontRef idx="minor">
+            <a:schemeClr val="tx1"/>
+          </a:fontRef>
+        </p:style>
+      </p:cxnSp>
+      <p:cxnSp>
+        <p:nvCxnSpPr>
+          <p:cNvPr id="32" name="Straight Arrow Connector 31"/>
+          <p:cNvCxnSpPr>
+            <a:stCxn id="8" idx="1"/>
+            <a:endCxn id="5" idx="2"/>
+          </p:cNvCxnSpPr>
+          <p:nvPr/>
+        </p:nvCxnSpPr>
+        <p:spPr>
+          <a:xfrm flipH="1" flipV="1">
+            <a:off x="6571154" y="3255909"/>
+            <a:ext cx="1070298" cy="774334"/>
+          </a:xfrm>
+          <a:prstGeom prst="straightConnector1">
+            <a:avLst/>
+          </a:prstGeom>
+          <a:ln>
+            <a:headEnd type="triangle"/>
+            <a:tailEnd type="triangle"/>
+          </a:ln>
+        </p:spPr>
+        <p:style>
+          <a:lnRef idx="1">
+            <a:schemeClr val="accent1"/>
+          </a:lnRef>
+          <a:fillRef idx="0">
+            <a:schemeClr val="accent1"/>
+          </a:fillRef>
+          <a:effectRef idx="0">
+            <a:schemeClr val="accent1"/>
+          </a:effectRef>
+          <a:fontRef idx="minor">
+            <a:schemeClr val="tx1"/>
+          </a:fontRef>
+        </p:style>
+      </p:cxnSp>
+      <p:sp>
+        <p:nvSpPr>
+          <p:cNvPr id="35" name="Multidocument 34"/>
+          <p:cNvSpPr/>
+          <p:nvPr/>
+        </p:nvSpPr>
+        <p:spPr>
+          <a:xfrm>
+            <a:off x="9496881" y="1957829"/>
+            <a:ext cx="1805049" cy="1457024"/>
+          </a:xfrm>
+          <a:prstGeom prst="flowChartMultidocument">
+            <a:avLst/>
+          </a:prstGeom>
+        </p:spPr>
+        <p:style>
+          <a:lnRef idx="2">
+            <a:schemeClr val="accent1">
+              <a:shade val="50000"/>
+            </a:schemeClr>
+          </a:lnRef>
+          <a:fillRef idx="1">
+            <a:schemeClr val="accent1"/>
+          </a:fillRef>
+          <a:effectRef idx="0">
+            <a:schemeClr val="accent1"/>
+          </a:effectRef>
+          <a:fontRef idx="minor">
+            <a:schemeClr val="lt1"/>
+          </a:fontRef>
+        </p:style>
+        <p:txBody>
+          <a:bodyPr rtlCol="0" anchor="ctr"/>
+          <a:lstStyle/>
+          <a:p>
+            <a:pPr algn="ctr"/>
+            <a:r>
+              <a:rPr lang="en-US" dirty="0" smtClean="0"/>
+              <a:t>Price Reduction Queue</a:t>
+            </a:r>
+            <a:endParaRPr lang="en-US" dirty="0"/>
+          </a:p>
+        </p:txBody>
+      </p:sp>
+      <p:cxnSp>
+        <p:nvCxnSpPr>
+          <p:cNvPr id="31" name="Straight Arrow Connector 30"/>
+          <p:cNvCxnSpPr>
+            <a:stCxn id="50" idx="3"/>
+            <a:endCxn id="38" idx="1"/>
+          </p:cNvCxnSpPr>
+          <p:nvPr/>
+        </p:nvCxnSpPr>
+        <p:spPr>
+          <a:xfrm flipV="1">
+            <a:off x="3267586" y="2119123"/>
+            <a:ext cx="1360214" cy="10820"/>
+          </a:xfrm>
+          <a:prstGeom prst="straightConnector1">
+            <a:avLst/>
+          </a:prstGeom>
+          <a:ln>
             <a:tailEnd type="triangle"/>
           </a:ln>
         </p:spPr>
@@ -5731,216 +8598,14 @@
           <p:cNvPr id="40" name="Straight Arrow Connector 39"/>
           <p:cNvCxnSpPr>
             <a:stCxn id="5" idx="3"/>
-            <a:endCxn id="21" idx="1"/>
+            <a:endCxn id="35" idx="1"/>
           </p:cNvCxnSpPr>
           <p:nvPr/>
         </p:nvCxnSpPr>
         <p:spPr>
-          <a:xfrm flipV="1">
-            <a:off x="7757730" y="2827143"/>
-            <a:ext cx="827294" cy="2756"/>
-          </a:xfrm>
-          <a:prstGeom prst="straightConnector1">
-            <a:avLst/>
-          </a:prstGeom>
-          <a:ln>
-            <a:tailEnd type="triangle"/>
-          </a:ln>
-        </p:spPr>
-        <p:style>
-          <a:lnRef idx="1">
-            <a:schemeClr val="accent1"/>
-          </a:lnRef>
-          <a:fillRef idx="0">
-            <a:schemeClr val="accent1"/>
-          </a:fillRef>
-          <a:effectRef idx="0">
-            <a:schemeClr val="accent1"/>
-          </a:effectRef>
-          <a:fontRef idx="minor">
-            <a:schemeClr val="tx1"/>
-          </a:fontRef>
-        </p:style>
-      </p:cxnSp>
-      <p:sp>
-        <p:nvSpPr>
-          <p:cNvPr id="18" name="Rectangle 17"/>
-          <p:cNvSpPr/>
-          <p:nvPr/>
-        </p:nvSpPr>
-        <p:spPr>
-          <a:xfrm>
-            <a:off x="9166028" y="2827143"/>
-            <a:ext cx="2741271" cy="1155264"/>
-          </a:xfrm>
-          <a:prstGeom prst="rect">
-            <a:avLst/>
-          </a:prstGeom>
-        </p:spPr>
-        <p:style>
-          <a:lnRef idx="2">
-            <a:schemeClr val="accent1">
-              <a:shade val="50000"/>
-            </a:schemeClr>
-          </a:lnRef>
-          <a:fillRef idx="1">
-            <a:schemeClr val="accent1"/>
-          </a:fillRef>
-          <a:effectRef idx="0">
-            <a:schemeClr val="accent1"/>
-          </a:effectRef>
-          <a:fontRef idx="minor">
-            <a:schemeClr val="lt1"/>
-          </a:fontRef>
-        </p:style>
-        <p:txBody>
-          <a:bodyPr rtlCol="0" anchor="ctr"/>
-          <a:lstStyle/>
-          <a:p>
-            <a:pPr algn="ctr"/>
-            <a:endParaRPr lang="en-US" dirty="0" smtClean="0"/>
-          </a:p>
-        </p:txBody>
-      </p:sp>
-      <p:sp>
-        <p:nvSpPr>
-          <p:cNvPr id="19" name="Rectangle 18"/>
-          <p:cNvSpPr/>
-          <p:nvPr/>
-        </p:nvSpPr>
-        <p:spPr>
-          <a:xfrm>
-            <a:off x="8859507" y="2559010"/>
-            <a:ext cx="2741271" cy="1155264"/>
-          </a:xfrm>
-          <a:prstGeom prst="rect">
-            <a:avLst/>
-          </a:prstGeom>
-        </p:spPr>
-        <p:style>
-          <a:lnRef idx="2">
-            <a:schemeClr val="accent1">
-              <a:shade val="50000"/>
-            </a:schemeClr>
-          </a:lnRef>
-          <a:fillRef idx="1">
-            <a:schemeClr val="accent1"/>
-          </a:fillRef>
-          <a:effectRef idx="0">
-            <a:schemeClr val="accent1"/>
-          </a:effectRef>
-          <a:fontRef idx="minor">
-            <a:schemeClr val="lt1"/>
-          </a:fontRef>
-        </p:style>
-        <p:txBody>
-          <a:bodyPr rtlCol="0" anchor="ctr"/>
-          <a:lstStyle/>
-          <a:p>
-            <a:pPr algn="ctr"/>
-            <a:endParaRPr lang="en-US" dirty="0" smtClean="0"/>
-          </a:p>
-        </p:txBody>
-      </p:sp>
-      <p:sp>
-        <p:nvSpPr>
-          <p:cNvPr id="21" name="Rectangle 20"/>
-          <p:cNvSpPr/>
-          <p:nvPr/>
-        </p:nvSpPr>
-        <p:spPr>
-          <a:xfrm>
-            <a:off x="8585024" y="2249511"/>
-            <a:ext cx="2741271" cy="1155264"/>
-          </a:xfrm>
-          <a:prstGeom prst="rect">
-            <a:avLst/>
-          </a:prstGeom>
-        </p:spPr>
-        <p:style>
-          <a:lnRef idx="2">
-            <a:schemeClr val="accent1">
-              <a:shade val="50000"/>
-            </a:schemeClr>
-          </a:lnRef>
-          <a:fillRef idx="1">
-            <a:schemeClr val="accent1"/>
-          </a:fillRef>
-          <a:effectRef idx="0">
-            <a:schemeClr val="accent1"/>
-          </a:effectRef>
-          <a:fontRef idx="minor">
-            <a:schemeClr val="lt1"/>
-          </a:fontRef>
-        </p:style>
-        <p:txBody>
-          <a:bodyPr rtlCol="0" anchor="ctr"/>
-          <a:lstStyle/>
-          <a:p>
-            <a:pPr algn="ctr"/>
-            <a:r>
-              <a:rPr lang="en-US" dirty="0" smtClean="0"/>
-              <a:t>Send Email</a:t>
-            </a:r>
-          </a:p>
-        </p:txBody>
-      </p:sp>
-      <p:sp>
-        <p:nvSpPr>
-          <p:cNvPr id="17" name="Rectangle 16"/>
-          <p:cNvSpPr/>
-          <p:nvPr/>
-        </p:nvSpPr>
-        <p:spPr>
-          <a:xfrm>
-            <a:off x="874353" y="1710512"/>
-            <a:ext cx="2741271" cy="1155264"/>
-          </a:xfrm>
-          <a:prstGeom prst="rect">
-            <a:avLst/>
-          </a:prstGeom>
-        </p:spPr>
-        <p:style>
-          <a:lnRef idx="2">
-            <a:schemeClr val="accent1">
-              <a:shade val="50000"/>
-            </a:schemeClr>
-          </a:lnRef>
-          <a:fillRef idx="1">
-            <a:schemeClr val="accent1"/>
-          </a:fillRef>
-          <a:effectRef idx="0">
-            <a:schemeClr val="accent1"/>
-          </a:effectRef>
-          <a:fontRef idx="minor">
-            <a:schemeClr val="lt1"/>
-          </a:fontRef>
-        </p:style>
-        <p:txBody>
-          <a:bodyPr rtlCol="0" anchor="ctr"/>
-          <a:lstStyle/>
-          <a:p>
-            <a:pPr algn="ctr"/>
-            <a:r>
-              <a:rPr lang="en-US" dirty="0" smtClean="0"/>
-              <a:t>Start Notification Service For Each Category</a:t>
-            </a:r>
-          </a:p>
-        </p:txBody>
-      </p:sp>
-      <p:cxnSp>
-        <p:nvCxnSpPr>
-          <p:cNvPr id="10" name="Straight Arrow Connector 9"/>
-          <p:cNvCxnSpPr>
-            <a:stCxn id="17" idx="3"/>
-            <a:endCxn id="38" idx="1"/>
-          </p:cNvCxnSpPr>
-          <p:nvPr/>
-        </p:nvCxnSpPr>
-        <p:spPr>
-          <a:xfrm flipV="1">
-            <a:off x="3615624" y="2273500"/>
-            <a:ext cx="828117" cy="14644"/>
+          <a:xfrm>
+            <a:off x="7941789" y="2675522"/>
+            <a:ext cx="1555092" cy="10819"/>
           </a:xfrm>
           <a:prstGeom prst="straightConnector1">
             <a:avLst/>
@@ -5967,7 +8632,7 @@
     </p:spTree>
     <p:extLst>
       <p:ext uri="{BB962C8B-B14F-4D97-AF65-F5344CB8AC3E}">
-        <p14:creationId xmlns:p14="http://schemas.microsoft.com/office/powerpoint/2010/main" val="1431661115"/>
+        <p14:creationId xmlns:p14="http://schemas.microsoft.com/office/powerpoint/2010/main" val="1902379388"/>
       </p:ext>
     </p:extLst>
   </p:cSld>
@@ -6025,7 +8690,7 @@
           <a:p>
             <a:r>
               <a:rPr lang="en-US" dirty="0" smtClean="0"/>
-              <a:t>User Subscription Flow</a:t>
+              <a:t>Instant Notification Flow</a:t>
             </a:r>
             <a:endParaRPr lang="en-US" dirty="0"/>
           </a:p>
@@ -6053,7 +8718,7 @@
           <a:p>
             <a:r>
               <a:rPr lang="en-US" dirty="0" smtClean="0"/>
-              <a:t>Online service</a:t>
+              <a:t>Offline service</a:t>
             </a:r>
             <a:endParaRPr lang="en-US" dirty="0"/>
           </a:p>
@@ -6061,95 +8726,16 @@
       </p:sp>
       <p:sp>
         <p:nvSpPr>
-          <p:cNvPr id="13" name="TextBox 12"/>
-          <p:cNvSpPr txBox="1"/>
-          <p:nvPr/>
-        </p:nvSpPr>
-        <p:spPr>
-          <a:xfrm>
-            <a:off x="3216927" y="4190195"/>
-            <a:ext cx="2025657" cy="2308324"/>
+          <p:cNvPr id="5" name="Rectangle 4"/>
+          <p:cNvSpPr/>
+          <p:nvPr/>
+        </p:nvSpPr>
+        <p:spPr>
+          <a:xfrm>
+            <a:off x="4499868" y="2095134"/>
+            <a:ext cx="2741271" cy="1160775"/>
           </a:xfrm>
           <a:prstGeom prst="rect">
-            <a:avLst/>
-          </a:prstGeom>
-          <a:noFill/>
-          <a:ln>
-            <a:solidFill>
-              <a:schemeClr val="tx1"/>
-            </a:solidFill>
-          </a:ln>
-        </p:spPr>
-        <p:txBody>
-          <a:bodyPr wrap="square" rtlCol="0">
-            <a:spAutoFit/>
-          </a:bodyPr>
-          <a:lstStyle/>
-          <a:p>
-            <a:r>
-              <a:rPr lang="en-US" dirty="0" smtClean="0"/>
-              <a:t>User Service:</a:t>
-            </a:r>
-          </a:p>
-          <a:p>
-            <a:endParaRPr lang="en-US" dirty="0"/>
-          </a:p>
-          <a:p>
-            <a:r>
-              <a:rPr lang="en-US" dirty="0" err="1" smtClean="0"/>
-              <a:t>createUser</a:t>
-            </a:r>
-            <a:endParaRPr lang="en-US" dirty="0" smtClean="0"/>
-          </a:p>
-          <a:p>
-            <a:r>
-              <a:rPr lang="en-US" dirty="0" err="1" smtClean="0"/>
-              <a:t>updateUser</a:t>
-            </a:r>
-            <a:endParaRPr lang="en-US" dirty="0" smtClean="0"/>
-          </a:p>
-          <a:p>
-            <a:r>
-              <a:rPr lang="en-US" dirty="0" err="1" smtClean="0"/>
-              <a:t>getAllCategories</a:t>
-            </a:r>
-            <a:endParaRPr lang="en-US" dirty="0" smtClean="0"/>
-          </a:p>
-          <a:p>
-            <a:r>
-              <a:rPr lang="en-US" dirty="0" err="1" smtClean="0"/>
-              <a:t>createSubscription</a:t>
-            </a:r>
-            <a:endParaRPr lang="en-US" dirty="0" smtClean="0"/>
-          </a:p>
-          <a:p>
-            <a:r>
-              <a:rPr lang="en-US" dirty="0" err="1" smtClean="0"/>
-              <a:t>updateSubscription</a:t>
-            </a:r>
-            <a:endParaRPr lang="en-US" dirty="0" smtClean="0"/>
-          </a:p>
-          <a:p>
-            <a:r>
-              <a:rPr lang="en-US" dirty="0" err="1" smtClean="0"/>
-              <a:t>deleteSubscription</a:t>
-            </a:r>
-            <a:endParaRPr lang="en-US" dirty="0"/>
-          </a:p>
-        </p:txBody>
-      </p:sp>
-      <p:sp>
-        <p:nvSpPr>
-          <p:cNvPr id="16" name="Magnetic Disk 15"/>
-          <p:cNvSpPr/>
-          <p:nvPr/>
-        </p:nvSpPr>
-        <p:spPr>
-          <a:xfrm>
-            <a:off x="7780561" y="3896542"/>
-            <a:ext cx="1226916" cy="1055779"/>
-          </a:xfrm>
-          <a:prstGeom prst="flowChartMagneticDisk">
             <a:avLst/>
           </a:prstGeom>
         </p:spPr>
@@ -6174,26 +8760,119 @@
           <a:lstStyle/>
           <a:p>
             <a:pPr algn="ctr"/>
-            <a:r>
-              <a:rPr lang="en-US" dirty="0" smtClean="0"/>
-              <a:t>User DB</a:t>
-            </a:r>
+            <a:endParaRPr lang="en-US" dirty="0" smtClean="0"/>
+          </a:p>
+        </p:txBody>
+      </p:sp>
+      <p:sp>
+        <p:nvSpPr>
+          <p:cNvPr id="13" name="TextBox 12"/>
+          <p:cNvSpPr txBox="1"/>
+          <p:nvPr/>
+        </p:nvSpPr>
+        <p:spPr>
+          <a:xfrm>
+            <a:off x="3378957" y="4837330"/>
+            <a:ext cx="5652655" cy="2031325"/>
+          </a:xfrm>
+          <a:prstGeom prst="rect">
+            <a:avLst/>
+          </a:prstGeom>
+          <a:noFill/>
+          <a:ln>
+            <a:solidFill>
+              <a:schemeClr val="tx1"/>
+            </a:solidFill>
+          </a:ln>
+        </p:spPr>
+        <p:txBody>
+          <a:bodyPr wrap="square" rtlCol="0">
+            <a:spAutoFit/>
+          </a:bodyPr>
+          <a:lstStyle/>
+          <a:p>
+            <a:r>
+              <a:rPr lang="en-US" dirty="0" smtClean="0"/>
+              <a:t>User DB: </a:t>
+            </a:r>
+          </a:p>
+          <a:p>
             <a:endParaRPr lang="en-US" dirty="0"/>
           </a:p>
-        </p:txBody>
-      </p:sp>
-      <p:sp>
-        <p:nvSpPr>
-          <p:cNvPr id="38" name="Rectangle 37"/>
+          <a:p>
+            <a:r>
+              <a:rPr lang="en-US" dirty="0" smtClean="0"/>
+              <a:t>user table</a:t>
+            </a:r>
+          </a:p>
+          <a:p>
+            <a:r>
+              <a:rPr lang="en-US" dirty="0" err="1" smtClean="0"/>
+              <a:t>user_id</a:t>
+            </a:r>
+            <a:r>
+              <a:rPr lang="en-US" dirty="0" smtClean="0"/>
+              <a:t>, email, password, </a:t>
+            </a:r>
+            <a:r>
+              <a:rPr lang="en-US" dirty="0" err="1" smtClean="0"/>
+              <a:t>last_updated_time</a:t>
+            </a:r>
+            <a:endParaRPr lang="en-US" dirty="0" smtClean="0"/>
+          </a:p>
+          <a:p>
+            <a:endParaRPr lang="en-US" dirty="0"/>
+          </a:p>
+          <a:p>
+            <a:r>
+              <a:rPr lang="en-US" dirty="0" err="1" smtClean="0"/>
+              <a:t>user_category</a:t>
+            </a:r>
+            <a:r>
+              <a:rPr lang="en-US" dirty="0" smtClean="0"/>
+              <a:t> table</a:t>
+            </a:r>
+          </a:p>
+          <a:p>
+            <a:r>
+              <a:rPr lang="en-US" dirty="0" err="1" smtClean="0"/>
+              <a:t>user_id</a:t>
+            </a:r>
+            <a:r>
+              <a:rPr lang="en-US" dirty="0" smtClean="0"/>
+              <a:t>, </a:t>
+            </a:r>
+            <a:r>
+              <a:rPr lang="en-US" dirty="0" err="1" smtClean="0"/>
+              <a:t>category_id</a:t>
+            </a:r>
+            <a:r>
+              <a:rPr lang="en-US" dirty="0" smtClean="0"/>
+              <a:t>, </a:t>
+            </a:r>
+            <a:r>
+              <a:rPr lang="en-US" dirty="0" err="1" smtClean="0"/>
+              <a:t>notification_type</a:t>
+            </a:r>
+            <a:r>
+              <a:rPr lang="en-US" dirty="0" smtClean="0"/>
+              <a:t> (0: instant, 1: daily)</a:t>
+            </a:r>
+          </a:p>
+        </p:txBody>
+      </p:sp>
+      <p:sp>
+        <p:nvSpPr>
+          <p:cNvPr id="16" name="Magnetic Disk 15"/>
           <p:cNvSpPr/>
           <p:nvPr/>
         </p:nvSpPr>
         <p:spPr>
           <a:xfrm>
-            <a:off x="6462541" y="1969000"/>
-            <a:ext cx="2741271" cy="1155264"/>
-          </a:xfrm>
-          <a:prstGeom prst="rect">
+            <a:off x="5257045" y="3639113"/>
+            <a:ext cx="1226916" cy="1055779"/>
+          </a:xfrm>
+          <a:prstGeom prst="flowChartMagneticDisk">
             <a:avLst/>
           </a:prstGeom>
         </p:spPr>
@@ -6220,59 +8899,24 @@
             <a:pPr algn="ctr"/>
             <a:r>
               <a:rPr lang="en-US" dirty="0" smtClean="0"/>
-              <a:t>User Service</a:t>
-            </a:r>
-          </a:p>
-        </p:txBody>
-      </p:sp>
-      <p:cxnSp>
-        <p:nvCxnSpPr>
-          <p:cNvPr id="20" name="Straight Arrow Connector 19"/>
-          <p:cNvCxnSpPr>
-            <a:stCxn id="38" idx="2"/>
-          </p:cNvCxnSpPr>
-          <p:nvPr/>
-        </p:nvCxnSpPr>
-        <p:spPr>
-          <a:xfrm>
-            <a:off x="7833177" y="3124264"/>
-            <a:ext cx="572717" cy="772278"/>
-          </a:xfrm>
-          <a:prstGeom prst="straightConnector1">
-            <a:avLst/>
-          </a:prstGeom>
-          <a:ln>
-            <a:headEnd type="triangle"/>
-            <a:tailEnd type="triangle"/>
-          </a:ln>
-        </p:spPr>
-        <p:style>
-          <a:lnRef idx="1">
-            <a:schemeClr val="accent1"/>
-          </a:lnRef>
-          <a:fillRef idx="0">
-            <a:schemeClr val="accent1"/>
-          </a:fillRef>
-          <a:effectRef idx="0">
-            <a:schemeClr val="accent1"/>
-          </a:effectRef>
-          <a:fontRef idx="minor">
-            <a:schemeClr val="tx1"/>
-          </a:fontRef>
-        </p:style>
-      </p:cxnSp>
-      <p:sp>
-        <p:nvSpPr>
-          <p:cNvPr id="4" name="Cloud Callout 3"/>
+              <a:t>User DB</a:t>
+            </a:r>
+            <a:endParaRPr lang="en-US" dirty="0"/>
+          </a:p>
+        </p:txBody>
+      </p:sp>
+      <p:sp>
+        <p:nvSpPr>
+          <p:cNvPr id="37" name="Rectangle 36"/>
           <p:cNvSpPr/>
           <p:nvPr/>
         </p:nvSpPr>
         <p:spPr>
           <a:xfrm>
-            <a:off x="2935064" y="1661682"/>
-            <a:ext cx="1638794" cy="1721922"/>
-          </a:xfrm>
-          <a:prstGeom prst="cloudCallout">
+            <a:off x="4213509" y="1798885"/>
+            <a:ext cx="2741271" cy="1160775"/>
+          </a:xfrm>
+          <a:prstGeom prst="rect">
             <a:avLst/>
           </a:prstGeom>
         </p:spPr>
@@ -6297,59 +8941,22 @@
           <a:lstStyle/>
           <a:p>
             <a:pPr algn="ctr"/>
-            <a:r>
-              <a:rPr lang="en-US" dirty="0" smtClean="0"/>
-              <a:t>User</a:t>
-            </a:r>
-            <a:endParaRPr lang="en-US" dirty="0"/>
-          </a:p>
-        </p:txBody>
-      </p:sp>
-      <p:cxnSp>
-        <p:nvCxnSpPr>
-          <p:cNvPr id="7" name="Straight Arrow Connector 6"/>
-          <p:cNvCxnSpPr/>
-          <p:nvPr/>
-        </p:nvCxnSpPr>
-        <p:spPr>
-          <a:xfrm>
-            <a:off x="4572492" y="2498654"/>
-            <a:ext cx="1890049" cy="23989"/>
-          </a:xfrm>
-          <a:prstGeom prst="straightConnector1">
-            <a:avLst/>
-          </a:prstGeom>
-          <a:ln>
-            <a:tailEnd type="triangle"/>
-          </a:ln>
-        </p:spPr>
-        <p:style>
-          <a:lnRef idx="1">
-            <a:schemeClr val="accent1"/>
-          </a:lnRef>
-          <a:fillRef idx="0">
-            <a:schemeClr val="accent1"/>
-          </a:fillRef>
-          <a:effectRef idx="0">
-            <a:schemeClr val="accent1"/>
-          </a:effectRef>
-          <a:fontRef idx="minor">
-            <a:schemeClr val="tx1"/>
-          </a:fontRef>
-        </p:style>
-      </p:cxnSp>
-      <p:sp>
-        <p:nvSpPr>
-          <p:cNvPr id="22" name="Magnetic Disk 21"/>
+            <a:endParaRPr lang="en-US" dirty="0" smtClean="0"/>
+          </a:p>
+        </p:txBody>
+      </p:sp>
+      <p:sp>
+        <p:nvSpPr>
+          <p:cNvPr id="38" name="Rectangle 37"/>
           <p:cNvSpPr/>
           <p:nvPr/>
         </p:nvSpPr>
         <p:spPr>
           <a:xfrm>
-            <a:off x="5985919" y="3912033"/>
-            <a:ext cx="1226916" cy="1055779"/>
-          </a:xfrm>
-          <a:prstGeom prst="flowChartMagneticDisk">
+            <a:off x="3927150" y="1541491"/>
+            <a:ext cx="2741271" cy="1155264"/>
+          </a:xfrm>
+          <a:prstGeom prst="rect">
             <a:avLst/>
           </a:prstGeom>
         </p:spPr>
@@ -6376,7 +8983,50 @@
             <a:pPr algn="ctr"/>
             <a:r>
               <a:rPr lang="en-US" dirty="0" smtClean="0"/>
-              <a:t>Category DB</a:t>
+              <a:t>Notification Service</a:t>
+            </a:r>
+          </a:p>
+        </p:txBody>
+      </p:sp>
+      <p:sp>
+        <p:nvSpPr>
+          <p:cNvPr id="50" name="Multidocument 49"/>
+          <p:cNvSpPr/>
+          <p:nvPr/>
+        </p:nvSpPr>
+        <p:spPr>
+          <a:xfrm>
+            <a:off x="761887" y="1401431"/>
+            <a:ext cx="1805049" cy="1457024"/>
+          </a:xfrm>
+          <a:prstGeom prst="flowChartMultidocument">
+            <a:avLst/>
+          </a:prstGeom>
+        </p:spPr>
+        <p:style>
+          <a:lnRef idx="2">
+            <a:schemeClr val="accent1">
+              <a:shade val="50000"/>
+            </a:schemeClr>
+          </a:lnRef>
+          <a:fillRef idx="1">
+            <a:schemeClr val="accent1"/>
+          </a:fillRef>
+          <a:effectRef idx="0">
+            <a:schemeClr val="accent1"/>
+          </a:effectRef>
+          <a:fontRef idx="minor">
+            <a:schemeClr val="lt1"/>
+          </a:fontRef>
+        </p:style>
+        <p:txBody>
+          <a:bodyPr rtlCol="0" anchor="ctr"/>
+          <a:lstStyle/>
+          <a:p>
+            <a:pPr algn="ctr"/>
+            <a:r>
+              <a:rPr lang="en-US" dirty="0" smtClean="0"/>
+              <a:t>Price Reduction Queue</a:t>
             </a:r>
             <a:endParaRPr lang="en-US" dirty="0"/>
           </a:p>
@@ -6384,16 +9034,17 @@
       </p:sp>
       <p:cxnSp>
         <p:nvCxnSpPr>
-          <p:cNvPr id="23" name="Straight Arrow Connector 22"/>
+          <p:cNvPr id="20" name="Straight Arrow Connector 19"/>
           <p:cNvCxnSpPr>
-            <a:stCxn id="38" idx="2"/>
+            <a:stCxn id="5" idx="2"/>
+            <a:endCxn id="16" idx="1"/>
           </p:cNvCxnSpPr>
           <p:nvPr/>
         </p:nvCxnSpPr>
         <p:spPr>
           <a:xfrm flipH="1">
-            <a:off x="6611252" y="3124264"/>
-            <a:ext cx="1221925" cy="787769"/>
+            <a:off x="5870503" y="3255909"/>
+            <a:ext cx="1" cy="383204"/>
           </a:xfrm>
           <a:prstGeom prst="straightConnector1">
             <a:avLst/>
@@ -6420,14 +9071,17 @@
       </p:cxnSp>
       <p:cxnSp>
         <p:nvCxnSpPr>
-          <p:cNvPr id="15" name="Straight Arrow Connector 14"/>
-          <p:cNvCxnSpPr/>
+          <p:cNvPr id="31" name="Straight Arrow Connector 30"/>
+          <p:cNvCxnSpPr>
+            <a:stCxn id="50" idx="3"/>
+            <a:endCxn id="38" idx="1"/>
+          </p:cNvCxnSpPr>
           <p:nvPr/>
         </p:nvCxnSpPr>
         <p:spPr>
-          <a:xfrm flipH="1" flipV="1">
-            <a:off x="4474657" y="2748271"/>
-            <a:ext cx="1987884" cy="8689"/>
+          <a:xfrm flipV="1">
+            <a:off x="2566936" y="2119123"/>
+            <a:ext cx="1360214" cy="10820"/>
           </a:xfrm>
           <a:prstGeom prst="straightConnector1">
             <a:avLst/>
@@ -6451,10 +9105,169 @@
           </a:fontRef>
         </p:style>
       </p:cxnSp>
+      <p:cxnSp>
+        <p:nvCxnSpPr>
+          <p:cNvPr id="40" name="Straight Arrow Connector 39"/>
+          <p:cNvCxnSpPr>
+            <a:stCxn id="5" idx="3"/>
+            <a:endCxn id="21" idx="1"/>
+          </p:cNvCxnSpPr>
+          <p:nvPr/>
+        </p:nvCxnSpPr>
+        <p:spPr>
+          <a:xfrm flipV="1">
+            <a:off x="7241139" y="2672766"/>
+            <a:ext cx="1427006" cy="2756"/>
+          </a:xfrm>
+          <a:prstGeom prst="straightConnector1">
+            <a:avLst/>
+          </a:prstGeom>
+          <a:ln>
+            <a:tailEnd type="triangle"/>
+          </a:ln>
+        </p:spPr>
+        <p:style>
+          <a:lnRef idx="1">
+            <a:schemeClr val="accent1"/>
+          </a:lnRef>
+          <a:fillRef idx="0">
+            <a:schemeClr val="accent1"/>
+          </a:fillRef>
+          <a:effectRef idx="0">
+            <a:schemeClr val="accent1"/>
+          </a:effectRef>
+          <a:fontRef idx="minor">
+            <a:schemeClr val="tx1"/>
+          </a:fontRef>
+        </p:style>
+      </p:cxnSp>
+      <p:sp>
+        <p:nvSpPr>
+          <p:cNvPr id="18" name="Rectangle 17"/>
+          <p:cNvSpPr/>
+          <p:nvPr/>
+        </p:nvSpPr>
+        <p:spPr>
+          <a:xfrm>
+            <a:off x="9249149" y="2672766"/>
+            <a:ext cx="2741271" cy="1155264"/>
+          </a:xfrm>
+          <a:prstGeom prst="rect">
+            <a:avLst/>
+          </a:prstGeom>
+        </p:spPr>
+        <p:style>
+          <a:lnRef idx="2">
+            <a:schemeClr val="accent1">
+              <a:shade val="50000"/>
+            </a:schemeClr>
+          </a:lnRef>
+          <a:fillRef idx="1">
+            <a:schemeClr val="accent1"/>
+          </a:fillRef>
+          <a:effectRef idx="0">
+            <a:schemeClr val="accent1"/>
+          </a:effectRef>
+          <a:fontRef idx="minor">
+            <a:schemeClr val="lt1"/>
+          </a:fontRef>
+        </p:style>
+        <p:txBody>
+          <a:bodyPr rtlCol="0" anchor="ctr"/>
+          <a:lstStyle/>
+          <a:p>
+            <a:pPr algn="ctr"/>
+            <a:endParaRPr lang="en-US" dirty="0" smtClean="0"/>
+          </a:p>
+        </p:txBody>
+      </p:sp>
+      <p:sp>
+        <p:nvSpPr>
+          <p:cNvPr id="19" name="Rectangle 18"/>
+          <p:cNvSpPr/>
+          <p:nvPr/>
+        </p:nvSpPr>
+        <p:spPr>
+          <a:xfrm>
+            <a:off x="8942628" y="2404633"/>
+            <a:ext cx="2741271" cy="1155264"/>
+          </a:xfrm>
+          <a:prstGeom prst="rect">
+            <a:avLst/>
+          </a:prstGeom>
+        </p:spPr>
+        <p:style>
+          <a:lnRef idx="2">
+            <a:schemeClr val="accent1">
+              <a:shade val="50000"/>
+            </a:schemeClr>
+          </a:lnRef>
+          <a:fillRef idx="1">
+            <a:schemeClr val="accent1"/>
+          </a:fillRef>
+          <a:effectRef idx="0">
+            <a:schemeClr val="accent1"/>
+          </a:effectRef>
+          <a:fontRef idx="minor">
+            <a:schemeClr val="lt1"/>
+          </a:fontRef>
+        </p:style>
+        <p:txBody>
+          <a:bodyPr rtlCol="0" anchor="ctr"/>
+          <a:lstStyle/>
+          <a:p>
+            <a:pPr algn="ctr"/>
+            <a:endParaRPr lang="en-US" dirty="0" smtClean="0"/>
+          </a:p>
+        </p:txBody>
+      </p:sp>
+      <p:sp>
+        <p:nvSpPr>
+          <p:cNvPr id="21" name="Rectangle 20"/>
+          <p:cNvSpPr/>
+          <p:nvPr/>
+        </p:nvSpPr>
+        <p:spPr>
+          <a:xfrm>
+            <a:off x="8668145" y="2095134"/>
+            <a:ext cx="2741271" cy="1155264"/>
+          </a:xfrm>
+          <a:prstGeom prst="rect">
+            <a:avLst/>
+          </a:prstGeom>
+        </p:spPr>
+        <p:style>
+          <a:lnRef idx="2">
+            <a:schemeClr val="accent1">
+              <a:shade val="50000"/>
+            </a:schemeClr>
+          </a:lnRef>
+          <a:fillRef idx="1">
+            <a:schemeClr val="accent1"/>
+          </a:fillRef>
+          <a:effectRef idx="0">
+            <a:schemeClr val="accent1"/>
+          </a:effectRef>
+          <a:fontRef idx="minor">
+            <a:schemeClr val="lt1"/>
+          </a:fontRef>
+        </p:style>
+        <p:txBody>
+          <a:bodyPr rtlCol="0" anchor="ctr"/>
+          <a:lstStyle/>
+          <a:p>
+            <a:pPr algn="ctr"/>
+            <a:r>
+              <a:rPr lang="en-US" dirty="0" smtClean="0"/>
+              <a:t>Send Email</a:t>
+            </a:r>
+          </a:p>
+        </p:txBody>
+      </p:sp>
     </p:spTree>
     <p:extLst>
       <p:ext uri="{BB962C8B-B14F-4D97-AF65-F5344CB8AC3E}">
-        <p14:creationId xmlns:p14="http://schemas.microsoft.com/office/powerpoint/2010/main" val="1506946782"/>
+        <p14:creationId xmlns:p14="http://schemas.microsoft.com/office/powerpoint/2010/main" val="257935025"/>
       </p:ext>
     </p:extLst>
   </p:cSld>
@@ -6495,17 +9308,24 @@
             <a:spLocks noGrp="1"/>
           </p:cNvSpPr>
           <p:nvPr>
-            <p:ph type="title"/>
+            <p:ph type="ctrTitle"/>
           </p:nvPr>
         </p:nvSpPr>
-        <p:spPr/>
-        <p:txBody>
-          <a:bodyPr/>
-          <a:lstStyle/>
-          <a:p>
-            <a:r>
-              <a:rPr lang="en-US" dirty="0" smtClean="0"/>
-              <a:t>Category Crawler Detail</a:t>
+        <p:spPr>
+          <a:xfrm>
+            <a:off x="1524000" y="0"/>
+            <a:ext cx="9144000" cy="856527"/>
+          </a:xfrm>
+        </p:spPr>
+        <p:txBody>
+          <a:bodyPr>
+            <a:normAutofit fontScale="90000"/>
+          </a:bodyPr>
+          <a:lstStyle/>
+          <a:p>
+            <a:r>
+              <a:rPr lang="en-US" dirty="0" smtClean="0"/>
+              <a:t>Daily Notification Flow</a:t>
             </a:r>
             <a:endParaRPr lang="en-US" dirty="0"/>
           </a:p>
@@ -6513,261 +9333,491 @@
       </p:sp>
       <p:sp>
         <p:nvSpPr>
-          <p:cNvPr id="3" name="Content Placeholder 2"/>
+          <p:cNvPr id="3" name="Subtitle 2"/>
           <p:cNvSpPr>
             <a:spLocks noGrp="1"/>
           </p:cNvSpPr>
           <p:nvPr>
-            <p:ph idx="1"/>
+            <p:ph type="subTitle" idx="1"/>
           </p:nvPr>
         </p:nvSpPr>
-        <p:spPr/>
-        <p:txBody>
-          <a:bodyPr>
-            <a:normAutofit fontScale="62500" lnSpcReduction="20000"/>
-          </a:bodyPr>
-          <a:lstStyle/>
-          <a:p>
-            <a:r>
-              <a:rPr lang="en-US" dirty="0" smtClean="0"/>
-              <a:t>Since </a:t>
-            </a:r>
-            <a:r>
-              <a:rPr lang="en-US" dirty="0"/>
-              <a:t>product category won't change too fast, this crawler is scheduled to run once a </a:t>
-            </a:r>
-            <a:r>
-              <a:rPr lang="en-US" dirty="0" smtClean="0"/>
-              <a:t>week.</a:t>
-            </a:r>
-          </a:p>
-          <a:p>
-            <a:r>
-              <a:rPr lang="en-US" dirty="0" smtClean="0"/>
-              <a:t>From </a:t>
-            </a:r>
-            <a:r>
-              <a:rPr lang="en-US" dirty="0" err="1"/>
-              <a:t>url</a:t>
-            </a:r>
-            <a:r>
-              <a:rPr lang="en-US" dirty="0"/>
-              <a:t>: </a:t>
-            </a:r>
-            <a:r>
-              <a:rPr lang="en-US" dirty="0" smtClean="0">
-                <a:hlinkClick r:id="rId2"/>
-              </a:rPr>
-              <a:t>https</a:t>
-            </a:r>
-            <a:r>
-              <a:rPr lang="en-US" dirty="0">
-                <a:hlinkClick r:id="rId2"/>
-              </a:rPr>
-              <a:t>://www.amazon.com/s/ref=nb_sb_noss_2?url=search-alias=aps&amp;field-keywords=-</a:t>
-            </a:r>
-            <a:r>
-              <a:rPr lang="en-US" dirty="0" smtClean="0">
-                <a:hlinkClick r:id="rId2"/>
-              </a:rPr>
-              <a:t>12345</a:t>
+        <p:spPr>
+          <a:xfrm>
+            <a:off x="0" y="856527"/>
+            <a:ext cx="12192000" cy="6001474"/>
+          </a:xfrm>
+        </p:spPr>
+        <p:txBody>
+          <a:bodyPr/>
+          <a:lstStyle/>
+          <a:p>
+            <a:r>
+              <a:rPr lang="en-US" dirty="0" smtClean="0"/>
+              <a:t>Offline service</a:t>
             </a:r>
             <a:endParaRPr lang="en-US" dirty="0"/>
           </a:p>
-          <a:p>
-            <a:r>
-              <a:rPr lang="en-US" dirty="0" smtClean="0"/>
-              <a:t>Selector: #</a:t>
-            </a:r>
-            <a:r>
-              <a:rPr lang="en-US" dirty="0" err="1" smtClean="0"/>
-              <a:t>searchDropdownBox</a:t>
-            </a:r>
-            <a:r>
-              <a:rPr lang="en-US" dirty="0" smtClean="0"/>
-              <a:t> </a:t>
-            </a:r>
-            <a:r>
-              <a:rPr lang="en-US" dirty="0"/>
-              <a:t>&gt; </a:t>
-            </a:r>
-            <a:r>
-              <a:rPr lang="en-US" dirty="0" err="1"/>
-              <a:t>option:nth-child</a:t>
-            </a:r>
-            <a:r>
-              <a:rPr lang="en-US" dirty="0"/>
-              <a:t>(n)</a:t>
-            </a:r>
-            <a:br>
-              <a:rPr lang="en-US" dirty="0"/>
-            </a:br>
-            <a:r>
-              <a:rPr lang="en-US" dirty="0"/>
-              <a:t/>
-            </a:r>
-            <a:br>
-              <a:rPr lang="en-US" dirty="0"/>
-            </a:br>
-            <a:r>
-              <a:rPr lang="en-US" dirty="0"/>
-              <a:t>Where n &gt;= </a:t>
-            </a:r>
-            <a:r>
-              <a:rPr lang="en-US" dirty="0" smtClean="0"/>
-              <a:t>2</a:t>
-            </a:r>
-          </a:p>
-          <a:p>
-            <a:r>
-              <a:rPr lang="en-US" dirty="0" smtClean="0"/>
-              <a:t>Get category name from child node text.</a:t>
+        </p:txBody>
+      </p:sp>
+      <p:sp>
+        <p:nvSpPr>
+          <p:cNvPr id="5" name="Rectangle 4"/>
+          <p:cNvSpPr/>
+          <p:nvPr/>
+        </p:nvSpPr>
+        <p:spPr>
+          <a:xfrm>
+            <a:off x="5016459" y="2249511"/>
+            <a:ext cx="2741271" cy="1160775"/>
+          </a:xfrm>
+          <a:prstGeom prst="rect">
+            <a:avLst/>
+          </a:prstGeom>
+        </p:spPr>
+        <p:style>
+          <a:lnRef idx="2">
+            <a:schemeClr val="accent1">
+              <a:shade val="50000"/>
+            </a:schemeClr>
+          </a:lnRef>
+          <a:fillRef idx="1">
+            <a:schemeClr val="accent1"/>
+          </a:fillRef>
+          <a:effectRef idx="0">
+            <a:schemeClr val="accent1"/>
+          </a:effectRef>
+          <a:fontRef idx="minor">
+            <a:schemeClr val="lt1"/>
+          </a:fontRef>
+        </p:style>
+        <p:txBody>
+          <a:bodyPr rtlCol="0" anchor="ctr"/>
+          <a:lstStyle/>
+          <a:p>
+            <a:pPr algn="ctr"/>
+            <a:endParaRPr lang="en-US" dirty="0" smtClean="0"/>
+          </a:p>
+        </p:txBody>
+      </p:sp>
+      <p:sp>
+        <p:nvSpPr>
+          <p:cNvPr id="16" name="Magnetic Disk 15"/>
+          <p:cNvSpPr/>
+          <p:nvPr/>
+        </p:nvSpPr>
+        <p:spPr>
+          <a:xfrm>
+            <a:off x="5773636" y="4300304"/>
+            <a:ext cx="1226916" cy="1055779"/>
+          </a:xfrm>
+          <a:prstGeom prst="flowChartMagneticDisk">
+            <a:avLst/>
+          </a:prstGeom>
+        </p:spPr>
+        <p:style>
+          <a:lnRef idx="2">
+            <a:schemeClr val="accent1">
+              <a:shade val="50000"/>
+            </a:schemeClr>
+          </a:lnRef>
+          <a:fillRef idx="1">
+            <a:schemeClr val="accent1"/>
+          </a:fillRef>
+          <a:effectRef idx="0">
+            <a:schemeClr val="accent1"/>
+          </a:effectRef>
+          <a:fontRef idx="minor">
+            <a:schemeClr val="lt1"/>
+          </a:fontRef>
+        </p:style>
+        <p:txBody>
+          <a:bodyPr rtlCol="0" anchor="ctr"/>
+          <a:lstStyle/>
+          <a:p>
+            <a:pPr algn="ctr"/>
+            <a:r>
+              <a:rPr lang="en-US" dirty="0" smtClean="0"/>
+              <a:t>User DB</a:t>
             </a:r>
             <a:endParaRPr lang="en-US" dirty="0"/>
           </a:p>
-          <a:p>
-            <a:r>
-              <a:rPr lang="en-US" dirty="0" smtClean="0"/>
-              <a:t>Get </a:t>
-            </a:r>
-            <a:r>
-              <a:rPr lang="en-US" dirty="0"/>
-              <a:t>“</a:t>
-            </a:r>
-            <a:r>
-              <a:rPr lang="en-US" dirty="0" smtClean="0"/>
-              <a:t>search-alias=xxx” </a:t>
-            </a:r>
-            <a:r>
-              <a:rPr lang="en-US" dirty="0"/>
-              <a:t>as category </a:t>
-            </a:r>
-            <a:r>
-              <a:rPr lang="en-US" dirty="0" smtClean="0"/>
-              <a:t>search alias</a:t>
-            </a:r>
-            <a:endParaRPr lang="en-US" b="1" dirty="0"/>
-          </a:p>
-          <a:p>
-            <a:r>
-              <a:rPr lang="en-US" dirty="0" smtClean="0"/>
-              <a:t>Repeat </a:t>
-            </a:r>
-            <a:r>
-              <a:rPr lang="en-US" dirty="0"/>
-              <a:t>till empty element </a:t>
-            </a:r>
-            <a:r>
-              <a:rPr lang="en-US" dirty="0" smtClean="0"/>
-              <a:t>is reached.</a:t>
-            </a:r>
-          </a:p>
-          <a:p>
-            <a:r>
-              <a:rPr lang="en-US" dirty="0" smtClean="0"/>
-              <a:t>The </a:t>
-            </a:r>
-            <a:r>
-              <a:rPr lang="en-US" dirty="0"/>
-              <a:t>product list </a:t>
-            </a:r>
-            <a:r>
-              <a:rPr lang="en-US" dirty="0" err="1"/>
-              <a:t>url</a:t>
-            </a:r>
-            <a:r>
-              <a:rPr lang="en-US" dirty="0"/>
-              <a:t> for each category is in the following format:</a:t>
-            </a:r>
-            <a:br>
-              <a:rPr lang="en-US" dirty="0"/>
-            </a:br>
-            <a:r>
-              <a:rPr lang="en-US" dirty="0" smtClean="0"/>
-              <a:t>https</a:t>
-            </a:r>
-            <a:r>
-              <a:rPr lang="en-US" dirty="0"/>
-              <a:t>://</a:t>
-            </a:r>
-            <a:r>
-              <a:rPr lang="en-US" dirty="0" err="1"/>
-              <a:t>www.amazon.com</a:t>
-            </a:r>
-            <a:r>
-              <a:rPr lang="en-US" dirty="0"/>
-              <a:t>/s/ref=</a:t>
-            </a:r>
-            <a:r>
-              <a:rPr lang="en-US" dirty="0" err="1"/>
-              <a:t>nb_sb_noss?url</a:t>
-            </a:r>
-            <a:r>
-              <a:rPr lang="en-US" dirty="0"/>
-              <a:t>=$</a:t>
-            </a:r>
-            <a:r>
-              <a:rPr lang="en-US" dirty="0" err="1"/>
-              <a:t>SEARCH_ALIAS&amp;field-keywords</a:t>
-            </a:r>
-            <a:r>
-              <a:rPr lang="en-US" dirty="0"/>
-              <a:t>=-12345&amp;page=$PAGE_NO</a:t>
-            </a:r>
-            <a:br>
-              <a:rPr lang="en-US" dirty="0"/>
-            </a:br>
-            <a:r>
-              <a:rPr lang="en-US" dirty="0"/>
-              <a:t/>
-            </a:r>
-            <a:br>
-              <a:rPr lang="en-US" dirty="0"/>
-            </a:br>
-            <a:r>
-              <a:rPr lang="en-US" dirty="0"/>
-              <a:t>Replace the $SEARCH_ALIAS with category name and $PAGE_NO with the desired product </a:t>
-            </a:r>
-            <a:r>
-              <a:rPr lang="en-US" dirty="0" smtClean="0"/>
-              <a:t>list.</a:t>
-            </a:r>
-            <a:endParaRPr lang="en-US" dirty="0"/>
-          </a:p>
-          <a:p>
-            <a:r>
-              <a:rPr lang="en-US" dirty="0" smtClean="0"/>
-              <a:t>Store </a:t>
-            </a:r>
-            <a:r>
-              <a:rPr lang="en-US" dirty="0"/>
-              <a:t>the &lt;Category name, product list </a:t>
-            </a:r>
-            <a:r>
-              <a:rPr lang="en-US" dirty="0" err="1"/>
-              <a:t>url</a:t>
-            </a:r>
-            <a:r>
-              <a:rPr lang="en-US" dirty="0"/>
-              <a:t>&gt; pairs into Category DB.</a:t>
-            </a:r>
-            <a:br>
-              <a:rPr lang="en-US" dirty="0"/>
-            </a:br>
-            <a:endParaRPr lang="en-US" dirty="0"/>
-          </a:p>
-        </p:txBody>
-      </p:sp>
+        </p:txBody>
+      </p:sp>
+      <p:sp>
+        <p:nvSpPr>
+          <p:cNvPr id="37" name="Rectangle 36"/>
+          <p:cNvSpPr/>
+          <p:nvPr/>
+        </p:nvSpPr>
+        <p:spPr>
+          <a:xfrm>
+            <a:off x="4730100" y="1953262"/>
+            <a:ext cx="2741271" cy="1160775"/>
+          </a:xfrm>
+          <a:prstGeom prst="rect">
+            <a:avLst/>
+          </a:prstGeom>
+        </p:spPr>
+        <p:style>
+          <a:lnRef idx="2">
+            <a:schemeClr val="accent1">
+              <a:shade val="50000"/>
+            </a:schemeClr>
+          </a:lnRef>
+          <a:fillRef idx="1">
+            <a:schemeClr val="accent1"/>
+          </a:fillRef>
+          <a:effectRef idx="0">
+            <a:schemeClr val="accent1"/>
+          </a:effectRef>
+          <a:fontRef idx="minor">
+            <a:schemeClr val="lt1"/>
+          </a:fontRef>
+        </p:style>
+        <p:txBody>
+          <a:bodyPr rtlCol="0" anchor="ctr"/>
+          <a:lstStyle/>
+          <a:p>
+            <a:pPr algn="ctr"/>
+            <a:endParaRPr lang="en-US" dirty="0" smtClean="0"/>
+          </a:p>
+        </p:txBody>
+      </p:sp>
+      <p:sp>
+        <p:nvSpPr>
+          <p:cNvPr id="38" name="Rectangle 37"/>
+          <p:cNvSpPr/>
+          <p:nvPr/>
+        </p:nvSpPr>
+        <p:spPr>
+          <a:xfrm>
+            <a:off x="4443741" y="1695868"/>
+            <a:ext cx="2741271" cy="1155264"/>
+          </a:xfrm>
+          <a:prstGeom prst="rect">
+            <a:avLst/>
+          </a:prstGeom>
+        </p:spPr>
+        <p:style>
+          <a:lnRef idx="2">
+            <a:schemeClr val="accent1">
+              <a:shade val="50000"/>
+            </a:schemeClr>
+          </a:lnRef>
+          <a:fillRef idx="1">
+            <a:schemeClr val="accent1"/>
+          </a:fillRef>
+          <a:effectRef idx="0">
+            <a:schemeClr val="accent1"/>
+          </a:effectRef>
+          <a:fontRef idx="minor">
+            <a:schemeClr val="lt1"/>
+          </a:fontRef>
+        </p:style>
+        <p:txBody>
+          <a:bodyPr rtlCol="0" anchor="ctr"/>
+          <a:lstStyle/>
+          <a:p>
+            <a:pPr algn="ctr"/>
+            <a:r>
+              <a:rPr lang="en-US" dirty="0" smtClean="0"/>
+              <a:t>Daily Notification Service</a:t>
+            </a:r>
+          </a:p>
+        </p:txBody>
+      </p:sp>
+      <p:cxnSp>
+        <p:nvCxnSpPr>
+          <p:cNvPr id="20" name="Straight Arrow Connector 19"/>
+          <p:cNvCxnSpPr>
+            <a:stCxn id="5" idx="2"/>
+            <a:endCxn id="16" idx="1"/>
+          </p:cNvCxnSpPr>
+          <p:nvPr/>
+        </p:nvCxnSpPr>
+        <p:spPr>
+          <a:xfrm flipH="1">
+            <a:off x="6387094" y="3410286"/>
+            <a:ext cx="1" cy="890018"/>
+          </a:xfrm>
+          <a:prstGeom prst="straightConnector1">
+            <a:avLst/>
+          </a:prstGeom>
+          <a:ln>
+            <a:headEnd type="triangle"/>
+            <a:tailEnd type="triangle"/>
+          </a:ln>
+        </p:spPr>
+        <p:style>
+          <a:lnRef idx="1">
+            <a:schemeClr val="accent1"/>
+          </a:lnRef>
+          <a:fillRef idx="0">
+            <a:schemeClr val="accent1"/>
+          </a:fillRef>
+          <a:effectRef idx="0">
+            <a:schemeClr val="accent1"/>
+          </a:effectRef>
+          <a:fontRef idx="minor">
+            <a:schemeClr val="tx1"/>
+          </a:fontRef>
+        </p:style>
+      </p:cxnSp>
+      <p:cxnSp>
+        <p:nvCxnSpPr>
+          <p:cNvPr id="40" name="Straight Arrow Connector 39"/>
+          <p:cNvCxnSpPr>
+            <a:stCxn id="5" idx="3"/>
+            <a:endCxn id="21" idx="1"/>
+          </p:cNvCxnSpPr>
+          <p:nvPr/>
+        </p:nvCxnSpPr>
+        <p:spPr>
+          <a:xfrm flipV="1">
+            <a:off x="7757730" y="2827143"/>
+            <a:ext cx="827294" cy="2756"/>
+          </a:xfrm>
+          <a:prstGeom prst="straightConnector1">
+            <a:avLst/>
+          </a:prstGeom>
+          <a:ln>
+            <a:tailEnd type="triangle"/>
+          </a:ln>
+        </p:spPr>
+        <p:style>
+          <a:lnRef idx="1">
+            <a:schemeClr val="accent1"/>
+          </a:lnRef>
+          <a:fillRef idx="0">
+            <a:schemeClr val="accent1"/>
+          </a:fillRef>
+          <a:effectRef idx="0">
+            <a:schemeClr val="accent1"/>
+          </a:effectRef>
+          <a:fontRef idx="minor">
+            <a:schemeClr val="tx1"/>
+          </a:fontRef>
+        </p:style>
+      </p:cxnSp>
+      <p:sp>
+        <p:nvSpPr>
+          <p:cNvPr id="18" name="Rectangle 17"/>
+          <p:cNvSpPr/>
+          <p:nvPr/>
+        </p:nvSpPr>
+        <p:spPr>
+          <a:xfrm>
+            <a:off x="9166028" y="2827143"/>
+            <a:ext cx="2741271" cy="1155264"/>
+          </a:xfrm>
+          <a:prstGeom prst="rect">
+            <a:avLst/>
+          </a:prstGeom>
+        </p:spPr>
+        <p:style>
+          <a:lnRef idx="2">
+            <a:schemeClr val="accent1">
+              <a:shade val="50000"/>
+            </a:schemeClr>
+          </a:lnRef>
+          <a:fillRef idx="1">
+            <a:schemeClr val="accent1"/>
+          </a:fillRef>
+          <a:effectRef idx="0">
+            <a:schemeClr val="accent1"/>
+          </a:effectRef>
+          <a:fontRef idx="minor">
+            <a:schemeClr val="lt1"/>
+          </a:fontRef>
+        </p:style>
+        <p:txBody>
+          <a:bodyPr rtlCol="0" anchor="ctr"/>
+          <a:lstStyle/>
+          <a:p>
+            <a:pPr algn="ctr"/>
+            <a:endParaRPr lang="en-US" dirty="0" smtClean="0"/>
+          </a:p>
+        </p:txBody>
+      </p:sp>
+      <p:sp>
+        <p:nvSpPr>
+          <p:cNvPr id="19" name="Rectangle 18"/>
+          <p:cNvSpPr/>
+          <p:nvPr/>
+        </p:nvSpPr>
+        <p:spPr>
+          <a:xfrm>
+            <a:off x="8859507" y="2559010"/>
+            <a:ext cx="2741271" cy="1155264"/>
+          </a:xfrm>
+          <a:prstGeom prst="rect">
+            <a:avLst/>
+          </a:prstGeom>
+        </p:spPr>
+        <p:style>
+          <a:lnRef idx="2">
+            <a:schemeClr val="accent1">
+              <a:shade val="50000"/>
+            </a:schemeClr>
+          </a:lnRef>
+          <a:fillRef idx="1">
+            <a:schemeClr val="accent1"/>
+          </a:fillRef>
+          <a:effectRef idx="0">
+            <a:schemeClr val="accent1"/>
+          </a:effectRef>
+          <a:fontRef idx="minor">
+            <a:schemeClr val="lt1"/>
+          </a:fontRef>
+        </p:style>
+        <p:txBody>
+          <a:bodyPr rtlCol="0" anchor="ctr"/>
+          <a:lstStyle/>
+          <a:p>
+            <a:pPr algn="ctr"/>
+            <a:endParaRPr lang="en-US" dirty="0" smtClean="0"/>
+          </a:p>
+        </p:txBody>
+      </p:sp>
+      <p:sp>
+        <p:nvSpPr>
+          <p:cNvPr id="21" name="Rectangle 20"/>
+          <p:cNvSpPr/>
+          <p:nvPr/>
+        </p:nvSpPr>
+        <p:spPr>
+          <a:xfrm>
+            <a:off x="8585024" y="2249511"/>
+            <a:ext cx="2741271" cy="1155264"/>
+          </a:xfrm>
+          <a:prstGeom prst="rect">
+            <a:avLst/>
+          </a:prstGeom>
+        </p:spPr>
+        <p:style>
+          <a:lnRef idx="2">
+            <a:schemeClr val="accent1">
+              <a:shade val="50000"/>
+            </a:schemeClr>
+          </a:lnRef>
+          <a:fillRef idx="1">
+            <a:schemeClr val="accent1"/>
+          </a:fillRef>
+          <a:effectRef idx="0">
+            <a:schemeClr val="accent1"/>
+          </a:effectRef>
+          <a:fontRef idx="minor">
+            <a:schemeClr val="lt1"/>
+          </a:fontRef>
+        </p:style>
+        <p:txBody>
+          <a:bodyPr rtlCol="0" anchor="ctr"/>
+          <a:lstStyle/>
+          <a:p>
+            <a:pPr algn="ctr"/>
+            <a:r>
+              <a:rPr lang="en-US" dirty="0" smtClean="0"/>
+              <a:t>Send Email</a:t>
+            </a:r>
+          </a:p>
+        </p:txBody>
+      </p:sp>
+      <p:sp>
+        <p:nvSpPr>
+          <p:cNvPr id="17" name="Rectangle 16"/>
+          <p:cNvSpPr/>
+          <p:nvPr/>
+        </p:nvSpPr>
+        <p:spPr>
+          <a:xfrm>
+            <a:off x="874353" y="1710512"/>
+            <a:ext cx="2741271" cy="1155264"/>
+          </a:xfrm>
+          <a:prstGeom prst="rect">
+            <a:avLst/>
+          </a:prstGeom>
+        </p:spPr>
+        <p:style>
+          <a:lnRef idx="2">
+            <a:schemeClr val="accent1">
+              <a:shade val="50000"/>
+            </a:schemeClr>
+          </a:lnRef>
+          <a:fillRef idx="1">
+            <a:schemeClr val="accent1"/>
+          </a:fillRef>
+          <a:effectRef idx="0">
+            <a:schemeClr val="accent1"/>
+          </a:effectRef>
+          <a:fontRef idx="minor">
+            <a:schemeClr val="lt1"/>
+          </a:fontRef>
+        </p:style>
+        <p:txBody>
+          <a:bodyPr rtlCol="0" anchor="ctr"/>
+          <a:lstStyle/>
+          <a:p>
+            <a:pPr algn="ctr"/>
+            <a:r>
+              <a:rPr lang="en-US" dirty="0" smtClean="0"/>
+              <a:t>Start Notification Service For Each Category</a:t>
+            </a:r>
+          </a:p>
+        </p:txBody>
+      </p:sp>
+      <p:cxnSp>
+        <p:nvCxnSpPr>
+          <p:cNvPr id="10" name="Straight Arrow Connector 9"/>
+          <p:cNvCxnSpPr>
+            <a:stCxn id="17" idx="3"/>
+            <a:endCxn id="38" idx="1"/>
+          </p:cNvCxnSpPr>
+          <p:nvPr/>
+        </p:nvCxnSpPr>
+        <p:spPr>
+          <a:xfrm flipV="1">
+            <a:off x="3615624" y="2273500"/>
+            <a:ext cx="828117" cy="14644"/>
+          </a:xfrm>
+          <a:prstGeom prst="straightConnector1">
+            <a:avLst/>
+          </a:prstGeom>
+          <a:ln>
+            <a:tailEnd type="triangle"/>
+          </a:ln>
+        </p:spPr>
+        <p:style>
+          <a:lnRef idx="1">
+            <a:schemeClr val="accent1"/>
+          </a:lnRef>
+          <a:fillRef idx="0">
+            <a:schemeClr val="accent1"/>
+          </a:fillRef>
+          <a:effectRef idx="0">
+            <a:schemeClr val="accent1"/>
+          </a:effectRef>
+          <a:fontRef idx="minor">
+            <a:schemeClr val="tx1"/>
+          </a:fontRef>
+        </p:style>
+      </p:cxnSp>
     </p:spTree>
     <p:extLst>
       <p:ext uri="{BB962C8B-B14F-4D97-AF65-F5344CB8AC3E}">
-        <p14:creationId xmlns:p14="http://schemas.microsoft.com/office/powerpoint/2010/main" val="662863133"/>
+        <p14:creationId xmlns:p14="http://schemas.microsoft.com/office/powerpoint/2010/main" val="1431661115"/>
       </p:ext>
     </p:extLst>
   </p:cSld>
   <p:clrMapOvr>
     <a:masterClrMapping/>
   </p:clrMapOvr>
+  <p:timing>
+    <p:tnLst>
+      <p:par>
+        <p:cTn id="1" dur="indefinite" restart="never" nodeType="tmRoot"/>
+      </p:par>
+    </p:tnLst>
+  </p:timing>
 </p:sld>
 </file>
 
@@ -6795,17 +9845,24 @@
             <a:spLocks noGrp="1"/>
           </p:cNvSpPr>
           <p:nvPr>
-            <p:ph type="title"/>
+            <p:ph type="ctrTitle"/>
           </p:nvPr>
         </p:nvSpPr>
-        <p:spPr/>
-        <p:txBody>
-          <a:bodyPr/>
-          <a:lstStyle/>
-          <a:p>
-            <a:r>
-              <a:rPr lang="en-US" dirty="0" smtClean="0"/>
-              <a:t>Product Crawler Detail</a:t>
+        <p:spPr>
+          <a:xfrm>
+            <a:off x="1524000" y="0"/>
+            <a:ext cx="9144000" cy="856527"/>
+          </a:xfrm>
+        </p:spPr>
+        <p:txBody>
+          <a:bodyPr>
+            <a:normAutofit fontScale="90000"/>
+          </a:bodyPr>
+          <a:lstStyle/>
+          <a:p>
+            <a:r>
+              <a:rPr lang="en-US" dirty="0" smtClean="0"/>
+              <a:t>User Subscription Flow</a:t>
             </a:r>
             <a:endParaRPr lang="en-US" dirty="0"/>
           </a:p>
@@ -6813,375 +9870,441 @@
       </p:sp>
       <p:sp>
         <p:nvSpPr>
-          <p:cNvPr id="3" name="Content Placeholder 2"/>
+          <p:cNvPr id="3" name="Subtitle 2"/>
           <p:cNvSpPr>
             <a:spLocks noGrp="1"/>
           </p:cNvSpPr>
           <p:nvPr>
-            <p:ph idx="1"/>
+            <p:ph type="subTitle" idx="1"/>
           </p:nvPr>
         </p:nvSpPr>
-        <p:spPr/>
-        <p:txBody>
-          <a:bodyPr>
-            <a:normAutofit fontScale="62500" lnSpcReduction="20000"/>
+        <p:spPr>
+          <a:xfrm>
+            <a:off x="0" y="856527"/>
+            <a:ext cx="12192000" cy="6001474"/>
+          </a:xfrm>
+        </p:spPr>
+        <p:txBody>
+          <a:bodyPr/>
+          <a:lstStyle/>
+          <a:p>
+            <a:r>
+              <a:rPr lang="en-US" dirty="0" smtClean="0"/>
+              <a:t>Online service</a:t>
+            </a:r>
+            <a:endParaRPr lang="en-US" dirty="0"/>
+          </a:p>
+        </p:txBody>
+      </p:sp>
+      <p:sp>
+        <p:nvSpPr>
+          <p:cNvPr id="13" name="TextBox 12"/>
+          <p:cNvSpPr txBox="1"/>
+          <p:nvPr/>
+        </p:nvSpPr>
+        <p:spPr>
+          <a:xfrm>
+            <a:off x="3216927" y="4190195"/>
+            <a:ext cx="2025657" cy="2308324"/>
+          </a:xfrm>
+          <a:prstGeom prst="rect">
+            <a:avLst/>
+          </a:prstGeom>
+          <a:noFill/>
+          <a:ln>
+            <a:solidFill>
+              <a:schemeClr val="tx1"/>
+            </a:solidFill>
+          </a:ln>
+        </p:spPr>
+        <p:txBody>
+          <a:bodyPr wrap="square" rtlCol="0">
+            <a:spAutoFit/>
           </a:bodyPr>
           <a:lstStyle/>
           <a:p>
             <a:r>
               <a:rPr lang="en-US" dirty="0" smtClean="0"/>
-              <a:t>This </a:t>
-            </a:r>
-            <a:r>
-              <a:rPr lang="en-US" dirty="0"/>
-              <a:t>crawler is scheduled to run every 4 hours to quickly catch price changing </a:t>
-            </a:r>
-            <a:r>
-              <a:rPr lang="en-US" dirty="0" smtClean="0"/>
-              <a:t>information.</a:t>
-            </a:r>
-          </a:p>
-          <a:p>
-            <a:r>
-              <a:rPr lang="en-US" dirty="0" smtClean="0"/>
-              <a:t>If </a:t>
-            </a:r>
-            <a:r>
-              <a:rPr lang="en-US" dirty="0"/>
-              <a:t>a category contains a lot of products, multiple crawlers can be started to share the </a:t>
-            </a:r>
-            <a:r>
-              <a:rPr lang="en-US" dirty="0" smtClean="0"/>
-              <a:t>load.</a:t>
-            </a:r>
-          </a:p>
-          <a:p>
-            <a:r>
-              <a:rPr lang="en-US" dirty="0" smtClean="0"/>
-              <a:t>Only </a:t>
-            </a:r>
-            <a:r>
-              <a:rPr lang="en-US" dirty="0"/>
-              <a:t>subscribed categories will be </a:t>
-            </a:r>
-            <a:r>
-              <a:rPr lang="en-US" dirty="0" smtClean="0"/>
-              <a:t>crawled.</a:t>
-            </a:r>
-          </a:p>
-          <a:p>
-            <a:r>
-              <a:rPr lang="en-US" dirty="0" smtClean="0"/>
-              <a:t>Title</a:t>
-            </a:r>
-            <a:r>
-              <a:rPr lang="en-US" dirty="0"/>
-              <a:t>: get title from selector: </a:t>
-            </a:r>
-            <a:br>
-              <a:rPr lang="en-US" dirty="0"/>
-            </a:br>
-            <a:r>
-              <a:rPr lang="en-US" dirty="0" smtClean="0"/>
-              <a:t>#</a:t>
-            </a:r>
-            <a:r>
-              <a:rPr lang="en-US" dirty="0" err="1"/>
-              <a:t>result_$RESULT_NO</a:t>
-            </a:r>
-            <a:r>
-              <a:rPr lang="en-US" dirty="0"/>
-              <a:t> &gt; div &gt; div &gt; div &gt; </a:t>
-            </a:r>
-            <a:r>
-              <a:rPr lang="en-US" dirty="0" err="1"/>
-              <a:t>div.a</a:t>
-            </a:r>
-            <a:r>
-              <a:rPr lang="en-US" dirty="0"/>
-              <a:t>-fixed-left-grid-</a:t>
-            </a:r>
-            <a:r>
-              <a:rPr lang="en-US" dirty="0" err="1"/>
-              <a:t>col.a</a:t>
-            </a:r>
-            <a:r>
-              <a:rPr lang="en-US" dirty="0"/>
-              <a:t>-col-right &gt; </a:t>
-            </a:r>
-            <a:r>
-              <a:rPr lang="en-US" dirty="0" err="1"/>
-              <a:t>div.a</a:t>
-            </a:r>
-            <a:r>
-              <a:rPr lang="en-US" dirty="0"/>
-              <a:t>-</a:t>
-            </a:r>
-            <a:r>
-              <a:rPr lang="en-US" dirty="0" err="1"/>
-              <a:t>row.a</a:t>
-            </a:r>
-            <a:r>
-              <a:rPr lang="en-US" dirty="0"/>
-              <a:t>-spacing-small &gt; </a:t>
-            </a:r>
-            <a:r>
-              <a:rPr lang="en-US" dirty="0" err="1"/>
-              <a:t>div:nth-child</a:t>
-            </a:r>
-            <a:r>
-              <a:rPr lang="en-US" dirty="0"/>
-              <a:t>(1) &gt; a</a:t>
-            </a:r>
-            <a:br>
-              <a:rPr lang="en-US" dirty="0"/>
-            </a:br>
-            <a:r>
-              <a:rPr lang="en-US" dirty="0"/>
-              <a:t/>
-            </a:r>
-            <a:br>
-              <a:rPr lang="en-US" dirty="0"/>
-            </a:br>
-            <a:r>
-              <a:rPr lang="en-US" dirty="0"/>
-              <a:t>Where $RESULT_NO starts from </a:t>
-            </a:r>
-            <a:r>
-              <a:rPr lang="en-US" dirty="0" smtClean="0"/>
-              <a:t>0</a:t>
-            </a:r>
+              <a:t>User Service:</a:t>
+            </a:r>
+          </a:p>
+          <a:p>
             <a:endParaRPr lang="en-US" dirty="0"/>
           </a:p>
           <a:p>
             <a:r>
-              <a:rPr lang="en-US" dirty="0" smtClean="0"/>
-              <a:t>Price</a:t>
-            </a:r>
-            <a:r>
-              <a:rPr lang="en-US" dirty="0"/>
-              <a:t>: get aria-label from selector: </a:t>
-            </a:r>
-            <a:br>
-              <a:rPr lang="en-US" dirty="0"/>
-            </a:br>
-            <a:r>
-              <a:rPr lang="en-US" dirty="0" smtClean="0"/>
-              <a:t>#</a:t>
-            </a:r>
-            <a:r>
-              <a:rPr lang="en-US" dirty="0" err="1"/>
-              <a:t>result_$RESULT_NO</a:t>
-            </a:r>
-            <a:r>
-              <a:rPr lang="en-US" dirty="0"/>
-              <a:t> &gt; div &gt; div &gt; div &gt; </a:t>
-            </a:r>
-            <a:r>
-              <a:rPr lang="en-US" dirty="0" err="1"/>
-              <a:t>div.a</a:t>
-            </a:r>
-            <a:r>
-              <a:rPr lang="en-US" dirty="0"/>
-              <a:t>-fixed-left-grid-</a:t>
-            </a:r>
-            <a:r>
-              <a:rPr lang="en-US" dirty="0" err="1"/>
-              <a:t>col.a</a:t>
-            </a:r>
-            <a:r>
-              <a:rPr lang="en-US" dirty="0"/>
-              <a:t>-col-right &gt; </a:t>
-            </a:r>
-            <a:r>
-              <a:rPr lang="en-US" dirty="0" err="1"/>
-              <a:t>div:nth-child</a:t>
-            </a:r>
-            <a:r>
-              <a:rPr lang="en-US" dirty="0"/>
-              <a:t>(2) &gt; div.a-column.a-span7 &gt; </a:t>
-            </a:r>
-            <a:r>
-              <a:rPr lang="en-US" dirty="0" err="1"/>
-              <a:t>div.a</a:t>
-            </a:r>
-            <a:r>
-              <a:rPr lang="en-US" dirty="0"/>
-              <a:t>-</a:t>
-            </a:r>
-            <a:r>
-              <a:rPr lang="en-US" dirty="0" err="1"/>
-              <a:t>row.a</a:t>
-            </a:r>
-            <a:r>
-              <a:rPr lang="en-US" dirty="0"/>
-              <a:t>-spacing-none &gt; a &gt; </a:t>
-            </a:r>
-            <a:r>
-              <a:rPr lang="en-US" dirty="0" smtClean="0"/>
-              <a:t>span</a:t>
+              <a:rPr lang="en-US" dirty="0" err="1" smtClean="0"/>
+              <a:t>createUser</a:t>
+            </a:r>
+            <a:endParaRPr lang="en-US" dirty="0" smtClean="0"/>
+          </a:p>
+          <a:p>
+            <a:r>
+              <a:rPr lang="en-US" dirty="0" err="1" smtClean="0"/>
+              <a:t>updateUser</a:t>
+            </a:r>
+            <a:endParaRPr lang="en-US" dirty="0" smtClean="0"/>
+          </a:p>
+          <a:p>
+            <a:r>
+              <a:rPr lang="en-US" dirty="0" err="1" smtClean="0"/>
+              <a:t>getAllCategories</a:t>
+            </a:r>
+            <a:endParaRPr lang="en-US" dirty="0" smtClean="0"/>
+          </a:p>
+          <a:p>
+            <a:r>
+              <a:rPr lang="en-US" dirty="0" err="1" smtClean="0"/>
+              <a:t>createSubscription</a:t>
+            </a:r>
+            <a:endParaRPr lang="en-US" dirty="0" smtClean="0"/>
+          </a:p>
+          <a:p>
+            <a:r>
+              <a:rPr lang="en-US" dirty="0" err="1" smtClean="0"/>
+              <a:t>updateSubscription</a:t>
+            </a:r>
+            <a:endParaRPr lang="en-US" dirty="0" smtClean="0"/>
+          </a:p>
+          <a:p>
+            <a:r>
+              <a:rPr lang="en-US" dirty="0" err="1" smtClean="0"/>
+              <a:t>deleteSubscription</a:t>
             </a:r>
             <a:endParaRPr lang="en-US" dirty="0"/>
           </a:p>
-          <a:p>
-            <a:r>
-              <a:rPr lang="en-US" dirty="0" err="1" smtClean="0"/>
-              <a:t>Thumnail</a:t>
-            </a:r>
-            <a:r>
-              <a:rPr lang="en-US" dirty="0"/>
-              <a:t>: get </a:t>
-            </a:r>
-            <a:r>
-              <a:rPr lang="en-US" dirty="0" err="1"/>
-              <a:t>src</a:t>
-            </a:r>
-            <a:r>
-              <a:rPr lang="en-US" dirty="0"/>
-              <a:t> from selector: </a:t>
-            </a:r>
-            <a:br>
-              <a:rPr lang="en-US" dirty="0"/>
-            </a:br>
-            <a:r>
-              <a:rPr lang="en-US" dirty="0" smtClean="0"/>
-              <a:t>#</a:t>
-            </a:r>
-            <a:r>
-              <a:rPr lang="en-US" dirty="0" err="1"/>
-              <a:t>result_$RESULT_NO</a:t>
-            </a:r>
-            <a:r>
-              <a:rPr lang="en-US" dirty="0"/>
-              <a:t> &gt; div &gt; div &gt; div &gt; </a:t>
-            </a:r>
-            <a:r>
-              <a:rPr lang="en-US" dirty="0" err="1"/>
-              <a:t>div.a</a:t>
-            </a:r>
-            <a:r>
-              <a:rPr lang="en-US" dirty="0"/>
-              <a:t>-fixed-left-grid-</a:t>
-            </a:r>
-            <a:r>
-              <a:rPr lang="en-US" dirty="0" err="1"/>
-              <a:t>col.a</a:t>
-            </a:r>
-            <a:r>
-              <a:rPr lang="en-US" dirty="0"/>
-              <a:t>-col-left &gt; div &gt; div &gt; a &gt; </a:t>
-            </a:r>
-            <a:r>
-              <a:rPr lang="en-US" dirty="0" err="1" smtClean="0"/>
-              <a:t>img</a:t>
+        </p:txBody>
+      </p:sp>
+      <p:sp>
+        <p:nvSpPr>
+          <p:cNvPr id="16" name="Magnetic Disk 15"/>
+          <p:cNvSpPr/>
+          <p:nvPr/>
+        </p:nvSpPr>
+        <p:spPr>
+          <a:xfrm>
+            <a:off x="7780561" y="3896542"/>
+            <a:ext cx="1226916" cy="1055779"/>
+          </a:xfrm>
+          <a:prstGeom prst="flowChartMagneticDisk">
+            <a:avLst/>
+          </a:prstGeom>
+        </p:spPr>
+        <p:style>
+          <a:lnRef idx="2">
+            <a:schemeClr val="accent1">
+              <a:shade val="50000"/>
+            </a:schemeClr>
+          </a:lnRef>
+          <a:fillRef idx="1">
+            <a:schemeClr val="accent1"/>
+          </a:fillRef>
+          <a:effectRef idx="0">
+            <a:schemeClr val="accent1"/>
+          </a:effectRef>
+          <a:fontRef idx="minor">
+            <a:schemeClr val="lt1"/>
+          </a:fontRef>
+        </p:style>
+        <p:txBody>
+          <a:bodyPr rtlCol="0" anchor="ctr"/>
+          <a:lstStyle/>
+          <a:p>
+            <a:pPr algn="ctr"/>
+            <a:r>
+              <a:rPr lang="en-US" dirty="0" smtClean="0"/>
+              <a:t>User DB</a:t>
             </a:r>
             <a:endParaRPr lang="en-US" dirty="0"/>
           </a:p>
-          <a:p>
-            <a:r>
-              <a:rPr lang="en-US" dirty="0" err="1" smtClean="0"/>
-              <a:t>Detail_url</a:t>
-            </a:r>
-            <a:r>
-              <a:rPr lang="en-US" dirty="0"/>
-              <a:t>: get </a:t>
-            </a:r>
-            <a:r>
-              <a:rPr lang="en-US" dirty="0" err="1"/>
-              <a:t>href</a:t>
-            </a:r>
-            <a:r>
-              <a:rPr lang="en-US" dirty="0"/>
-              <a:t> from selector: </a:t>
-            </a:r>
-            <a:br>
-              <a:rPr lang="en-US" dirty="0"/>
-            </a:br>
-            <a:r>
-              <a:rPr lang="en-US" dirty="0" smtClean="0"/>
-              <a:t>#</a:t>
-            </a:r>
-            <a:r>
-              <a:rPr lang="en-US" dirty="0"/>
-              <a:t>result _$RESULT_NO &gt; div &gt; div &gt; div &gt; </a:t>
-            </a:r>
-            <a:r>
-              <a:rPr lang="en-US" dirty="0" err="1"/>
-              <a:t>div.a</a:t>
-            </a:r>
-            <a:r>
-              <a:rPr lang="en-US" dirty="0"/>
-              <a:t>-fixed-left-grid-</a:t>
-            </a:r>
-            <a:r>
-              <a:rPr lang="en-US" dirty="0" err="1"/>
-              <a:t>col.a</a:t>
-            </a:r>
-            <a:r>
-              <a:rPr lang="en-US" dirty="0"/>
-              <a:t>-col-right &gt; </a:t>
-            </a:r>
-            <a:r>
-              <a:rPr lang="en-US" dirty="0" err="1"/>
-              <a:t>div.a</a:t>
-            </a:r>
-            <a:r>
-              <a:rPr lang="en-US" dirty="0"/>
-              <a:t>-</a:t>
-            </a:r>
-            <a:r>
-              <a:rPr lang="en-US" dirty="0" err="1"/>
-              <a:t>row.a</a:t>
-            </a:r>
-            <a:r>
-              <a:rPr lang="en-US" dirty="0"/>
-              <a:t>-spacing-small &gt; </a:t>
-            </a:r>
-            <a:r>
-              <a:rPr lang="en-US" dirty="0" err="1"/>
-              <a:t>div:nth-child</a:t>
-            </a:r>
-            <a:r>
-              <a:rPr lang="en-US" dirty="0"/>
-              <a:t>(1) &gt; </a:t>
-            </a:r>
-            <a:r>
-              <a:rPr lang="en-US" dirty="0" smtClean="0"/>
-              <a:t>a</a:t>
+        </p:txBody>
+      </p:sp>
+      <p:sp>
+        <p:nvSpPr>
+          <p:cNvPr id="38" name="Rectangle 37"/>
+          <p:cNvSpPr/>
+          <p:nvPr/>
+        </p:nvSpPr>
+        <p:spPr>
+          <a:xfrm>
+            <a:off x="6462541" y="1969000"/>
+            <a:ext cx="2741271" cy="1155264"/>
+          </a:xfrm>
+          <a:prstGeom prst="rect">
+            <a:avLst/>
+          </a:prstGeom>
+        </p:spPr>
+        <p:style>
+          <a:lnRef idx="2">
+            <a:schemeClr val="accent1">
+              <a:shade val="50000"/>
+            </a:schemeClr>
+          </a:lnRef>
+          <a:fillRef idx="1">
+            <a:schemeClr val="accent1"/>
+          </a:fillRef>
+          <a:effectRef idx="0">
+            <a:schemeClr val="accent1"/>
+          </a:effectRef>
+          <a:fontRef idx="minor">
+            <a:schemeClr val="lt1"/>
+          </a:fontRef>
+        </p:style>
+        <p:txBody>
+          <a:bodyPr rtlCol="0" anchor="ctr"/>
+          <a:lstStyle/>
+          <a:p>
+            <a:pPr algn="ctr"/>
+            <a:r>
+              <a:rPr lang="en-US" dirty="0" smtClean="0"/>
+              <a:t>User Service</a:t>
+            </a:r>
+          </a:p>
+        </p:txBody>
+      </p:sp>
+      <p:cxnSp>
+        <p:nvCxnSpPr>
+          <p:cNvPr id="20" name="Straight Arrow Connector 19"/>
+          <p:cNvCxnSpPr>
+            <a:stCxn id="38" idx="2"/>
+          </p:cNvCxnSpPr>
+          <p:nvPr/>
+        </p:nvCxnSpPr>
+        <p:spPr>
+          <a:xfrm>
+            <a:off x="7833177" y="3124264"/>
+            <a:ext cx="572717" cy="772278"/>
+          </a:xfrm>
+          <a:prstGeom prst="straightConnector1">
+            <a:avLst/>
+          </a:prstGeom>
+          <a:ln>
+            <a:headEnd type="triangle"/>
+            <a:tailEnd type="triangle"/>
+          </a:ln>
+        </p:spPr>
+        <p:style>
+          <a:lnRef idx="1">
+            <a:schemeClr val="accent1"/>
+          </a:lnRef>
+          <a:fillRef idx="0">
+            <a:schemeClr val="accent1"/>
+          </a:fillRef>
+          <a:effectRef idx="0">
+            <a:schemeClr val="accent1"/>
+          </a:effectRef>
+          <a:fontRef idx="minor">
+            <a:schemeClr val="tx1"/>
+          </a:fontRef>
+        </p:style>
+      </p:cxnSp>
+      <p:sp>
+        <p:nvSpPr>
+          <p:cNvPr id="4" name="Cloud Callout 3"/>
+          <p:cNvSpPr/>
+          <p:nvPr/>
+        </p:nvSpPr>
+        <p:spPr>
+          <a:xfrm>
+            <a:off x="2935064" y="1661682"/>
+            <a:ext cx="1638794" cy="1721922"/>
+          </a:xfrm>
+          <a:prstGeom prst="cloudCallout">
+            <a:avLst/>
+          </a:prstGeom>
+        </p:spPr>
+        <p:style>
+          <a:lnRef idx="2">
+            <a:schemeClr val="accent1">
+              <a:shade val="50000"/>
+            </a:schemeClr>
+          </a:lnRef>
+          <a:fillRef idx="1">
+            <a:schemeClr val="accent1"/>
+          </a:fillRef>
+          <a:effectRef idx="0">
+            <a:schemeClr val="accent1"/>
+          </a:effectRef>
+          <a:fontRef idx="minor">
+            <a:schemeClr val="lt1"/>
+          </a:fontRef>
+        </p:style>
+        <p:txBody>
+          <a:bodyPr rtlCol="0" anchor="ctr"/>
+          <a:lstStyle/>
+          <a:p>
+            <a:pPr algn="ctr"/>
+            <a:r>
+              <a:rPr lang="en-US" dirty="0" smtClean="0"/>
+              <a:t>User</a:t>
             </a:r>
             <a:endParaRPr lang="en-US" dirty="0"/>
           </a:p>
-          <a:p>
-            <a:r>
-              <a:rPr lang="en-US" dirty="0" err="1" smtClean="0"/>
-              <a:t>product_id</a:t>
-            </a:r>
-            <a:r>
-              <a:rPr lang="en-US" dirty="0"/>
-              <a:t>: get last portion of </a:t>
-            </a:r>
-            <a:r>
-              <a:rPr lang="en-US" dirty="0" err="1"/>
-              <a:t>detail_url</a:t>
-            </a:r>
-            <a:r>
-              <a:rPr lang="en-US" dirty="0" smtClean="0"/>
-              <a:t>.</a:t>
+        </p:txBody>
+      </p:sp>
+      <p:cxnSp>
+        <p:nvCxnSpPr>
+          <p:cNvPr id="7" name="Straight Arrow Connector 6"/>
+          <p:cNvCxnSpPr/>
+          <p:nvPr/>
+        </p:nvCxnSpPr>
+        <p:spPr>
+          <a:xfrm>
+            <a:off x="4572492" y="2498654"/>
+            <a:ext cx="1890049" cy="23989"/>
+          </a:xfrm>
+          <a:prstGeom prst="straightConnector1">
+            <a:avLst/>
+          </a:prstGeom>
+          <a:ln>
+            <a:tailEnd type="triangle"/>
+          </a:ln>
+        </p:spPr>
+        <p:style>
+          <a:lnRef idx="1">
+            <a:schemeClr val="accent1"/>
+          </a:lnRef>
+          <a:fillRef idx="0">
+            <a:schemeClr val="accent1"/>
+          </a:fillRef>
+          <a:effectRef idx="0">
+            <a:schemeClr val="accent1"/>
+          </a:effectRef>
+          <a:fontRef idx="minor">
+            <a:schemeClr val="tx1"/>
+          </a:fontRef>
+        </p:style>
+      </p:cxnSp>
+      <p:sp>
+        <p:nvSpPr>
+          <p:cNvPr id="22" name="Magnetic Disk 21"/>
+          <p:cNvSpPr/>
+          <p:nvPr/>
+        </p:nvSpPr>
+        <p:spPr>
+          <a:xfrm>
+            <a:off x="5985919" y="3912033"/>
+            <a:ext cx="1226916" cy="1055779"/>
+          </a:xfrm>
+          <a:prstGeom prst="flowChartMagneticDisk">
+            <a:avLst/>
+          </a:prstGeom>
+        </p:spPr>
+        <p:style>
+          <a:lnRef idx="2">
+            <a:schemeClr val="accent1">
+              <a:shade val="50000"/>
+            </a:schemeClr>
+          </a:lnRef>
+          <a:fillRef idx="1">
+            <a:schemeClr val="accent1"/>
+          </a:fillRef>
+          <a:effectRef idx="0">
+            <a:schemeClr val="accent1"/>
+          </a:effectRef>
+          <a:fontRef idx="minor">
+            <a:schemeClr val="lt1"/>
+          </a:fontRef>
+        </p:style>
+        <p:txBody>
+          <a:bodyPr rtlCol="0" anchor="ctr"/>
+          <a:lstStyle/>
+          <a:p>
+            <a:pPr algn="ctr"/>
+            <a:r>
+              <a:rPr lang="en-US" dirty="0" smtClean="0"/>
+              <a:t>Category DB</a:t>
             </a:r>
             <a:endParaRPr lang="en-US" dirty="0"/>
           </a:p>
         </p:txBody>
       </p:sp>
+      <p:cxnSp>
+        <p:nvCxnSpPr>
+          <p:cNvPr id="23" name="Straight Arrow Connector 22"/>
+          <p:cNvCxnSpPr>
+            <a:stCxn id="38" idx="2"/>
+          </p:cNvCxnSpPr>
+          <p:nvPr/>
+        </p:nvCxnSpPr>
+        <p:spPr>
+          <a:xfrm flipH="1">
+            <a:off x="6611252" y="3124264"/>
+            <a:ext cx="1221925" cy="787769"/>
+          </a:xfrm>
+          <a:prstGeom prst="straightConnector1">
+            <a:avLst/>
+          </a:prstGeom>
+          <a:ln>
+            <a:headEnd type="triangle"/>
+            <a:tailEnd type="triangle"/>
+          </a:ln>
+        </p:spPr>
+        <p:style>
+          <a:lnRef idx="1">
+            <a:schemeClr val="accent1"/>
+          </a:lnRef>
+          <a:fillRef idx="0">
+            <a:schemeClr val="accent1"/>
+          </a:fillRef>
+          <a:effectRef idx="0">
+            <a:schemeClr val="accent1"/>
+          </a:effectRef>
+          <a:fontRef idx="minor">
+            <a:schemeClr val="tx1"/>
+          </a:fontRef>
+        </p:style>
+      </p:cxnSp>
+      <p:cxnSp>
+        <p:nvCxnSpPr>
+          <p:cNvPr id="15" name="Straight Arrow Connector 14"/>
+          <p:cNvCxnSpPr/>
+          <p:nvPr/>
+        </p:nvCxnSpPr>
+        <p:spPr>
+          <a:xfrm flipH="1" flipV="1">
+            <a:off x="4474657" y="2748271"/>
+            <a:ext cx="1987884" cy="8689"/>
+          </a:xfrm>
+          <a:prstGeom prst="straightConnector1">
+            <a:avLst/>
+          </a:prstGeom>
+          <a:ln>
+            <a:tailEnd type="triangle"/>
+          </a:ln>
+        </p:spPr>
+        <p:style>
+          <a:lnRef idx="1">
+            <a:schemeClr val="accent1"/>
+          </a:lnRef>
+          <a:fillRef idx="0">
+            <a:schemeClr val="accent1"/>
+          </a:fillRef>
+          <a:effectRef idx="0">
+            <a:schemeClr val="accent1"/>
+          </a:effectRef>
+          <a:fontRef idx="minor">
+            <a:schemeClr val="tx1"/>
+          </a:fontRef>
+        </p:style>
+      </p:cxnSp>
     </p:spTree>
     <p:extLst>
       <p:ext uri="{BB962C8B-B14F-4D97-AF65-F5344CB8AC3E}">
-        <p14:creationId xmlns:p14="http://schemas.microsoft.com/office/powerpoint/2010/main" val="893143620"/>
+        <p14:creationId xmlns:p14="http://schemas.microsoft.com/office/powerpoint/2010/main" val="1506946782"/>
       </p:ext>
     </p:extLst>
   </p:cSld>
   <p:clrMapOvr>
     <a:masterClrMapping/>
   </p:clrMapOvr>
+  <p:timing>
+    <p:tnLst>
+      <p:par>
+        <p:cTn id="1" dur="indefinite" restart="never" nodeType="tmRoot"/>
+      </p:par>
+    </p:tnLst>
+  </p:timing>
 </p:sld>
 </file>
 
@@ -7219,7 +10342,7 @@
           <a:p>
             <a:r>
               <a:rPr lang="en-US" dirty="0" smtClean="0"/>
-              <a:t>Scheduling</a:t>
+              <a:t>Category Crawler Detail</a:t>
             </a:r>
             <a:endParaRPr lang="en-US" dirty="0"/>
           </a:p>
@@ -7238,81 +10361,236 @@
         <p:spPr/>
         <p:txBody>
           <a:bodyPr>
-            <a:normAutofit fontScale="92500" lnSpcReduction="10000"/>
+            <a:normAutofit fontScale="62500" lnSpcReduction="20000"/>
           </a:bodyPr>
           <a:lstStyle/>
           <a:p>
             <a:r>
               <a:rPr lang="en-US" dirty="0" smtClean="0"/>
-              <a:t>Category Crawler</a:t>
-            </a:r>
-          </a:p>
-          <a:p>
-            <a:pPr lvl="1"/>
-            <a:r>
-              <a:rPr lang="en-US" dirty="0" smtClean="0"/>
-              <a:t>Every week at 12:00 AM Sunday</a:t>
-            </a:r>
-          </a:p>
-          <a:p>
-            <a:r>
-              <a:rPr lang="en-US" dirty="0" smtClean="0"/>
-              <a:t>High Priority Product Crawler</a:t>
-            </a:r>
-          </a:p>
-          <a:p>
-            <a:pPr lvl="1"/>
-            <a:r>
-              <a:rPr lang="en-US" dirty="0" smtClean="0"/>
-              <a:t>Every 3 hours starting from 1:00 AM daily</a:t>
-            </a:r>
-          </a:p>
-          <a:p>
-            <a:r>
-              <a:rPr lang="en-US" dirty="0" smtClean="0"/>
-              <a:t>Medium Priority Product Crawler</a:t>
-            </a:r>
-          </a:p>
-          <a:p>
-            <a:pPr lvl="1"/>
-            <a:r>
-              <a:rPr lang="en-US" dirty="0" smtClean="0"/>
-              <a:t>Every 12 hours starting from 2:00 AM daily</a:t>
-            </a:r>
-          </a:p>
-          <a:p>
-            <a:r>
-              <a:rPr lang="en-US" dirty="0" smtClean="0"/>
-              <a:t>Low Priority Product Crawler</a:t>
-            </a:r>
-          </a:p>
-          <a:p>
-            <a:pPr lvl="1"/>
-            <a:r>
-              <a:rPr lang="en-US" dirty="0" smtClean="0"/>
-              <a:t>Every day at 3:00 AM</a:t>
-            </a:r>
-          </a:p>
-          <a:p>
-            <a:r>
-              <a:rPr lang="en-US" smtClean="0"/>
-              <a:t>Order </a:t>
-            </a:r>
-            <a:r>
-              <a:rPr lang="en-US" dirty="0" smtClean="0"/>
-              <a:t>categories by subscribers count, then by category id.</a:t>
-            </a:r>
-          </a:p>
-          <a:p>
-            <a:r>
-              <a:rPr lang="en-US" dirty="0" smtClean="0"/>
-              <a:t>First 1/3 goes to high priority queue, second 1/3 to medium and last 1/3 goes to low priority queue.</a:t>
-            </a:r>
-          </a:p>
-          <a:p>
-            <a:endParaRPr lang="en-US" dirty="0" smtClean="0"/>
-          </a:p>
-          <a:p>
+              <a:t>Since </a:t>
+            </a:r>
+            <a:r>
+              <a:rPr lang="en-US" dirty="0"/>
+              <a:t>product category won't change too fast, this crawler is scheduled to run once a </a:t>
+            </a:r>
+            <a:r>
+              <a:rPr lang="en-US" dirty="0" smtClean="0"/>
+              <a:t>week.</a:t>
+            </a:r>
+          </a:p>
+          <a:p>
+            <a:r>
+              <a:rPr lang="en-US" dirty="0" smtClean="0"/>
+              <a:t>From </a:t>
+            </a:r>
+            <a:r>
+              <a:rPr lang="en-US" dirty="0" err="1"/>
+              <a:t>url</a:t>
+            </a:r>
+            <a:r>
+              <a:rPr lang="en-US" dirty="0"/>
+              <a:t>: </a:t>
+            </a:r>
+            <a:r>
+              <a:rPr lang="en-US" dirty="0" smtClean="0">
+                <a:hlinkClick r:id="rId2"/>
+              </a:rPr>
+              <a:t>https</a:t>
+            </a:r>
+            <a:r>
+              <a:rPr lang="en-US" dirty="0">
+                <a:hlinkClick r:id="rId2"/>
+              </a:rPr>
+              <a:t>://www.amazon.com/s/ref=nb_sb_noss_2?url=search-alias=aps&amp;field-keywords=-</a:t>
+            </a:r>
+            <a:r>
+              <a:rPr lang="en-US" dirty="0" smtClean="0">
+                <a:hlinkClick r:id="rId2"/>
+              </a:rPr>
+              <a:t>12345</a:t>
+            </a:r>
+            <a:endParaRPr lang="en-US" dirty="0"/>
+          </a:p>
+          <a:p>
+            <a:r>
+              <a:rPr lang="en-US" dirty="0" smtClean="0"/>
+              <a:t>Selector: #</a:t>
+            </a:r>
+            <a:r>
+              <a:rPr lang="en-US" dirty="0" err="1" smtClean="0"/>
+              <a:t>searchDropdownBox</a:t>
+            </a:r>
+            <a:r>
+              <a:rPr lang="en-US" dirty="0" smtClean="0"/>
+              <a:t> </a:t>
+            </a:r>
+            <a:r>
+              <a:rPr lang="en-US" dirty="0"/>
+              <a:t>&gt; </a:t>
+            </a:r>
+            <a:r>
+              <a:rPr lang="en-US" dirty="0" err="1"/>
+              <a:t>option:nth-child</a:t>
+            </a:r>
+            <a:r>
+              <a:rPr lang="en-US" dirty="0"/>
+              <a:t>(n)</a:t>
+            </a:r>
+            <a:br>
+              <a:rPr lang="en-US" dirty="0"/>
+            </a:br>
+            <a:r>
+              <a:rPr lang="en-US" dirty="0"/>
+              <a:t/>
+            </a:r>
+            <a:br>
+              <a:rPr lang="en-US" dirty="0"/>
+            </a:br>
+            <a:r>
+              <a:rPr lang="en-US" dirty="0"/>
+              <a:t>Where n &gt;= </a:t>
+            </a:r>
+            <a:r>
+              <a:rPr lang="en-US" dirty="0" smtClean="0"/>
+              <a:t>2</a:t>
+            </a:r>
+          </a:p>
+          <a:p>
+            <a:r>
+              <a:rPr lang="en-US" dirty="0" smtClean="0"/>
+              <a:t>Get category name from child node text.</a:t>
+            </a:r>
+            <a:endParaRPr lang="en-US" dirty="0"/>
+          </a:p>
+          <a:p>
+            <a:r>
+              <a:rPr lang="en-US" dirty="0" smtClean="0"/>
+              <a:t>Get </a:t>
+            </a:r>
+            <a:r>
+              <a:rPr lang="en-US" dirty="0"/>
+              <a:t>“</a:t>
+            </a:r>
+            <a:r>
+              <a:rPr lang="en-US" dirty="0" smtClean="0"/>
+              <a:t>search-alias=xxx” </a:t>
+            </a:r>
+            <a:r>
+              <a:rPr lang="en-US" dirty="0"/>
+              <a:t>as category </a:t>
+            </a:r>
+            <a:r>
+              <a:rPr lang="en-US" dirty="0" smtClean="0"/>
+              <a:t>search alias</a:t>
+            </a:r>
+            <a:endParaRPr lang="en-US" b="1" dirty="0"/>
+          </a:p>
+          <a:p>
+            <a:r>
+              <a:rPr lang="en-US" dirty="0" smtClean="0"/>
+              <a:t>Repeat </a:t>
+            </a:r>
+            <a:r>
+              <a:rPr lang="en-US" dirty="0"/>
+              <a:t>till empty element </a:t>
+            </a:r>
+            <a:r>
+              <a:rPr lang="en-US" dirty="0" smtClean="0"/>
+              <a:t>is reached.</a:t>
+            </a:r>
+          </a:p>
+          <a:p>
+            <a:r>
+              <a:rPr lang="en-US" dirty="0" smtClean="0"/>
+              <a:t>The </a:t>
+            </a:r>
+            <a:r>
+              <a:rPr lang="en-US" dirty="0"/>
+              <a:t>product list </a:t>
+            </a:r>
+            <a:r>
+              <a:rPr lang="en-US" dirty="0" err="1"/>
+              <a:t>url</a:t>
+            </a:r>
+            <a:r>
+              <a:rPr lang="en-US" dirty="0"/>
+              <a:t> for each category is in the following format:</a:t>
+            </a:r>
+            <a:br>
+              <a:rPr lang="en-US" dirty="0"/>
+            </a:br>
+            <a:r>
+              <a:rPr lang="en-US" dirty="0" smtClean="0"/>
+              <a:t>https</a:t>
+            </a:r>
+            <a:r>
+              <a:rPr lang="en-US" dirty="0"/>
+              <a:t>://</a:t>
+            </a:r>
+            <a:r>
+              <a:rPr lang="en-US" dirty="0" err="1"/>
+              <a:t>www.amazon.com</a:t>
+            </a:r>
+            <a:r>
+              <a:rPr lang="en-US" dirty="0"/>
+              <a:t>/s/ref=</a:t>
+            </a:r>
+            <a:r>
+              <a:rPr lang="en-US" dirty="0" err="1"/>
+              <a:t>nb_sb_noss?url</a:t>
+            </a:r>
+            <a:r>
+              <a:rPr lang="en-US" dirty="0"/>
+              <a:t>=$</a:t>
+            </a:r>
+            <a:r>
+              <a:rPr lang="en-US" dirty="0" err="1"/>
+              <a:t>SEARCH_ALIAS&amp;field-keywords</a:t>
+            </a:r>
+            <a:r>
+              <a:rPr lang="en-US" dirty="0"/>
+              <a:t>=-12345&amp;page=$PAGE_NO</a:t>
+            </a:r>
+            <a:br>
+              <a:rPr lang="en-US" dirty="0"/>
+            </a:br>
+            <a:r>
+              <a:rPr lang="en-US" dirty="0"/>
+              <a:t/>
+            </a:r>
+            <a:br>
+              <a:rPr lang="en-US" dirty="0"/>
+            </a:br>
+            <a:r>
+              <a:rPr lang="en-US" dirty="0"/>
+              <a:t>Replace the $SEARCH_ALIAS with category name and $PAGE_NO with the desired product </a:t>
+            </a:r>
+            <a:r>
+              <a:rPr lang="en-US" dirty="0" smtClean="0"/>
+              <a:t>list.</a:t>
+            </a:r>
+            <a:endParaRPr lang="en-US" dirty="0"/>
+          </a:p>
+          <a:p>
+            <a:r>
+              <a:rPr lang="en-US" dirty="0" smtClean="0"/>
+              <a:t>Store </a:t>
+            </a:r>
+            <a:r>
+              <a:rPr lang="en-US" dirty="0"/>
+              <a:t>the &lt;Category name, product list </a:t>
+            </a:r>
+            <a:r>
+              <a:rPr lang="en-US" dirty="0" err="1"/>
+              <a:t>url</a:t>
+            </a:r>
+            <a:r>
+              <a:rPr lang="en-US" dirty="0"/>
+              <a:t>&gt; pairs into Category DB.</a:t>
+            </a:r>
+            <a:br>
+              <a:rPr lang="en-US" dirty="0"/>
+            </a:br>
             <a:endParaRPr lang="en-US" dirty="0"/>
           </a:p>
         </p:txBody>
@@ -7320,7 +10598,7 @@
     </p:spTree>
     <p:extLst>
       <p:ext uri="{BB962C8B-B14F-4D97-AF65-F5344CB8AC3E}">
-        <p14:creationId xmlns:p14="http://schemas.microsoft.com/office/powerpoint/2010/main" val="2042320774"/>
+        <p14:creationId xmlns:p14="http://schemas.microsoft.com/office/powerpoint/2010/main" val="662863133"/>
       </p:ext>
     </p:extLst>
   </p:cSld>

--- a/PriceMonitoringDesign.pptx
+++ b/PriceMonitoringDesign.pptx
@@ -5,7 +5,7 @@
     <p:sldMasterId id="2147483648" r:id="rId1"/>
   </p:sldMasterIdLst>
   <p:notesMasterIdLst>
-    <p:notesMasterId r:id="rId13"/>
+    <p:notesMasterId r:id="rId12"/>
   </p:notesMasterIdLst>
   <p:sldIdLst>
     <p:sldId id="268" r:id="rId2"/>
@@ -16,9 +16,8 @@
     <p:sldId id="259" r:id="rId7"/>
     <p:sldId id="260" r:id="rId8"/>
     <p:sldId id="261" r:id="rId9"/>
-    <p:sldId id="262" r:id="rId10"/>
-    <p:sldId id="263" r:id="rId11"/>
-    <p:sldId id="264" r:id="rId12"/>
+    <p:sldId id="269" r:id="rId10"/>
+    <p:sldId id="270" r:id="rId11"/>
   </p:sldIdLst>
   <p:sldSz cx="12192000" cy="6858000"/>
   <p:notesSz cx="6858000" cy="9144000"/>
@@ -118,6 +117,28 @@
     </a:lvl9pPr>
   </p:defaultTextStyle>
   <p:extLst>
+    <p:ext uri="{521415D9-36F7-43E2-AB2F-B90AF26B5E84}">
+      <p14:sectionLst xmlns:p14="http://schemas.microsoft.com/office/powerpoint/2010/main">
+        <p14:section name="Default Section" id="{F5BFE4DA-25BB-404E-BD9E-0783A9B7EAAD}">
+          <p14:sldIdLst>
+            <p14:sldId id="268"/>
+            <p14:sldId id="266"/>
+            <p14:sldId id="256"/>
+            <p14:sldId id="257"/>
+            <p14:sldId id="258"/>
+            <p14:sldId id="259"/>
+            <p14:sldId id="260"/>
+            <p14:sldId id="261"/>
+            <p14:sldId id="269"/>
+          </p14:sldIdLst>
+        </p14:section>
+        <p14:section name="Untitled Section" id="{2DCC702A-A243-DB4A-8C6D-24D6E5D6023D}">
+          <p14:sldIdLst>
+            <p14:sldId id="270"/>
+          </p14:sldIdLst>
+        </p14:section>
+      </p14:sectionLst>
+    </p:ext>
     <p:ext uri="{EFAFB233-063F-42B5-8137-9DF3F51BA10A}">
       <p15:sldGuideLst xmlns:p15="http://schemas.microsoft.com/office/powerpoint/2012/main"/>
     </p:ext>
@@ -550,6 +571,90 @@
     <p:extLst>
       <p:ext uri="{BB962C8B-B14F-4D97-AF65-F5344CB8AC3E}">
         <p14:creationId xmlns:p14="http://schemas.microsoft.com/office/powerpoint/2010/main" val="1760959089"/>
+      </p:ext>
+    </p:extLst>
+  </p:cSld>
+  <p:clrMapOvr>
+    <a:masterClrMapping/>
+  </p:clrMapOvr>
+</p:notes>
+</file>
+
+<file path=ppt/notesSlides/notesSlide2.xml><?xml version="1.0" encoding="utf-8"?>
+<p:notes xmlns:a="http://schemas.openxmlformats.org/drawingml/2006/main" xmlns:r="http://schemas.openxmlformats.org/officeDocument/2006/relationships" xmlns:p="http://schemas.openxmlformats.org/presentationml/2006/main">
+  <p:cSld>
+    <p:spTree>
+      <p:nvGrpSpPr>
+        <p:cNvPr id="1" name=""/>
+        <p:cNvGrpSpPr/>
+        <p:nvPr/>
+      </p:nvGrpSpPr>
+      <p:grpSpPr>
+        <a:xfrm>
+          <a:off x="0" y="0"/>
+          <a:ext cx="0" cy="0"/>
+          <a:chOff x="0" y="0"/>
+          <a:chExt cx="0" cy="0"/>
+        </a:xfrm>
+      </p:grpSpPr>
+      <p:sp>
+        <p:nvSpPr>
+          <p:cNvPr id="2" name="Slide Image Placeholder 1"/>
+          <p:cNvSpPr>
+            <a:spLocks noGrp="1" noRot="1" noChangeAspect="1"/>
+          </p:cNvSpPr>
+          <p:nvPr>
+            <p:ph type="sldImg"/>
+          </p:nvPr>
+        </p:nvSpPr>
+        <p:spPr/>
+      </p:sp>
+      <p:sp>
+        <p:nvSpPr>
+          <p:cNvPr id="3" name="Notes Placeholder 2"/>
+          <p:cNvSpPr>
+            <a:spLocks noGrp="1"/>
+          </p:cNvSpPr>
+          <p:nvPr>
+            <p:ph type="body" idx="1"/>
+          </p:nvPr>
+        </p:nvSpPr>
+        <p:spPr/>
+        <p:txBody>
+          <a:bodyPr/>
+          <a:lstStyle/>
+          <a:p>
+            <a:endParaRPr lang="en-US" dirty="0"/>
+          </a:p>
+        </p:txBody>
+      </p:sp>
+      <p:sp>
+        <p:nvSpPr>
+          <p:cNvPr id="4" name="Slide Number Placeholder 3"/>
+          <p:cNvSpPr>
+            <a:spLocks noGrp="1"/>
+          </p:cNvSpPr>
+          <p:nvPr>
+            <p:ph type="sldNum" sz="quarter" idx="10"/>
+          </p:nvPr>
+        </p:nvSpPr>
+        <p:spPr/>
+        <p:txBody>
+          <a:bodyPr/>
+          <a:lstStyle/>
+          <a:p>
+            <a:fld id="{EC7320ED-0C6B-184D-AB80-F731C6164C1E}" type="slidenum">
+              <a:rPr lang="en-US" smtClean="0"/>
+              <a:t>4</a:t>
+            </a:fld>
+            <a:endParaRPr lang="en-US"/>
+          </a:p>
+        </p:txBody>
+      </p:sp>
+    </p:spTree>
+    <p:extLst>
+      <p:ext uri="{BB962C8B-B14F-4D97-AF65-F5344CB8AC3E}">
+        <p14:creationId xmlns:p14="http://schemas.microsoft.com/office/powerpoint/2010/main" val="1279839643"/>
       </p:ext>
     </p:extLst>
   </p:cSld>
@@ -3452,7 +3557,9 @@
         </p:nvSpPr>
         <p:spPr/>
         <p:txBody>
-          <a:bodyPr/>
+          <a:bodyPr>
+            <a:normAutofit lnSpcReduction="10000"/>
+          </a:bodyPr>
           <a:lstStyle/>
           <a:p>
             <a:r>
@@ -3471,31 +3578,37 @@
           <a:p>
             <a:r>
               <a:rPr lang="en-US" dirty="0" smtClean="0"/>
-              <a:t>Acquire product info from Amazon web site and store into MySQL DB.</a:t>
+              <a:t>Acquire product info from an online shopping web site and store into MySQL DB.</a:t>
             </a:r>
           </a:p>
           <a:p>
             <a:r>
               <a:rPr lang="en-US" dirty="0" smtClean="0"/>
-              <a:t>Sort products according to category.</a:t>
+              <a:t>Sort products according to their categories.</a:t>
             </a:r>
           </a:p>
           <a:p>
             <a:r>
               <a:rPr lang="en-US" dirty="0" smtClean="0"/>
-              <a:t>Users can subscribe via email the interested categories.</a:t>
+              <a:t>Users can create/update/delete their accounts with email addresses.</a:t>
             </a:r>
           </a:p>
           <a:p>
             <a:r>
               <a:rPr lang="en-US" dirty="0" smtClean="0"/>
-              <a:t>Notify user when product prices in the subscribed categories is reduced.</a:t>
+              <a:t>User can subscribe/unsubscribe the interested categories.</a:t>
             </a:r>
           </a:p>
           <a:p>
             <a:r>
               <a:rPr lang="en-US" dirty="0" smtClean="0"/>
-              <a:t>User can also query discount products of any category.</a:t>
+              <a:t>The system will notify subscribed users when a product price is reduced in the subscribed category.</a:t>
+            </a:r>
+          </a:p>
+          <a:p>
+            <a:r>
+              <a:rPr lang="en-US" dirty="0" smtClean="0"/>
+              <a:t>User can also query discount products of any category online.</a:t>
             </a:r>
             <a:endParaRPr lang="en-US" dirty="0"/>
           </a:p>
@@ -3548,14 +3661,20 @@
             <p:ph type="title"/>
           </p:nvPr>
         </p:nvSpPr>
-        <p:spPr/>
+        <p:spPr>
+          <a:xfrm>
+            <a:off x="838200" y="32625"/>
+            <a:ext cx="10515600" cy="812511"/>
+          </a:xfrm>
+        </p:spPr>
         <p:txBody>
           <a:bodyPr/>
           <a:lstStyle/>
           <a:p>
+            <a:pPr algn="ctr"/>
             <a:r>
               <a:rPr lang="en-US" dirty="0" smtClean="0"/>
-              <a:t>Product Crawler Detail</a:t>
+              <a:t>DB Schema</a:t>
             </a:r>
             <a:endParaRPr lang="en-US" dirty="0"/>
           </a:p>
@@ -3571,540 +3690,2200 @@
             <p:ph idx="1"/>
           </p:nvPr>
         </p:nvSpPr>
-        <p:spPr/>
+        <p:spPr>
+          <a:xfrm>
+            <a:off x="775316" y="1056904"/>
+            <a:ext cx="1833748" cy="1876301"/>
+          </a:xfrm>
+          <a:ln w="12700">
+            <a:solidFill>
+              <a:schemeClr val="tx1"/>
+            </a:solidFill>
+          </a:ln>
+        </p:spPr>
         <p:txBody>
           <a:bodyPr>
-            <a:normAutofit fontScale="62500" lnSpcReduction="20000"/>
+            <a:normAutofit/>
           </a:bodyPr>
           <a:lstStyle/>
           <a:p>
-            <a:r>
-              <a:rPr lang="en-US" dirty="0" smtClean="0"/>
-              <a:t>This </a:t>
-            </a:r>
-            <a:r>
-              <a:rPr lang="en-US" dirty="0"/>
-              <a:t>crawler is scheduled to run every 4 hours to quickly catch price changing </a:t>
-            </a:r>
-            <a:r>
-              <a:rPr lang="en-US" dirty="0" smtClean="0"/>
-              <a:t>information.</a:t>
-            </a:r>
-          </a:p>
-          <a:p>
-            <a:r>
-              <a:rPr lang="en-US" dirty="0" smtClean="0"/>
-              <a:t>If </a:t>
-            </a:r>
-            <a:r>
-              <a:rPr lang="en-US" dirty="0"/>
-              <a:t>a category contains a lot of products, multiple crawlers can be started to share the </a:t>
-            </a:r>
-            <a:r>
-              <a:rPr lang="en-US" dirty="0" smtClean="0"/>
-              <a:t>load.</a:t>
-            </a:r>
-          </a:p>
-          <a:p>
-            <a:r>
-              <a:rPr lang="en-US" dirty="0" smtClean="0"/>
-              <a:t>Only </a:t>
-            </a:r>
-            <a:r>
-              <a:rPr lang="en-US" dirty="0"/>
-              <a:t>subscribed categories will be </a:t>
-            </a:r>
-            <a:r>
-              <a:rPr lang="en-US" dirty="0" smtClean="0"/>
-              <a:t>crawled.</a:t>
-            </a:r>
-          </a:p>
-          <a:p>
-            <a:r>
-              <a:rPr lang="en-US" dirty="0" smtClean="0"/>
-              <a:t>Title</a:t>
-            </a:r>
-            <a:r>
-              <a:rPr lang="en-US" dirty="0"/>
-              <a:t>: get title from selector: </a:t>
-            </a:r>
-            <a:br>
-              <a:rPr lang="en-US" dirty="0"/>
-            </a:br>
-            <a:r>
-              <a:rPr lang="en-US" dirty="0" smtClean="0"/>
-              <a:t>#</a:t>
-            </a:r>
-            <a:r>
-              <a:rPr lang="en-US" dirty="0" err="1"/>
-              <a:t>result_$RESULT_NO</a:t>
-            </a:r>
-            <a:r>
-              <a:rPr lang="en-US" dirty="0"/>
-              <a:t> &gt; div &gt; div &gt; div &gt; </a:t>
-            </a:r>
-            <a:r>
-              <a:rPr lang="en-US" dirty="0" err="1"/>
-              <a:t>div.a</a:t>
-            </a:r>
-            <a:r>
-              <a:rPr lang="en-US" dirty="0"/>
-              <a:t>-fixed-left-grid-</a:t>
-            </a:r>
-            <a:r>
-              <a:rPr lang="en-US" dirty="0" err="1"/>
-              <a:t>col.a</a:t>
-            </a:r>
-            <a:r>
-              <a:rPr lang="en-US" dirty="0"/>
-              <a:t>-col-right &gt; </a:t>
-            </a:r>
-            <a:r>
-              <a:rPr lang="en-US" dirty="0" err="1"/>
-              <a:t>div.a</a:t>
-            </a:r>
-            <a:r>
-              <a:rPr lang="en-US" dirty="0"/>
-              <a:t>-</a:t>
-            </a:r>
-            <a:r>
-              <a:rPr lang="en-US" dirty="0" err="1"/>
-              <a:t>row.a</a:t>
-            </a:r>
-            <a:r>
-              <a:rPr lang="en-US" dirty="0"/>
-              <a:t>-spacing-small &gt; </a:t>
-            </a:r>
-            <a:r>
-              <a:rPr lang="en-US" dirty="0" err="1"/>
-              <a:t>div:nth-child</a:t>
-            </a:r>
-            <a:r>
-              <a:rPr lang="en-US" dirty="0"/>
-              <a:t>(1) &gt; a</a:t>
-            </a:r>
-            <a:br>
-              <a:rPr lang="en-US" dirty="0"/>
-            </a:br>
-            <a:r>
-              <a:rPr lang="en-US" dirty="0"/>
-              <a:t/>
-            </a:r>
-            <a:br>
-              <a:rPr lang="en-US" dirty="0"/>
-            </a:br>
-            <a:r>
-              <a:rPr lang="en-US" dirty="0"/>
-              <a:t>Where $RESULT_NO starts from </a:t>
-            </a:r>
-            <a:r>
-              <a:rPr lang="en-US" dirty="0" smtClean="0"/>
-              <a:t>0</a:t>
-            </a:r>
-            <a:endParaRPr lang="en-US" dirty="0"/>
-          </a:p>
-          <a:p>
-            <a:r>
-              <a:rPr lang="en-US" dirty="0" smtClean="0"/>
-              <a:t>Price</a:t>
-            </a:r>
-            <a:r>
-              <a:rPr lang="en-US" dirty="0"/>
-              <a:t>: get aria-label from selector: </a:t>
-            </a:r>
-            <a:br>
-              <a:rPr lang="en-US" dirty="0"/>
-            </a:br>
-            <a:r>
-              <a:rPr lang="en-US" dirty="0" smtClean="0"/>
-              <a:t>#</a:t>
-            </a:r>
-            <a:r>
-              <a:rPr lang="en-US" dirty="0" err="1"/>
-              <a:t>result_$RESULT_NO</a:t>
-            </a:r>
-            <a:r>
-              <a:rPr lang="en-US" dirty="0"/>
-              <a:t> &gt; div &gt; div &gt; div &gt; </a:t>
-            </a:r>
-            <a:r>
-              <a:rPr lang="en-US" dirty="0" err="1"/>
-              <a:t>div.a</a:t>
-            </a:r>
-            <a:r>
-              <a:rPr lang="en-US" dirty="0"/>
-              <a:t>-fixed-left-grid-</a:t>
-            </a:r>
-            <a:r>
-              <a:rPr lang="en-US" dirty="0" err="1"/>
-              <a:t>col.a</a:t>
-            </a:r>
-            <a:r>
-              <a:rPr lang="en-US" dirty="0"/>
-              <a:t>-col-right &gt; </a:t>
-            </a:r>
-            <a:r>
-              <a:rPr lang="en-US" dirty="0" err="1"/>
-              <a:t>div:nth-child</a:t>
-            </a:r>
-            <a:r>
-              <a:rPr lang="en-US" dirty="0"/>
-              <a:t>(2) &gt; div.a-column.a-span7 &gt; </a:t>
-            </a:r>
-            <a:r>
-              <a:rPr lang="en-US" dirty="0" err="1"/>
-              <a:t>div.a</a:t>
-            </a:r>
-            <a:r>
-              <a:rPr lang="en-US" dirty="0"/>
-              <a:t>-</a:t>
-            </a:r>
-            <a:r>
-              <a:rPr lang="en-US" dirty="0" err="1"/>
-              <a:t>row.a</a:t>
-            </a:r>
-            <a:r>
-              <a:rPr lang="en-US" dirty="0"/>
-              <a:t>-spacing-none &gt; a &gt; </a:t>
-            </a:r>
-            <a:r>
-              <a:rPr lang="en-US" dirty="0" smtClean="0"/>
-              <a:t>span</a:t>
-            </a:r>
-            <a:endParaRPr lang="en-US" dirty="0"/>
-          </a:p>
-          <a:p>
-            <a:r>
-              <a:rPr lang="en-US" dirty="0" err="1" smtClean="0"/>
-              <a:t>Thumnail</a:t>
-            </a:r>
-            <a:r>
-              <a:rPr lang="en-US" dirty="0"/>
-              <a:t>: get </a:t>
-            </a:r>
-            <a:r>
-              <a:rPr lang="en-US" dirty="0" err="1"/>
-              <a:t>src</a:t>
-            </a:r>
-            <a:r>
-              <a:rPr lang="en-US" dirty="0"/>
-              <a:t> from selector: </a:t>
-            </a:r>
-            <a:br>
-              <a:rPr lang="en-US" dirty="0"/>
-            </a:br>
-            <a:r>
-              <a:rPr lang="en-US" dirty="0" smtClean="0"/>
-              <a:t>#</a:t>
-            </a:r>
-            <a:r>
-              <a:rPr lang="en-US" dirty="0" err="1"/>
-              <a:t>result_$RESULT_NO</a:t>
-            </a:r>
-            <a:r>
-              <a:rPr lang="en-US" dirty="0"/>
-              <a:t> &gt; div &gt; div &gt; div &gt; </a:t>
-            </a:r>
-            <a:r>
-              <a:rPr lang="en-US" dirty="0" err="1"/>
-              <a:t>div.a</a:t>
-            </a:r>
-            <a:r>
-              <a:rPr lang="en-US" dirty="0"/>
-              <a:t>-fixed-left-grid-</a:t>
-            </a:r>
-            <a:r>
-              <a:rPr lang="en-US" dirty="0" err="1"/>
-              <a:t>col.a</a:t>
-            </a:r>
-            <a:r>
-              <a:rPr lang="en-US" dirty="0"/>
-              <a:t>-col-left &gt; div &gt; div &gt; a &gt; </a:t>
-            </a:r>
-            <a:r>
-              <a:rPr lang="en-US" dirty="0" err="1" smtClean="0"/>
-              <a:t>img</a:t>
-            </a:r>
-            <a:endParaRPr lang="en-US" dirty="0"/>
-          </a:p>
-          <a:p>
-            <a:r>
-              <a:rPr lang="en-US" dirty="0" err="1" smtClean="0"/>
-              <a:t>Detail_url</a:t>
-            </a:r>
-            <a:r>
-              <a:rPr lang="en-US" dirty="0"/>
-              <a:t>: get </a:t>
-            </a:r>
-            <a:r>
-              <a:rPr lang="en-US" dirty="0" err="1"/>
-              <a:t>href</a:t>
-            </a:r>
-            <a:r>
-              <a:rPr lang="en-US" dirty="0"/>
-              <a:t> from selector: </a:t>
-            </a:r>
-            <a:br>
-              <a:rPr lang="en-US" dirty="0"/>
-            </a:br>
-            <a:r>
-              <a:rPr lang="en-US" dirty="0" smtClean="0"/>
-              <a:t>#</a:t>
-            </a:r>
-            <a:r>
-              <a:rPr lang="en-US" dirty="0"/>
-              <a:t>result _$RESULT_NO &gt; div &gt; div &gt; div &gt; </a:t>
-            </a:r>
-            <a:r>
-              <a:rPr lang="en-US" dirty="0" err="1"/>
-              <a:t>div.a</a:t>
-            </a:r>
-            <a:r>
-              <a:rPr lang="en-US" dirty="0"/>
-              <a:t>-fixed-left-grid-</a:t>
-            </a:r>
-            <a:r>
-              <a:rPr lang="en-US" dirty="0" err="1"/>
-              <a:t>col.a</a:t>
-            </a:r>
-            <a:r>
-              <a:rPr lang="en-US" dirty="0"/>
-              <a:t>-col-right &gt; </a:t>
-            </a:r>
-            <a:r>
-              <a:rPr lang="en-US" dirty="0" err="1"/>
-              <a:t>div.a</a:t>
-            </a:r>
-            <a:r>
-              <a:rPr lang="en-US" dirty="0"/>
-              <a:t>-</a:t>
-            </a:r>
-            <a:r>
-              <a:rPr lang="en-US" dirty="0" err="1"/>
-              <a:t>row.a</a:t>
-            </a:r>
-            <a:r>
-              <a:rPr lang="en-US" dirty="0"/>
-              <a:t>-spacing-small &gt; </a:t>
-            </a:r>
-            <a:r>
-              <a:rPr lang="en-US" dirty="0" err="1"/>
-              <a:t>div:nth-child</a:t>
-            </a:r>
-            <a:r>
-              <a:rPr lang="en-US" dirty="0"/>
-              <a:t>(1) &gt; </a:t>
-            </a:r>
-            <a:r>
-              <a:rPr lang="en-US" dirty="0" smtClean="0"/>
-              <a:t>a</a:t>
-            </a:r>
-            <a:endParaRPr lang="en-US" dirty="0"/>
-          </a:p>
-          <a:p>
-            <a:r>
-              <a:rPr lang="en-US" dirty="0" err="1" smtClean="0"/>
-              <a:t>product_id</a:t>
-            </a:r>
-            <a:r>
-              <a:rPr lang="en-US" dirty="0"/>
-              <a:t>: get last portion of </a:t>
-            </a:r>
-            <a:r>
-              <a:rPr lang="en-US" dirty="0" err="1"/>
+            <a:pPr marL="0" indent="0">
+              <a:buNone/>
+            </a:pPr>
+            <a:r>
+              <a:rPr lang="en-US" sz="1800" dirty="0" smtClean="0"/>
+              <a:t>id</a:t>
+            </a:r>
+          </a:p>
+          <a:p>
+            <a:pPr marL="0" indent="0">
+              <a:buNone/>
+            </a:pPr>
+            <a:r>
+              <a:rPr lang="en-US" sz="1800" dirty="0" err="1" smtClean="0"/>
+              <a:t>category_name</a:t>
+            </a:r>
+            <a:endParaRPr lang="en-US" sz="1800" dirty="0" smtClean="0"/>
+          </a:p>
+          <a:p>
+            <a:pPr marL="0" indent="0">
+              <a:buNone/>
+            </a:pPr>
+            <a:r>
+              <a:rPr lang="en-US" sz="1800" dirty="0" err="1" smtClean="0"/>
+              <a:t>product_list_url</a:t>
+            </a:r>
+            <a:endParaRPr lang="en-US" sz="1800" dirty="0" smtClean="0"/>
+          </a:p>
+          <a:p>
+            <a:pPr marL="0" indent="0">
+              <a:buNone/>
+            </a:pPr>
+            <a:r>
+              <a:rPr lang="en-US" sz="1800" dirty="0" err="1" smtClean="0"/>
+              <a:t>create_time</a:t>
+            </a:r>
+            <a:endParaRPr lang="en-US" sz="1800" dirty="0" smtClean="0"/>
+          </a:p>
+          <a:p>
+            <a:pPr marL="0" indent="0">
+              <a:buNone/>
+            </a:pPr>
+            <a:r>
+              <a:rPr lang="en-US" sz="1800" dirty="0" err="1"/>
+              <a:t>u</a:t>
+            </a:r>
+            <a:r>
+              <a:rPr lang="en-US" sz="1800" dirty="0" err="1" smtClean="0"/>
+              <a:t>pdate_time</a:t>
+            </a:r>
+            <a:endParaRPr lang="en-US" sz="1800" dirty="0" smtClean="0"/>
+          </a:p>
+        </p:txBody>
+      </p:sp>
+      <p:sp>
+        <p:nvSpPr>
+          <p:cNvPr id="5" name="TextBox 4"/>
+          <p:cNvSpPr txBox="1"/>
+          <p:nvPr/>
+        </p:nvSpPr>
+        <p:spPr>
+          <a:xfrm>
+            <a:off x="775316" y="644462"/>
+            <a:ext cx="1298689" cy="461665"/>
+          </a:xfrm>
+          <a:prstGeom prst="rect">
+            <a:avLst/>
+          </a:prstGeom>
+          <a:noFill/>
+        </p:spPr>
+        <p:txBody>
+          <a:bodyPr wrap="none" rtlCol="0">
+            <a:spAutoFit/>
+          </a:bodyPr>
+          <a:lstStyle/>
+          <a:p>
+            <a:r>
+              <a:rPr lang="en-US" sz="2400" dirty="0" smtClean="0"/>
+              <a:t>category</a:t>
+            </a:r>
+            <a:endParaRPr lang="en-US" sz="2400" dirty="0"/>
+          </a:p>
+        </p:txBody>
+      </p:sp>
+      <p:sp>
+        <p:nvSpPr>
+          <p:cNvPr id="6" name="TextBox 5"/>
+          <p:cNvSpPr txBox="1"/>
+          <p:nvPr/>
+        </p:nvSpPr>
+        <p:spPr>
+          <a:xfrm>
+            <a:off x="3297968" y="644462"/>
+            <a:ext cx="2338204" cy="461665"/>
+          </a:xfrm>
+          <a:prstGeom prst="rect">
+            <a:avLst/>
+          </a:prstGeom>
+          <a:noFill/>
+        </p:spPr>
+        <p:txBody>
+          <a:bodyPr wrap="none" rtlCol="0">
+            <a:spAutoFit/>
+          </a:bodyPr>
+          <a:lstStyle/>
+          <a:p>
+            <a:r>
+              <a:rPr lang="en-US" sz="2400" dirty="0" err="1"/>
+              <a:t>c</a:t>
+            </a:r>
+            <a:r>
+              <a:rPr lang="en-US" sz="2400" dirty="0" err="1" smtClean="0"/>
+              <a:t>ategory_priority</a:t>
+            </a:r>
+            <a:endParaRPr lang="en-US" sz="2400" dirty="0"/>
+          </a:p>
+        </p:txBody>
+      </p:sp>
+      <p:sp>
+        <p:nvSpPr>
+          <p:cNvPr id="8" name="Content Placeholder 2"/>
+          <p:cNvSpPr txBox="1">
+            <a:spLocks/>
+          </p:cNvSpPr>
+          <p:nvPr/>
+        </p:nvSpPr>
+        <p:spPr>
+          <a:xfrm>
+            <a:off x="3297968" y="1056904"/>
+            <a:ext cx="1833748" cy="1876301"/>
+          </a:xfrm>
+          <a:prstGeom prst="rect">
+            <a:avLst/>
+          </a:prstGeom>
+          <a:ln w="12700">
+            <a:solidFill>
+              <a:schemeClr val="tx1"/>
+            </a:solidFill>
+          </a:ln>
+        </p:spPr>
+        <p:txBody>
+          <a:bodyPr vert="horz" lIns="91440" tIns="45720" rIns="91440" bIns="45720" rtlCol="0">
+            <a:normAutofit fontScale="92500" lnSpcReduction="20000"/>
+          </a:bodyPr>
+          <a:lstStyle>
+            <a:lvl1pPr marL="228600" indent="-228600" algn="l" defTabSz="914400" rtl="0" eaLnBrk="1" latinLnBrk="0" hangingPunct="1">
+              <a:lnSpc>
+                <a:spcPct val="90000"/>
+              </a:lnSpc>
+              <a:spcBef>
+                <a:spcPts val="1000"/>
+              </a:spcBef>
+              <a:buFont typeface="Arial"/>
+              <a:buChar char="•"/>
+              <a:defRPr sz="2800" kern="1200">
+                <a:solidFill>
+                  <a:schemeClr val="tx1"/>
+                </a:solidFill>
+                <a:latin typeface="+mn-lt"/>
+                <a:ea typeface="+mn-ea"/>
+                <a:cs typeface="+mn-cs"/>
+              </a:defRPr>
+            </a:lvl1pPr>
+            <a:lvl2pPr marL="685800" indent="-228600" algn="l" defTabSz="914400" rtl="0" eaLnBrk="1" latinLnBrk="0" hangingPunct="1">
+              <a:lnSpc>
+                <a:spcPct val="90000"/>
+              </a:lnSpc>
+              <a:spcBef>
+                <a:spcPts val="500"/>
+              </a:spcBef>
+              <a:buFont typeface="Arial"/>
+              <a:buChar char="•"/>
+              <a:defRPr sz="2400" kern="1200">
+                <a:solidFill>
+                  <a:schemeClr val="tx1"/>
+                </a:solidFill>
+                <a:latin typeface="+mn-lt"/>
+                <a:ea typeface="+mn-ea"/>
+                <a:cs typeface="+mn-cs"/>
+              </a:defRPr>
+            </a:lvl2pPr>
+            <a:lvl3pPr marL="1143000" indent="-228600" algn="l" defTabSz="914400" rtl="0" eaLnBrk="1" latinLnBrk="0" hangingPunct="1">
+              <a:lnSpc>
+                <a:spcPct val="90000"/>
+              </a:lnSpc>
+              <a:spcBef>
+                <a:spcPts val="500"/>
+              </a:spcBef>
+              <a:buFont typeface="Arial"/>
+              <a:buChar char="•"/>
+              <a:defRPr sz="2000" kern="1200">
+                <a:solidFill>
+                  <a:schemeClr val="tx1"/>
+                </a:solidFill>
+                <a:latin typeface="+mn-lt"/>
+                <a:ea typeface="+mn-ea"/>
+                <a:cs typeface="+mn-cs"/>
+              </a:defRPr>
+            </a:lvl3pPr>
+            <a:lvl4pPr marL="1600200" indent="-228600" algn="l" defTabSz="914400" rtl="0" eaLnBrk="1" latinLnBrk="0" hangingPunct="1">
+              <a:lnSpc>
+                <a:spcPct val="90000"/>
+              </a:lnSpc>
+              <a:spcBef>
+                <a:spcPts val="500"/>
+              </a:spcBef>
+              <a:buFont typeface="Arial"/>
+              <a:buChar char="•"/>
+              <a:defRPr sz="1800" kern="1200">
+                <a:solidFill>
+                  <a:schemeClr val="tx1"/>
+                </a:solidFill>
+                <a:latin typeface="+mn-lt"/>
+                <a:ea typeface="+mn-ea"/>
+                <a:cs typeface="+mn-cs"/>
+              </a:defRPr>
+            </a:lvl4pPr>
+            <a:lvl5pPr marL="2057400" indent="-228600" algn="l" defTabSz="914400" rtl="0" eaLnBrk="1" latinLnBrk="0" hangingPunct="1">
+              <a:lnSpc>
+                <a:spcPct val="90000"/>
+              </a:lnSpc>
+              <a:spcBef>
+                <a:spcPts val="500"/>
+              </a:spcBef>
+              <a:buFont typeface="Arial"/>
+              <a:buChar char="•"/>
+              <a:defRPr sz="1800" kern="1200">
+                <a:solidFill>
+                  <a:schemeClr val="tx1"/>
+                </a:solidFill>
+                <a:latin typeface="+mn-lt"/>
+                <a:ea typeface="+mn-ea"/>
+                <a:cs typeface="+mn-cs"/>
+              </a:defRPr>
+            </a:lvl5pPr>
+            <a:lvl6pPr marL="2514600" indent="-228600" algn="l" defTabSz="914400" rtl="0" eaLnBrk="1" latinLnBrk="0" hangingPunct="1">
+              <a:lnSpc>
+                <a:spcPct val="90000"/>
+              </a:lnSpc>
+              <a:spcBef>
+                <a:spcPts val="500"/>
+              </a:spcBef>
+              <a:buFont typeface="Arial"/>
+              <a:buChar char="•"/>
+              <a:defRPr sz="1800" kern="1200">
+                <a:solidFill>
+                  <a:schemeClr val="tx1"/>
+                </a:solidFill>
+                <a:latin typeface="+mn-lt"/>
+                <a:ea typeface="+mn-ea"/>
+                <a:cs typeface="+mn-cs"/>
+              </a:defRPr>
+            </a:lvl6pPr>
+            <a:lvl7pPr marL="2971800" indent="-228600" algn="l" defTabSz="914400" rtl="0" eaLnBrk="1" latinLnBrk="0" hangingPunct="1">
+              <a:lnSpc>
+                <a:spcPct val="90000"/>
+              </a:lnSpc>
+              <a:spcBef>
+                <a:spcPts val="500"/>
+              </a:spcBef>
+              <a:buFont typeface="Arial"/>
+              <a:buChar char="•"/>
+              <a:defRPr sz="1800" kern="1200">
+                <a:solidFill>
+                  <a:schemeClr val="tx1"/>
+                </a:solidFill>
+                <a:latin typeface="+mn-lt"/>
+                <a:ea typeface="+mn-ea"/>
+                <a:cs typeface="+mn-cs"/>
+              </a:defRPr>
+            </a:lvl7pPr>
+            <a:lvl8pPr marL="3429000" indent="-228600" algn="l" defTabSz="914400" rtl="0" eaLnBrk="1" latinLnBrk="0" hangingPunct="1">
+              <a:lnSpc>
+                <a:spcPct val="90000"/>
+              </a:lnSpc>
+              <a:spcBef>
+                <a:spcPts val="500"/>
+              </a:spcBef>
+              <a:buFont typeface="Arial"/>
+              <a:buChar char="•"/>
+              <a:defRPr sz="1800" kern="1200">
+                <a:solidFill>
+                  <a:schemeClr val="tx1"/>
+                </a:solidFill>
+                <a:latin typeface="+mn-lt"/>
+                <a:ea typeface="+mn-ea"/>
+                <a:cs typeface="+mn-cs"/>
+              </a:defRPr>
+            </a:lvl8pPr>
+            <a:lvl9pPr marL="3886200" indent="-228600" algn="l" defTabSz="914400" rtl="0" eaLnBrk="1" latinLnBrk="0" hangingPunct="1">
+              <a:lnSpc>
+                <a:spcPct val="90000"/>
+              </a:lnSpc>
+              <a:spcBef>
+                <a:spcPts val="500"/>
+              </a:spcBef>
+              <a:buFont typeface="Arial"/>
+              <a:buChar char="•"/>
+              <a:defRPr sz="1800" kern="1200">
+                <a:solidFill>
+                  <a:schemeClr val="tx1"/>
+                </a:solidFill>
+                <a:latin typeface="+mn-lt"/>
+                <a:ea typeface="+mn-ea"/>
+                <a:cs typeface="+mn-cs"/>
+              </a:defRPr>
+            </a:lvl9pPr>
+          </a:lstStyle>
+          <a:p>
+            <a:pPr marL="0" indent="0">
+              <a:buFont typeface="Arial"/>
+              <a:buNone/>
+            </a:pPr>
+            <a:r>
+              <a:rPr lang="en-US" sz="1800" dirty="0" smtClean="0"/>
+              <a:t>id</a:t>
+            </a:r>
+          </a:p>
+          <a:p>
+            <a:pPr marL="0" indent="0">
+              <a:buFont typeface="Arial"/>
+              <a:buNone/>
+            </a:pPr>
+            <a:r>
+              <a:rPr lang="en-US" sz="1800" dirty="0" err="1" smtClean="0"/>
+              <a:t>category_id</a:t>
+            </a:r>
+            <a:endParaRPr lang="en-US" sz="1800" dirty="0" smtClean="0"/>
+          </a:p>
+          <a:p>
+            <a:pPr marL="0" indent="0">
+              <a:buFont typeface="Arial"/>
+              <a:buNone/>
+            </a:pPr>
+            <a:r>
+              <a:rPr lang="en-US" sz="1800" dirty="0"/>
+              <a:t>p</a:t>
+            </a:r>
+            <a:r>
+              <a:rPr lang="en-US" sz="1800" dirty="0" smtClean="0"/>
+              <a:t>riority</a:t>
+            </a:r>
+          </a:p>
+          <a:p>
+            <a:pPr marL="0" indent="0">
+              <a:buFont typeface="Arial"/>
+              <a:buNone/>
+            </a:pPr>
+            <a:r>
+              <a:rPr lang="en-US" sz="1800" dirty="0" err="1"/>
+              <a:t>u</a:t>
+            </a:r>
+            <a:r>
+              <a:rPr lang="en-US" sz="1800" dirty="0" err="1" smtClean="0"/>
+              <a:t>ser_count</a:t>
+            </a:r>
+            <a:endParaRPr lang="en-US" sz="1800" dirty="0" smtClean="0"/>
+          </a:p>
+          <a:p>
+            <a:pPr marL="0" indent="0">
+              <a:buFont typeface="Arial"/>
+              <a:buNone/>
+            </a:pPr>
+            <a:r>
+              <a:rPr lang="en-US" sz="1800" dirty="0" err="1" smtClean="0"/>
+              <a:t>create_time</a:t>
+            </a:r>
+            <a:endParaRPr lang="en-US" sz="1800" dirty="0" smtClean="0"/>
+          </a:p>
+          <a:p>
+            <a:pPr marL="0" indent="0">
+              <a:buFont typeface="Arial"/>
+              <a:buNone/>
+            </a:pPr>
+            <a:r>
+              <a:rPr lang="en-US" sz="1800" dirty="0" err="1" smtClean="0"/>
+              <a:t>update_time</a:t>
+            </a:r>
+            <a:endParaRPr lang="en-US" sz="1800" dirty="0" smtClean="0"/>
+          </a:p>
+        </p:txBody>
+      </p:sp>
+      <p:sp>
+        <p:nvSpPr>
+          <p:cNvPr id="9" name="TextBox 8"/>
+          <p:cNvSpPr txBox="1"/>
+          <p:nvPr/>
+        </p:nvSpPr>
+        <p:spPr>
+          <a:xfrm>
+            <a:off x="5767613" y="644462"/>
+            <a:ext cx="1959896" cy="461665"/>
+          </a:xfrm>
+          <a:prstGeom prst="rect">
+            <a:avLst/>
+          </a:prstGeom>
+          <a:noFill/>
+        </p:spPr>
+        <p:txBody>
+          <a:bodyPr wrap="none" rtlCol="0">
+            <a:spAutoFit/>
+          </a:bodyPr>
+          <a:lstStyle/>
+          <a:p>
+            <a:r>
+              <a:rPr lang="en-US" sz="2400" dirty="0" err="1" smtClean="0"/>
+              <a:t>user_category</a:t>
+            </a:r>
+            <a:endParaRPr lang="en-US" sz="2400" dirty="0"/>
+          </a:p>
+        </p:txBody>
+      </p:sp>
+      <p:sp>
+        <p:nvSpPr>
+          <p:cNvPr id="10" name="Content Placeholder 2"/>
+          <p:cNvSpPr txBox="1">
+            <a:spLocks/>
+          </p:cNvSpPr>
+          <p:nvPr/>
+        </p:nvSpPr>
+        <p:spPr>
+          <a:xfrm>
+            <a:off x="5861912" y="1056905"/>
+            <a:ext cx="1833748" cy="1876300"/>
+          </a:xfrm>
+          <a:prstGeom prst="rect">
+            <a:avLst/>
+          </a:prstGeom>
+          <a:ln w="12700">
+            <a:solidFill>
+              <a:schemeClr val="tx1"/>
+            </a:solidFill>
+          </a:ln>
+        </p:spPr>
+        <p:txBody>
+          <a:bodyPr vert="horz" lIns="91440" tIns="45720" rIns="91440" bIns="45720" rtlCol="0">
+            <a:normAutofit/>
+          </a:bodyPr>
+          <a:lstStyle>
+            <a:lvl1pPr marL="228600" indent="-228600" algn="l" defTabSz="914400" rtl="0" eaLnBrk="1" latinLnBrk="0" hangingPunct="1">
+              <a:lnSpc>
+                <a:spcPct val="90000"/>
+              </a:lnSpc>
+              <a:spcBef>
+                <a:spcPts val="1000"/>
+              </a:spcBef>
+              <a:buFont typeface="Arial"/>
+              <a:buChar char="•"/>
+              <a:defRPr sz="2800" kern="1200">
+                <a:solidFill>
+                  <a:schemeClr val="tx1"/>
+                </a:solidFill>
+                <a:latin typeface="+mn-lt"/>
+                <a:ea typeface="+mn-ea"/>
+                <a:cs typeface="+mn-cs"/>
+              </a:defRPr>
+            </a:lvl1pPr>
+            <a:lvl2pPr marL="685800" indent="-228600" algn="l" defTabSz="914400" rtl="0" eaLnBrk="1" latinLnBrk="0" hangingPunct="1">
+              <a:lnSpc>
+                <a:spcPct val="90000"/>
+              </a:lnSpc>
+              <a:spcBef>
+                <a:spcPts val="500"/>
+              </a:spcBef>
+              <a:buFont typeface="Arial"/>
+              <a:buChar char="•"/>
+              <a:defRPr sz="2400" kern="1200">
+                <a:solidFill>
+                  <a:schemeClr val="tx1"/>
+                </a:solidFill>
+                <a:latin typeface="+mn-lt"/>
+                <a:ea typeface="+mn-ea"/>
+                <a:cs typeface="+mn-cs"/>
+              </a:defRPr>
+            </a:lvl2pPr>
+            <a:lvl3pPr marL="1143000" indent="-228600" algn="l" defTabSz="914400" rtl="0" eaLnBrk="1" latinLnBrk="0" hangingPunct="1">
+              <a:lnSpc>
+                <a:spcPct val="90000"/>
+              </a:lnSpc>
+              <a:spcBef>
+                <a:spcPts val="500"/>
+              </a:spcBef>
+              <a:buFont typeface="Arial"/>
+              <a:buChar char="•"/>
+              <a:defRPr sz="2000" kern="1200">
+                <a:solidFill>
+                  <a:schemeClr val="tx1"/>
+                </a:solidFill>
+                <a:latin typeface="+mn-lt"/>
+                <a:ea typeface="+mn-ea"/>
+                <a:cs typeface="+mn-cs"/>
+              </a:defRPr>
+            </a:lvl3pPr>
+            <a:lvl4pPr marL="1600200" indent="-228600" algn="l" defTabSz="914400" rtl="0" eaLnBrk="1" latinLnBrk="0" hangingPunct="1">
+              <a:lnSpc>
+                <a:spcPct val="90000"/>
+              </a:lnSpc>
+              <a:spcBef>
+                <a:spcPts val="500"/>
+              </a:spcBef>
+              <a:buFont typeface="Arial"/>
+              <a:buChar char="•"/>
+              <a:defRPr sz="1800" kern="1200">
+                <a:solidFill>
+                  <a:schemeClr val="tx1"/>
+                </a:solidFill>
+                <a:latin typeface="+mn-lt"/>
+                <a:ea typeface="+mn-ea"/>
+                <a:cs typeface="+mn-cs"/>
+              </a:defRPr>
+            </a:lvl4pPr>
+            <a:lvl5pPr marL="2057400" indent="-228600" algn="l" defTabSz="914400" rtl="0" eaLnBrk="1" latinLnBrk="0" hangingPunct="1">
+              <a:lnSpc>
+                <a:spcPct val="90000"/>
+              </a:lnSpc>
+              <a:spcBef>
+                <a:spcPts val="500"/>
+              </a:spcBef>
+              <a:buFont typeface="Arial"/>
+              <a:buChar char="•"/>
+              <a:defRPr sz="1800" kern="1200">
+                <a:solidFill>
+                  <a:schemeClr val="tx1"/>
+                </a:solidFill>
+                <a:latin typeface="+mn-lt"/>
+                <a:ea typeface="+mn-ea"/>
+                <a:cs typeface="+mn-cs"/>
+              </a:defRPr>
+            </a:lvl5pPr>
+            <a:lvl6pPr marL="2514600" indent="-228600" algn="l" defTabSz="914400" rtl="0" eaLnBrk="1" latinLnBrk="0" hangingPunct="1">
+              <a:lnSpc>
+                <a:spcPct val="90000"/>
+              </a:lnSpc>
+              <a:spcBef>
+                <a:spcPts val="500"/>
+              </a:spcBef>
+              <a:buFont typeface="Arial"/>
+              <a:buChar char="•"/>
+              <a:defRPr sz="1800" kern="1200">
+                <a:solidFill>
+                  <a:schemeClr val="tx1"/>
+                </a:solidFill>
+                <a:latin typeface="+mn-lt"/>
+                <a:ea typeface="+mn-ea"/>
+                <a:cs typeface="+mn-cs"/>
+              </a:defRPr>
+            </a:lvl6pPr>
+            <a:lvl7pPr marL="2971800" indent="-228600" algn="l" defTabSz="914400" rtl="0" eaLnBrk="1" latinLnBrk="0" hangingPunct="1">
+              <a:lnSpc>
+                <a:spcPct val="90000"/>
+              </a:lnSpc>
+              <a:spcBef>
+                <a:spcPts val="500"/>
+              </a:spcBef>
+              <a:buFont typeface="Arial"/>
+              <a:buChar char="•"/>
+              <a:defRPr sz="1800" kern="1200">
+                <a:solidFill>
+                  <a:schemeClr val="tx1"/>
+                </a:solidFill>
+                <a:latin typeface="+mn-lt"/>
+                <a:ea typeface="+mn-ea"/>
+                <a:cs typeface="+mn-cs"/>
+              </a:defRPr>
+            </a:lvl7pPr>
+            <a:lvl8pPr marL="3429000" indent="-228600" algn="l" defTabSz="914400" rtl="0" eaLnBrk="1" latinLnBrk="0" hangingPunct="1">
+              <a:lnSpc>
+                <a:spcPct val="90000"/>
+              </a:lnSpc>
+              <a:spcBef>
+                <a:spcPts val="500"/>
+              </a:spcBef>
+              <a:buFont typeface="Arial"/>
+              <a:buChar char="•"/>
+              <a:defRPr sz="1800" kern="1200">
+                <a:solidFill>
+                  <a:schemeClr val="tx1"/>
+                </a:solidFill>
+                <a:latin typeface="+mn-lt"/>
+                <a:ea typeface="+mn-ea"/>
+                <a:cs typeface="+mn-cs"/>
+              </a:defRPr>
+            </a:lvl8pPr>
+            <a:lvl9pPr marL="3886200" indent="-228600" algn="l" defTabSz="914400" rtl="0" eaLnBrk="1" latinLnBrk="0" hangingPunct="1">
+              <a:lnSpc>
+                <a:spcPct val="90000"/>
+              </a:lnSpc>
+              <a:spcBef>
+                <a:spcPts val="500"/>
+              </a:spcBef>
+              <a:buFont typeface="Arial"/>
+              <a:buChar char="•"/>
+              <a:defRPr sz="1800" kern="1200">
+                <a:solidFill>
+                  <a:schemeClr val="tx1"/>
+                </a:solidFill>
+                <a:latin typeface="+mn-lt"/>
+                <a:ea typeface="+mn-ea"/>
+                <a:cs typeface="+mn-cs"/>
+              </a:defRPr>
+            </a:lvl9pPr>
+          </a:lstStyle>
+          <a:p>
+            <a:pPr marL="0" indent="0">
+              <a:buFont typeface="Arial"/>
+              <a:buNone/>
+            </a:pPr>
+            <a:r>
+              <a:rPr lang="en-US" sz="1800" dirty="0" smtClean="0"/>
+              <a:t>id</a:t>
+            </a:r>
+          </a:p>
+          <a:p>
+            <a:pPr marL="0" indent="0">
+              <a:buFont typeface="Arial"/>
+              <a:buNone/>
+            </a:pPr>
+            <a:r>
+              <a:rPr lang="en-US" sz="1800" dirty="0" err="1" smtClean="0"/>
+              <a:t>user_id</a:t>
+            </a:r>
+            <a:endParaRPr lang="en-US" sz="1800" dirty="0" smtClean="0"/>
+          </a:p>
+          <a:p>
+            <a:pPr marL="0" indent="0">
+              <a:buFont typeface="Arial"/>
+              <a:buNone/>
+            </a:pPr>
+            <a:r>
+              <a:rPr lang="en-US" sz="1800" dirty="0" err="1" smtClean="0"/>
+              <a:t>category_id</a:t>
+            </a:r>
+            <a:endParaRPr lang="en-US" sz="1800" dirty="0" smtClean="0"/>
+          </a:p>
+          <a:p>
+            <a:pPr marL="0" indent="0">
+              <a:buFont typeface="Arial"/>
+              <a:buNone/>
+            </a:pPr>
+            <a:r>
+              <a:rPr lang="en-US" sz="1800" dirty="0" err="1" smtClean="0"/>
+              <a:t>create_time</a:t>
+            </a:r>
+            <a:endParaRPr lang="en-US" sz="1800" dirty="0" smtClean="0"/>
+          </a:p>
+          <a:p>
+            <a:pPr marL="0" indent="0">
+              <a:buFont typeface="Arial"/>
+              <a:buNone/>
+            </a:pPr>
+            <a:r>
+              <a:rPr lang="en-US" sz="1800" dirty="0" err="1" smtClean="0"/>
+              <a:t>update_time</a:t>
+            </a:r>
+            <a:endParaRPr lang="en-US" sz="1800" dirty="0" smtClean="0"/>
+          </a:p>
+        </p:txBody>
+      </p:sp>
+      <p:sp>
+        <p:nvSpPr>
+          <p:cNvPr id="11" name="TextBox 10"/>
+          <p:cNvSpPr txBox="1"/>
+          <p:nvPr/>
+        </p:nvSpPr>
+        <p:spPr>
+          <a:xfrm>
+            <a:off x="8405210" y="644462"/>
+            <a:ext cx="2947089" cy="461665"/>
+          </a:xfrm>
+          <a:prstGeom prst="rect">
+            <a:avLst/>
+          </a:prstGeom>
+          <a:noFill/>
+        </p:spPr>
+        <p:txBody>
+          <a:bodyPr wrap="none" rtlCol="0">
+            <a:spAutoFit/>
+          </a:bodyPr>
+          <a:lstStyle/>
+          <a:p>
+            <a:r>
+              <a:rPr lang="en-US" sz="2400" smtClean="0"/>
+              <a:t>user_count_threshold</a:t>
+            </a:r>
+            <a:endParaRPr lang="en-US" sz="2400" dirty="0"/>
+          </a:p>
+        </p:txBody>
+      </p:sp>
+      <p:sp>
+        <p:nvSpPr>
+          <p:cNvPr id="12" name="Content Placeholder 2"/>
+          <p:cNvSpPr txBox="1">
+            <a:spLocks/>
+          </p:cNvSpPr>
+          <p:nvPr/>
+        </p:nvSpPr>
+        <p:spPr>
+          <a:xfrm>
+            <a:off x="8405209" y="1056905"/>
+            <a:ext cx="2757595" cy="1876300"/>
+          </a:xfrm>
+          <a:prstGeom prst="rect">
+            <a:avLst/>
+          </a:prstGeom>
+          <a:ln w="12700">
+            <a:solidFill>
+              <a:schemeClr val="tx1"/>
+            </a:solidFill>
+          </a:ln>
+        </p:spPr>
+        <p:txBody>
+          <a:bodyPr vert="horz" lIns="91440" tIns="45720" rIns="91440" bIns="45720" rtlCol="0">
+            <a:normAutofit/>
+          </a:bodyPr>
+          <a:lstStyle>
+            <a:lvl1pPr marL="228600" indent="-228600" algn="l" defTabSz="914400" rtl="0" eaLnBrk="1" latinLnBrk="0" hangingPunct="1">
+              <a:lnSpc>
+                <a:spcPct val="90000"/>
+              </a:lnSpc>
+              <a:spcBef>
+                <a:spcPts val="1000"/>
+              </a:spcBef>
+              <a:buFont typeface="Arial"/>
+              <a:buChar char="•"/>
+              <a:defRPr sz="2800" kern="1200">
+                <a:solidFill>
+                  <a:schemeClr val="tx1"/>
+                </a:solidFill>
+                <a:latin typeface="+mn-lt"/>
+                <a:ea typeface="+mn-ea"/>
+                <a:cs typeface="+mn-cs"/>
+              </a:defRPr>
+            </a:lvl1pPr>
+            <a:lvl2pPr marL="685800" indent="-228600" algn="l" defTabSz="914400" rtl="0" eaLnBrk="1" latinLnBrk="0" hangingPunct="1">
+              <a:lnSpc>
+                <a:spcPct val="90000"/>
+              </a:lnSpc>
+              <a:spcBef>
+                <a:spcPts val="500"/>
+              </a:spcBef>
+              <a:buFont typeface="Arial"/>
+              <a:buChar char="•"/>
+              <a:defRPr sz="2400" kern="1200">
+                <a:solidFill>
+                  <a:schemeClr val="tx1"/>
+                </a:solidFill>
+                <a:latin typeface="+mn-lt"/>
+                <a:ea typeface="+mn-ea"/>
+                <a:cs typeface="+mn-cs"/>
+              </a:defRPr>
+            </a:lvl2pPr>
+            <a:lvl3pPr marL="1143000" indent="-228600" algn="l" defTabSz="914400" rtl="0" eaLnBrk="1" latinLnBrk="0" hangingPunct="1">
+              <a:lnSpc>
+                <a:spcPct val="90000"/>
+              </a:lnSpc>
+              <a:spcBef>
+                <a:spcPts val="500"/>
+              </a:spcBef>
+              <a:buFont typeface="Arial"/>
+              <a:buChar char="•"/>
+              <a:defRPr sz="2000" kern="1200">
+                <a:solidFill>
+                  <a:schemeClr val="tx1"/>
+                </a:solidFill>
+                <a:latin typeface="+mn-lt"/>
+                <a:ea typeface="+mn-ea"/>
+                <a:cs typeface="+mn-cs"/>
+              </a:defRPr>
+            </a:lvl3pPr>
+            <a:lvl4pPr marL="1600200" indent="-228600" algn="l" defTabSz="914400" rtl="0" eaLnBrk="1" latinLnBrk="0" hangingPunct="1">
+              <a:lnSpc>
+                <a:spcPct val="90000"/>
+              </a:lnSpc>
+              <a:spcBef>
+                <a:spcPts val="500"/>
+              </a:spcBef>
+              <a:buFont typeface="Arial"/>
+              <a:buChar char="•"/>
+              <a:defRPr sz="1800" kern="1200">
+                <a:solidFill>
+                  <a:schemeClr val="tx1"/>
+                </a:solidFill>
+                <a:latin typeface="+mn-lt"/>
+                <a:ea typeface="+mn-ea"/>
+                <a:cs typeface="+mn-cs"/>
+              </a:defRPr>
+            </a:lvl4pPr>
+            <a:lvl5pPr marL="2057400" indent="-228600" algn="l" defTabSz="914400" rtl="0" eaLnBrk="1" latinLnBrk="0" hangingPunct="1">
+              <a:lnSpc>
+                <a:spcPct val="90000"/>
+              </a:lnSpc>
+              <a:spcBef>
+                <a:spcPts val="500"/>
+              </a:spcBef>
+              <a:buFont typeface="Arial"/>
+              <a:buChar char="•"/>
+              <a:defRPr sz="1800" kern="1200">
+                <a:solidFill>
+                  <a:schemeClr val="tx1"/>
+                </a:solidFill>
+                <a:latin typeface="+mn-lt"/>
+                <a:ea typeface="+mn-ea"/>
+                <a:cs typeface="+mn-cs"/>
+              </a:defRPr>
+            </a:lvl5pPr>
+            <a:lvl6pPr marL="2514600" indent="-228600" algn="l" defTabSz="914400" rtl="0" eaLnBrk="1" latinLnBrk="0" hangingPunct="1">
+              <a:lnSpc>
+                <a:spcPct val="90000"/>
+              </a:lnSpc>
+              <a:spcBef>
+                <a:spcPts val="500"/>
+              </a:spcBef>
+              <a:buFont typeface="Arial"/>
+              <a:buChar char="•"/>
+              <a:defRPr sz="1800" kern="1200">
+                <a:solidFill>
+                  <a:schemeClr val="tx1"/>
+                </a:solidFill>
+                <a:latin typeface="+mn-lt"/>
+                <a:ea typeface="+mn-ea"/>
+                <a:cs typeface="+mn-cs"/>
+              </a:defRPr>
+            </a:lvl6pPr>
+            <a:lvl7pPr marL="2971800" indent="-228600" algn="l" defTabSz="914400" rtl="0" eaLnBrk="1" latinLnBrk="0" hangingPunct="1">
+              <a:lnSpc>
+                <a:spcPct val="90000"/>
+              </a:lnSpc>
+              <a:spcBef>
+                <a:spcPts val="500"/>
+              </a:spcBef>
+              <a:buFont typeface="Arial"/>
+              <a:buChar char="•"/>
+              <a:defRPr sz="1800" kern="1200">
+                <a:solidFill>
+                  <a:schemeClr val="tx1"/>
+                </a:solidFill>
+                <a:latin typeface="+mn-lt"/>
+                <a:ea typeface="+mn-ea"/>
+                <a:cs typeface="+mn-cs"/>
+              </a:defRPr>
+            </a:lvl7pPr>
+            <a:lvl8pPr marL="3429000" indent="-228600" algn="l" defTabSz="914400" rtl="0" eaLnBrk="1" latinLnBrk="0" hangingPunct="1">
+              <a:lnSpc>
+                <a:spcPct val="90000"/>
+              </a:lnSpc>
+              <a:spcBef>
+                <a:spcPts val="500"/>
+              </a:spcBef>
+              <a:buFont typeface="Arial"/>
+              <a:buChar char="•"/>
+              <a:defRPr sz="1800" kern="1200">
+                <a:solidFill>
+                  <a:schemeClr val="tx1"/>
+                </a:solidFill>
+                <a:latin typeface="+mn-lt"/>
+                <a:ea typeface="+mn-ea"/>
+                <a:cs typeface="+mn-cs"/>
+              </a:defRPr>
+            </a:lvl8pPr>
+            <a:lvl9pPr marL="3886200" indent="-228600" algn="l" defTabSz="914400" rtl="0" eaLnBrk="1" latinLnBrk="0" hangingPunct="1">
+              <a:lnSpc>
+                <a:spcPct val="90000"/>
+              </a:lnSpc>
+              <a:spcBef>
+                <a:spcPts val="500"/>
+              </a:spcBef>
+              <a:buFont typeface="Arial"/>
+              <a:buChar char="•"/>
+              <a:defRPr sz="1800" kern="1200">
+                <a:solidFill>
+                  <a:schemeClr val="tx1"/>
+                </a:solidFill>
+                <a:latin typeface="+mn-lt"/>
+                <a:ea typeface="+mn-ea"/>
+                <a:cs typeface="+mn-cs"/>
+              </a:defRPr>
+            </a:lvl9pPr>
+          </a:lstStyle>
+          <a:p>
+            <a:pPr marL="0" indent="0">
+              <a:buFont typeface="Arial"/>
+              <a:buNone/>
+            </a:pPr>
+            <a:r>
+              <a:rPr lang="en-US" sz="1800" dirty="0" smtClean="0"/>
+              <a:t>id</a:t>
+            </a:r>
+          </a:p>
+          <a:p>
+            <a:pPr marL="0" indent="0">
+              <a:buFont typeface="Arial"/>
+              <a:buNone/>
+            </a:pPr>
+            <a:r>
+              <a:rPr lang="en-US" sz="1800" dirty="0" err="1"/>
+              <a:t>h</a:t>
+            </a:r>
+            <a:r>
+              <a:rPr lang="en-US" sz="1800" dirty="0" err="1" smtClean="0"/>
+              <a:t>igh_priority_user_count</a:t>
+            </a:r>
+            <a:endParaRPr lang="en-US" sz="1800" dirty="0" smtClean="0"/>
+          </a:p>
+          <a:p>
+            <a:pPr marL="0" indent="0">
+              <a:buFont typeface="Arial"/>
+              <a:buNone/>
+            </a:pPr>
+            <a:r>
+              <a:rPr lang="en-US" sz="1800" dirty="0" err="1" smtClean="0"/>
+              <a:t>create_time</a:t>
+            </a:r>
+            <a:endParaRPr lang="en-US" sz="1800" dirty="0" smtClean="0"/>
+          </a:p>
+          <a:p>
+            <a:pPr marL="0" indent="0">
+              <a:buFont typeface="Arial"/>
+              <a:buNone/>
+            </a:pPr>
+            <a:r>
+              <a:rPr lang="en-US" sz="1800" dirty="0" err="1" smtClean="0"/>
+              <a:t>update_time</a:t>
+            </a:r>
+            <a:endParaRPr lang="en-US" sz="1800" dirty="0" smtClean="0"/>
+          </a:p>
+        </p:txBody>
+      </p:sp>
+      <p:sp>
+        <p:nvSpPr>
+          <p:cNvPr id="13" name="Content Placeholder 2"/>
+          <p:cNvSpPr txBox="1">
+            <a:spLocks/>
+          </p:cNvSpPr>
+          <p:nvPr/>
+        </p:nvSpPr>
+        <p:spPr>
+          <a:xfrm>
+            <a:off x="785216" y="3489367"/>
+            <a:ext cx="1823848" cy="3089563"/>
+          </a:xfrm>
+          <a:prstGeom prst="rect">
+            <a:avLst/>
+          </a:prstGeom>
+          <a:ln w="12700">
+            <a:solidFill>
+              <a:schemeClr val="tx1"/>
+            </a:solidFill>
+          </a:ln>
+        </p:spPr>
+        <p:txBody>
+          <a:bodyPr vert="horz" lIns="91440" tIns="45720" rIns="91440" bIns="45720" rtlCol="0">
+            <a:normAutofit fontScale="92500" lnSpcReduction="20000"/>
+          </a:bodyPr>
+          <a:lstStyle>
+            <a:lvl1pPr marL="228600" indent="-228600" algn="l" defTabSz="914400" rtl="0" eaLnBrk="1" latinLnBrk="0" hangingPunct="1">
+              <a:lnSpc>
+                <a:spcPct val="90000"/>
+              </a:lnSpc>
+              <a:spcBef>
+                <a:spcPts val="1000"/>
+              </a:spcBef>
+              <a:buFont typeface="Arial"/>
+              <a:buChar char="•"/>
+              <a:defRPr sz="2800" kern="1200">
+                <a:solidFill>
+                  <a:schemeClr val="tx1"/>
+                </a:solidFill>
+                <a:latin typeface="+mn-lt"/>
+                <a:ea typeface="+mn-ea"/>
+                <a:cs typeface="+mn-cs"/>
+              </a:defRPr>
+            </a:lvl1pPr>
+            <a:lvl2pPr marL="685800" indent="-228600" algn="l" defTabSz="914400" rtl="0" eaLnBrk="1" latinLnBrk="0" hangingPunct="1">
+              <a:lnSpc>
+                <a:spcPct val="90000"/>
+              </a:lnSpc>
+              <a:spcBef>
+                <a:spcPts val="500"/>
+              </a:spcBef>
+              <a:buFont typeface="Arial"/>
+              <a:buChar char="•"/>
+              <a:defRPr sz="2400" kern="1200">
+                <a:solidFill>
+                  <a:schemeClr val="tx1"/>
+                </a:solidFill>
+                <a:latin typeface="+mn-lt"/>
+                <a:ea typeface="+mn-ea"/>
+                <a:cs typeface="+mn-cs"/>
+              </a:defRPr>
+            </a:lvl2pPr>
+            <a:lvl3pPr marL="1143000" indent="-228600" algn="l" defTabSz="914400" rtl="0" eaLnBrk="1" latinLnBrk="0" hangingPunct="1">
+              <a:lnSpc>
+                <a:spcPct val="90000"/>
+              </a:lnSpc>
+              <a:spcBef>
+                <a:spcPts val="500"/>
+              </a:spcBef>
+              <a:buFont typeface="Arial"/>
+              <a:buChar char="•"/>
+              <a:defRPr sz="2000" kern="1200">
+                <a:solidFill>
+                  <a:schemeClr val="tx1"/>
+                </a:solidFill>
+                <a:latin typeface="+mn-lt"/>
+                <a:ea typeface="+mn-ea"/>
+                <a:cs typeface="+mn-cs"/>
+              </a:defRPr>
+            </a:lvl3pPr>
+            <a:lvl4pPr marL="1600200" indent="-228600" algn="l" defTabSz="914400" rtl="0" eaLnBrk="1" latinLnBrk="0" hangingPunct="1">
+              <a:lnSpc>
+                <a:spcPct val="90000"/>
+              </a:lnSpc>
+              <a:spcBef>
+                <a:spcPts val="500"/>
+              </a:spcBef>
+              <a:buFont typeface="Arial"/>
+              <a:buChar char="•"/>
+              <a:defRPr sz="1800" kern="1200">
+                <a:solidFill>
+                  <a:schemeClr val="tx1"/>
+                </a:solidFill>
+                <a:latin typeface="+mn-lt"/>
+                <a:ea typeface="+mn-ea"/>
+                <a:cs typeface="+mn-cs"/>
+              </a:defRPr>
+            </a:lvl4pPr>
+            <a:lvl5pPr marL="2057400" indent="-228600" algn="l" defTabSz="914400" rtl="0" eaLnBrk="1" latinLnBrk="0" hangingPunct="1">
+              <a:lnSpc>
+                <a:spcPct val="90000"/>
+              </a:lnSpc>
+              <a:spcBef>
+                <a:spcPts val="500"/>
+              </a:spcBef>
+              <a:buFont typeface="Arial"/>
+              <a:buChar char="•"/>
+              <a:defRPr sz="1800" kern="1200">
+                <a:solidFill>
+                  <a:schemeClr val="tx1"/>
+                </a:solidFill>
+                <a:latin typeface="+mn-lt"/>
+                <a:ea typeface="+mn-ea"/>
+                <a:cs typeface="+mn-cs"/>
+              </a:defRPr>
+            </a:lvl5pPr>
+            <a:lvl6pPr marL="2514600" indent="-228600" algn="l" defTabSz="914400" rtl="0" eaLnBrk="1" latinLnBrk="0" hangingPunct="1">
+              <a:lnSpc>
+                <a:spcPct val="90000"/>
+              </a:lnSpc>
+              <a:spcBef>
+                <a:spcPts val="500"/>
+              </a:spcBef>
+              <a:buFont typeface="Arial"/>
+              <a:buChar char="•"/>
+              <a:defRPr sz="1800" kern="1200">
+                <a:solidFill>
+                  <a:schemeClr val="tx1"/>
+                </a:solidFill>
+                <a:latin typeface="+mn-lt"/>
+                <a:ea typeface="+mn-ea"/>
+                <a:cs typeface="+mn-cs"/>
+              </a:defRPr>
+            </a:lvl6pPr>
+            <a:lvl7pPr marL="2971800" indent="-228600" algn="l" defTabSz="914400" rtl="0" eaLnBrk="1" latinLnBrk="0" hangingPunct="1">
+              <a:lnSpc>
+                <a:spcPct val="90000"/>
+              </a:lnSpc>
+              <a:spcBef>
+                <a:spcPts val="500"/>
+              </a:spcBef>
+              <a:buFont typeface="Arial"/>
+              <a:buChar char="•"/>
+              <a:defRPr sz="1800" kern="1200">
+                <a:solidFill>
+                  <a:schemeClr val="tx1"/>
+                </a:solidFill>
+                <a:latin typeface="+mn-lt"/>
+                <a:ea typeface="+mn-ea"/>
+                <a:cs typeface="+mn-cs"/>
+              </a:defRPr>
+            </a:lvl7pPr>
+            <a:lvl8pPr marL="3429000" indent="-228600" algn="l" defTabSz="914400" rtl="0" eaLnBrk="1" latinLnBrk="0" hangingPunct="1">
+              <a:lnSpc>
+                <a:spcPct val="90000"/>
+              </a:lnSpc>
+              <a:spcBef>
+                <a:spcPts val="500"/>
+              </a:spcBef>
+              <a:buFont typeface="Arial"/>
+              <a:buChar char="•"/>
+              <a:defRPr sz="1800" kern="1200">
+                <a:solidFill>
+                  <a:schemeClr val="tx1"/>
+                </a:solidFill>
+                <a:latin typeface="+mn-lt"/>
+                <a:ea typeface="+mn-ea"/>
+                <a:cs typeface="+mn-cs"/>
+              </a:defRPr>
+            </a:lvl8pPr>
+            <a:lvl9pPr marL="3886200" indent="-228600" algn="l" defTabSz="914400" rtl="0" eaLnBrk="1" latinLnBrk="0" hangingPunct="1">
+              <a:lnSpc>
+                <a:spcPct val="90000"/>
+              </a:lnSpc>
+              <a:spcBef>
+                <a:spcPts val="500"/>
+              </a:spcBef>
+              <a:buFont typeface="Arial"/>
+              <a:buChar char="•"/>
+              <a:defRPr sz="1800" kern="1200">
+                <a:solidFill>
+                  <a:schemeClr val="tx1"/>
+                </a:solidFill>
+                <a:latin typeface="+mn-lt"/>
+                <a:ea typeface="+mn-ea"/>
+                <a:cs typeface="+mn-cs"/>
+              </a:defRPr>
+            </a:lvl9pPr>
+          </a:lstStyle>
+          <a:p>
+            <a:pPr marL="0" indent="0">
+              <a:buFont typeface="Arial"/>
+              <a:buNone/>
+            </a:pPr>
+            <a:r>
+              <a:rPr lang="en-US" sz="1800" dirty="0" smtClean="0"/>
+              <a:t>id</a:t>
+            </a:r>
+          </a:p>
+          <a:p>
+            <a:pPr marL="0" indent="0">
+              <a:buFont typeface="Arial"/>
+              <a:buNone/>
+            </a:pPr>
+            <a:r>
+              <a:rPr lang="en-US" sz="1800" dirty="0" err="1"/>
+              <a:t>p</a:t>
+            </a:r>
+            <a:r>
+              <a:rPr lang="en-US" sz="1800" dirty="0" err="1" smtClean="0"/>
+              <a:t>roduct_id</a:t>
+            </a:r>
+            <a:endParaRPr lang="en-US" sz="1800" dirty="0" smtClean="0"/>
+          </a:p>
+          <a:p>
+            <a:pPr marL="0" indent="0">
+              <a:buFont typeface="Arial"/>
+              <a:buNone/>
+            </a:pPr>
+            <a:r>
+              <a:rPr lang="en-US" sz="1800" dirty="0" err="1"/>
+              <a:t>c</a:t>
+            </a:r>
+            <a:r>
+              <a:rPr lang="en-US" sz="1800" dirty="0" err="1" smtClean="0"/>
+              <a:t>ategory_id</a:t>
+            </a:r>
+            <a:endParaRPr lang="en-US" sz="1800" dirty="0" smtClean="0"/>
+          </a:p>
+          <a:p>
+            <a:pPr marL="0" indent="0">
+              <a:buFont typeface="Arial"/>
+              <a:buNone/>
+            </a:pPr>
+            <a:r>
+              <a:rPr lang="en-US" sz="1800" dirty="0"/>
+              <a:t>t</a:t>
+            </a:r>
+            <a:r>
+              <a:rPr lang="en-US" sz="1800" dirty="0" smtClean="0"/>
+              <a:t>itle</a:t>
+            </a:r>
+          </a:p>
+          <a:p>
+            <a:pPr marL="0" indent="0">
+              <a:buFont typeface="Arial"/>
+              <a:buNone/>
+            </a:pPr>
+            <a:r>
+              <a:rPr lang="en-US" sz="1800" dirty="0" err="1"/>
+              <a:t>t</a:t>
+            </a:r>
+            <a:r>
+              <a:rPr lang="en-US" sz="1800" dirty="0" err="1" smtClean="0"/>
+              <a:t>humnail</a:t>
+            </a:r>
+            <a:endParaRPr lang="en-US" sz="1800" dirty="0" smtClean="0"/>
+          </a:p>
+          <a:p>
+            <a:pPr marL="0" indent="0">
+              <a:buFont typeface="Arial"/>
+              <a:buNone/>
+            </a:pPr>
+            <a:r>
+              <a:rPr lang="en-US" sz="1800" dirty="0" err="1" smtClean="0"/>
               <a:t>detail_url</a:t>
             </a:r>
-            <a:r>
-              <a:rPr lang="en-US" dirty="0" smtClean="0"/>
-              <a:t>.</a:t>
-            </a:r>
-            <a:endParaRPr lang="en-US" dirty="0"/>
+            <a:endParaRPr lang="en-US" sz="1800" dirty="0" smtClean="0"/>
+          </a:p>
+          <a:p>
+            <a:pPr marL="0" indent="0">
+              <a:buFont typeface="Arial"/>
+              <a:buNone/>
+            </a:pPr>
+            <a:r>
+              <a:rPr lang="en-US" sz="1800" dirty="0"/>
+              <a:t>p</a:t>
+            </a:r>
+            <a:r>
+              <a:rPr lang="en-US" sz="1800" dirty="0" smtClean="0"/>
+              <a:t>rice</a:t>
+            </a:r>
+          </a:p>
+          <a:p>
+            <a:pPr marL="0" indent="0">
+              <a:buFont typeface="Arial"/>
+              <a:buNone/>
+            </a:pPr>
+            <a:r>
+              <a:rPr lang="en-US" sz="1800" dirty="0" err="1"/>
+              <a:t>o</a:t>
+            </a:r>
+            <a:r>
+              <a:rPr lang="en-US" sz="1800" dirty="0" err="1" smtClean="0"/>
+              <a:t>ld_price</a:t>
+            </a:r>
+            <a:endParaRPr lang="en-US" sz="1800" dirty="0" smtClean="0"/>
+          </a:p>
+          <a:p>
+            <a:pPr marL="0" indent="0">
+              <a:buFont typeface="Arial"/>
+              <a:buNone/>
+            </a:pPr>
+            <a:r>
+              <a:rPr lang="en-US" sz="1800" dirty="0" err="1" smtClean="0"/>
+              <a:t>create_time</a:t>
+            </a:r>
+            <a:endParaRPr lang="en-US" sz="1800" dirty="0" smtClean="0"/>
+          </a:p>
+          <a:p>
+            <a:pPr marL="0" indent="0">
+              <a:buFont typeface="Arial"/>
+              <a:buNone/>
+            </a:pPr>
+            <a:r>
+              <a:rPr lang="en-US" sz="1800" dirty="0" err="1" smtClean="0"/>
+              <a:t>update_time</a:t>
+            </a:r>
+            <a:endParaRPr lang="en-US" sz="1800" dirty="0" smtClean="0"/>
+          </a:p>
+        </p:txBody>
+      </p:sp>
+      <p:sp>
+        <p:nvSpPr>
+          <p:cNvPr id="14" name="TextBox 13"/>
+          <p:cNvSpPr txBox="1"/>
+          <p:nvPr/>
+        </p:nvSpPr>
+        <p:spPr>
+          <a:xfrm>
+            <a:off x="785216" y="3076925"/>
+            <a:ext cx="1167179" cy="461665"/>
+          </a:xfrm>
+          <a:prstGeom prst="rect">
+            <a:avLst/>
+          </a:prstGeom>
+          <a:noFill/>
+        </p:spPr>
+        <p:txBody>
+          <a:bodyPr wrap="none" rtlCol="0">
+            <a:spAutoFit/>
+          </a:bodyPr>
+          <a:lstStyle/>
+          <a:p>
+            <a:r>
+              <a:rPr lang="en-US" sz="2400" dirty="0" smtClean="0"/>
+              <a:t>product</a:t>
+            </a:r>
+            <a:endParaRPr lang="en-US" sz="2400" dirty="0"/>
+          </a:p>
+        </p:txBody>
+      </p:sp>
+      <p:sp>
+        <p:nvSpPr>
+          <p:cNvPr id="15" name="Content Placeholder 2"/>
+          <p:cNvSpPr txBox="1">
+            <a:spLocks/>
+          </p:cNvSpPr>
+          <p:nvPr/>
+        </p:nvSpPr>
+        <p:spPr>
+          <a:xfrm>
+            <a:off x="3277053" y="3475517"/>
+            <a:ext cx="2078717" cy="3089563"/>
+          </a:xfrm>
+          <a:prstGeom prst="rect">
+            <a:avLst/>
+          </a:prstGeom>
+          <a:ln w="12700">
+            <a:solidFill>
+              <a:schemeClr val="tx1"/>
+            </a:solidFill>
+          </a:ln>
+        </p:spPr>
+        <p:txBody>
+          <a:bodyPr vert="horz" lIns="91440" tIns="45720" rIns="91440" bIns="45720" rtlCol="0">
+            <a:normAutofit/>
+          </a:bodyPr>
+          <a:lstStyle>
+            <a:lvl1pPr marL="228600" indent="-228600" algn="l" defTabSz="914400" rtl="0" eaLnBrk="1" latinLnBrk="0" hangingPunct="1">
+              <a:lnSpc>
+                <a:spcPct val="90000"/>
+              </a:lnSpc>
+              <a:spcBef>
+                <a:spcPts val="1000"/>
+              </a:spcBef>
+              <a:buFont typeface="Arial"/>
+              <a:buChar char="•"/>
+              <a:defRPr sz="2800" kern="1200">
+                <a:solidFill>
+                  <a:schemeClr val="tx1"/>
+                </a:solidFill>
+                <a:latin typeface="+mn-lt"/>
+                <a:ea typeface="+mn-ea"/>
+                <a:cs typeface="+mn-cs"/>
+              </a:defRPr>
+            </a:lvl1pPr>
+            <a:lvl2pPr marL="685800" indent="-228600" algn="l" defTabSz="914400" rtl="0" eaLnBrk="1" latinLnBrk="0" hangingPunct="1">
+              <a:lnSpc>
+                <a:spcPct val="90000"/>
+              </a:lnSpc>
+              <a:spcBef>
+                <a:spcPts val="500"/>
+              </a:spcBef>
+              <a:buFont typeface="Arial"/>
+              <a:buChar char="•"/>
+              <a:defRPr sz="2400" kern="1200">
+                <a:solidFill>
+                  <a:schemeClr val="tx1"/>
+                </a:solidFill>
+                <a:latin typeface="+mn-lt"/>
+                <a:ea typeface="+mn-ea"/>
+                <a:cs typeface="+mn-cs"/>
+              </a:defRPr>
+            </a:lvl2pPr>
+            <a:lvl3pPr marL="1143000" indent="-228600" algn="l" defTabSz="914400" rtl="0" eaLnBrk="1" latinLnBrk="0" hangingPunct="1">
+              <a:lnSpc>
+                <a:spcPct val="90000"/>
+              </a:lnSpc>
+              <a:spcBef>
+                <a:spcPts val="500"/>
+              </a:spcBef>
+              <a:buFont typeface="Arial"/>
+              <a:buChar char="•"/>
+              <a:defRPr sz="2000" kern="1200">
+                <a:solidFill>
+                  <a:schemeClr val="tx1"/>
+                </a:solidFill>
+                <a:latin typeface="+mn-lt"/>
+                <a:ea typeface="+mn-ea"/>
+                <a:cs typeface="+mn-cs"/>
+              </a:defRPr>
+            </a:lvl3pPr>
+            <a:lvl4pPr marL="1600200" indent="-228600" algn="l" defTabSz="914400" rtl="0" eaLnBrk="1" latinLnBrk="0" hangingPunct="1">
+              <a:lnSpc>
+                <a:spcPct val="90000"/>
+              </a:lnSpc>
+              <a:spcBef>
+                <a:spcPts val="500"/>
+              </a:spcBef>
+              <a:buFont typeface="Arial"/>
+              <a:buChar char="•"/>
+              <a:defRPr sz="1800" kern="1200">
+                <a:solidFill>
+                  <a:schemeClr val="tx1"/>
+                </a:solidFill>
+                <a:latin typeface="+mn-lt"/>
+                <a:ea typeface="+mn-ea"/>
+                <a:cs typeface="+mn-cs"/>
+              </a:defRPr>
+            </a:lvl4pPr>
+            <a:lvl5pPr marL="2057400" indent="-228600" algn="l" defTabSz="914400" rtl="0" eaLnBrk="1" latinLnBrk="0" hangingPunct="1">
+              <a:lnSpc>
+                <a:spcPct val="90000"/>
+              </a:lnSpc>
+              <a:spcBef>
+                <a:spcPts val="500"/>
+              </a:spcBef>
+              <a:buFont typeface="Arial"/>
+              <a:buChar char="•"/>
+              <a:defRPr sz="1800" kern="1200">
+                <a:solidFill>
+                  <a:schemeClr val="tx1"/>
+                </a:solidFill>
+                <a:latin typeface="+mn-lt"/>
+                <a:ea typeface="+mn-ea"/>
+                <a:cs typeface="+mn-cs"/>
+              </a:defRPr>
+            </a:lvl5pPr>
+            <a:lvl6pPr marL="2514600" indent="-228600" algn="l" defTabSz="914400" rtl="0" eaLnBrk="1" latinLnBrk="0" hangingPunct="1">
+              <a:lnSpc>
+                <a:spcPct val="90000"/>
+              </a:lnSpc>
+              <a:spcBef>
+                <a:spcPts val="500"/>
+              </a:spcBef>
+              <a:buFont typeface="Arial"/>
+              <a:buChar char="•"/>
+              <a:defRPr sz="1800" kern="1200">
+                <a:solidFill>
+                  <a:schemeClr val="tx1"/>
+                </a:solidFill>
+                <a:latin typeface="+mn-lt"/>
+                <a:ea typeface="+mn-ea"/>
+                <a:cs typeface="+mn-cs"/>
+              </a:defRPr>
+            </a:lvl6pPr>
+            <a:lvl7pPr marL="2971800" indent="-228600" algn="l" defTabSz="914400" rtl="0" eaLnBrk="1" latinLnBrk="0" hangingPunct="1">
+              <a:lnSpc>
+                <a:spcPct val="90000"/>
+              </a:lnSpc>
+              <a:spcBef>
+                <a:spcPts val="500"/>
+              </a:spcBef>
+              <a:buFont typeface="Arial"/>
+              <a:buChar char="•"/>
+              <a:defRPr sz="1800" kern="1200">
+                <a:solidFill>
+                  <a:schemeClr val="tx1"/>
+                </a:solidFill>
+                <a:latin typeface="+mn-lt"/>
+                <a:ea typeface="+mn-ea"/>
+                <a:cs typeface="+mn-cs"/>
+              </a:defRPr>
+            </a:lvl7pPr>
+            <a:lvl8pPr marL="3429000" indent="-228600" algn="l" defTabSz="914400" rtl="0" eaLnBrk="1" latinLnBrk="0" hangingPunct="1">
+              <a:lnSpc>
+                <a:spcPct val="90000"/>
+              </a:lnSpc>
+              <a:spcBef>
+                <a:spcPts val="500"/>
+              </a:spcBef>
+              <a:buFont typeface="Arial"/>
+              <a:buChar char="•"/>
+              <a:defRPr sz="1800" kern="1200">
+                <a:solidFill>
+                  <a:schemeClr val="tx1"/>
+                </a:solidFill>
+                <a:latin typeface="+mn-lt"/>
+                <a:ea typeface="+mn-ea"/>
+                <a:cs typeface="+mn-cs"/>
+              </a:defRPr>
+            </a:lvl8pPr>
+            <a:lvl9pPr marL="3886200" indent="-228600" algn="l" defTabSz="914400" rtl="0" eaLnBrk="1" latinLnBrk="0" hangingPunct="1">
+              <a:lnSpc>
+                <a:spcPct val="90000"/>
+              </a:lnSpc>
+              <a:spcBef>
+                <a:spcPts val="500"/>
+              </a:spcBef>
+              <a:buFont typeface="Arial"/>
+              <a:buChar char="•"/>
+              <a:defRPr sz="1800" kern="1200">
+                <a:solidFill>
+                  <a:schemeClr val="tx1"/>
+                </a:solidFill>
+                <a:latin typeface="+mn-lt"/>
+                <a:ea typeface="+mn-ea"/>
+                <a:cs typeface="+mn-cs"/>
+              </a:defRPr>
+            </a:lvl9pPr>
+          </a:lstStyle>
+          <a:p>
+            <a:pPr marL="0" indent="0">
+              <a:buFont typeface="Arial"/>
+              <a:buNone/>
+            </a:pPr>
+            <a:r>
+              <a:rPr lang="en-US" sz="1800" dirty="0" smtClean="0"/>
+              <a:t>id</a:t>
+            </a:r>
+          </a:p>
+          <a:p>
+            <a:pPr marL="0" indent="0">
+              <a:buFont typeface="Arial"/>
+              <a:buNone/>
+            </a:pPr>
+            <a:r>
+              <a:rPr lang="en-US" sz="1800" dirty="0" smtClean="0"/>
+              <a:t>status</a:t>
+            </a:r>
+          </a:p>
+          <a:p>
+            <a:pPr marL="0" indent="0">
+              <a:buFont typeface="Arial"/>
+              <a:buNone/>
+            </a:pPr>
+            <a:r>
+              <a:rPr lang="en-US" sz="1800" dirty="0" smtClean="0"/>
+              <a:t>message</a:t>
+            </a:r>
+          </a:p>
+          <a:p>
+            <a:pPr marL="0" indent="0">
+              <a:buFont typeface="Arial"/>
+              <a:buNone/>
+            </a:pPr>
+            <a:r>
+              <a:rPr lang="en-US" sz="1800" dirty="0" err="1"/>
+              <a:t>t</a:t>
+            </a:r>
+            <a:r>
+              <a:rPr lang="en-US" sz="1800" dirty="0" err="1" smtClean="0"/>
+              <a:t>hread_id</a:t>
+            </a:r>
+            <a:endParaRPr lang="en-US" sz="1800" dirty="0" smtClean="0"/>
+          </a:p>
+          <a:p>
+            <a:pPr marL="0" indent="0">
+              <a:buFont typeface="Arial"/>
+              <a:buNone/>
+            </a:pPr>
+            <a:r>
+              <a:rPr lang="en-US" sz="1800" dirty="0" err="1" smtClean="0"/>
+              <a:t>product_url</a:t>
+            </a:r>
+            <a:endParaRPr lang="en-US" sz="1800" dirty="0" smtClean="0"/>
+          </a:p>
+          <a:p>
+            <a:pPr marL="0" indent="0">
+              <a:buFont typeface="Arial"/>
+              <a:buNone/>
+            </a:pPr>
+            <a:r>
+              <a:rPr lang="en-US" sz="1800" dirty="0" err="1" smtClean="0"/>
+              <a:t>category_name</a:t>
+            </a:r>
+            <a:endParaRPr lang="en-US" sz="1800" dirty="0" smtClean="0"/>
+          </a:p>
+          <a:p>
+            <a:pPr marL="0" indent="0">
+              <a:buFont typeface="Arial"/>
+              <a:buNone/>
+            </a:pPr>
+            <a:r>
+              <a:rPr lang="en-US" sz="1800" dirty="0" err="1" smtClean="0"/>
+              <a:t>page_number</a:t>
+            </a:r>
+            <a:endParaRPr lang="en-US" sz="1800" dirty="0" smtClean="0"/>
+          </a:p>
+          <a:p>
+            <a:pPr marL="0" indent="0">
+              <a:buFont typeface="Arial"/>
+              <a:buNone/>
+            </a:pPr>
+            <a:r>
+              <a:rPr lang="en-US" sz="1800" dirty="0" err="1" smtClean="0"/>
+              <a:t>Timestamp_in_milli</a:t>
+            </a:r>
+            <a:endParaRPr lang="en-US" sz="1800" dirty="0" smtClean="0"/>
+          </a:p>
+        </p:txBody>
+      </p:sp>
+      <p:sp>
+        <p:nvSpPr>
+          <p:cNvPr id="16" name="TextBox 15"/>
+          <p:cNvSpPr txBox="1"/>
+          <p:nvPr/>
+        </p:nvSpPr>
+        <p:spPr>
+          <a:xfrm>
+            <a:off x="3277054" y="3063075"/>
+            <a:ext cx="1694566" cy="461665"/>
+          </a:xfrm>
+          <a:prstGeom prst="rect">
+            <a:avLst/>
+          </a:prstGeom>
+          <a:noFill/>
+        </p:spPr>
+        <p:txBody>
+          <a:bodyPr wrap="none" rtlCol="0">
+            <a:spAutoFit/>
+          </a:bodyPr>
+          <a:lstStyle/>
+          <a:p>
+            <a:r>
+              <a:rPr lang="en-US" sz="2400" smtClean="0"/>
+              <a:t>product_log</a:t>
+            </a:r>
+            <a:endParaRPr lang="en-US" sz="2400" dirty="0"/>
+          </a:p>
+        </p:txBody>
+      </p:sp>
+      <p:sp>
+        <p:nvSpPr>
+          <p:cNvPr id="17" name="Content Placeholder 2"/>
+          <p:cNvSpPr txBox="1">
+            <a:spLocks/>
+          </p:cNvSpPr>
+          <p:nvPr/>
+        </p:nvSpPr>
+        <p:spPr>
+          <a:xfrm>
+            <a:off x="5863898" y="3473538"/>
+            <a:ext cx="1863612" cy="3089563"/>
+          </a:xfrm>
+          <a:prstGeom prst="rect">
+            <a:avLst/>
+          </a:prstGeom>
+          <a:ln w="12700">
+            <a:solidFill>
+              <a:schemeClr val="tx1"/>
+            </a:solidFill>
+          </a:ln>
+        </p:spPr>
+        <p:txBody>
+          <a:bodyPr vert="horz" lIns="91440" tIns="45720" rIns="91440" bIns="45720" rtlCol="0">
+            <a:normAutofit/>
+          </a:bodyPr>
+          <a:lstStyle>
+            <a:lvl1pPr marL="228600" indent="-228600" algn="l" defTabSz="914400" rtl="0" eaLnBrk="1" latinLnBrk="0" hangingPunct="1">
+              <a:lnSpc>
+                <a:spcPct val="90000"/>
+              </a:lnSpc>
+              <a:spcBef>
+                <a:spcPts val="1000"/>
+              </a:spcBef>
+              <a:buFont typeface="Arial"/>
+              <a:buChar char="•"/>
+              <a:defRPr sz="2800" kern="1200">
+                <a:solidFill>
+                  <a:schemeClr val="tx1"/>
+                </a:solidFill>
+                <a:latin typeface="+mn-lt"/>
+                <a:ea typeface="+mn-ea"/>
+                <a:cs typeface="+mn-cs"/>
+              </a:defRPr>
+            </a:lvl1pPr>
+            <a:lvl2pPr marL="685800" indent="-228600" algn="l" defTabSz="914400" rtl="0" eaLnBrk="1" latinLnBrk="0" hangingPunct="1">
+              <a:lnSpc>
+                <a:spcPct val="90000"/>
+              </a:lnSpc>
+              <a:spcBef>
+                <a:spcPts val="500"/>
+              </a:spcBef>
+              <a:buFont typeface="Arial"/>
+              <a:buChar char="•"/>
+              <a:defRPr sz="2400" kern="1200">
+                <a:solidFill>
+                  <a:schemeClr val="tx1"/>
+                </a:solidFill>
+                <a:latin typeface="+mn-lt"/>
+                <a:ea typeface="+mn-ea"/>
+                <a:cs typeface="+mn-cs"/>
+              </a:defRPr>
+            </a:lvl2pPr>
+            <a:lvl3pPr marL="1143000" indent="-228600" algn="l" defTabSz="914400" rtl="0" eaLnBrk="1" latinLnBrk="0" hangingPunct="1">
+              <a:lnSpc>
+                <a:spcPct val="90000"/>
+              </a:lnSpc>
+              <a:spcBef>
+                <a:spcPts val="500"/>
+              </a:spcBef>
+              <a:buFont typeface="Arial"/>
+              <a:buChar char="•"/>
+              <a:defRPr sz="2000" kern="1200">
+                <a:solidFill>
+                  <a:schemeClr val="tx1"/>
+                </a:solidFill>
+                <a:latin typeface="+mn-lt"/>
+                <a:ea typeface="+mn-ea"/>
+                <a:cs typeface="+mn-cs"/>
+              </a:defRPr>
+            </a:lvl3pPr>
+            <a:lvl4pPr marL="1600200" indent="-228600" algn="l" defTabSz="914400" rtl="0" eaLnBrk="1" latinLnBrk="0" hangingPunct="1">
+              <a:lnSpc>
+                <a:spcPct val="90000"/>
+              </a:lnSpc>
+              <a:spcBef>
+                <a:spcPts val="500"/>
+              </a:spcBef>
+              <a:buFont typeface="Arial"/>
+              <a:buChar char="•"/>
+              <a:defRPr sz="1800" kern="1200">
+                <a:solidFill>
+                  <a:schemeClr val="tx1"/>
+                </a:solidFill>
+                <a:latin typeface="+mn-lt"/>
+                <a:ea typeface="+mn-ea"/>
+                <a:cs typeface="+mn-cs"/>
+              </a:defRPr>
+            </a:lvl4pPr>
+            <a:lvl5pPr marL="2057400" indent="-228600" algn="l" defTabSz="914400" rtl="0" eaLnBrk="1" latinLnBrk="0" hangingPunct="1">
+              <a:lnSpc>
+                <a:spcPct val="90000"/>
+              </a:lnSpc>
+              <a:spcBef>
+                <a:spcPts val="500"/>
+              </a:spcBef>
+              <a:buFont typeface="Arial"/>
+              <a:buChar char="•"/>
+              <a:defRPr sz="1800" kern="1200">
+                <a:solidFill>
+                  <a:schemeClr val="tx1"/>
+                </a:solidFill>
+                <a:latin typeface="+mn-lt"/>
+                <a:ea typeface="+mn-ea"/>
+                <a:cs typeface="+mn-cs"/>
+              </a:defRPr>
+            </a:lvl5pPr>
+            <a:lvl6pPr marL="2514600" indent="-228600" algn="l" defTabSz="914400" rtl="0" eaLnBrk="1" latinLnBrk="0" hangingPunct="1">
+              <a:lnSpc>
+                <a:spcPct val="90000"/>
+              </a:lnSpc>
+              <a:spcBef>
+                <a:spcPts val="500"/>
+              </a:spcBef>
+              <a:buFont typeface="Arial"/>
+              <a:buChar char="•"/>
+              <a:defRPr sz="1800" kern="1200">
+                <a:solidFill>
+                  <a:schemeClr val="tx1"/>
+                </a:solidFill>
+                <a:latin typeface="+mn-lt"/>
+                <a:ea typeface="+mn-ea"/>
+                <a:cs typeface="+mn-cs"/>
+              </a:defRPr>
+            </a:lvl6pPr>
+            <a:lvl7pPr marL="2971800" indent="-228600" algn="l" defTabSz="914400" rtl="0" eaLnBrk="1" latinLnBrk="0" hangingPunct="1">
+              <a:lnSpc>
+                <a:spcPct val="90000"/>
+              </a:lnSpc>
+              <a:spcBef>
+                <a:spcPts val="500"/>
+              </a:spcBef>
+              <a:buFont typeface="Arial"/>
+              <a:buChar char="•"/>
+              <a:defRPr sz="1800" kern="1200">
+                <a:solidFill>
+                  <a:schemeClr val="tx1"/>
+                </a:solidFill>
+                <a:latin typeface="+mn-lt"/>
+                <a:ea typeface="+mn-ea"/>
+                <a:cs typeface="+mn-cs"/>
+              </a:defRPr>
+            </a:lvl7pPr>
+            <a:lvl8pPr marL="3429000" indent="-228600" algn="l" defTabSz="914400" rtl="0" eaLnBrk="1" latinLnBrk="0" hangingPunct="1">
+              <a:lnSpc>
+                <a:spcPct val="90000"/>
+              </a:lnSpc>
+              <a:spcBef>
+                <a:spcPts val="500"/>
+              </a:spcBef>
+              <a:buFont typeface="Arial"/>
+              <a:buChar char="•"/>
+              <a:defRPr sz="1800" kern="1200">
+                <a:solidFill>
+                  <a:schemeClr val="tx1"/>
+                </a:solidFill>
+                <a:latin typeface="+mn-lt"/>
+                <a:ea typeface="+mn-ea"/>
+                <a:cs typeface="+mn-cs"/>
+              </a:defRPr>
+            </a:lvl8pPr>
+            <a:lvl9pPr marL="3886200" indent="-228600" algn="l" defTabSz="914400" rtl="0" eaLnBrk="1" latinLnBrk="0" hangingPunct="1">
+              <a:lnSpc>
+                <a:spcPct val="90000"/>
+              </a:lnSpc>
+              <a:spcBef>
+                <a:spcPts val="500"/>
+              </a:spcBef>
+              <a:buFont typeface="Arial"/>
+              <a:buChar char="•"/>
+              <a:defRPr sz="1800" kern="1200">
+                <a:solidFill>
+                  <a:schemeClr val="tx1"/>
+                </a:solidFill>
+                <a:latin typeface="+mn-lt"/>
+                <a:ea typeface="+mn-ea"/>
+                <a:cs typeface="+mn-cs"/>
+              </a:defRPr>
+            </a:lvl9pPr>
+          </a:lstStyle>
+          <a:p>
+            <a:pPr marL="0" indent="0">
+              <a:buFont typeface="Arial"/>
+              <a:buNone/>
+            </a:pPr>
+            <a:r>
+              <a:rPr lang="en-US" sz="1800" dirty="0" smtClean="0"/>
+              <a:t>id</a:t>
+            </a:r>
+          </a:p>
+          <a:p>
+            <a:pPr marL="0" indent="0">
+              <a:buFont typeface="Arial"/>
+              <a:buNone/>
+            </a:pPr>
+            <a:r>
+              <a:rPr lang="en-US" sz="1800" dirty="0" smtClean="0"/>
+              <a:t>email</a:t>
+            </a:r>
+          </a:p>
+          <a:p>
+            <a:pPr marL="0" indent="0">
+              <a:buFont typeface="Arial"/>
+              <a:buNone/>
+            </a:pPr>
+            <a:r>
+              <a:rPr lang="en-US" sz="1800" dirty="0" smtClean="0"/>
+              <a:t>password</a:t>
+            </a:r>
+          </a:p>
+          <a:p>
+            <a:pPr marL="0" indent="0">
+              <a:buFont typeface="Arial"/>
+              <a:buNone/>
+            </a:pPr>
+            <a:r>
+              <a:rPr lang="en-US" sz="1800" dirty="0" err="1"/>
+              <a:t>n</a:t>
+            </a:r>
+            <a:r>
+              <a:rPr lang="en-US" sz="1800" dirty="0" err="1" smtClean="0"/>
+              <a:t>otification_type</a:t>
+            </a:r>
+            <a:endParaRPr lang="en-US" sz="1800" dirty="0" smtClean="0"/>
+          </a:p>
+          <a:p>
+            <a:pPr marL="0" indent="0">
+              <a:buFont typeface="Arial"/>
+              <a:buNone/>
+            </a:pPr>
+            <a:r>
+              <a:rPr lang="en-US" sz="1800" dirty="0" err="1" smtClean="0"/>
+              <a:t>create_time</a:t>
+            </a:r>
+            <a:endParaRPr lang="en-US" sz="1800" dirty="0" smtClean="0"/>
+          </a:p>
+          <a:p>
+            <a:pPr marL="0" indent="0">
+              <a:buFont typeface="Arial"/>
+              <a:buNone/>
+            </a:pPr>
+            <a:r>
+              <a:rPr lang="en-US" sz="1800" dirty="0" err="1" smtClean="0"/>
+              <a:t>update_time</a:t>
+            </a:r>
+            <a:endParaRPr lang="en-US" sz="1800" dirty="0" smtClean="0"/>
+          </a:p>
+        </p:txBody>
+      </p:sp>
+      <p:sp>
+        <p:nvSpPr>
+          <p:cNvPr id="18" name="TextBox 17"/>
+          <p:cNvSpPr txBox="1"/>
+          <p:nvPr/>
+        </p:nvSpPr>
+        <p:spPr>
+          <a:xfrm>
+            <a:off x="5863898" y="3061096"/>
+            <a:ext cx="728084" cy="461665"/>
+          </a:xfrm>
+          <a:prstGeom prst="rect">
+            <a:avLst/>
+          </a:prstGeom>
+          <a:noFill/>
+        </p:spPr>
+        <p:txBody>
+          <a:bodyPr wrap="none" rtlCol="0">
+            <a:spAutoFit/>
+          </a:bodyPr>
+          <a:lstStyle/>
+          <a:p>
+            <a:r>
+              <a:rPr lang="en-US" sz="2400" dirty="0" smtClean="0"/>
+              <a:t>user</a:t>
+            </a:r>
+            <a:endParaRPr lang="en-US" sz="2400" dirty="0"/>
+          </a:p>
+        </p:txBody>
+      </p:sp>
+      <p:sp>
+        <p:nvSpPr>
+          <p:cNvPr id="19" name="Content Placeholder 2"/>
+          <p:cNvSpPr txBox="1">
+            <a:spLocks/>
+          </p:cNvSpPr>
+          <p:nvPr/>
+        </p:nvSpPr>
+        <p:spPr>
+          <a:xfrm>
+            <a:off x="8415114" y="3495313"/>
+            <a:ext cx="1863612" cy="3089563"/>
+          </a:xfrm>
+          <a:prstGeom prst="rect">
+            <a:avLst/>
+          </a:prstGeom>
+          <a:ln w="12700">
+            <a:solidFill>
+              <a:schemeClr val="tx1"/>
+            </a:solidFill>
+          </a:ln>
+        </p:spPr>
+        <p:txBody>
+          <a:bodyPr vert="horz" lIns="91440" tIns="45720" rIns="91440" bIns="45720" rtlCol="0">
+            <a:normAutofit/>
+          </a:bodyPr>
+          <a:lstStyle>
+            <a:lvl1pPr marL="228600" indent="-228600" algn="l" defTabSz="914400" rtl="0" eaLnBrk="1" latinLnBrk="0" hangingPunct="1">
+              <a:lnSpc>
+                <a:spcPct val="90000"/>
+              </a:lnSpc>
+              <a:spcBef>
+                <a:spcPts val="1000"/>
+              </a:spcBef>
+              <a:buFont typeface="Arial"/>
+              <a:buChar char="•"/>
+              <a:defRPr sz="2800" kern="1200">
+                <a:solidFill>
+                  <a:schemeClr val="tx1"/>
+                </a:solidFill>
+                <a:latin typeface="+mn-lt"/>
+                <a:ea typeface="+mn-ea"/>
+                <a:cs typeface="+mn-cs"/>
+              </a:defRPr>
+            </a:lvl1pPr>
+            <a:lvl2pPr marL="685800" indent="-228600" algn="l" defTabSz="914400" rtl="0" eaLnBrk="1" latinLnBrk="0" hangingPunct="1">
+              <a:lnSpc>
+                <a:spcPct val="90000"/>
+              </a:lnSpc>
+              <a:spcBef>
+                <a:spcPts val="500"/>
+              </a:spcBef>
+              <a:buFont typeface="Arial"/>
+              <a:buChar char="•"/>
+              <a:defRPr sz="2400" kern="1200">
+                <a:solidFill>
+                  <a:schemeClr val="tx1"/>
+                </a:solidFill>
+                <a:latin typeface="+mn-lt"/>
+                <a:ea typeface="+mn-ea"/>
+                <a:cs typeface="+mn-cs"/>
+              </a:defRPr>
+            </a:lvl2pPr>
+            <a:lvl3pPr marL="1143000" indent="-228600" algn="l" defTabSz="914400" rtl="0" eaLnBrk="1" latinLnBrk="0" hangingPunct="1">
+              <a:lnSpc>
+                <a:spcPct val="90000"/>
+              </a:lnSpc>
+              <a:spcBef>
+                <a:spcPts val="500"/>
+              </a:spcBef>
+              <a:buFont typeface="Arial"/>
+              <a:buChar char="•"/>
+              <a:defRPr sz="2000" kern="1200">
+                <a:solidFill>
+                  <a:schemeClr val="tx1"/>
+                </a:solidFill>
+                <a:latin typeface="+mn-lt"/>
+                <a:ea typeface="+mn-ea"/>
+                <a:cs typeface="+mn-cs"/>
+              </a:defRPr>
+            </a:lvl3pPr>
+            <a:lvl4pPr marL="1600200" indent="-228600" algn="l" defTabSz="914400" rtl="0" eaLnBrk="1" latinLnBrk="0" hangingPunct="1">
+              <a:lnSpc>
+                <a:spcPct val="90000"/>
+              </a:lnSpc>
+              <a:spcBef>
+                <a:spcPts val="500"/>
+              </a:spcBef>
+              <a:buFont typeface="Arial"/>
+              <a:buChar char="•"/>
+              <a:defRPr sz="1800" kern="1200">
+                <a:solidFill>
+                  <a:schemeClr val="tx1"/>
+                </a:solidFill>
+                <a:latin typeface="+mn-lt"/>
+                <a:ea typeface="+mn-ea"/>
+                <a:cs typeface="+mn-cs"/>
+              </a:defRPr>
+            </a:lvl4pPr>
+            <a:lvl5pPr marL="2057400" indent="-228600" algn="l" defTabSz="914400" rtl="0" eaLnBrk="1" latinLnBrk="0" hangingPunct="1">
+              <a:lnSpc>
+                <a:spcPct val="90000"/>
+              </a:lnSpc>
+              <a:spcBef>
+                <a:spcPts val="500"/>
+              </a:spcBef>
+              <a:buFont typeface="Arial"/>
+              <a:buChar char="•"/>
+              <a:defRPr sz="1800" kern="1200">
+                <a:solidFill>
+                  <a:schemeClr val="tx1"/>
+                </a:solidFill>
+                <a:latin typeface="+mn-lt"/>
+                <a:ea typeface="+mn-ea"/>
+                <a:cs typeface="+mn-cs"/>
+              </a:defRPr>
+            </a:lvl5pPr>
+            <a:lvl6pPr marL="2514600" indent="-228600" algn="l" defTabSz="914400" rtl="0" eaLnBrk="1" latinLnBrk="0" hangingPunct="1">
+              <a:lnSpc>
+                <a:spcPct val="90000"/>
+              </a:lnSpc>
+              <a:spcBef>
+                <a:spcPts val="500"/>
+              </a:spcBef>
+              <a:buFont typeface="Arial"/>
+              <a:buChar char="•"/>
+              <a:defRPr sz="1800" kern="1200">
+                <a:solidFill>
+                  <a:schemeClr val="tx1"/>
+                </a:solidFill>
+                <a:latin typeface="+mn-lt"/>
+                <a:ea typeface="+mn-ea"/>
+                <a:cs typeface="+mn-cs"/>
+              </a:defRPr>
+            </a:lvl6pPr>
+            <a:lvl7pPr marL="2971800" indent="-228600" algn="l" defTabSz="914400" rtl="0" eaLnBrk="1" latinLnBrk="0" hangingPunct="1">
+              <a:lnSpc>
+                <a:spcPct val="90000"/>
+              </a:lnSpc>
+              <a:spcBef>
+                <a:spcPts val="500"/>
+              </a:spcBef>
+              <a:buFont typeface="Arial"/>
+              <a:buChar char="•"/>
+              <a:defRPr sz="1800" kern="1200">
+                <a:solidFill>
+                  <a:schemeClr val="tx1"/>
+                </a:solidFill>
+                <a:latin typeface="+mn-lt"/>
+                <a:ea typeface="+mn-ea"/>
+                <a:cs typeface="+mn-cs"/>
+              </a:defRPr>
+            </a:lvl7pPr>
+            <a:lvl8pPr marL="3429000" indent="-228600" algn="l" defTabSz="914400" rtl="0" eaLnBrk="1" latinLnBrk="0" hangingPunct="1">
+              <a:lnSpc>
+                <a:spcPct val="90000"/>
+              </a:lnSpc>
+              <a:spcBef>
+                <a:spcPts val="500"/>
+              </a:spcBef>
+              <a:buFont typeface="Arial"/>
+              <a:buChar char="•"/>
+              <a:defRPr sz="1800" kern="1200">
+                <a:solidFill>
+                  <a:schemeClr val="tx1"/>
+                </a:solidFill>
+                <a:latin typeface="+mn-lt"/>
+                <a:ea typeface="+mn-ea"/>
+                <a:cs typeface="+mn-cs"/>
+              </a:defRPr>
+            </a:lvl8pPr>
+            <a:lvl9pPr marL="3886200" indent="-228600" algn="l" defTabSz="914400" rtl="0" eaLnBrk="1" latinLnBrk="0" hangingPunct="1">
+              <a:lnSpc>
+                <a:spcPct val="90000"/>
+              </a:lnSpc>
+              <a:spcBef>
+                <a:spcPts val="500"/>
+              </a:spcBef>
+              <a:buFont typeface="Arial"/>
+              <a:buChar char="•"/>
+              <a:defRPr sz="1800" kern="1200">
+                <a:solidFill>
+                  <a:schemeClr val="tx1"/>
+                </a:solidFill>
+                <a:latin typeface="+mn-lt"/>
+                <a:ea typeface="+mn-ea"/>
+                <a:cs typeface="+mn-cs"/>
+              </a:defRPr>
+            </a:lvl9pPr>
+          </a:lstStyle>
+          <a:p>
+            <a:pPr marL="0" indent="0">
+              <a:buFont typeface="Arial"/>
+              <a:buNone/>
+            </a:pPr>
+            <a:r>
+              <a:rPr lang="en-US" sz="1800" dirty="0" smtClean="0"/>
+              <a:t>id</a:t>
+            </a:r>
+          </a:p>
+          <a:p>
+            <a:pPr marL="0" indent="0">
+              <a:buFont typeface="Arial"/>
+              <a:buNone/>
+            </a:pPr>
+            <a:r>
+              <a:rPr lang="en-US" sz="1800" dirty="0" err="1" smtClean="0"/>
+              <a:t>user_id</a:t>
+            </a:r>
+            <a:endParaRPr lang="en-US" sz="1800" dirty="0" smtClean="0"/>
+          </a:p>
+          <a:p>
+            <a:pPr marL="0" indent="0">
+              <a:buFont typeface="Arial"/>
+              <a:buNone/>
+            </a:pPr>
+            <a:r>
+              <a:rPr lang="en-US" sz="1800" dirty="0" err="1" smtClean="0"/>
+              <a:t>category_id</a:t>
+            </a:r>
+            <a:endParaRPr lang="en-US" sz="1800" dirty="0" smtClean="0"/>
+          </a:p>
+          <a:p>
+            <a:pPr marL="0" indent="0">
+              <a:buFont typeface="Arial"/>
+              <a:buNone/>
+            </a:pPr>
+            <a:r>
+              <a:rPr lang="en-US" sz="1800" dirty="0" err="1" smtClean="0"/>
+              <a:t>create_time</a:t>
+            </a:r>
+            <a:endParaRPr lang="en-US" sz="1800" dirty="0" smtClean="0"/>
+          </a:p>
+          <a:p>
+            <a:pPr marL="0" indent="0">
+              <a:buFont typeface="Arial"/>
+              <a:buNone/>
+            </a:pPr>
+            <a:r>
+              <a:rPr lang="en-US" sz="1800" dirty="0" err="1" smtClean="0"/>
+              <a:t>update_time</a:t>
+            </a:r>
+            <a:endParaRPr lang="en-US" sz="1800" dirty="0" smtClean="0"/>
+          </a:p>
+        </p:txBody>
+      </p:sp>
+      <p:sp>
+        <p:nvSpPr>
+          <p:cNvPr id="20" name="TextBox 19"/>
+          <p:cNvSpPr txBox="1"/>
+          <p:nvPr/>
+        </p:nvSpPr>
+        <p:spPr>
+          <a:xfrm>
+            <a:off x="8415114" y="3082871"/>
+            <a:ext cx="1959896" cy="461665"/>
+          </a:xfrm>
+          <a:prstGeom prst="rect">
+            <a:avLst/>
+          </a:prstGeom>
+          <a:noFill/>
+        </p:spPr>
+        <p:txBody>
+          <a:bodyPr wrap="none" rtlCol="0">
+            <a:spAutoFit/>
+          </a:bodyPr>
+          <a:lstStyle/>
+          <a:p>
+            <a:r>
+              <a:rPr lang="en-US" sz="2400" dirty="0" err="1"/>
+              <a:t>u</a:t>
+            </a:r>
+            <a:r>
+              <a:rPr lang="en-US" sz="2400" dirty="0" err="1" smtClean="0"/>
+              <a:t>ser_category</a:t>
+            </a:r>
+            <a:endParaRPr lang="en-US" sz="2400" dirty="0"/>
           </a:p>
         </p:txBody>
       </p:sp>
     </p:spTree>
     <p:extLst>
       <p:ext uri="{BB962C8B-B14F-4D97-AF65-F5344CB8AC3E}">
-        <p14:creationId xmlns:p14="http://schemas.microsoft.com/office/powerpoint/2010/main" val="893143620"/>
+        <p14:creationId xmlns:p14="http://schemas.microsoft.com/office/powerpoint/2010/main" val="1717597438"/>
       </p:ext>
     </p:extLst>
   </p:cSld>
   <p:clrMapOvr>
     <a:masterClrMapping/>
   </p:clrMapOvr>
-</p:sld>
-</file>
-
-<file path=ppt/slides/slide11.xml><?xml version="1.0" encoding="utf-8"?>
-<p:sld xmlns:a="http://schemas.openxmlformats.org/drawingml/2006/main" xmlns:r="http://schemas.openxmlformats.org/officeDocument/2006/relationships" xmlns:p="http://schemas.openxmlformats.org/presentationml/2006/main">
-  <p:cSld>
-    <p:spTree>
-      <p:nvGrpSpPr>
-        <p:cNvPr id="1" name=""/>
-        <p:cNvGrpSpPr/>
-        <p:nvPr/>
-      </p:nvGrpSpPr>
-      <p:grpSpPr>
-        <a:xfrm>
-          <a:off x="0" y="0"/>
-          <a:ext cx="0" cy="0"/>
-          <a:chOff x="0" y="0"/>
-          <a:chExt cx="0" cy="0"/>
-        </a:xfrm>
-      </p:grpSpPr>
-      <p:sp>
-        <p:nvSpPr>
-          <p:cNvPr id="2" name="Title 1"/>
-          <p:cNvSpPr>
-            <a:spLocks noGrp="1"/>
-          </p:cNvSpPr>
-          <p:nvPr>
-            <p:ph type="title"/>
-          </p:nvPr>
-        </p:nvSpPr>
-        <p:spPr/>
-        <p:txBody>
-          <a:bodyPr/>
-          <a:lstStyle/>
-          <a:p>
-            <a:r>
-              <a:rPr lang="en-US" dirty="0" smtClean="0"/>
-              <a:t>Scheduling</a:t>
-            </a:r>
-            <a:endParaRPr lang="en-US" dirty="0"/>
-          </a:p>
-        </p:txBody>
-      </p:sp>
-      <p:sp>
-        <p:nvSpPr>
-          <p:cNvPr id="3" name="Content Placeholder 2"/>
-          <p:cNvSpPr>
-            <a:spLocks noGrp="1"/>
-          </p:cNvSpPr>
-          <p:nvPr>
-            <p:ph idx="1"/>
-          </p:nvPr>
-        </p:nvSpPr>
-        <p:spPr/>
-        <p:txBody>
-          <a:bodyPr>
-            <a:normAutofit fontScale="55000" lnSpcReduction="20000"/>
-          </a:bodyPr>
-          <a:lstStyle/>
-          <a:p>
-            <a:r>
-              <a:rPr lang="en-US" dirty="0" smtClean="0"/>
-              <a:t>Category Crawler</a:t>
-            </a:r>
-          </a:p>
-          <a:p>
-            <a:pPr lvl="1"/>
-            <a:r>
-              <a:rPr lang="en-US" dirty="0" smtClean="0"/>
-              <a:t>Every week at 12:00 AM Sunday</a:t>
-            </a:r>
-          </a:p>
-          <a:p>
-            <a:r>
-              <a:rPr lang="en-US" dirty="0" smtClean="0"/>
-              <a:t>High Priority Product Crawler</a:t>
-            </a:r>
-          </a:p>
-          <a:p>
-            <a:pPr lvl="1"/>
-            <a:r>
-              <a:rPr lang="en-US" dirty="0" smtClean="0"/>
-              <a:t>Every 3 hours starting from 1:00 AM daily</a:t>
-            </a:r>
-          </a:p>
-          <a:p>
-            <a:r>
-              <a:rPr lang="en-US" dirty="0" smtClean="0"/>
-              <a:t>Medium Priority Product Crawler</a:t>
-            </a:r>
-          </a:p>
-          <a:p>
-            <a:pPr lvl="1"/>
-            <a:r>
-              <a:rPr lang="en-US" dirty="0" smtClean="0"/>
-              <a:t>Every 12 hours starting from 2:00 AM daily</a:t>
-            </a:r>
-          </a:p>
-          <a:p>
-            <a:r>
-              <a:rPr lang="en-US" dirty="0" smtClean="0"/>
-              <a:t>Low Priority Product Crawler</a:t>
-            </a:r>
-          </a:p>
-          <a:p>
-            <a:pPr lvl="1"/>
-            <a:r>
-              <a:rPr lang="en-US" dirty="0" smtClean="0"/>
-              <a:t>Every day at 3:00 AM</a:t>
-            </a:r>
-          </a:p>
-          <a:p>
-            <a:r>
-              <a:rPr lang="en-US" dirty="0" smtClean="0"/>
-              <a:t>Order categories by subscribers count, then by category id.</a:t>
-            </a:r>
-          </a:p>
-          <a:p>
-            <a:r>
-              <a:rPr lang="en-US" dirty="0" smtClean="0"/>
-              <a:t>User-count-threshold property decides if the category belongs to high priority group.</a:t>
-            </a:r>
-          </a:p>
-          <a:p>
-            <a:r>
-              <a:rPr lang="en-US" dirty="0" smtClean="0"/>
-              <a:t>Category crawler sets the threshold in DB at start time.</a:t>
-            </a:r>
-          </a:p>
-          <a:p>
-            <a:r>
-              <a:rPr lang="en-US" dirty="0" smtClean="0"/>
-              <a:t>User can dynamically change the threshold through REST </a:t>
-            </a:r>
-            <a:r>
-              <a:rPr lang="en-US" dirty="0" err="1" smtClean="0"/>
-              <a:t>api</a:t>
-            </a:r>
-            <a:r>
-              <a:rPr lang="en-US" dirty="0" smtClean="0"/>
-              <a:t>.</a:t>
-            </a:r>
-          </a:p>
-          <a:p>
-            <a:r>
-              <a:rPr lang="en-US" dirty="0" smtClean="0"/>
-              <a:t>Categories w/ user count &gt; threshold belongs to the high priority group (priority = 1).</a:t>
-            </a:r>
-          </a:p>
-          <a:p>
-            <a:r>
-              <a:rPr lang="en-US" dirty="0" smtClean="0"/>
-              <a:t>The rest of categories are ordered by user count, first half go to medium group (priority = 2).</a:t>
-            </a:r>
-          </a:p>
-          <a:p>
-            <a:r>
-              <a:rPr lang="en-US" dirty="0" smtClean="0"/>
-              <a:t>The other half of the rest categories go to low priority group (priority = 3).</a:t>
-            </a:r>
-          </a:p>
-        </p:txBody>
-      </p:sp>
-    </p:spTree>
-    <p:extLst>
-      <p:ext uri="{BB962C8B-B14F-4D97-AF65-F5344CB8AC3E}">
-        <p14:creationId xmlns:p14="http://schemas.microsoft.com/office/powerpoint/2010/main" val="2042320774"/>
-      </p:ext>
-    </p:extLst>
-  </p:cSld>
-  <p:clrMapOvr>
-    <a:masterClrMapping/>
-  </p:clrMapOvr>
+  <p:timing>
+    <p:tnLst>
+      <p:par>
+        <p:cTn id="1" dur="indefinite" restart="never" nodeType="tmRoot"/>
+      </p:par>
+    </p:tnLst>
+  </p:timing>
 </p:sld>
 </file>
 
@@ -4135,7 +5914,12 @@
             <p:ph type="title"/>
           </p:nvPr>
         </p:nvSpPr>
-        <p:spPr/>
+        <p:spPr>
+          <a:xfrm>
+            <a:off x="893026" y="220954"/>
+            <a:ext cx="10515600" cy="927397"/>
+          </a:xfrm>
+        </p:spPr>
         <p:txBody>
           <a:bodyPr/>
           <a:lstStyle/>
@@ -4143,11 +5927,11 @@
             <a:pPr algn="ctr"/>
             <a:r>
               <a:rPr lang="en-US" dirty="0" smtClean="0"/>
-              <a:t>Price Monitoring System </a:t>
-            </a:r>
-            <a:r>
-              <a:rPr lang="en-US" dirty="0" smtClean="0"/>
-              <a:t>Design</a:t>
+              <a:t>Price Monitoring </a:t>
+            </a:r>
+            <a:r>
+              <a:rPr lang="en-US" smtClean="0"/>
+              <a:t>System Overview</a:t>
             </a:r>
             <a:endParaRPr lang="en-US" dirty="0"/>
           </a:p>
@@ -4235,7 +6019,7 @@
         </p:nvSpPr>
         <p:spPr>
           <a:xfrm>
-            <a:off x="2389289" y="4768321"/>
+            <a:off x="774244" y="4768321"/>
             <a:ext cx="237564" cy="571500"/>
           </a:xfrm>
           <a:prstGeom prst="upDownArrow">
@@ -4360,14 +6144,14 @@
       </p:sp>
       <p:sp>
         <p:nvSpPr>
-          <p:cNvPr id="102" name="TextBox 101"/>
+          <p:cNvPr id="109" name="TextBox 108"/>
           <p:cNvSpPr txBox="1"/>
           <p:nvPr/>
         </p:nvSpPr>
         <p:spPr>
           <a:xfrm>
-            <a:off x="2234584" y="2219889"/>
-            <a:ext cx="1068620" cy="276999"/>
+            <a:off x="8040130" y="6374999"/>
+            <a:ext cx="2124981" cy="276999"/>
           </a:xfrm>
           <a:prstGeom prst="rect">
             <a:avLst/>
@@ -4382,7 +6166,7 @@
           <a:p>
             <a:r>
               <a:rPr lang="en-US" sz="1200" dirty="0" smtClean="0"/>
-              <a:t>HTTP Request</a:t>
+              <a:t>Health Check Service</a:t>
             </a:r>
             <a:endParaRPr lang="en-US" sz="1200" dirty="0"/>
           </a:p>
@@ -4390,14 +6174,14 @@
       </p:sp>
       <p:sp>
         <p:nvSpPr>
-          <p:cNvPr id="109" name="TextBox 108"/>
+          <p:cNvPr id="110" name="TextBox 109"/>
           <p:cNvSpPr txBox="1"/>
           <p:nvPr/>
         </p:nvSpPr>
         <p:spPr>
           <a:xfrm>
-            <a:off x="8040130" y="6374999"/>
-            <a:ext cx="2124981" cy="276999"/>
+            <a:off x="8040130" y="5681404"/>
+            <a:ext cx="1551453" cy="276999"/>
           </a:xfrm>
           <a:prstGeom prst="rect">
             <a:avLst/>
@@ -4420,43 +6204,13 @@
       </p:sp>
       <p:sp>
         <p:nvSpPr>
-          <p:cNvPr id="110" name="TextBox 109"/>
-          <p:cNvSpPr txBox="1"/>
-          <p:nvPr/>
-        </p:nvSpPr>
-        <p:spPr>
-          <a:xfrm>
-            <a:off x="8040130" y="5681404"/>
-            <a:ext cx="1551453" cy="276999"/>
-          </a:xfrm>
-          <a:prstGeom prst="rect">
-            <a:avLst/>
-          </a:prstGeom>
-          <a:noFill/>
-        </p:spPr>
-        <p:txBody>
-          <a:bodyPr wrap="square" rtlCol="0">
-            <a:spAutoFit/>
-          </a:bodyPr>
-          <a:lstStyle/>
-          <a:p>
-            <a:r>
-              <a:rPr lang="en-US" sz="1200" dirty="0" smtClean="0"/>
-              <a:t>Health Check Service</a:t>
-            </a:r>
-            <a:endParaRPr lang="en-US" sz="1200" dirty="0"/>
-          </a:p>
-        </p:txBody>
-      </p:sp>
-      <p:sp>
-        <p:nvSpPr>
           <p:cNvPr id="111" name="TextBox 110"/>
           <p:cNvSpPr txBox="1"/>
           <p:nvPr/>
         </p:nvSpPr>
         <p:spPr>
           <a:xfrm>
-            <a:off x="1891846" y="6472042"/>
+            <a:off x="276801" y="6472042"/>
             <a:ext cx="1958603" cy="276999"/>
           </a:xfrm>
           <a:prstGeom prst="rect">
@@ -5657,7 +7411,7 @@
         </p:nvCxnSpPr>
         <p:spPr>
           <a:xfrm flipV="1">
-            <a:off x="1241466" y="1990784"/>
+            <a:off x="1241466" y="1883909"/>
             <a:ext cx="2461216" cy="260751"/>
           </a:xfrm>
           <a:prstGeom prst="bentConnector3">
@@ -5695,12 +7449,12 @@
         </p:nvCxnSpPr>
         <p:spPr>
           <a:xfrm>
-            <a:off x="1253395" y="2459244"/>
+            <a:off x="1253395" y="2304869"/>
             <a:ext cx="2372443" cy="679720"/>
           </a:xfrm>
           <a:prstGeom prst="bentConnector3">
             <a:avLst>
-              <a:gd name="adj1" fmla="val 50000"/>
+              <a:gd name="adj1" fmla="val 51502"/>
             </a:avLst>
           </a:prstGeom>
           <a:ln>
@@ -5734,8 +7488,8 @@
         </p:nvCxnSpPr>
         <p:spPr>
           <a:xfrm flipH="1" flipV="1">
-            <a:off x="4441776" y="3971416"/>
-            <a:ext cx="1330703" cy="175159"/>
+            <a:off x="4441776" y="3805166"/>
+            <a:ext cx="1330703" cy="341409"/>
           </a:xfrm>
           <a:prstGeom prst="straightConnector1">
             <a:avLst/>
@@ -5771,7 +7525,7 @@
         <p:spPr>
           <a:xfrm flipV="1">
             <a:off x="4441776" y="3420659"/>
-            <a:ext cx="1330703" cy="550757"/>
+            <a:ext cx="1330703" cy="384507"/>
           </a:xfrm>
           <a:prstGeom prst="straightConnector1">
             <a:avLst/>
@@ -5807,7 +7561,7 @@
         <p:spPr>
           <a:xfrm flipH="1">
             <a:off x="4441776" y="4926697"/>
-            <a:ext cx="1307916" cy="600329"/>
+            <a:ext cx="1307916" cy="339075"/>
           </a:xfrm>
           <a:prstGeom prst="straightConnector1">
             <a:avLst/>
@@ -5843,7 +7597,7 @@
         <p:spPr>
           <a:xfrm flipV="1">
             <a:off x="4441776" y="4173678"/>
-            <a:ext cx="1330703" cy="1353348"/>
+            <a:ext cx="1330703" cy="1092094"/>
           </a:xfrm>
           <a:prstGeom prst="straightConnector1">
             <a:avLst/>
@@ -5955,7 +7709,7 @@
         </p:blipFill>
         <p:spPr>
           <a:xfrm>
-            <a:off x="3923858" y="3712457"/>
+            <a:off x="3923858" y="3546207"/>
             <a:ext cx="517918" cy="517918"/>
           </a:xfrm>
           <a:prstGeom prst="rect">
@@ -5985,7 +7739,7 @@
         </p:blipFill>
         <p:spPr>
           <a:xfrm>
-            <a:off x="3923858" y="5268067"/>
+            <a:off x="3923858" y="5006813"/>
             <a:ext cx="517918" cy="517918"/>
           </a:xfrm>
           <a:prstGeom prst="rect">
@@ -5995,7 +7749,7 @@
       </p:pic>
       <p:pic>
         <p:nvPicPr>
-          <p:cNvPr id="358" name="Picture 357"/>
+          <p:cNvPr id="362" name="Picture 361"/>
           <p:cNvPicPr>
             <a:picLocks noChangeAspect="1"/>
           </p:cNvPicPr>
@@ -6015,8 +7769,8 @@
         </p:blipFill>
         <p:spPr>
           <a:xfrm>
-            <a:off x="3923858" y="4263781"/>
-            <a:ext cx="828643" cy="828643"/>
+            <a:off x="438900" y="5487757"/>
+            <a:ext cx="986256" cy="1003964"/>
           </a:xfrm>
           <a:prstGeom prst="rect">
             <a:avLst/>
@@ -6025,7 +7779,7 @@
       </p:pic>
       <p:pic>
         <p:nvPicPr>
-          <p:cNvPr id="362" name="Picture 361"/>
+          <p:cNvPr id="365" name="Picture 364"/>
           <p:cNvPicPr>
             <a:picLocks noChangeAspect="1"/>
           </p:cNvPicPr>
@@ -6045,17 +7799,90 @@
         </p:blipFill>
         <p:spPr>
           <a:xfrm>
-            <a:off x="2053945" y="5487757"/>
-            <a:ext cx="986256" cy="1003964"/>
+            <a:off x="11284719" y="2913956"/>
+            <a:ext cx="809510" cy="809510"/>
           </a:xfrm>
           <a:prstGeom prst="rect">
             <a:avLst/>
           </a:prstGeom>
         </p:spPr>
       </p:pic>
+      <p:cxnSp>
+        <p:nvCxnSpPr>
+          <p:cNvPr id="379" name="Straight Arrow Connector 378"/>
+          <p:cNvCxnSpPr>
+            <a:stCxn id="203" idx="2"/>
+            <a:endCxn id="399" idx="3"/>
+          </p:cNvCxnSpPr>
+          <p:nvPr/>
+        </p:nvCxnSpPr>
+        <p:spPr>
+          <a:xfrm flipH="1" flipV="1">
+            <a:off x="4526928" y="2984589"/>
+            <a:ext cx="1245551" cy="436070"/>
+          </a:xfrm>
+          <a:prstGeom prst="straightConnector1">
+            <a:avLst/>
+          </a:prstGeom>
+          <a:ln>
+            <a:tailEnd type="triangle"/>
+          </a:ln>
+        </p:spPr>
+        <p:style>
+          <a:lnRef idx="1">
+            <a:schemeClr val="accent1"/>
+          </a:lnRef>
+          <a:fillRef idx="0">
+            <a:schemeClr val="accent1"/>
+          </a:fillRef>
+          <a:effectRef idx="0">
+            <a:schemeClr val="accent1"/>
+          </a:effectRef>
+          <a:fontRef idx="minor">
+            <a:schemeClr val="tx1"/>
+          </a:fontRef>
+        </p:style>
+      </p:cxnSp>
+      <p:cxnSp>
+        <p:nvCxnSpPr>
+          <p:cNvPr id="392" name="Straight Arrow Connector 391"/>
+          <p:cNvCxnSpPr>
+            <a:stCxn id="211" idx="1"/>
+            <a:endCxn id="451" idx="3"/>
+          </p:cNvCxnSpPr>
+          <p:nvPr/>
+        </p:nvCxnSpPr>
+        <p:spPr>
+          <a:xfrm flipH="1">
+            <a:off x="4715287" y="4146575"/>
+            <a:ext cx="1057192" cy="516761"/>
+          </a:xfrm>
+          <a:prstGeom prst="straightConnector1">
+            <a:avLst/>
+          </a:prstGeom>
+          <a:ln>
+            <a:headEnd type="triangle"/>
+            <a:tailEnd type="triangle"/>
+          </a:ln>
+        </p:spPr>
+        <p:style>
+          <a:lnRef idx="1">
+            <a:schemeClr val="accent1"/>
+          </a:lnRef>
+          <a:fillRef idx="0">
+            <a:schemeClr val="accent1"/>
+          </a:fillRef>
+          <a:effectRef idx="0">
+            <a:schemeClr val="accent1"/>
+          </a:effectRef>
+          <a:fontRef idx="minor">
+            <a:schemeClr val="tx1"/>
+          </a:fontRef>
+        </p:style>
+      </p:cxnSp>
       <p:pic>
         <p:nvPicPr>
-          <p:cNvPr id="365" name="Picture 364"/>
+          <p:cNvPr id="399" name="Picture 398"/>
           <p:cNvPicPr>
             <a:picLocks noChangeAspect="1"/>
           </p:cNvPicPr>
@@ -6075,90 +7902,17 @@
         </p:blipFill>
         <p:spPr>
           <a:xfrm>
-            <a:off x="11284719" y="2913956"/>
-            <a:ext cx="809510" cy="809510"/>
+            <a:off x="3625838" y="2534044"/>
+            <a:ext cx="901090" cy="901090"/>
           </a:xfrm>
           <a:prstGeom prst="rect">
             <a:avLst/>
           </a:prstGeom>
         </p:spPr>
       </p:pic>
-      <p:cxnSp>
-        <p:nvCxnSpPr>
-          <p:cNvPr id="379" name="Straight Arrow Connector 378"/>
-          <p:cNvCxnSpPr>
-            <a:stCxn id="203" idx="2"/>
-            <a:endCxn id="399" idx="3"/>
-          </p:cNvCxnSpPr>
-          <p:nvPr/>
-        </p:nvCxnSpPr>
-        <p:spPr>
-          <a:xfrm flipH="1" flipV="1">
-            <a:off x="4526928" y="3138964"/>
-            <a:ext cx="1245551" cy="281695"/>
-          </a:xfrm>
-          <a:prstGeom prst="straightConnector1">
-            <a:avLst/>
-          </a:prstGeom>
-          <a:ln>
-            <a:tailEnd type="triangle"/>
-          </a:ln>
-        </p:spPr>
-        <p:style>
-          <a:lnRef idx="1">
-            <a:schemeClr val="accent1"/>
-          </a:lnRef>
-          <a:fillRef idx="0">
-            <a:schemeClr val="accent1"/>
-          </a:fillRef>
-          <a:effectRef idx="0">
-            <a:schemeClr val="accent1"/>
-          </a:effectRef>
-          <a:fontRef idx="minor">
-            <a:schemeClr val="tx1"/>
-          </a:fontRef>
-        </p:style>
-      </p:cxnSp>
-      <p:cxnSp>
-        <p:nvCxnSpPr>
-          <p:cNvPr id="392" name="Straight Arrow Connector 391"/>
-          <p:cNvCxnSpPr>
-            <a:stCxn id="211" idx="1"/>
-            <a:endCxn id="358" idx="3"/>
-          </p:cNvCxnSpPr>
-          <p:nvPr/>
-        </p:nvCxnSpPr>
-        <p:spPr>
-          <a:xfrm flipH="1">
-            <a:off x="4752501" y="4146575"/>
-            <a:ext cx="1019978" cy="531528"/>
-          </a:xfrm>
-          <a:prstGeom prst="straightConnector1">
-            <a:avLst/>
-          </a:prstGeom>
-          <a:ln>
-            <a:headEnd type="triangle"/>
-            <a:tailEnd type="triangle"/>
-          </a:ln>
-        </p:spPr>
-        <p:style>
-          <a:lnRef idx="1">
-            <a:schemeClr val="accent1"/>
-          </a:lnRef>
-          <a:fillRef idx="0">
-            <a:schemeClr val="accent1"/>
-          </a:fillRef>
-          <a:effectRef idx="0">
-            <a:schemeClr val="accent1"/>
-          </a:effectRef>
-          <a:fontRef idx="minor">
-            <a:schemeClr val="tx1"/>
-          </a:fontRef>
-        </p:style>
-      </p:cxnSp>
       <p:pic>
         <p:nvPicPr>
-          <p:cNvPr id="399" name="Picture 398"/>
+          <p:cNvPr id="407" name="Picture 406"/>
           <p:cNvPicPr>
             <a:picLocks noChangeAspect="1"/>
           </p:cNvPicPr>
@@ -6178,17 +7932,157 @@
         </p:blipFill>
         <p:spPr>
           <a:xfrm>
-            <a:off x="3625838" y="2688419"/>
-            <a:ext cx="901090" cy="901090"/>
+            <a:off x="3702682" y="1404027"/>
+            <a:ext cx="959764" cy="959764"/>
           </a:xfrm>
           <a:prstGeom prst="rect">
             <a:avLst/>
           </a:prstGeom>
         </p:spPr>
       </p:pic>
+      <p:cxnSp>
+        <p:nvCxnSpPr>
+          <p:cNvPr id="412" name="Straight Arrow Connector 411"/>
+          <p:cNvCxnSpPr>
+            <a:stCxn id="57" idx="2"/>
+            <a:endCxn id="407" idx="3"/>
+          </p:cNvCxnSpPr>
+          <p:nvPr/>
+        </p:nvCxnSpPr>
+        <p:spPr>
+          <a:xfrm flipH="1" flipV="1">
+            <a:off x="4662446" y="1883909"/>
+            <a:ext cx="1110033" cy="30712"/>
+          </a:xfrm>
+          <a:prstGeom prst="straightConnector1">
+            <a:avLst/>
+          </a:prstGeom>
+          <a:ln>
+            <a:headEnd type="triangle"/>
+            <a:tailEnd type="triangle"/>
+          </a:ln>
+        </p:spPr>
+        <p:style>
+          <a:lnRef idx="1">
+            <a:schemeClr val="accent1"/>
+          </a:lnRef>
+          <a:fillRef idx="0">
+            <a:schemeClr val="accent1"/>
+          </a:fillRef>
+          <a:effectRef idx="0">
+            <a:schemeClr val="accent1"/>
+          </a:effectRef>
+          <a:fontRef idx="minor">
+            <a:schemeClr val="tx1"/>
+          </a:fontRef>
+        </p:style>
+      </p:cxnSp>
+      <p:cxnSp>
+        <p:nvCxnSpPr>
+          <p:cNvPr id="413" name="Straight Arrow Connector 412"/>
+          <p:cNvCxnSpPr>
+            <a:stCxn id="208" idx="1"/>
+            <a:endCxn id="407" idx="3"/>
+          </p:cNvCxnSpPr>
+          <p:nvPr/>
+        </p:nvCxnSpPr>
+        <p:spPr>
+          <a:xfrm flipH="1" flipV="1">
+            <a:off x="4662446" y="1883909"/>
+            <a:ext cx="1110033" cy="764714"/>
+          </a:xfrm>
+          <a:prstGeom prst="straightConnector1">
+            <a:avLst/>
+          </a:prstGeom>
+          <a:ln>
+            <a:headEnd type="triangle"/>
+            <a:tailEnd type="triangle"/>
+          </a:ln>
+        </p:spPr>
+        <p:style>
+          <a:lnRef idx="1">
+            <a:schemeClr val="accent1"/>
+          </a:lnRef>
+          <a:fillRef idx="0">
+            <a:schemeClr val="accent1"/>
+          </a:fillRef>
+          <a:effectRef idx="0">
+            <a:schemeClr val="accent1"/>
+          </a:effectRef>
+          <a:fontRef idx="minor">
+            <a:schemeClr val="tx1"/>
+          </a:fontRef>
+        </p:style>
+      </p:cxnSp>
       <p:pic>
         <p:nvPicPr>
-          <p:cNvPr id="407" name="Picture 406"/>
+          <p:cNvPr id="433" name="Picture 432"/>
+          <p:cNvPicPr>
+            <a:picLocks noChangeAspect="1"/>
+          </p:cNvPicPr>
+          <p:nvPr/>
+        </p:nvPicPr>
+        <p:blipFill>
+          <a:blip r:embed="rId5">
+            <a:extLst>
+              <a:ext uri="{28A0092B-C50C-407E-A947-70E740481C1C}">
+                <a14:useLocalDpi xmlns:a14="http://schemas.microsoft.com/office/drawing/2010/main" val="0"/>
+              </a:ext>
+            </a:extLst>
+          </a:blip>
+          <a:stretch>
+            <a:fillRect/>
+          </a:stretch>
+        </p:blipFill>
+        <p:spPr>
+          <a:xfrm>
+            <a:off x="3923858" y="5952279"/>
+            <a:ext cx="517918" cy="517918"/>
+          </a:xfrm>
+          <a:prstGeom prst="rect">
+            <a:avLst/>
+          </a:prstGeom>
+        </p:spPr>
+      </p:pic>
+      <p:cxnSp>
+        <p:nvCxnSpPr>
+          <p:cNvPr id="435" name="Straight Arrow Connector 434"/>
+          <p:cNvCxnSpPr>
+            <a:stCxn id="212" idx="1"/>
+            <a:endCxn id="433" idx="3"/>
+          </p:cNvCxnSpPr>
+          <p:nvPr/>
+        </p:nvCxnSpPr>
+        <p:spPr>
+          <a:xfrm flipH="1">
+            <a:off x="4441776" y="4895551"/>
+            <a:ext cx="1307916" cy="1315687"/>
+          </a:xfrm>
+          <a:prstGeom prst="straightConnector1">
+            <a:avLst/>
+          </a:prstGeom>
+          <a:ln>
+            <a:tailEnd type="triangle"/>
+          </a:ln>
+        </p:spPr>
+        <p:style>
+          <a:lnRef idx="1">
+            <a:schemeClr val="accent1"/>
+          </a:lnRef>
+          <a:fillRef idx="0">
+            <a:schemeClr val="accent1"/>
+          </a:fillRef>
+          <a:effectRef idx="0">
+            <a:schemeClr val="accent1"/>
+          </a:effectRef>
+          <a:fontRef idx="minor">
+            <a:schemeClr val="tx1"/>
+          </a:fontRef>
+        </p:style>
+      </p:cxnSp>
+      <p:pic>
+        <p:nvPicPr>
+          <p:cNvPr id="451" name="Picture 450"/>
           <p:cNvPicPr>
             <a:picLocks noChangeAspect="1"/>
           </p:cNvPicPr>
@@ -6208,154 +8102,319 @@
         </p:blipFill>
         <p:spPr>
           <a:xfrm>
-            <a:off x="3702682" y="1510902"/>
-            <a:ext cx="959764" cy="959764"/>
+            <a:off x="3560903" y="4470444"/>
+            <a:ext cx="1154384" cy="385784"/>
           </a:xfrm>
           <a:prstGeom prst="rect">
             <a:avLst/>
           </a:prstGeom>
         </p:spPr>
       </p:pic>
-      <p:cxnSp>
-        <p:nvCxnSpPr>
-          <p:cNvPr id="412" name="Straight Arrow Connector 411"/>
-          <p:cNvCxnSpPr>
-            <a:stCxn id="57" idx="2"/>
-            <a:endCxn id="407" idx="3"/>
-          </p:cNvCxnSpPr>
-          <p:nvPr/>
-        </p:nvCxnSpPr>
-        <p:spPr>
-          <a:xfrm flipH="1">
-            <a:off x="4662446" y="1914621"/>
-            <a:ext cx="1110033" cy="76163"/>
-          </a:xfrm>
-          <a:prstGeom prst="straightConnector1">
-            <a:avLst/>
-          </a:prstGeom>
-          <a:ln>
-            <a:headEnd type="triangle"/>
-            <a:tailEnd type="triangle"/>
-          </a:ln>
-        </p:spPr>
-        <p:style>
-          <a:lnRef idx="1">
-            <a:schemeClr val="accent1"/>
-          </a:lnRef>
-          <a:fillRef idx="0">
-            <a:schemeClr val="accent1"/>
-          </a:fillRef>
-          <a:effectRef idx="0">
-            <a:schemeClr val="accent1"/>
-          </a:effectRef>
-          <a:fontRef idx="minor">
-            <a:schemeClr val="tx1"/>
-          </a:fontRef>
-        </p:style>
-      </p:cxnSp>
-      <p:cxnSp>
-        <p:nvCxnSpPr>
-          <p:cNvPr id="413" name="Straight Arrow Connector 412"/>
-          <p:cNvCxnSpPr>
-            <a:stCxn id="208" idx="1"/>
-            <a:endCxn id="407" idx="3"/>
-          </p:cNvCxnSpPr>
-          <p:nvPr/>
-        </p:nvCxnSpPr>
-        <p:spPr>
-          <a:xfrm flipH="1" flipV="1">
-            <a:off x="4662446" y="1990784"/>
-            <a:ext cx="1110033" cy="657839"/>
-          </a:xfrm>
-          <a:prstGeom prst="straightConnector1">
-            <a:avLst/>
-          </a:prstGeom>
-          <a:ln>
-            <a:headEnd type="triangle"/>
-            <a:tailEnd type="triangle"/>
-          </a:ln>
-        </p:spPr>
-        <p:style>
-          <a:lnRef idx="1">
-            <a:schemeClr val="accent1"/>
-          </a:lnRef>
-          <a:fillRef idx="0">
-            <a:schemeClr val="accent1"/>
-          </a:fillRef>
-          <a:effectRef idx="0">
-            <a:schemeClr val="accent1"/>
-          </a:effectRef>
-          <a:fontRef idx="minor">
-            <a:schemeClr val="tx1"/>
-          </a:fontRef>
-        </p:style>
-      </p:cxnSp>
-      <p:pic>
-        <p:nvPicPr>
-          <p:cNvPr id="433" name="Picture 432"/>
-          <p:cNvPicPr>
-            <a:picLocks noChangeAspect="1"/>
-          </p:cNvPicPr>
-          <p:nvPr/>
-        </p:nvPicPr>
-        <p:blipFill>
-          <a:blip r:embed="rId5">
-            <a:extLst>
-              <a:ext uri="{28A0092B-C50C-407E-A947-70E740481C1C}">
-                <a14:useLocalDpi xmlns:a14="http://schemas.microsoft.com/office/drawing/2010/main" val="0"/>
-              </a:ext>
-            </a:extLst>
-          </a:blip>
-          <a:stretch>
-            <a:fillRect/>
-          </a:stretch>
-        </p:blipFill>
-        <p:spPr>
-          <a:xfrm>
-            <a:off x="3923858" y="5952279"/>
-            <a:ext cx="517918" cy="517918"/>
+      <p:sp>
+        <p:nvSpPr>
+          <p:cNvPr id="453" name="TextBox 452"/>
+          <p:cNvSpPr txBox="1"/>
+          <p:nvPr/>
+        </p:nvSpPr>
+        <p:spPr>
+          <a:xfrm>
+            <a:off x="5650682" y="6521373"/>
+            <a:ext cx="1591591" cy="338554"/>
           </a:xfrm>
           <a:prstGeom prst="rect">
             <a:avLst/>
           </a:prstGeom>
-        </p:spPr>
-      </p:pic>
-      <p:cxnSp>
-        <p:nvCxnSpPr>
-          <p:cNvPr id="435" name="Straight Arrow Connector 434"/>
-          <p:cNvCxnSpPr>
-            <a:stCxn id="212" idx="1"/>
-            <a:endCxn id="433" idx="3"/>
-          </p:cNvCxnSpPr>
-          <p:nvPr/>
-        </p:nvCxnSpPr>
-        <p:spPr>
-          <a:xfrm flipH="1">
-            <a:off x="4441776" y="4895551"/>
-            <a:ext cx="1307916" cy="1315687"/>
-          </a:xfrm>
-          <a:prstGeom prst="straightConnector1">
-            <a:avLst/>
-          </a:prstGeom>
-          <a:ln>
-            <a:tailEnd type="triangle"/>
-          </a:ln>
-        </p:spPr>
-        <p:style>
-          <a:lnRef idx="1">
-            <a:schemeClr val="accent1"/>
-          </a:lnRef>
-          <a:fillRef idx="0">
-            <a:schemeClr val="accent1"/>
-          </a:fillRef>
-          <a:effectRef idx="0">
-            <a:schemeClr val="accent1"/>
-          </a:effectRef>
-          <a:fontRef idx="minor">
-            <a:schemeClr val="tx1"/>
-          </a:fontRef>
-        </p:style>
-      </p:cxnSp>
+          <a:noFill/>
+        </p:spPr>
+        <p:txBody>
+          <a:bodyPr wrap="square" rtlCol="0">
+            <a:spAutoFit/>
+          </a:bodyPr>
+          <a:lstStyle/>
+          <a:p>
+            <a:r>
+              <a:rPr lang="en-US" sz="1600" dirty="0" smtClean="0"/>
+              <a:t>Port: 9000</a:t>
+            </a:r>
+            <a:endParaRPr lang="en-US" sz="1600" dirty="0"/>
+          </a:p>
+        </p:txBody>
+      </p:sp>
+      <p:sp>
+        <p:nvSpPr>
+          <p:cNvPr id="454" name="TextBox 453"/>
+          <p:cNvSpPr txBox="1"/>
+          <p:nvPr/>
+        </p:nvSpPr>
+        <p:spPr>
+          <a:xfrm>
+            <a:off x="5650682" y="5768938"/>
+            <a:ext cx="1591591" cy="338554"/>
+          </a:xfrm>
+          <a:prstGeom prst="rect">
+            <a:avLst/>
+          </a:prstGeom>
+          <a:noFill/>
+        </p:spPr>
+        <p:txBody>
+          <a:bodyPr wrap="square" rtlCol="0">
+            <a:spAutoFit/>
+          </a:bodyPr>
+          <a:lstStyle/>
+          <a:p>
+            <a:r>
+              <a:rPr lang="en-US" sz="1600" dirty="0" smtClean="0"/>
+              <a:t>Port: 9006</a:t>
+            </a:r>
+            <a:endParaRPr lang="en-US" sz="1600" dirty="0"/>
+          </a:p>
+        </p:txBody>
+      </p:sp>
+      <p:sp>
+        <p:nvSpPr>
+          <p:cNvPr id="455" name="TextBox 454"/>
+          <p:cNvSpPr txBox="1"/>
+          <p:nvPr/>
+        </p:nvSpPr>
+        <p:spPr>
+          <a:xfrm>
+            <a:off x="5650682" y="5016506"/>
+            <a:ext cx="1591591" cy="338554"/>
+          </a:xfrm>
+          <a:prstGeom prst="rect">
+            <a:avLst/>
+          </a:prstGeom>
+          <a:noFill/>
+        </p:spPr>
+        <p:txBody>
+          <a:bodyPr wrap="square" rtlCol="0">
+            <a:spAutoFit/>
+          </a:bodyPr>
+          <a:lstStyle/>
+          <a:p>
+            <a:r>
+              <a:rPr lang="en-US" sz="1600" dirty="0" smtClean="0"/>
+              <a:t>Port: 9001</a:t>
+            </a:r>
+            <a:endParaRPr lang="en-US" sz="1600" dirty="0"/>
+          </a:p>
+        </p:txBody>
+      </p:sp>
+      <p:sp>
+        <p:nvSpPr>
+          <p:cNvPr id="456" name="TextBox 455"/>
+          <p:cNvSpPr txBox="1"/>
+          <p:nvPr/>
+        </p:nvSpPr>
+        <p:spPr>
+          <a:xfrm>
+            <a:off x="5650682" y="4264074"/>
+            <a:ext cx="1591591" cy="338554"/>
+          </a:xfrm>
+          <a:prstGeom prst="rect">
+            <a:avLst/>
+          </a:prstGeom>
+          <a:noFill/>
+        </p:spPr>
+        <p:txBody>
+          <a:bodyPr wrap="square" rtlCol="0">
+            <a:spAutoFit/>
+          </a:bodyPr>
+          <a:lstStyle/>
+          <a:p>
+            <a:r>
+              <a:rPr lang="en-US" sz="1600" dirty="0" smtClean="0"/>
+              <a:t>Port: 9002</a:t>
+            </a:r>
+            <a:endParaRPr lang="en-US" sz="1600" dirty="0"/>
+          </a:p>
+        </p:txBody>
+      </p:sp>
+      <p:sp>
+        <p:nvSpPr>
+          <p:cNvPr id="457" name="TextBox 456"/>
+          <p:cNvSpPr txBox="1"/>
+          <p:nvPr/>
+        </p:nvSpPr>
+        <p:spPr>
+          <a:xfrm>
+            <a:off x="5650682" y="3511642"/>
+            <a:ext cx="1591591" cy="338554"/>
+          </a:xfrm>
+          <a:prstGeom prst="rect">
+            <a:avLst/>
+          </a:prstGeom>
+          <a:noFill/>
+        </p:spPr>
+        <p:txBody>
+          <a:bodyPr wrap="square" rtlCol="0">
+            <a:spAutoFit/>
+          </a:bodyPr>
+          <a:lstStyle/>
+          <a:p>
+            <a:r>
+              <a:rPr lang="en-US" sz="1600" dirty="0" smtClean="0"/>
+              <a:t>Port: 9003</a:t>
+            </a:r>
+            <a:endParaRPr lang="en-US" sz="1600" dirty="0"/>
+          </a:p>
+        </p:txBody>
+      </p:sp>
+      <p:sp>
+        <p:nvSpPr>
+          <p:cNvPr id="458" name="TextBox 457"/>
+          <p:cNvSpPr txBox="1"/>
+          <p:nvPr/>
+        </p:nvSpPr>
+        <p:spPr>
+          <a:xfrm>
+            <a:off x="5650682" y="2759210"/>
+            <a:ext cx="1591591" cy="338554"/>
+          </a:xfrm>
+          <a:prstGeom prst="rect">
+            <a:avLst/>
+          </a:prstGeom>
+          <a:noFill/>
+        </p:spPr>
+        <p:txBody>
+          <a:bodyPr wrap="square" rtlCol="0">
+            <a:spAutoFit/>
+          </a:bodyPr>
+          <a:lstStyle/>
+          <a:p>
+            <a:r>
+              <a:rPr lang="en-US" sz="1600" dirty="0" smtClean="0"/>
+              <a:t>Port: 9005</a:t>
+            </a:r>
+            <a:endParaRPr lang="en-US" sz="1600" dirty="0"/>
+          </a:p>
+        </p:txBody>
+      </p:sp>
+      <p:sp>
+        <p:nvSpPr>
+          <p:cNvPr id="459" name="TextBox 458"/>
+          <p:cNvSpPr txBox="1"/>
+          <p:nvPr/>
+        </p:nvSpPr>
+        <p:spPr>
+          <a:xfrm>
+            <a:off x="5650682" y="2006778"/>
+            <a:ext cx="1591591" cy="338554"/>
+          </a:xfrm>
+          <a:prstGeom prst="rect">
+            <a:avLst/>
+          </a:prstGeom>
+          <a:noFill/>
+        </p:spPr>
+        <p:txBody>
+          <a:bodyPr wrap="square" rtlCol="0">
+            <a:spAutoFit/>
+          </a:bodyPr>
+          <a:lstStyle/>
+          <a:p>
+            <a:r>
+              <a:rPr lang="en-US" sz="1600" dirty="0" smtClean="0"/>
+              <a:t>Port: 9004</a:t>
+            </a:r>
+            <a:endParaRPr lang="en-US" sz="1600" dirty="0"/>
+          </a:p>
+        </p:txBody>
+      </p:sp>
+      <p:sp>
+        <p:nvSpPr>
+          <p:cNvPr id="461" name="Rectangle 460"/>
+          <p:cNvSpPr/>
+          <p:nvPr/>
+        </p:nvSpPr>
+        <p:spPr>
+          <a:xfrm>
+            <a:off x="3283211" y="5441269"/>
+            <a:ext cx="1660519" cy="369332"/>
+          </a:xfrm>
+          <a:prstGeom prst="rect">
+            <a:avLst/>
+          </a:prstGeom>
+        </p:spPr>
+        <p:txBody>
+          <a:bodyPr wrap="none">
+            <a:spAutoFit/>
+          </a:bodyPr>
+          <a:lstStyle/>
+          <a:p>
+            <a:r>
+              <a:rPr lang="en-US" dirty="0" err="1" smtClean="0"/>
+              <a:t>q_product_p</a:t>
+            </a:r>
+            <a:r>
+              <a:rPr lang="en-US" dirty="0" smtClean="0"/>
+              <a:t>(n)</a:t>
+            </a:r>
+            <a:endParaRPr lang="en-US" dirty="0"/>
+          </a:p>
+        </p:txBody>
+      </p:sp>
+      <p:sp>
+        <p:nvSpPr>
+          <p:cNvPr id="462" name="Rectangle 461"/>
+          <p:cNvSpPr/>
+          <p:nvPr/>
+        </p:nvSpPr>
+        <p:spPr>
+          <a:xfrm>
+            <a:off x="3384201" y="6379415"/>
+            <a:ext cx="1559529" cy="369332"/>
+          </a:xfrm>
+          <a:prstGeom prst="rect">
+            <a:avLst/>
+          </a:prstGeom>
+        </p:spPr>
+        <p:txBody>
+          <a:bodyPr wrap="none">
+            <a:spAutoFit/>
+          </a:bodyPr>
+          <a:lstStyle/>
+          <a:p>
+            <a:r>
+              <a:rPr lang="en-US" dirty="0" err="1" smtClean="0"/>
+              <a:t>q_product_log</a:t>
+            </a:r>
+            <a:endParaRPr lang="en-US" dirty="0"/>
+          </a:p>
+        </p:txBody>
+      </p:sp>
+      <p:sp>
+        <p:nvSpPr>
+          <p:cNvPr id="463" name="Rectangle 462"/>
+          <p:cNvSpPr/>
+          <p:nvPr/>
+        </p:nvSpPr>
+        <p:spPr>
+          <a:xfrm>
+            <a:off x="2366999" y="3995412"/>
+            <a:ext cx="2576731" cy="335756"/>
+          </a:xfrm>
+          <a:prstGeom prst="rect">
+            <a:avLst/>
+          </a:prstGeom>
+        </p:spPr>
+        <p:txBody>
+          <a:bodyPr wrap="none">
+            <a:spAutoFit/>
+          </a:bodyPr>
+          <a:lstStyle/>
+          <a:p>
+            <a:r>
+              <a:rPr lang="en-US" dirty="0" err="1" smtClean="0"/>
+              <a:t>q_discount_product_p</a:t>
+            </a:r>
+            <a:r>
+              <a:rPr lang="en-US" dirty="0" smtClean="0"/>
+              <a:t>(n)</a:t>
+            </a:r>
+            <a:endParaRPr lang="en-US" dirty="0"/>
+          </a:p>
+        </p:txBody>
+      </p:sp>
     </p:spTree>
     <p:extLst>
       <p:ext uri="{BB962C8B-B14F-4D97-AF65-F5344CB8AC3E}">
@@ -6439,23 +8498,22 @@
         </p:nvSpPr>
         <p:spPr>
           <a:xfrm>
-            <a:off x="0" y="856527"/>
-            <a:ext cx="12192000" cy="6001473"/>
-          </a:xfrm>
-        </p:spPr>
-        <p:txBody>
-          <a:bodyPr/>
-          <a:lstStyle/>
-          <a:p>
-            <a:r>
-              <a:rPr lang="en-US" dirty="0" smtClean="0"/>
-              <a:t>Offline service: </a:t>
-            </a:r>
-            <a:r>
-              <a:rPr lang="en-US" dirty="0" smtClean="0"/>
-              <a:t>executed weekly at 00:00:00 AM</a:t>
-            </a:r>
-            <a:endParaRPr lang="en-US" dirty="0"/>
+            <a:off x="2945081" y="856528"/>
+            <a:ext cx="6650182" cy="423356"/>
+          </a:xfrm>
+        </p:spPr>
+        <p:txBody>
+          <a:bodyPr>
+            <a:normAutofit/>
+          </a:bodyPr>
+          <a:lstStyle/>
+          <a:p>
+            <a:pPr algn="l"/>
+            <a:r>
+              <a:rPr lang="en-US" sz="2000" dirty="0" smtClean="0"/>
+              <a:t>Executed weekly at 00:00:00 AM Sunday</a:t>
+            </a:r>
+            <a:endParaRPr lang="en-US" sz="2000" dirty="0"/>
           </a:p>
         </p:txBody>
       </p:sp>
@@ -6709,36 +8767,6 @@
           </a:fontRef>
         </p:style>
       </p:cxnSp>
-      <p:pic>
-        <p:nvPicPr>
-          <p:cNvPr id="34" name="Picture 33"/>
-          <p:cNvPicPr>
-            <a:picLocks noChangeAspect="1"/>
-          </p:cNvPicPr>
-          <p:nvPr/>
-        </p:nvPicPr>
-        <p:blipFill>
-          <a:blip r:embed="rId4">
-            <a:extLst>
-              <a:ext uri="{28A0092B-C50C-407E-A947-70E740481C1C}">
-                <a14:useLocalDpi xmlns:a14="http://schemas.microsoft.com/office/drawing/2010/main" val="0"/>
-              </a:ext>
-            </a:extLst>
-          </a:blip>
-          <a:stretch>
-            <a:fillRect/>
-          </a:stretch>
-        </p:blipFill>
-        <p:spPr>
-          <a:xfrm>
-            <a:off x="7294536" y="2559879"/>
-            <a:ext cx="4805894" cy="2259810"/>
-          </a:xfrm>
-          <a:prstGeom prst="rect">
-            <a:avLst/>
-          </a:prstGeom>
-        </p:spPr>
-      </p:pic>
       <p:sp>
         <p:nvSpPr>
           <p:cNvPr id="35" name="TextBox 34"/>
@@ -6747,8 +8775,8 @@
         </p:nvSpPr>
         <p:spPr>
           <a:xfrm>
-            <a:off x="721241" y="2502298"/>
-            <a:ext cx="6356453" cy="2554545"/>
+            <a:off x="721241" y="2383544"/>
+            <a:ext cx="10192182" cy="4093428"/>
           </a:xfrm>
           <a:prstGeom prst="rect">
             <a:avLst/>
@@ -6767,7 +8795,7 @@
             </a:pPr>
             <a:r>
               <a:rPr lang="en-US" sz="2000" dirty="0" smtClean="0"/>
-              <a:t>Crawl categories from Amazon web site, store into DB.</a:t>
+              <a:t>Crawl categories from online shopping web site.</a:t>
             </a:r>
           </a:p>
           <a:p>
@@ -6777,7 +8805,15 @@
             </a:pPr>
             <a:r>
               <a:rPr lang="en-US" sz="2000" dirty="0" smtClean="0"/>
-              <a:t>Set category priorities according to subscribers count.</a:t>
+              <a:t>For each category, find the product list </a:t>
+            </a:r>
+            <a:r>
+              <a:rPr lang="en-US" sz="2000" dirty="0" err="1" smtClean="0"/>
+              <a:t>url</a:t>
+            </a:r>
+            <a:r>
+              <a:rPr lang="en-US" sz="2000" dirty="0" smtClean="0"/>
+              <a:t>, store the information into DB.</a:t>
             </a:r>
           </a:p>
           <a:p>
@@ -6787,7 +8823,7 @@
             </a:pPr>
             <a:r>
               <a:rPr lang="en-US" sz="2000" dirty="0" smtClean="0"/>
-              <a:t>Categories with subscribers count &gt; THRESHOLD, set to HIGH (1) priority.</a:t>
+              <a:t>Set category priorities according to the number of subscribers.</a:t>
             </a:r>
           </a:p>
           <a:p>
@@ -6797,7 +8833,7 @@
             </a:pPr>
             <a:r>
               <a:rPr lang="en-US" sz="2000" dirty="0" smtClean="0"/>
-              <a:t>Sort the rest of the categories by subscribers count in descending order.</a:t>
+              <a:t>Categories with subscribers count &gt; THRESHOLD, set to HIGH (1) priority.</a:t>
             </a:r>
           </a:p>
           <a:p>
@@ -6807,7 +8843,7 @@
             </a:pPr>
             <a:r>
               <a:rPr lang="en-US" sz="2000" dirty="0" smtClean="0"/>
-              <a:t>The first half groups are set to MEDIUM (2) priority.</a:t>
+              <a:t>Sort the rest of the categories by the number of subscribers in descending order.</a:t>
             </a:r>
           </a:p>
           <a:p>
@@ -6817,9 +8853,104 @@
             </a:pPr>
             <a:r>
               <a:rPr lang="en-US" sz="2000" dirty="0" smtClean="0"/>
-              <a:t>The second half groups are set to LOW (3) priority.</a:t>
-            </a:r>
-            <a:endParaRPr lang="en-US" sz="2000" dirty="0"/>
+              <a:t>The first half categories in the list are set to MEDIUM (2) priority.</a:t>
+            </a:r>
+          </a:p>
+          <a:p>
+            <a:pPr marL="285750" indent="-285750">
+              <a:buFont typeface="Arial" charset="0"/>
+              <a:buChar char="•"/>
+            </a:pPr>
+            <a:r>
+              <a:rPr lang="en-US" sz="2000" dirty="0" smtClean="0"/>
+              <a:t>The second half categories in the list are set to LOW (3) priority.</a:t>
+            </a:r>
+          </a:p>
+          <a:p>
+            <a:pPr marL="285750" indent="-285750">
+              <a:buFont typeface="Arial" charset="0"/>
+              <a:buChar char="•"/>
+            </a:pPr>
+            <a:r>
+              <a:rPr lang="en-US" sz="2000" dirty="0" smtClean="0"/>
+              <a:t>THRESHOLD is configured at </a:t>
+            </a:r>
+            <a:r>
+              <a:rPr lang="en-US" sz="2000" dirty="0" err="1" smtClean="0"/>
+              <a:t>application.yml</a:t>
+            </a:r>
+            <a:r>
+              <a:rPr lang="en-US" sz="2000" dirty="0"/>
+              <a:t> </a:t>
+            </a:r>
+            <a:r>
+              <a:rPr lang="en-US" sz="2000" dirty="0" smtClean="0"/>
+              <a:t>and stored into DB.</a:t>
+            </a:r>
+          </a:p>
+          <a:p>
+            <a:pPr marL="285750" indent="-285750">
+              <a:buFont typeface="Arial" charset="0"/>
+              <a:buChar char="•"/>
+            </a:pPr>
+            <a:r>
+              <a:rPr lang="en-US" sz="2000" dirty="0" smtClean="0"/>
+              <a:t>When crawler starts, it checks if THRESHOLD exists in DB, if not, get THRESHOLD from property file and update DB.</a:t>
+            </a:r>
+          </a:p>
+          <a:p>
+            <a:pPr marL="285750" indent="-285750">
+              <a:buFont typeface="Arial" charset="0"/>
+              <a:buChar char="•"/>
+            </a:pPr>
+            <a:r>
+              <a:rPr lang="en-US" sz="2000" dirty="0" smtClean="0"/>
+              <a:t>THRESHOLD can also be changed at run time through REST </a:t>
+            </a:r>
+            <a:r>
+              <a:rPr lang="en-US" sz="2000" dirty="0" err="1" smtClean="0"/>
+              <a:t>api</a:t>
+            </a:r>
+            <a:r>
+              <a:rPr lang="en-US" sz="2000" dirty="0" smtClean="0"/>
+              <a:t>:</a:t>
+            </a:r>
+          </a:p>
+          <a:p>
+            <a:pPr marL="285750" indent="-285750">
+              <a:buFont typeface="Arial" charset="0"/>
+              <a:buChar char="•"/>
+            </a:pPr>
+            <a:r>
+              <a:rPr lang="en-US" sz="2000" dirty="0" smtClean="0"/>
+              <a:t>GET	/</a:t>
+            </a:r>
+            <a:r>
+              <a:rPr lang="en-US" sz="2000" dirty="0" err="1" smtClean="0"/>
+              <a:t>api</a:t>
+            </a:r>
+            <a:r>
+              <a:rPr lang="en-US" sz="2000" dirty="0" smtClean="0"/>
+              <a:t>/category-crawler/user-count-threshold		Get threshold</a:t>
+            </a:r>
+          </a:p>
+          <a:p>
+            <a:pPr marL="285750" indent="-285750">
+              <a:buFont typeface="Arial" charset="0"/>
+              <a:buChar char="•"/>
+            </a:pPr>
+            <a:r>
+              <a:rPr lang="en-US" sz="2000" dirty="0" smtClean="0"/>
+              <a:t>PUT	/</a:t>
+            </a:r>
+            <a:r>
+              <a:rPr lang="en-US" sz="2000" dirty="0" err="1" smtClean="0"/>
+              <a:t>api</a:t>
+            </a:r>
+            <a:r>
+              <a:rPr lang="en-US" sz="2000" dirty="0" smtClean="0"/>
+              <a:t>/category-crawler/user-count-threshold		Update threshold</a:t>
+            </a:r>
           </a:p>
         </p:txBody>
       </p:sp>
@@ -6903,7 +9034,7 @@
           <p:nvPr/>
         </p:nvPicPr>
         <p:blipFill>
-          <a:blip r:embed="rId2">
+          <a:blip r:embed="rId3">
             <a:extLst>
               <a:ext uri="{28A0092B-C50C-407E-A947-70E740481C1C}">
                 <a14:useLocalDpi xmlns:a14="http://schemas.microsoft.com/office/drawing/2010/main" val="0"/>
@@ -6927,236 +9058,6 @@
       <p:pic>
         <p:nvPicPr>
           <p:cNvPr id="14" name="Content Placeholder 119"/>
-          <p:cNvPicPr>
-            <a:picLocks noChangeAspect="1"/>
-          </p:cNvPicPr>
-          <p:nvPr/>
-        </p:nvPicPr>
-        <p:blipFill>
-          <a:blip r:embed="rId2">
-            <a:extLst>
-              <a:ext uri="{28A0092B-C50C-407E-A947-70E740481C1C}">
-                <a14:useLocalDpi xmlns:a14="http://schemas.microsoft.com/office/drawing/2010/main" val="0"/>
-              </a:ext>
-            </a:extLst>
-          </a:blip>
-          <a:stretch>
-            <a:fillRect/>
-          </a:stretch>
-        </p:blipFill>
-        <p:spPr>
-          <a:xfrm>
-            <a:off x="1250955" y="1197973"/>
-            <a:ext cx="273043" cy="273043"/>
-          </a:xfrm>
-          <a:prstGeom prst="rect">
-            <a:avLst/>
-          </a:prstGeom>
-        </p:spPr>
-      </p:pic>
-      <p:pic>
-        <p:nvPicPr>
-          <p:cNvPr id="15" name="Content Placeholder 119"/>
-          <p:cNvPicPr>
-            <a:picLocks noChangeAspect="1"/>
-          </p:cNvPicPr>
-          <p:nvPr/>
-        </p:nvPicPr>
-        <p:blipFill>
-          <a:blip r:embed="rId2">
-            <a:extLst>
-              <a:ext uri="{28A0092B-C50C-407E-A947-70E740481C1C}">
-                <a14:useLocalDpi xmlns:a14="http://schemas.microsoft.com/office/drawing/2010/main" val="0"/>
-              </a:ext>
-            </a:extLst>
-          </a:blip>
-          <a:stretch>
-            <a:fillRect/>
-          </a:stretch>
-        </p:blipFill>
-        <p:spPr>
-          <a:xfrm>
-            <a:off x="1250955" y="1509122"/>
-            <a:ext cx="273043" cy="273043"/>
-          </a:xfrm>
-          <a:prstGeom prst="rect">
-            <a:avLst/>
-          </a:prstGeom>
-        </p:spPr>
-      </p:pic>
-      <p:sp>
-        <p:nvSpPr>
-          <p:cNvPr id="6" name="TextBox 5"/>
-          <p:cNvSpPr txBox="1"/>
-          <p:nvPr/>
-        </p:nvSpPr>
-        <p:spPr>
-          <a:xfrm>
-            <a:off x="1524000" y="875226"/>
-            <a:ext cx="7559471" cy="369332"/>
-          </a:xfrm>
-          <a:prstGeom prst="rect">
-            <a:avLst/>
-          </a:prstGeom>
-          <a:noFill/>
-        </p:spPr>
-        <p:txBody>
-          <a:bodyPr wrap="square" rtlCol="0">
-            <a:spAutoFit/>
-          </a:bodyPr>
-          <a:lstStyle/>
-          <a:p>
-            <a:r>
-              <a:rPr lang="en-US" dirty="0"/>
-              <a:t>HIGH priority: executed every 3 hours starting at 01:00:00 AM</a:t>
-            </a:r>
-          </a:p>
-        </p:txBody>
-      </p:sp>
-      <p:sp>
-        <p:nvSpPr>
-          <p:cNvPr id="8" name="TextBox 7"/>
-          <p:cNvSpPr txBox="1"/>
-          <p:nvPr/>
-        </p:nvSpPr>
-        <p:spPr>
-          <a:xfrm>
-            <a:off x="1524000" y="1197973"/>
-            <a:ext cx="6899564" cy="369332"/>
-          </a:xfrm>
-          <a:prstGeom prst="rect">
-            <a:avLst/>
-          </a:prstGeom>
-          <a:noFill/>
-        </p:spPr>
-        <p:txBody>
-          <a:bodyPr wrap="square" rtlCol="0">
-            <a:spAutoFit/>
-          </a:bodyPr>
-          <a:lstStyle/>
-          <a:p>
-            <a:r>
-              <a:rPr lang="en-US"/>
-              <a:t>MIDUM priority: executed every 12 hours starting at </a:t>
-            </a:r>
-            <a:r>
-              <a:rPr lang="en-US"/>
-              <a:t>02:00:00 </a:t>
-            </a:r>
-            <a:r>
-              <a:rPr lang="en-US" smtClean="0"/>
-              <a:t>AM</a:t>
-            </a:r>
-            <a:endParaRPr lang="en-US"/>
-          </a:p>
-        </p:txBody>
-      </p:sp>
-      <p:sp>
-        <p:nvSpPr>
-          <p:cNvPr id="9" name="TextBox 8"/>
-          <p:cNvSpPr txBox="1"/>
-          <p:nvPr/>
-        </p:nvSpPr>
-        <p:spPr>
-          <a:xfrm>
-            <a:off x="1524000" y="1509122"/>
-            <a:ext cx="5838701" cy="369332"/>
-          </a:xfrm>
-          <a:prstGeom prst="rect">
-            <a:avLst/>
-          </a:prstGeom>
-          <a:noFill/>
-        </p:spPr>
-        <p:txBody>
-          <a:bodyPr wrap="square" rtlCol="0">
-            <a:spAutoFit/>
-          </a:bodyPr>
-          <a:lstStyle/>
-          <a:p>
-            <a:r>
-              <a:rPr lang="en-US" dirty="0"/>
-              <a:t>LOW priority: executed every day at 03:00:00 AM</a:t>
-            </a:r>
-            <a:endParaRPr lang="en-US" dirty="0"/>
-          </a:p>
-        </p:txBody>
-      </p:sp>
-      <p:sp>
-        <p:nvSpPr>
-          <p:cNvPr id="21" name="Cube 20"/>
-          <p:cNvSpPr/>
-          <p:nvPr/>
-        </p:nvSpPr>
-        <p:spPr>
-          <a:xfrm>
-            <a:off x="2210797" y="2182310"/>
-            <a:ext cx="1980955" cy="417372"/>
-          </a:xfrm>
-          <a:prstGeom prst="cube">
-            <a:avLst/>
-          </a:prstGeom>
-          <a:solidFill>
-            <a:srgbClr val="00B0F0"/>
-          </a:solidFill>
-        </p:spPr>
-        <p:style>
-          <a:lnRef idx="2">
-            <a:schemeClr val="accent1">
-              <a:shade val="50000"/>
-            </a:schemeClr>
-          </a:lnRef>
-          <a:fillRef idx="1">
-            <a:schemeClr val="accent1"/>
-          </a:fillRef>
-          <a:effectRef idx="0">
-            <a:schemeClr val="accent1"/>
-          </a:effectRef>
-          <a:fontRef idx="minor">
-            <a:schemeClr val="lt1"/>
-          </a:fontRef>
-        </p:style>
-        <p:txBody>
-          <a:bodyPr rtlCol="0" anchor="ctr"/>
-          <a:lstStyle/>
-          <a:p>
-            <a:pPr algn="ctr"/>
-            <a:endParaRPr lang="en-US"/>
-          </a:p>
-        </p:txBody>
-      </p:sp>
-      <p:sp>
-        <p:nvSpPr>
-          <p:cNvPr id="22" name="TextBox 21"/>
-          <p:cNvSpPr txBox="1"/>
-          <p:nvPr/>
-        </p:nvSpPr>
-        <p:spPr>
-          <a:xfrm>
-            <a:off x="2211026" y="2292193"/>
-            <a:ext cx="1980726" cy="276999"/>
-          </a:xfrm>
-          <a:prstGeom prst="rect">
-            <a:avLst/>
-          </a:prstGeom>
-          <a:noFill/>
-        </p:spPr>
-        <p:txBody>
-          <a:bodyPr wrap="square" rtlCol="0">
-            <a:spAutoFit/>
-          </a:bodyPr>
-          <a:lstStyle/>
-          <a:p>
-            <a:r>
-              <a:rPr lang="en-US" sz="1200" dirty="0" smtClean="0"/>
-              <a:t>Category Crawler (p1)</a:t>
-            </a:r>
-            <a:endParaRPr lang="en-US" sz="1200" dirty="0"/>
-          </a:p>
-        </p:txBody>
-      </p:sp>
-      <p:pic>
-        <p:nvPicPr>
-          <p:cNvPr id="23" name="Picture 22"/>
           <p:cNvPicPr>
             <a:picLocks noChangeAspect="1"/>
           </p:cNvPicPr>
@@ -7176,8 +9077,8 @@
         </p:blipFill>
         <p:spPr>
           <a:xfrm>
-            <a:off x="4964156" y="2059247"/>
-            <a:ext cx="517918" cy="517918"/>
+            <a:off x="1250955" y="1197973"/>
+            <a:ext cx="273043" cy="273043"/>
           </a:xfrm>
           <a:prstGeom prst="rect">
             <a:avLst/>
@@ -7186,7 +9087,203 @@
       </p:pic>
       <p:pic>
         <p:nvPicPr>
-          <p:cNvPr id="24" name="Picture 23"/>
+          <p:cNvPr id="15" name="Content Placeholder 119"/>
+          <p:cNvPicPr>
+            <a:picLocks noChangeAspect="1"/>
+          </p:cNvPicPr>
+          <p:nvPr/>
+        </p:nvPicPr>
+        <p:blipFill>
+          <a:blip r:embed="rId3">
+            <a:extLst>
+              <a:ext uri="{28A0092B-C50C-407E-A947-70E740481C1C}">
+                <a14:useLocalDpi xmlns:a14="http://schemas.microsoft.com/office/drawing/2010/main" val="0"/>
+              </a:ext>
+            </a:extLst>
+          </a:blip>
+          <a:stretch>
+            <a:fillRect/>
+          </a:stretch>
+        </p:blipFill>
+        <p:spPr>
+          <a:xfrm>
+            <a:off x="1250955" y="1509122"/>
+            <a:ext cx="273043" cy="273043"/>
+          </a:xfrm>
+          <a:prstGeom prst="rect">
+            <a:avLst/>
+          </a:prstGeom>
+        </p:spPr>
+      </p:pic>
+      <p:sp>
+        <p:nvSpPr>
+          <p:cNvPr id="6" name="TextBox 5"/>
+          <p:cNvSpPr txBox="1"/>
+          <p:nvPr/>
+        </p:nvSpPr>
+        <p:spPr>
+          <a:xfrm>
+            <a:off x="1524000" y="875226"/>
+            <a:ext cx="8154390" cy="369332"/>
+          </a:xfrm>
+          <a:prstGeom prst="rect">
+            <a:avLst/>
+          </a:prstGeom>
+          <a:noFill/>
+        </p:spPr>
+        <p:txBody>
+          <a:bodyPr wrap="square" rtlCol="0">
+            <a:spAutoFit/>
+          </a:bodyPr>
+          <a:lstStyle/>
+          <a:p>
+            <a:r>
+              <a:rPr lang="en-US" dirty="0"/>
+              <a:t>HIGH priority: executed every 3 hours starting at 01:00:00 AM</a:t>
+            </a:r>
+          </a:p>
+        </p:txBody>
+      </p:sp>
+      <p:sp>
+        <p:nvSpPr>
+          <p:cNvPr id="8" name="TextBox 7"/>
+          <p:cNvSpPr txBox="1"/>
+          <p:nvPr/>
+        </p:nvSpPr>
+        <p:spPr>
+          <a:xfrm>
+            <a:off x="1523999" y="1197973"/>
+            <a:ext cx="8380021" cy="369332"/>
+          </a:xfrm>
+          <a:prstGeom prst="rect">
+            <a:avLst/>
+          </a:prstGeom>
+          <a:noFill/>
+        </p:spPr>
+        <p:txBody>
+          <a:bodyPr wrap="square" rtlCol="0">
+            <a:spAutoFit/>
+          </a:bodyPr>
+          <a:lstStyle/>
+          <a:p>
+            <a:r>
+              <a:rPr lang="en-US" dirty="0"/>
+              <a:t>MIDUM priority: executed every 12 hours starting at 02:00:00 </a:t>
+            </a:r>
+            <a:r>
+              <a:rPr lang="en-US" dirty="0" smtClean="0"/>
+              <a:t>AM</a:t>
+            </a:r>
+            <a:endParaRPr lang="en-US" dirty="0"/>
+          </a:p>
+        </p:txBody>
+      </p:sp>
+      <p:sp>
+        <p:nvSpPr>
+          <p:cNvPr id="9" name="TextBox 8"/>
+          <p:cNvSpPr txBox="1"/>
+          <p:nvPr/>
+        </p:nvSpPr>
+        <p:spPr>
+          <a:xfrm>
+            <a:off x="1524000" y="1509122"/>
+            <a:ext cx="5838701" cy="369332"/>
+          </a:xfrm>
+          <a:prstGeom prst="rect">
+            <a:avLst/>
+          </a:prstGeom>
+          <a:noFill/>
+        </p:spPr>
+        <p:txBody>
+          <a:bodyPr wrap="square" rtlCol="0">
+            <a:spAutoFit/>
+          </a:bodyPr>
+          <a:lstStyle/>
+          <a:p>
+            <a:r>
+              <a:rPr lang="en-US" dirty="0"/>
+              <a:t>LOW priority: executed every day at 03:00:00 AM</a:t>
+            </a:r>
+            <a:endParaRPr lang="en-US" dirty="0"/>
+          </a:p>
+        </p:txBody>
+      </p:sp>
+      <p:sp>
+        <p:nvSpPr>
+          <p:cNvPr id="21" name="Cube 20"/>
+          <p:cNvSpPr/>
+          <p:nvPr/>
+        </p:nvSpPr>
+        <p:spPr>
+          <a:xfrm>
+            <a:off x="3980219" y="2182310"/>
+            <a:ext cx="1980955" cy="417372"/>
+          </a:xfrm>
+          <a:prstGeom prst="cube">
+            <a:avLst/>
+          </a:prstGeom>
+          <a:solidFill>
+            <a:srgbClr val="00B0F0"/>
+          </a:solidFill>
+        </p:spPr>
+        <p:style>
+          <a:lnRef idx="2">
+            <a:schemeClr val="accent1">
+              <a:shade val="50000"/>
+            </a:schemeClr>
+          </a:lnRef>
+          <a:fillRef idx="1">
+            <a:schemeClr val="accent1"/>
+          </a:fillRef>
+          <a:effectRef idx="0">
+            <a:schemeClr val="accent1"/>
+          </a:effectRef>
+          <a:fontRef idx="minor">
+            <a:schemeClr val="lt1"/>
+          </a:fontRef>
+        </p:style>
+        <p:txBody>
+          <a:bodyPr rtlCol="0" anchor="ctr"/>
+          <a:lstStyle/>
+          <a:p>
+            <a:pPr algn="ctr"/>
+            <a:endParaRPr lang="en-US"/>
+          </a:p>
+        </p:txBody>
+      </p:sp>
+      <p:sp>
+        <p:nvSpPr>
+          <p:cNvPr id="22" name="TextBox 21"/>
+          <p:cNvSpPr txBox="1"/>
+          <p:nvPr/>
+        </p:nvSpPr>
+        <p:spPr>
+          <a:xfrm>
+            <a:off x="3992323" y="2292193"/>
+            <a:ext cx="1980726" cy="276999"/>
+          </a:xfrm>
+          <a:prstGeom prst="rect">
+            <a:avLst/>
+          </a:prstGeom>
+          <a:noFill/>
+        </p:spPr>
+        <p:txBody>
+          <a:bodyPr wrap="square" rtlCol="0">
+            <a:spAutoFit/>
+          </a:bodyPr>
+          <a:lstStyle/>
+          <a:p>
+            <a:r>
+              <a:rPr lang="en-US" sz="1200" dirty="0" smtClean="0"/>
+              <a:t>Category Crawler (p1)</a:t>
+            </a:r>
+            <a:endParaRPr lang="en-US" sz="1200" dirty="0"/>
+          </a:p>
+        </p:txBody>
+      </p:sp>
+      <p:pic>
+        <p:nvPicPr>
+          <p:cNvPr id="23" name="Picture 22"/>
           <p:cNvPicPr>
             <a:picLocks noChangeAspect="1"/>
           </p:cNvPicPr>
@@ -7206,7 +9303,37 @@
         </p:blipFill>
         <p:spPr>
           <a:xfrm>
-            <a:off x="982721" y="3854143"/>
+            <a:off x="6757330" y="2059247"/>
+            <a:ext cx="517918" cy="517918"/>
+          </a:xfrm>
+          <a:prstGeom prst="rect">
+            <a:avLst/>
+          </a:prstGeom>
+        </p:spPr>
+      </p:pic>
+      <p:pic>
+        <p:nvPicPr>
+          <p:cNvPr id="24" name="Picture 23"/>
+          <p:cNvPicPr>
+            <a:picLocks noChangeAspect="1"/>
+          </p:cNvPicPr>
+          <p:nvPr/>
+        </p:nvPicPr>
+        <p:blipFill>
+          <a:blip r:embed="rId5">
+            <a:extLst>
+              <a:ext uri="{28A0092B-C50C-407E-A947-70E740481C1C}">
+                <a14:useLocalDpi xmlns:a14="http://schemas.microsoft.com/office/drawing/2010/main" val="0"/>
+              </a:ext>
+            </a:extLst>
+          </a:blip>
+          <a:stretch>
+            <a:fillRect/>
+          </a:stretch>
+        </p:blipFill>
+        <p:spPr>
+          <a:xfrm>
+            <a:off x="2511504" y="3654143"/>
             <a:ext cx="809510" cy="809510"/>
           </a:xfrm>
           <a:prstGeom prst="rect">
@@ -7225,8 +9352,8 @@
         </p:nvCxnSpPr>
         <p:spPr>
           <a:xfrm flipH="1">
-            <a:off x="1387476" y="3058705"/>
-            <a:ext cx="823321" cy="795438"/>
+            <a:off x="2916259" y="3058706"/>
+            <a:ext cx="1075835" cy="595437"/>
           </a:xfrm>
           <a:prstGeom prst="straightConnector1">
             <a:avLst/>
@@ -7262,8 +9389,8 @@
         </p:nvCxnSpPr>
         <p:spPr>
           <a:xfrm flipV="1">
-            <a:off x="4191752" y="2318206"/>
-            <a:ext cx="772404" cy="20619"/>
+            <a:off x="5961174" y="2318206"/>
+            <a:ext cx="796156" cy="20619"/>
           </a:xfrm>
           <a:prstGeom prst="straightConnector1">
             <a:avLst/>
@@ -7295,8 +9422,8 @@
         </p:nvSpPr>
         <p:spPr>
           <a:xfrm>
-            <a:off x="1207323" y="5142016"/>
-            <a:ext cx="9460677" cy="1200329"/>
+            <a:off x="1207323" y="4536386"/>
+            <a:ext cx="9460677" cy="2246769"/>
           </a:xfrm>
           <a:prstGeom prst="rect">
             <a:avLst/>
@@ -7314,8 +9441,8 @@
               <a:buChar char="•"/>
             </a:pPr>
             <a:r>
-              <a:rPr lang="en-US" dirty="0" smtClean="0"/>
-              <a:t>Get category list from Category table with matching priority.</a:t>
+              <a:rPr lang="en-US" sz="2000" dirty="0" smtClean="0"/>
+              <a:t>Get category list from Category table with the matching priority.</a:t>
             </a:r>
           </a:p>
           <a:p>
@@ -7324,8 +9451,8 @@
               <a:buChar char="•"/>
             </a:pPr>
             <a:r>
-              <a:rPr lang="en-US" dirty="0" smtClean="0"/>
-              <a:t>Product is sent to q_product_p1, q_product_p2, q_product_p3.</a:t>
+              <a:rPr lang="en-US" sz="2000" dirty="0" smtClean="0"/>
+              <a:t>Order categories by subscriber count in descending order.</a:t>
             </a:r>
           </a:p>
           <a:p>
@@ -7334,9 +9461,22 @@
               <a:buChar char="•"/>
             </a:pPr>
             <a:r>
-              <a:rPr lang="en-US" dirty="0" smtClean="0"/>
-              <a:t>For each category, a new worker thread is started to parallel crawling the products.</a:t>
-            </a:r>
+              <a:rPr lang="en-US" sz="2000" dirty="0"/>
+              <a:t>For each category, a new worker thread is started to </a:t>
+            </a:r>
+            <a:r>
+              <a:rPr lang="en-US" sz="2000" dirty="0" smtClean="0"/>
+              <a:t>crawl </a:t>
+            </a:r>
+            <a:r>
+              <a:rPr lang="en-US" sz="2000" dirty="0"/>
+              <a:t>the </a:t>
+            </a:r>
+            <a:r>
+              <a:rPr lang="en-US" sz="2000" dirty="0" smtClean="0"/>
+              <a:t>products in parallel.</a:t>
+            </a:r>
+            <a:endParaRPr lang="en-US" sz="2000" dirty="0"/>
           </a:p>
           <a:p>
             <a:pPr marL="285750" indent="-285750">
@@ -7344,18 +9484,64 @@
               <a:buChar char="•"/>
             </a:pPr>
             <a:r>
-              <a:rPr lang="en-US" dirty="0" smtClean="0"/>
+              <a:rPr lang="en-US" sz="2000" dirty="0" smtClean="0"/>
+              <a:t>The worker thread get the product list </a:t>
+            </a:r>
+            <a:r>
+              <a:rPr lang="en-US" sz="2000" dirty="0" err="1" smtClean="0"/>
+              <a:t>url</a:t>
+            </a:r>
+            <a:r>
+              <a:rPr lang="en-US" sz="2000" dirty="0" smtClean="0"/>
+              <a:t> from the Category object.</a:t>
+            </a:r>
+          </a:p>
+          <a:p>
+            <a:pPr marL="285750" indent="-285750">
+              <a:buFont typeface="Arial" charset="0"/>
+              <a:buChar char="•"/>
+            </a:pPr>
+            <a:r>
+              <a:rPr lang="en-US" sz="2000" dirty="0" smtClean="0"/>
+              <a:t>The worker thread crawls the online shopping web site to get all products.</a:t>
+            </a:r>
+          </a:p>
+          <a:p>
+            <a:pPr marL="285750" indent="-285750">
+              <a:buFont typeface="Arial" charset="0"/>
+              <a:buChar char="•"/>
+            </a:pPr>
+            <a:r>
+              <a:rPr lang="en-US" sz="2000" dirty="0" smtClean="0"/>
+              <a:t>Product information is sent to </a:t>
+            </a:r>
+            <a:r>
+              <a:rPr lang="en-US" sz="2000" dirty="0" err="1" smtClean="0"/>
+              <a:t>q_product_p</a:t>
+            </a:r>
+            <a:r>
+              <a:rPr lang="en-US" sz="2000" dirty="0" smtClean="0"/>
+              <a:t>(n).</a:t>
+            </a:r>
+          </a:p>
+          <a:p>
+            <a:pPr marL="285750" indent="-285750">
+              <a:buFont typeface="Arial" charset="0"/>
+              <a:buChar char="•"/>
+            </a:pPr>
+            <a:r>
+              <a:rPr lang="en-US" sz="2000" dirty="0" smtClean="0"/>
               <a:t>Log information is sent to </a:t>
             </a:r>
             <a:r>
-              <a:rPr lang="en-US" dirty="0" err="1" smtClean="0"/>
+              <a:rPr lang="en-US" sz="2000" dirty="0" err="1" smtClean="0"/>
               <a:t>q_product_log</a:t>
             </a:r>
             <a:r>
-              <a:rPr lang="en-US" dirty="0" smtClean="0"/>
+              <a:rPr lang="en-US" sz="2000" dirty="0" smtClean="0"/>
               <a:t> with status SUCCESS (0) or FAIL (1). </a:t>
             </a:r>
-            <a:endParaRPr lang="en-US" dirty="0"/>
+            <a:endParaRPr lang="en-US" sz="2000" dirty="0"/>
           </a:p>
         </p:txBody>
       </p:sp>
@@ -7368,7 +9554,7 @@
           <p:nvPr/>
         </p:nvPicPr>
         <p:blipFill>
-          <a:blip r:embed="rId3">
+          <a:blip r:embed="rId4">
             <a:extLst>
               <a:ext uri="{28A0092B-C50C-407E-A947-70E740481C1C}">
                 <a14:useLocalDpi xmlns:a14="http://schemas.microsoft.com/office/drawing/2010/main" val="0"/>
@@ -7381,7 +9567,7 @@
         </p:blipFill>
         <p:spPr>
           <a:xfrm>
-            <a:off x="4964156" y="4021588"/>
+            <a:off x="6757330" y="4021588"/>
             <a:ext cx="517918" cy="517918"/>
           </a:xfrm>
           <a:prstGeom prst="rect">
@@ -7393,15 +9579,15 @@
         <p:nvCxnSpPr>
           <p:cNvPr id="33" name="Straight Arrow Connector 32"/>
           <p:cNvCxnSpPr>
-            <a:stCxn id="22" idx="3"/>
+            <a:stCxn id="21" idx="5"/>
             <a:endCxn id="31" idx="1"/>
           </p:cNvCxnSpPr>
           <p:nvPr/>
         </p:nvCxnSpPr>
         <p:spPr>
           <a:xfrm>
-            <a:off x="4191752" y="2430693"/>
-            <a:ext cx="772404" cy="1849854"/>
+            <a:off x="5961174" y="2338825"/>
+            <a:ext cx="796156" cy="1941722"/>
           </a:xfrm>
           <a:prstGeom prst="straightConnector1">
             <a:avLst/>
@@ -7433,7 +9619,7 @@
         </p:nvSpPr>
         <p:spPr>
           <a:xfrm>
-            <a:off x="5438896" y="2059247"/>
+            <a:off x="7220193" y="2059247"/>
             <a:ext cx="2339441" cy="369332"/>
           </a:xfrm>
           <a:prstGeom prst="rect">
@@ -7463,7 +9649,7 @@
         </p:nvSpPr>
         <p:spPr>
           <a:xfrm>
-            <a:off x="5438897" y="4021588"/>
+            <a:off x="7220194" y="4021588"/>
             <a:ext cx="1626920" cy="369332"/>
           </a:xfrm>
           <a:prstGeom prst="rect">
@@ -7498,7 +9684,7 @@
           <p:nvPr/>
         </p:nvPicPr>
         <p:blipFill>
-          <a:blip r:embed="rId3">
+          <a:blip r:embed="rId4">
             <a:extLst>
               <a:ext uri="{28A0092B-C50C-407E-A947-70E740481C1C}">
                 <a14:useLocalDpi xmlns:a14="http://schemas.microsoft.com/office/drawing/2010/main" val="0"/>
@@ -7511,7 +9697,7 @@
         </p:blipFill>
         <p:spPr>
           <a:xfrm>
-            <a:off x="4964156" y="2710410"/>
+            <a:off x="6757330" y="2710410"/>
             <a:ext cx="517918" cy="517918"/>
           </a:xfrm>
           <a:prstGeom prst="rect">
@@ -7528,7 +9714,7 @@
           <p:nvPr/>
         </p:nvPicPr>
         <p:blipFill>
-          <a:blip r:embed="rId3">
+          <a:blip r:embed="rId4">
             <a:extLst>
               <a:ext uri="{28A0092B-C50C-407E-A947-70E740481C1C}">
                 <a14:useLocalDpi xmlns:a14="http://schemas.microsoft.com/office/drawing/2010/main" val="0"/>
@@ -7541,7 +9727,7 @@
         </p:blipFill>
         <p:spPr>
           <a:xfrm>
-            <a:off x="4964156" y="3370425"/>
+            <a:off x="6757330" y="3370425"/>
             <a:ext cx="517918" cy="517918"/>
           </a:xfrm>
           <a:prstGeom prst="rect">
@@ -7557,7 +9743,7 @@
         </p:nvSpPr>
         <p:spPr>
           <a:xfrm>
-            <a:off x="2210797" y="2797847"/>
+            <a:off x="3992094" y="2797848"/>
             <a:ext cx="1980955" cy="417372"/>
           </a:xfrm>
           <a:prstGeom prst="cube">
@@ -7600,7 +9786,7 @@
         </p:nvSpPr>
         <p:spPr>
           <a:xfrm>
-            <a:off x="2210797" y="3413385"/>
+            <a:off x="3968351" y="3413385"/>
             <a:ext cx="1980955" cy="417372"/>
           </a:xfrm>
           <a:prstGeom prst="cube">
@@ -7643,7 +9829,7 @@
         </p:nvSpPr>
         <p:spPr>
           <a:xfrm>
-            <a:off x="2211026" y="2932472"/>
+            <a:off x="3980449" y="2914659"/>
             <a:ext cx="1980726" cy="276999"/>
           </a:xfrm>
           <a:prstGeom prst="rect">
@@ -7673,7 +9859,7 @@
         </p:nvSpPr>
         <p:spPr>
           <a:xfrm>
-            <a:off x="2211026" y="3537126"/>
+            <a:off x="3992323" y="3537126"/>
             <a:ext cx="1980726" cy="276999"/>
           </a:xfrm>
           <a:prstGeom prst="rect">
@@ -7699,15 +9885,15 @@
         <p:nvCxnSpPr>
           <p:cNvPr id="47" name="Straight Arrow Connector 46"/>
           <p:cNvCxnSpPr>
-            <a:stCxn id="45" idx="1"/>
+            <a:stCxn id="43" idx="2"/>
             <a:endCxn id="24" idx="0"/>
           </p:cNvCxnSpPr>
           <p:nvPr/>
         </p:nvCxnSpPr>
         <p:spPr>
-          <a:xfrm flipH="1">
-            <a:off x="1387476" y="3675626"/>
-            <a:ext cx="823550" cy="178517"/>
+          <a:xfrm flipH="1" flipV="1">
+            <a:off x="2916259" y="3654143"/>
+            <a:ext cx="1052092" cy="20100"/>
           </a:xfrm>
           <a:prstGeom prst="straightConnector1">
             <a:avLst/>
@@ -7743,8 +9929,8 @@
         </p:nvCxnSpPr>
         <p:spPr>
           <a:xfrm flipH="1">
-            <a:off x="1387476" y="2443168"/>
-            <a:ext cx="823321" cy="1410975"/>
+            <a:off x="2916259" y="2443168"/>
+            <a:ext cx="1063960" cy="1210975"/>
           </a:xfrm>
           <a:prstGeom prst="straightConnector1">
             <a:avLst/>
@@ -7780,8 +9966,8 @@
         </p:nvCxnSpPr>
         <p:spPr>
           <a:xfrm>
-            <a:off x="4191752" y="2954362"/>
-            <a:ext cx="772404" cy="15007"/>
+            <a:off x="5973049" y="2954363"/>
+            <a:ext cx="784281" cy="15006"/>
           </a:xfrm>
           <a:prstGeom prst="straightConnector1">
             <a:avLst/>
@@ -7816,8 +10002,8 @@
         </p:nvCxnSpPr>
         <p:spPr>
           <a:xfrm>
-            <a:off x="4191752" y="3569900"/>
-            <a:ext cx="772404" cy="59484"/>
+            <a:off x="5949306" y="3569900"/>
+            <a:ext cx="808024" cy="59484"/>
           </a:xfrm>
           <a:prstGeom prst="straightConnector1">
             <a:avLst/>
@@ -7852,8 +10038,8 @@
         </p:nvCxnSpPr>
         <p:spPr>
           <a:xfrm>
-            <a:off x="4191752" y="3569900"/>
-            <a:ext cx="772404" cy="710647"/>
+            <a:off x="5949306" y="3569900"/>
+            <a:ext cx="808024" cy="710647"/>
           </a:xfrm>
           <a:prstGeom prst="straightConnector1">
             <a:avLst/>
@@ -7881,15 +10067,15 @@
         <p:nvCxnSpPr>
           <p:cNvPr id="61" name="Straight Arrow Connector 60"/>
           <p:cNvCxnSpPr>
-            <a:stCxn id="44" idx="3"/>
+            <a:stCxn id="42" idx="5"/>
             <a:endCxn id="31" idx="1"/>
           </p:cNvCxnSpPr>
           <p:nvPr/>
         </p:nvCxnSpPr>
         <p:spPr>
           <a:xfrm>
-            <a:off x="4191752" y="3070972"/>
-            <a:ext cx="772404" cy="1209575"/>
+            <a:off x="5973049" y="2954363"/>
+            <a:ext cx="784281" cy="1326184"/>
           </a:xfrm>
           <a:prstGeom prst="straightConnector1">
             <a:avLst/>
@@ -7921,7 +10107,7 @@
         </p:nvSpPr>
         <p:spPr>
           <a:xfrm>
-            <a:off x="5438896" y="2710410"/>
+            <a:off x="7220193" y="2710410"/>
             <a:ext cx="2719451" cy="369332"/>
           </a:xfrm>
           <a:prstGeom prst="rect">
@@ -7951,7 +10137,7 @@
         </p:nvSpPr>
         <p:spPr>
           <a:xfrm>
-            <a:off x="5438897" y="3370425"/>
+            <a:off x="7220194" y="3370425"/>
             <a:ext cx="2339440" cy="369332"/>
           </a:xfrm>
           <a:prstGeom prst="rect">
@@ -7973,6 +10159,159 @@
           </a:p>
         </p:txBody>
       </p:sp>
+      <p:sp>
+        <p:nvSpPr>
+          <p:cNvPr id="72" name="Cloud 71"/>
+          <p:cNvSpPr/>
+          <p:nvPr/>
+        </p:nvSpPr>
+        <p:spPr>
+          <a:xfrm>
+            <a:off x="2395716" y="1956510"/>
+            <a:ext cx="791004" cy="653598"/>
+          </a:xfrm>
+          <a:prstGeom prst="cloud">
+            <a:avLst/>
+          </a:prstGeom>
+          <a:solidFill>
+            <a:schemeClr val="bg2">
+              <a:lumMod val="90000"/>
+            </a:schemeClr>
+          </a:solidFill>
+        </p:spPr>
+        <p:style>
+          <a:lnRef idx="2">
+            <a:schemeClr val="accent1">
+              <a:shade val="50000"/>
+            </a:schemeClr>
+          </a:lnRef>
+          <a:fillRef idx="1">
+            <a:schemeClr val="accent1"/>
+          </a:fillRef>
+          <a:effectRef idx="0">
+            <a:schemeClr val="accent1"/>
+          </a:effectRef>
+          <a:fontRef idx="minor">
+            <a:schemeClr val="lt1"/>
+          </a:fontRef>
+        </p:style>
+        <p:txBody>
+          <a:bodyPr rtlCol="0" anchor="ctr"/>
+          <a:lstStyle/>
+          <a:p>
+            <a:pPr algn="ctr"/>
+            <a:endParaRPr lang="en-US"/>
+          </a:p>
+        </p:txBody>
+      </p:sp>
+      <p:cxnSp>
+        <p:nvCxnSpPr>
+          <p:cNvPr id="77" name="Straight Arrow Connector 76"/>
+          <p:cNvCxnSpPr>
+            <a:stCxn id="72" idx="0"/>
+            <a:endCxn id="21" idx="2"/>
+          </p:cNvCxnSpPr>
+          <p:nvPr/>
+        </p:nvCxnSpPr>
+        <p:spPr>
+          <a:xfrm>
+            <a:off x="3186061" y="2283309"/>
+            <a:ext cx="794158" cy="159859"/>
+          </a:xfrm>
+          <a:prstGeom prst="straightConnector1">
+            <a:avLst/>
+          </a:prstGeom>
+          <a:ln>
+            <a:tailEnd type="triangle"/>
+          </a:ln>
+        </p:spPr>
+        <p:style>
+          <a:lnRef idx="1">
+            <a:schemeClr val="accent1"/>
+          </a:lnRef>
+          <a:fillRef idx="0">
+            <a:schemeClr val="accent1"/>
+          </a:fillRef>
+          <a:effectRef idx="0">
+            <a:schemeClr val="accent1"/>
+          </a:effectRef>
+          <a:fontRef idx="minor">
+            <a:schemeClr val="tx1"/>
+          </a:fontRef>
+        </p:style>
+      </p:cxnSp>
+      <p:cxnSp>
+        <p:nvCxnSpPr>
+          <p:cNvPr id="78" name="Straight Arrow Connector 77"/>
+          <p:cNvCxnSpPr>
+            <a:stCxn id="72" idx="0"/>
+            <a:endCxn id="42" idx="2"/>
+          </p:cNvCxnSpPr>
+          <p:nvPr/>
+        </p:nvCxnSpPr>
+        <p:spPr>
+          <a:xfrm>
+            <a:off x="3186061" y="2283309"/>
+            <a:ext cx="806033" cy="775397"/>
+          </a:xfrm>
+          <a:prstGeom prst="straightConnector1">
+            <a:avLst/>
+          </a:prstGeom>
+          <a:ln>
+            <a:tailEnd type="triangle"/>
+          </a:ln>
+        </p:spPr>
+        <p:style>
+          <a:lnRef idx="1">
+            <a:schemeClr val="accent1"/>
+          </a:lnRef>
+          <a:fillRef idx="0">
+            <a:schemeClr val="accent1"/>
+          </a:fillRef>
+          <a:effectRef idx="0">
+            <a:schemeClr val="accent1"/>
+          </a:effectRef>
+          <a:fontRef idx="minor">
+            <a:schemeClr val="tx1"/>
+          </a:fontRef>
+        </p:style>
+      </p:cxnSp>
+      <p:cxnSp>
+        <p:nvCxnSpPr>
+          <p:cNvPr id="81" name="Straight Arrow Connector 80"/>
+          <p:cNvCxnSpPr>
+            <a:stCxn id="72" idx="0"/>
+            <a:endCxn id="43" idx="2"/>
+          </p:cNvCxnSpPr>
+          <p:nvPr/>
+        </p:nvCxnSpPr>
+        <p:spPr>
+          <a:xfrm>
+            <a:off x="3186061" y="2283309"/>
+            <a:ext cx="782290" cy="1390934"/>
+          </a:xfrm>
+          <a:prstGeom prst="straightConnector1">
+            <a:avLst/>
+          </a:prstGeom>
+          <a:ln>
+            <a:tailEnd type="triangle"/>
+          </a:ln>
+        </p:spPr>
+        <p:style>
+          <a:lnRef idx="1">
+            <a:schemeClr val="accent1"/>
+          </a:lnRef>
+          <a:fillRef idx="0">
+            <a:schemeClr val="accent1"/>
+          </a:fillRef>
+          <a:effectRef idx="0">
+            <a:schemeClr val="accent1"/>
+          </a:effectRef>
+          <a:fontRef idx="minor">
+            <a:schemeClr val="tx1"/>
+          </a:fontRef>
+        </p:style>
+      </p:cxnSp>
     </p:spTree>
     <p:extLst>
       <p:ext uri="{BB962C8B-B14F-4D97-AF65-F5344CB8AC3E}">
@@ -8034,54 +10373,213 @@
           <a:p>
             <a:r>
               <a:rPr lang="en-US" dirty="0" smtClean="0"/>
-              <a:t>Price Monitoring Flow</a:t>
+              <a:t>Price Monitoring </a:t>
+            </a:r>
+            <a:r>
+              <a:rPr lang="en-US" dirty="0" smtClean="0"/>
+              <a:t>Service</a:t>
             </a:r>
             <a:endParaRPr lang="en-US" dirty="0"/>
           </a:p>
         </p:txBody>
       </p:sp>
-      <p:sp>
-        <p:nvSpPr>
-          <p:cNvPr id="3" name="Subtitle 2"/>
-          <p:cNvSpPr>
-            <a:spLocks noGrp="1"/>
-          </p:cNvSpPr>
-          <p:nvPr>
-            <p:ph type="subTitle" idx="1"/>
-          </p:nvPr>
-        </p:nvSpPr>
-        <p:spPr>
-          <a:xfrm>
-            <a:off x="0" y="856527"/>
-            <a:ext cx="12192000" cy="6001474"/>
-          </a:xfrm>
-        </p:spPr>
-        <p:txBody>
-          <a:bodyPr/>
-          <a:lstStyle/>
-          <a:p>
-            <a:r>
-              <a:rPr lang="en-US" dirty="0" smtClean="0"/>
-              <a:t>Offline service</a:t>
-            </a:r>
-            <a:endParaRPr lang="en-US" dirty="0"/>
-          </a:p>
-        </p:txBody>
-      </p:sp>
-      <p:sp>
-        <p:nvSpPr>
-          <p:cNvPr id="5" name="Rectangle 4"/>
+      <p:pic>
+        <p:nvPicPr>
+          <p:cNvPr id="17" name="Picture 16"/>
+          <p:cNvPicPr>
+            <a:picLocks noChangeAspect="1"/>
+          </p:cNvPicPr>
+          <p:nvPr/>
+        </p:nvPicPr>
+        <p:blipFill>
+          <a:blip r:embed="rId2">
+            <a:extLst>
+              <a:ext uri="{28A0092B-C50C-407E-A947-70E740481C1C}">
+                <a14:useLocalDpi xmlns:a14="http://schemas.microsoft.com/office/drawing/2010/main" val="0"/>
+              </a:ext>
+            </a:extLst>
+          </a:blip>
+          <a:stretch>
+            <a:fillRect/>
+          </a:stretch>
+        </p:blipFill>
+        <p:spPr>
+          <a:xfrm>
+            <a:off x="678995" y="1192925"/>
+            <a:ext cx="517918" cy="517918"/>
+          </a:xfrm>
+          <a:prstGeom prst="rect">
+            <a:avLst/>
+          </a:prstGeom>
+        </p:spPr>
+      </p:pic>
+      <p:pic>
+        <p:nvPicPr>
+          <p:cNvPr id="18" name="Picture 17"/>
+          <p:cNvPicPr>
+            <a:picLocks noChangeAspect="1"/>
+          </p:cNvPicPr>
+          <p:nvPr/>
+        </p:nvPicPr>
+        <p:blipFill>
+          <a:blip r:embed="rId2">
+            <a:extLst>
+              <a:ext uri="{28A0092B-C50C-407E-A947-70E740481C1C}">
+                <a14:useLocalDpi xmlns:a14="http://schemas.microsoft.com/office/drawing/2010/main" val="0"/>
+              </a:ext>
+            </a:extLst>
+          </a:blip>
+          <a:stretch>
+            <a:fillRect/>
+          </a:stretch>
+        </p:blipFill>
+        <p:spPr>
+          <a:xfrm>
+            <a:off x="678995" y="1824554"/>
+            <a:ext cx="517918" cy="517918"/>
+          </a:xfrm>
+          <a:prstGeom prst="rect">
+            <a:avLst/>
+          </a:prstGeom>
+        </p:spPr>
+      </p:pic>
+      <p:pic>
+        <p:nvPicPr>
+          <p:cNvPr id="19" name="Picture 18"/>
+          <p:cNvPicPr>
+            <a:picLocks noChangeAspect="1"/>
+          </p:cNvPicPr>
+          <p:nvPr/>
+        </p:nvPicPr>
+        <p:blipFill>
+          <a:blip r:embed="rId2">
+            <a:extLst>
+              <a:ext uri="{28A0092B-C50C-407E-A947-70E740481C1C}">
+                <a14:useLocalDpi xmlns:a14="http://schemas.microsoft.com/office/drawing/2010/main" val="0"/>
+              </a:ext>
+            </a:extLst>
+          </a:blip>
+          <a:stretch>
+            <a:fillRect/>
+          </a:stretch>
+        </p:blipFill>
+        <p:spPr>
+          <a:xfrm>
+            <a:off x="678798" y="2456183"/>
+            <a:ext cx="517918" cy="517918"/>
+          </a:xfrm>
+          <a:prstGeom prst="rect">
+            <a:avLst/>
+          </a:prstGeom>
+        </p:spPr>
+      </p:pic>
+      <p:pic>
+        <p:nvPicPr>
+          <p:cNvPr id="21" name="Picture 20"/>
+          <p:cNvPicPr>
+            <a:picLocks noChangeAspect="1"/>
+          </p:cNvPicPr>
+          <p:nvPr/>
+        </p:nvPicPr>
+        <p:blipFill>
+          <a:blip r:embed="rId2">
+            <a:extLst>
+              <a:ext uri="{28A0092B-C50C-407E-A947-70E740481C1C}">
+                <a14:useLocalDpi xmlns:a14="http://schemas.microsoft.com/office/drawing/2010/main" val="0"/>
+              </a:ext>
+            </a:extLst>
+          </a:blip>
+          <a:stretch>
+            <a:fillRect/>
+          </a:stretch>
+        </p:blipFill>
+        <p:spPr>
+          <a:xfrm>
+            <a:off x="7849500" y="1086050"/>
+            <a:ext cx="517918" cy="517918"/>
+          </a:xfrm>
+          <a:prstGeom prst="rect">
+            <a:avLst/>
+          </a:prstGeom>
+        </p:spPr>
+      </p:pic>
+      <p:pic>
+        <p:nvPicPr>
+          <p:cNvPr id="22" name="Picture 21"/>
+          <p:cNvPicPr>
+            <a:picLocks noChangeAspect="1"/>
+          </p:cNvPicPr>
+          <p:nvPr/>
+        </p:nvPicPr>
+        <p:blipFill>
+          <a:blip r:embed="rId2">
+            <a:extLst>
+              <a:ext uri="{28A0092B-C50C-407E-A947-70E740481C1C}">
+                <a14:useLocalDpi xmlns:a14="http://schemas.microsoft.com/office/drawing/2010/main" val="0"/>
+              </a:ext>
+            </a:extLst>
+          </a:blip>
+          <a:stretch>
+            <a:fillRect/>
+          </a:stretch>
+        </p:blipFill>
+        <p:spPr>
+          <a:xfrm>
+            <a:off x="7849500" y="1729554"/>
+            <a:ext cx="517918" cy="517918"/>
+          </a:xfrm>
+          <a:prstGeom prst="rect">
+            <a:avLst/>
+          </a:prstGeom>
+        </p:spPr>
+      </p:pic>
+      <p:pic>
+        <p:nvPicPr>
+          <p:cNvPr id="23" name="Picture 22"/>
+          <p:cNvPicPr>
+            <a:picLocks noChangeAspect="1"/>
+          </p:cNvPicPr>
+          <p:nvPr/>
+        </p:nvPicPr>
+        <p:blipFill>
+          <a:blip r:embed="rId2">
+            <a:extLst>
+              <a:ext uri="{28A0092B-C50C-407E-A947-70E740481C1C}">
+                <a14:useLocalDpi xmlns:a14="http://schemas.microsoft.com/office/drawing/2010/main" val="0"/>
+              </a:ext>
+            </a:extLst>
+          </a:blip>
+          <a:stretch>
+            <a:fillRect/>
+          </a:stretch>
+        </p:blipFill>
+        <p:spPr>
+          <a:xfrm>
+            <a:off x="7849500" y="2361183"/>
+            <a:ext cx="517918" cy="517918"/>
+          </a:xfrm>
+          <a:prstGeom prst="rect">
+            <a:avLst/>
+          </a:prstGeom>
+        </p:spPr>
+      </p:pic>
+      <p:sp>
+        <p:nvSpPr>
+          <p:cNvPr id="24" name="Cube 23"/>
           <p:cNvSpPr/>
           <p:nvPr/>
         </p:nvSpPr>
         <p:spPr>
           <a:xfrm>
-            <a:off x="5200518" y="2095134"/>
-            <a:ext cx="2741271" cy="1160775"/>
-          </a:xfrm>
-          <a:prstGeom prst="rect">
-            <a:avLst/>
-          </a:prstGeom>
+            <a:off x="4098974" y="1192925"/>
+            <a:ext cx="3047271" cy="417372"/>
+          </a:xfrm>
+          <a:prstGeom prst="cube">
+            <a:avLst/>
+          </a:prstGeom>
+          <a:solidFill>
+            <a:srgbClr val="00B0F0"/>
+          </a:solidFill>
         </p:spPr>
         <p:style>
           <a:lnRef idx="2">
@@ -8104,24 +10602,27 @@
           <a:lstStyle/>
           <a:p>
             <a:pPr algn="ctr"/>
-            <a:endParaRPr lang="en-US" dirty="0" smtClean="0"/>
-          </a:p>
-        </p:txBody>
-      </p:sp>
-      <p:sp>
-        <p:nvSpPr>
-          <p:cNvPr id="8" name="Magnetic Disk 7"/>
+            <a:endParaRPr lang="en-US"/>
+          </a:p>
+        </p:txBody>
+      </p:sp>
+      <p:sp>
+        <p:nvSpPr>
+          <p:cNvPr id="26" name="Cube 25"/>
           <p:cNvSpPr/>
           <p:nvPr/>
         </p:nvSpPr>
         <p:spPr>
           <a:xfrm>
-            <a:off x="7027994" y="4030243"/>
-            <a:ext cx="1226916" cy="1055779"/>
-          </a:xfrm>
-          <a:prstGeom prst="flowChartMagneticDisk">
-            <a:avLst/>
-          </a:prstGeom>
+            <a:off x="4098974" y="1824554"/>
+            <a:ext cx="3047271" cy="417372"/>
+          </a:xfrm>
+          <a:prstGeom prst="cube">
+            <a:avLst/>
+          </a:prstGeom>
+          <a:solidFill>
+            <a:srgbClr val="00B0F0"/>
+          </a:solidFill>
         </p:spPr>
         <p:style>
           <a:lnRef idx="2">
@@ -8144,137 +10645,27 @@
           <a:lstStyle/>
           <a:p>
             <a:pPr algn="ctr"/>
-            <a:r>
-              <a:rPr lang="en-US" dirty="0" smtClean="0"/>
-              <a:t>Product DB</a:t>
-            </a:r>
-            <a:endParaRPr lang="en-US" dirty="0"/>
-          </a:p>
-        </p:txBody>
-      </p:sp>
-      <p:sp>
-        <p:nvSpPr>
-          <p:cNvPr id="13" name="TextBox 12"/>
-          <p:cNvSpPr txBox="1"/>
-          <p:nvPr/>
-        </p:nvSpPr>
-        <p:spPr>
-          <a:xfrm>
-            <a:off x="2265930" y="5233347"/>
-            <a:ext cx="8298985" cy="1477328"/>
-          </a:xfrm>
-          <a:prstGeom prst="rect">
-            <a:avLst/>
-          </a:prstGeom>
-          <a:noFill/>
-          <a:ln>
-            <a:solidFill>
-              <a:schemeClr val="tx1"/>
-            </a:solidFill>
-          </a:ln>
-        </p:spPr>
-        <p:txBody>
-          <a:bodyPr wrap="square" rtlCol="0">
-            <a:spAutoFit/>
-          </a:bodyPr>
-          <a:lstStyle/>
-          <a:p>
-            <a:r>
-              <a:rPr lang="en-US" dirty="0" smtClean="0"/>
-              <a:t>Product DB: product table</a:t>
-            </a:r>
-          </a:p>
-          <a:p>
-            <a:r>
-              <a:rPr lang="en-US" dirty="0" err="1" smtClean="0"/>
-              <a:t>product_id</a:t>
-            </a:r>
-            <a:r>
-              <a:rPr lang="en-US" dirty="0" smtClean="0"/>
-              <a:t>, </a:t>
-            </a:r>
-            <a:r>
-              <a:rPr lang="en-US" dirty="0" err="1" smtClean="0"/>
-              <a:t>category_id</a:t>
-            </a:r>
-            <a:r>
-              <a:rPr lang="en-US" dirty="0" smtClean="0"/>
-              <a:t>, title, </a:t>
-            </a:r>
-            <a:r>
-              <a:rPr lang="en-US" dirty="0" err="1" smtClean="0"/>
-              <a:t>thumnail</a:t>
-            </a:r>
-            <a:r>
-              <a:rPr lang="en-US" dirty="0" smtClean="0"/>
-              <a:t>, </a:t>
-            </a:r>
-            <a:r>
-              <a:rPr lang="en-US" dirty="0" err="1" smtClean="0"/>
-              <a:t>detail_url</a:t>
-            </a:r>
-            <a:r>
-              <a:rPr lang="en-US" dirty="0" smtClean="0"/>
-              <a:t>, price, </a:t>
-            </a:r>
-            <a:r>
-              <a:rPr lang="en-US" dirty="0" err="1" smtClean="0"/>
-              <a:t>old_price</a:t>
-            </a:r>
-            <a:r>
-              <a:rPr lang="en-US" dirty="0" smtClean="0"/>
-              <a:t>, </a:t>
-            </a:r>
-            <a:r>
-              <a:rPr lang="en-US" dirty="0" err="1" smtClean="0"/>
-              <a:t>last_updated_time</a:t>
-            </a:r>
-            <a:endParaRPr lang="en-US" dirty="0" smtClean="0"/>
-          </a:p>
-          <a:p>
-            <a:endParaRPr lang="en-US" dirty="0"/>
-          </a:p>
-          <a:p>
-            <a:r>
-              <a:rPr lang="en-US" dirty="0" smtClean="0"/>
-              <a:t>Product Price Cache:</a:t>
-            </a:r>
-          </a:p>
-          <a:p>
-            <a:r>
-              <a:rPr lang="en-US" dirty="0" smtClean="0"/>
-              <a:t>Key: </a:t>
-            </a:r>
-            <a:r>
-              <a:rPr lang="en-US" dirty="0" err="1" smtClean="0"/>
-              <a:t>product_id</a:t>
-            </a:r>
-            <a:r>
-              <a:rPr lang="en-US" dirty="0" smtClean="0"/>
-              <a:t>, value: </a:t>
-            </a:r>
-            <a:r>
-              <a:rPr lang="en-US" dirty="0" err="1" smtClean="0"/>
-              <a:t>last_price</a:t>
-            </a:r>
-            <a:endParaRPr lang="en-US" dirty="0" smtClean="0"/>
-          </a:p>
-        </p:txBody>
-      </p:sp>
-      <p:sp>
-        <p:nvSpPr>
-          <p:cNvPr id="16" name="Magnetic Disk 15"/>
+            <a:endParaRPr lang="en-US"/>
+          </a:p>
+        </p:txBody>
+      </p:sp>
+      <p:sp>
+        <p:nvSpPr>
+          <p:cNvPr id="27" name="Cube 26"/>
           <p:cNvSpPr/>
           <p:nvPr/>
         </p:nvSpPr>
         <p:spPr>
           <a:xfrm>
-            <a:off x="4502360" y="3961725"/>
-            <a:ext cx="1226916" cy="1055779"/>
-          </a:xfrm>
-          <a:prstGeom prst="flowChartMagneticDisk">
-            <a:avLst/>
-          </a:prstGeom>
+            <a:off x="4098974" y="2456183"/>
+            <a:ext cx="3047271" cy="417372"/>
+          </a:xfrm>
+          <a:prstGeom prst="cube">
+            <a:avLst/>
+          </a:prstGeom>
+          <a:solidFill>
+            <a:srgbClr val="00B0F0"/>
+          </a:solidFill>
         </p:spPr>
         <p:style>
           <a:lnRef idx="2">
@@ -8297,9 +10688,35 @@
           <a:lstStyle/>
           <a:p>
             <a:pPr algn="ctr"/>
+            <a:endParaRPr lang="en-US"/>
+          </a:p>
+        </p:txBody>
+      </p:sp>
+      <p:sp>
+        <p:nvSpPr>
+          <p:cNvPr id="30" name="TextBox 29"/>
+          <p:cNvSpPr txBox="1"/>
+          <p:nvPr/>
+        </p:nvSpPr>
+        <p:spPr>
+          <a:xfrm>
+            <a:off x="1180300" y="1454177"/>
+            <a:ext cx="2339441" cy="369332"/>
+          </a:xfrm>
+          <a:prstGeom prst="rect">
+            <a:avLst/>
+          </a:prstGeom>
+          <a:noFill/>
+        </p:spPr>
+        <p:txBody>
+          <a:bodyPr wrap="square" rtlCol="0">
+            <a:spAutoFit/>
+          </a:bodyPr>
+          <a:lstStyle/>
+          <a:p>
             <a:r>
               <a:rPr lang="en-US" dirty="0" smtClean="0"/>
-              <a:t>Product Price Cache</a:t>
+              <a:t>q_product_p1 (High)</a:t>
             </a:r>
             <a:endParaRPr lang="en-US" dirty="0"/>
           </a:p>
@@ -8307,133 +10724,251 @@
       </p:sp>
       <p:sp>
         <p:nvSpPr>
-          <p:cNvPr id="37" name="Rectangle 36"/>
-          <p:cNvSpPr/>
-          <p:nvPr/>
-        </p:nvSpPr>
-        <p:spPr>
-          <a:xfrm>
-            <a:off x="4914159" y="1798885"/>
-            <a:ext cx="2741271" cy="1160775"/>
+          <p:cNvPr id="33" name="TextBox 32"/>
+          <p:cNvSpPr txBox="1"/>
+          <p:nvPr/>
+        </p:nvSpPr>
+        <p:spPr>
+          <a:xfrm>
+            <a:off x="1180300" y="2085810"/>
+            <a:ext cx="2576548" cy="369332"/>
           </a:xfrm>
           <a:prstGeom prst="rect">
             <a:avLst/>
           </a:prstGeom>
-        </p:spPr>
-        <p:style>
-          <a:lnRef idx="2">
-            <a:schemeClr val="accent1">
-              <a:shade val="50000"/>
-            </a:schemeClr>
-          </a:lnRef>
-          <a:fillRef idx="1">
-            <a:schemeClr val="accent1"/>
-          </a:fillRef>
-          <a:effectRef idx="0">
-            <a:schemeClr val="accent1"/>
-          </a:effectRef>
-          <a:fontRef idx="minor">
-            <a:schemeClr val="lt1"/>
-          </a:fontRef>
-        </p:style>
-        <p:txBody>
-          <a:bodyPr rtlCol="0" anchor="ctr"/>
-          <a:lstStyle/>
-          <a:p>
-            <a:pPr algn="ctr"/>
-            <a:endParaRPr lang="en-US" dirty="0" smtClean="0"/>
-          </a:p>
-        </p:txBody>
-      </p:sp>
-      <p:sp>
-        <p:nvSpPr>
-          <p:cNvPr id="38" name="Rectangle 37"/>
-          <p:cNvSpPr/>
-          <p:nvPr/>
-        </p:nvSpPr>
-        <p:spPr>
-          <a:xfrm>
-            <a:off x="4627800" y="1541491"/>
-            <a:ext cx="2741271" cy="1155264"/>
+          <a:noFill/>
+        </p:spPr>
+        <p:txBody>
+          <a:bodyPr wrap="square" rtlCol="0">
+            <a:spAutoFit/>
+          </a:bodyPr>
+          <a:lstStyle/>
+          <a:p>
+            <a:r>
+              <a:rPr lang="en-US" dirty="0" smtClean="0"/>
+              <a:t>q_product_p2 (Medium)</a:t>
+            </a:r>
+            <a:endParaRPr lang="en-US" dirty="0"/>
+          </a:p>
+        </p:txBody>
+      </p:sp>
+      <p:sp>
+        <p:nvSpPr>
+          <p:cNvPr id="34" name="TextBox 33"/>
+          <p:cNvSpPr txBox="1"/>
+          <p:nvPr/>
+        </p:nvSpPr>
+        <p:spPr>
+          <a:xfrm>
+            <a:off x="1180300" y="2729315"/>
+            <a:ext cx="2339441" cy="369332"/>
           </a:xfrm>
           <a:prstGeom prst="rect">
             <a:avLst/>
           </a:prstGeom>
-        </p:spPr>
-        <p:style>
-          <a:lnRef idx="2">
-            <a:schemeClr val="accent1">
-              <a:shade val="50000"/>
-            </a:schemeClr>
-          </a:lnRef>
-          <a:fillRef idx="1">
-            <a:schemeClr val="accent1"/>
-          </a:fillRef>
-          <a:effectRef idx="0">
-            <a:schemeClr val="accent1"/>
-          </a:effectRef>
-          <a:fontRef idx="minor">
-            <a:schemeClr val="lt1"/>
-          </a:fontRef>
-        </p:style>
-        <p:txBody>
-          <a:bodyPr rtlCol="0" anchor="ctr"/>
-          <a:lstStyle/>
-          <a:p>
-            <a:pPr algn="ctr"/>
+          <a:noFill/>
+        </p:spPr>
+        <p:txBody>
+          <a:bodyPr wrap="square" rtlCol="0">
+            <a:spAutoFit/>
+          </a:bodyPr>
+          <a:lstStyle/>
+          <a:p>
             <a:r>
               <a:rPr lang="en-US" dirty="0" smtClean="0"/>
-              <a:t>Price Monitoring Services</a:t>
-            </a:r>
-          </a:p>
-          <a:p>
-            <a:pPr algn="ctr"/>
+              <a:t>q_product_p1 (Low)</a:t>
+            </a:r>
+            <a:endParaRPr lang="en-US" dirty="0"/>
+          </a:p>
+        </p:txBody>
+      </p:sp>
+      <p:sp>
+        <p:nvSpPr>
+          <p:cNvPr id="36" name="TextBox 35"/>
+          <p:cNvSpPr txBox="1"/>
+          <p:nvPr/>
+        </p:nvSpPr>
+        <p:spPr>
+          <a:xfrm>
+            <a:off x="8394161" y="1086050"/>
+            <a:ext cx="3170501" cy="369332"/>
+          </a:xfrm>
+          <a:prstGeom prst="rect">
+            <a:avLst/>
+          </a:prstGeom>
+          <a:noFill/>
+        </p:spPr>
+        <p:txBody>
+          <a:bodyPr wrap="square" rtlCol="0">
+            <a:spAutoFit/>
+          </a:bodyPr>
+          <a:lstStyle/>
+          <a:p>
             <a:r>
               <a:rPr lang="en-US" dirty="0" smtClean="0"/>
-              <a:t>for each category</a:t>
-            </a:r>
-          </a:p>
-        </p:txBody>
-      </p:sp>
-      <p:sp>
-        <p:nvSpPr>
-          <p:cNvPr id="50" name="Multidocument 49"/>
-          <p:cNvSpPr/>
-          <p:nvPr/>
-        </p:nvSpPr>
-        <p:spPr>
-          <a:xfrm>
-            <a:off x="1462537" y="1401431"/>
-            <a:ext cx="1805049" cy="1457024"/>
-          </a:xfrm>
-          <a:prstGeom prst="flowChartMultidocument">
-            <a:avLst/>
-          </a:prstGeom>
-        </p:spPr>
-        <p:style>
-          <a:lnRef idx="2">
-            <a:schemeClr val="accent1">
-              <a:shade val="50000"/>
-            </a:schemeClr>
-          </a:lnRef>
-          <a:fillRef idx="1">
-            <a:schemeClr val="accent1"/>
-          </a:fillRef>
-          <a:effectRef idx="0">
-            <a:schemeClr val="accent1"/>
-          </a:effectRef>
-          <a:fontRef idx="minor">
-            <a:schemeClr val="lt1"/>
-          </a:fontRef>
-        </p:style>
-        <p:txBody>
-          <a:bodyPr rtlCol="0" anchor="ctr"/>
-          <a:lstStyle/>
-          <a:p>
-            <a:pPr algn="ctr"/>
+              <a:t>q_discount_product_p1 (High)</a:t>
+            </a:r>
+            <a:endParaRPr lang="en-US" dirty="0"/>
+          </a:p>
+        </p:txBody>
+      </p:sp>
+      <p:sp>
+        <p:nvSpPr>
+          <p:cNvPr id="39" name="TextBox 38"/>
+          <p:cNvSpPr txBox="1"/>
+          <p:nvPr/>
+        </p:nvSpPr>
+        <p:spPr>
+          <a:xfrm>
+            <a:off x="8394161" y="1729554"/>
+            <a:ext cx="3477206" cy="369332"/>
+          </a:xfrm>
+          <a:prstGeom prst="rect">
+            <a:avLst/>
+          </a:prstGeom>
+          <a:noFill/>
+        </p:spPr>
+        <p:txBody>
+          <a:bodyPr wrap="square" rtlCol="0">
+            <a:spAutoFit/>
+          </a:bodyPr>
+          <a:lstStyle/>
+          <a:p>
             <a:r>
               <a:rPr lang="en-US" dirty="0" smtClean="0"/>
-              <a:t>Category Queue</a:t>
+              <a:t>q_discount_product_p2 (Medium)</a:t>
+            </a:r>
+            <a:endParaRPr lang="en-US" dirty="0"/>
+          </a:p>
+        </p:txBody>
+      </p:sp>
+      <p:sp>
+        <p:nvSpPr>
+          <p:cNvPr id="41" name="TextBox 40"/>
+          <p:cNvSpPr txBox="1"/>
+          <p:nvPr/>
+        </p:nvSpPr>
+        <p:spPr>
+          <a:xfrm>
+            <a:off x="8394161" y="2361183"/>
+            <a:ext cx="3101155" cy="369332"/>
+          </a:xfrm>
+          <a:prstGeom prst="rect">
+            <a:avLst/>
+          </a:prstGeom>
+          <a:noFill/>
+        </p:spPr>
+        <p:txBody>
+          <a:bodyPr wrap="square" rtlCol="0">
+            <a:spAutoFit/>
+          </a:bodyPr>
+          <a:lstStyle/>
+          <a:p>
+            <a:r>
+              <a:rPr lang="en-US" dirty="0" smtClean="0"/>
+              <a:t>q_discount_product_p3 (Low)</a:t>
+            </a:r>
+            <a:endParaRPr lang="en-US" dirty="0"/>
+          </a:p>
+        </p:txBody>
+      </p:sp>
+      <p:sp>
+        <p:nvSpPr>
+          <p:cNvPr id="6" name="TextBox 5"/>
+          <p:cNvSpPr txBox="1"/>
+          <p:nvPr/>
+        </p:nvSpPr>
+        <p:spPr>
+          <a:xfrm>
+            <a:off x="4098974" y="1255343"/>
+            <a:ext cx="3047271" cy="369332"/>
+          </a:xfrm>
+          <a:prstGeom prst="rect">
+            <a:avLst/>
+          </a:prstGeom>
+          <a:noFill/>
+        </p:spPr>
+        <p:txBody>
+          <a:bodyPr wrap="square" rtlCol="0">
+            <a:spAutoFit/>
+          </a:bodyPr>
+          <a:lstStyle/>
+          <a:p>
+            <a:r>
+              <a:rPr lang="en-US" dirty="0" err="1" smtClean="0"/>
+              <a:t>Price_monitoring_service</a:t>
+            </a:r>
+            <a:r>
+              <a:rPr lang="en-US" dirty="0" smtClean="0"/>
+              <a:t> (p1)</a:t>
+            </a:r>
+            <a:endParaRPr lang="en-US" dirty="0"/>
+          </a:p>
+        </p:txBody>
+      </p:sp>
+      <p:sp>
+        <p:nvSpPr>
+          <p:cNvPr id="42" name="TextBox 41"/>
+          <p:cNvSpPr txBox="1"/>
+          <p:nvPr/>
+        </p:nvSpPr>
+        <p:spPr>
+          <a:xfrm>
+            <a:off x="4125717" y="1906223"/>
+            <a:ext cx="3047271" cy="369332"/>
+          </a:xfrm>
+          <a:prstGeom prst="rect">
+            <a:avLst/>
+          </a:prstGeom>
+          <a:noFill/>
+        </p:spPr>
+        <p:txBody>
+          <a:bodyPr wrap="square" rtlCol="0">
+            <a:spAutoFit/>
+          </a:bodyPr>
+          <a:lstStyle/>
+          <a:p>
+            <a:r>
+              <a:rPr lang="en-US" dirty="0" err="1" smtClean="0"/>
+              <a:t>Price_monitoring_service</a:t>
+            </a:r>
+            <a:r>
+              <a:rPr lang="en-US" dirty="0" smtClean="0"/>
+              <a:t> (p2)</a:t>
+            </a:r>
+            <a:endParaRPr lang="en-US" dirty="0"/>
+          </a:p>
+        </p:txBody>
+      </p:sp>
+      <p:sp>
+        <p:nvSpPr>
+          <p:cNvPr id="43" name="TextBox 42"/>
+          <p:cNvSpPr txBox="1"/>
+          <p:nvPr/>
+        </p:nvSpPr>
+        <p:spPr>
+          <a:xfrm>
+            <a:off x="4098974" y="2541768"/>
+            <a:ext cx="3047271" cy="369332"/>
+          </a:xfrm>
+          <a:prstGeom prst="rect">
+            <a:avLst/>
+          </a:prstGeom>
+          <a:noFill/>
+        </p:spPr>
+        <p:txBody>
+          <a:bodyPr wrap="square" rtlCol="0">
+            <a:spAutoFit/>
+          </a:bodyPr>
+          <a:lstStyle/>
+          <a:p>
+            <a:r>
+              <a:rPr lang="en-US" dirty="0" err="1" smtClean="0"/>
+              <a:t>Price_monitoring_service</a:t>
+            </a:r>
+            <a:r>
+              <a:rPr lang="en-US" dirty="0" smtClean="0"/>
+              <a:t> (p3)</a:t>
             </a:r>
             <a:endParaRPr lang="en-US" dirty="0"/>
           </a:p>
@@ -8441,23 +10976,22 @@
       </p:sp>
       <p:cxnSp>
         <p:nvCxnSpPr>
-          <p:cNvPr id="20" name="Straight Arrow Connector 19"/>
+          <p:cNvPr id="11" name="Straight Arrow Connector 10"/>
           <p:cNvCxnSpPr>
-            <a:stCxn id="5" idx="2"/>
-            <a:endCxn id="16" idx="1"/>
+            <a:stCxn id="17" idx="3"/>
+            <a:endCxn id="6" idx="1"/>
           </p:cNvCxnSpPr>
           <p:nvPr/>
         </p:nvCxnSpPr>
         <p:spPr>
-          <a:xfrm flipH="1">
-            <a:off x="5115818" y="3255909"/>
-            <a:ext cx="1455336" cy="705816"/>
+          <a:xfrm flipV="1">
+            <a:off x="1196913" y="1440009"/>
+            <a:ext cx="2902061" cy="11875"/>
           </a:xfrm>
           <a:prstGeom prst="straightConnector1">
             <a:avLst/>
           </a:prstGeom>
           <a:ln>
-            <a:headEnd type="triangle"/>
             <a:tailEnd type="triangle"/>
           </a:ln>
         </p:spPr>
@@ -8478,98 +11012,17 @@
       </p:cxnSp>
       <p:cxnSp>
         <p:nvCxnSpPr>
-          <p:cNvPr id="32" name="Straight Arrow Connector 31"/>
+          <p:cNvPr id="45" name="Straight Arrow Connector 44"/>
           <p:cNvCxnSpPr>
-            <a:stCxn id="8" idx="1"/>
-            <a:endCxn id="5" idx="2"/>
+            <a:stCxn id="18" idx="3"/>
+            <a:endCxn id="26" idx="2"/>
           </p:cNvCxnSpPr>
           <p:nvPr/>
         </p:nvCxnSpPr>
         <p:spPr>
-          <a:xfrm flipH="1" flipV="1">
-            <a:off x="6571154" y="3255909"/>
-            <a:ext cx="1070298" cy="774334"/>
-          </a:xfrm>
-          <a:prstGeom prst="straightConnector1">
-            <a:avLst/>
-          </a:prstGeom>
-          <a:ln>
-            <a:headEnd type="triangle"/>
-            <a:tailEnd type="triangle"/>
-          </a:ln>
-        </p:spPr>
-        <p:style>
-          <a:lnRef idx="1">
-            <a:schemeClr val="accent1"/>
-          </a:lnRef>
-          <a:fillRef idx="0">
-            <a:schemeClr val="accent1"/>
-          </a:fillRef>
-          <a:effectRef idx="0">
-            <a:schemeClr val="accent1"/>
-          </a:effectRef>
-          <a:fontRef idx="minor">
-            <a:schemeClr val="tx1"/>
-          </a:fontRef>
-        </p:style>
-      </p:cxnSp>
-      <p:sp>
-        <p:nvSpPr>
-          <p:cNvPr id="35" name="Multidocument 34"/>
-          <p:cNvSpPr/>
-          <p:nvPr/>
-        </p:nvSpPr>
-        <p:spPr>
-          <a:xfrm>
-            <a:off x="9496881" y="1957829"/>
-            <a:ext cx="1805049" cy="1457024"/>
-          </a:xfrm>
-          <a:prstGeom prst="flowChartMultidocument">
-            <a:avLst/>
-          </a:prstGeom>
-        </p:spPr>
-        <p:style>
-          <a:lnRef idx="2">
-            <a:schemeClr val="accent1">
-              <a:shade val="50000"/>
-            </a:schemeClr>
-          </a:lnRef>
-          <a:fillRef idx="1">
-            <a:schemeClr val="accent1"/>
-          </a:fillRef>
-          <a:effectRef idx="0">
-            <a:schemeClr val="accent1"/>
-          </a:effectRef>
-          <a:fontRef idx="minor">
-            <a:schemeClr val="lt1"/>
-          </a:fontRef>
-        </p:style>
-        <p:txBody>
-          <a:bodyPr rtlCol="0" anchor="ctr"/>
-          <a:lstStyle/>
-          <a:p>
-            <a:pPr algn="ctr"/>
-            <a:r>
-              <a:rPr lang="en-US" dirty="0" smtClean="0"/>
-              <a:t>Price Reduction Queue</a:t>
-            </a:r>
-            <a:endParaRPr lang="en-US" dirty="0"/>
-          </a:p>
-        </p:txBody>
-      </p:sp>
-      <p:cxnSp>
-        <p:nvCxnSpPr>
-          <p:cNvPr id="31" name="Straight Arrow Connector 30"/>
-          <p:cNvCxnSpPr>
-            <a:stCxn id="50" idx="3"/>
-            <a:endCxn id="38" idx="1"/>
-          </p:cNvCxnSpPr>
-          <p:nvPr/>
-        </p:nvCxnSpPr>
-        <p:spPr>
-          <a:xfrm flipV="1">
-            <a:off x="3267586" y="2119123"/>
-            <a:ext cx="1360214" cy="10820"/>
+          <a:xfrm>
+            <a:off x="1196913" y="2083513"/>
+            <a:ext cx="2902061" cy="1899"/>
           </a:xfrm>
           <a:prstGeom prst="straightConnector1">
             <a:avLst/>
@@ -8595,22 +11048,492 @@
       </p:cxnSp>
       <p:cxnSp>
         <p:nvCxnSpPr>
-          <p:cNvPr id="40" name="Straight Arrow Connector 39"/>
+          <p:cNvPr id="47" name="Straight Arrow Connector 46"/>
           <p:cNvCxnSpPr>
-            <a:stCxn id="5" idx="3"/>
-            <a:endCxn id="35" idx="1"/>
+            <a:stCxn id="19" idx="3"/>
+            <a:endCxn id="27" idx="2"/>
           </p:cNvCxnSpPr>
           <p:nvPr/>
         </p:nvCxnSpPr>
         <p:spPr>
           <a:xfrm>
-            <a:off x="7941789" y="2675522"/>
-            <a:ext cx="1555092" cy="10819"/>
+            <a:off x="1196716" y="2715142"/>
+            <a:ext cx="2902258" cy="1899"/>
           </a:xfrm>
           <a:prstGeom prst="straightConnector1">
             <a:avLst/>
           </a:prstGeom>
           <a:ln>
+            <a:tailEnd type="triangle"/>
+          </a:ln>
+        </p:spPr>
+        <p:style>
+          <a:lnRef idx="1">
+            <a:schemeClr val="accent1"/>
+          </a:lnRef>
+          <a:fillRef idx="0">
+            <a:schemeClr val="accent1"/>
+          </a:fillRef>
+          <a:effectRef idx="0">
+            <a:schemeClr val="accent1"/>
+          </a:effectRef>
+          <a:fontRef idx="minor">
+            <a:schemeClr val="tx1"/>
+          </a:fontRef>
+        </p:style>
+      </p:cxnSp>
+      <p:cxnSp>
+        <p:nvCxnSpPr>
+          <p:cNvPr id="64" name="Straight Arrow Connector 63"/>
+          <p:cNvCxnSpPr>
+            <a:stCxn id="24" idx="5"/>
+            <a:endCxn id="21" idx="1"/>
+          </p:cNvCxnSpPr>
+          <p:nvPr/>
+        </p:nvCxnSpPr>
+        <p:spPr>
+          <a:xfrm flipV="1">
+            <a:off x="7146245" y="1345009"/>
+            <a:ext cx="703255" cy="4431"/>
+          </a:xfrm>
+          <a:prstGeom prst="straightConnector1">
+            <a:avLst/>
+          </a:prstGeom>
+          <a:ln>
+            <a:tailEnd type="triangle"/>
+          </a:ln>
+        </p:spPr>
+        <p:style>
+          <a:lnRef idx="1">
+            <a:schemeClr val="accent1"/>
+          </a:lnRef>
+          <a:fillRef idx="0">
+            <a:schemeClr val="accent1"/>
+          </a:fillRef>
+          <a:effectRef idx="0">
+            <a:schemeClr val="accent1"/>
+          </a:effectRef>
+          <a:fontRef idx="minor">
+            <a:schemeClr val="tx1"/>
+          </a:fontRef>
+        </p:style>
+      </p:cxnSp>
+      <p:cxnSp>
+        <p:nvCxnSpPr>
+          <p:cNvPr id="67" name="Straight Arrow Connector 66"/>
+          <p:cNvCxnSpPr>
+            <a:stCxn id="26" idx="5"/>
+            <a:endCxn id="22" idx="1"/>
+          </p:cNvCxnSpPr>
+          <p:nvPr/>
+        </p:nvCxnSpPr>
+        <p:spPr>
+          <a:xfrm>
+            <a:off x="7146245" y="1981069"/>
+            <a:ext cx="703255" cy="7444"/>
+          </a:xfrm>
+          <a:prstGeom prst="straightConnector1">
+            <a:avLst/>
+          </a:prstGeom>
+          <a:ln>
+            <a:tailEnd type="triangle"/>
+          </a:ln>
+        </p:spPr>
+        <p:style>
+          <a:lnRef idx="1">
+            <a:schemeClr val="accent1"/>
+          </a:lnRef>
+          <a:fillRef idx="0">
+            <a:schemeClr val="accent1"/>
+          </a:fillRef>
+          <a:effectRef idx="0">
+            <a:schemeClr val="accent1"/>
+          </a:effectRef>
+          <a:fontRef idx="minor">
+            <a:schemeClr val="tx1"/>
+          </a:fontRef>
+        </p:style>
+      </p:cxnSp>
+      <p:cxnSp>
+        <p:nvCxnSpPr>
+          <p:cNvPr id="69" name="Straight Arrow Connector 68"/>
+          <p:cNvCxnSpPr>
+            <a:stCxn id="27" idx="5"/>
+            <a:endCxn id="23" idx="1"/>
+          </p:cNvCxnSpPr>
+          <p:nvPr/>
+        </p:nvCxnSpPr>
+        <p:spPr>
+          <a:xfrm>
+            <a:off x="7146245" y="2612698"/>
+            <a:ext cx="703255" cy="7444"/>
+          </a:xfrm>
+          <a:prstGeom prst="straightConnector1">
+            <a:avLst/>
+          </a:prstGeom>
+          <a:ln>
+            <a:tailEnd type="triangle"/>
+          </a:ln>
+        </p:spPr>
+        <p:style>
+          <a:lnRef idx="1">
+            <a:schemeClr val="accent1"/>
+          </a:lnRef>
+          <a:fillRef idx="0">
+            <a:schemeClr val="accent1"/>
+          </a:fillRef>
+          <a:effectRef idx="0">
+            <a:schemeClr val="accent1"/>
+          </a:effectRef>
+          <a:fontRef idx="minor">
+            <a:schemeClr val="tx1"/>
+          </a:fontRef>
+        </p:style>
+      </p:cxnSp>
+      <p:cxnSp>
+        <p:nvCxnSpPr>
+          <p:cNvPr id="71" name="Straight Arrow Connector 70"/>
+          <p:cNvCxnSpPr>
+            <a:stCxn id="24" idx="2"/>
+            <a:endCxn id="88" idx="0"/>
+          </p:cNvCxnSpPr>
+          <p:nvPr/>
+        </p:nvCxnSpPr>
+        <p:spPr>
+          <a:xfrm flipH="1">
+            <a:off x="3246663" y="1453783"/>
+            <a:ext cx="852311" cy="2049628"/>
+          </a:xfrm>
+          <a:prstGeom prst="straightConnector1">
+            <a:avLst/>
+          </a:prstGeom>
+          <a:ln>
+            <a:headEnd type="triangle"/>
+            <a:tailEnd type="triangle"/>
+          </a:ln>
+        </p:spPr>
+        <p:style>
+          <a:lnRef idx="1">
+            <a:schemeClr val="accent1"/>
+          </a:lnRef>
+          <a:fillRef idx="0">
+            <a:schemeClr val="accent1"/>
+          </a:fillRef>
+          <a:effectRef idx="0">
+            <a:schemeClr val="accent1"/>
+          </a:effectRef>
+          <a:fontRef idx="minor">
+            <a:schemeClr val="tx1"/>
+          </a:fontRef>
+        </p:style>
+      </p:cxnSp>
+      <p:cxnSp>
+        <p:nvCxnSpPr>
+          <p:cNvPr id="72" name="Straight Arrow Connector 71"/>
+          <p:cNvCxnSpPr>
+            <a:stCxn id="26" idx="2"/>
+            <a:endCxn id="88" idx="0"/>
+          </p:cNvCxnSpPr>
+          <p:nvPr/>
+        </p:nvCxnSpPr>
+        <p:spPr>
+          <a:xfrm flipH="1">
+            <a:off x="3246663" y="2085412"/>
+            <a:ext cx="852311" cy="1417999"/>
+          </a:xfrm>
+          <a:prstGeom prst="straightConnector1">
+            <a:avLst/>
+          </a:prstGeom>
+          <a:ln>
+            <a:headEnd type="triangle"/>
+            <a:tailEnd type="triangle"/>
+          </a:ln>
+        </p:spPr>
+        <p:style>
+          <a:lnRef idx="1">
+            <a:schemeClr val="accent1"/>
+          </a:lnRef>
+          <a:fillRef idx="0">
+            <a:schemeClr val="accent1"/>
+          </a:fillRef>
+          <a:effectRef idx="0">
+            <a:schemeClr val="accent1"/>
+          </a:effectRef>
+          <a:fontRef idx="minor">
+            <a:schemeClr val="tx1"/>
+          </a:fontRef>
+        </p:style>
+      </p:cxnSp>
+      <p:cxnSp>
+        <p:nvCxnSpPr>
+          <p:cNvPr id="75" name="Straight Arrow Connector 74"/>
+          <p:cNvCxnSpPr>
+            <a:stCxn id="27" idx="2"/>
+            <a:endCxn id="88" idx="0"/>
+          </p:cNvCxnSpPr>
+          <p:nvPr/>
+        </p:nvCxnSpPr>
+        <p:spPr>
+          <a:xfrm flipH="1">
+            <a:off x="3246663" y="2717041"/>
+            <a:ext cx="852311" cy="786370"/>
+          </a:xfrm>
+          <a:prstGeom prst="straightConnector1">
+            <a:avLst/>
+          </a:prstGeom>
+          <a:ln>
+            <a:headEnd type="triangle"/>
+            <a:tailEnd type="triangle"/>
+          </a:ln>
+        </p:spPr>
+        <p:style>
+          <a:lnRef idx="1">
+            <a:schemeClr val="accent1"/>
+          </a:lnRef>
+          <a:fillRef idx="0">
+            <a:schemeClr val="accent1"/>
+          </a:fillRef>
+          <a:effectRef idx="0">
+            <a:schemeClr val="accent1"/>
+          </a:effectRef>
+          <a:fontRef idx="minor">
+            <a:schemeClr val="tx1"/>
+          </a:fontRef>
+        </p:style>
+      </p:cxnSp>
+      <p:pic>
+        <p:nvPicPr>
+          <p:cNvPr id="88" name="Picture 87"/>
+          <p:cNvPicPr>
+            <a:picLocks noChangeAspect="1"/>
+          </p:cNvPicPr>
+          <p:nvPr/>
+        </p:nvPicPr>
+        <p:blipFill>
+          <a:blip r:embed="rId3">
+            <a:extLst>
+              <a:ext uri="{28A0092B-C50C-407E-A947-70E740481C1C}">
+                <a14:useLocalDpi xmlns:a14="http://schemas.microsoft.com/office/drawing/2010/main" val="0"/>
+              </a:ext>
+            </a:extLst>
+          </a:blip>
+          <a:stretch>
+            <a:fillRect/>
+          </a:stretch>
+        </p:blipFill>
+        <p:spPr>
+          <a:xfrm>
+            <a:off x="2669471" y="3503411"/>
+            <a:ext cx="1154384" cy="385784"/>
+          </a:xfrm>
+          <a:prstGeom prst="rect">
+            <a:avLst/>
+          </a:prstGeom>
+        </p:spPr>
+      </p:pic>
+      <p:sp>
+        <p:nvSpPr>
+          <p:cNvPr id="92" name="TextBox 91"/>
+          <p:cNvSpPr txBox="1"/>
+          <p:nvPr/>
+        </p:nvSpPr>
+        <p:spPr>
+          <a:xfrm>
+            <a:off x="296883" y="4239494"/>
+            <a:ext cx="11588412" cy="1631216"/>
+          </a:xfrm>
+          <a:prstGeom prst="rect">
+            <a:avLst/>
+          </a:prstGeom>
+          <a:noFill/>
+        </p:spPr>
+        <p:txBody>
+          <a:bodyPr wrap="square" rtlCol="0">
+            <a:spAutoFit/>
+          </a:bodyPr>
+          <a:lstStyle/>
+          <a:p>
+            <a:pPr marL="285750" indent="-285750">
+              <a:buFont typeface="Arial" charset="0"/>
+              <a:buChar char="•"/>
+            </a:pPr>
+            <a:r>
+              <a:rPr lang="en-US" sz="2000" dirty="0" smtClean="0"/>
+              <a:t>Get product from </a:t>
+            </a:r>
+            <a:r>
+              <a:rPr lang="en-US" sz="2000" dirty="0" err="1" smtClean="0"/>
+              <a:t>q_product_p</a:t>
+            </a:r>
+            <a:r>
+              <a:rPr lang="en-US" sz="2000" dirty="0" smtClean="0"/>
+              <a:t>(n) queue.</a:t>
+            </a:r>
+          </a:p>
+          <a:p>
+            <a:pPr marL="285750" indent="-285750">
+              <a:buFont typeface="Arial" charset="0"/>
+              <a:buChar char="•"/>
+            </a:pPr>
+            <a:r>
+              <a:rPr lang="en-US" sz="2000" dirty="0" smtClean="0"/>
+              <a:t>Check if product’s id exists in cache, if not, store the product in DB and &lt;product id, price&gt; pair to cache.</a:t>
+            </a:r>
+          </a:p>
+          <a:p>
+            <a:pPr marL="285750" indent="-285750">
+              <a:buFont typeface="Arial" charset="0"/>
+              <a:buChar char="•"/>
+            </a:pPr>
+            <a:r>
+              <a:rPr lang="en-US" sz="2000" dirty="0" smtClean="0"/>
+              <a:t>If product exists in cache, compare if price is reduced, if yes, send product to </a:t>
+            </a:r>
+            <a:r>
+              <a:rPr lang="en-US" sz="2000" dirty="0" err="1" smtClean="0"/>
+              <a:t>q_discount_product_p</a:t>
+            </a:r>
+            <a:r>
+              <a:rPr lang="en-US" sz="2000" dirty="0" smtClean="0"/>
+              <a:t>(n) queue.</a:t>
+            </a:r>
+          </a:p>
+          <a:p>
+            <a:pPr marL="285750" indent="-285750">
+              <a:buFont typeface="Arial" charset="0"/>
+              <a:buChar char="•"/>
+            </a:pPr>
+            <a:r>
+              <a:rPr lang="en-US" sz="2000" dirty="0" smtClean="0"/>
+              <a:t>Update cache and DB with new price if price is changed.</a:t>
+            </a:r>
+            <a:endParaRPr lang="en-US" sz="2000" dirty="0"/>
+          </a:p>
+        </p:txBody>
+      </p:sp>
+      <p:pic>
+        <p:nvPicPr>
+          <p:cNvPr id="93" name="Picture 92"/>
+          <p:cNvPicPr>
+            <a:picLocks noChangeAspect="1"/>
+          </p:cNvPicPr>
+          <p:nvPr/>
+        </p:nvPicPr>
+        <p:blipFill>
+          <a:blip r:embed="rId4">
+            <a:extLst>
+              <a:ext uri="{28A0092B-C50C-407E-A947-70E740481C1C}">
+                <a14:useLocalDpi xmlns:a14="http://schemas.microsoft.com/office/drawing/2010/main" val="0"/>
+              </a:ext>
+            </a:extLst>
+          </a:blip>
+          <a:stretch>
+            <a:fillRect/>
+          </a:stretch>
+        </p:blipFill>
+        <p:spPr>
+          <a:xfrm>
+            <a:off x="7298949" y="3417983"/>
+            <a:ext cx="809510" cy="809510"/>
+          </a:xfrm>
+          <a:prstGeom prst="rect">
+            <a:avLst/>
+          </a:prstGeom>
+        </p:spPr>
+      </p:pic>
+      <p:cxnSp>
+        <p:nvCxnSpPr>
+          <p:cNvPr id="95" name="Straight Arrow Connector 94"/>
+          <p:cNvCxnSpPr>
+            <a:stCxn id="24" idx="5"/>
+            <a:endCxn id="93" idx="0"/>
+          </p:cNvCxnSpPr>
+          <p:nvPr/>
+        </p:nvCxnSpPr>
+        <p:spPr>
+          <a:xfrm>
+            <a:off x="7146245" y="1349440"/>
+            <a:ext cx="557459" cy="2068543"/>
+          </a:xfrm>
+          <a:prstGeom prst="straightConnector1">
+            <a:avLst/>
+          </a:prstGeom>
+          <a:ln>
+            <a:headEnd type="triangle"/>
+            <a:tailEnd type="triangle"/>
+          </a:ln>
+        </p:spPr>
+        <p:style>
+          <a:lnRef idx="1">
+            <a:schemeClr val="accent1"/>
+          </a:lnRef>
+          <a:fillRef idx="0">
+            <a:schemeClr val="accent1"/>
+          </a:fillRef>
+          <a:effectRef idx="0">
+            <a:schemeClr val="accent1"/>
+          </a:effectRef>
+          <a:fontRef idx="minor">
+            <a:schemeClr val="tx1"/>
+          </a:fontRef>
+        </p:style>
+      </p:cxnSp>
+      <p:cxnSp>
+        <p:nvCxnSpPr>
+          <p:cNvPr id="98" name="Straight Arrow Connector 97"/>
+          <p:cNvCxnSpPr>
+            <a:stCxn id="26" idx="5"/>
+            <a:endCxn id="93" idx="0"/>
+          </p:cNvCxnSpPr>
+          <p:nvPr/>
+        </p:nvCxnSpPr>
+        <p:spPr>
+          <a:xfrm>
+            <a:off x="7146245" y="1981069"/>
+            <a:ext cx="557459" cy="1436914"/>
+          </a:xfrm>
+          <a:prstGeom prst="straightConnector1">
+            <a:avLst/>
+          </a:prstGeom>
+          <a:ln>
+            <a:headEnd type="triangle"/>
+            <a:tailEnd type="triangle"/>
+          </a:ln>
+        </p:spPr>
+        <p:style>
+          <a:lnRef idx="1">
+            <a:schemeClr val="accent1"/>
+          </a:lnRef>
+          <a:fillRef idx="0">
+            <a:schemeClr val="accent1"/>
+          </a:fillRef>
+          <a:effectRef idx="0">
+            <a:schemeClr val="accent1"/>
+          </a:effectRef>
+          <a:fontRef idx="minor">
+            <a:schemeClr val="tx1"/>
+          </a:fontRef>
+        </p:style>
+      </p:cxnSp>
+      <p:cxnSp>
+        <p:nvCxnSpPr>
+          <p:cNvPr id="101" name="Straight Arrow Connector 100"/>
+          <p:cNvCxnSpPr>
+            <a:stCxn id="27" idx="5"/>
+            <a:endCxn id="93" idx="0"/>
+          </p:cNvCxnSpPr>
+          <p:nvPr/>
+        </p:nvCxnSpPr>
+        <p:spPr>
+          <a:xfrm>
+            <a:off x="7146245" y="2612698"/>
+            <a:ext cx="557459" cy="805285"/>
+          </a:xfrm>
+          <a:prstGeom prst="straightConnector1">
+            <a:avLst/>
+          </a:prstGeom>
+          <a:ln>
+            <a:headEnd type="triangle"/>
             <a:tailEnd type="triangle"/>
           </a:ln>
         </p:spPr>
@@ -8690,35 +11613,131 @@
           <a:p>
             <a:r>
               <a:rPr lang="en-US" dirty="0" smtClean="0"/>
-              <a:t>Instant Notification Flow</a:t>
+              <a:t>Instant Notification </a:t>
+            </a:r>
+            <a:r>
+              <a:rPr lang="en-US" dirty="0" smtClean="0"/>
+              <a:t>Service</a:t>
             </a:r>
             <a:endParaRPr lang="en-US" dirty="0"/>
           </a:p>
         </p:txBody>
       </p:sp>
-      <p:sp>
-        <p:nvSpPr>
-          <p:cNvPr id="3" name="Subtitle 2"/>
-          <p:cNvSpPr>
-            <a:spLocks noGrp="1"/>
-          </p:cNvSpPr>
-          <p:nvPr>
-            <p:ph type="subTitle" idx="1"/>
-          </p:nvPr>
-        </p:nvSpPr>
-        <p:spPr>
-          <a:xfrm>
-            <a:off x="0" y="856527"/>
-            <a:ext cx="12192000" cy="6001474"/>
-          </a:xfrm>
-        </p:spPr>
-        <p:txBody>
-          <a:bodyPr/>
+      <p:pic>
+        <p:nvPicPr>
+          <p:cNvPr id="22" name="Picture 21"/>
+          <p:cNvPicPr>
+            <a:picLocks noChangeAspect="1"/>
+          </p:cNvPicPr>
+          <p:nvPr/>
+        </p:nvPicPr>
+        <p:blipFill>
+          <a:blip r:embed="rId2">
+            <a:extLst>
+              <a:ext uri="{28A0092B-C50C-407E-A947-70E740481C1C}">
+                <a14:useLocalDpi xmlns:a14="http://schemas.microsoft.com/office/drawing/2010/main" val="0"/>
+              </a:ext>
+            </a:extLst>
+          </a:blip>
+          <a:stretch>
+            <a:fillRect/>
+          </a:stretch>
+        </p:blipFill>
+        <p:spPr>
+          <a:xfrm>
+            <a:off x="439308" y="1157302"/>
+            <a:ext cx="517918" cy="517918"/>
+          </a:xfrm>
+          <a:prstGeom prst="rect">
+            <a:avLst/>
+          </a:prstGeom>
+        </p:spPr>
+      </p:pic>
+      <p:pic>
+        <p:nvPicPr>
+          <p:cNvPr id="23" name="Picture 22"/>
+          <p:cNvPicPr>
+            <a:picLocks noChangeAspect="1"/>
+          </p:cNvPicPr>
+          <p:nvPr/>
+        </p:nvPicPr>
+        <p:blipFill>
+          <a:blip r:embed="rId2">
+            <a:extLst>
+              <a:ext uri="{28A0092B-C50C-407E-A947-70E740481C1C}">
+                <a14:useLocalDpi xmlns:a14="http://schemas.microsoft.com/office/drawing/2010/main" val="0"/>
+              </a:ext>
+            </a:extLst>
+          </a:blip>
+          <a:stretch>
+            <a:fillRect/>
+          </a:stretch>
+        </p:blipFill>
+        <p:spPr>
+          <a:xfrm>
+            <a:off x="439308" y="1800806"/>
+            <a:ext cx="517918" cy="517918"/>
+          </a:xfrm>
+          <a:prstGeom prst="rect">
+            <a:avLst/>
+          </a:prstGeom>
+        </p:spPr>
+      </p:pic>
+      <p:pic>
+        <p:nvPicPr>
+          <p:cNvPr id="24" name="Picture 23"/>
+          <p:cNvPicPr>
+            <a:picLocks noChangeAspect="1"/>
+          </p:cNvPicPr>
+          <p:nvPr/>
+        </p:nvPicPr>
+        <p:blipFill>
+          <a:blip r:embed="rId2">
+            <a:extLst>
+              <a:ext uri="{28A0092B-C50C-407E-A947-70E740481C1C}">
+                <a14:useLocalDpi xmlns:a14="http://schemas.microsoft.com/office/drawing/2010/main" val="0"/>
+              </a:ext>
+            </a:extLst>
+          </a:blip>
+          <a:stretch>
+            <a:fillRect/>
+          </a:stretch>
+        </p:blipFill>
+        <p:spPr>
+          <a:xfrm>
+            <a:off x="439308" y="2432435"/>
+            <a:ext cx="517918" cy="517918"/>
+          </a:xfrm>
+          <a:prstGeom prst="rect">
+            <a:avLst/>
+          </a:prstGeom>
+        </p:spPr>
+      </p:pic>
+      <p:sp>
+        <p:nvSpPr>
+          <p:cNvPr id="25" name="TextBox 24"/>
+          <p:cNvSpPr txBox="1"/>
+          <p:nvPr/>
+        </p:nvSpPr>
+        <p:spPr>
+          <a:xfrm>
+            <a:off x="983969" y="1359182"/>
+            <a:ext cx="3170501" cy="369332"/>
+          </a:xfrm>
+          <a:prstGeom prst="rect">
+            <a:avLst/>
+          </a:prstGeom>
+          <a:noFill/>
+        </p:spPr>
+        <p:txBody>
+          <a:bodyPr wrap="square" rtlCol="0">
+            <a:spAutoFit/>
+          </a:bodyPr>
           <a:lstStyle/>
           <a:p>
             <a:r>
               <a:rPr lang="en-US" dirty="0" smtClean="0"/>
-              <a:t>Offline service</a:t>
+              <a:t>q_discount_product_p1 (High)</a:t>
             </a:r>
             <a:endParaRPr lang="en-US" dirty="0"/>
           </a:p>
@@ -8726,18 +11745,143 @@
       </p:sp>
       <p:sp>
         <p:nvSpPr>
-          <p:cNvPr id="5" name="Rectangle 4"/>
+          <p:cNvPr id="26" name="TextBox 25"/>
+          <p:cNvSpPr txBox="1"/>
+          <p:nvPr/>
+        </p:nvSpPr>
+        <p:spPr>
+          <a:xfrm>
+            <a:off x="983969" y="2002686"/>
+            <a:ext cx="3477206" cy="369332"/>
+          </a:xfrm>
+          <a:prstGeom prst="rect">
+            <a:avLst/>
+          </a:prstGeom>
+          <a:noFill/>
+        </p:spPr>
+        <p:txBody>
+          <a:bodyPr wrap="square" rtlCol="0">
+            <a:spAutoFit/>
+          </a:bodyPr>
+          <a:lstStyle/>
+          <a:p>
+            <a:r>
+              <a:rPr lang="en-US" dirty="0" smtClean="0"/>
+              <a:t>q_discount_product_p2 (Medium)</a:t>
+            </a:r>
+            <a:endParaRPr lang="en-US" dirty="0"/>
+          </a:p>
+        </p:txBody>
+      </p:sp>
+      <p:sp>
+        <p:nvSpPr>
+          <p:cNvPr id="27" name="TextBox 26"/>
+          <p:cNvSpPr txBox="1"/>
+          <p:nvPr/>
+        </p:nvSpPr>
+        <p:spPr>
+          <a:xfrm>
+            <a:off x="983969" y="2634315"/>
+            <a:ext cx="3101155" cy="369332"/>
+          </a:xfrm>
+          <a:prstGeom prst="rect">
+            <a:avLst/>
+          </a:prstGeom>
+          <a:noFill/>
+        </p:spPr>
+        <p:txBody>
+          <a:bodyPr wrap="square" rtlCol="0">
+            <a:spAutoFit/>
+          </a:bodyPr>
+          <a:lstStyle/>
+          <a:p>
+            <a:r>
+              <a:rPr lang="en-US" dirty="0" smtClean="0"/>
+              <a:t>q_discount_product_p3 (Low)</a:t>
+            </a:r>
+            <a:endParaRPr lang="en-US" dirty="0"/>
+          </a:p>
+        </p:txBody>
+      </p:sp>
+      <p:sp>
+        <p:nvSpPr>
+          <p:cNvPr id="9" name="TextBox 8"/>
+          <p:cNvSpPr txBox="1"/>
+          <p:nvPr/>
+        </p:nvSpPr>
+        <p:spPr>
+          <a:xfrm>
+            <a:off x="696696" y="4940135"/>
+            <a:ext cx="7861465" cy="1015663"/>
+          </a:xfrm>
+          <a:prstGeom prst="rect">
+            <a:avLst/>
+          </a:prstGeom>
+          <a:noFill/>
+        </p:spPr>
+        <p:txBody>
+          <a:bodyPr wrap="square" rtlCol="0">
+            <a:spAutoFit/>
+          </a:bodyPr>
+          <a:lstStyle/>
+          <a:p>
+            <a:pPr marL="342900" indent="-342900">
+              <a:buFont typeface="Arial" charset="0"/>
+              <a:buChar char="•"/>
+            </a:pPr>
+            <a:r>
+              <a:rPr lang="en-US" sz="2000" dirty="0" smtClean="0"/>
+              <a:t>Get discount products from </a:t>
+            </a:r>
+            <a:r>
+              <a:rPr lang="en-US" sz="2000" dirty="0" err="1" smtClean="0"/>
+              <a:t>q_discount_product_p</a:t>
+            </a:r>
+            <a:r>
+              <a:rPr lang="en-US" sz="2000" dirty="0" smtClean="0"/>
+              <a:t>(n) queues.</a:t>
+            </a:r>
+          </a:p>
+          <a:p>
+            <a:pPr marL="342900" indent="-342900">
+              <a:buFont typeface="Arial" charset="0"/>
+              <a:buChar char="•"/>
+            </a:pPr>
+            <a:r>
+              <a:rPr lang="en-US" sz="2000" dirty="0" smtClean="0"/>
+              <a:t>Find the subscribers of the product’s category.</a:t>
+            </a:r>
+          </a:p>
+          <a:p>
+            <a:pPr marL="342900" indent="-342900">
+              <a:buFont typeface="Arial" charset="0"/>
+              <a:buChar char="•"/>
+            </a:pPr>
+            <a:r>
+              <a:rPr lang="en-US" sz="2000" dirty="0" smtClean="0"/>
+              <a:t>Start a new thread to send product discount information to users.</a:t>
+            </a:r>
+            <a:endParaRPr lang="en-US" sz="2000" dirty="0"/>
+          </a:p>
+        </p:txBody>
+      </p:sp>
+      <p:sp>
+        <p:nvSpPr>
+          <p:cNvPr id="28" name="Cube 27"/>
           <p:cNvSpPr/>
           <p:nvPr/>
         </p:nvSpPr>
         <p:spPr>
           <a:xfrm>
-            <a:off x="4499868" y="2095134"/>
-            <a:ext cx="2741271" cy="1160775"/>
-          </a:xfrm>
-          <a:prstGeom prst="rect">
-            <a:avLst/>
-          </a:prstGeom>
+            <a:off x="4716490" y="1157302"/>
+            <a:ext cx="3370606" cy="417372"/>
+          </a:xfrm>
+          <a:prstGeom prst="cube">
+            <a:avLst/>
+          </a:prstGeom>
+          <a:solidFill>
+            <a:srgbClr val="00B0F0"/>
+          </a:solidFill>
         </p:spPr>
         <p:style>
           <a:lnRef idx="2">
@@ -8760,121 +11904,27 @@
           <a:lstStyle/>
           <a:p>
             <a:pPr algn="ctr"/>
-            <a:endParaRPr lang="en-US" dirty="0" smtClean="0"/>
-          </a:p>
-        </p:txBody>
-      </p:sp>
-      <p:sp>
-        <p:nvSpPr>
-          <p:cNvPr id="13" name="TextBox 12"/>
-          <p:cNvSpPr txBox="1"/>
-          <p:nvPr/>
-        </p:nvSpPr>
-        <p:spPr>
-          <a:xfrm>
-            <a:off x="3378957" y="4837330"/>
-            <a:ext cx="5652655" cy="2031325"/>
-          </a:xfrm>
-          <a:prstGeom prst="rect">
-            <a:avLst/>
-          </a:prstGeom>
-          <a:noFill/>
-          <a:ln>
-            <a:solidFill>
-              <a:schemeClr val="tx1"/>
-            </a:solidFill>
-          </a:ln>
-        </p:spPr>
-        <p:txBody>
-          <a:bodyPr wrap="square" rtlCol="0">
-            <a:spAutoFit/>
-          </a:bodyPr>
-          <a:lstStyle/>
-          <a:p>
-            <a:r>
-              <a:rPr lang="en-US" dirty="0" smtClean="0"/>
-              <a:t>User DB: </a:t>
-            </a:r>
-          </a:p>
-          <a:p>
-            <a:endParaRPr lang="en-US" dirty="0"/>
-          </a:p>
-          <a:p>
-            <a:r>
-              <a:rPr lang="en-US" dirty="0" smtClean="0"/>
-              <a:t>user table</a:t>
-            </a:r>
-          </a:p>
-          <a:p>
-            <a:r>
-              <a:rPr lang="en-US" dirty="0" err="1" smtClean="0"/>
-              <a:t>user_id</a:t>
-            </a:r>
-            <a:r>
-              <a:rPr lang="en-US" dirty="0" smtClean="0"/>
-              <a:t>, email, password, </a:t>
-            </a:r>
-            <a:r>
-              <a:rPr lang="en-US" dirty="0" err="1" smtClean="0"/>
-              <a:t>last_updated_time</a:t>
-            </a:r>
-            <a:endParaRPr lang="en-US" dirty="0" smtClean="0"/>
-          </a:p>
-          <a:p>
-            <a:endParaRPr lang="en-US" dirty="0"/>
-          </a:p>
-          <a:p>
-            <a:r>
-              <a:rPr lang="en-US" dirty="0" err="1" smtClean="0"/>
-              <a:t>user_category</a:t>
-            </a:r>
-            <a:r>
-              <a:rPr lang="en-US" dirty="0" smtClean="0"/>
-              <a:t> table</a:t>
-            </a:r>
-          </a:p>
-          <a:p>
-            <a:r>
-              <a:rPr lang="en-US" dirty="0" err="1" smtClean="0"/>
-              <a:t>user_id</a:t>
-            </a:r>
-            <a:r>
-              <a:rPr lang="en-US" dirty="0" smtClean="0"/>
-              <a:t>, </a:t>
-            </a:r>
-            <a:r>
-              <a:rPr lang="en-US" dirty="0" err="1" smtClean="0"/>
-              <a:t>category_id</a:t>
-            </a:r>
-            <a:r>
-              <a:rPr lang="en-US" dirty="0" smtClean="0"/>
-              <a:t>, </a:t>
-            </a:r>
-            <a:r>
-              <a:rPr lang="en-US" dirty="0" err="1" smtClean="0"/>
-              <a:t>notification_type</a:t>
-            </a:r>
-            <a:r>
-              <a:rPr lang="en-US" dirty="0" smtClean="0"/>
-              <a:t> (0: instant, 1: daily)</a:t>
-            </a:r>
-          </a:p>
-        </p:txBody>
-      </p:sp>
-      <p:sp>
-        <p:nvSpPr>
-          <p:cNvPr id="16" name="Magnetic Disk 15"/>
+            <a:endParaRPr lang="en-US"/>
+          </a:p>
+        </p:txBody>
+      </p:sp>
+      <p:sp>
+        <p:nvSpPr>
+          <p:cNvPr id="29" name="Cube 28"/>
           <p:cNvSpPr/>
           <p:nvPr/>
         </p:nvSpPr>
         <p:spPr>
           <a:xfrm>
-            <a:off x="5257045" y="3639113"/>
-            <a:ext cx="1226916" cy="1055779"/>
-          </a:xfrm>
-          <a:prstGeom prst="flowChartMagneticDisk">
-            <a:avLst/>
-          </a:prstGeom>
+            <a:off x="4704694" y="1800806"/>
+            <a:ext cx="3382402" cy="417372"/>
+          </a:xfrm>
+          <a:prstGeom prst="cube">
+            <a:avLst/>
+          </a:prstGeom>
+          <a:solidFill>
+            <a:srgbClr val="00B0F0"/>
+          </a:solidFill>
         </p:spPr>
         <p:style>
           <a:lnRef idx="2">
@@ -8897,28 +11947,27 @@
           <a:lstStyle/>
           <a:p>
             <a:pPr algn="ctr"/>
-            <a:r>
-              <a:rPr lang="en-US" dirty="0" smtClean="0"/>
-              <a:t>User DB</a:t>
-            </a:r>
-            <a:endParaRPr lang="en-US" dirty="0"/>
-          </a:p>
-        </p:txBody>
-      </p:sp>
-      <p:sp>
-        <p:nvSpPr>
-          <p:cNvPr id="37" name="Rectangle 36"/>
+            <a:endParaRPr lang="en-US"/>
+          </a:p>
+        </p:txBody>
+      </p:sp>
+      <p:sp>
+        <p:nvSpPr>
+          <p:cNvPr id="30" name="Cube 29"/>
           <p:cNvSpPr/>
           <p:nvPr/>
         </p:nvSpPr>
         <p:spPr>
           <a:xfrm>
-            <a:off x="4213509" y="1798885"/>
-            <a:ext cx="2741271" cy="1160775"/>
-          </a:xfrm>
-          <a:prstGeom prst="rect">
-            <a:avLst/>
-          </a:prstGeom>
+            <a:off x="4724486" y="2432435"/>
+            <a:ext cx="3362610" cy="417372"/>
+          </a:xfrm>
+          <a:prstGeom prst="cube">
+            <a:avLst/>
+          </a:prstGeom>
+          <a:solidFill>
+            <a:srgbClr val="00B0F0"/>
+          </a:solidFill>
         </p:spPr>
         <p:style>
           <a:lnRef idx="2">
@@ -8941,92 +11990,133 @@
           <a:lstStyle/>
           <a:p>
             <a:pPr algn="ctr"/>
-            <a:endParaRPr lang="en-US" dirty="0" smtClean="0"/>
-          </a:p>
-        </p:txBody>
-      </p:sp>
-      <p:sp>
-        <p:nvSpPr>
-          <p:cNvPr id="38" name="Rectangle 37"/>
-          <p:cNvSpPr/>
-          <p:nvPr/>
-        </p:nvSpPr>
-        <p:spPr>
-          <a:xfrm>
-            <a:off x="3927150" y="1541491"/>
-            <a:ext cx="2741271" cy="1155264"/>
+            <a:endParaRPr lang="en-US"/>
+          </a:p>
+        </p:txBody>
+      </p:sp>
+      <p:pic>
+        <p:nvPicPr>
+          <p:cNvPr id="32" name="Picture 31"/>
+          <p:cNvPicPr>
+            <a:picLocks noChangeAspect="1"/>
+          </p:cNvPicPr>
+          <p:nvPr/>
+        </p:nvPicPr>
+        <p:blipFill>
+          <a:blip r:embed="rId3">
+            <a:extLst>
+              <a:ext uri="{28A0092B-C50C-407E-A947-70E740481C1C}">
+                <a14:useLocalDpi xmlns:a14="http://schemas.microsoft.com/office/drawing/2010/main" val="0"/>
+              </a:ext>
+            </a:extLst>
+          </a:blip>
+          <a:stretch>
+            <a:fillRect/>
+          </a:stretch>
+        </p:blipFill>
+        <p:spPr>
+          <a:xfrm>
+            <a:off x="8767853" y="1484738"/>
+            <a:ext cx="901090" cy="901090"/>
           </a:xfrm>
           <a:prstGeom prst="rect">
             <a:avLst/>
           </a:prstGeom>
         </p:spPr>
-        <p:style>
-          <a:lnRef idx="2">
-            <a:schemeClr val="accent1">
-              <a:shade val="50000"/>
-            </a:schemeClr>
-          </a:lnRef>
-          <a:fillRef idx="1">
-            <a:schemeClr val="accent1"/>
-          </a:fillRef>
-          <a:effectRef idx="0">
-            <a:schemeClr val="accent1"/>
-          </a:effectRef>
-          <a:fontRef idx="minor">
-            <a:schemeClr val="lt1"/>
-          </a:fontRef>
-        </p:style>
-        <p:txBody>
-          <a:bodyPr rtlCol="0" anchor="ctr"/>
-          <a:lstStyle/>
-          <a:p>
-            <a:pPr algn="ctr"/>
+      </p:pic>
+      <p:sp>
+        <p:nvSpPr>
+          <p:cNvPr id="34" name="TextBox 33"/>
+          <p:cNvSpPr txBox="1"/>
+          <p:nvPr/>
+        </p:nvSpPr>
+        <p:spPr>
+          <a:xfrm>
+            <a:off x="4724486" y="1231595"/>
+            <a:ext cx="3362610" cy="369332"/>
+          </a:xfrm>
+          <a:prstGeom prst="rect">
+            <a:avLst/>
+          </a:prstGeom>
+          <a:noFill/>
+        </p:spPr>
+        <p:txBody>
+          <a:bodyPr wrap="square" rtlCol="0">
+            <a:spAutoFit/>
+          </a:bodyPr>
+          <a:lstStyle/>
+          <a:p>
             <a:r>
               <a:rPr lang="en-US" dirty="0" smtClean="0"/>
-              <a:t>Notification Service</a:t>
-            </a:r>
-          </a:p>
-        </p:txBody>
-      </p:sp>
-      <p:sp>
-        <p:nvSpPr>
-          <p:cNvPr id="50" name="Multidocument 49"/>
-          <p:cNvSpPr/>
-          <p:nvPr/>
-        </p:nvSpPr>
-        <p:spPr>
-          <a:xfrm>
-            <a:off x="761887" y="1401431"/>
-            <a:ext cx="1805049" cy="1457024"/>
-          </a:xfrm>
-          <a:prstGeom prst="flowChartMultidocument">
-            <a:avLst/>
-          </a:prstGeom>
-        </p:spPr>
-        <p:style>
-          <a:lnRef idx="2">
-            <a:schemeClr val="accent1">
-              <a:shade val="50000"/>
-            </a:schemeClr>
-          </a:lnRef>
-          <a:fillRef idx="1">
-            <a:schemeClr val="accent1"/>
-          </a:fillRef>
-          <a:effectRef idx="0">
-            <a:schemeClr val="accent1"/>
-          </a:effectRef>
-          <a:fontRef idx="minor">
-            <a:schemeClr val="lt1"/>
-          </a:fontRef>
-        </p:style>
-        <p:txBody>
-          <a:bodyPr rtlCol="0" anchor="ctr"/>
-          <a:lstStyle/>
-          <a:p>
-            <a:pPr algn="ctr"/>
+              <a:t>Instant </a:t>
+            </a:r>
+            <a:r>
+              <a:rPr lang="en-US" smtClean="0"/>
+              <a:t>Notification Service (</a:t>
+            </a:r>
             <a:r>
               <a:rPr lang="en-US" dirty="0" smtClean="0"/>
-              <a:t>Price Reduction Queue</a:t>
+              <a:t>p1)</a:t>
+            </a:r>
+            <a:endParaRPr lang="en-US" dirty="0"/>
+          </a:p>
+        </p:txBody>
+      </p:sp>
+      <p:sp>
+        <p:nvSpPr>
+          <p:cNvPr id="35" name="TextBox 34"/>
+          <p:cNvSpPr txBox="1"/>
+          <p:nvPr/>
+        </p:nvSpPr>
+        <p:spPr>
+          <a:xfrm>
+            <a:off x="4724486" y="1897746"/>
+            <a:ext cx="3362610" cy="369332"/>
+          </a:xfrm>
+          <a:prstGeom prst="rect">
+            <a:avLst/>
+          </a:prstGeom>
+          <a:noFill/>
+        </p:spPr>
+        <p:txBody>
+          <a:bodyPr wrap="square" rtlCol="0">
+            <a:spAutoFit/>
+          </a:bodyPr>
+          <a:lstStyle/>
+          <a:p>
+            <a:r>
+              <a:rPr lang="en-US" dirty="0" smtClean="0"/>
+              <a:t>Instant Notification Service (p2)</a:t>
+            </a:r>
+            <a:endParaRPr lang="en-US" dirty="0"/>
+          </a:p>
+        </p:txBody>
+      </p:sp>
+      <p:sp>
+        <p:nvSpPr>
+          <p:cNvPr id="36" name="TextBox 35"/>
+          <p:cNvSpPr txBox="1"/>
+          <p:nvPr/>
+        </p:nvSpPr>
+        <p:spPr>
+          <a:xfrm>
+            <a:off x="4724486" y="2531324"/>
+            <a:ext cx="3362610" cy="369332"/>
+          </a:xfrm>
+          <a:prstGeom prst="rect">
+            <a:avLst/>
+          </a:prstGeom>
+          <a:noFill/>
+        </p:spPr>
+        <p:txBody>
+          <a:bodyPr wrap="square" rtlCol="0">
+            <a:spAutoFit/>
+          </a:bodyPr>
+          <a:lstStyle/>
+          <a:p>
+            <a:r>
+              <a:rPr lang="en-US" dirty="0" smtClean="0"/>
+              <a:t>Instant Notification Service (p3)</a:t>
             </a:r>
             <a:endParaRPr lang="en-US" dirty="0"/>
           </a:p>
@@ -9034,23 +12124,22 @@
       </p:sp>
       <p:cxnSp>
         <p:nvCxnSpPr>
-          <p:cNvPr id="20" name="Straight Arrow Connector 19"/>
+          <p:cNvPr id="11" name="Straight Arrow Connector 10"/>
           <p:cNvCxnSpPr>
-            <a:stCxn id="5" idx="2"/>
-            <a:endCxn id="16" idx="1"/>
+            <a:stCxn id="22" idx="3"/>
+            <a:endCxn id="28" idx="2"/>
           </p:cNvCxnSpPr>
           <p:nvPr/>
         </p:nvCxnSpPr>
         <p:spPr>
-          <a:xfrm flipH="1">
-            <a:off x="5870503" y="3255909"/>
-            <a:ext cx="1" cy="383204"/>
+          <a:xfrm>
+            <a:off x="957226" y="1416261"/>
+            <a:ext cx="3759264" cy="1899"/>
           </a:xfrm>
           <a:prstGeom prst="straightConnector1">
             <a:avLst/>
           </a:prstGeom>
           <a:ln>
-            <a:headEnd type="triangle"/>
             <a:tailEnd type="triangle"/>
           </a:ln>
         </p:spPr>
@@ -9071,17 +12160,17 @@
       </p:cxnSp>
       <p:cxnSp>
         <p:nvCxnSpPr>
-          <p:cNvPr id="31" name="Straight Arrow Connector 30"/>
+          <p:cNvPr id="39" name="Straight Arrow Connector 38"/>
           <p:cNvCxnSpPr>
-            <a:stCxn id="50" idx="3"/>
-            <a:endCxn id="38" idx="1"/>
+            <a:stCxn id="23" idx="3"/>
+            <a:endCxn id="29" idx="2"/>
           </p:cNvCxnSpPr>
           <p:nvPr/>
         </p:nvCxnSpPr>
         <p:spPr>
-          <a:xfrm flipV="1">
-            <a:off x="2566936" y="2119123"/>
-            <a:ext cx="1360214" cy="10820"/>
+          <a:xfrm>
+            <a:off x="957226" y="2059765"/>
+            <a:ext cx="3747468" cy="1899"/>
           </a:xfrm>
           <a:prstGeom prst="straightConnector1">
             <a:avLst/>
@@ -9107,17 +12196,17 @@
       </p:cxnSp>
       <p:cxnSp>
         <p:nvCxnSpPr>
-          <p:cNvPr id="40" name="Straight Arrow Connector 39"/>
+          <p:cNvPr id="42" name="Straight Arrow Connector 41"/>
           <p:cNvCxnSpPr>
-            <a:stCxn id="5" idx="3"/>
-            <a:endCxn id="21" idx="1"/>
+            <a:stCxn id="24" idx="3"/>
+            <a:endCxn id="30" idx="2"/>
           </p:cNvCxnSpPr>
           <p:nvPr/>
         </p:nvCxnSpPr>
         <p:spPr>
-          <a:xfrm flipV="1">
-            <a:off x="7241139" y="2672766"/>
-            <a:ext cx="1427006" cy="2756"/>
+          <a:xfrm>
+            <a:off x="957226" y="2691394"/>
+            <a:ext cx="3767260" cy="1899"/>
           </a:xfrm>
           <a:prstGeom prst="straightConnector1">
             <a:avLst/>
@@ -9141,20 +12230,133 @@
           </a:fontRef>
         </p:style>
       </p:cxnSp>
-      <p:sp>
-        <p:nvSpPr>
-          <p:cNvPr id="18" name="Rectangle 17"/>
+      <p:cxnSp>
+        <p:nvCxnSpPr>
+          <p:cNvPr id="46" name="Straight Arrow Connector 45"/>
+          <p:cNvCxnSpPr>
+            <a:stCxn id="28" idx="5"/>
+            <a:endCxn id="32" idx="1"/>
+          </p:cNvCxnSpPr>
+          <p:nvPr/>
+        </p:nvCxnSpPr>
+        <p:spPr>
+          <a:xfrm>
+            <a:off x="8087096" y="1313817"/>
+            <a:ext cx="680757" cy="621466"/>
+          </a:xfrm>
+          <a:prstGeom prst="straightConnector1">
+            <a:avLst/>
+          </a:prstGeom>
+          <a:ln>
+            <a:tailEnd type="triangle"/>
+          </a:ln>
+        </p:spPr>
+        <p:style>
+          <a:lnRef idx="1">
+            <a:schemeClr val="accent1"/>
+          </a:lnRef>
+          <a:fillRef idx="0">
+            <a:schemeClr val="accent1"/>
+          </a:fillRef>
+          <a:effectRef idx="0">
+            <a:schemeClr val="accent1"/>
+          </a:effectRef>
+          <a:fontRef idx="minor">
+            <a:schemeClr val="tx1"/>
+          </a:fontRef>
+        </p:style>
+      </p:cxnSp>
+      <p:cxnSp>
+        <p:nvCxnSpPr>
+          <p:cNvPr id="49" name="Straight Arrow Connector 48"/>
+          <p:cNvCxnSpPr>
+            <a:stCxn id="29" idx="5"/>
+            <a:endCxn id="32" idx="1"/>
+          </p:cNvCxnSpPr>
+          <p:nvPr/>
+        </p:nvCxnSpPr>
+        <p:spPr>
+          <a:xfrm flipV="1">
+            <a:off x="8087096" y="1935283"/>
+            <a:ext cx="680757" cy="22038"/>
+          </a:xfrm>
+          <a:prstGeom prst="straightConnector1">
+            <a:avLst/>
+          </a:prstGeom>
+          <a:ln>
+            <a:tailEnd type="triangle"/>
+          </a:ln>
+        </p:spPr>
+        <p:style>
+          <a:lnRef idx="1">
+            <a:schemeClr val="accent1"/>
+          </a:lnRef>
+          <a:fillRef idx="0">
+            <a:schemeClr val="accent1"/>
+          </a:fillRef>
+          <a:effectRef idx="0">
+            <a:schemeClr val="accent1"/>
+          </a:effectRef>
+          <a:fontRef idx="minor">
+            <a:schemeClr val="tx1"/>
+          </a:fontRef>
+        </p:style>
+      </p:cxnSp>
+      <p:cxnSp>
+        <p:nvCxnSpPr>
+          <p:cNvPr id="52" name="Straight Arrow Connector 51"/>
+          <p:cNvCxnSpPr>
+            <a:stCxn id="30" idx="5"/>
+            <a:endCxn id="32" idx="1"/>
+          </p:cNvCxnSpPr>
+          <p:nvPr/>
+        </p:nvCxnSpPr>
+        <p:spPr>
+          <a:xfrm flipV="1">
+            <a:off x="8087096" y="1935283"/>
+            <a:ext cx="680757" cy="653667"/>
+          </a:xfrm>
+          <a:prstGeom prst="straightConnector1">
+            <a:avLst/>
+          </a:prstGeom>
+          <a:ln>
+            <a:tailEnd type="triangle"/>
+          </a:ln>
+        </p:spPr>
+        <p:style>
+          <a:lnRef idx="1">
+            <a:schemeClr val="accent1"/>
+          </a:lnRef>
+          <a:fillRef idx="0">
+            <a:schemeClr val="accent1"/>
+          </a:fillRef>
+          <a:effectRef idx="0">
+            <a:schemeClr val="accent1"/>
+          </a:effectRef>
+          <a:fontRef idx="minor">
+            <a:schemeClr val="tx1"/>
+          </a:fontRef>
+        </p:style>
+      </p:cxnSp>
+      <p:sp>
+        <p:nvSpPr>
+          <p:cNvPr id="55" name="Cloud 54"/>
           <p:cNvSpPr/>
           <p:nvPr/>
         </p:nvSpPr>
         <p:spPr>
           <a:xfrm>
-            <a:off x="9249149" y="2672766"/>
-            <a:ext cx="2741271" cy="1155264"/>
-          </a:xfrm>
-          <a:prstGeom prst="rect">
-            <a:avLst/>
-          </a:prstGeom>
+            <a:off x="10272498" y="1522574"/>
+            <a:ext cx="791004" cy="653598"/>
+          </a:xfrm>
+          <a:prstGeom prst="cloud">
+            <a:avLst/>
+          </a:prstGeom>
+          <a:solidFill>
+            <a:schemeClr val="bg2">
+              <a:lumMod val="90000"/>
+            </a:schemeClr>
+          </a:solidFill>
         </p:spPr>
         <p:style>
           <a:lnRef idx="2">
@@ -9177,93 +12379,217 @@
           <a:lstStyle/>
           <a:p>
             <a:pPr algn="ctr"/>
-            <a:endParaRPr lang="en-US" dirty="0" smtClean="0"/>
-          </a:p>
-        </p:txBody>
-      </p:sp>
-      <p:sp>
-        <p:nvSpPr>
-          <p:cNvPr id="19" name="Rectangle 18"/>
-          <p:cNvSpPr/>
-          <p:nvPr/>
-        </p:nvSpPr>
-        <p:spPr>
-          <a:xfrm>
-            <a:off x="8942628" y="2404633"/>
-            <a:ext cx="2741271" cy="1155264"/>
+            <a:endParaRPr lang="en-US"/>
+          </a:p>
+        </p:txBody>
+      </p:sp>
+      <p:pic>
+        <p:nvPicPr>
+          <p:cNvPr id="56" name="Picture 55"/>
+          <p:cNvPicPr>
+            <a:picLocks noChangeAspect="1"/>
+          </p:cNvPicPr>
+          <p:nvPr/>
+        </p:nvPicPr>
+        <p:blipFill>
+          <a:blip r:embed="rId4">
+            <a:extLst>
+              <a:ext uri="{28A0092B-C50C-407E-A947-70E740481C1C}">
+                <a14:useLocalDpi xmlns:a14="http://schemas.microsoft.com/office/drawing/2010/main" val="0"/>
+              </a:ext>
+            </a:extLst>
+          </a:blip>
+          <a:stretch>
+            <a:fillRect/>
+          </a:stretch>
+        </p:blipFill>
+        <p:spPr>
+          <a:xfrm>
+            <a:off x="11348115" y="1555988"/>
+            <a:ext cx="671607" cy="671607"/>
           </a:xfrm>
           <a:prstGeom prst="rect">
             <a:avLst/>
           </a:prstGeom>
         </p:spPr>
+      </p:pic>
+      <p:cxnSp>
+        <p:nvCxnSpPr>
+          <p:cNvPr id="58" name="Straight Arrow Connector 57"/>
+          <p:cNvCxnSpPr>
+            <a:stCxn id="32" idx="3"/>
+            <a:endCxn id="56" idx="1"/>
+          </p:cNvCxnSpPr>
+          <p:nvPr/>
+        </p:nvCxnSpPr>
+        <p:spPr>
+          <a:xfrm flipV="1">
+            <a:off x="9668943" y="1891792"/>
+            <a:ext cx="1679172" cy="43491"/>
+          </a:xfrm>
+          <a:prstGeom prst="straightConnector1">
+            <a:avLst/>
+          </a:prstGeom>
+          <a:ln>
+            <a:tailEnd type="triangle"/>
+          </a:ln>
+        </p:spPr>
         <p:style>
-          <a:lnRef idx="2">
-            <a:schemeClr val="accent1">
-              <a:shade val="50000"/>
-            </a:schemeClr>
+          <a:lnRef idx="1">
+            <a:schemeClr val="accent1"/>
           </a:lnRef>
-          <a:fillRef idx="1">
+          <a:fillRef idx="0">
             <a:schemeClr val="accent1"/>
           </a:fillRef>
           <a:effectRef idx="0">
             <a:schemeClr val="accent1"/>
           </a:effectRef>
           <a:fontRef idx="minor">
-            <a:schemeClr val="lt1"/>
+            <a:schemeClr val="tx1"/>
           </a:fontRef>
         </p:style>
-        <p:txBody>
-          <a:bodyPr rtlCol="0" anchor="ctr"/>
-          <a:lstStyle/>
-          <a:p>
-            <a:pPr algn="ctr"/>
-            <a:endParaRPr lang="en-US" dirty="0" smtClean="0"/>
-          </a:p>
-        </p:txBody>
-      </p:sp>
-      <p:sp>
-        <p:nvSpPr>
-          <p:cNvPr id="21" name="Rectangle 20"/>
-          <p:cNvSpPr/>
-          <p:nvPr/>
-        </p:nvSpPr>
-        <p:spPr>
-          <a:xfrm>
-            <a:off x="8668145" y="2095134"/>
-            <a:ext cx="2741271" cy="1155264"/>
+      </p:cxnSp>
+      <p:pic>
+        <p:nvPicPr>
+          <p:cNvPr id="59" name="Picture 58"/>
+          <p:cNvPicPr>
+            <a:picLocks noChangeAspect="1"/>
+          </p:cNvPicPr>
+          <p:nvPr/>
+        </p:nvPicPr>
+        <p:blipFill>
+          <a:blip r:embed="rId5">
+            <a:extLst>
+              <a:ext uri="{28A0092B-C50C-407E-A947-70E740481C1C}">
+                <a14:useLocalDpi xmlns:a14="http://schemas.microsoft.com/office/drawing/2010/main" val="0"/>
+              </a:ext>
+            </a:extLst>
+          </a:blip>
+          <a:stretch>
+            <a:fillRect/>
+          </a:stretch>
+        </p:blipFill>
+        <p:spPr>
+          <a:xfrm>
+            <a:off x="2840856" y="3376317"/>
+            <a:ext cx="809510" cy="809510"/>
           </a:xfrm>
           <a:prstGeom prst="rect">
             <a:avLst/>
           </a:prstGeom>
         </p:spPr>
+      </p:pic>
+      <p:cxnSp>
+        <p:nvCxnSpPr>
+          <p:cNvPr id="63" name="Straight Arrow Connector 62"/>
+          <p:cNvCxnSpPr>
+            <a:stCxn id="59" idx="3"/>
+            <a:endCxn id="28" idx="2"/>
+          </p:cNvCxnSpPr>
+          <p:nvPr/>
+        </p:nvCxnSpPr>
+        <p:spPr>
+          <a:xfrm flipV="1">
+            <a:off x="3650366" y="1418160"/>
+            <a:ext cx="1066124" cy="2362912"/>
+          </a:xfrm>
+          <a:prstGeom prst="straightConnector1">
+            <a:avLst/>
+          </a:prstGeom>
+          <a:ln>
+            <a:headEnd type="triangle"/>
+            <a:tailEnd type="triangle"/>
+          </a:ln>
+        </p:spPr>
         <p:style>
-          <a:lnRef idx="2">
-            <a:schemeClr val="accent1">
-              <a:shade val="50000"/>
-            </a:schemeClr>
+          <a:lnRef idx="1">
+            <a:schemeClr val="accent1"/>
           </a:lnRef>
-          <a:fillRef idx="1">
+          <a:fillRef idx="0">
             <a:schemeClr val="accent1"/>
           </a:fillRef>
           <a:effectRef idx="0">
             <a:schemeClr val="accent1"/>
           </a:effectRef>
           <a:fontRef idx="minor">
-            <a:schemeClr val="lt1"/>
+            <a:schemeClr val="tx1"/>
           </a:fontRef>
         </p:style>
-        <p:txBody>
-          <a:bodyPr rtlCol="0" anchor="ctr"/>
-          <a:lstStyle/>
-          <a:p>
-            <a:pPr algn="ctr"/>
-            <a:r>
-              <a:rPr lang="en-US" dirty="0" smtClean="0"/>
-              <a:t>Send Email</a:t>
-            </a:r>
-          </a:p>
-        </p:txBody>
-      </p:sp>
+      </p:cxnSp>
+      <p:cxnSp>
+        <p:nvCxnSpPr>
+          <p:cNvPr id="65" name="Straight Arrow Connector 64"/>
+          <p:cNvCxnSpPr>
+            <a:stCxn id="59" idx="3"/>
+            <a:endCxn id="29" idx="2"/>
+          </p:cNvCxnSpPr>
+          <p:nvPr/>
+        </p:nvCxnSpPr>
+        <p:spPr>
+          <a:xfrm flipV="1">
+            <a:off x="3650366" y="2061664"/>
+            <a:ext cx="1054328" cy="1719408"/>
+          </a:xfrm>
+          <a:prstGeom prst="straightConnector1">
+            <a:avLst/>
+          </a:prstGeom>
+          <a:ln>
+            <a:headEnd type="triangle"/>
+            <a:tailEnd type="triangle"/>
+          </a:ln>
+        </p:spPr>
+        <p:style>
+          <a:lnRef idx="1">
+            <a:schemeClr val="accent1"/>
+          </a:lnRef>
+          <a:fillRef idx="0">
+            <a:schemeClr val="accent1"/>
+          </a:fillRef>
+          <a:effectRef idx="0">
+            <a:schemeClr val="accent1"/>
+          </a:effectRef>
+          <a:fontRef idx="minor">
+            <a:schemeClr val="tx1"/>
+          </a:fontRef>
+        </p:style>
+      </p:cxnSp>
+      <p:cxnSp>
+        <p:nvCxnSpPr>
+          <p:cNvPr id="68" name="Straight Arrow Connector 67"/>
+          <p:cNvCxnSpPr>
+            <a:stCxn id="59" idx="3"/>
+            <a:endCxn id="30" idx="2"/>
+          </p:cNvCxnSpPr>
+          <p:nvPr/>
+        </p:nvCxnSpPr>
+        <p:spPr>
+          <a:xfrm flipV="1">
+            <a:off x="3650366" y="2693293"/>
+            <a:ext cx="1074120" cy="1087779"/>
+          </a:xfrm>
+          <a:prstGeom prst="straightConnector1">
+            <a:avLst/>
+          </a:prstGeom>
+          <a:ln>
+            <a:headEnd type="triangle"/>
+            <a:tailEnd type="triangle"/>
+          </a:ln>
+        </p:spPr>
+        <p:style>
+          <a:lnRef idx="1">
+            <a:schemeClr val="accent1"/>
+          </a:lnRef>
+          <a:fillRef idx="0">
+            <a:schemeClr val="accent1"/>
+          </a:fillRef>
+          <a:effectRef idx="0">
+            <a:schemeClr val="accent1"/>
+          </a:effectRef>
+          <a:fontRef idx="minor">
+            <a:schemeClr val="tx1"/>
+          </a:fontRef>
+        </p:style>
+      </p:cxnSp>
     </p:spTree>
     <p:extLst>
       <p:ext uri="{BB962C8B-B14F-4D97-AF65-F5344CB8AC3E}">
@@ -9325,7 +12651,7 @@
           <a:p>
             <a:r>
               <a:rPr lang="en-US" dirty="0" smtClean="0"/>
-              <a:t>Daily Notification Flow</a:t>
+              <a:t>Deal Search Service</a:t>
             </a:r>
             <a:endParaRPr lang="en-US" dirty="0"/>
           </a:p>
@@ -9333,46 +12659,23 @@
       </p:sp>
       <p:sp>
         <p:nvSpPr>
-          <p:cNvPr id="3" name="Subtitle 2"/>
-          <p:cNvSpPr>
-            <a:spLocks noGrp="1"/>
-          </p:cNvSpPr>
-          <p:nvPr>
-            <p:ph type="subTitle" idx="1"/>
-          </p:nvPr>
-        </p:nvSpPr>
-        <p:spPr>
-          <a:xfrm>
-            <a:off x="0" y="856527"/>
-            <a:ext cx="12192000" cy="6001474"/>
-          </a:xfrm>
-        </p:spPr>
-        <p:txBody>
-          <a:bodyPr/>
-          <a:lstStyle/>
-          <a:p>
-            <a:r>
-              <a:rPr lang="en-US" dirty="0" smtClean="0"/>
-              <a:t>Offline service</a:t>
-            </a:r>
-            <a:endParaRPr lang="en-US" dirty="0"/>
-          </a:p>
-        </p:txBody>
-      </p:sp>
-      <p:sp>
-        <p:nvSpPr>
-          <p:cNvPr id="5" name="Rectangle 4"/>
+          <p:cNvPr id="22" name="Cloud 21"/>
           <p:cNvSpPr/>
           <p:nvPr/>
         </p:nvSpPr>
         <p:spPr>
           <a:xfrm>
-            <a:off x="5016459" y="2249511"/>
-            <a:ext cx="2741271" cy="1160775"/>
-          </a:xfrm>
-          <a:prstGeom prst="rect">
-            <a:avLst/>
-          </a:prstGeom>
+            <a:off x="3259503" y="1512379"/>
+            <a:ext cx="791004" cy="653598"/>
+          </a:xfrm>
+          <a:prstGeom prst="cloud">
+            <a:avLst/>
+          </a:prstGeom>
+          <a:solidFill>
+            <a:schemeClr val="bg2">
+              <a:lumMod val="90000"/>
+            </a:schemeClr>
+          </a:solidFill>
         </p:spPr>
         <p:style>
           <a:lnRef idx="2">
@@ -9395,24 +12698,27 @@
           <a:lstStyle/>
           <a:p>
             <a:pPr algn="ctr"/>
-            <a:endParaRPr lang="en-US" dirty="0" smtClean="0"/>
-          </a:p>
-        </p:txBody>
-      </p:sp>
-      <p:sp>
-        <p:nvSpPr>
-          <p:cNvPr id="16" name="Magnetic Disk 15"/>
+            <a:endParaRPr lang="en-US"/>
+          </a:p>
+        </p:txBody>
+      </p:sp>
+      <p:sp>
+        <p:nvSpPr>
+          <p:cNvPr id="24" name="Cube 23"/>
           <p:cNvSpPr/>
           <p:nvPr/>
         </p:nvSpPr>
         <p:spPr>
           <a:xfrm>
-            <a:off x="5773636" y="4300304"/>
-            <a:ext cx="1226916" cy="1055779"/>
-          </a:xfrm>
-          <a:prstGeom prst="flowChartMagneticDisk">
-            <a:avLst/>
-          </a:prstGeom>
+            <a:off x="7019079" y="1458917"/>
+            <a:ext cx="1980955" cy="417372"/>
+          </a:xfrm>
+          <a:prstGeom prst="cube">
+            <a:avLst/>
+          </a:prstGeom>
+          <a:solidFill>
+            <a:srgbClr val="00B0F0"/>
+          </a:solidFill>
         </p:spPr>
         <p:style>
           <a:lnRef idx="2">
@@ -9435,116 +12741,147 @@
           <a:lstStyle/>
           <a:p>
             <a:pPr algn="ctr"/>
-            <a:r>
-              <a:rPr lang="en-US" dirty="0" smtClean="0"/>
-              <a:t>User DB</a:t>
-            </a:r>
-            <a:endParaRPr lang="en-US" dirty="0"/>
-          </a:p>
-        </p:txBody>
-      </p:sp>
-      <p:sp>
-        <p:nvSpPr>
-          <p:cNvPr id="37" name="Rectangle 36"/>
-          <p:cNvSpPr/>
-          <p:nvPr/>
-        </p:nvSpPr>
-        <p:spPr>
-          <a:xfrm>
-            <a:off x="4730100" y="1953262"/>
-            <a:ext cx="2741271" cy="1160775"/>
+            <a:endParaRPr lang="en-US"/>
+          </a:p>
+        </p:txBody>
+      </p:sp>
+      <p:sp>
+        <p:nvSpPr>
+          <p:cNvPr id="25" name="TextBox 24"/>
+          <p:cNvSpPr txBox="1"/>
+          <p:nvPr/>
+        </p:nvSpPr>
+        <p:spPr>
+          <a:xfrm>
+            <a:off x="7019083" y="1547616"/>
+            <a:ext cx="1685522" cy="276999"/>
           </a:xfrm>
           <a:prstGeom prst="rect">
             <a:avLst/>
           </a:prstGeom>
-        </p:spPr>
-        <p:style>
-          <a:lnRef idx="2">
-            <a:schemeClr val="accent1">
-              <a:shade val="50000"/>
-            </a:schemeClr>
-          </a:lnRef>
-          <a:fillRef idx="1">
-            <a:schemeClr val="accent1"/>
-          </a:fillRef>
-          <a:effectRef idx="0">
-            <a:schemeClr val="accent1"/>
-          </a:effectRef>
-          <a:fontRef idx="minor">
-            <a:schemeClr val="lt1"/>
-          </a:fontRef>
-        </p:style>
-        <p:txBody>
-          <a:bodyPr rtlCol="0" anchor="ctr"/>
-          <a:lstStyle/>
-          <a:p>
-            <a:pPr algn="ctr"/>
-            <a:endParaRPr lang="en-US" dirty="0" smtClean="0"/>
-          </a:p>
-        </p:txBody>
-      </p:sp>
-      <p:sp>
-        <p:nvSpPr>
-          <p:cNvPr id="38" name="Rectangle 37"/>
-          <p:cNvSpPr/>
-          <p:nvPr/>
-        </p:nvSpPr>
-        <p:spPr>
-          <a:xfrm>
-            <a:off x="4443741" y="1695868"/>
-            <a:ext cx="2741271" cy="1155264"/>
+          <a:noFill/>
+        </p:spPr>
+        <p:txBody>
+          <a:bodyPr wrap="square" rtlCol="0">
+            <a:spAutoFit/>
+          </a:bodyPr>
+          <a:lstStyle/>
+          <a:p>
+            <a:r>
+              <a:rPr lang="en-US" sz="1200" dirty="0" smtClean="0"/>
+              <a:t>Deal Search Service</a:t>
+            </a:r>
+            <a:endParaRPr lang="en-US" sz="1200" dirty="0"/>
+          </a:p>
+        </p:txBody>
+      </p:sp>
+      <p:pic>
+        <p:nvPicPr>
+          <p:cNvPr id="27" name="Picture 26"/>
+          <p:cNvPicPr>
+            <a:picLocks noChangeAspect="1"/>
+          </p:cNvPicPr>
+          <p:nvPr/>
+        </p:nvPicPr>
+        <p:blipFill>
+          <a:blip r:embed="rId2">
+            <a:extLst>
+              <a:ext uri="{28A0092B-C50C-407E-A947-70E740481C1C}">
+                <a14:useLocalDpi xmlns:a14="http://schemas.microsoft.com/office/drawing/2010/main" val="0"/>
+              </a:ext>
+            </a:extLst>
+          </a:blip>
+          <a:stretch>
+            <a:fillRect/>
+          </a:stretch>
+        </p:blipFill>
+        <p:spPr>
+          <a:xfrm>
+            <a:off x="1954286" y="1379300"/>
+            <a:ext cx="671607" cy="671607"/>
           </a:xfrm>
           <a:prstGeom prst="rect">
             <a:avLst/>
           </a:prstGeom>
         </p:spPr>
-        <p:style>
-          <a:lnRef idx="2">
-            <a:schemeClr val="accent1">
-              <a:shade val="50000"/>
-            </a:schemeClr>
-          </a:lnRef>
-          <a:fillRef idx="1">
-            <a:schemeClr val="accent1"/>
-          </a:fillRef>
-          <a:effectRef idx="0">
-            <a:schemeClr val="accent1"/>
-          </a:effectRef>
-          <a:fontRef idx="minor">
-            <a:schemeClr val="lt1"/>
-          </a:fontRef>
-        </p:style>
-        <p:txBody>
-          <a:bodyPr rtlCol="0" anchor="ctr"/>
-          <a:lstStyle/>
-          <a:p>
-            <a:pPr algn="ctr"/>
-            <a:r>
-              <a:rPr lang="en-US" dirty="0" smtClean="0"/>
-              <a:t>Daily Notification Service</a:t>
-            </a:r>
-          </a:p>
-        </p:txBody>
-      </p:sp>
+      </p:pic>
+      <p:pic>
+        <p:nvPicPr>
+          <p:cNvPr id="28" name="Picture 27"/>
+          <p:cNvPicPr>
+            <a:picLocks noChangeAspect="1"/>
+          </p:cNvPicPr>
+          <p:nvPr/>
+        </p:nvPicPr>
+        <p:blipFill>
+          <a:blip r:embed="rId3">
+            <a:extLst>
+              <a:ext uri="{28A0092B-C50C-407E-A947-70E740481C1C}">
+                <a14:useLocalDpi xmlns:a14="http://schemas.microsoft.com/office/drawing/2010/main" val="0"/>
+              </a:ext>
+            </a:extLst>
+          </a:blip>
+          <a:stretch>
+            <a:fillRect/>
+          </a:stretch>
+        </p:blipFill>
+        <p:spPr>
+          <a:xfrm>
+            <a:off x="7545429" y="2523746"/>
+            <a:ext cx="809510" cy="809510"/>
+          </a:xfrm>
+          <a:prstGeom prst="rect">
+            <a:avLst/>
+          </a:prstGeom>
+        </p:spPr>
+      </p:pic>
+      <p:pic>
+        <p:nvPicPr>
+          <p:cNvPr id="29" name="Picture 28"/>
+          <p:cNvPicPr>
+            <a:picLocks noChangeAspect="1"/>
+          </p:cNvPicPr>
+          <p:nvPr/>
+        </p:nvPicPr>
+        <p:blipFill>
+          <a:blip r:embed="rId4">
+            <a:extLst>
+              <a:ext uri="{28A0092B-C50C-407E-A947-70E740481C1C}">
+                <a14:useLocalDpi xmlns:a14="http://schemas.microsoft.com/office/drawing/2010/main" val="0"/>
+              </a:ext>
+            </a:extLst>
+          </a:blip>
+          <a:stretch>
+            <a:fillRect/>
+          </a:stretch>
+        </p:blipFill>
+        <p:spPr>
+          <a:xfrm>
+            <a:off x="5317727" y="1235221"/>
+            <a:ext cx="959764" cy="959764"/>
+          </a:xfrm>
+          <a:prstGeom prst="rect">
+            <a:avLst/>
+          </a:prstGeom>
+        </p:spPr>
+      </p:pic>
       <p:cxnSp>
         <p:nvCxnSpPr>
-          <p:cNvPr id="20" name="Straight Arrow Connector 19"/>
+          <p:cNvPr id="9" name="Straight Arrow Connector 8"/>
           <p:cNvCxnSpPr>
-            <a:stCxn id="5" idx="2"/>
-            <a:endCxn id="16" idx="1"/>
+            <a:endCxn id="29" idx="1"/>
           </p:cNvCxnSpPr>
           <p:nvPr/>
         </p:nvCxnSpPr>
         <p:spPr>
-          <a:xfrm flipH="1">
-            <a:off x="6387094" y="3410286"/>
-            <a:ext cx="1" cy="890018"/>
+          <a:xfrm flipV="1">
+            <a:off x="2783288" y="1715103"/>
+            <a:ext cx="2534439" cy="15560"/>
           </a:xfrm>
           <a:prstGeom prst="straightConnector1">
             <a:avLst/>
           </a:prstGeom>
           <a:ln>
-            <a:headEnd type="triangle"/>
             <a:tailEnd type="triangle"/>
           </a:ln>
         </p:spPr>
@@ -9565,17 +12902,14 @@
       </p:cxnSp>
       <p:cxnSp>
         <p:nvCxnSpPr>
-          <p:cNvPr id="40" name="Straight Arrow Connector 39"/>
-          <p:cNvCxnSpPr>
-            <a:stCxn id="5" idx="3"/>
-            <a:endCxn id="21" idx="1"/>
-          </p:cNvCxnSpPr>
+          <p:cNvPr id="12" name="Straight Arrow Connector 11"/>
+          <p:cNvCxnSpPr/>
           <p:nvPr/>
         </p:nvCxnSpPr>
         <p:spPr>
-          <a:xfrm flipV="1">
-            <a:off x="7757730" y="2827143"/>
-            <a:ext cx="827294" cy="2756"/>
+          <a:xfrm flipH="1">
+            <a:off x="2783288" y="2003683"/>
+            <a:ext cx="2534439" cy="0"/>
           </a:xfrm>
           <a:prstGeom prst="straightConnector1">
             <a:avLst/>
@@ -9599,185 +12933,18 @@
           </a:fontRef>
         </p:style>
       </p:cxnSp>
-      <p:sp>
-        <p:nvSpPr>
-          <p:cNvPr id="18" name="Rectangle 17"/>
-          <p:cNvSpPr/>
-          <p:nvPr/>
-        </p:nvSpPr>
-        <p:spPr>
-          <a:xfrm>
-            <a:off x="9166028" y="2827143"/>
-            <a:ext cx="2741271" cy="1155264"/>
-          </a:xfrm>
-          <a:prstGeom prst="rect">
-            <a:avLst/>
-          </a:prstGeom>
-        </p:spPr>
-        <p:style>
-          <a:lnRef idx="2">
-            <a:schemeClr val="accent1">
-              <a:shade val="50000"/>
-            </a:schemeClr>
-          </a:lnRef>
-          <a:fillRef idx="1">
-            <a:schemeClr val="accent1"/>
-          </a:fillRef>
-          <a:effectRef idx="0">
-            <a:schemeClr val="accent1"/>
-          </a:effectRef>
-          <a:fontRef idx="minor">
-            <a:schemeClr val="lt1"/>
-          </a:fontRef>
-        </p:style>
-        <p:txBody>
-          <a:bodyPr rtlCol="0" anchor="ctr"/>
-          <a:lstStyle/>
-          <a:p>
-            <a:pPr algn="ctr"/>
-            <a:endParaRPr lang="en-US" dirty="0" smtClean="0"/>
-          </a:p>
-        </p:txBody>
-      </p:sp>
-      <p:sp>
-        <p:nvSpPr>
-          <p:cNvPr id="19" name="Rectangle 18"/>
-          <p:cNvSpPr/>
-          <p:nvPr/>
-        </p:nvSpPr>
-        <p:spPr>
-          <a:xfrm>
-            <a:off x="8859507" y="2559010"/>
-            <a:ext cx="2741271" cy="1155264"/>
-          </a:xfrm>
-          <a:prstGeom prst="rect">
-            <a:avLst/>
-          </a:prstGeom>
-        </p:spPr>
-        <p:style>
-          <a:lnRef idx="2">
-            <a:schemeClr val="accent1">
-              <a:shade val="50000"/>
-            </a:schemeClr>
-          </a:lnRef>
-          <a:fillRef idx="1">
-            <a:schemeClr val="accent1"/>
-          </a:fillRef>
-          <a:effectRef idx="0">
-            <a:schemeClr val="accent1"/>
-          </a:effectRef>
-          <a:fontRef idx="minor">
-            <a:schemeClr val="lt1"/>
-          </a:fontRef>
-        </p:style>
-        <p:txBody>
-          <a:bodyPr rtlCol="0" anchor="ctr"/>
-          <a:lstStyle/>
-          <a:p>
-            <a:pPr algn="ctr"/>
-            <a:endParaRPr lang="en-US" dirty="0" smtClean="0"/>
-          </a:p>
-        </p:txBody>
-      </p:sp>
-      <p:sp>
-        <p:nvSpPr>
-          <p:cNvPr id="21" name="Rectangle 20"/>
-          <p:cNvSpPr/>
-          <p:nvPr/>
-        </p:nvSpPr>
-        <p:spPr>
-          <a:xfrm>
-            <a:off x="8585024" y="2249511"/>
-            <a:ext cx="2741271" cy="1155264"/>
-          </a:xfrm>
-          <a:prstGeom prst="rect">
-            <a:avLst/>
-          </a:prstGeom>
-        </p:spPr>
-        <p:style>
-          <a:lnRef idx="2">
-            <a:schemeClr val="accent1">
-              <a:shade val="50000"/>
-            </a:schemeClr>
-          </a:lnRef>
-          <a:fillRef idx="1">
-            <a:schemeClr val="accent1"/>
-          </a:fillRef>
-          <a:effectRef idx="0">
-            <a:schemeClr val="accent1"/>
-          </a:effectRef>
-          <a:fontRef idx="minor">
-            <a:schemeClr val="lt1"/>
-          </a:fontRef>
-        </p:style>
-        <p:txBody>
-          <a:bodyPr rtlCol="0" anchor="ctr"/>
-          <a:lstStyle/>
-          <a:p>
-            <a:pPr algn="ctr"/>
-            <a:r>
-              <a:rPr lang="en-US" dirty="0" smtClean="0"/>
-              <a:t>Send Email</a:t>
-            </a:r>
-          </a:p>
-        </p:txBody>
-      </p:sp>
-      <p:sp>
-        <p:nvSpPr>
-          <p:cNvPr id="17" name="Rectangle 16"/>
-          <p:cNvSpPr/>
-          <p:nvPr/>
-        </p:nvSpPr>
-        <p:spPr>
-          <a:xfrm>
-            <a:off x="874353" y="1710512"/>
-            <a:ext cx="2741271" cy="1155264"/>
-          </a:xfrm>
-          <a:prstGeom prst="rect">
-            <a:avLst/>
-          </a:prstGeom>
-        </p:spPr>
-        <p:style>
-          <a:lnRef idx="2">
-            <a:schemeClr val="accent1">
-              <a:shade val="50000"/>
-            </a:schemeClr>
-          </a:lnRef>
-          <a:fillRef idx="1">
-            <a:schemeClr val="accent1"/>
-          </a:fillRef>
-          <a:effectRef idx="0">
-            <a:schemeClr val="accent1"/>
-          </a:effectRef>
-          <a:fontRef idx="minor">
-            <a:schemeClr val="lt1"/>
-          </a:fontRef>
-        </p:style>
-        <p:txBody>
-          <a:bodyPr rtlCol="0" anchor="ctr"/>
-          <a:lstStyle/>
-          <a:p>
-            <a:pPr algn="ctr"/>
-            <a:r>
-              <a:rPr lang="en-US" dirty="0" smtClean="0"/>
-              <a:t>Start Notification Service For Each Category</a:t>
-            </a:r>
-          </a:p>
-        </p:txBody>
-      </p:sp>
       <p:cxnSp>
         <p:nvCxnSpPr>
-          <p:cNvPr id="10" name="Straight Arrow Connector 9"/>
+          <p:cNvPr id="39" name="Straight Arrow Connector 38"/>
           <p:cNvCxnSpPr>
-            <a:stCxn id="17" idx="3"/>
-            <a:endCxn id="38" idx="1"/>
+            <a:stCxn id="28" idx="0"/>
           </p:cNvCxnSpPr>
           <p:nvPr/>
         </p:nvCxnSpPr>
         <p:spPr>
           <a:xfrm flipV="1">
-            <a:off x="3615624" y="2273500"/>
-            <a:ext cx="828117" cy="14644"/>
+            <a:off x="7950184" y="1876289"/>
+            <a:ext cx="7205" cy="647457"/>
           </a:xfrm>
           <a:prstGeom prst="straightConnector1">
             <a:avLst/>
@@ -9801,6 +12968,116 @@
           </a:fontRef>
         </p:style>
       </p:cxnSp>
+      <p:cxnSp>
+        <p:nvCxnSpPr>
+          <p:cNvPr id="42" name="Straight Arrow Connector 41"/>
+          <p:cNvCxnSpPr>
+            <a:stCxn id="29" idx="3"/>
+            <a:endCxn id="24" idx="2"/>
+          </p:cNvCxnSpPr>
+          <p:nvPr/>
+        </p:nvCxnSpPr>
+        <p:spPr>
+          <a:xfrm>
+            <a:off x="6277491" y="1715103"/>
+            <a:ext cx="741588" cy="4672"/>
+          </a:xfrm>
+          <a:prstGeom prst="straightConnector1">
+            <a:avLst/>
+          </a:prstGeom>
+          <a:ln>
+            <a:headEnd type="triangle"/>
+            <a:tailEnd type="triangle"/>
+          </a:ln>
+        </p:spPr>
+        <p:style>
+          <a:lnRef idx="1">
+            <a:schemeClr val="accent1"/>
+          </a:lnRef>
+          <a:fillRef idx="0">
+            <a:schemeClr val="accent1"/>
+          </a:fillRef>
+          <a:effectRef idx="0">
+            <a:schemeClr val="accent1"/>
+          </a:effectRef>
+          <a:fontRef idx="minor">
+            <a:schemeClr val="tx1"/>
+          </a:fontRef>
+        </p:style>
+      </p:cxnSp>
+      <p:sp>
+        <p:nvSpPr>
+          <p:cNvPr id="43" name="TextBox 42"/>
+          <p:cNvSpPr txBox="1"/>
+          <p:nvPr/>
+        </p:nvSpPr>
+        <p:spPr>
+          <a:xfrm>
+            <a:off x="1524000" y="3823853"/>
+            <a:ext cx="8486899" cy="1323439"/>
+          </a:xfrm>
+          <a:prstGeom prst="rect">
+            <a:avLst/>
+          </a:prstGeom>
+          <a:noFill/>
+        </p:spPr>
+        <p:txBody>
+          <a:bodyPr wrap="square" rtlCol="0">
+            <a:spAutoFit/>
+          </a:bodyPr>
+          <a:lstStyle/>
+          <a:p>
+            <a:pPr marL="342900" indent="-342900">
+              <a:buFont typeface="Arial" charset="0"/>
+              <a:buChar char="•"/>
+            </a:pPr>
+            <a:r>
+              <a:rPr lang="en-US" sz="2000" dirty="0" smtClean="0"/>
+              <a:t>User can query discount products through REST API.</a:t>
+            </a:r>
+          </a:p>
+          <a:p>
+            <a:r>
+              <a:rPr lang="en-US" sz="2000" dirty="0"/>
+              <a:t> </a:t>
+            </a:r>
+            <a:r>
+              <a:rPr lang="en-US" sz="2000" dirty="0" smtClean="0"/>
+              <a:t>     GET /</a:t>
+            </a:r>
+            <a:r>
+              <a:rPr lang="en-US" sz="2000" dirty="0" err="1" smtClean="0"/>
+              <a:t>api</a:t>
+            </a:r>
+            <a:r>
+              <a:rPr lang="en-US" sz="2000" dirty="0" smtClean="0"/>
+              <a:t>/deal-search-service/deals/{</a:t>
+            </a:r>
+            <a:r>
+              <a:rPr lang="en-US" sz="2000" dirty="0" err="1" smtClean="0"/>
+              <a:t>categoryId</a:t>
+            </a:r>
+            <a:r>
+              <a:rPr lang="en-US" sz="2000" dirty="0" smtClean="0"/>
+              <a:t>}</a:t>
+            </a:r>
+          </a:p>
+          <a:p>
+            <a:endParaRPr lang="en-US" sz="2000" dirty="0" smtClean="0"/>
+          </a:p>
+          <a:p>
+            <a:pPr marL="342900" indent="-342900">
+              <a:buFont typeface="Arial" charset="0"/>
+              <a:buChar char="•"/>
+            </a:pPr>
+            <a:r>
+              <a:rPr lang="en-US" sz="2000" dirty="0" smtClean="0"/>
+              <a:t>Return products ordered by price change amount in descending order.</a:t>
+            </a:r>
+            <a:endParaRPr lang="en-US" sz="2000" dirty="0"/>
+          </a:p>
+        </p:txBody>
+      </p:sp>
     </p:spTree>
     <p:extLst>
       <p:ext uri="{BB962C8B-B14F-4D97-AF65-F5344CB8AC3E}">
@@ -9862,7 +13139,11 @@
           <a:p>
             <a:r>
               <a:rPr lang="en-US" dirty="0" smtClean="0"/>
-              <a:t>User Subscription Flow</a:t>
+              <a:t>User </a:t>
+            </a:r>
+            <a:r>
+              <a:rPr lang="en-US" dirty="0" smtClean="0"/>
+              <a:t>Service</a:t>
             </a:r>
             <a:endParaRPr lang="en-US" dirty="0"/>
           </a:p>
@@ -9870,125 +13151,23 @@
       </p:sp>
       <p:sp>
         <p:nvSpPr>
-          <p:cNvPr id="3" name="Subtitle 2"/>
-          <p:cNvSpPr>
-            <a:spLocks noGrp="1"/>
-          </p:cNvSpPr>
-          <p:nvPr>
-            <p:ph type="subTitle" idx="1"/>
-          </p:nvPr>
-        </p:nvSpPr>
-        <p:spPr>
-          <a:xfrm>
-            <a:off x="0" y="856527"/>
-            <a:ext cx="12192000" cy="6001474"/>
-          </a:xfrm>
-        </p:spPr>
-        <p:txBody>
-          <a:bodyPr/>
-          <a:lstStyle/>
-          <a:p>
-            <a:r>
-              <a:rPr lang="en-US" dirty="0" smtClean="0"/>
-              <a:t>Online service</a:t>
-            </a:r>
-            <a:endParaRPr lang="en-US" dirty="0"/>
-          </a:p>
-        </p:txBody>
-      </p:sp>
-      <p:sp>
-        <p:nvSpPr>
-          <p:cNvPr id="13" name="TextBox 12"/>
-          <p:cNvSpPr txBox="1"/>
-          <p:nvPr/>
-        </p:nvSpPr>
-        <p:spPr>
-          <a:xfrm>
-            <a:off x="3216927" y="4190195"/>
-            <a:ext cx="2025657" cy="2308324"/>
-          </a:xfrm>
-          <a:prstGeom prst="rect">
-            <a:avLst/>
-          </a:prstGeom>
-          <a:noFill/>
-          <a:ln>
-            <a:solidFill>
-              <a:schemeClr val="tx1"/>
-            </a:solidFill>
-          </a:ln>
-        </p:spPr>
-        <p:txBody>
-          <a:bodyPr wrap="square" rtlCol="0">
-            <a:spAutoFit/>
-          </a:bodyPr>
-          <a:lstStyle/>
-          <a:p>
-            <a:r>
-              <a:rPr lang="en-US" dirty="0" smtClean="0"/>
-              <a:t>User Service:</a:t>
-            </a:r>
-          </a:p>
-          <a:p>
-            <a:endParaRPr lang="en-US" dirty="0"/>
-          </a:p>
-          <a:p>
-            <a:r>
-              <a:rPr lang="en-US" dirty="0" err="1" smtClean="0"/>
-              <a:t>createUser</a:t>
-            </a:r>
-            <a:endParaRPr lang="en-US" dirty="0" smtClean="0"/>
-          </a:p>
-          <a:p>
-            <a:r>
-              <a:rPr lang="en-US" dirty="0" err="1" smtClean="0"/>
-              <a:t>updateUser</a:t>
-            </a:r>
-            <a:endParaRPr lang="en-US" dirty="0" smtClean="0"/>
-          </a:p>
-          <a:p>
-            <a:r>
-              <a:rPr lang="en-US" dirty="0" err="1" smtClean="0"/>
-              <a:t>getAllCategories</a:t>
-            </a:r>
-            <a:endParaRPr lang="en-US" dirty="0" smtClean="0"/>
-          </a:p>
-          <a:p>
-            <a:r>
-              <a:rPr lang="en-US" dirty="0" err="1" smtClean="0"/>
-              <a:t>createSubscription</a:t>
-            </a:r>
-            <a:endParaRPr lang="en-US" dirty="0" smtClean="0"/>
-          </a:p>
-          <a:p>
-            <a:r>
-              <a:rPr lang="en-US" dirty="0" err="1" smtClean="0"/>
-              <a:t>updateSubscription</a:t>
-            </a:r>
-            <a:endParaRPr lang="en-US" dirty="0" smtClean="0"/>
-          </a:p>
-          <a:p>
-            <a:r>
-              <a:rPr lang="en-US" dirty="0" err="1" smtClean="0"/>
-              <a:t>deleteSubscription</a:t>
-            </a:r>
-            <a:endParaRPr lang="en-US" dirty="0"/>
-          </a:p>
-        </p:txBody>
-      </p:sp>
-      <p:sp>
-        <p:nvSpPr>
-          <p:cNvPr id="16" name="Magnetic Disk 15"/>
+          <p:cNvPr id="17" name="Cloud 16"/>
           <p:cNvSpPr/>
           <p:nvPr/>
         </p:nvSpPr>
         <p:spPr>
           <a:xfrm>
-            <a:off x="7780561" y="3896542"/>
-            <a:ext cx="1226916" cy="1055779"/>
-          </a:xfrm>
-          <a:prstGeom prst="flowChartMagneticDisk">
-            <a:avLst/>
-          </a:prstGeom>
+            <a:off x="3243312" y="1153689"/>
+            <a:ext cx="791004" cy="653598"/>
+          </a:xfrm>
+          <a:prstGeom prst="cloud">
+            <a:avLst/>
+          </a:prstGeom>
+          <a:solidFill>
+            <a:schemeClr val="bg2">
+              <a:lumMod val="90000"/>
+            </a:schemeClr>
+          </a:solidFill>
         </p:spPr>
         <p:style>
           <a:lnRef idx="2">
@@ -10011,28 +13190,117 @@
           <a:lstStyle/>
           <a:p>
             <a:pPr algn="ctr"/>
-            <a:r>
-              <a:rPr lang="en-US" dirty="0" smtClean="0"/>
-              <a:t>User DB</a:t>
-            </a:r>
-            <a:endParaRPr lang="en-US" dirty="0"/>
-          </a:p>
-        </p:txBody>
-      </p:sp>
-      <p:sp>
-        <p:nvSpPr>
-          <p:cNvPr id="38" name="Rectangle 37"/>
+            <a:endParaRPr lang="en-US"/>
+          </a:p>
+        </p:txBody>
+      </p:sp>
+      <p:pic>
+        <p:nvPicPr>
+          <p:cNvPr id="25" name="Picture 24"/>
+          <p:cNvPicPr>
+            <a:picLocks noChangeAspect="1"/>
+          </p:cNvPicPr>
+          <p:nvPr/>
+        </p:nvPicPr>
+        <p:blipFill>
+          <a:blip r:embed="rId2">
+            <a:extLst>
+              <a:ext uri="{28A0092B-C50C-407E-A947-70E740481C1C}">
+                <a14:useLocalDpi xmlns:a14="http://schemas.microsoft.com/office/drawing/2010/main" val="0"/>
+              </a:ext>
+            </a:extLst>
+          </a:blip>
+          <a:stretch>
+            <a:fillRect/>
+          </a:stretch>
+        </p:blipFill>
+        <p:spPr>
+          <a:xfrm>
+            <a:off x="2102029" y="1142146"/>
+            <a:ext cx="671607" cy="671607"/>
+          </a:xfrm>
+          <a:prstGeom prst="rect">
+            <a:avLst/>
+          </a:prstGeom>
+        </p:spPr>
+      </p:pic>
+      <p:pic>
+        <p:nvPicPr>
+          <p:cNvPr id="26" name="Picture 25"/>
+          <p:cNvPicPr>
+            <a:picLocks noChangeAspect="1"/>
+          </p:cNvPicPr>
+          <p:nvPr/>
+        </p:nvPicPr>
+        <p:blipFill>
+          <a:blip r:embed="rId3">
+            <a:extLst>
+              <a:ext uri="{28A0092B-C50C-407E-A947-70E740481C1C}">
+                <a14:useLocalDpi xmlns:a14="http://schemas.microsoft.com/office/drawing/2010/main" val="0"/>
+              </a:ext>
+            </a:extLst>
+          </a:blip>
+          <a:stretch>
+            <a:fillRect/>
+          </a:stretch>
+        </p:blipFill>
+        <p:spPr>
+          <a:xfrm>
+            <a:off x="7542188" y="2320190"/>
+            <a:ext cx="809510" cy="809510"/>
+          </a:xfrm>
+          <a:prstGeom prst="rect">
+            <a:avLst/>
+          </a:prstGeom>
+        </p:spPr>
+      </p:pic>
+      <p:pic>
+        <p:nvPicPr>
+          <p:cNvPr id="27" name="Picture 26"/>
+          <p:cNvPicPr>
+            <a:picLocks noChangeAspect="1"/>
+          </p:cNvPicPr>
+          <p:nvPr/>
+        </p:nvPicPr>
+        <p:blipFill>
+          <a:blip r:embed="rId4">
+            <a:extLst>
+              <a:ext uri="{28A0092B-C50C-407E-A947-70E740481C1C}">
+                <a14:useLocalDpi xmlns:a14="http://schemas.microsoft.com/office/drawing/2010/main" val="0"/>
+              </a:ext>
+            </a:extLst>
+          </a:blip>
+          <a:stretch>
+            <a:fillRect/>
+          </a:stretch>
+        </p:blipFill>
+        <p:spPr>
+          <a:xfrm>
+            <a:off x="5374185" y="1064755"/>
+            <a:ext cx="959764" cy="959764"/>
+          </a:xfrm>
+          <a:prstGeom prst="rect">
+            <a:avLst/>
+          </a:prstGeom>
+        </p:spPr>
+      </p:pic>
+      <p:sp>
+        <p:nvSpPr>
+          <p:cNvPr id="28" name="Cube 27"/>
           <p:cNvSpPr/>
           <p:nvPr/>
         </p:nvSpPr>
         <p:spPr>
           <a:xfrm>
-            <a:off x="6462541" y="1969000"/>
-            <a:ext cx="2741271" cy="1155264"/>
-          </a:xfrm>
-          <a:prstGeom prst="rect">
-            <a:avLst/>
-          </a:prstGeom>
+            <a:off x="7015841" y="1288451"/>
+            <a:ext cx="1980955" cy="417372"/>
+          </a:xfrm>
+          <a:prstGeom prst="cube">
+            <a:avLst/>
+          </a:prstGeom>
+          <a:solidFill>
+            <a:srgbClr val="00B0F0"/>
+          </a:solidFill>
         </p:spPr>
         <p:style>
           <a:lnRef idx="2">
@@ -10055,188 +13323,25 @@
           <a:lstStyle/>
           <a:p>
             <a:pPr algn="ctr"/>
-            <a:r>
-              <a:rPr lang="en-US" dirty="0" smtClean="0"/>
-              <a:t>User Service</a:t>
-            </a:r>
+            <a:endParaRPr lang="en-US"/>
           </a:p>
         </p:txBody>
       </p:sp>
       <p:cxnSp>
         <p:nvCxnSpPr>
-          <p:cNvPr id="20" name="Straight Arrow Connector 19"/>
-          <p:cNvCxnSpPr>
-            <a:stCxn id="38" idx="2"/>
-          </p:cNvCxnSpPr>
+          <p:cNvPr id="8" name="Straight Arrow Connector 7"/>
+          <p:cNvCxnSpPr/>
           <p:nvPr/>
         </p:nvCxnSpPr>
         <p:spPr>
           <a:xfrm>
-            <a:off x="7833177" y="3124264"/>
-            <a:ext cx="572717" cy="772278"/>
+            <a:off x="2842588" y="1335951"/>
+            <a:ext cx="2358805" cy="0"/>
           </a:xfrm>
           <a:prstGeom prst="straightConnector1">
             <a:avLst/>
           </a:prstGeom>
           <a:ln>
-            <a:headEnd type="triangle"/>
-            <a:tailEnd type="triangle"/>
-          </a:ln>
-        </p:spPr>
-        <p:style>
-          <a:lnRef idx="1">
-            <a:schemeClr val="accent1"/>
-          </a:lnRef>
-          <a:fillRef idx="0">
-            <a:schemeClr val="accent1"/>
-          </a:fillRef>
-          <a:effectRef idx="0">
-            <a:schemeClr val="accent1"/>
-          </a:effectRef>
-          <a:fontRef idx="minor">
-            <a:schemeClr val="tx1"/>
-          </a:fontRef>
-        </p:style>
-      </p:cxnSp>
-      <p:sp>
-        <p:nvSpPr>
-          <p:cNvPr id="4" name="Cloud Callout 3"/>
-          <p:cNvSpPr/>
-          <p:nvPr/>
-        </p:nvSpPr>
-        <p:spPr>
-          <a:xfrm>
-            <a:off x="2935064" y="1661682"/>
-            <a:ext cx="1638794" cy="1721922"/>
-          </a:xfrm>
-          <a:prstGeom prst="cloudCallout">
-            <a:avLst/>
-          </a:prstGeom>
-        </p:spPr>
-        <p:style>
-          <a:lnRef idx="2">
-            <a:schemeClr val="accent1">
-              <a:shade val="50000"/>
-            </a:schemeClr>
-          </a:lnRef>
-          <a:fillRef idx="1">
-            <a:schemeClr val="accent1"/>
-          </a:fillRef>
-          <a:effectRef idx="0">
-            <a:schemeClr val="accent1"/>
-          </a:effectRef>
-          <a:fontRef idx="minor">
-            <a:schemeClr val="lt1"/>
-          </a:fontRef>
-        </p:style>
-        <p:txBody>
-          <a:bodyPr rtlCol="0" anchor="ctr"/>
-          <a:lstStyle/>
-          <a:p>
-            <a:pPr algn="ctr"/>
-            <a:r>
-              <a:rPr lang="en-US" dirty="0" smtClean="0"/>
-              <a:t>User</a:t>
-            </a:r>
-            <a:endParaRPr lang="en-US" dirty="0"/>
-          </a:p>
-        </p:txBody>
-      </p:sp>
-      <p:cxnSp>
-        <p:nvCxnSpPr>
-          <p:cNvPr id="7" name="Straight Arrow Connector 6"/>
-          <p:cNvCxnSpPr/>
-          <p:nvPr/>
-        </p:nvCxnSpPr>
-        <p:spPr>
-          <a:xfrm>
-            <a:off x="4572492" y="2498654"/>
-            <a:ext cx="1890049" cy="23989"/>
-          </a:xfrm>
-          <a:prstGeom prst="straightConnector1">
-            <a:avLst/>
-          </a:prstGeom>
-          <a:ln>
-            <a:tailEnd type="triangle"/>
-          </a:ln>
-        </p:spPr>
-        <p:style>
-          <a:lnRef idx="1">
-            <a:schemeClr val="accent1"/>
-          </a:lnRef>
-          <a:fillRef idx="0">
-            <a:schemeClr val="accent1"/>
-          </a:fillRef>
-          <a:effectRef idx="0">
-            <a:schemeClr val="accent1"/>
-          </a:effectRef>
-          <a:fontRef idx="minor">
-            <a:schemeClr val="tx1"/>
-          </a:fontRef>
-        </p:style>
-      </p:cxnSp>
-      <p:sp>
-        <p:nvSpPr>
-          <p:cNvPr id="22" name="Magnetic Disk 21"/>
-          <p:cNvSpPr/>
-          <p:nvPr/>
-        </p:nvSpPr>
-        <p:spPr>
-          <a:xfrm>
-            <a:off x="5985919" y="3912033"/>
-            <a:ext cx="1226916" cy="1055779"/>
-          </a:xfrm>
-          <a:prstGeom prst="flowChartMagneticDisk">
-            <a:avLst/>
-          </a:prstGeom>
-        </p:spPr>
-        <p:style>
-          <a:lnRef idx="2">
-            <a:schemeClr val="accent1">
-              <a:shade val="50000"/>
-            </a:schemeClr>
-          </a:lnRef>
-          <a:fillRef idx="1">
-            <a:schemeClr val="accent1"/>
-          </a:fillRef>
-          <a:effectRef idx="0">
-            <a:schemeClr val="accent1"/>
-          </a:effectRef>
-          <a:fontRef idx="minor">
-            <a:schemeClr val="lt1"/>
-          </a:fontRef>
-        </p:style>
-        <p:txBody>
-          <a:bodyPr rtlCol="0" anchor="ctr"/>
-          <a:lstStyle/>
-          <a:p>
-            <a:pPr algn="ctr"/>
-            <a:r>
-              <a:rPr lang="en-US" dirty="0" smtClean="0"/>
-              <a:t>Category DB</a:t>
-            </a:r>
-            <a:endParaRPr lang="en-US" dirty="0"/>
-          </a:p>
-        </p:txBody>
-      </p:sp>
-      <p:cxnSp>
-        <p:nvCxnSpPr>
-          <p:cNvPr id="23" name="Straight Arrow Connector 22"/>
-          <p:cNvCxnSpPr>
-            <a:stCxn id="38" idx="2"/>
-          </p:cNvCxnSpPr>
-          <p:nvPr/>
-        </p:nvCxnSpPr>
-        <p:spPr>
-          <a:xfrm flipH="1">
-            <a:off x="6611252" y="3124264"/>
-            <a:ext cx="1221925" cy="787769"/>
-          </a:xfrm>
-          <a:prstGeom prst="straightConnector1">
-            <a:avLst/>
-          </a:prstGeom>
-          <a:ln>
-            <a:headEnd type="triangle"/>
             <a:tailEnd type="triangle"/>
           </a:ln>
         </p:spPr>
@@ -10257,14 +13362,14 @@
       </p:cxnSp>
       <p:cxnSp>
         <p:nvCxnSpPr>
-          <p:cNvPr id="15" name="Straight Arrow Connector 14"/>
+          <p:cNvPr id="10" name="Straight Arrow Connector 9"/>
           <p:cNvCxnSpPr/>
           <p:nvPr/>
         </p:nvCxnSpPr>
         <p:spPr>
-          <a:xfrm flipH="1" flipV="1">
-            <a:off x="4474657" y="2748271"/>
-            <a:ext cx="1987884" cy="8689"/>
+          <a:xfrm flipH="1">
+            <a:off x="2842588" y="1675254"/>
+            <a:ext cx="2311303" cy="0"/>
           </a:xfrm>
           <a:prstGeom prst="straightConnector1">
             <a:avLst/>
@@ -10288,6 +13393,264 @@
           </a:fontRef>
         </p:style>
       </p:cxnSp>
+      <p:sp>
+        <p:nvSpPr>
+          <p:cNvPr id="31" name="TextBox 30"/>
+          <p:cNvSpPr txBox="1"/>
+          <p:nvPr/>
+        </p:nvSpPr>
+        <p:spPr>
+          <a:xfrm>
+            <a:off x="7015841" y="1374857"/>
+            <a:ext cx="1685522" cy="276999"/>
+          </a:xfrm>
+          <a:prstGeom prst="rect">
+            <a:avLst/>
+          </a:prstGeom>
+          <a:noFill/>
+        </p:spPr>
+        <p:txBody>
+          <a:bodyPr wrap="square" rtlCol="0">
+            <a:spAutoFit/>
+          </a:bodyPr>
+          <a:lstStyle/>
+          <a:p>
+            <a:r>
+              <a:rPr lang="en-US" sz="1200" dirty="0" smtClean="0"/>
+              <a:t>User Service</a:t>
+            </a:r>
+            <a:endParaRPr lang="en-US" sz="1200" dirty="0"/>
+          </a:p>
+        </p:txBody>
+      </p:sp>
+      <p:cxnSp>
+        <p:nvCxnSpPr>
+          <p:cNvPr id="34" name="Straight Arrow Connector 33"/>
+          <p:cNvCxnSpPr>
+            <a:stCxn id="27" idx="3"/>
+            <a:endCxn id="28" idx="2"/>
+          </p:cNvCxnSpPr>
+          <p:nvPr/>
+        </p:nvCxnSpPr>
+        <p:spPr>
+          <a:xfrm>
+            <a:off x="6333949" y="1544637"/>
+            <a:ext cx="681892" cy="4672"/>
+          </a:xfrm>
+          <a:prstGeom prst="straightConnector1">
+            <a:avLst/>
+          </a:prstGeom>
+          <a:ln>
+            <a:headEnd type="triangle"/>
+            <a:tailEnd type="triangle"/>
+          </a:ln>
+        </p:spPr>
+        <p:style>
+          <a:lnRef idx="1">
+            <a:schemeClr val="accent1"/>
+          </a:lnRef>
+          <a:fillRef idx="0">
+            <a:schemeClr val="accent1"/>
+          </a:fillRef>
+          <a:effectRef idx="0">
+            <a:schemeClr val="accent1"/>
+          </a:effectRef>
+          <a:fontRef idx="minor">
+            <a:schemeClr val="tx1"/>
+          </a:fontRef>
+        </p:style>
+      </p:cxnSp>
+      <p:cxnSp>
+        <p:nvCxnSpPr>
+          <p:cNvPr id="36" name="Straight Arrow Connector 35"/>
+          <p:cNvCxnSpPr>
+            <a:stCxn id="28" idx="3"/>
+            <a:endCxn id="26" idx="0"/>
+          </p:cNvCxnSpPr>
+          <p:nvPr/>
+        </p:nvCxnSpPr>
+        <p:spPr>
+          <a:xfrm flipH="1">
+            <a:off x="7946943" y="1705823"/>
+            <a:ext cx="7204" cy="614367"/>
+          </a:xfrm>
+          <a:prstGeom prst="straightConnector1">
+            <a:avLst/>
+          </a:prstGeom>
+          <a:ln>
+            <a:headEnd type="triangle"/>
+            <a:tailEnd type="triangle"/>
+          </a:ln>
+        </p:spPr>
+        <p:style>
+          <a:lnRef idx="1">
+            <a:schemeClr val="accent1"/>
+          </a:lnRef>
+          <a:fillRef idx="0">
+            <a:schemeClr val="accent1"/>
+          </a:fillRef>
+          <a:effectRef idx="0">
+            <a:schemeClr val="accent1"/>
+          </a:effectRef>
+          <a:fontRef idx="minor">
+            <a:schemeClr val="tx1"/>
+          </a:fontRef>
+        </p:style>
+      </p:cxnSp>
+      <p:sp>
+        <p:nvSpPr>
+          <p:cNvPr id="39" name="TextBox 38"/>
+          <p:cNvSpPr txBox="1"/>
+          <p:nvPr/>
+        </p:nvSpPr>
+        <p:spPr>
+          <a:xfrm>
+            <a:off x="855023" y="4180114"/>
+            <a:ext cx="10379033" cy="2246769"/>
+          </a:xfrm>
+          <a:prstGeom prst="rect">
+            <a:avLst/>
+          </a:prstGeom>
+          <a:noFill/>
+        </p:spPr>
+        <p:txBody>
+          <a:bodyPr wrap="square" rtlCol="0">
+            <a:spAutoFit/>
+          </a:bodyPr>
+          <a:lstStyle/>
+          <a:p>
+            <a:pPr marL="342900" indent="-342900">
+              <a:buFont typeface="Arial" charset="0"/>
+              <a:buChar char="•"/>
+            </a:pPr>
+            <a:r>
+              <a:rPr lang="en-US" sz="2000" dirty="0" smtClean="0"/>
+              <a:t>Allow users to create/update/delete users and subscribe/unsubscribe categories.</a:t>
+            </a:r>
+          </a:p>
+          <a:p>
+            <a:endParaRPr lang="en-US" sz="2000" dirty="0" smtClean="0"/>
+          </a:p>
+          <a:p>
+            <a:r>
+              <a:rPr lang="en-US" sz="2000" dirty="0" smtClean="0"/>
+              <a:t>POST	/</a:t>
+            </a:r>
+            <a:r>
+              <a:rPr lang="en-US" sz="2000" dirty="0" err="1" smtClean="0"/>
+              <a:t>api</a:t>
+            </a:r>
+            <a:r>
+              <a:rPr lang="en-US" sz="2000" dirty="0" smtClean="0"/>
+              <a:t>/users					Create user</a:t>
+            </a:r>
+          </a:p>
+          <a:p>
+            <a:r>
+              <a:rPr lang="en-US" sz="2000" dirty="0" smtClean="0"/>
+              <a:t>PUT	/</a:t>
+            </a:r>
+            <a:r>
+              <a:rPr lang="en-US" sz="2000" dirty="0" err="1" smtClean="0"/>
+              <a:t>api</a:t>
+            </a:r>
+            <a:r>
+              <a:rPr lang="en-US" sz="2000" dirty="0" smtClean="0"/>
+              <a:t>/users/{</a:t>
+            </a:r>
+            <a:r>
+              <a:rPr lang="en-US" sz="2000" dirty="0" err="1" smtClean="0"/>
+              <a:t>userId</a:t>
+            </a:r>
+            <a:r>
+              <a:rPr lang="en-US" sz="2000" dirty="0" smtClean="0"/>
+              <a:t>}				Update user</a:t>
+            </a:r>
+          </a:p>
+          <a:p>
+            <a:r>
+              <a:rPr lang="en-US" sz="2000" dirty="0" smtClean="0"/>
+              <a:t>DELETE	/</a:t>
+            </a:r>
+            <a:r>
+              <a:rPr lang="en-US" sz="2000" dirty="0" err="1" smtClean="0"/>
+              <a:t>api</a:t>
+            </a:r>
+            <a:r>
+              <a:rPr lang="en-US" sz="2000" dirty="0" smtClean="0"/>
+              <a:t>/users/{</a:t>
+            </a:r>
+            <a:r>
+              <a:rPr lang="en-US" sz="2000" dirty="0" err="1" smtClean="0"/>
+              <a:t>userId</a:t>
+            </a:r>
+            <a:r>
+              <a:rPr lang="en-US" sz="2000" dirty="0" smtClean="0"/>
+              <a:t>}				Delete user</a:t>
+            </a:r>
+          </a:p>
+          <a:p>
+            <a:r>
+              <a:rPr lang="en-US" sz="2000" dirty="0" smtClean="0"/>
+              <a:t>POST	/</a:t>
+            </a:r>
+            <a:r>
+              <a:rPr lang="en-US" sz="2000" dirty="0" err="1" smtClean="0"/>
+              <a:t>api</a:t>
+            </a:r>
+            <a:r>
+              <a:rPr lang="en-US" sz="2000" dirty="0" smtClean="0"/>
+              <a:t>/users/{</a:t>
+            </a:r>
+            <a:r>
+              <a:rPr lang="en-US" sz="2000" dirty="0" err="1" smtClean="0"/>
+              <a:t>userId</a:t>
+            </a:r>
+            <a:r>
+              <a:rPr lang="en-US" sz="2000" dirty="0" smtClean="0"/>
+              <a:t>}/categories/{</a:t>
+            </a:r>
+            <a:r>
+              <a:rPr lang="en-US" sz="2000" dirty="0" err="1" smtClean="0"/>
+              <a:t>categoryId</a:t>
+            </a:r>
+            <a:r>
+              <a:rPr lang="en-US" sz="2000" dirty="0" smtClean="0"/>
+              <a:t>}		Subscribe category</a:t>
+            </a:r>
+          </a:p>
+          <a:p>
+            <a:r>
+              <a:rPr lang="en-US" sz="2000" dirty="0" smtClean="0"/>
+              <a:t>DELETE	/</a:t>
+            </a:r>
+            <a:r>
+              <a:rPr lang="en-US" sz="2000" dirty="0" err="1" smtClean="0"/>
+              <a:t>api</a:t>
+            </a:r>
+            <a:r>
+              <a:rPr lang="en-US" sz="2000" dirty="0" smtClean="0"/>
+              <a:t>/users/{</a:t>
+            </a:r>
+            <a:r>
+              <a:rPr lang="en-US" sz="2000" dirty="0" err="1" smtClean="0"/>
+              <a:t>userId</a:t>
+            </a:r>
+            <a:r>
+              <a:rPr lang="en-US" sz="2000" dirty="0" smtClean="0"/>
+              <a:t>}/categories/{</a:t>
+            </a:r>
+            <a:r>
+              <a:rPr lang="en-US" sz="2000" dirty="0" err="1" smtClean="0"/>
+              <a:t>categoryId</a:t>
+            </a:r>
+            <a:r>
+              <a:rPr lang="en-US" sz="2000" dirty="0" smtClean="0"/>
+              <a:t>}		Unsubscribe category</a:t>
+            </a:r>
+          </a:p>
+        </p:txBody>
+      </p:sp>
     </p:spTree>
     <p:extLst>
       <p:ext uri="{BB962C8B-B14F-4D97-AF65-F5344CB8AC3E}">
@@ -10340,271 +13703,327 @@
           <a:bodyPr/>
           <a:lstStyle/>
           <a:p>
+            <a:pPr algn="ctr"/>
             <a:r>
               <a:rPr lang="en-US" dirty="0" smtClean="0"/>
-              <a:t>Category Crawler Detail</a:t>
+              <a:t>Product Log Service</a:t>
             </a:r>
             <a:endParaRPr lang="en-US" dirty="0"/>
           </a:p>
         </p:txBody>
       </p:sp>
-      <p:sp>
-        <p:nvSpPr>
-          <p:cNvPr id="3" name="Content Placeholder 2"/>
-          <p:cNvSpPr>
-            <a:spLocks noGrp="1"/>
-          </p:cNvSpPr>
-          <p:nvPr>
-            <p:ph idx="1"/>
-          </p:nvPr>
-        </p:nvSpPr>
-        <p:spPr/>
-        <p:txBody>
-          <a:bodyPr>
-            <a:normAutofit fontScale="62500" lnSpcReduction="20000"/>
+      <p:pic>
+        <p:nvPicPr>
+          <p:cNvPr id="5" name="Picture 4"/>
+          <p:cNvPicPr>
+            <a:picLocks noChangeAspect="1"/>
+          </p:cNvPicPr>
+          <p:nvPr/>
+        </p:nvPicPr>
+        <p:blipFill>
+          <a:blip r:embed="rId2">
+            <a:extLst>
+              <a:ext uri="{28A0092B-C50C-407E-A947-70E740481C1C}">
+                <a14:useLocalDpi xmlns:a14="http://schemas.microsoft.com/office/drawing/2010/main" val="0"/>
+              </a:ext>
+            </a:extLst>
+          </a:blip>
+          <a:stretch>
+            <a:fillRect/>
+          </a:stretch>
+        </p:blipFill>
+        <p:spPr>
+          <a:xfrm>
+            <a:off x="5160369" y="2880586"/>
+            <a:ext cx="809510" cy="809510"/>
+          </a:xfrm>
+          <a:prstGeom prst="rect">
+            <a:avLst/>
+          </a:prstGeom>
+        </p:spPr>
+      </p:pic>
+      <p:pic>
+        <p:nvPicPr>
+          <p:cNvPr id="6" name="Picture 5"/>
+          <p:cNvPicPr>
+            <a:picLocks noChangeAspect="1"/>
+          </p:cNvPicPr>
+          <p:nvPr/>
+        </p:nvPicPr>
+        <p:blipFill>
+          <a:blip r:embed="rId3">
+            <a:extLst>
+              <a:ext uri="{28A0092B-C50C-407E-A947-70E740481C1C}">
+                <a14:useLocalDpi xmlns:a14="http://schemas.microsoft.com/office/drawing/2010/main" val="0"/>
+              </a:ext>
+            </a:extLst>
+          </a:blip>
+          <a:stretch>
+            <a:fillRect/>
+          </a:stretch>
+        </p:blipFill>
+        <p:spPr>
+          <a:xfrm>
+            <a:off x="2142560" y="1794549"/>
+            <a:ext cx="517918" cy="517918"/>
+          </a:xfrm>
+          <a:prstGeom prst="rect">
+            <a:avLst/>
+          </a:prstGeom>
+        </p:spPr>
+      </p:pic>
+      <p:sp>
+        <p:nvSpPr>
+          <p:cNvPr id="7" name="Rectangle 6"/>
+          <p:cNvSpPr/>
+          <p:nvPr/>
+        </p:nvSpPr>
+        <p:spPr>
+          <a:xfrm>
+            <a:off x="2612308" y="1985550"/>
+            <a:ext cx="1559529" cy="369332"/>
+          </a:xfrm>
+          <a:prstGeom prst="rect">
+            <a:avLst/>
+          </a:prstGeom>
+        </p:spPr>
+        <p:txBody>
+          <a:bodyPr wrap="none">
+            <a:spAutoFit/>
           </a:bodyPr>
           <a:lstStyle/>
           <a:p>
             <a:r>
-              <a:rPr lang="en-US" dirty="0" smtClean="0"/>
-              <a:t>Since </a:t>
-            </a:r>
-            <a:r>
-              <a:rPr lang="en-US" dirty="0"/>
-              <a:t>product category won't change too fast, this crawler is scheduled to run once a </a:t>
-            </a:r>
-            <a:r>
-              <a:rPr lang="en-US" dirty="0" smtClean="0"/>
-              <a:t>week.</a:t>
-            </a:r>
-          </a:p>
-          <a:p>
-            <a:r>
-              <a:rPr lang="en-US" dirty="0" smtClean="0"/>
-              <a:t>From </a:t>
-            </a:r>
-            <a:r>
-              <a:rPr lang="en-US" dirty="0" err="1"/>
-              <a:t>url</a:t>
-            </a:r>
-            <a:r>
-              <a:rPr lang="en-US" dirty="0"/>
-              <a:t>: </a:t>
-            </a:r>
-            <a:r>
-              <a:rPr lang="en-US" dirty="0" smtClean="0">
-                <a:hlinkClick r:id="rId2"/>
-              </a:rPr>
-              <a:t>https</a:t>
-            </a:r>
-            <a:r>
-              <a:rPr lang="en-US" dirty="0">
-                <a:hlinkClick r:id="rId2"/>
-              </a:rPr>
-              <a:t>://www.amazon.com/s/ref=nb_sb_noss_2?url=search-alias=aps&amp;field-keywords=-</a:t>
-            </a:r>
-            <a:r>
-              <a:rPr lang="en-US" dirty="0" smtClean="0">
-                <a:hlinkClick r:id="rId2"/>
-              </a:rPr>
-              <a:t>12345</a:t>
+              <a:rPr lang="en-US" dirty="0" err="1" smtClean="0"/>
+              <a:t>q_product_log</a:t>
             </a:r>
             <a:endParaRPr lang="en-US" dirty="0"/>
           </a:p>
-          <a:p>
-            <a:r>
-              <a:rPr lang="en-US" dirty="0" smtClean="0"/>
-              <a:t>Selector: #</a:t>
-            </a:r>
-            <a:r>
-              <a:rPr lang="en-US" dirty="0" err="1" smtClean="0"/>
-              <a:t>searchDropdownBox</a:t>
-            </a:r>
-            <a:r>
-              <a:rPr lang="en-US" dirty="0" smtClean="0"/>
-              <a:t> </a:t>
-            </a:r>
-            <a:r>
-              <a:rPr lang="en-US" dirty="0"/>
-              <a:t>&gt; </a:t>
-            </a:r>
-            <a:r>
-              <a:rPr lang="en-US" dirty="0" err="1"/>
-              <a:t>option:nth-child</a:t>
-            </a:r>
-            <a:r>
-              <a:rPr lang="en-US" dirty="0"/>
-              <a:t>(n)</a:t>
-            </a:r>
-            <a:br>
-              <a:rPr lang="en-US" dirty="0"/>
-            </a:br>
-            <a:r>
-              <a:rPr lang="en-US" dirty="0"/>
-              <a:t/>
-            </a:r>
-            <a:br>
-              <a:rPr lang="en-US" dirty="0"/>
-            </a:br>
-            <a:r>
-              <a:rPr lang="en-US" dirty="0"/>
-              <a:t>Where n &gt;= </a:t>
-            </a:r>
-            <a:r>
-              <a:rPr lang="en-US" dirty="0" smtClean="0"/>
-              <a:t>2</a:t>
-            </a:r>
-          </a:p>
-          <a:p>
-            <a:r>
-              <a:rPr lang="en-US" dirty="0" smtClean="0"/>
-              <a:t>Get category name from child node text.</a:t>
-            </a:r>
-            <a:endParaRPr lang="en-US" dirty="0"/>
-          </a:p>
-          <a:p>
-            <a:r>
-              <a:rPr lang="en-US" dirty="0" smtClean="0"/>
-              <a:t>Get </a:t>
-            </a:r>
-            <a:r>
-              <a:rPr lang="en-US" dirty="0"/>
-              <a:t>“</a:t>
-            </a:r>
-            <a:r>
-              <a:rPr lang="en-US" dirty="0" smtClean="0"/>
-              <a:t>search-alias=xxx” </a:t>
-            </a:r>
-            <a:r>
-              <a:rPr lang="en-US" dirty="0"/>
-              <a:t>as category </a:t>
-            </a:r>
-            <a:r>
-              <a:rPr lang="en-US" dirty="0" smtClean="0"/>
-              <a:t>search alias</a:t>
-            </a:r>
-            <a:endParaRPr lang="en-US" b="1" dirty="0"/>
-          </a:p>
-          <a:p>
-            <a:r>
-              <a:rPr lang="en-US" dirty="0" smtClean="0"/>
-              <a:t>Repeat </a:t>
-            </a:r>
-            <a:r>
-              <a:rPr lang="en-US" dirty="0"/>
-              <a:t>till empty element </a:t>
-            </a:r>
-            <a:r>
-              <a:rPr lang="en-US" dirty="0" smtClean="0"/>
-              <a:t>is reached.</a:t>
-            </a:r>
-          </a:p>
-          <a:p>
-            <a:r>
-              <a:rPr lang="en-US" dirty="0" smtClean="0"/>
-              <a:t>The </a:t>
-            </a:r>
-            <a:r>
-              <a:rPr lang="en-US" dirty="0"/>
-              <a:t>product list </a:t>
-            </a:r>
-            <a:r>
-              <a:rPr lang="en-US" dirty="0" err="1"/>
-              <a:t>url</a:t>
-            </a:r>
-            <a:r>
-              <a:rPr lang="en-US" dirty="0"/>
-              <a:t> for each category is in the following format:</a:t>
-            </a:r>
-            <a:br>
-              <a:rPr lang="en-US" dirty="0"/>
-            </a:br>
-            <a:r>
-              <a:rPr lang="en-US" dirty="0" smtClean="0"/>
-              <a:t>https</a:t>
-            </a:r>
-            <a:r>
-              <a:rPr lang="en-US" dirty="0"/>
-              <a:t>://</a:t>
-            </a:r>
-            <a:r>
-              <a:rPr lang="en-US" dirty="0" err="1"/>
-              <a:t>www.amazon.com</a:t>
-            </a:r>
-            <a:r>
-              <a:rPr lang="en-US" dirty="0"/>
-              <a:t>/s/ref=</a:t>
-            </a:r>
-            <a:r>
-              <a:rPr lang="en-US" dirty="0" err="1"/>
-              <a:t>nb_sb_noss?url</a:t>
-            </a:r>
-            <a:r>
-              <a:rPr lang="en-US" dirty="0"/>
-              <a:t>=$</a:t>
-            </a:r>
-            <a:r>
-              <a:rPr lang="en-US" dirty="0" err="1"/>
-              <a:t>SEARCH_ALIAS&amp;field-keywords</a:t>
-            </a:r>
-            <a:r>
-              <a:rPr lang="en-US" dirty="0"/>
-              <a:t>=-12345&amp;page=$PAGE_NO</a:t>
-            </a:r>
-            <a:br>
-              <a:rPr lang="en-US" dirty="0"/>
-            </a:br>
-            <a:r>
-              <a:rPr lang="en-US" dirty="0"/>
-              <a:t/>
-            </a:r>
-            <a:br>
-              <a:rPr lang="en-US" dirty="0"/>
-            </a:br>
-            <a:r>
-              <a:rPr lang="en-US" dirty="0"/>
-              <a:t>Replace the $SEARCH_ALIAS with category name and $PAGE_NO with the desired product </a:t>
-            </a:r>
-            <a:r>
-              <a:rPr lang="en-US" dirty="0" smtClean="0"/>
-              <a:t>list.</a:t>
-            </a:r>
-            <a:endParaRPr lang="en-US" dirty="0"/>
-          </a:p>
-          <a:p>
-            <a:r>
-              <a:rPr lang="en-US" dirty="0" smtClean="0"/>
-              <a:t>Store </a:t>
-            </a:r>
-            <a:r>
-              <a:rPr lang="en-US" dirty="0"/>
-              <a:t>the &lt;Category name, product list </a:t>
-            </a:r>
-            <a:r>
-              <a:rPr lang="en-US" dirty="0" err="1"/>
-              <a:t>url</a:t>
-            </a:r>
-            <a:r>
-              <a:rPr lang="en-US" dirty="0"/>
-              <a:t>&gt; pairs into Category DB.</a:t>
-            </a:r>
-            <a:br>
-              <a:rPr lang="en-US" dirty="0"/>
-            </a:br>
-            <a:endParaRPr lang="en-US" dirty="0"/>
+        </p:txBody>
+      </p:sp>
+      <p:sp>
+        <p:nvSpPr>
+          <p:cNvPr id="8" name="Cube 7"/>
+          <p:cNvSpPr/>
+          <p:nvPr/>
+        </p:nvSpPr>
+        <p:spPr>
+          <a:xfrm>
+            <a:off x="4622261" y="1794549"/>
+            <a:ext cx="1980955" cy="417372"/>
+          </a:xfrm>
+          <a:prstGeom prst="cube">
+            <a:avLst/>
+          </a:prstGeom>
+          <a:solidFill>
+            <a:srgbClr val="00B0F0"/>
+          </a:solidFill>
+        </p:spPr>
+        <p:style>
+          <a:lnRef idx="2">
+            <a:schemeClr val="accent1">
+              <a:shade val="50000"/>
+            </a:schemeClr>
+          </a:lnRef>
+          <a:fillRef idx="1">
+            <a:schemeClr val="accent1"/>
+          </a:fillRef>
+          <a:effectRef idx="0">
+            <a:schemeClr val="accent1"/>
+          </a:effectRef>
+          <a:fontRef idx="minor">
+            <a:schemeClr val="lt1"/>
+          </a:fontRef>
+        </p:style>
+        <p:txBody>
+          <a:bodyPr rtlCol="0" anchor="ctr"/>
+          <a:lstStyle/>
+          <a:p>
+            <a:pPr algn="ctr"/>
+            <a:endParaRPr lang="en-US"/>
+          </a:p>
+        </p:txBody>
+      </p:sp>
+      <p:sp>
+        <p:nvSpPr>
+          <p:cNvPr id="9" name="TextBox 8"/>
+          <p:cNvSpPr txBox="1"/>
+          <p:nvPr/>
+        </p:nvSpPr>
+        <p:spPr>
+          <a:xfrm>
+            <a:off x="4622261" y="1894550"/>
+            <a:ext cx="1980726" cy="276999"/>
+          </a:xfrm>
+          <a:prstGeom prst="rect">
+            <a:avLst/>
+          </a:prstGeom>
+          <a:noFill/>
+        </p:spPr>
+        <p:txBody>
+          <a:bodyPr wrap="square" rtlCol="0">
+            <a:spAutoFit/>
+          </a:bodyPr>
+          <a:lstStyle/>
+          <a:p>
+            <a:r>
+              <a:rPr lang="en-US" sz="1200" dirty="0" smtClean="0"/>
+              <a:t>Product Log Service</a:t>
+            </a:r>
+            <a:endParaRPr lang="en-US" sz="1200" dirty="0"/>
+          </a:p>
+        </p:txBody>
+      </p:sp>
+      <p:cxnSp>
+        <p:nvCxnSpPr>
+          <p:cNvPr id="11" name="Straight Arrow Connector 10"/>
+          <p:cNvCxnSpPr>
+            <a:stCxn id="8" idx="3"/>
+            <a:endCxn id="5" idx="0"/>
+          </p:cNvCxnSpPr>
+          <p:nvPr/>
+        </p:nvCxnSpPr>
+        <p:spPr>
+          <a:xfrm>
+            <a:off x="5560567" y="2211921"/>
+            <a:ext cx="4557" cy="668665"/>
+          </a:xfrm>
+          <a:prstGeom prst="straightConnector1">
+            <a:avLst/>
+          </a:prstGeom>
+          <a:ln>
+            <a:tailEnd type="triangle"/>
+          </a:ln>
+        </p:spPr>
+        <p:style>
+          <a:lnRef idx="1">
+            <a:schemeClr val="accent1"/>
+          </a:lnRef>
+          <a:fillRef idx="0">
+            <a:schemeClr val="accent1"/>
+          </a:fillRef>
+          <a:effectRef idx="0">
+            <a:schemeClr val="accent1"/>
+          </a:effectRef>
+          <a:fontRef idx="minor">
+            <a:schemeClr val="tx1"/>
+          </a:fontRef>
+        </p:style>
+      </p:cxnSp>
+      <p:cxnSp>
+        <p:nvCxnSpPr>
+          <p:cNvPr id="13" name="Straight Arrow Connector 12"/>
+          <p:cNvCxnSpPr>
+            <a:stCxn id="6" idx="3"/>
+            <a:endCxn id="8" idx="2"/>
+          </p:cNvCxnSpPr>
+          <p:nvPr/>
+        </p:nvCxnSpPr>
+        <p:spPr>
+          <a:xfrm>
+            <a:off x="2660478" y="2053508"/>
+            <a:ext cx="1961783" cy="1899"/>
+          </a:xfrm>
+          <a:prstGeom prst="straightConnector1">
+            <a:avLst/>
+          </a:prstGeom>
+          <a:ln>
+            <a:tailEnd type="triangle"/>
+          </a:ln>
+        </p:spPr>
+        <p:style>
+          <a:lnRef idx="1">
+            <a:schemeClr val="accent1"/>
+          </a:lnRef>
+          <a:fillRef idx="0">
+            <a:schemeClr val="accent1"/>
+          </a:fillRef>
+          <a:effectRef idx="0">
+            <a:schemeClr val="accent1"/>
+          </a:effectRef>
+          <a:fontRef idx="minor">
+            <a:schemeClr val="tx1"/>
+          </a:fontRef>
+        </p:style>
+      </p:cxnSp>
+      <p:sp>
+        <p:nvSpPr>
+          <p:cNvPr id="14" name="TextBox 13"/>
+          <p:cNvSpPr txBox="1"/>
+          <p:nvPr/>
+        </p:nvSpPr>
+        <p:spPr>
+          <a:xfrm>
+            <a:off x="356259" y="4191990"/>
+            <a:ext cx="11709070" cy="1015663"/>
+          </a:xfrm>
+          <a:prstGeom prst="rect">
+            <a:avLst/>
+          </a:prstGeom>
+          <a:noFill/>
+        </p:spPr>
+        <p:txBody>
+          <a:bodyPr wrap="square" rtlCol="0">
+            <a:spAutoFit/>
+          </a:bodyPr>
+          <a:lstStyle/>
+          <a:p>
+            <a:pPr marL="342900" indent="-342900">
+              <a:buFont typeface="Arial" charset="0"/>
+              <a:buChar char="•"/>
+            </a:pPr>
+            <a:r>
+              <a:rPr lang="en-US" sz="2000" dirty="0" smtClean="0"/>
+              <a:t>Receive product crawler log from </a:t>
+            </a:r>
+            <a:r>
+              <a:rPr lang="en-US" sz="2000" dirty="0" err="1" smtClean="0"/>
+              <a:t>q_product_log</a:t>
+            </a:r>
+            <a:r>
+              <a:rPr lang="en-US" sz="2000" dirty="0" smtClean="0"/>
+              <a:t> queue.</a:t>
+            </a:r>
+          </a:p>
+          <a:p>
+            <a:pPr marL="342900" indent="-342900">
+              <a:buFont typeface="Arial" charset="0"/>
+              <a:buChar char="•"/>
+            </a:pPr>
+            <a:r>
+              <a:rPr lang="en-US" sz="2000" dirty="0" smtClean="0"/>
+              <a:t>Store the log into MySQL DB.</a:t>
+            </a:r>
+          </a:p>
+          <a:p>
+            <a:pPr marL="342900" indent="-342900">
+              <a:buFont typeface="Arial" charset="0"/>
+              <a:buChar char="•"/>
+            </a:pPr>
+            <a:r>
+              <a:rPr lang="en-US" sz="2000" dirty="0" smtClean="0"/>
+              <a:t>Product crawler sends log to queue instead of writing to DB or file to have higher throughput for crawling.</a:t>
+            </a:r>
           </a:p>
         </p:txBody>
       </p:sp>
     </p:spTree>
     <p:extLst>
       <p:ext uri="{BB962C8B-B14F-4D97-AF65-F5344CB8AC3E}">
-        <p14:creationId xmlns:p14="http://schemas.microsoft.com/office/powerpoint/2010/main" val="662863133"/>
+        <p14:creationId xmlns:p14="http://schemas.microsoft.com/office/powerpoint/2010/main" val="1432037531"/>
       </p:ext>
     </p:extLst>
   </p:cSld>
   <p:clrMapOvr>
     <a:masterClrMapping/>
   </p:clrMapOvr>
+  <p:timing>
+    <p:tnLst>
+      <p:par>
+        <p:cTn id="1" dur="indefinite" restart="never" nodeType="tmRoot"/>
+      </p:par>
+    </p:tnLst>
+  </p:timing>
 </p:sld>
 </file>
 

--- a/PriceMonitoringDesign.pptx
+++ b/PriceMonitoringDesign.pptx
@@ -130,12 +130,11 @@
             <p14:sldId id="260"/>
             <p14:sldId id="261"/>
             <p14:sldId id="269"/>
+            <p14:sldId id="270"/>
           </p14:sldIdLst>
         </p14:section>
         <p14:section name="Untitled Section" id="{2DCC702A-A243-DB4A-8C6D-24D6E5D6023D}">
-          <p14:sldIdLst>
-            <p14:sldId id="270"/>
-          </p14:sldIdLst>
+          <p14:sldIdLst/>
         </p14:section>
       </p14:sectionLst>
     </p:ext>
@@ -228,7 +227,7 @@
           <a:p>
             <a:fld id="{822F189D-D7C4-2B4B-BA7D-F542C8765D31}" type="datetimeFigureOut">
               <a:rPr lang="en-US" smtClean="0"/>
-              <a:t>6/11/17</a:t>
+              <a:t>6/14/17</a:t>
             </a:fld>
             <a:endParaRPr lang="en-US"/>
           </a:p>
@@ -795,7 +794,7 @@
           <a:p>
             <a:fld id="{FE13B3C1-B50E-B844-B5EC-A0E6C3AA92EA}" type="datetimeFigureOut">
               <a:rPr lang="en-US" smtClean="0"/>
-              <a:t>6/11/17</a:t>
+              <a:t>6/14/17</a:t>
             </a:fld>
             <a:endParaRPr lang="en-US"/>
           </a:p>
@@ -965,7 +964,7 @@
           <a:p>
             <a:fld id="{FE13B3C1-B50E-B844-B5EC-A0E6C3AA92EA}" type="datetimeFigureOut">
               <a:rPr lang="en-US" smtClean="0"/>
-              <a:t>6/11/17</a:t>
+              <a:t>6/14/17</a:t>
             </a:fld>
             <a:endParaRPr lang="en-US"/>
           </a:p>
@@ -1145,7 +1144,7 @@
           <a:p>
             <a:fld id="{FE13B3C1-B50E-B844-B5EC-A0E6C3AA92EA}" type="datetimeFigureOut">
               <a:rPr lang="en-US" smtClean="0"/>
-              <a:t>6/11/17</a:t>
+              <a:t>6/14/17</a:t>
             </a:fld>
             <a:endParaRPr lang="en-US"/>
           </a:p>
@@ -1315,7 +1314,7 @@
           <a:p>
             <a:fld id="{FE13B3C1-B50E-B844-B5EC-A0E6C3AA92EA}" type="datetimeFigureOut">
               <a:rPr lang="en-US" smtClean="0"/>
-              <a:t>6/11/17</a:t>
+              <a:t>6/14/17</a:t>
             </a:fld>
             <a:endParaRPr lang="en-US"/>
           </a:p>
@@ -1561,7 +1560,7 @@
           <a:p>
             <a:fld id="{FE13B3C1-B50E-B844-B5EC-A0E6C3AA92EA}" type="datetimeFigureOut">
               <a:rPr lang="en-US" smtClean="0"/>
-              <a:t>6/11/17</a:t>
+              <a:t>6/14/17</a:t>
             </a:fld>
             <a:endParaRPr lang="en-US"/>
           </a:p>
@@ -1793,7 +1792,7 @@
           <a:p>
             <a:fld id="{FE13B3C1-B50E-B844-B5EC-A0E6C3AA92EA}" type="datetimeFigureOut">
               <a:rPr lang="en-US" smtClean="0"/>
-              <a:t>6/11/17</a:t>
+              <a:t>6/14/17</a:t>
             </a:fld>
             <a:endParaRPr lang="en-US"/>
           </a:p>
@@ -2160,7 +2159,7 @@
           <a:p>
             <a:fld id="{FE13B3C1-B50E-B844-B5EC-A0E6C3AA92EA}" type="datetimeFigureOut">
               <a:rPr lang="en-US" smtClean="0"/>
-              <a:t>6/11/17</a:t>
+              <a:t>6/14/17</a:t>
             </a:fld>
             <a:endParaRPr lang="en-US"/>
           </a:p>
@@ -2278,7 +2277,7 @@
           <a:p>
             <a:fld id="{FE13B3C1-B50E-B844-B5EC-A0E6C3AA92EA}" type="datetimeFigureOut">
               <a:rPr lang="en-US" smtClean="0"/>
-              <a:t>6/11/17</a:t>
+              <a:t>6/14/17</a:t>
             </a:fld>
             <a:endParaRPr lang="en-US"/>
           </a:p>
@@ -2373,7 +2372,7 @@
           <a:p>
             <a:fld id="{FE13B3C1-B50E-B844-B5EC-A0E6C3AA92EA}" type="datetimeFigureOut">
               <a:rPr lang="en-US" smtClean="0"/>
-              <a:t>6/11/17</a:t>
+              <a:t>6/14/17</a:t>
             </a:fld>
             <a:endParaRPr lang="en-US"/>
           </a:p>
@@ -2650,7 +2649,7 @@
           <a:p>
             <a:fld id="{FE13B3C1-B50E-B844-B5EC-A0E6C3AA92EA}" type="datetimeFigureOut">
               <a:rPr lang="en-US" smtClean="0"/>
-              <a:t>6/11/17</a:t>
+              <a:t>6/14/17</a:t>
             </a:fld>
             <a:endParaRPr lang="en-US"/>
           </a:p>
@@ -2903,7 +2902,7 @@
           <a:p>
             <a:fld id="{FE13B3C1-B50E-B844-B5EC-A0E6C3AA92EA}" type="datetimeFigureOut">
               <a:rPr lang="en-US" smtClean="0"/>
-              <a:t>6/11/17</a:t>
+              <a:t>6/14/17</a:t>
             </a:fld>
             <a:endParaRPr lang="en-US"/>
           </a:p>
@@ -3116,7 +3115,7 @@
           <a:p>
             <a:fld id="{FE13B3C1-B50E-B844-B5EC-A0E6C3AA92EA}" type="datetimeFigureOut">
               <a:rPr lang="en-US" smtClean="0"/>
-              <a:t>6/11/17</a:t>
+              <a:t>6/14/17</a:t>
             </a:fld>
             <a:endParaRPr lang="en-US"/>
           </a:p>
@@ -5961,7 +5960,7 @@
         </p:blipFill>
         <p:spPr>
           <a:xfrm>
-            <a:off x="5460197" y="6171880"/>
+            <a:off x="5460197" y="5875005"/>
             <a:ext cx="273043" cy="273043"/>
           </a:xfrm>
         </p:spPr>
@@ -5974,7 +5973,7 @@
         </p:nvSpPr>
         <p:spPr>
           <a:xfrm>
-            <a:off x="1435677" y="2014045"/>
+            <a:off x="1435677" y="1622170"/>
             <a:ext cx="791004" cy="653598"/>
           </a:xfrm>
           <a:prstGeom prst="cloud">
@@ -6019,7 +6018,7 @@
         </p:nvSpPr>
         <p:spPr>
           <a:xfrm>
-            <a:off x="774244" y="4768321"/>
+            <a:off x="774244" y="4471446"/>
             <a:ext cx="237564" cy="571500"/>
           </a:xfrm>
           <a:prstGeom prst="upDownArrow">
@@ -6064,7 +6063,7 @@
         </p:nvSpPr>
         <p:spPr>
           <a:xfrm>
-            <a:off x="7826657" y="6374999"/>
+            <a:off x="7826657" y="6078124"/>
             <a:ext cx="270062" cy="267260"/>
           </a:xfrm>
           <a:prstGeom prst="heart">
@@ -6107,7 +6106,7 @@
         </p:nvSpPr>
         <p:spPr>
           <a:xfrm>
-            <a:off x="7826657" y="5681404"/>
+            <a:off x="7826657" y="5384529"/>
             <a:ext cx="270062" cy="285750"/>
           </a:xfrm>
           <a:prstGeom prst="heart">
@@ -6150,7 +6149,7 @@
         </p:nvSpPr>
         <p:spPr>
           <a:xfrm>
-            <a:off x="8040130" y="6374999"/>
+            <a:off x="8040130" y="6078124"/>
             <a:ext cx="2124981" cy="276999"/>
           </a:xfrm>
           <a:prstGeom prst="rect">
@@ -6180,7 +6179,7 @@
         </p:nvSpPr>
         <p:spPr>
           <a:xfrm>
-            <a:off x="8040130" y="5681404"/>
+            <a:off x="8040130" y="5384529"/>
             <a:ext cx="1551453" cy="276999"/>
           </a:xfrm>
           <a:prstGeom prst="rect">
@@ -6210,7 +6209,7 @@
         </p:nvSpPr>
         <p:spPr>
           <a:xfrm>
-            <a:off x="276801" y="6472042"/>
+            <a:off x="276801" y="6175167"/>
             <a:ext cx="1958603" cy="276999"/>
           </a:xfrm>
           <a:prstGeom prst="rect">
@@ -6240,7 +6239,7 @@
         </p:nvSpPr>
         <p:spPr>
           <a:xfrm>
-            <a:off x="7826657" y="4122827"/>
+            <a:off x="7826657" y="3825952"/>
             <a:ext cx="270062" cy="285750"/>
           </a:xfrm>
           <a:prstGeom prst="heart">
@@ -6283,7 +6282,7 @@
         </p:nvSpPr>
         <p:spPr>
           <a:xfrm>
-            <a:off x="8040130" y="4122827"/>
+            <a:off x="8040130" y="3825952"/>
             <a:ext cx="2124981" cy="276999"/>
           </a:xfrm>
           <a:prstGeom prst="rect">
@@ -6313,7 +6312,7 @@
         </p:nvSpPr>
         <p:spPr>
           <a:xfrm>
-            <a:off x="5772479" y="1653763"/>
+            <a:off x="5772479" y="1356888"/>
             <a:ext cx="1980955" cy="417372"/>
           </a:xfrm>
           <a:prstGeom prst="cube">
@@ -6356,7 +6355,7 @@
         </p:nvSpPr>
         <p:spPr>
           <a:xfrm>
-            <a:off x="7826657" y="1853280"/>
+            <a:off x="7826657" y="1556405"/>
             <a:ext cx="270062" cy="285750"/>
           </a:xfrm>
           <a:prstGeom prst="heart">
@@ -6399,7 +6398,7 @@
         </p:nvSpPr>
         <p:spPr>
           <a:xfrm>
-            <a:off x="8040130" y="1853280"/>
+            <a:off x="8040130" y="1556405"/>
             <a:ext cx="1623716" cy="276999"/>
           </a:xfrm>
           <a:prstGeom prst="rect">
@@ -6429,7 +6428,7 @@
         </p:nvSpPr>
         <p:spPr>
           <a:xfrm>
-            <a:off x="5772479" y="1761147"/>
+            <a:off x="5772479" y="1464272"/>
             <a:ext cx="1017714" cy="276999"/>
           </a:xfrm>
           <a:prstGeom prst="rect">
@@ -6459,7 +6458,7 @@
         </p:nvSpPr>
         <p:spPr>
           <a:xfrm>
-            <a:off x="7826657" y="4862979"/>
+            <a:off x="7826657" y="4566104"/>
             <a:ext cx="270265" cy="285750"/>
           </a:xfrm>
           <a:prstGeom prst="heart">
@@ -6502,7 +6501,7 @@
         </p:nvSpPr>
         <p:spPr>
           <a:xfrm>
-            <a:off x="8040130" y="4862979"/>
+            <a:off x="8040130" y="4566104"/>
             <a:ext cx="2126578" cy="276999"/>
           </a:xfrm>
           <a:prstGeom prst="rect">
@@ -6536,7 +6535,7 @@
         </p:nvSpPr>
         <p:spPr>
           <a:xfrm>
-            <a:off x="7826657" y="3346816"/>
+            <a:off x="7826657" y="3049941"/>
             <a:ext cx="270062" cy="285750"/>
           </a:xfrm>
           <a:prstGeom prst="heart">
@@ -6579,7 +6578,7 @@
         </p:nvSpPr>
         <p:spPr>
           <a:xfrm>
-            <a:off x="8040130" y="3346816"/>
+            <a:off x="8040130" y="3049941"/>
             <a:ext cx="1623716" cy="276999"/>
           </a:xfrm>
           <a:prstGeom prst="rect">
@@ -6609,7 +6608,7 @@
         </p:nvSpPr>
         <p:spPr>
           <a:xfrm>
-            <a:off x="7826657" y="2609642"/>
+            <a:off x="7826657" y="2312767"/>
             <a:ext cx="270062" cy="285750"/>
           </a:xfrm>
           <a:prstGeom prst="heart">
@@ -6652,7 +6651,7 @@
         </p:nvSpPr>
         <p:spPr>
           <a:xfrm>
-            <a:off x="8040130" y="2609642"/>
+            <a:off x="8040130" y="2312767"/>
             <a:ext cx="1623716" cy="276999"/>
           </a:xfrm>
           <a:prstGeom prst="rect">
@@ -6696,7 +6695,7 @@
         </p:blipFill>
         <p:spPr>
           <a:xfrm>
-            <a:off x="5434447" y="4654445"/>
+            <a:off x="5434447" y="4357570"/>
             <a:ext cx="273043" cy="273043"/>
           </a:xfrm>
           <a:prstGeom prst="rect">
@@ -6709,17 +6708,18 @@
           <p:cNvPr id="131" name="Elbow Connector 130"/>
           <p:cNvCxnSpPr>
             <a:stCxn id="207" idx="5"/>
-            <a:endCxn id="365" idx="2"/>
           </p:cNvCxnSpPr>
           <p:nvPr/>
         </p:nvCxnSpPr>
         <p:spPr>
           <a:xfrm flipV="1">
-            <a:off x="7753434" y="3723466"/>
+            <a:off x="7753434" y="3426591"/>
             <a:ext cx="3936040" cy="2604929"/>
           </a:xfrm>
-          <a:prstGeom prst="bentConnector2">
-            <a:avLst/>
+          <a:prstGeom prst="bentConnector3">
+            <a:avLst>
+              <a:gd name="adj1" fmla="val 100083"/>
+            </a:avLst>
           </a:prstGeom>
           <a:ln>
             <a:headEnd type="triangle"/>
@@ -6752,7 +6752,7 @@
         </p:nvCxnSpPr>
         <p:spPr>
           <a:xfrm>
-            <a:off x="7753434" y="1810278"/>
+            <a:off x="7753434" y="1513403"/>
             <a:ext cx="3936040" cy="1103678"/>
           </a:xfrm>
           <a:prstGeom prst="bentConnector2">
@@ -6789,7 +6789,7 @@
         </p:nvCxnSpPr>
         <p:spPr>
           <a:xfrm rot="16200000" flipV="1">
-            <a:off x="9546125" y="770607"/>
+            <a:off x="9546125" y="473732"/>
             <a:ext cx="350659" cy="3936040"/>
           </a:xfrm>
           <a:prstGeom prst="bentConnector2">
@@ -6822,7 +6822,7 @@
         </p:nvSpPr>
         <p:spPr>
           <a:xfrm>
-            <a:off x="5772479" y="2406782"/>
+            <a:off x="5772479" y="2109907"/>
             <a:ext cx="1980955" cy="417372"/>
           </a:xfrm>
           <a:prstGeom prst="cube">
@@ -6865,7 +6865,7 @@
         </p:nvSpPr>
         <p:spPr>
           <a:xfrm>
-            <a:off x="5772479" y="3159801"/>
+            <a:off x="5772479" y="2862926"/>
             <a:ext cx="1980955" cy="417372"/>
           </a:xfrm>
           <a:prstGeom prst="cube">
@@ -6908,7 +6908,7 @@
         </p:nvSpPr>
         <p:spPr>
           <a:xfrm>
-            <a:off x="5772479" y="3912820"/>
+            <a:off x="5772479" y="3615945"/>
             <a:ext cx="1980955" cy="417372"/>
           </a:xfrm>
           <a:prstGeom prst="cube">
@@ -6951,7 +6951,7 @@
         </p:nvSpPr>
         <p:spPr>
           <a:xfrm>
-            <a:off x="5749692" y="4665839"/>
+            <a:off x="5749692" y="4368964"/>
             <a:ext cx="1980955" cy="417372"/>
           </a:xfrm>
           <a:prstGeom prst="cube">
@@ -6994,7 +6994,7 @@
         </p:nvSpPr>
         <p:spPr>
           <a:xfrm>
-            <a:off x="5761298" y="5418858"/>
+            <a:off x="5761298" y="5121983"/>
             <a:ext cx="1980955" cy="417372"/>
           </a:xfrm>
           <a:prstGeom prst="cube">
@@ -7037,7 +7037,7 @@
         </p:nvSpPr>
         <p:spPr>
           <a:xfrm>
-            <a:off x="5772479" y="6171880"/>
+            <a:off x="5772479" y="5875005"/>
             <a:ext cx="1980955" cy="417372"/>
           </a:xfrm>
           <a:prstGeom prst="cube">
@@ -7080,7 +7080,7 @@
         </p:nvSpPr>
         <p:spPr>
           <a:xfrm>
-            <a:off x="5772479" y="2510123"/>
+            <a:off x="5772479" y="2213248"/>
             <a:ext cx="1685522" cy="276999"/>
           </a:xfrm>
           <a:prstGeom prst="rect">
@@ -7110,7 +7110,7 @@
         </p:nvSpPr>
         <p:spPr>
           <a:xfrm>
-            <a:off x="5772479" y="3259099"/>
+            <a:off x="5772479" y="2962224"/>
             <a:ext cx="1980726" cy="276999"/>
           </a:xfrm>
           <a:prstGeom prst="rect">
@@ -7140,7 +7140,7 @@
         </p:nvSpPr>
         <p:spPr>
           <a:xfrm>
-            <a:off x="5772479" y="4008075"/>
+            <a:off x="5772479" y="3711200"/>
             <a:ext cx="1980726" cy="276999"/>
           </a:xfrm>
           <a:prstGeom prst="rect">
@@ -7170,7 +7170,7 @@
         </p:nvSpPr>
         <p:spPr>
           <a:xfrm>
-            <a:off x="5749692" y="4757051"/>
+            <a:off x="5749692" y="4460176"/>
             <a:ext cx="1980726" cy="276999"/>
           </a:xfrm>
           <a:prstGeom prst="rect">
@@ -7200,7 +7200,7 @@
         </p:nvSpPr>
         <p:spPr>
           <a:xfrm>
-            <a:off x="5772479" y="6255005"/>
+            <a:off x="5772479" y="5958130"/>
             <a:ext cx="1980726" cy="276999"/>
           </a:xfrm>
           <a:prstGeom prst="rect">
@@ -7230,7 +7230,7 @@
         </p:nvSpPr>
         <p:spPr>
           <a:xfrm>
-            <a:off x="5761298" y="5506027"/>
+            <a:off x="5761298" y="5209152"/>
             <a:ext cx="1980726" cy="276999"/>
           </a:xfrm>
           <a:prstGeom prst="rect">
@@ -7256,17 +7256,19 @@
         <p:nvCxnSpPr>
           <p:cNvPr id="216" name="Elbow Connector 215"/>
           <p:cNvCxnSpPr>
-            <a:endCxn id="365" idx="2"/>
+            <a:stCxn id="206" idx="5"/>
           </p:cNvCxnSpPr>
           <p:nvPr/>
         </p:nvCxnSpPr>
         <p:spPr>
           <a:xfrm flipV="1">
-            <a:off x="7721744" y="3723466"/>
-            <a:ext cx="3967730" cy="1915244"/>
-          </a:xfrm>
-          <a:prstGeom prst="bentConnector2">
-            <a:avLst/>
+            <a:off x="7742253" y="3438466"/>
+            <a:ext cx="3947221" cy="1840032"/>
+          </a:xfrm>
+          <a:prstGeom prst="bentConnector3">
+            <a:avLst>
+              <a:gd name="adj1" fmla="val 100543"/>
+            </a:avLst>
           </a:prstGeom>
           <a:ln>
             <a:headEnd type="triangle"/>
@@ -7299,7 +7301,7 @@
         </p:nvCxnSpPr>
         <p:spPr>
           <a:xfrm flipV="1">
-            <a:off x="7730647" y="3723466"/>
+            <a:off x="7730647" y="3426591"/>
             <a:ext cx="3958827" cy="1098888"/>
           </a:xfrm>
           <a:prstGeom prst="bentConnector2">
@@ -7336,7 +7338,7 @@
         </p:nvCxnSpPr>
         <p:spPr>
           <a:xfrm flipV="1">
-            <a:off x="7753434" y="3723466"/>
+            <a:off x="7753434" y="3426591"/>
             <a:ext cx="3936040" cy="345869"/>
           </a:xfrm>
           <a:prstGeom prst="bentConnector2">
@@ -7373,7 +7375,7 @@
         </p:nvCxnSpPr>
         <p:spPr>
           <a:xfrm>
-            <a:off x="7753434" y="3316316"/>
+            <a:off x="7753434" y="3019441"/>
             <a:ext cx="3531285" cy="2395"/>
           </a:xfrm>
           <a:prstGeom prst="bentConnector3">
@@ -7411,7 +7413,7 @@
         </p:nvCxnSpPr>
         <p:spPr>
           <a:xfrm flipV="1">
-            <a:off x="1241466" y="1883909"/>
+            <a:off x="1241466" y="1587034"/>
             <a:ext cx="2461216" cy="260751"/>
           </a:xfrm>
           <a:prstGeom prst="bentConnector3">
@@ -7449,7 +7451,7 @@
         </p:nvCxnSpPr>
         <p:spPr>
           <a:xfrm>
-            <a:off x="1253395" y="2304869"/>
+            <a:off x="1253395" y="2007994"/>
             <a:ext cx="2372443" cy="679720"/>
           </a:xfrm>
           <a:prstGeom prst="bentConnector3">
@@ -7488,7 +7490,7 @@
         </p:nvCxnSpPr>
         <p:spPr>
           <a:xfrm flipH="1" flipV="1">
-            <a:off x="4441776" y="3805166"/>
+            <a:off x="4441776" y="3508291"/>
             <a:ext cx="1330703" cy="341409"/>
           </a:xfrm>
           <a:prstGeom prst="straightConnector1">
@@ -7524,7 +7526,7 @@
         </p:nvCxnSpPr>
         <p:spPr>
           <a:xfrm flipV="1">
-            <a:off x="4441776" y="3420659"/>
+            <a:off x="4441776" y="3123784"/>
             <a:ext cx="1330703" cy="384507"/>
           </a:xfrm>
           <a:prstGeom prst="straightConnector1">
@@ -7560,7 +7562,7 @@
         </p:nvCxnSpPr>
         <p:spPr>
           <a:xfrm flipH="1">
-            <a:off x="4441776" y="4926697"/>
+            <a:off x="4441776" y="4629822"/>
             <a:ext cx="1307916" cy="339075"/>
           </a:xfrm>
           <a:prstGeom prst="straightConnector1">
@@ -7596,7 +7598,7 @@
         </p:nvCxnSpPr>
         <p:spPr>
           <a:xfrm flipV="1">
-            <a:off x="4441776" y="4173678"/>
+            <a:off x="4441776" y="3876803"/>
             <a:ext cx="1330703" cy="1092094"/>
           </a:xfrm>
           <a:prstGeom prst="straightConnector1">
@@ -7632,7 +7634,7 @@
         </p:nvCxnSpPr>
         <p:spPr>
           <a:xfrm flipV="1">
-            <a:off x="4441776" y="5679716"/>
+            <a:off x="4441776" y="5382841"/>
             <a:ext cx="1319522" cy="531522"/>
           </a:xfrm>
           <a:prstGeom prst="straightConnector1">
@@ -7679,7 +7681,7 @@
         </p:blipFill>
         <p:spPr>
           <a:xfrm>
-            <a:off x="496636" y="1921711"/>
+            <a:off x="496636" y="1529836"/>
             <a:ext cx="671607" cy="671607"/>
           </a:xfrm>
           <a:prstGeom prst="rect">
@@ -7709,7 +7711,7 @@
         </p:blipFill>
         <p:spPr>
           <a:xfrm>
-            <a:off x="3923858" y="3546207"/>
+            <a:off x="3923858" y="3249332"/>
             <a:ext cx="517918" cy="517918"/>
           </a:xfrm>
           <a:prstGeom prst="rect">
@@ -7739,7 +7741,7 @@
         </p:blipFill>
         <p:spPr>
           <a:xfrm>
-            <a:off x="3923858" y="5006813"/>
+            <a:off x="3923858" y="4709938"/>
             <a:ext cx="517918" cy="517918"/>
           </a:xfrm>
           <a:prstGeom prst="rect">
@@ -7769,7 +7771,7 @@
         </p:blipFill>
         <p:spPr>
           <a:xfrm>
-            <a:off x="438900" y="5487757"/>
+            <a:off x="438900" y="5190882"/>
             <a:ext cx="986256" cy="1003964"/>
           </a:xfrm>
           <a:prstGeom prst="rect">
@@ -7799,7 +7801,7 @@
         </p:blipFill>
         <p:spPr>
           <a:xfrm>
-            <a:off x="11284719" y="2913956"/>
+            <a:off x="11284719" y="2617081"/>
             <a:ext cx="809510" cy="809510"/>
           </a:xfrm>
           <a:prstGeom prst="rect">
@@ -7818,7 +7820,7 @@
         </p:nvCxnSpPr>
         <p:spPr>
           <a:xfrm flipH="1" flipV="1">
-            <a:off x="4526928" y="2984589"/>
+            <a:off x="4526928" y="2687714"/>
             <a:ext cx="1245551" cy="436070"/>
           </a:xfrm>
           <a:prstGeom prst="straightConnector1">
@@ -7854,7 +7856,7 @@
         </p:nvCxnSpPr>
         <p:spPr>
           <a:xfrm flipH="1">
-            <a:off x="4715287" y="4146575"/>
+            <a:off x="4715287" y="3849700"/>
             <a:ext cx="1057192" cy="516761"/>
           </a:xfrm>
           <a:prstGeom prst="straightConnector1">
@@ -7902,7 +7904,7 @@
         </p:blipFill>
         <p:spPr>
           <a:xfrm>
-            <a:off x="3625838" y="2534044"/>
+            <a:off x="3625838" y="2237169"/>
             <a:ext cx="901090" cy="901090"/>
           </a:xfrm>
           <a:prstGeom prst="rect">
@@ -7932,7 +7934,7 @@
         </p:blipFill>
         <p:spPr>
           <a:xfrm>
-            <a:off x="3702682" y="1404027"/>
+            <a:off x="3702682" y="1107152"/>
             <a:ext cx="959764" cy="959764"/>
           </a:xfrm>
           <a:prstGeom prst="rect">
@@ -7951,7 +7953,7 @@
         </p:nvCxnSpPr>
         <p:spPr>
           <a:xfrm flipH="1" flipV="1">
-            <a:off x="4662446" y="1883909"/>
+            <a:off x="4662446" y="1587034"/>
             <a:ext cx="1110033" cy="30712"/>
           </a:xfrm>
           <a:prstGeom prst="straightConnector1">
@@ -7988,7 +7990,7 @@
         </p:nvCxnSpPr>
         <p:spPr>
           <a:xfrm flipH="1" flipV="1">
-            <a:off x="4662446" y="1883909"/>
+            <a:off x="4662446" y="1587034"/>
             <a:ext cx="1110033" cy="764714"/>
           </a:xfrm>
           <a:prstGeom prst="straightConnector1">
@@ -8036,7 +8038,7 @@
         </p:blipFill>
         <p:spPr>
           <a:xfrm>
-            <a:off x="3923858" y="5952279"/>
+            <a:off x="3923858" y="5655404"/>
             <a:ext cx="517918" cy="517918"/>
           </a:xfrm>
           <a:prstGeom prst="rect">
@@ -8055,7 +8057,7 @@
         </p:nvCxnSpPr>
         <p:spPr>
           <a:xfrm flipH="1">
-            <a:off x="4441776" y="4895551"/>
+            <a:off x="4441776" y="4598676"/>
             <a:ext cx="1307916" cy="1315687"/>
           </a:xfrm>
           <a:prstGeom prst="straightConnector1">
@@ -8102,7 +8104,7 @@
         </p:blipFill>
         <p:spPr>
           <a:xfrm>
-            <a:off x="3560903" y="4470444"/>
+            <a:off x="3560903" y="4173569"/>
             <a:ext cx="1154384" cy="385784"/>
           </a:xfrm>
           <a:prstGeom prst="rect">
@@ -8118,7 +8120,7 @@
         </p:nvSpPr>
         <p:spPr>
           <a:xfrm>
-            <a:off x="5650682" y="6521373"/>
+            <a:off x="5650682" y="6224498"/>
             <a:ext cx="1591591" cy="338554"/>
           </a:xfrm>
           <a:prstGeom prst="rect">
@@ -8148,7 +8150,7 @@
         </p:nvSpPr>
         <p:spPr>
           <a:xfrm>
-            <a:off x="5650682" y="5768938"/>
+            <a:off x="5650682" y="5472063"/>
             <a:ext cx="1591591" cy="338554"/>
           </a:xfrm>
           <a:prstGeom prst="rect">
@@ -8178,7 +8180,7 @@
         </p:nvSpPr>
         <p:spPr>
           <a:xfrm>
-            <a:off x="5650682" y="5016506"/>
+            <a:off x="5650682" y="4719631"/>
             <a:ext cx="1591591" cy="338554"/>
           </a:xfrm>
           <a:prstGeom prst="rect">
@@ -8208,7 +8210,7 @@
         </p:nvSpPr>
         <p:spPr>
           <a:xfrm>
-            <a:off x="5650682" y="4264074"/>
+            <a:off x="5650682" y="3967199"/>
             <a:ext cx="1591591" cy="338554"/>
           </a:xfrm>
           <a:prstGeom prst="rect">
@@ -8238,7 +8240,7 @@
         </p:nvSpPr>
         <p:spPr>
           <a:xfrm>
-            <a:off x="5650682" y="3511642"/>
+            <a:off x="5650682" y="3214767"/>
             <a:ext cx="1591591" cy="338554"/>
           </a:xfrm>
           <a:prstGeom prst="rect">
@@ -8268,7 +8270,7 @@
         </p:nvSpPr>
         <p:spPr>
           <a:xfrm>
-            <a:off x="5650682" y="2759210"/>
+            <a:off x="5650682" y="2462335"/>
             <a:ext cx="1591591" cy="338554"/>
           </a:xfrm>
           <a:prstGeom prst="rect">
@@ -8298,7 +8300,7 @@
         </p:nvSpPr>
         <p:spPr>
           <a:xfrm>
-            <a:off x="5650682" y="2006778"/>
+            <a:off x="5650682" y="1709903"/>
             <a:ext cx="1591591" cy="338554"/>
           </a:xfrm>
           <a:prstGeom prst="rect">
@@ -8328,7 +8330,7 @@
         </p:nvSpPr>
         <p:spPr>
           <a:xfrm>
-            <a:off x="3283211" y="5441269"/>
+            <a:off x="3283211" y="5144394"/>
             <a:ext cx="1660519" cy="369332"/>
           </a:xfrm>
           <a:prstGeom prst="rect">
@@ -8361,7 +8363,7 @@
         </p:nvSpPr>
         <p:spPr>
           <a:xfrm>
-            <a:off x="3384201" y="6379415"/>
+            <a:off x="3384201" y="6082540"/>
             <a:ext cx="1559529" cy="369332"/>
           </a:xfrm>
           <a:prstGeom prst="rect">
@@ -8390,7 +8392,7 @@
         </p:nvSpPr>
         <p:spPr>
           <a:xfrm>
-            <a:off x="2366999" y="3995412"/>
+            <a:off x="2366999" y="3698537"/>
             <a:ext cx="2576731" cy="335756"/>
           </a:xfrm>
           <a:prstGeom prst="rect">
@@ -8476,11 +8478,7 @@
           <a:p>
             <a:r>
               <a:rPr lang="en-US" dirty="0" smtClean="0"/>
-              <a:t>Category </a:t>
-            </a:r>
-            <a:r>
-              <a:rPr lang="en-US" dirty="0" smtClean="0"/>
-              <a:t>Crawler</a:t>
+              <a:t>Category Crawler</a:t>
             </a:r>
             <a:endParaRPr lang="en-US" dirty="0"/>
           </a:p>
@@ -9015,11 +9013,7 @@
           <a:p>
             <a:r>
               <a:rPr lang="en-US" dirty="0" smtClean="0"/>
-              <a:t>Product </a:t>
-            </a:r>
-            <a:r>
-              <a:rPr lang="en-US" dirty="0" smtClean="0"/>
-              <a:t>Crawler</a:t>
+              <a:t>Product Crawler</a:t>
             </a:r>
             <a:endParaRPr lang="en-US" dirty="0"/>
           </a:p>
@@ -9204,7 +9198,6 @@
               <a:rPr lang="en-US" dirty="0"/>
               <a:t>LOW priority: executed every day at 03:00:00 AM</a:t>
             </a:r>
-            <a:endParaRPr lang="en-US" dirty="0"/>
           </a:p>
         </p:txBody>
       </p:sp>
@@ -10373,11 +10366,7 @@
           <a:p>
             <a:r>
               <a:rPr lang="en-US" dirty="0" smtClean="0"/>
-              <a:t>Price Monitoring </a:t>
-            </a:r>
-            <a:r>
-              <a:rPr lang="en-US" dirty="0" smtClean="0"/>
-              <a:t>Service</a:t>
+              <a:t>Price Monitoring Service</a:t>
             </a:r>
             <a:endParaRPr lang="en-US" dirty="0"/>
           </a:p>
@@ -11613,11 +11602,7 @@
           <a:p>
             <a:r>
               <a:rPr lang="en-US" dirty="0" smtClean="0"/>
-              <a:t>Instant Notification </a:t>
-            </a:r>
-            <a:r>
-              <a:rPr lang="en-US" dirty="0" smtClean="0"/>
-              <a:t>Service</a:t>
+              <a:t>Instant Notification Service</a:t>
             </a:r>
             <a:endParaRPr lang="en-US" dirty="0"/>
           </a:p>
@@ -13139,11 +13124,7 @@
           <a:p>
             <a:r>
               <a:rPr lang="en-US" dirty="0" smtClean="0"/>
-              <a:t>User </a:t>
-            </a:r>
-            <a:r>
-              <a:rPr lang="en-US" dirty="0" smtClean="0"/>
-              <a:t>Service</a:t>
+              <a:t>User Service</a:t>
             </a:r>
             <a:endParaRPr lang="en-US" dirty="0"/>
           </a:p>

--- a/PriceMonitoringDesign.pptx
+++ b/PriceMonitoringDesign.pptx
@@ -8947,8 +8947,17 @@
             </a:r>
             <a:r>
               <a:rPr lang="en-US" sz="2000" dirty="0" smtClean="0"/>
-              <a:t>/category-crawler/user-count-threshold		Update threshold</a:t>
-            </a:r>
+              <a:t>/category-crawler/user-count-threshold		</a:t>
+            </a:r>
+            <a:r>
+              <a:rPr lang="en-US" sz="2000" smtClean="0"/>
+              <a:t>Update </a:t>
+            </a:r>
+            <a:r>
+              <a:rPr lang="en-US" sz="2000" smtClean="0"/>
+              <a:t>threshold</a:t>
+            </a:r>
+            <a:endParaRPr lang="en-US" sz="2000" dirty="0" smtClean="0"/>
           </a:p>
         </p:txBody>
       </p:sp>

--- a/PriceMonitoringDesign.pptx
+++ b/PriceMonitoringDesign.pptx
@@ -4817,43 +4817,6 @@
       </p:sp>
       <p:cxnSp>
         <p:nvCxnSpPr>
-          <p:cNvPr id="216" name="Elbow Connector 215"/>
-          <p:cNvCxnSpPr>
-            <a:stCxn id="206" idx="5"/>
-            <a:endCxn id="365" idx="2"/>
-          </p:cNvCxnSpPr>
-          <p:nvPr/>
-        </p:nvCxnSpPr>
-        <p:spPr>
-          <a:xfrm flipV="1">
-            <a:off x="7742253" y="2856584"/>
-            <a:ext cx="3947221" cy="2303164"/>
-          </a:xfrm>
-          <a:prstGeom prst="bentConnector2">
-            <a:avLst/>
-          </a:prstGeom>
-          <a:ln>
-            <a:headEnd type="triangle"/>
-            <a:tailEnd type="triangle"/>
-          </a:ln>
-        </p:spPr>
-        <p:style>
-          <a:lnRef idx="1">
-            <a:schemeClr val="accent1"/>
-          </a:lnRef>
-          <a:fillRef idx="0">
-            <a:schemeClr val="accent1"/>
-          </a:fillRef>
-          <a:effectRef idx="0">
-            <a:schemeClr val="accent1"/>
-          </a:effectRef>
-          <a:fontRef idx="minor">
-            <a:schemeClr val="tx1"/>
-          </a:fontRef>
-        </p:style>
-      </p:cxnSp>
-      <p:cxnSp>
-        <p:nvCxnSpPr>
           <p:cNvPr id="219" name="Elbow Connector 218"/>
           <p:cNvCxnSpPr>
             <a:stCxn id="205" idx="5"/>
@@ -5916,6 +5879,72 @@
           </a:p>
         </p:txBody>
       </p:sp>
+      <p:pic>
+        <p:nvPicPr>
+          <p:cNvPr id="10" name="Picture 9"/>
+          <p:cNvPicPr>
+            <a:picLocks noChangeAspect="1"/>
+          </p:cNvPicPr>
+          <p:nvPr/>
+        </p:nvPicPr>
+        <p:blipFill>
+          <a:blip r:embed="rId11">
+            <a:extLst>
+              <a:ext uri="{28A0092B-C50C-407E-A947-70E740481C1C}">
+                <a14:useLocalDpi xmlns:a14="http://schemas.microsoft.com/office/drawing/2010/main" val="0"/>
+              </a:ext>
+            </a:extLst>
+          </a:blip>
+          <a:stretch>
+            <a:fillRect/>
+          </a:stretch>
+        </p:blipFill>
+        <p:spPr>
+          <a:xfrm>
+            <a:off x="10165111" y="4700205"/>
+            <a:ext cx="919082" cy="919082"/>
+          </a:xfrm>
+          <a:prstGeom prst="rect">
+            <a:avLst/>
+          </a:prstGeom>
+        </p:spPr>
+      </p:pic>
+      <p:cxnSp>
+        <p:nvCxnSpPr>
+          <p:cNvPr id="12" name="Elbow Connector 11"/>
+          <p:cNvCxnSpPr>
+            <a:stCxn id="206" idx="5"/>
+            <a:endCxn id="10" idx="1"/>
+          </p:cNvCxnSpPr>
+          <p:nvPr/>
+        </p:nvCxnSpPr>
+        <p:spPr>
+          <a:xfrm flipV="1">
+            <a:off x="7742253" y="5159746"/>
+            <a:ext cx="2422858" cy="2"/>
+          </a:xfrm>
+          <a:prstGeom prst="bentConnector3">
+            <a:avLst/>
+          </a:prstGeom>
+          <a:ln>
+            <a:tailEnd type="triangle"/>
+          </a:ln>
+        </p:spPr>
+        <p:style>
+          <a:lnRef idx="1">
+            <a:schemeClr val="accent1"/>
+          </a:lnRef>
+          <a:fillRef idx="0">
+            <a:schemeClr val="accent1"/>
+          </a:fillRef>
+          <a:effectRef idx="0">
+            <a:schemeClr val="accent1"/>
+          </a:effectRef>
+          <a:fontRef idx="minor">
+            <a:schemeClr val="tx1"/>
+          </a:fontRef>
+        </p:style>
+      </p:cxnSp>
     </p:spTree>
     <p:extLst>
       <p:ext uri="{BB962C8B-B14F-4D97-AF65-F5344CB8AC3E}">
@@ -10782,7 +10811,7 @@
       </p:sp>
       <p:pic>
         <p:nvPicPr>
-          <p:cNvPr id="5" name="Picture 4"/>
+          <p:cNvPr id="6" name="Picture 5"/>
           <p:cNvPicPr>
             <a:picLocks noChangeAspect="1"/>
           </p:cNvPicPr>
@@ -10802,17 +10831,269 @@
         </p:blipFill>
         <p:spPr>
           <a:xfrm>
-            <a:off x="5160369" y="2880586"/>
-            <a:ext cx="809510" cy="809510"/>
+            <a:off x="2142560" y="1794549"/>
+            <a:ext cx="517918" cy="517918"/>
           </a:xfrm>
           <a:prstGeom prst="rect">
             <a:avLst/>
           </a:prstGeom>
         </p:spPr>
       </p:pic>
+      <p:sp>
+        <p:nvSpPr>
+          <p:cNvPr id="7" name="Rectangle 6"/>
+          <p:cNvSpPr/>
+          <p:nvPr/>
+        </p:nvSpPr>
+        <p:spPr>
+          <a:xfrm>
+            <a:off x="2612308" y="1985550"/>
+            <a:ext cx="1559529" cy="369332"/>
+          </a:xfrm>
+          <a:prstGeom prst="rect">
+            <a:avLst/>
+          </a:prstGeom>
+        </p:spPr>
+        <p:txBody>
+          <a:bodyPr wrap="none">
+            <a:spAutoFit/>
+          </a:bodyPr>
+          <a:lstStyle/>
+          <a:p>
+            <a:r>
+              <a:rPr lang="en-US" dirty="0" err="1" smtClean="0"/>
+              <a:t>q_product_log</a:t>
+            </a:r>
+            <a:endParaRPr lang="en-US" dirty="0"/>
+          </a:p>
+        </p:txBody>
+      </p:sp>
+      <p:sp>
+        <p:nvSpPr>
+          <p:cNvPr id="8" name="Cube 7"/>
+          <p:cNvSpPr/>
+          <p:nvPr/>
+        </p:nvSpPr>
+        <p:spPr>
+          <a:xfrm>
+            <a:off x="4622261" y="1794549"/>
+            <a:ext cx="1980955" cy="417372"/>
+          </a:xfrm>
+          <a:prstGeom prst="cube">
+            <a:avLst/>
+          </a:prstGeom>
+          <a:solidFill>
+            <a:srgbClr val="00B0F0"/>
+          </a:solidFill>
+        </p:spPr>
+        <p:style>
+          <a:lnRef idx="2">
+            <a:schemeClr val="accent1">
+              <a:shade val="50000"/>
+            </a:schemeClr>
+          </a:lnRef>
+          <a:fillRef idx="1">
+            <a:schemeClr val="accent1"/>
+          </a:fillRef>
+          <a:effectRef idx="0">
+            <a:schemeClr val="accent1"/>
+          </a:effectRef>
+          <a:fontRef idx="minor">
+            <a:schemeClr val="lt1"/>
+          </a:fontRef>
+        </p:style>
+        <p:txBody>
+          <a:bodyPr rtlCol="0" anchor="ctr"/>
+          <a:lstStyle/>
+          <a:p>
+            <a:pPr algn="ctr"/>
+            <a:endParaRPr lang="en-US"/>
+          </a:p>
+        </p:txBody>
+      </p:sp>
+      <p:sp>
+        <p:nvSpPr>
+          <p:cNvPr id="9" name="TextBox 8"/>
+          <p:cNvSpPr txBox="1"/>
+          <p:nvPr/>
+        </p:nvSpPr>
+        <p:spPr>
+          <a:xfrm>
+            <a:off x="4622261" y="1894550"/>
+            <a:ext cx="1980726" cy="276999"/>
+          </a:xfrm>
+          <a:prstGeom prst="rect">
+            <a:avLst/>
+          </a:prstGeom>
+          <a:noFill/>
+        </p:spPr>
+        <p:txBody>
+          <a:bodyPr wrap="square" rtlCol="0">
+            <a:spAutoFit/>
+          </a:bodyPr>
+          <a:lstStyle/>
+          <a:p>
+            <a:r>
+              <a:rPr lang="en-US" sz="1200" dirty="0" smtClean="0"/>
+              <a:t>Product Log Service</a:t>
+            </a:r>
+            <a:endParaRPr lang="en-US" sz="1200" dirty="0"/>
+          </a:p>
+        </p:txBody>
+      </p:sp>
+      <p:cxnSp>
+        <p:nvCxnSpPr>
+          <p:cNvPr id="11" name="Straight Arrow Connector 10"/>
+          <p:cNvCxnSpPr>
+            <a:stCxn id="8" idx="3"/>
+            <a:endCxn id="12" idx="0"/>
+          </p:cNvCxnSpPr>
+          <p:nvPr/>
+        </p:nvCxnSpPr>
+        <p:spPr>
+          <a:xfrm>
+            <a:off x="5560567" y="2211921"/>
+            <a:ext cx="0" cy="668665"/>
+          </a:xfrm>
+          <a:prstGeom prst="straightConnector1">
+            <a:avLst/>
+          </a:prstGeom>
+          <a:ln>
+            <a:tailEnd type="triangle"/>
+          </a:ln>
+        </p:spPr>
+        <p:style>
+          <a:lnRef idx="1">
+            <a:schemeClr val="accent1"/>
+          </a:lnRef>
+          <a:fillRef idx="0">
+            <a:schemeClr val="accent1"/>
+          </a:fillRef>
+          <a:effectRef idx="0">
+            <a:schemeClr val="accent1"/>
+          </a:effectRef>
+          <a:fontRef idx="minor">
+            <a:schemeClr val="tx1"/>
+          </a:fontRef>
+        </p:style>
+      </p:cxnSp>
+      <p:cxnSp>
+        <p:nvCxnSpPr>
+          <p:cNvPr id="13" name="Straight Arrow Connector 12"/>
+          <p:cNvCxnSpPr>
+            <a:stCxn id="6" idx="3"/>
+            <a:endCxn id="8" idx="2"/>
+          </p:cNvCxnSpPr>
+          <p:nvPr/>
+        </p:nvCxnSpPr>
+        <p:spPr>
+          <a:xfrm>
+            <a:off x="2660478" y="2053508"/>
+            <a:ext cx="1961783" cy="1899"/>
+          </a:xfrm>
+          <a:prstGeom prst="straightConnector1">
+            <a:avLst/>
+          </a:prstGeom>
+          <a:ln>
+            <a:tailEnd type="triangle"/>
+          </a:ln>
+        </p:spPr>
+        <p:style>
+          <a:lnRef idx="1">
+            <a:schemeClr val="accent1"/>
+          </a:lnRef>
+          <a:fillRef idx="0">
+            <a:schemeClr val="accent1"/>
+          </a:fillRef>
+          <a:effectRef idx="0">
+            <a:schemeClr val="accent1"/>
+          </a:effectRef>
+          <a:fontRef idx="minor">
+            <a:schemeClr val="tx1"/>
+          </a:fontRef>
+        </p:style>
+      </p:cxnSp>
+      <p:sp>
+        <p:nvSpPr>
+          <p:cNvPr id="14" name="TextBox 13"/>
+          <p:cNvSpPr txBox="1"/>
+          <p:nvPr/>
+        </p:nvSpPr>
+        <p:spPr>
+          <a:xfrm>
+            <a:off x="356259" y="4191990"/>
+            <a:ext cx="11709070" cy="1015663"/>
+          </a:xfrm>
+          <a:prstGeom prst="rect">
+            <a:avLst/>
+          </a:prstGeom>
+          <a:noFill/>
+        </p:spPr>
+        <p:txBody>
+          <a:bodyPr wrap="square" rtlCol="0">
+            <a:spAutoFit/>
+          </a:bodyPr>
+          <a:lstStyle/>
+          <a:p>
+            <a:pPr marL="342900" indent="-342900">
+              <a:buFont typeface="Arial" charset="0"/>
+              <a:buChar char="•"/>
+            </a:pPr>
+            <a:r>
+              <a:rPr lang="en-US" sz="2000" dirty="0" smtClean="0"/>
+              <a:t>Receive product crawler log from </a:t>
+            </a:r>
+            <a:r>
+              <a:rPr lang="en-US" sz="2000" dirty="0" err="1" smtClean="0"/>
+              <a:t>q_product_log</a:t>
+            </a:r>
+            <a:r>
+              <a:rPr lang="en-US" sz="2000" dirty="0" smtClean="0"/>
+              <a:t> queue.</a:t>
+            </a:r>
+          </a:p>
+          <a:p>
+            <a:pPr marL="342900" indent="-342900">
+              <a:buFont typeface="Arial" charset="0"/>
+              <a:buChar char="•"/>
+            </a:pPr>
+            <a:r>
+              <a:rPr lang="en-US" sz="2000" dirty="0" smtClean="0"/>
+              <a:t>Store the log into </a:t>
+            </a:r>
+            <a:r>
+              <a:rPr lang="en-US" sz="2000" dirty="0" smtClean="0"/>
+              <a:t>MongoDB</a:t>
+            </a:r>
+            <a:r>
+              <a:rPr lang="en-US" sz="2000" dirty="0" smtClean="0"/>
+              <a:t>.</a:t>
+            </a:r>
+          </a:p>
+          <a:p>
+            <a:pPr marL="342900" indent="-342900">
+              <a:buFont typeface="Arial" charset="0"/>
+              <a:buChar char="•"/>
+            </a:pPr>
+            <a:r>
+              <a:rPr lang="en-US" sz="2000" dirty="0" smtClean="0"/>
+              <a:t>Product crawler sends log to queue instead of writing to DB or file to have higher throughput for </a:t>
+            </a:r>
+            <a:r>
+              <a:rPr lang="en-US" sz="2000" smtClean="0"/>
+              <a:t>crawling</a:t>
+            </a:r>
+            <a:r>
+              <a:rPr lang="en-US" sz="2000" smtClean="0"/>
+              <a:t>.</a:t>
+            </a:r>
+            <a:endParaRPr lang="en-US" sz="2000" dirty="0" smtClean="0"/>
+          </a:p>
+        </p:txBody>
+      </p:sp>
       <p:pic>
         <p:nvPicPr>
-          <p:cNvPr id="6" name="Picture 5"/>
+          <p:cNvPr id="12" name="Picture 11"/>
           <p:cNvPicPr>
             <a:picLocks noChangeAspect="1"/>
           </p:cNvPicPr>
@@ -10832,249 +11113,14 @@
         </p:blipFill>
         <p:spPr>
           <a:xfrm>
-            <a:off x="2142560" y="1794549"/>
-            <a:ext cx="517918" cy="517918"/>
+            <a:off x="5101026" y="2880586"/>
+            <a:ext cx="919082" cy="919082"/>
           </a:xfrm>
           <a:prstGeom prst="rect">
             <a:avLst/>
           </a:prstGeom>
         </p:spPr>
       </p:pic>
-      <p:sp>
-        <p:nvSpPr>
-          <p:cNvPr id="7" name="Rectangle 6"/>
-          <p:cNvSpPr/>
-          <p:nvPr/>
-        </p:nvSpPr>
-        <p:spPr>
-          <a:xfrm>
-            <a:off x="2612308" y="1985550"/>
-            <a:ext cx="1559529" cy="369332"/>
-          </a:xfrm>
-          <a:prstGeom prst="rect">
-            <a:avLst/>
-          </a:prstGeom>
-        </p:spPr>
-        <p:txBody>
-          <a:bodyPr wrap="none">
-            <a:spAutoFit/>
-          </a:bodyPr>
-          <a:lstStyle/>
-          <a:p>
-            <a:r>
-              <a:rPr lang="en-US" dirty="0" err="1" smtClean="0"/>
-              <a:t>q_product_log</a:t>
-            </a:r>
-            <a:endParaRPr lang="en-US" dirty="0"/>
-          </a:p>
-        </p:txBody>
-      </p:sp>
-      <p:sp>
-        <p:nvSpPr>
-          <p:cNvPr id="8" name="Cube 7"/>
-          <p:cNvSpPr/>
-          <p:nvPr/>
-        </p:nvSpPr>
-        <p:spPr>
-          <a:xfrm>
-            <a:off x="4622261" y="1794549"/>
-            <a:ext cx="1980955" cy="417372"/>
-          </a:xfrm>
-          <a:prstGeom prst="cube">
-            <a:avLst/>
-          </a:prstGeom>
-          <a:solidFill>
-            <a:srgbClr val="00B0F0"/>
-          </a:solidFill>
-        </p:spPr>
-        <p:style>
-          <a:lnRef idx="2">
-            <a:schemeClr val="accent1">
-              <a:shade val="50000"/>
-            </a:schemeClr>
-          </a:lnRef>
-          <a:fillRef idx="1">
-            <a:schemeClr val="accent1"/>
-          </a:fillRef>
-          <a:effectRef idx="0">
-            <a:schemeClr val="accent1"/>
-          </a:effectRef>
-          <a:fontRef idx="minor">
-            <a:schemeClr val="lt1"/>
-          </a:fontRef>
-        </p:style>
-        <p:txBody>
-          <a:bodyPr rtlCol="0" anchor="ctr"/>
-          <a:lstStyle/>
-          <a:p>
-            <a:pPr algn="ctr"/>
-            <a:endParaRPr lang="en-US"/>
-          </a:p>
-        </p:txBody>
-      </p:sp>
-      <p:sp>
-        <p:nvSpPr>
-          <p:cNvPr id="9" name="TextBox 8"/>
-          <p:cNvSpPr txBox="1"/>
-          <p:nvPr/>
-        </p:nvSpPr>
-        <p:spPr>
-          <a:xfrm>
-            <a:off x="4622261" y="1894550"/>
-            <a:ext cx="1980726" cy="276999"/>
-          </a:xfrm>
-          <a:prstGeom prst="rect">
-            <a:avLst/>
-          </a:prstGeom>
-          <a:noFill/>
-        </p:spPr>
-        <p:txBody>
-          <a:bodyPr wrap="square" rtlCol="0">
-            <a:spAutoFit/>
-          </a:bodyPr>
-          <a:lstStyle/>
-          <a:p>
-            <a:r>
-              <a:rPr lang="en-US" sz="1200" dirty="0" smtClean="0"/>
-              <a:t>Product Log Service</a:t>
-            </a:r>
-            <a:endParaRPr lang="en-US" sz="1200" dirty="0"/>
-          </a:p>
-        </p:txBody>
-      </p:sp>
-      <p:cxnSp>
-        <p:nvCxnSpPr>
-          <p:cNvPr id="11" name="Straight Arrow Connector 10"/>
-          <p:cNvCxnSpPr>
-            <a:stCxn id="8" idx="3"/>
-            <a:endCxn id="5" idx="0"/>
-          </p:cNvCxnSpPr>
-          <p:nvPr/>
-        </p:nvCxnSpPr>
-        <p:spPr>
-          <a:xfrm>
-            <a:off x="5560567" y="2211921"/>
-            <a:ext cx="4557" cy="668665"/>
-          </a:xfrm>
-          <a:prstGeom prst="straightConnector1">
-            <a:avLst/>
-          </a:prstGeom>
-          <a:ln>
-            <a:tailEnd type="triangle"/>
-          </a:ln>
-        </p:spPr>
-        <p:style>
-          <a:lnRef idx="1">
-            <a:schemeClr val="accent1"/>
-          </a:lnRef>
-          <a:fillRef idx="0">
-            <a:schemeClr val="accent1"/>
-          </a:fillRef>
-          <a:effectRef idx="0">
-            <a:schemeClr val="accent1"/>
-          </a:effectRef>
-          <a:fontRef idx="minor">
-            <a:schemeClr val="tx1"/>
-          </a:fontRef>
-        </p:style>
-      </p:cxnSp>
-      <p:cxnSp>
-        <p:nvCxnSpPr>
-          <p:cNvPr id="13" name="Straight Arrow Connector 12"/>
-          <p:cNvCxnSpPr>
-            <a:stCxn id="6" idx="3"/>
-            <a:endCxn id="8" idx="2"/>
-          </p:cNvCxnSpPr>
-          <p:nvPr/>
-        </p:nvCxnSpPr>
-        <p:spPr>
-          <a:xfrm>
-            <a:off x="2660478" y="2053508"/>
-            <a:ext cx="1961783" cy="1899"/>
-          </a:xfrm>
-          <a:prstGeom prst="straightConnector1">
-            <a:avLst/>
-          </a:prstGeom>
-          <a:ln>
-            <a:tailEnd type="triangle"/>
-          </a:ln>
-        </p:spPr>
-        <p:style>
-          <a:lnRef idx="1">
-            <a:schemeClr val="accent1"/>
-          </a:lnRef>
-          <a:fillRef idx="0">
-            <a:schemeClr val="accent1"/>
-          </a:fillRef>
-          <a:effectRef idx="0">
-            <a:schemeClr val="accent1"/>
-          </a:effectRef>
-          <a:fontRef idx="minor">
-            <a:schemeClr val="tx1"/>
-          </a:fontRef>
-        </p:style>
-      </p:cxnSp>
-      <p:sp>
-        <p:nvSpPr>
-          <p:cNvPr id="14" name="TextBox 13"/>
-          <p:cNvSpPr txBox="1"/>
-          <p:nvPr/>
-        </p:nvSpPr>
-        <p:spPr>
-          <a:xfrm>
-            <a:off x="356259" y="4191990"/>
-            <a:ext cx="11709070" cy="1015663"/>
-          </a:xfrm>
-          <a:prstGeom prst="rect">
-            <a:avLst/>
-          </a:prstGeom>
-          <a:noFill/>
-        </p:spPr>
-        <p:txBody>
-          <a:bodyPr wrap="square" rtlCol="0">
-            <a:spAutoFit/>
-          </a:bodyPr>
-          <a:lstStyle/>
-          <a:p>
-            <a:pPr marL="342900" indent="-342900">
-              <a:buFont typeface="Arial" charset="0"/>
-              <a:buChar char="•"/>
-            </a:pPr>
-            <a:r>
-              <a:rPr lang="en-US" sz="2000" dirty="0" smtClean="0"/>
-              <a:t>Receive product crawler log from </a:t>
-            </a:r>
-            <a:r>
-              <a:rPr lang="en-US" sz="2000" dirty="0" err="1" smtClean="0"/>
-              <a:t>q_product_log</a:t>
-            </a:r>
-            <a:r>
-              <a:rPr lang="en-US" sz="2000" dirty="0" smtClean="0"/>
-              <a:t> queue.</a:t>
-            </a:r>
-          </a:p>
-          <a:p>
-            <a:pPr marL="342900" indent="-342900">
-              <a:buFont typeface="Arial" charset="0"/>
-              <a:buChar char="•"/>
-            </a:pPr>
-            <a:r>
-              <a:rPr lang="en-US" sz="2000" dirty="0" smtClean="0"/>
-              <a:t>Store the log into MySQL DB.</a:t>
-            </a:r>
-          </a:p>
-          <a:p>
-            <a:pPr marL="342900" indent="-342900">
-              <a:buFont typeface="Arial" charset="0"/>
-              <a:buChar char="•"/>
-            </a:pPr>
-            <a:r>
-              <a:rPr lang="en-US" sz="2000" dirty="0" smtClean="0"/>
-              <a:t>Product crawler sends log to queue instead of writing to DB or file to have higher throughput for crawling.</a:t>
-            </a:r>
-          </a:p>
-        </p:txBody>
-      </p:sp>
     </p:spTree>
     <p:extLst>
       <p:ext uri="{BB962C8B-B14F-4D97-AF65-F5344CB8AC3E}">

--- a/PriceMonitoringDesign.pptx
+++ b/PriceMonitoringDesign.pptx
@@ -13068,7 +13068,7 @@
         <p:spPr>
           <a:xfrm>
             <a:off x="332509" y="3158841"/>
-            <a:ext cx="11542816" cy="3170099"/>
+            <a:ext cx="11542816" cy="3477875"/>
           </a:xfrm>
           <a:prstGeom prst="rect">
             <a:avLst/>
@@ -13119,7 +13119,7 @@
             </a:r>
             <a:r>
               <a:rPr lang="en-US" sz="2000" dirty="0" smtClean="0"/>
-              <a:t>	Create </a:t>
+              <a:t>			Create </a:t>
             </a:r>
             <a:r>
               <a:rPr lang="en-US" sz="2000" dirty="0" smtClean="0"/>
@@ -13149,7 +13149,7 @@
             </a:r>
             <a:r>
               <a:rPr lang="en-US" sz="2000" dirty="0" smtClean="0"/>
-              <a:t>	Update </a:t>
+              <a:t>			Update </a:t>
             </a:r>
             <a:r>
               <a:rPr lang="en-US" sz="2000" dirty="0" smtClean="0"/>
@@ -13179,7 +13179,7 @@
             </a:r>
             <a:r>
               <a:rPr lang="en-US" sz="2000" dirty="0" smtClean="0"/>
-              <a:t>	Delete </a:t>
+              <a:t>			Delete </a:t>
             </a:r>
             <a:r>
               <a:rPr lang="en-US" sz="2000" dirty="0" smtClean="0"/>
@@ -13213,7 +13213,15 @@
             </a:r>
             <a:r>
               <a:rPr lang="en-US" sz="2000" dirty="0" smtClean="0"/>
-              <a:t>}		Subscribe category</a:t>
+              <a:t>}		</a:t>
+            </a:r>
+            <a:r>
+              <a:rPr lang="en-US" sz="2000" dirty="0" smtClean="0"/>
+              <a:t>		Subscribe </a:t>
+            </a:r>
+            <a:r>
+              <a:rPr lang="en-US" sz="2000" dirty="0" smtClean="0"/>
+              <a:t>category</a:t>
             </a:r>
           </a:p>
           <a:p>
@@ -13243,7 +13251,15 @@
             </a:r>
             <a:r>
               <a:rPr lang="en-US" sz="2000" dirty="0" smtClean="0"/>
-              <a:t>}		Unsubscribe category</a:t>
+              <a:t>}		</a:t>
+            </a:r>
+            <a:r>
+              <a:rPr lang="en-US" sz="2000" dirty="0" smtClean="0"/>
+              <a:t>		Unsubscribe </a:t>
+            </a:r>
+            <a:r>
+              <a:rPr lang="en-US" sz="2000" dirty="0" smtClean="0"/>
+              <a:t>category</a:t>
             </a:r>
           </a:p>
           <a:p>
@@ -13261,7 +13277,7 @@
             </a:r>
             <a:r>
               <a:rPr lang="en-US" sz="2000" dirty="0" smtClean="0"/>
-              <a:t>		List </a:t>
+              <a:t>				List </a:t>
             </a:r>
             <a:r>
               <a:rPr lang="en-US" sz="2000" dirty="0"/>
@@ -13271,31 +13287,49 @@
           <a:p>
             <a:r>
               <a:rPr lang="en-US" sz="2000" dirty="0" smtClean="0"/>
-              <a:t>GET	/users/deals</a:t>
-            </a:r>
-            <a:r>
-              <a:rPr lang="en-US" sz="2000" dirty="0"/>
-              <a:t>/{</a:t>
-            </a:r>
-            <a:r>
-              <a:rPr lang="en-US" sz="2000" dirty="0" err="1"/>
+              <a:t>GET	/users/</a:t>
+            </a:r>
+            <a:r>
+              <a:rPr lang="en-US" sz="2000" dirty="0" err="1" smtClean="0"/>
+              <a:t>deals?</a:t>
+            </a:r>
+            <a:r>
+              <a:rPr lang="en-US" sz="2000" dirty="0" err="1" smtClean="0"/>
+              <a:t>page</a:t>
+            </a:r>
+            <a:r>
+              <a:rPr lang="en-US" sz="2000" dirty="0" smtClean="0"/>
+              <a:t>=&lt;page#&gt;&amp;size=&lt;page size&gt;			Search deals</a:t>
+            </a:r>
+          </a:p>
+          <a:p>
+            <a:r>
+              <a:rPr lang="en-US" sz="2000" dirty="0" smtClean="0"/>
+              <a:t>	&amp;</a:t>
+            </a:r>
+            <a:r>
+              <a:rPr lang="en-US" sz="2000" dirty="0" err="1" smtClean="0"/>
+              <a:t>sortBy</a:t>
+            </a:r>
+            <a:r>
+              <a:rPr lang="en-US" sz="2000" dirty="0" smtClean="0"/>
+              <a:t>=&lt;field&gt;&amp;direction=&lt;ASC/DESC&gt;&amp;</a:t>
+            </a:r>
+            <a:r>
+              <a:rPr lang="en-US" sz="2000" dirty="0" err="1" smtClean="0"/>
               <a:t>categoryId</a:t>
             </a:r>
             <a:r>
-              <a:rPr lang="en-US" sz="2000" dirty="0"/>
-              <a:t>}	</a:t>
-            </a:r>
-            <a:r>
               <a:rPr lang="en-US" sz="2000" dirty="0" smtClean="0"/>
-              <a:t>			List </a:t>
-            </a:r>
-            <a:r>
-              <a:rPr lang="en-US" sz="2000" dirty="0"/>
-              <a:t>all deals for the specified category</a:t>
+              <a:t>=&lt;</a:t>
+            </a:r>
+            <a:r>
+              <a:rPr lang="en-US" sz="2000" dirty="0" err="1" smtClean="0"/>
+              <a:t>categoryId</a:t>
             </a:r>
             <a:r>
               <a:rPr lang="en-US" sz="2000" dirty="0" smtClean="0"/>
-              <a:t>.</a:t>
+              <a:t>&gt;</a:t>
             </a:r>
             <a:endParaRPr lang="en-US" sz="2000" dirty="0"/>
           </a:p>

--- a/PriceMonitoringDesign.pptx
+++ b/PriceMonitoringDesign.pptx
@@ -194,7 +194,7 @@
             </a:lvl1pPr>
           </a:lstStyle>
           <a:p>
-            <a:endParaRPr lang="en-US"/>
+            <a:endParaRPr lang="en-US" dirty="0"/>
           </a:p>
         </p:txBody>
       </p:sp>
@@ -229,7 +229,7 @@
               <a:rPr lang="en-US" smtClean="0"/>
               <a:t>6/14/17</a:t>
             </a:fld>
-            <a:endParaRPr lang="en-US"/>
+            <a:endParaRPr lang="en-US" dirty="0"/>
           </a:p>
         </p:txBody>
       </p:sp>
@@ -262,7 +262,7 @@
           <a:bodyPr vert="horz" lIns="91440" tIns="45720" rIns="91440" bIns="45720" rtlCol="0" anchor="ctr"/>
           <a:lstStyle/>
           <a:p>
-            <a:endParaRPr lang="en-US"/>
+            <a:endParaRPr lang="en-US" dirty="0"/>
           </a:p>
         </p:txBody>
       </p:sp>
@@ -353,7 +353,7 @@
             </a:lvl1pPr>
           </a:lstStyle>
           <a:p>
-            <a:endParaRPr lang="en-US"/>
+            <a:endParaRPr lang="en-US" dirty="0"/>
           </a:p>
         </p:txBody>
       </p:sp>
@@ -388,7 +388,7 @@
               <a:rPr lang="en-US" smtClean="0"/>
               <a:t>‹#›</a:t>
             </a:fld>
-            <a:endParaRPr lang="en-US"/>
+            <a:endParaRPr lang="en-US" dirty="0"/>
           </a:p>
         </p:txBody>
       </p:sp>
@@ -562,7 +562,7 @@
               <a:rPr lang="en-US" smtClean="0"/>
               <a:t>2</a:t>
             </a:fld>
-            <a:endParaRPr lang="en-US"/>
+            <a:endParaRPr lang="en-US" dirty="0"/>
           </a:p>
         </p:txBody>
       </p:sp>
@@ -646,7 +646,7 @@
               <a:rPr lang="en-US" smtClean="0"/>
               <a:t>6</a:t>
             </a:fld>
-            <a:endParaRPr lang="en-US"/>
+            <a:endParaRPr lang="en-US" dirty="0"/>
           </a:p>
         </p:txBody>
       </p:sp>
@@ -796,7 +796,7 @@
               <a:rPr lang="en-US" smtClean="0"/>
               <a:t>6/14/17</a:t>
             </a:fld>
-            <a:endParaRPr lang="en-US"/>
+            <a:endParaRPr lang="en-US" dirty="0"/>
           </a:p>
         </p:txBody>
       </p:sp>
@@ -815,7 +815,7 @@
           <a:bodyPr/>
           <a:lstStyle/>
           <a:p>
-            <a:endParaRPr lang="en-US"/>
+            <a:endParaRPr lang="en-US" dirty="0"/>
           </a:p>
         </p:txBody>
       </p:sp>
@@ -838,7 +838,7 @@
               <a:rPr lang="en-US" smtClean="0"/>
               <a:t>‹#›</a:t>
             </a:fld>
-            <a:endParaRPr lang="en-US"/>
+            <a:endParaRPr lang="en-US" dirty="0"/>
           </a:p>
         </p:txBody>
       </p:sp>
@@ -966,7 +966,7 @@
               <a:rPr lang="en-US" smtClean="0"/>
               <a:t>6/14/17</a:t>
             </a:fld>
-            <a:endParaRPr lang="en-US"/>
+            <a:endParaRPr lang="en-US" dirty="0"/>
           </a:p>
         </p:txBody>
       </p:sp>
@@ -985,7 +985,7 @@
           <a:bodyPr/>
           <a:lstStyle/>
           <a:p>
-            <a:endParaRPr lang="en-US"/>
+            <a:endParaRPr lang="en-US" dirty="0"/>
           </a:p>
         </p:txBody>
       </p:sp>
@@ -1008,7 +1008,7 @@
               <a:rPr lang="en-US" smtClean="0"/>
               <a:t>‹#›</a:t>
             </a:fld>
-            <a:endParaRPr lang="en-US"/>
+            <a:endParaRPr lang="en-US" dirty="0"/>
           </a:p>
         </p:txBody>
       </p:sp>
@@ -1146,7 +1146,7 @@
               <a:rPr lang="en-US" smtClean="0"/>
               <a:t>6/14/17</a:t>
             </a:fld>
-            <a:endParaRPr lang="en-US"/>
+            <a:endParaRPr lang="en-US" dirty="0"/>
           </a:p>
         </p:txBody>
       </p:sp>
@@ -1165,7 +1165,7 @@
           <a:bodyPr/>
           <a:lstStyle/>
           <a:p>
-            <a:endParaRPr lang="en-US"/>
+            <a:endParaRPr lang="en-US" dirty="0"/>
           </a:p>
         </p:txBody>
       </p:sp>
@@ -1188,7 +1188,7 @@
               <a:rPr lang="en-US" smtClean="0"/>
               <a:t>‹#›</a:t>
             </a:fld>
-            <a:endParaRPr lang="en-US"/>
+            <a:endParaRPr lang="en-US" dirty="0"/>
           </a:p>
         </p:txBody>
       </p:sp>
@@ -1316,7 +1316,7 @@
               <a:rPr lang="en-US" smtClean="0"/>
               <a:t>6/14/17</a:t>
             </a:fld>
-            <a:endParaRPr lang="en-US"/>
+            <a:endParaRPr lang="en-US" dirty="0"/>
           </a:p>
         </p:txBody>
       </p:sp>
@@ -1335,7 +1335,7 @@
           <a:bodyPr/>
           <a:lstStyle/>
           <a:p>
-            <a:endParaRPr lang="en-US"/>
+            <a:endParaRPr lang="en-US" dirty="0"/>
           </a:p>
         </p:txBody>
       </p:sp>
@@ -1358,7 +1358,7 @@
               <a:rPr lang="en-US" smtClean="0"/>
               <a:t>‹#›</a:t>
             </a:fld>
-            <a:endParaRPr lang="en-US"/>
+            <a:endParaRPr lang="en-US" dirty="0"/>
           </a:p>
         </p:txBody>
       </p:sp>
@@ -1562,7 +1562,7 @@
               <a:rPr lang="en-US" smtClean="0"/>
               <a:t>6/14/17</a:t>
             </a:fld>
-            <a:endParaRPr lang="en-US"/>
+            <a:endParaRPr lang="en-US" dirty="0"/>
           </a:p>
         </p:txBody>
       </p:sp>
@@ -1581,7 +1581,7 @@
           <a:bodyPr/>
           <a:lstStyle/>
           <a:p>
-            <a:endParaRPr lang="en-US"/>
+            <a:endParaRPr lang="en-US" dirty="0"/>
           </a:p>
         </p:txBody>
       </p:sp>
@@ -1604,7 +1604,7 @@
               <a:rPr lang="en-US" smtClean="0"/>
               <a:t>‹#›</a:t>
             </a:fld>
-            <a:endParaRPr lang="en-US"/>
+            <a:endParaRPr lang="en-US" dirty="0"/>
           </a:p>
         </p:txBody>
       </p:sp>
@@ -1794,7 +1794,7 @@
               <a:rPr lang="en-US" smtClean="0"/>
               <a:t>6/14/17</a:t>
             </a:fld>
-            <a:endParaRPr lang="en-US"/>
+            <a:endParaRPr lang="en-US" dirty="0"/>
           </a:p>
         </p:txBody>
       </p:sp>
@@ -1813,7 +1813,7 @@
           <a:bodyPr/>
           <a:lstStyle/>
           <a:p>
-            <a:endParaRPr lang="en-US"/>
+            <a:endParaRPr lang="en-US" dirty="0"/>
           </a:p>
         </p:txBody>
       </p:sp>
@@ -1836,7 +1836,7 @@
               <a:rPr lang="en-US" smtClean="0"/>
               <a:t>‹#›</a:t>
             </a:fld>
-            <a:endParaRPr lang="en-US"/>
+            <a:endParaRPr lang="en-US" dirty="0"/>
           </a:p>
         </p:txBody>
       </p:sp>
@@ -2161,7 +2161,7 @@
               <a:rPr lang="en-US" smtClean="0"/>
               <a:t>6/14/17</a:t>
             </a:fld>
-            <a:endParaRPr lang="en-US"/>
+            <a:endParaRPr lang="en-US" dirty="0"/>
           </a:p>
         </p:txBody>
       </p:sp>
@@ -2180,7 +2180,7 @@
           <a:bodyPr/>
           <a:lstStyle/>
           <a:p>
-            <a:endParaRPr lang="en-US"/>
+            <a:endParaRPr lang="en-US" dirty="0"/>
           </a:p>
         </p:txBody>
       </p:sp>
@@ -2203,7 +2203,7 @@
               <a:rPr lang="en-US" smtClean="0"/>
               <a:t>‹#›</a:t>
             </a:fld>
-            <a:endParaRPr lang="en-US"/>
+            <a:endParaRPr lang="en-US" dirty="0"/>
           </a:p>
         </p:txBody>
       </p:sp>
@@ -2279,7 +2279,7 @@
               <a:rPr lang="en-US" smtClean="0"/>
               <a:t>6/14/17</a:t>
             </a:fld>
-            <a:endParaRPr lang="en-US"/>
+            <a:endParaRPr lang="en-US" dirty="0"/>
           </a:p>
         </p:txBody>
       </p:sp>
@@ -2298,7 +2298,7 @@
           <a:bodyPr/>
           <a:lstStyle/>
           <a:p>
-            <a:endParaRPr lang="en-US"/>
+            <a:endParaRPr lang="en-US" dirty="0"/>
           </a:p>
         </p:txBody>
       </p:sp>
@@ -2321,7 +2321,7 @@
               <a:rPr lang="en-US" smtClean="0"/>
               <a:t>‹#›</a:t>
             </a:fld>
-            <a:endParaRPr lang="en-US"/>
+            <a:endParaRPr lang="en-US" dirty="0"/>
           </a:p>
         </p:txBody>
       </p:sp>
@@ -2374,7 +2374,7 @@
               <a:rPr lang="en-US" smtClean="0"/>
               <a:t>6/14/17</a:t>
             </a:fld>
-            <a:endParaRPr lang="en-US"/>
+            <a:endParaRPr lang="en-US" dirty="0"/>
           </a:p>
         </p:txBody>
       </p:sp>
@@ -2393,7 +2393,7 @@
           <a:bodyPr/>
           <a:lstStyle/>
           <a:p>
-            <a:endParaRPr lang="en-US"/>
+            <a:endParaRPr lang="en-US" dirty="0"/>
           </a:p>
         </p:txBody>
       </p:sp>
@@ -2416,7 +2416,7 @@
               <a:rPr lang="en-US" smtClean="0"/>
               <a:t>‹#›</a:t>
             </a:fld>
-            <a:endParaRPr lang="en-US"/>
+            <a:endParaRPr lang="en-US" dirty="0"/>
           </a:p>
         </p:txBody>
       </p:sp>
@@ -2651,7 +2651,7 @@
               <a:rPr lang="en-US" smtClean="0"/>
               <a:t>6/14/17</a:t>
             </a:fld>
-            <a:endParaRPr lang="en-US"/>
+            <a:endParaRPr lang="en-US" dirty="0"/>
           </a:p>
         </p:txBody>
       </p:sp>
@@ -2670,7 +2670,7 @@
           <a:bodyPr/>
           <a:lstStyle/>
           <a:p>
-            <a:endParaRPr lang="en-US"/>
+            <a:endParaRPr lang="en-US" dirty="0"/>
           </a:p>
         </p:txBody>
       </p:sp>
@@ -2693,7 +2693,7 @@
               <a:rPr lang="en-US" smtClean="0"/>
               <a:t>‹#›</a:t>
             </a:fld>
-            <a:endParaRPr lang="en-US"/>
+            <a:endParaRPr lang="en-US" dirty="0"/>
           </a:p>
         </p:txBody>
       </p:sp>
@@ -2816,7 +2816,7 @@
             </a:lvl9pPr>
           </a:lstStyle>
           <a:p>
-            <a:endParaRPr lang="en-US"/>
+            <a:endParaRPr lang="en-US" dirty="0"/>
           </a:p>
         </p:txBody>
       </p:sp>
@@ -2904,7 +2904,7 @@
               <a:rPr lang="en-US" smtClean="0"/>
               <a:t>6/14/17</a:t>
             </a:fld>
-            <a:endParaRPr lang="en-US"/>
+            <a:endParaRPr lang="en-US" dirty="0"/>
           </a:p>
         </p:txBody>
       </p:sp>
@@ -2923,7 +2923,7 @@
           <a:bodyPr/>
           <a:lstStyle/>
           <a:p>
-            <a:endParaRPr lang="en-US"/>
+            <a:endParaRPr lang="en-US" dirty="0"/>
           </a:p>
         </p:txBody>
       </p:sp>
@@ -2946,7 +2946,7 @@
               <a:rPr lang="en-US" smtClean="0"/>
               <a:t>‹#›</a:t>
             </a:fld>
-            <a:endParaRPr lang="en-US"/>
+            <a:endParaRPr lang="en-US" dirty="0"/>
           </a:p>
         </p:txBody>
       </p:sp>
@@ -3117,7 +3117,7 @@
               <a:rPr lang="en-US" smtClean="0"/>
               <a:t>6/14/17</a:t>
             </a:fld>
-            <a:endParaRPr lang="en-US"/>
+            <a:endParaRPr lang="en-US" dirty="0"/>
           </a:p>
         </p:txBody>
       </p:sp>
@@ -3154,7 +3154,7 @@
             </a:lvl1pPr>
           </a:lstStyle>
           <a:p>
-            <a:endParaRPr lang="en-US"/>
+            <a:endParaRPr lang="en-US" dirty="0"/>
           </a:p>
         </p:txBody>
       </p:sp>
@@ -3195,7 +3195,7 @@
               <a:rPr lang="en-US" smtClean="0"/>
               <a:t>‹#›</a:t>
             </a:fld>
-            <a:endParaRPr lang="en-US"/>
+            <a:endParaRPr lang="en-US" dirty="0"/>
           </a:p>
         </p:txBody>
       </p:sp>
@@ -3576,7 +3576,7 @@
             </a:r>
             <a:r>
               <a:rPr lang="en-US" dirty="0" smtClean="0"/>
-              <a:t>eeps track of product price changes at online shopping web site. </a:t>
+              <a:t>eeps track of product prices at online shopping web site. </a:t>
             </a:r>
           </a:p>
           <a:p>
@@ -3596,14 +3596,17 @@
           <a:p>
             <a:r>
               <a:rPr lang="en-US" dirty="0"/>
-              <a:t>Notifies subscribers if any product of subscribed categories has reduced price. </a:t>
-            </a:r>
-            <a:endParaRPr lang="en-US" dirty="0" smtClean="0"/>
-          </a:p>
-          <a:p>
+              <a:t>Notifies subscribers if </a:t>
+            </a:r>
             <a:r>
               <a:rPr lang="en-US" dirty="0" smtClean="0"/>
-              <a:t>Also allow users </a:t>
+              <a:t>there is any discount product in the subscribed categories. </a:t>
+            </a:r>
+          </a:p>
+          <a:p>
+            <a:r>
+              <a:rPr lang="en-US" dirty="0" smtClean="0"/>
+              <a:t>Also allows users </a:t>
             </a:r>
             <a:r>
               <a:rPr lang="en-US" dirty="0"/>
@@ -3733,7 +3736,7 @@
           <a:lstStyle/>
           <a:p>
             <a:r>
-              <a:rPr lang="en-US" dirty="0" err="1" smtClean="0"/>
+              <a:rPr lang="en-US" dirty="0" smtClean="0"/>
               <a:t>q_product_log</a:t>
             </a:r>
             <a:endParaRPr lang="en-US" dirty="0"/>
@@ -3779,7 +3782,7 @@
           <a:lstStyle/>
           <a:p>
             <a:pPr algn="ctr"/>
-            <a:endParaRPr lang="en-US"/>
+            <a:endParaRPr lang="en-US" dirty="0"/>
           </a:p>
         </p:txBody>
       </p:sp>
@@ -3913,15 +3916,7 @@
             </a:pPr>
             <a:r>
               <a:rPr lang="en-US" sz="2000" dirty="0" smtClean="0"/>
-              <a:t>Receive product crawler log from </a:t>
-            </a:r>
-            <a:r>
-              <a:rPr lang="en-US" sz="2000" dirty="0" err="1" smtClean="0"/>
-              <a:t>q_product_log</a:t>
-            </a:r>
-            <a:r>
-              <a:rPr lang="en-US" sz="2000" dirty="0" smtClean="0"/>
-              <a:t> queue.</a:t>
+              <a:t>Receive product crawler log from q_product_log queue.</a:t>
             </a:r>
           </a:p>
           <a:p>
@@ -4031,11 +4026,7 @@
             <a:pPr algn="ctr"/>
             <a:r>
               <a:rPr lang="en-US" dirty="0" smtClean="0"/>
-              <a:t>Price Monitoring </a:t>
-            </a:r>
-            <a:r>
-              <a:rPr lang="en-US" smtClean="0"/>
-              <a:t>System Overview</a:t>
+              <a:t>Price Monitoring System Overview</a:t>
             </a:r>
             <a:endParaRPr lang="en-US" dirty="0"/>
           </a:p>
@@ -4111,7 +4102,7 @@
           <a:lstStyle/>
           <a:p>
             <a:pPr algn="ctr"/>
-            <a:endParaRPr lang="en-US"/>
+            <a:endParaRPr lang="en-US" dirty="0"/>
           </a:p>
         </p:txBody>
       </p:sp>
@@ -4156,7 +4147,7 @@
           <a:lstStyle/>
           <a:p>
             <a:pPr algn="ctr"/>
-            <a:endParaRPr lang="en-US"/>
+            <a:endParaRPr lang="en-US" dirty="0"/>
           </a:p>
         </p:txBody>
       </p:sp>
@@ -4199,7 +4190,7 @@
           <a:lstStyle/>
           <a:p>
             <a:pPr algn="ctr"/>
-            <a:endParaRPr lang="en-US"/>
+            <a:endParaRPr lang="en-US" dirty="0"/>
           </a:p>
         </p:txBody>
       </p:sp>
@@ -4242,7 +4233,7 @@
           <a:lstStyle/>
           <a:p>
             <a:pPr algn="ctr"/>
-            <a:endParaRPr lang="en-US"/>
+            <a:endParaRPr lang="en-US" dirty="0"/>
           </a:p>
         </p:txBody>
       </p:sp>
@@ -4375,7 +4366,7 @@
           <a:lstStyle/>
           <a:p>
             <a:pPr algn="ctr"/>
-            <a:endParaRPr lang="en-US"/>
+            <a:endParaRPr lang="en-US" dirty="0"/>
           </a:p>
         </p:txBody>
       </p:sp>
@@ -4448,7 +4439,7 @@
           <a:lstStyle/>
           <a:p>
             <a:pPr algn="ctr"/>
-            <a:endParaRPr lang="en-US"/>
+            <a:endParaRPr lang="en-US" dirty="0"/>
           </a:p>
         </p:txBody>
       </p:sp>
@@ -4491,7 +4482,7 @@
           <a:lstStyle/>
           <a:p>
             <a:pPr algn="ctr"/>
-            <a:endParaRPr lang="en-US"/>
+            <a:endParaRPr lang="en-US" dirty="0"/>
           </a:p>
         </p:txBody>
       </p:sp>
@@ -4594,7 +4585,7 @@
           <a:lstStyle/>
           <a:p>
             <a:pPr algn="ctr"/>
-            <a:endParaRPr lang="en-US"/>
+            <a:endParaRPr lang="en-US" dirty="0"/>
           </a:p>
         </p:txBody>
       </p:sp>
@@ -4621,12 +4612,8 @@
           <a:lstStyle/>
           <a:p>
             <a:r>
-              <a:rPr lang="en-US" sz="1200" smtClean="0"/>
-              <a:t>Health </a:t>
-            </a:r>
-            <a:r>
               <a:rPr lang="en-US" sz="1200" dirty="0" smtClean="0"/>
-              <a:t>Check Service</a:t>
+              <a:t>Health Check Service</a:t>
             </a:r>
             <a:endParaRPr lang="en-US" sz="1200" dirty="0"/>
           </a:p>
@@ -4671,7 +4658,7 @@
           <a:lstStyle/>
           <a:p>
             <a:pPr algn="ctr"/>
-            <a:endParaRPr lang="en-US"/>
+            <a:endParaRPr lang="en-US" dirty="0"/>
           </a:p>
         </p:txBody>
       </p:sp>
@@ -4848,7 +4835,7 @@
           <a:lstStyle/>
           <a:p>
             <a:pPr algn="ctr"/>
-            <a:endParaRPr lang="en-US"/>
+            <a:endParaRPr lang="en-US" dirty="0"/>
           </a:p>
         </p:txBody>
       </p:sp>
@@ -4891,7 +4878,7 @@
           <a:lstStyle/>
           <a:p>
             <a:pPr algn="ctr"/>
-            <a:endParaRPr lang="en-US"/>
+            <a:endParaRPr lang="en-US" dirty="0"/>
           </a:p>
         </p:txBody>
       </p:sp>
@@ -4934,7 +4921,7 @@
           <a:lstStyle/>
           <a:p>
             <a:pPr algn="ctr"/>
-            <a:endParaRPr lang="en-US"/>
+            <a:endParaRPr lang="en-US" dirty="0"/>
           </a:p>
         </p:txBody>
       </p:sp>
@@ -4977,7 +4964,7 @@
           <a:lstStyle/>
           <a:p>
             <a:pPr algn="ctr"/>
-            <a:endParaRPr lang="en-US"/>
+            <a:endParaRPr lang="en-US" dirty="0"/>
           </a:p>
         </p:txBody>
       </p:sp>
@@ -5020,7 +5007,7 @@
           <a:lstStyle/>
           <a:p>
             <a:pPr algn="ctr"/>
-            <a:endParaRPr lang="en-US"/>
+            <a:endParaRPr lang="en-US" dirty="0"/>
           </a:p>
         </p:txBody>
       </p:sp>
@@ -6135,12 +6122,8 @@
           <a:lstStyle/>
           <a:p>
             <a:r>
-              <a:rPr lang="en-US" dirty="0" err="1" smtClean="0"/>
-              <a:t>q_product_p</a:t>
-            </a:r>
-            <a:r>
               <a:rPr lang="en-US" dirty="0" smtClean="0"/>
-              <a:t>(n)</a:t>
+              <a:t>q_product_p(n)</a:t>
             </a:r>
             <a:endParaRPr lang="en-US" dirty="0"/>
           </a:p>
@@ -6168,7 +6151,7 @@
           <a:lstStyle/>
           <a:p>
             <a:r>
-              <a:rPr lang="en-US" dirty="0" err="1" smtClean="0"/>
+              <a:rPr lang="en-US" dirty="0" smtClean="0"/>
               <a:t>q_product_log</a:t>
             </a:r>
             <a:endParaRPr lang="en-US" dirty="0"/>
@@ -6197,12 +6180,8 @@
           <a:lstStyle/>
           <a:p>
             <a:r>
-              <a:rPr lang="en-US" dirty="0" err="1" smtClean="0"/>
-              <a:t>q_discount_product_p</a:t>
-            </a:r>
-            <a:r>
               <a:rPr lang="en-US" dirty="0" smtClean="0"/>
-              <a:t>(n)</a:t>
+              <a:t>q_discount_product_p(n)</a:t>
             </a:r>
             <a:endParaRPr lang="en-US" dirty="0"/>
           </a:p>
@@ -6414,44 +6393,40 @@
               <a:buNone/>
             </a:pPr>
             <a:r>
-              <a:rPr lang="en-US" sz="1800" dirty="0" err="1" smtClean="0"/>
+              <a:rPr lang="en-US" sz="1800" dirty="0" smtClean="0"/>
               <a:t>category_name</a:t>
             </a:r>
-            <a:endParaRPr lang="en-US" sz="1800" dirty="0" smtClean="0"/>
           </a:p>
           <a:p>
             <a:pPr marL="0" indent="0">
               <a:buNone/>
             </a:pPr>
             <a:r>
-              <a:rPr lang="en-US" sz="1800" dirty="0" err="1" smtClean="0"/>
+              <a:rPr lang="en-US" sz="1800" dirty="0" smtClean="0"/>
               <a:t>product_list_url</a:t>
             </a:r>
-            <a:endParaRPr lang="en-US" sz="1800" dirty="0" smtClean="0"/>
           </a:p>
           <a:p>
             <a:pPr marL="0" indent="0">
               <a:buNone/>
             </a:pPr>
             <a:r>
-              <a:rPr lang="en-US" sz="1800" dirty="0" err="1" smtClean="0"/>
+              <a:rPr lang="en-US" sz="1800" dirty="0" smtClean="0"/>
               <a:t>create_time</a:t>
             </a:r>
-            <a:endParaRPr lang="en-US" sz="1800" dirty="0" smtClean="0"/>
           </a:p>
           <a:p>
             <a:pPr marL="0" indent="0">
               <a:buNone/>
             </a:pPr>
             <a:r>
-              <a:rPr lang="en-US" sz="1800" dirty="0" err="1"/>
+              <a:rPr lang="en-US" sz="1800" dirty="0"/>
               <a:t>u</a:t>
             </a:r>
             <a:r>
-              <a:rPr lang="en-US" sz="1800" dirty="0" err="1" smtClean="0"/>
+              <a:rPr lang="en-US" sz="1800" dirty="0" smtClean="0"/>
               <a:t>pdate_time</a:t>
             </a:r>
-            <a:endParaRPr lang="en-US" sz="1800" dirty="0" smtClean="0"/>
           </a:p>
         </p:txBody>
       </p:sp>
@@ -6508,11 +6483,11 @@
           <a:lstStyle/>
           <a:p>
             <a:r>
-              <a:rPr lang="en-US" sz="2400" dirty="0" err="1"/>
+              <a:rPr lang="en-US" sz="2400" dirty="0"/>
               <a:t>c</a:t>
             </a:r>
             <a:r>
-              <a:rPr lang="en-US" sz="2400" dirty="0" err="1" smtClean="0"/>
+              <a:rPr lang="en-US" sz="2400" dirty="0" smtClean="0"/>
               <a:t>ategory_priority</a:t>
             </a:r>
             <a:endParaRPr lang="en-US" sz="2400" dirty="0"/>
@@ -6725,10 +6700,9 @@
               <a:buNone/>
             </a:pPr>
             <a:r>
-              <a:rPr lang="en-US" sz="1800" dirty="0" err="1" smtClean="0"/>
+              <a:rPr lang="en-US" sz="1800" dirty="0" smtClean="0"/>
               <a:t>category_id</a:t>
             </a:r>
-            <a:endParaRPr lang="en-US" sz="1800" dirty="0" smtClean="0"/>
           </a:p>
           <a:p>
             <a:pPr marL="0" indent="0">
@@ -6750,14 +6724,13 @@
               <a:buNone/>
             </a:pPr>
             <a:r>
-              <a:rPr lang="en-US" sz="1800" dirty="0" err="1"/>
+              <a:rPr lang="en-US" sz="1800" dirty="0"/>
               <a:t>u</a:t>
             </a:r>
             <a:r>
-              <a:rPr lang="en-US" sz="1800" dirty="0" err="1" smtClean="0"/>
+              <a:rPr lang="en-US" sz="1800" dirty="0" smtClean="0"/>
               <a:t>ser_count</a:t>
             </a:r>
-            <a:endParaRPr lang="en-US" sz="1800" dirty="0" smtClean="0"/>
           </a:p>
           <a:p>
             <a:pPr marL="0" indent="0">
@@ -6765,10 +6738,9 @@
               <a:buNone/>
             </a:pPr>
             <a:r>
-              <a:rPr lang="en-US" sz="1800" dirty="0" err="1" smtClean="0"/>
+              <a:rPr lang="en-US" sz="1800" dirty="0" smtClean="0"/>
               <a:t>create_time</a:t>
             </a:r>
-            <a:endParaRPr lang="en-US" sz="1800" dirty="0" smtClean="0"/>
           </a:p>
           <a:p>
             <a:pPr marL="0" indent="0">
@@ -6776,10 +6748,9 @@
               <a:buNone/>
             </a:pPr>
             <a:r>
-              <a:rPr lang="en-US" sz="1800" dirty="0" err="1" smtClean="0"/>
+              <a:rPr lang="en-US" sz="1800" dirty="0" smtClean="0"/>
               <a:t>update_time</a:t>
             </a:r>
-            <a:endParaRPr lang="en-US" sz="1800" dirty="0" smtClean="0"/>
           </a:p>
         </p:txBody>
       </p:sp>
@@ -6806,7 +6777,7 @@
           <a:lstStyle/>
           <a:p>
             <a:r>
-              <a:rPr lang="en-US" sz="2400" dirty="0" err="1" smtClean="0"/>
+              <a:rPr lang="en-US" sz="2400" dirty="0" smtClean="0"/>
               <a:t>user_category</a:t>
             </a:r>
             <a:endParaRPr lang="en-US" sz="2400" dirty="0"/>
@@ -7019,10 +6990,9 @@
               <a:buNone/>
             </a:pPr>
             <a:r>
-              <a:rPr lang="en-US" sz="1800" dirty="0" err="1" smtClean="0"/>
+              <a:rPr lang="en-US" sz="1800" dirty="0" smtClean="0"/>
               <a:t>user_id</a:t>
             </a:r>
-            <a:endParaRPr lang="en-US" sz="1800" dirty="0" smtClean="0"/>
           </a:p>
           <a:p>
             <a:pPr marL="0" indent="0">
@@ -7030,10 +7000,9 @@
               <a:buNone/>
             </a:pPr>
             <a:r>
-              <a:rPr lang="en-US" sz="1800" dirty="0" err="1" smtClean="0"/>
+              <a:rPr lang="en-US" sz="1800" dirty="0" smtClean="0"/>
               <a:t>category_id</a:t>
             </a:r>
-            <a:endParaRPr lang="en-US" sz="1800" dirty="0" smtClean="0"/>
           </a:p>
           <a:p>
             <a:pPr marL="0" indent="0">
@@ -7041,10 +7010,9 @@
               <a:buNone/>
             </a:pPr>
             <a:r>
-              <a:rPr lang="en-US" sz="1800" dirty="0" err="1" smtClean="0"/>
+              <a:rPr lang="en-US" sz="1800" dirty="0" smtClean="0"/>
               <a:t>create_time</a:t>
             </a:r>
-            <a:endParaRPr lang="en-US" sz="1800" dirty="0" smtClean="0"/>
           </a:p>
           <a:p>
             <a:pPr marL="0" indent="0">
@@ -7052,10 +7020,9 @@
               <a:buNone/>
             </a:pPr>
             <a:r>
-              <a:rPr lang="en-US" sz="1800" dirty="0" err="1" smtClean="0"/>
+              <a:rPr lang="en-US" sz="1800" dirty="0" smtClean="0"/>
               <a:t>update_time</a:t>
             </a:r>
-            <a:endParaRPr lang="en-US" sz="1800" dirty="0" smtClean="0"/>
           </a:p>
         </p:txBody>
       </p:sp>
@@ -7082,7 +7049,7 @@
           <a:lstStyle/>
           <a:p>
             <a:r>
-              <a:rPr lang="en-US" sz="2400" dirty="0" err="1" smtClean="0"/>
+              <a:rPr lang="en-US" sz="2400" dirty="0" smtClean="0"/>
               <a:t>user_count_threshold</a:t>
             </a:r>
             <a:endParaRPr lang="en-US" sz="2400" dirty="0"/>
@@ -7295,14 +7262,13 @@
               <a:buNone/>
             </a:pPr>
             <a:r>
-              <a:rPr lang="en-US" sz="1800" dirty="0" err="1"/>
+              <a:rPr lang="en-US" sz="1800" dirty="0"/>
               <a:t>h</a:t>
             </a:r>
             <a:r>
-              <a:rPr lang="en-US" sz="1800" dirty="0" err="1" smtClean="0"/>
+              <a:rPr lang="en-US" sz="1800" dirty="0" smtClean="0"/>
               <a:t>igh_priority_user_count</a:t>
             </a:r>
-            <a:endParaRPr lang="en-US" sz="1800" dirty="0" smtClean="0"/>
           </a:p>
           <a:p>
             <a:pPr marL="0" indent="0">
@@ -7310,10 +7276,9 @@
               <a:buNone/>
             </a:pPr>
             <a:r>
-              <a:rPr lang="en-US" sz="1800" dirty="0" err="1" smtClean="0"/>
+              <a:rPr lang="en-US" sz="1800" dirty="0" smtClean="0"/>
               <a:t>create_time</a:t>
             </a:r>
-            <a:endParaRPr lang="en-US" sz="1800" dirty="0" smtClean="0"/>
           </a:p>
           <a:p>
             <a:pPr marL="0" indent="0">
@@ -7321,10 +7286,9 @@
               <a:buNone/>
             </a:pPr>
             <a:r>
-              <a:rPr lang="en-US" sz="1800" dirty="0" err="1" smtClean="0"/>
+              <a:rPr lang="en-US" sz="1800" dirty="0" smtClean="0"/>
               <a:t>update_time</a:t>
             </a:r>
-            <a:endParaRPr lang="en-US" sz="1800" dirty="0" smtClean="0"/>
           </a:p>
         </p:txBody>
       </p:sp>
@@ -7534,14 +7498,13 @@
               <a:buNone/>
             </a:pPr>
             <a:r>
-              <a:rPr lang="en-US" sz="1800" dirty="0" err="1"/>
+              <a:rPr lang="en-US" sz="1800" dirty="0"/>
               <a:t>p</a:t>
             </a:r>
             <a:r>
-              <a:rPr lang="en-US" sz="1800" dirty="0" err="1" smtClean="0"/>
+              <a:rPr lang="en-US" sz="1800" dirty="0" smtClean="0"/>
               <a:t>roduct_id</a:t>
             </a:r>
-            <a:endParaRPr lang="en-US" sz="1800" dirty="0" smtClean="0"/>
           </a:p>
           <a:p>
             <a:pPr marL="0" indent="0">
@@ -7549,14 +7512,13 @@
               <a:buNone/>
             </a:pPr>
             <a:r>
-              <a:rPr lang="en-US" sz="1800" dirty="0" err="1"/>
+              <a:rPr lang="en-US" sz="1800" dirty="0"/>
               <a:t>c</a:t>
             </a:r>
             <a:r>
-              <a:rPr lang="en-US" sz="1800" dirty="0" err="1" smtClean="0"/>
+              <a:rPr lang="en-US" sz="1800" dirty="0" smtClean="0"/>
               <a:t>ategory_id</a:t>
             </a:r>
-            <a:endParaRPr lang="en-US" sz="1800" dirty="0" smtClean="0"/>
           </a:p>
           <a:p>
             <a:pPr marL="0" indent="0">
@@ -7578,14 +7540,13 @@
               <a:buNone/>
             </a:pPr>
             <a:r>
-              <a:rPr lang="en-US" sz="1800" dirty="0" err="1"/>
+              <a:rPr lang="en-US" sz="1800" dirty="0"/>
               <a:t>t</a:t>
             </a:r>
             <a:r>
-              <a:rPr lang="en-US" sz="1800" dirty="0" err="1" smtClean="0"/>
+              <a:rPr lang="en-US" sz="1800" dirty="0" smtClean="0"/>
               <a:t>humnail</a:t>
             </a:r>
-            <a:endParaRPr lang="en-US" sz="1800" dirty="0" smtClean="0"/>
           </a:p>
           <a:p>
             <a:pPr marL="0" indent="0">
@@ -7593,10 +7554,9 @@
               <a:buNone/>
             </a:pPr>
             <a:r>
-              <a:rPr lang="en-US" sz="1800" dirty="0" err="1" smtClean="0"/>
+              <a:rPr lang="en-US" sz="1800" dirty="0" smtClean="0"/>
               <a:t>detail_url</a:t>
             </a:r>
-            <a:endParaRPr lang="en-US" sz="1800" dirty="0" smtClean="0"/>
           </a:p>
           <a:p>
             <a:pPr marL="0" indent="0">
@@ -7618,14 +7578,13 @@
               <a:buNone/>
             </a:pPr>
             <a:r>
-              <a:rPr lang="en-US" sz="1800" dirty="0" err="1"/>
+              <a:rPr lang="en-US" sz="1800" dirty="0"/>
               <a:t>o</a:t>
             </a:r>
             <a:r>
-              <a:rPr lang="en-US" sz="1800" dirty="0" err="1" smtClean="0"/>
+              <a:rPr lang="en-US" sz="1800" dirty="0" smtClean="0"/>
               <a:t>ld_price</a:t>
             </a:r>
-            <a:endParaRPr lang="en-US" sz="1800" dirty="0" smtClean="0"/>
           </a:p>
           <a:p>
             <a:pPr marL="0" indent="0">
@@ -7633,10 +7592,9 @@
               <a:buNone/>
             </a:pPr>
             <a:r>
-              <a:rPr lang="en-US" sz="1800" dirty="0" err="1" smtClean="0"/>
+              <a:rPr lang="en-US" sz="1800" dirty="0" smtClean="0"/>
               <a:t>create_time</a:t>
             </a:r>
-            <a:endParaRPr lang="en-US" sz="1800" dirty="0" smtClean="0"/>
           </a:p>
           <a:p>
             <a:pPr marL="0" indent="0">
@@ -7644,10 +7602,9 @@
               <a:buNone/>
             </a:pPr>
             <a:r>
-              <a:rPr lang="en-US" sz="1800" dirty="0" err="1" smtClean="0"/>
+              <a:rPr lang="en-US" sz="1800" dirty="0" smtClean="0"/>
               <a:t>update_time</a:t>
             </a:r>
-            <a:endParaRPr lang="en-US" sz="1800" dirty="0" smtClean="0"/>
           </a:p>
         </p:txBody>
       </p:sp>
@@ -7907,14 +7864,13 @@
               <a:buNone/>
             </a:pPr>
             <a:r>
-              <a:rPr lang="en-US" sz="1800" dirty="0" err="1"/>
+              <a:rPr lang="en-US" sz="1800" dirty="0"/>
               <a:t>n</a:t>
             </a:r>
             <a:r>
-              <a:rPr lang="en-US" sz="1800" dirty="0" err="1" smtClean="0"/>
+              <a:rPr lang="en-US" sz="1800" dirty="0" smtClean="0"/>
               <a:t>otification_type</a:t>
             </a:r>
-            <a:endParaRPr lang="en-US" sz="1800" dirty="0" smtClean="0"/>
           </a:p>
           <a:p>
             <a:pPr marL="0" indent="0">
@@ -7922,10 +7878,9 @@
               <a:buNone/>
             </a:pPr>
             <a:r>
-              <a:rPr lang="en-US" sz="1800" dirty="0" err="1" smtClean="0"/>
+              <a:rPr lang="en-US" sz="1800" dirty="0" smtClean="0"/>
               <a:t>create_time</a:t>
             </a:r>
-            <a:endParaRPr lang="en-US" sz="1800" dirty="0" smtClean="0"/>
           </a:p>
           <a:p>
             <a:pPr marL="0" indent="0">
@@ -7933,10 +7888,9 @@
               <a:buNone/>
             </a:pPr>
             <a:r>
-              <a:rPr lang="en-US" sz="1800" dirty="0" err="1" smtClean="0"/>
+              <a:rPr lang="en-US" sz="1800" dirty="0" smtClean="0"/>
               <a:t>update_time</a:t>
             </a:r>
-            <a:endParaRPr lang="en-US" sz="1800" dirty="0" smtClean="0"/>
           </a:p>
         </p:txBody>
       </p:sp>
@@ -8024,15 +7978,7 @@
           <a:p>
             <a:r>
               <a:rPr lang="en-US" dirty="0" smtClean="0"/>
-              <a:t>DB Schema (MongoDB) and cache (</a:t>
-            </a:r>
-            <a:r>
-              <a:rPr lang="en-US" dirty="0" err="1" smtClean="0"/>
-              <a:t>Redis</a:t>
-            </a:r>
-            <a:r>
-              <a:rPr lang="en-US" dirty="0" smtClean="0"/>
-              <a:t>)</a:t>
+              <a:t>DB Schema (MongoDB) and cache (Redis)</a:t>
             </a:r>
             <a:endParaRPr lang="en-US" dirty="0"/>
           </a:p>
@@ -8269,14 +8215,13 @@
               <a:buNone/>
             </a:pPr>
             <a:r>
-              <a:rPr lang="en-US" sz="1800" dirty="0" err="1"/>
+              <a:rPr lang="en-US" sz="1800" dirty="0"/>
               <a:t>t</a:t>
             </a:r>
             <a:r>
-              <a:rPr lang="en-US" sz="1800" dirty="0" err="1" smtClean="0"/>
+              <a:rPr lang="en-US" sz="1800" dirty="0" smtClean="0"/>
               <a:t>hread_id</a:t>
             </a:r>
-            <a:endParaRPr lang="en-US" sz="1800" dirty="0" smtClean="0"/>
           </a:p>
           <a:p>
             <a:pPr marL="0" indent="0">
@@ -8284,10 +8229,9 @@
               <a:buNone/>
             </a:pPr>
             <a:r>
-              <a:rPr lang="en-US" sz="1800" dirty="0" err="1" smtClean="0"/>
+              <a:rPr lang="en-US" sz="1800" dirty="0" smtClean="0"/>
               <a:t>product_url</a:t>
             </a:r>
-            <a:endParaRPr lang="en-US" sz="1800" dirty="0" smtClean="0"/>
           </a:p>
           <a:p>
             <a:pPr marL="0" indent="0">
@@ -8295,10 +8239,9 @@
               <a:buNone/>
             </a:pPr>
             <a:r>
-              <a:rPr lang="en-US" sz="1800" dirty="0" err="1" smtClean="0"/>
+              <a:rPr lang="en-US" sz="1800" dirty="0" smtClean="0"/>
               <a:t>category_name</a:t>
             </a:r>
-            <a:endParaRPr lang="en-US" sz="1800" dirty="0" smtClean="0"/>
           </a:p>
           <a:p>
             <a:pPr marL="0" indent="0">
@@ -8306,10 +8249,9 @@
               <a:buNone/>
             </a:pPr>
             <a:r>
-              <a:rPr lang="en-US" sz="1800" dirty="0" err="1" smtClean="0"/>
+              <a:rPr lang="en-US" sz="1800" dirty="0" smtClean="0"/>
               <a:t>page_number</a:t>
             </a:r>
-            <a:endParaRPr lang="en-US" sz="1800" dirty="0" smtClean="0"/>
           </a:p>
           <a:p>
             <a:pPr marL="0" indent="0">
@@ -8317,11 +8259,11 @@
               <a:buNone/>
             </a:pPr>
             <a:r>
-              <a:rPr lang="en-US" sz="1800" dirty="0" err="1"/>
+              <a:rPr lang="en-US" sz="1800" dirty="0"/>
               <a:t>c</a:t>
             </a:r>
             <a:r>
-              <a:rPr lang="en-US" sz="1800" dirty="0" err="1" smtClean="0"/>
+              <a:rPr lang="en-US" sz="1800" dirty="0" smtClean="0"/>
               <a:t>reate_time</a:t>
             </a:r>
             <a:endParaRPr lang="en-US" sz="1800" dirty="0" smtClean="0"/>
@@ -8351,7 +8293,7 @@
           <a:lstStyle/>
           <a:p>
             <a:r>
-              <a:rPr lang="en-US" sz="2400" dirty="0" err="1" smtClean="0"/>
+              <a:rPr lang="en-US" sz="2400" dirty="0" smtClean="0"/>
               <a:t>product_log</a:t>
             </a:r>
             <a:endParaRPr lang="en-US" sz="2400" dirty="0"/>
@@ -8387,13 +8329,8 @@
           <a:p>
             <a:r>
               <a:rPr lang="en-US" dirty="0" smtClean="0"/>
-              <a:t>Key: </a:t>
-            </a:r>
-            <a:r>
-              <a:rPr lang="en-US" dirty="0" err="1" smtClean="0"/>
-              <a:t>productId</a:t>
-            </a:r>
-            <a:endParaRPr lang="en-US" dirty="0" smtClean="0"/>
+              <a:t>Key: productId</a:t>
+            </a:r>
           </a:p>
           <a:p>
             <a:r>
@@ -8603,7 +8540,7 @@
           <a:lstStyle/>
           <a:p>
             <a:pPr algn="ctr"/>
-            <a:endParaRPr lang="en-US"/>
+            <a:endParaRPr lang="en-US" dirty="0"/>
           </a:p>
         </p:txBody>
       </p:sp>
@@ -8646,7 +8583,7 @@
           <a:lstStyle/>
           <a:p>
             <a:pPr algn="ctr"/>
-            <a:endParaRPr lang="en-US"/>
+            <a:endParaRPr lang="en-US" dirty="0"/>
           </a:p>
         </p:txBody>
       </p:sp>
@@ -8761,7 +8698,7 @@
         <p:spPr>
           <a:xfrm>
             <a:off x="721241" y="2383544"/>
-            <a:ext cx="10192182" cy="4093428"/>
+            <a:ext cx="10192182" cy="3785652"/>
           </a:xfrm>
           <a:prstGeom prst="rect">
             <a:avLst/>
@@ -8790,15 +8727,7 @@
             </a:pPr>
             <a:r>
               <a:rPr lang="en-US" sz="2000" dirty="0" smtClean="0"/>
-              <a:t>For each category, find the product list </a:t>
-            </a:r>
-            <a:r>
-              <a:rPr lang="en-US" sz="2000" dirty="0" err="1" smtClean="0"/>
-              <a:t>url</a:t>
-            </a:r>
-            <a:r>
-              <a:rPr lang="en-US" sz="2000" dirty="0" smtClean="0"/>
-              <a:t>, store the information into DB.</a:t>
+              <a:t>For each category, find the product list url, store the information into DB.</a:t>
             </a:r>
           </a:p>
           <a:p>
@@ -8870,11 +8799,7 @@
             </a:r>
             <a:r>
               <a:rPr lang="en-US" sz="2000" dirty="0" smtClean="0"/>
-              <a:t>configured at </a:t>
-            </a:r>
-            <a:r>
-              <a:rPr lang="en-US" sz="2000" dirty="0" err="1" smtClean="0"/>
-              <a:t>application.yml</a:t>
+              <a:t>configured at application.yml</a:t>
             </a:r>
             <a:r>
               <a:rPr lang="en-US" sz="2000" dirty="0"/>
@@ -8892,23 +8817,31 @@
             </a:pPr>
             <a:r>
               <a:rPr lang="en-US" sz="2000" dirty="0" smtClean="0"/>
-              <a:t>When crawler starts, it checks if </a:t>
+              <a:t>When crawler </a:t>
             </a:r>
             <a:r>
               <a:rPr lang="en-US" sz="2000" dirty="0" smtClean="0"/>
-              <a:t>threshold exists </a:t>
+              <a:t>starts the first time, </a:t>
             </a:r>
             <a:r>
               <a:rPr lang="en-US" sz="2000" dirty="0" smtClean="0"/>
-              <a:t>in DB, if not, get </a:t>
-            </a:r>
-            <a:r>
-              <a:rPr lang="en-US" sz="2000" dirty="0"/>
-              <a:t>threshold from </a:t>
+              <a:t>it </a:t>
             </a:r>
             <a:r>
               <a:rPr lang="en-US" sz="2000" dirty="0" smtClean="0"/>
-              <a:t>property file and update DB.</a:t>
+              <a:t>will update the </a:t>
+            </a:r>
+            <a:r>
+              <a:rPr lang="en-US" sz="2000" dirty="0" smtClean="0"/>
+              <a:t>threshold in </a:t>
+            </a:r>
+            <a:r>
+              <a:rPr lang="en-US" sz="2000" dirty="0" smtClean="0"/>
+              <a:t>DB</a:t>
+            </a:r>
+            <a:r>
+              <a:rPr lang="en-US" sz="2000" dirty="0" smtClean="0"/>
+              <a:t>.</a:t>
             </a:r>
           </a:p>
           <a:p>
@@ -8926,15 +8859,7 @@
             </a:r>
             <a:r>
               <a:rPr lang="en-US" sz="2000" dirty="0" smtClean="0"/>
-              <a:t>also be changed at run time through REST </a:t>
-            </a:r>
-            <a:r>
-              <a:rPr lang="en-US" sz="2000" dirty="0" err="1" smtClean="0"/>
-              <a:t>api</a:t>
-            </a:r>
-            <a:r>
-              <a:rPr lang="en-US" sz="2000" dirty="0" smtClean="0"/>
-              <a:t>:</a:t>
+              <a:t>also be changed at run time through REST api:</a:t>
             </a:r>
           </a:p>
           <a:p>
@@ -9309,7 +9234,7 @@
           <a:lstStyle/>
           <a:p>
             <a:pPr algn="ctr"/>
-            <a:endParaRPr lang="en-US"/>
+            <a:endParaRPr lang="en-US" dirty="0"/>
           </a:p>
         </p:txBody>
       </p:sp>
@@ -9473,8 +9398,16 @@
               <a:buChar char="•"/>
             </a:pPr>
             <a:r>
+              <a:rPr lang="en-US" sz="2000" smtClean="0"/>
+              <a:t>Get </a:t>
+            </a:r>
+            <a:r>
+              <a:rPr lang="en-US" sz="2000" smtClean="0"/>
+              <a:t>categories </a:t>
+            </a:r>
+            <a:r>
               <a:rPr lang="en-US" sz="2000" dirty="0" smtClean="0"/>
-              <a:t>Get category list from Category table with the matching priority.</a:t>
+              <a:t>from Category table with the matching priority.</a:t>
             </a:r>
           </a:p>
           <a:p>
@@ -9487,12 +9420,8 @@
               <a:t>Order categories by </a:t>
             </a:r>
             <a:r>
-              <a:rPr lang="en-US" sz="2000" dirty="0" err="1" smtClean="0"/>
-              <a:t>user_count</a:t>
-            </a:r>
-            <a:r>
               <a:rPr lang="en-US" sz="2000" dirty="0" smtClean="0"/>
-              <a:t> </a:t>
+              <a:t>user_count </a:t>
             </a:r>
             <a:r>
               <a:rPr lang="en-US" sz="2000" dirty="0" smtClean="0"/>
@@ -9537,15 +9466,7 @@
             </a:r>
             <a:r>
               <a:rPr lang="en-US" sz="2000" dirty="0" smtClean="0"/>
-              <a:t>with </a:t>
-            </a:r>
-            <a:r>
-              <a:rPr lang="en-US" sz="2000" dirty="0" err="1" smtClean="0"/>
-              <a:t>product_list_url</a:t>
-            </a:r>
-            <a:r>
-              <a:rPr lang="en-US" sz="2000" dirty="0" smtClean="0"/>
-              <a:t> to </a:t>
+              <a:t>with product_list_url to </a:t>
             </a:r>
             <a:r>
               <a:rPr lang="en-US" sz="2000" dirty="0" smtClean="0"/>
@@ -9559,15 +9480,7 @@
             </a:pPr>
             <a:r>
               <a:rPr lang="en-US" sz="2000" dirty="0" smtClean="0"/>
-              <a:t>Product information is sent to </a:t>
-            </a:r>
-            <a:r>
-              <a:rPr lang="en-US" sz="2000" dirty="0" err="1" smtClean="0"/>
-              <a:t>q_product_p</a:t>
-            </a:r>
-            <a:r>
-              <a:rPr lang="en-US" sz="2000" dirty="0" smtClean="0"/>
-              <a:t>(n).</a:t>
+              <a:t>Product information is sent to q_product_p(n).</a:t>
             </a:r>
           </a:p>
           <a:p>
@@ -9577,15 +9490,7 @@
             </a:pPr>
             <a:r>
               <a:rPr lang="en-US" sz="2000" dirty="0" smtClean="0"/>
-              <a:t>Log information is sent to </a:t>
-            </a:r>
-            <a:r>
-              <a:rPr lang="en-US" sz="2000" dirty="0" err="1" smtClean="0"/>
-              <a:t>q_product_log</a:t>
-            </a:r>
-            <a:r>
-              <a:rPr lang="en-US" sz="2000" dirty="0" smtClean="0"/>
-              <a:t> with status SUCCESS (0) or FAIL (1). </a:t>
+              <a:t>Log information is sent to q_product_log with status SUCCESS (0) or FAIL (1). </a:t>
             </a:r>
             <a:endParaRPr lang="en-US" sz="2000" dirty="0"/>
           </a:p>
@@ -9710,11 +9615,11 @@
           <a:lstStyle/>
           <a:p>
             <a:r>
-              <a:rPr lang="en-US" dirty="0" err="1"/>
+              <a:rPr lang="en-US" dirty="0"/>
               <a:t>q</a:t>
             </a:r>
             <a:r>
-              <a:rPr lang="en-US" dirty="0" err="1" smtClean="0"/>
+              <a:rPr lang="en-US" dirty="0" smtClean="0"/>
               <a:t>_product_log</a:t>
             </a:r>
             <a:endParaRPr lang="en-US" dirty="0"/>
@@ -9820,7 +9725,7 @@
           <a:lstStyle/>
           <a:p>
             <a:pPr algn="ctr"/>
-            <a:endParaRPr lang="en-US"/>
+            <a:endParaRPr lang="en-US" dirty="0"/>
           </a:p>
         </p:txBody>
       </p:sp>
@@ -9863,7 +9768,7 @@
           <a:lstStyle/>
           <a:p>
             <a:pPr algn="ctr"/>
-            <a:endParaRPr lang="en-US"/>
+            <a:endParaRPr lang="en-US" dirty="0"/>
           </a:p>
         </p:txBody>
       </p:sp>
@@ -10168,7 +10073,7 @@
           <a:lstStyle/>
           <a:p>
             <a:r>
-              <a:rPr lang="en-US" smtClean="0"/>
+              <a:rPr lang="en-US" dirty="0" smtClean="0"/>
               <a:t>q_product_p2 (Medium)</a:t>
             </a:r>
             <a:endParaRPr lang="en-US" dirty="0"/>
@@ -10198,7 +10103,7 @@
           <a:lstStyle/>
           <a:p>
             <a:r>
-              <a:rPr lang="en-US" smtClean="0"/>
+              <a:rPr lang="en-US" dirty="0" smtClean="0"/>
               <a:t>q_product_p3 (Low)</a:t>
             </a:r>
             <a:endParaRPr lang="en-US" dirty="0"/>
@@ -10246,7 +10151,7 @@
           <a:lstStyle/>
           <a:p>
             <a:pPr algn="ctr"/>
-            <a:endParaRPr lang="en-US"/>
+            <a:endParaRPr lang="en-US" dirty="0"/>
           </a:p>
         </p:txBody>
       </p:sp>
@@ -10674,7 +10579,7 @@
           <a:lstStyle/>
           <a:p>
             <a:pPr algn="ctr"/>
-            <a:endParaRPr lang="en-US"/>
+            <a:endParaRPr lang="en-US" dirty="0"/>
           </a:p>
         </p:txBody>
       </p:sp>
@@ -10717,7 +10622,7 @@
           <a:lstStyle/>
           <a:p>
             <a:pPr algn="ctr"/>
-            <a:endParaRPr lang="en-US"/>
+            <a:endParaRPr lang="en-US" dirty="0"/>
           </a:p>
         </p:txBody>
       </p:sp>
@@ -10760,7 +10665,7 @@
           <a:lstStyle/>
           <a:p>
             <a:pPr algn="ctr"/>
-            <a:endParaRPr lang="en-US"/>
+            <a:endParaRPr lang="en-US" dirty="0"/>
           </a:p>
         </p:txBody>
       </p:sp>
@@ -10967,12 +10872,8 @@
           <a:lstStyle/>
           <a:p>
             <a:r>
-              <a:rPr lang="en-US" dirty="0" err="1" smtClean="0"/>
-              <a:t>Price_monitoring_service</a:t>
-            </a:r>
-            <a:r>
               <a:rPr lang="en-US" dirty="0" smtClean="0"/>
-              <a:t> (p1)</a:t>
+              <a:t>Price_monitoring_service (p1)</a:t>
             </a:r>
             <a:endParaRPr lang="en-US" dirty="0"/>
           </a:p>
@@ -11001,12 +10902,8 @@
           <a:lstStyle/>
           <a:p>
             <a:r>
-              <a:rPr lang="en-US" dirty="0" err="1" smtClean="0"/>
-              <a:t>Price_monitoring_service</a:t>
-            </a:r>
-            <a:r>
               <a:rPr lang="en-US" dirty="0" smtClean="0"/>
-              <a:t> (p2)</a:t>
+              <a:t>Price_monitoring_service (p2)</a:t>
             </a:r>
             <a:endParaRPr lang="en-US" dirty="0"/>
           </a:p>
@@ -11035,12 +10932,8 @@
           <a:lstStyle/>
           <a:p>
             <a:r>
-              <a:rPr lang="en-US" dirty="0" err="1" smtClean="0"/>
-              <a:t>Price_monitoring_service</a:t>
-            </a:r>
-            <a:r>
               <a:rPr lang="en-US" dirty="0" smtClean="0"/>
-              <a:t> (p3)</a:t>
+              <a:t>Price_monitoring_service (p3)</a:t>
             </a:r>
             <a:endParaRPr lang="en-US" dirty="0"/>
           </a:p>
@@ -11431,15 +11324,7 @@
             </a:pPr>
             <a:r>
               <a:rPr lang="en-US" sz="2000" dirty="0" smtClean="0"/>
-              <a:t>Get product from </a:t>
-            </a:r>
-            <a:r>
-              <a:rPr lang="en-US" sz="2000" dirty="0" err="1" smtClean="0"/>
-              <a:t>q_product_p</a:t>
-            </a:r>
-            <a:r>
-              <a:rPr lang="en-US" sz="2000" dirty="0" smtClean="0"/>
-              <a:t>(n) queue.</a:t>
+              <a:t>Get product from q_product_p(n) queue.</a:t>
             </a:r>
           </a:p>
           <a:p>
@@ -11452,7 +11337,7 @@
               <a:t>Check if product’s id exists in cache, if not, store the product in DB and &lt;</a:t>
             </a:r>
             <a:r>
-              <a:rPr lang="en-US" sz="2000" dirty="0" err="1" smtClean="0"/>
+              <a:rPr lang="en-US" sz="2000" dirty="0" smtClean="0"/>
               <a:t>product_id</a:t>
             </a:r>
             <a:r>
@@ -11467,15 +11352,7 @@
             </a:pPr>
             <a:r>
               <a:rPr lang="en-US" sz="2000" dirty="0" smtClean="0"/>
-              <a:t>If product exists in cache, compare if price is reduced, if yes, send product to </a:t>
-            </a:r>
-            <a:r>
-              <a:rPr lang="en-US" sz="2000" dirty="0" err="1" smtClean="0"/>
-              <a:t>q_discount_product_p</a:t>
-            </a:r>
-            <a:r>
-              <a:rPr lang="en-US" sz="2000" dirty="0" smtClean="0"/>
-              <a:t>(n) </a:t>
+              <a:t>If product exists in cache, compare if price is reduced, if yes, send product to q_discount_product_p(n) </a:t>
             </a:r>
             <a:r>
               <a:rPr lang="en-US" sz="2000" dirty="0" smtClean="0"/>
@@ -11915,15 +11792,7 @@
             </a:pPr>
             <a:r>
               <a:rPr lang="en-US" sz="2000" dirty="0" smtClean="0"/>
-              <a:t>Get discount products from </a:t>
-            </a:r>
-            <a:r>
-              <a:rPr lang="en-US" sz="2000" dirty="0" err="1" smtClean="0"/>
-              <a:t>q_discount_product_p</a:t>
-            </a:r>
-            <a:r>
-              <a:rPr lang="en-US" sz="2000" dirty="0" smtClean="0"/>
-              <a:t>(n) queues.</a:t>
+              <a:t>Get discount products from q_discount_product_p(n) queues.</a:t>
             </a:r>
           </a:p>
           <a:p>
@@ -11988,7 +11857,7 @@
           <a:lstStyle/>
           <a:p>
             <a:pPr algn="ctr"/>
-            <a:endParaRPr lang="en-US"/>
+            <a:endParaRPr lang="en-US" dirty="0"/>
           </a:p>
         </p:txBody>
       </p:sp>
@@ -12031,7 +11900,7 @@
           <a:lstStyle/>
           <a:p>
             <a:pPr algn="ctr"/>
-            <a:endParaRPr lang="en-US"/>
+            <a:endParaRPr lang="en-US" dirty="0"/>
           </a:p>
         </p:txBody>
       </p:sp>
@@ -12074,7 +11943,7 @@
           <a:lstStyle/>
           <a:p>
             <a:pPr algn="ctr"/>
-            <a:endParaRPr lang="en-US"/>
+            <a:endParaRPr lang="en-US" dirty="0"/>
           </a:p>
         </p:txBody>
       </p:sp>
@@ -12132,15 +12001,7 @@
           <a:p>
             <a:r>
               <a:rPr lang="en-US" dirty="0" smtClean="0"/>
-              <a:t>Instant </a:t>
-            </a:r>
-            <a:r>
-              <a:rPr lang="en-US" smtClean="0"/>
-              <a:t>Notification Service (</a:t>
-            </a:r>
-            <a:r>
-              <a:rPr lang="en-US" dirty="0" smtClean="0"/>
-              <a:t>p1)</a:t>
+              <a:t>Instant Notification Service (p1)</a:t>
             </a:r>
             <a:endParaRPr lang="en-US" dirty="0"/>
           </a:p>
@@ -12463,7 +12324,7 @@
           <a:lstStyle/>
           <a:p>
             <a:pPr algn="ctr"/>
-            <a:endParaRPr lang="en-US"/>
+            <a:endParaRPr lang="en-US" dirty="0"/>
           </a:p>
         </p:txBody>
       </p:sp>
@@ -12782,7 +12643,7 @@
           <a:lstStyle/>
           <a:p>
             <a:pPr algn="ctr"/>
-            <a:endParaRPr lang="en-US"/>
+            <a:endParaRPr lang="en-US" dirty="0"/>
           </a:p>
         </p:txBody>
       </p:sp>
@@ -12885,7 +12746,7 @@
           <a:lstStyle/>
           <a:p>
             <a:pPr algn="ctr"/>
-            <a:endParaRPr lang="en-US"/>
+            <a:endParaRPr lang="en-US" dirty="0"/>
           </a:p>
         </p:txBody>
       </p:sp>
@@ -13137,15 +12998,7 @@
             </a:r>
             <a:r>
               <a:rPr lang="en-US" sz="2000" dirty="0" smtClean="0"/>
-              <a:t>/{</a:t>
-            </a:r>
-            <a:r>
-              <a:rPr lang="en-US" sz="2000" dirty="0" err="1" smtClean="0"/>
-              <a:t>userId</a:t>
-            </a:r>
-            <a:r>
-              <a:rPr lang="en-US" sz="2000" dirty="0" smtClean="0"/>
-              <a:t>}				</a:t>
+              <a:t>/{userId}				</a:t>
             </a:r>
             <a:r>
               <a:rPr lang="en-US" sz="2000" dirty="0" smtClean="0"/>
@@ -13167,15 +13020,7 @@
             </a:r>
             <a:r>
               <a:rPr lang="en-US" sz="2000" dirty="0" smtClean="0"/>
-              <a:t>/{</a:t>
-            </a:r>
-            <a:r>
-              <a:rPr lang="en-US" sz="2000" dirty="0" err="1" smtClean="0"/>
-              <a:t>userId</a:t>
-            </a:r>
-            <a:r>
-              <a:rPr lang="en-US" sz="2000" dirty="0" smtClean="0"/>
-              <a:t>}				</a:t>
+              <a:t>/{userId}				</a:t>
             </a:r>
             <a:r>
               <a:rPr lang="en-US" sz="2000" dirty="0" smtClean="0"/>
@@ -13197,23 +13042,7 @@
             </a:r>
             <a:r>
               <a:rPr lang="en-US" sz="2000" dirty="0" smtClean="0"/>
-              <a:t>/{</a:t>
-            </a:r>
-            <a:r>
-              <a:rPr lang="en-US" sz="2000" dirty="0" err="1" smtClean="0"/>
-              <a:t>userId</a:t>
-            </a:r>
-            <a:r>
-              <a:rPr lang="en-US" sz="2000" dirty="0" smtClean="0"/>
-              <a:t>}/categories/{</a:t>
-            </a:r>
-            <a:r>
-              <a:rPr lang="en-US" sz="2000" dirty="0" err="1" smtClean="0"/>
-              <a:t>categoryId</a:t>
-            </a:r>
-            <a:r>
-              <a:rPr lang="en-US" sz="2000" dirty="0" smtClean="0"/>
-              <a:t>}		</a:t>
+              <a:t>/{userId}/categories/{categoryId}		</a:t>
             </a:r>
             <a:r>
               <a:rPr lang="en-US" sz="2000" dirty="0" smtClean="0"/>
@@ -13235,23 +13064,7 @@
             </a:r>
             <a:r>
               <a:rPr lang="en-US" sz="2000" dirty="0" smtClean="0"/>
-              <a:t>/{</a:t>
-            </a:r>
-            <a:r>
-              <a:rPr lang="en-US" sz="2000" dirty="0" err="1" smtClean="0"/>
-              <a:t>userId</a:t>
-            </a:r>
-            <a:r>
-              <a:rPr lang="en-US" sz="2000" dirty="0" smtClean="0"/>
-              <a:t>}/categories/{</a:t>
-            </a:r>
-            <a:r>
-              <a:rPr lang="en-US" sz="2000" dirty="0" err="1" smtClean="0"/>
-              <a:t>categoryId</a:t>
-            </a:r>
-            <a:r>
-              <a:rPr lang="en-US" sz="2000" dirty="0" smtClean="0"/>
-              <a:t>}		</a:t>
+              <a:t>/{userId}/categories/{categoryId}		</a:t>
             </a:r>
             <a:r>
               <a:rPr lang="en-US" sz="2000" dirty="0" smtClean="0"/>
@@ -13287,49 +13100,17 @@
           <a:p>
             <a:r>
               <a:rPr lang="en-US" sz="2000" dirty="0" smtClean="0"/>
-              <a:t>GET	/users/</a:t>
-            </a:r>
-            <a:r>
-              <a:rPr lang="en-US" sz="2000" dirty="0" err="1" smtClean="0"/>
-              <a:t>deals?</a:t>
-            </a:r>
-            <a:r>
-              <a:rPr lang="en-US" sz="2000" dirty="0" err="1" smtClean="0"/>
-              <a:t>page</a:t>
+              <a:t>GET	/users/deals?</a:t>
             </a:r>
             <a:r>
               <a:rPr lang="en-US" sz="2000" dirty="0" smtClean="0"/>
-              <a:t>=&lt;page#&gt;&amp;size=&lt;page size&gt;			Search deals</a:t>
+              <a:t>page=&lt;page#&gt;&amp;size=&lt;page size&gt;			Search deals</a:t>
             </a:r>
           </a:p>
           <a:p>
             <a:r>
               <a:rPr lang="en-US" sz="2000" dirty="0" smtClean="0"/>
-              <a:t>	&amp;</a:t>
-            </a:r>
-            <a:r>
-              <a:rPr lang="en-US" sz="2000" dirty="0" err="1" smtClean="0"/>
-              <a:t>sortBy</a:t>
-            </a:r>
-            <a:r>
-              <a:rPr lang="en-US" sz="2000" dirty="0" smtClean="0"/>
-              <a:t>=&lt;field&gt;&amp;direction=&lt;ASC/DESC&gt;&amp;</a:t>
-            </a:r>
-            <a:r>
-              <a:rPr lang="en-US" sz="2000" dirty="0" err="1" smtClean="0"/>
-              <a:t>categoryId</a:t>
-            </a:r>
-            <a:r>
-              <a:rPr lang="en-US" sz="2000" dirty="0" smtClean="0"/>
-              <a:t>=&lt;</a:t>
-            </a:r>
-            <a:r>
-              <a:rPr lang="en-US" sz="2000" dirty="0" err="1" smtClean="0"/>
-              <a:t>categoryId</a:t>
-            </a:r>
-            <a:r>
-              <a:rPr lang="en-US" sz="2000" dirty="0" smtClean="0"/>
-              <a:t>&gt;</a:t>
+              <a:t>	&amp;sortBy=&lt;field&gt;&amp;direction=&lt;ASC/DESC&gt;&amp;categoryId=&lt;categoryId&gt;</a:t>
             </a:r>
             <a:endParaRPr lang="en-US" sz="2000" dirty="0"/>
           </a:p>

--- a/PriceMonitoringDesign.pptx
+++ b/PriceMonitoringDesign.pptx
@@ -227,7 +227,7 @@
           <a:p>
             <a:fld id="{822F189D-D7C4-2B4B-BA7D-F542C8765D31}" type="datetimeFigureOut">
               <a:rPr lang="en-US" smtClean="0"/>
-              <a:t>6/14/17</a:t>
+              <a:t>6/17/17</a:t>
             </a:fld>
             <a:endParaRPr lang="en-US" dirty="0"/>
           </a:p>
@@ -794,7 +794,7 @@
           <a:p>
             <a:fld id="{FE13B3C1-B50E-B844-B5EC-A0E6C3AA92EA}" type="datetimeFigureOut">
               <a:rPr lang="en-US" smtClean="0"/>
-              <a:t>6/14/17</a:t>
+              <a:t>6/17/17</a:t>
             </a:fld>
             <a:endParaRPr lang="en-US" dirty="0"/>
           </a:p>
@@ -964,7 +964,7 @@
           <a:p>
             <a:fld id="{FE13B3C1-B50E-B844-B5EC-A0E6C3AA92EA}" type="datetimeFigureOut">
               <a:rPr lang="en-US" smtClean="0"/>
-              <a:t>6/14/17</a:t>
+              <a:t>6/17/17</a:t>
             </a:fld>
             <a:endParaRPr lang="en-US" dirty="0"/>
           </a:p>
@@ -1144,7 +1144,7 @@
           <a:p>
             <a:fld id="{FE13B3C1-B50E-B844-B5EC-A0E6C3AA92EA}" type="datetimeFigureOut">
               <a:rPr lang="en-US" smtClean="0"/>
-              <a:t>6/14/17</a:t>
+              <a:t>6/17/17</a:t>
             </a:fld>
             <a:endParaRPr lang="en-US" dirty="0"/>
           </a:p>
@@ -1314,7 +1314,7 @@
           <a:p>
             <a:fld id="{FE13B3C1-B50E-B844-B5EC-A0E6C3AA92EA}" type="datetimeFigureOut">
               <a:rPr lang="en-US" smtClean="0"/>
-              <a:t>6/14/17</a:t>
+              <a:t>6/17/17</a:t>
             </a:fld>
             <a:endParaRPr lang="en-US" dirty="0"/>
           </a:p>
@@ -1560,7 +1560,7 @@
           <a:p>
             <a:fld id="{FE13B3C1-B50E-B844-B5EC-A0E6C3AA92EA}" type="datetimeFigureOut">
               <a:rPr lang="en-US" smtClean="0"/>
-              <a:t>6/14/17</a:t>
+              <a:t>6/17/17</a:t>
             </a:fld>
             <a:endParaRPr lang="en-US" dirty="0"/>
           </a:p>
@@ -1792,7 +1792,7 @@
           <a:p>
             <a:fld id="{FE13B3C1-B50E-B844-B5EC-A0E6C3AA92EA}" type="datetimeFigureOut">
               <a:rPr lang="en-US" smtClean="0"/>
-              <a:t>6/14/17</a:t>
+              <a:t>6/17/17</a:t>
             </a:fld>
             <a:endParaRPr lang="en-US" dirty="0"/>
           </a:p>
@@ -2159,7 +2159,7 @@
           <a:p>
             <a:fld id="{FE13B3C1-B50E-B844-B5EC-A0E6C3AA92EA}" type="datetimeFigureOut">
               <a:rPr lang="en-US" smtClean="0"/>
-              <a:t>6/14/17</a:t>
+              <a:t>6/17/17</a:t>
             </a:fld>
             <a:endParaRPr lang="en-US" dirty="0"/>
           </a:p>
@@ -2277,7 +2277,7 @@
           <a:p>
             <a:fld id="{FE13B3C1-B50E-B844-B5EC-A0E6C3AA92EA}" type="datetimeFigureOut">
               <a:rPr lang="en-US" smtClean="0"/>
-              <a:t>6/14/17</a:t>
+              <a:t>6/17/17</a:t>
             </a:fld>
             <a:endParaRPr lang="en-US" dirty="0"/>
           </a:p>
@@ -2372,7 +2372,7 @@
           <a:p>
             <a:fld id="{FE13B3C1-B50E-B844-B5EC-A0E6C3AA92EA}" type="datetimeFigureOut">
               <a:rPr lang="en-US" smtClean="0"/>
-              <a:t>6/14/17</a:t>
+              <a:t>6/17/17</a:t>
             </a:fld>
             <a:endParaRPr lang="en-US" dirty="0"/>
           </a:p>
@@ -2649,7 +2649,7 @@
           <a:p>
             <a:fld id="{FE13B3C1-B50E-B844-B5EC-A0E6C3AA92EA}" type="datetimeFigureOut">
               <a:rPr lang="en-US" smtClean="0"/>
-              <a:t>6/14/17</a:t>
+              <a:t>6/17/17</a:t>
             </a:fld>
             <a:endParaRPr lang="en-US" dirty="0"/>
           </a:p>
@@ -2902,7 +2902,7 @@
           <a:p>
             <a:fld id="{FE13B3C1-B50E-B844-B5EC-A0E6C3AA92EA}" type="datetimeFigureOut">
               <a:rPr lang="en-US" smtClean="0"/>
-              <a:t>6/14/17</a:t>
+              <a:t>6/17/17</a:t>
             </a:fld>
             <a:endParaRPr lang="en-US" dirty="0"/>
           </a:p>
@@ -3115,7 +3115,7 @@
           <a:p>
             <a:fld id="{FE13B3C1-B50E-B844-B5EC-A0E6C3AA92EA}" type="datetimeFigureOut">
               <a:rPr lang="en-US" smtClean="0"/>
-              <a:t>6/14/17</a:t>
+              <a:t>6/17/17</a:t>
             </a:fld>
             <a:endParaRPr lang="en-US" dirty="0"/>
           </a:p>
@@ -3538,11 +3538,7 @@
             <a:pPr algn="ctr"/>
             <a:r>
               <a:rPr lang="en-US" dirty="0" smtClean="0"/>
-              <a:t>Price </a:t>
-            </a:r>
-            <a:r>
-              <a:rPr lang="en-US" dirty="0" smtClean="0"/>
-              <a:t>Monitoring System	</a:t>
+              <a:t>Price Monitoring System	</a:t>
             </a:r>
             <a:endParaRPr lang="en-US" dirty="0"/>
           </a:p>
@@ -3582,15 +3578,7 @@
           <a:p>
             <a:r>
               <a:rPr lang="en-US" dirty="0" smtClean="0"/>
-              <a:t>Allows users to subscribe </a:t>
-            </a:r>
-            <a:r>
-              <a:rPr lang="en-US" dirty="0" smtClean="0"/>
-              <a:t>by emails </a:t>
-            </a:r>
-            <a:r>
-              <a:rPr lang="en-US" dirty="0" smtClean="0"/>
-              <a:t>for interested product categories.</a:t>
+              <a:t>Allows users to subscribe by emails for interested product categories.</a:t>
             </a:r>
           </a:p>
           <a:p>
@@ -3926,13 +3914,8 @@
             </a:pPr>
             <a:r>
               <a:rPr lang="en-US" sz="2000" dirty="0" smtClean="0"/>
-              <a:t>Store the log into </a:t>
-            </a:r>
-            <a:r>
-              <a:rPr lang="en-US" sz="2000" dirty="0" smtClean="0"/>
-              <a:t>MongoDB.</a:t>
-            </a:r>
-            <a:endParaRPr lang="en-US" sz="2000" dirty="0" smtClean="0"/>
+              <a:t>Store the log into MongoDB.</a:t>
+            </a:r>
           </a:p>
         </p:txBody>
       </p:sp>
@@ -5970,11 +5953,7 @@
           <a:p>
             <a:r>
               <a:rPr lang="en-US" sz="1600" dirty="0" smtClean="0"/>
-              <a:t>Port: </a:t>
-            </a:r>
-            <a:r>
-              <a:rPr lang="en-US" sz="1600" dirty="0" smtClean="0"/>
-              <a:t>9005</a:t>
+              <a:t>Port: 9005</a:t>
             </a:r>
             <a:endParaRPr lang="en-US" sz="1600" dirty="0"/>
           </a:p>
@@ -6343,11 +6322,7 @@
             <a:pPr algn="ctr"/>
             <a:r>
               <a:rPr lang="en-US" dirty="0" smtClean="0"/>
-              <a:t>DB </a:t>
-            </a:r>
-            <a:r>
-              <a:rPr lang="en-US" dirty="0" smtClean="0"/>
-              <a:t>Schema (MySQL)</a:t>
+              <a:t>DB Schema (MySQL)</a:t>
             </a:r>
             <a:endParaRPr lang="en-US" dirty="0"/>
           </a:p>
@@ -8191,13 +8166,8 @@
             </a:pPr>
             <a:r>
               <a:rPr lang="en-US" sz="1800" dirty="0" smtClean="0"/>
-              <a:t>S</a:t>
-            </a:r>
-            <a:r>
-              <a:rPr lang="en-US" sz="1800" dirty="0" smtClean="0"/>
-              <a:t>tatus</a:t>
-            </a:r>
-            <a:endParaRPr lang="en-US" sz="1800" dirty="0" smtClean="0"/>
+              <a:t>Status</a:t>
+            </a:r>
           </a:p>
           <a:p>
             <a:pPr marL="0" indent="0">
@@ -8266,7 +8236,6 @@
               <a:rPr lang="en-US" sz="1800" dirty="0" smtClean="0"/>
               <a:t>reate_time</a:t>
             </a:r>
-            <a:endParaRPr lang="en-US" sz="1800" dirty="0" smtClean="0"/>
           </a:p>
         </p:txBody>
       </p:sp>
@@ -8507,7 +8476,7 @@
         </p:nvSpPr>
         <p:spPr>
           <a:xfrm>
-            <a:off x="2446329" y="1531170"/>
+            <a:off x="2446329" y="1721169"/>
             <a:ext cx="791004" cy="653598"/>
           </a:xfrm>
           <a:prstGeom prst="cloud">
@@ -8552,7 +8521,7 @@
         </p:nvSpPr>
         <p:spPr>
           <a:xfrm>
-            <a:off x="4419607" y="1581235"/>
+            <a:off x="4419607" y="1771234"/>
             <a:ext cx="1980955" cy="417372"/>
           </a:xfrm>
           <a:prstGeom prst="cube">
@@ -8595,7 +8564,7 @@
         </p:nvSpPr>
         <p:spPr>
           <a:xfrm>
-            <a:off x="4482708" y="1638048"/>
+            <a:off x="4482708" y="1828047"/>
             <a:ext cx="1980726" cy="276999"/>
           </a:xfrm>
           <a:prstGeom prst="rect">
@@ -8628,7 +8597,7 @@
         </p:nvCxnSpPr>
         <p:spPr>
           <a:xfrm flipV="1">
-            <a:off x="3236674" y="1842093"/>
+            <a:off x="3236674" y="2032092"/>
             <a:ext cx="1182933" cy="15876"/>
           </a:xfrm>
           <a:prstGeom prst="straightConnector1">
@@ -8664,7 +8633,7 @@
         </p:nvCxnSpPr>
         <p:spPr>
           <a:xfrm flipV="1">
-            <a:off x="6400562" y="1723835"/>
+            <a:off x="6400562" y="1913834"/>
             <a:ext cx="1159354" cy="13915"/>
           </a:xfrm>
           <a:prstGeom prst="straightConnector1">
@@ -8697,8 +8666,8 @@
         </p:nvSpPr>
         <p:spPr>
           <a:xfrm>
-            <a:off x="721241" y="2383544"/>
-            <a:ext cx="10192182" cy="3785652"/>
+            <a:off x="721241" y="2632927"/>
+            <a:ext cx="10192182" cy="4093428"/>
           </a:xfrm>
           <a:prstGeom prst="rect">
             <a:avLst/>
@@ -8747,15 +8716,7 @@
             </a:pPr>
             <a:r>
               <a:rPr lang="en-US" sz="2000" dirty="0" smtClean="0"/>
-              <a:t>Categories with subscribers count &gt; </a:t>
-            </a:r>
-            <a:r>
-              <a:rPr lang="en-US" sz="2000" dirty="0" smtClean="0"/>
-              <a:t>threshold, </a:t>
-            </a:r>
-            <a:r>
-              <a:rPr lang="en-US" sz="2000" dirty="0" smtClean="0"/>
-              <a:t>set to HIGH (1) priority.</a:t>
+              <a:t>Categories with subscribers count &gt; threshold, set to HIGH (1) priority.</a:t>
             </a:r>
           </a:p>
           <a:p>
@@ -8795,11 +8756,7 @@
             </a:pPr>
             <a:r>
               <a:rPr lang="en-US" sz="2000" dirty="0" smtClean="0"/>
-              <a:t>Threshold is </a:t>
-            </a:r>
-            <a:r>
-              <a:rPr lang="en-US" sz="2000" dirty="0" smtClean="0"/>
-              <a:t>configured at application.yml</a:t>
+              <a:t>Threshold is configured at application.yml</a:t>
             </a:r>
             <a:r>
               <a:rPr lang="en-US" sz="2000" dirty="0"/>
@@ -8817,31 +8774,7 @@
             </a:pPr>
             <a:r>
               <a:rPr lang="en-US" sz="2000" dirty="0" smtClean="0"/>
-              <a:t>When crawler </a:t>
-            </a:r>
-            <a:r>
-              <a:rPr lang="en-US" sz="2000" dirty="0" smtClean="0"/>
-              <a:t>starts the first time, </a:t>
-            </a:r>
-            <a:r>
-              <a:rPr lang="en-US" sz="2000" dirty="0" smtClean="0"/>
-              <a:t>it </a:t>
-            </a:r>
-            <a:r>
-              <a:rPr lang="en-US" sz="2000" dirty="0" smtClean="0"/>
-              <a:t>will update the </a:t>
-            </a:r>
-            <a:r>
-              <a:rPr lang="en-US" sz="2000" dirty="0" smtClean="0"/>
-              <a:t>threshold in </a:t>
-            </a:r>
-            <a:r>
-              <a:rPr lang="en-US" sz="2000" dirty="0" smtClean="0"/>
-              <a:t>DB</a:t>
-            </a:r>
-            <a:r>
-              <a:rPr lang="en-US" sz="2000" dirty="0" smtClean="0"/>
-              <a:t>.</a:t>
+              <a:t>When crawler starts the first time, it will update the threshold in DB.</a:t>
             </a:r>
           </a:p>
           <a:p>
@@ -8859,7 +8792,15 @@
             </a:r>
             <a:r>
               <a:rPr lang="en-US" sz="2000" dirty="0" smtClean="0"/>
-              <a:t>also be changed at run time through REST api:</a:t>
+              <a:t>also be changed at run time through REST </a:t>
+            </a:r>
+            <a:r>
+              <a:rPr lang="en-US" sz="2000" dirty="0" err="1" smtClean="0"/>
+              <a:t>api</a:t>
+            </a:r>
+            <a:r>
+              <a:rPr lang="en-US" sz="2000" dirty="0" smtClean="0"/>
+              <a:t>:</a:t>
             </a:r>
           </a:p>
           <a:p>
@@ -8867,26 +8808,7 @@
               <a:buFont typeface="Arial" charset="0"/>
               <a:buChar char="•"/>
             </a:pPr>
-            <a:r>
-              <a:rPr lang="en-US" sz="2000" dirty="0" smtClean="0"/>
-              <a:t>GET	</a:t>
-            </a:r>
-            <a:r>
-              <a:rPr lang="en-US" sz="2000" dirty="0" smtClean="0"/>
-              <a:t>/category-crawlers/user-count-threshold</a:t>
-            </a:r>
-            <a:r>
-              <a:rPr lang="en-US" sz="2000" dirty="0" smtClean="0"/>
-              <a:t>		</a:t>
-            </a:r>
-            <a:r>
-              <a:rPr lang="en-US" sz="2000" dirty="0" smtClean="0"/>
-              <a:t>	Get </a:t>
-            </a:r>
-            <a:r>
-              <a:rPr lang="en-US" sz="2000" dirty="0" smtClean="0"/>
-              <a:t>threshold</a:t>
-            </a:r>
+            <a:endParaRPr lang="en-US" sz="2000" dirty="0" smtClean="0"/>
           </a:p>
           <a:p>
             <a:pPr marL="285750" indent="-285750">
@@ -8895,23 +8817,17 @@
             </a:pPr>
             <a:r>
               <a:rPr lang="en-US" sz="2000" dirty="0" smtClean="0"/>
-              <a:t>PUT	</a:t>
-            </a:r>
+              <a:t>GET	/category-crawlers/user-count-threshold			Get threshold</a:t>
+            </a:r>
+          </a:p>
+          <a:p>
+            <a:pPr marL="285750" indent="-285750">
+              <a:buFont typeface="Arial" charset="0"/>
+              <a:buChar char="•"/>
+            </a:pPr>
             <a:r>
               <a:rPr lang="en-US" sz="2000" dirty="0" smtClean="0"/>
-              <a:t>/category-crawlers/user-count-threshold</a:t>
-            </a:r>
-            <a:r>
-              <a:rPr lang="en-US" sz="2000" dirty="0" smtClean="0"/>
-              <a:t>		</a:t>
-            </a:r>
-            <a:r>
-              <a:rPr lang="en-US" sz="2000" dirty="0" smtClean="0"/>
-              <a:t>	Update </a:t>
-            </a:r>
-            <a:r>
-              <a:rPr lang="en-US" sz="2000" dirty="0" smtClean="0"/>
-              <a:t>threshold</a:t>
+              <a:t>PUT	/category-crawlers/user-count-threshold			Update threshold</a:t>
             </a:r>
           </a:p>
         </p:txBody>
@@ -8938,7 +8854,7 @@
         </p:blipFill>
         <p:spPr>
           <a:xfrm>
-            <a:off x="7559916" y="1360649"/>
+            <a:off x="7559916" y="1550648"/>
             <a:ext cx="726372" cy="726372"/>
           </a:xfrm>
           <a:prstGeom prst="rect">
@@ -8946,6 +8862,231 @@
           </a:prstGeom>
         </p:spPr>
       </p:pic>
+      <p:pic>
+        <p:nvPicPr>
+          <p:cNvPr id="17" name="Content Placeholder 119"/>
+          <p:cNvPicPr>
+            <a:picLocks noChangeAspect="1"/>
+          </p:cNvPicPr>
+          <p:nvPr/>
+        </p:nvPicPr>
+        <p:blipFill>
+          <a:blip r:embed="rId2">
+            <a:extLst>
+              <a:ext uri="{28A0092B-C50C-407E-A947-70E740481C1C}">
+                <a14:useLocalDpi xmlns:a14="http://schemas.microsoft.com/office/drawing/2010/main" val="0"/>
+              </a:ext>
+            </a:extLst>
+          </a:blip>
+          <a:stretch>
+            <a:fillRect/>
+          </a:stretch>
+        </p:blipFill>
+        <p:spPr>
+          <a:xfrm>
+            <a:off x="2568788" y="1258303"/>
+            <a:ext cx="273043" cy="273043"/>
+          </a:xfrm>
+          <a:prstGeom prst="rect">
+            <a:avLst/>
+          </a:prstGeom>
+        </p:spPr>
+      </p:pic>
+      <p:sp>
+        <p:nvSpPr>
+          <p:cNvPr id="18" name="Subtitle 2"/>
+          <p:cNvSpPr txBox="1">
+            <a:spLocks/>
+          </p:cNvSpPr>
+          <p:nvPr/>
+        </p:nvSpPr>
+        <p:spPr>
+          <a:xfrm>
+            <a:off x="2945081" y="1163303"/>
+            <a:ext cx="6650182" cy="423356"/>
+          </a:xfrm>
+          <a:prstGeom prst="rect">
+            <a:avLst/>
+          </a:prstGeom>
+        </p:spPr>
+        <p:txBody>
+          <a:bodyPr vert="horz" lIns="91440" tIns="45720" rIns="91440" bIns="45720" rtlCol="0">
+            <a:normAutofit/>
+          </a:bodyPr>
+          <a:lstStyle>
+            <a:lvl1pPr marL="0" indent="0" algn="ctr" defTabSz="914400" rtl="0" eaLnBrk="1" latinLnBrk="0" hangingPunct="1">
+              <a:lnSpc>
+                <a:spcPct val="90000"/>
+              </a:lnSpc>
+              <a:spcBef>
+                <a:spcPts val="1000"/>
+              </a:spcBef>
+              <a:buFont typeface="Arial"/>
+              <a:buNone/>
+              <a:defRPr sz="2400" kern="1200">
+                <a:solidFill>
+                  <a:schemeClr val="tx1"/>
+                </a:solidFill>
+                <a:latin typeface="+mn-lt"/>
+                <a:ea typeface="+mn-ea"/>
+                <a:cs typeface="+mn-cs"/>
+              </a:defRPr>
+            </a:lvl1pPr>
+            <a:lvl2pPr marL="457200" indent="0" algn="ctr" defTabSz="914400" rtl="0" eaLnBrk="1" latinLnBrk="0" hangingPunct="1">
+              <a:lnSpc>
+                <a:spcPct val="90000"/>
+              </a:lnSpc>
+              <a:spcBef>
+                <a:spcPts val="500"/>
+              </a:spcBef>
+              <a:buFont typeface="Arial"/>
+              <a:buNone/>
+              <a:defRPr sz="2000" kern="1200">
+                <a:solidFill>
+                  <a:schemeClr val="tx1"/>
+                </a:solidFill>
+                <a:latin typeface="+mn-lt"/>
+                <a:ea typeface="+mn-ea"/>
+                <a:cs typeface="+mn-cs"/>
+              </a:defRPr>
+            </a:lvl2pPr>
+            <a:lvl3pPr marL="914400" indent="0" algn="ctr" defTabSz="914400" rtl="0" eaLnBrk="1" latinLnBrk="0" hangingPunct="1">
+              <a:lnSpc>
+                <a:spcPct val="90000"/>
+              </a:lnSpc>
+              <a:spcBef>
+                <a:spcPts val="500"/>
+              </a:spcBef>
+              <a:buFont typeface="Arial"/>
+              <a:buNone/>
+              <a:defRPr sz="1800" kern="1200">
+                <a:solidFill>
+                  <a:schemeClr val="tx1"/>
+                </a:solidFill>
+                <a:latin typeface="+mn-lt"/>
+                <a:ea typeface="+mn-ea"/>
+                <a:cs typeface="+mn-cs"/>
+              </a:defRPr>
+            </a:lvl3pPr>
+            <a:lvl4pPr marL="1371600" indent="0" algn="ctr" defTabSz="914400" rtl="0" eaLnBrk="1" latinLnBrk="0" hangingPunct="1">
+              <a:lnSpc>
+                <a:spcPct val="90000"/>
+              </a:lnSpc>
+              <a:spcBef>
+                <a:spcPts val="500"/>
+              </a:spcBef>
+              <a:buFont typeface="Arial"/>
+              <a:buNone/>
+              <a:defRPr sz="1600" kern="1200">
+                <a:solidFill>
+                  <a:schemeClr val="tx1"/>
+                </a:solidFill>
+                <a:latin typeface="+mn-lt"/>
+                <a:ea typeface="+mn-ea"/>
+                <a:cs typeface="+mn-cs"/>
+              </a:defRPr>
+            </a:lvl4pPr>
+            <a:lvl5pPr marL="1828800" indent="0" algn="ctr" defTabSz="914400" rtl="0" eaLnBrk="1" latinLnBrk="0" hangingPunct="1">
+              <a:lnSpc>
+                <a:spcPct val="90000"/>
+              </a:lnSpc>
+              <a:spcBef>
+                <a:spcPts val="500"/>
+              </a:spcBef>
+              <a:buFont typeface="Arial"/>
+              <a:buNone/>
+              <a:defRPr sz="1600" kern="1200">
+                <a:solidFill>
+                  <a:schemeClr val="tx1"/>
+                </a:solidFill>
+                <a:latin typeface="+mn-lt"/>
+                <a:ea typeface="+mn-ea"/>
+                <a:cs typeface="+mn-cs"/>
+              </a:defRPr>
+            </a:lvl5pPr>
+            <a:lvl6pPr marL="2286000" indent="0" algn="ctr" defTabSz="914400" rtl="0" eaLnBrk="1" latinLnBrk="0" hangingPunct="1">
+              <a:lnSpc>
+                <a:spcPct val="90000"/>
+              </a:lnSpc>
+              <a:spcBef>
+                <a:spcPts val="500"/>
+              </a:spcBef>
+              <a:buFont typeface="Arial"/>
+              <a:buNone/>
+              <a:defRPr sz="1600" kern="1200">
+                <a:solidFill>
+                  <a:schemeClr val="tx1"/>
+                </a:solidFill>
+                <a:latin typeface="+mn-lt"/>
+                <a:ea typeface="+mn-ea"/>
+                <a:cs typeface="+mn-cs"/>
+              </a:defRPr>
+            </a:lvl6pPr>
+            <a:lvl7pPr marL="2743200" indent="0" algn="ctr" defTabSz="914400" rtl="0" eaLnBrk="1" latinLnBrk="0" hangingPunct="1">
+              <a:lnSpc>
+                <a:spcPct val="90000"/>
+              </a:lnSpc>
+              <a:spcBef>
+                <a:spcPts val="500"/>
+              </a:spcBef>
+              <a:buFont typeface="Arial"/>
+              <a:buNone/>
+              <a:defRPr sz="1600" kern="1200">
+                <a:solidFill>
+                  <a:schemeClr val="tx1"/>
+                </a:solidFill>
+                <a:latin typeface="+mn-lt"/>
+                <a:ea typeface="+mn-ea"/>
+                <a:cs typeface="+mn-cs"/>
+              </a:defRPr>
+            </a:lvl7pPr>
+            <a:lvl8pPr marL="3200400" indent="0" algn="ctr" defTabSz="914400" rtl="0" eaLnBrk="1" latinLnBrk="0" hangingPunct="1">
+              <a:lnSpc>
+                <a:spcPct val="90000"/>
+              </a:lnSpc>
+              <a:spcBef>
+                <a:spcPts val="500"/>
+              </a:spcBef>
+              <a:buFont typeface="Arial"/>
+              <a:buNone/>
+              <a:defRPr sz="1600" kern="1200">
+                <a:solidFill>
+                  <a:schemeClr val="tx1"/>
+                </a:solidFill>
+                <a:latin typeface="+mn-lt"/>
+                <a:ea typeface="+mn-ea"/>
+                <a:cs typeface="+mn-cs"/>
+              </a:defRPr>
+            </a:lvl8pPr>
+            <a:lvl9pPr marL="3657600" indent="0" algn="ctr" defTabSz="914400" rtl="0" eaLnBrk="1" latinLnBrk="0" hangingPunct="1">
+              <a:lnSpc>
+                <a:spcPct val="90000"/>
+              </a:lnSpc>
+              <a:spcBef>
+                <a:spcPts val="500"/>
+              </a:spcBef>
+              <a:buFont typeface="Arial"/>
+              <a:buNone/>
+              <a:defRPr sz="1600" kern="1200">
+                <a:solidFill>
+                  <a:schemeClr val="tx1"/>
+                </a:solidFill>
+                <a:latin typeface="+mn-lt"/>
+                <a:ea typeface="+mn-ea"/>
+                <a:cs typeface="+mn-cs"/>
+              </a:defRPr>
+            </a:lvl9pPr>
+          </a:lstStyle>
+          <a:p>
+            <a:pPr algn="l"/>
+            <a:r>
+              <a:rPr lang="en-US" sz="2000" dirty="0" smtClean="0"/>
+              <a:t>Update category priority at 00:00:00 AM Monday - Saturday</a:t>
+            </a:r>
+            <a:endParaRPr lang="en-US" sz="2000" dirty="0"/>
+          </a:p>
+        </p:txBody>
+      </p:sp>
     </p:spTree>
     <p:extLst>
       <p:ext uri="{BB962C8B-B14F-4D97-AF65-F5344CB8AC3E}">
@@ -9399,11 +9540,7 @@
             </a:pPr>
             <a:r>
               <a:rPr lang="en-US" sz="2000" smtClean="0"/>
-              <a:t>Get </a:t>
-            </a:r>
-            <a:r>
-              <a:rPr lang="en-US" sz="2000" smtClean="0"/>
-              <a:t>categories </a:t>
+              <a:t>Get categories </a:t>
             </a:r>
             <a:r>
               <a:rPr lang="en-US" sz="2000" dirty="0" smtClean="0"/>
@@ -9417,15 +9554,7 @@
             </a:pPr>
             <a:r>
               <a:rPr lang="en-US" sz="2000" dirty="0" smtClean="0"/>
-              <a:t>Order categories by </a:t>
-            </a:r>
-            <a:r>
-              <a:rPr lang="en-US" sz="2000" dirty="0" smtClean="0"/>
-              <a:t>user_count </a:t>
-            </a:r>
-            <a:r>
-              <a:rPr lang="en-US" sz="2000" dirty="0" smtClean="0"/>
-              <a:t>in descending order.</a:t>
+              <a:t>Order categories by user_count in descending order.</a:t>
             </a:r>
           </a:p>
           <a:p>
@@ -9458,19 +9587,7 @@
             </a:pPr>
             <a:r>
               <a:rPr lang="en-US" sz="2000" dirty="0" smtClean="0"/>
-              <a:t>The </a:t>
-            </a:r>
-            <a:r>
-              <a:rPr lang="en-US" sz="2000" dirty="0" smtClean="0"/>
-              <a:t>worker thread crawls the online shopping web site </a:t>
-            </a:r>
-            <a:r>
-              <a:rPr lang="en-US" sz="2000" dirty="0" smtClean="0"/>
-              <a:t>with product_list_url to </a:t>
-            </a:r>
-            <a:r>
-              <a:rPr lang="en-US" sz="2000" dirty="0" smtClean="0"/>
-              <a:t>get all products.</a:t>
+              <a:t>The worker thread crawls the online shopping web site with product_list_url to get all products.</a:t>
             </a:r>
           </a:p>
           <a:p>
@@ -11334,15 +11451,7 @@
             </a:pPr>
             <a:r>
               <a:rPr lang="en-US" sz="2000" dirty="0" smtClean="0"/>
-              <a:t>Check if product’s id exists in cache, if not, store the product in DB and &lt;</a:t>
-            </a:r>
-            <a:r>
-              <a:rPr lang="en-US" sz="2000" dirty="0" smtClean="0"/>
-              <a:t>product_id</a:t>
-            </a:r>
-            <a:r>
-              <a:rPr lang="en-US" sz="2000" dirty="0" smtClean="0"/>
-              <a:t>, price&gt; pair to cache.</a:t>
+              <a:t>Check if product’s id exists in cache, if not, store the product in DB and &lt;product_id, price&gt; pair to cache.</a:t>
             </a:r>
           </a:p>
           <a:p>
@@ -11352,11 +11461,7 @@
             </a:pPr>
             <a:r>
               <a:rPr lang="en-US" sz="2000" dirty="0" smtClean="0"/>
-              <a:t>If product exists in cache, compare if price is reduced, if yes, send product to q_discount_product_p(n) </a:t>
-            </a:r>
-            <a:r>
-              <a:rPr lang="en-US" sz="2000" dirty="0" smtClean="0"/>
-              <a:t>.</a:t>
+              <a:t>If product exists in cache, compare if price is reduced, if yes, send product to q_discount_product_p(n) .</a:t>
             </a:r>
           </a:p>
           <a:p>
@@ -11366,11 +11471,7 @@
             </a:pPr>
             <a:r>
               <a:rPr lang="en-US" sz="2000" dirty="0" smtClean="0"/>
-              <a:t>Update </a:t>
-            </a:r>
-            <a:r>
-              <a:rPr lang="en-US" sz="2000" dirty="0" smtClean="0"/>
-              <a:t>cache and DB with new price if price is changed.</a:t>
+              <a:t>Update cache and DB with new price if price is changed.</a:t>
             </a:r>
             <a:endParaRPr lang="en-US" sz="2000" dirty="0"/>
           </a:p>
@@ -12968,111 +13069,31 @@
           <a:p>
             <a:r>
               <a:rPr lang="en-US" sz="2000" dirty="0" smtClean="0"/>
-              <a:t>POST	</a:t>
-            </a:r>
+              <a:t>POST	/users								Create user</a:t>
+            </a:r>
+          </a:p>
+          <a:p>
             <a:r>
               <a:rPr lang="en-US" sz="2000" dirty="0" smtClean="0"/>
-              <a:t>/users</a:t>
-            </a:r>
+              <a:t>PUT	/users/{userId}							Update user</a:t>
+            </a:r>
+          </a:p>
+          <a:p>
             <a:r>
               <a:rPr lang="en-US" sz="2000" dirty="0" smtClean="0"/>
-              <a:t>					</a:t>
-            </a:r>
+              <a:t>DELETE	/users/{userId}							Delete user</a:t>
+            </a:r>
+          </a:p>
+          <a:p>
             <a:r>
               <a:rPr lang="en-US" sz="2000" dirty="0" smtClean="0"/>
-              <a:t>			Create </a:t>
-            </a:r>
+              <a:t>POST	/users/{userId}/categories/{categoryId}				Subscribe category</a:t>
+            </a:r>
+          </a:p>
+          <a:p>
             <a:r>
               <a:rPr lang="en-US" sz="2000" dirty="0" smtClean="0"/>
-              <a:t>user</a:t>
-            </a:r>
-          </a:p>
-          <a:p>
-            <a:r>
-              <a:rPr lang="en-US" sz="2000" dirty="0" smtClean="0"/>
-              <a:t>PUT	</a:t>
-            </a:r>
-            <a:r>
-              <a:rPr lang="en-US" sz="2000" dirty="0" smtClean="0"/>
-              <a:t>/users</a:t>
-            </a:r>
-            <a:r>
-              <a:rPr lang="en-US" sz="2000" dirty="0" smtClean="0"/>
-              <a:t>/{userId}				</a:t>
-            </a:r>
-            <a:r>
-              <a:rPr lang="en-US" sz="2000" dirty="0" smtClean="0"/>
-              <a:t>			Update </a:t>
-            </a:r>
-            <a:r>
-              <a:rPr lang="en-US" sz="2000" dirty="0" smtClean="0"/>
-              <a:t>user</a:t>
-            </a:r>
-          </a:p>
-          <a:p>
-            <a:r>
-              <a:rPr lang="en-US" sz="2000" dirty="0" smtClean="0"/>
-              <a:t>DELETE	</a:t>
-            </a:r>
-            <a:r>
-              <a:rPr lang="en-US" sz="2000" dirty="0" smtClean="0"/>
-              <a:t>/users</a:t>
-            </a:r>
-            <a:r>
-              <a:rPr lang="en-US" sz="2000" dirty="0" smtClean="0"/>
-              <a:t>/{userId}				</a:t>
-            </a:r>
-            <a:r>
-              <a:rPr lang="en-US" sz="2000" dirty="0" smtClean="0"/>
-              <a:t>			Delete </a:t>
-            </a:r>
-            <a:r>
-              <a:rPr lang="en-US" sz="2000" dirty="0" smtClean="0"/>
-              <a:t>user</a:t>
-            </a:r>
-          </a:p>
-          <a:p>
-            <a:r>
-              <a:rPr lang="en-US" sz="2000" dirty="0" smtClean="0"/>
-              <a:t>POST	</a:t>
-            </a:r>
-            <a:r>
-              <a:rPr lang="en-US" sz="2000" dirty="0" smtClean="0"/>
-              <a:t>/users</a:t>
-            </a:r>
-            <a:r>
-              <a:rPr lang="en-US" sz="2000" dirty="0" smtClean="0"/>
-              <a:t>/{userId}/categories/{categoryId}		</a:t>
-            </a:r>
-            <a:r>
-              <a:rPr lang="en-US" sz="2000" dirty="0" smtClean="0"/>
-              <a:t>		Subscribe </a:t>
-            </a:r>
-            <a:r>
-              <a:rPr lang="en-US" sz="2000" dirty="0" smtClean="0"/>
-              <a:t>category</a:t>
-            </a:r>
-          </a:p>
-          <a:p>
-            <a:r>
-              <a:rPr lang="en-US" sz="2000" dirty="0" smtClean="0"/>
-              <a:t>DELETE	</a:t>
-            </a:r>
-            <a:r>
-              <a:rPr lang="en-US" sz="2000" dirty="0" smtClean="0"/>
-              <a:t>/users</a:t>
-            </a:r>
-            <a:r>
-              <a:rPr lang="en-US" sz="2000" dirty="0" smtClean="0"/>
-              <a:t>/{userId}/categories/{categoryId}		</a:t>
-            </a:r>
-            <a:r>
-              <a:rPr lang="en-US" sz="2000" dirty="0" smtClean="0"/>
-              <a:t>		Unsubscribe </a:t>
-            </a:r>
-            <a:r>
-              <a:rPr lang="en-US" sz="2000" dirty="0" smtClean="0"/>
-              <a:t>category</a:t>
+              <a:t>DELETE	/users/{userId}/categories/{categoryId}				Unsubscribe category</a:t>
             </a:r>
           </a:p>
           <a:p>
@@ -13086,11 +13107,7 @@
             </a:r>
             <a:r>
               <a:rPr lang="en-US" sz="2000" dirty="0" smtClean="0"/>
-              <a:t>	</a:t>
-            </a:r>
-            <a:r>
-              <a:rPr lang="en-US" sz="2000" dirty="0" smtClean="0"/>
-              <a:t>				List </a:t>
+              <a:t>					List </a:t>
             </a:r>
             <a:r>
               <a:rPr lang="en-US" sz="2000" dirty="0"/>
@@ -13100,11 +13117,7 @@
           <a:p>
             <a:r>
               <a:rPr lang="en-US" sz="2000" dirty="0" smtClean="0"/>
-              <a:t>GET	/users/deals?</a:t>
-            </a:r>
-            <a:r>
-              <a:rPr lang="en-US" sz="2000" dirty="0" smtClean="0"/>
-              <a:t>page=&lt;page#&gt;&amp;size=&lt;page size&gt;			Search deals</a:t>
+              <a:t>GET	/users/deals?page=&lt;page#&gt;&amp;size=&lt;page size&gt;			Search deals</a:t>
             </a:r>
           </a:p>
           <a:p>

--- a/PriceMonitoringDesign.pptx
+++ b/PriceMonitoringDesign.pptx
@@ -5,19 +5,20 @@
     <p:sldMasterId id="2147483648" r:id="rId1"/>
   </p:sldMasterIdLst>
   <p:notesMasterIdLst>
-    <p:notesMasterId r:id="rId12"/>
+    <p:notesMasterId r:id="rId13"/>
   </p:notesMasterIdLst>
   <p:sldIdLst>
-    <p:sldId id="268" r:id="rId2"/>
-    <p:sldId id="266" r:id="rId3"/>
-    <p:sldId id="270" r:id="rId4"/>
-    <p:sldId id="271" r:id="rId5"/>
-    <p:sldId id="256" r:id="rId6"/>
-    <p:sldId id="257" r:id="rId7"/>
-    <p:sldId id="258" r:id="rId8"/>
-    <p:sldId id="259" r:id="rId9"/>
-    <p:sldId id="261" r:id="rId10"/>
-    <p:sldId id="269" r:id="rId11"/>
+    <p:sldId id="272" r:id="rId2"/>
+    <p:sldId id="268" r:id="rId3"/>
+    <p:sldId id="266" r:id="rId4"/>
+    <p:sldId id="270" r:id="rId5"/>
+    <p:sldId id="271" r:id="rId6"/>
+    <p:sldId id="256" r:id="rId7"/>
+    <p:sldId id="257" r:id="rId8"/>
+    <p:sldId id="258" r:id="rId9"/>
+    <p:sldId id="259" r:id="rId10"/>
+    <p:sldId id="261" r:id="rId11"/>
+    <p:sldId id="269" r:id="rId12"/>
   </p:sldIdLst>
   <p:sldSz cx="12192000" cy="6858000"/>
   <p:notesSz cx="6858000" cy="9144000"/>
@@ -121,6 +122,7 @@
       <p14:sectionLst xmlns:p14="http://schemas.microsoft.com/office/powerpoint/2010/main">
         <p14:section name="Default Section" id="{F5BFE4DA-25BB-404E-BD9E-0783A9B7EAAD}">
           <p14:sldIdLst>
+            <p14:sldId id="272"/>
             <p14:sldId id="268"/>
             <p14:sldId id="266"/>
             <p14:sldId id="270"/>
@@ -560,7 +562,7 @@
           <a:p>
             <a:fld id="{EC7320ED-0C6B-184D-AB80-F731C6164C1E}" type="slidenum">
               <a:rPr lang="en-US" smtClean="0"/>
-              <a:t>2</a:t>
+              <a:t>3</a:t>
             </a:fld>
             <a:endParaRPr lang="en-US" dirty="0"/>
           </a:p>
@@ -644,7 +646,7 @@
           <a:p>
             <a:fld id="{EC7320ED-0C6B-184D-AB80-F731C6164C1E}" type="slidenum">
               <a:rPr lang="en-US" smtClean="0"/>
-              <a:t>6</a:t>
+              <a:t>7</a:t>
             </a:fld>
             <a:endParaRPr lang="en-US" dirty="0"/>
           </a:p>
@@ -3530,17 +3532,40 @@
             <p:ph type="title"/>
           </p:nvPr>
         </p:nvSpPr>
-        <p:spPr/>
-        <p:txBody>
-          <a:bodyPr/>
+        <p:spPr>
+          <a:xfrm>
+            <a:off x="838200" y="365124"/>
+            <a:ext cx="10515600" cy="4551259"/>
+          </a:xfrm>
+        </p:spPr>
+        <p:style>
+          <a:lnRef idx="2">
+            <a:schemeClr val="accent4">
+              <a:shade val="50000"/>
+            </a:schemeClr>
+          </a:lnRef>
+          <a:fillRef idx="1">
+            <a:schemeClr val="accent4"/>
+          </a:fillRef>
+          <a:effectRef idx="0">
+            <a:schemeClr val="accent4"/>
+          </a:effectRef>
+          <a:fontRef idx="minor">
+            <a:schemeClr val="lt1"/>
+          </a:fontRef>
+        </p:style>
+        <p:txBody>
+          <a:bodyPr>
+            <a:normAutofit/>
+          </a:bodyPr>
           <a:lstStyle/>
           <a:p>
             <a:pPr algn="ctr"/>
             <a:r>
-              <a:rPr lang="en-US" dirty="0" smtClean="0"/>
-              <a:t>Price Monitoring System	</a:t>
-            </a:r>
-            <a:endParaRPr lang="en-US" dirty="0"/>
+              <a:rPr lang="en-US" sz="8000" dirty="0" smtClean="0"/>
+              <a:t>Price Monitoring System</a:t>
+            </a:r>
+            <a:endParaRPr lang="en-US" sz="8000" dirty="0"/>
           </a:p>
         </p:txBody>
       </p:sp>
@@ -3556,65 +3581,27 @@
         </p:nvSpPr>
         <p:spPr>
           <a:xfrm>
-            <a:off x="838200" y="1825625"/>
-            <a:ext cx="10515600" cy="3067009"/>
-          </a:xfrm>
-        </p:spPr>
-        <p:txBody>
-          <a:bodyPr>
-            <a:normAutofit/>
-          </a:bodyPr>
-          <a:lstStyle/>
-          <a:p>
-            <a:r>
-              <a:rPr lang="en-US" dirty="0"/>
-              <a:t>K</a:t>
-            </a:r>
+            <a:off x="838200" y="5320145"/>
+            <a:ext cx="10515600" cy="856818"/>
+          </a:xfrm>
+        </p:spPr>
+        <p:txBody>
+          <a:bodyPr/>
+          <a:lstStyle/>
+          <a:p>
+            <a:pPr algn="ctr"/>
             <a:r>
               <a:rPr lang="en-US" dirty="0" smtClean="0"/>
-              <a:t>eeps track of product prices at online shopping web site. </a:t>
-            </a:r>
-          </a:p>
-          <a:p>
-            <a:r>
-              <a:rPr lang="en-US" dirty="0" smtClean="0"/>
-              <a:t>Allows users to subscribe by emails for interested product categories.</a:t>
-            </a:r>
-          </a:p>
-          <a:p>
-            <a:r>
-              <a:rPr lang="en-US" dirty="0"/>
-              <a:t>Notifies subscribers if </a:t>
-            </a:r>
-            <a:r>
-              <a:rPr lang="en-US" dirty="0" smtClean="0"/>
-              <a:t>there is any discount product in the subscribed categories. </a:t>
-            </a:r>
-          </a:p>
-          <a:p>
-            <a:r>
-              <a:rPr lang="en-US" dirty="0" smtClean="0"/>
-              <a:t>Also allows users </a:t>
-            </a:r>
-            <a:r>
-              <a:rPr lang="en-US" dirty="0"/>
-              <a:t>to query discount products </a:t>
-            </a:r>
-            <a:r>
-              <a:rPr lang="en-US" dirty="0" smtClean="0"/>
-              <a:t>online.</a:t>
+              <a:t>Bihju Chiu</a:t>
             </a:r>
             <a:endParaRPr lang="en-US" dirty="0"/>
-          </a:p>
-          <a:p>
-            <a:endParaRPr lang="en-US" dirty="0" smtClean="0"/>
           </a:p>
         </p:txBody>
       </p:sp>
     </p:spTree>
     <p:extLst>
       <p:ext uri="{BB962C8B-B14F-4D97-AF65-F5344CB8AC3E}">
-        <p14:creationId xmlns:p14="http://schemas.microsoft.com/office/powerpoint/2010/main" val="1660518413"/>
+        <p14:creationId xmlns:p14="http://schemas.microsoft.com/office/powerpoint/2010/main" val="529721656"/>
       </p:ext>
     </p:extLst>
   </p:cSld>
@@ -3632,6 +3619,529 @@
 </file>
 
 <file path=ppt/slides/slide10.xml><?xml version="1.0" encoding="utf-8"?>
+<p:sld xmlns:a="http://schemas.openxmlformats.org/drawingml/2006/main" xmlns:r="http://schemas.openxmlformats.org/officeDocument/2006/relationships" xmlns:p="http://schemas.openxmlformats.org/presentationml/2006/main">
+  <p:cSld>
+    <p:spTree>
+      <p:nvGrpSpPr>
+        <p:cNvPr id="1" name=""/>
+        <p:cNvGrpSpPr/>
+        <p:nvPr/>
+      </p:nvGrpSpPr>
+      <p:grpSpPr>
+        <a:xfrm>
+          <a:off x="0" y="0"/>
+          <a:ext cx="0" cy="0"/>
+          <a:chOff x="0" y="0"/>
+          <a:chExt cx="0" cy="0"/>
+        </a:xfrm>
+      </p:grpSpPr>
+      <p:sp>
+        <p:nvSpPr>
+          <p:cNvPr id="2" name="Title 1"/>
+          <p:cNvSpPr>
+            <a:spLocks noGrp="1"/>
+          </p:cNvSpPr>
+          <p:nvPr>
+            <p:ph type="ctrTitle"/>
+          </p:nvPr>
+        </p:nvSpPr>
+        <p:spPr>
+          <a:xfrm>
+            <a:off x="1524000" y="0"/>
+            <a:ext cx="9144000" cy="856527"/>
+          </a:xfrm>
+        </p:spPr>
+        <p:txBody>
+          <a:bodyPr>
+            <a:normAutofit fontScale="90000"/>
+          </a:bodyPr>
+          <a:lstStyle/>
+          <a:p>
+            <a:r>
+              <a:rPr lang="en-US" dirty="0" smtClean="0"/>
+              <a:t>User Service</a:t>
+            </a:r>
+            <a:endParaRPr lang="en-US" dirty="0"/>
+          </a:p>
+        </p:txBody>
+      </p:sp>
+      <p:sp>
+        <p:nvSpPr>
+          <p:cNvPr id="17" name="Cloud 16"/>
+          <p:cNvSpPr/>
+          <p:nvPr/>
+        </p:nvSpPr>
+        <p:spPr>
+          <a:xfrm>
+            <a:off x="3243312" y="1153689"/>
+            <a:ext cx="791004" cy="653598"/>
+          </a:xfrm>
+          <a:prstGeom prst="cloud">
+            <a:avLst/>
+          </a:prstGeom>
+          <a:solidFill>
+            <a:schemeClr val="bg2">
+              <a:lumMod val="90000"/>
+            </a:schemeClr>
+          </a:solidFill>
+        </p:spPr>
+        <p:style>
+          <a:lnRef idx="2">
+            <a:schemeClr val="accent1">
+              <a:shade val="50000"/>
+            </a:schemeClr>
+          </a:lnRef>
+          <a:fillRef idx="1">
+            <a:schemeClr val="accent1"/>
+          </a:fillRef>
+          <a:effectRef idx="0">
+            <a:schemeClr val="accent1"/>
+          </a:effectRef>
+          <a:fontRef idx="minor">
+            <a:schemeClr val="lt1"/>
+          </a:fontRef>
+        </p:style>
+        <p:txBody>
+          <a:bodyPr rtlCol="0" anchor="ctr"/>
+          <a:lstStyle/>
+          <a:p>
+            <a:pPr algn="ctr"/>
+            <a:endParaRPr lang="en-US" dirty="0"/>
+          </a:p>
+        </p:txBody>
+      </p:sp>
+      <p:pic>
+        <p:nvPicPr>
+          <p:cNvPr id="25" name="Picture 24"/>
+          <p:cNvPicPr>
+            <a:picLocks noChangeAspect="1"/>
+          </p:cNvPicPr>
+          <p:nvPr/>
+        </p:nvPicPr>
+        <p:blipFill>
+          <a:blip r:embed="rId2">
+            <a:extLst>
+              <a:ext uri="{28A0092B-C50C-407E-A947-70E740481C1C}">
+                <a14:useLocalDpi xmlns:a14="http://schemas.microsoft.com/office/drawing/2010/main" val="0"/>
+              </a:ext>
+            </a:extLst>
+          </a:blip>
+          <a:stretch>
+            <a:fillRect/>
+          </a:stretch>
+        </p:blipFill>
+        <p:spPr>
+          <a:xfrm>
+            <a:off x="2102029" y="1142146"/>
+            <a:ext cx="671607" cy="671607"/>
+          </a:xfrm>
+          <a:prstGeom prst="rect">
+            <a:avLst/>
+          </a:prstGeom>
+        </p:spPr>
+      </p:pic>
+      <p:pic>
+        <p:nvPicPr>
+          <p:cNvPr id="27" name="Picture 26"/>
+          <p:cNvPicPr>
+            <a:picLocks noChangeAspect="1"/>
+          </p:cNvPicPr>
+          <p:nvPr/>
+        </p:nvPicPr>
+        <p:blipFill>
+          <a:blip r:embed="rId3">
+            <a:extLst>
+              <a:ext uri="{28A0092B-C50C-407E-A947-70E740481C1C}">
+                <a14:useLocalDpi xmlns:a14="http://schemas.microsoft.com/office/drawing/2010/main" val="0"/>
+              </a:ext>
+            </a:extLst>
+          </a:blip>
+          <a:stretch>
+            <a:fillRect/>
+          </a:stretch>
+        </p:blipFill>
+        <p:spPr>
+          <a:xfrm>
+            <a:off x="5374185" y="1064755"/>
+            <a:ext cx="959764" cy="959764"/>
+          </a:xfrm>
+          <a:prstGeom prst="rect">
+            <a:avLst/>
+          </a:prstGeom>
+        </p:spPr>
+      </p:pic>
+      <p:sp>
+        <p:nvSpPr>
+          <p:cNvPr id="28" name="Cube 27"/>
+          <p:cNvSpPr/>
+          <p:nvPr/>
+        </p:nvSpPr>
+        <p:spPr>
+          <a:xfrm>
+            <a:off x="7015841" y="1288451"/>
+            <a:ext cx="1980955" cy="417372"/>
+          </a:xfrm>
+          <a:prstGeom prst="cube">
+            <a:avLst/>
+          </a:prstGeom>
+          <a:solidFill>
+            <a:srgbClr val="00B0F0"/>
+          </a:solidFill>
+        </p:spPr>
+        <p:style>
+          <a:lnRef idx="2">
+            <a:schemeClr val="accent1">
+              <a:shade val="50000"/>
+            </a:schemeClr>
+          </a:lnRef>
+          <a:fillRef idx="1">
+            <a:schemeClr val="accent1"/>
+          </a:fillRef>
+          <a:effectRef idx="0">
+            <a:schemeClr val="accent1"/>
+          </a:effectRef>
+          <a:fontRef idx="minor">
+            <a:schemeClr val="lt1"/>
+          </a:fontRef>
+        </p:style>
+        <p:txBody>
+          <a:bodyPr rtlCol="0" anchor="ctr"/>
+          <a:lstStyle/>
+          <a:p>
+            <a:pPr algn="ctr"/>
+            <a:endParaRPr lang="en-US" dirty="0"/>
+          </a:p>
+        </p:txBody>
+      </p:sp>
+      <p:cxnSp>
+        <p:nvCxnSpPr>
+          <p:cNvPr id="8" name="Straight Arrow Connector 7"/>
+          <p:cNvCxnSpPr/>
+          <p:nvPr/>
+        </p:nvCxnSpPr>
+        <p:spPr>
+          <a:xfrm>
+            <a:off x="2842588" y="1335951"/>
+            <a:ext cx="2358805" cy="0"/>
+          </a:xfrm>
+          <a:prstGeom prst="straightConnector1">
+            <a:avLst/>
+          </a:prstGeom>
+          <a:ln>
+            <a:tailEnd type="triangle"/>
+          </a:ln>
+        </p:spPr>
+        <p:style>
+          <a:lnRef idx="1">
+            <a:schemeClr val="accent1"/>
+          </a:lnRef>
+          <a:fillRef idx="0">
+            <a:schemeClr val="accent1"/>
+          </a:fillRef>
+          <a:effectRef idx="0">
+            <a:schemeClr val="accent1"/>
+          </a:effectRef>
+          <a:fontRef idx="minor">
+            <a:schemeClr val="tx1"/>
+          </a:fontRef>
+        </p:style>
+      </p:cxnSp>
+      <p:cxnSp>
+        <p:nvCxnSpPr>
+          <p:cNvPr id="10" name="Straight Arrow Connector 9"/>
+          <p:cNvCxnSpPr/>
+          <p:nvPr/>
+        </p:nvCxnSpPr>
+        <p:spPr>
+          <a:xfrm flipH="1">
+            <a:off x="2842588" y="1675254"/>
+            <a:ext cx="2311303" cy="0"/>
+          </a:xfrm>
+          <a:prstGeom prst="straightConnector1">
+            <a:avLst/>
+          </a:prstGeom>
+          <a:ln>
+            <a:tailEnd type="triangle"/>
+          </a:ln>
+        </p:spPr>
+        <p:style>
+          <a:lnRef idx="1">
+            <a:schemeClr val="accent1"/>
+          </a:lnRef>
+          <a:fillRef idx="0">
+            <a:schemeClr val="accent1"/>
+          </a:fillRef>
+          <a:effectRef idx="0">
+            <a:schemeClr val="accent1"/>
+          </a:effectRef>
+          <a:fontRef idx="minor">
+            <a:schemeClr val="tx1"/>
+          </a:fontRef>
+        </p:style>
+      </p:cxnSp>
+      <p:sp>
+        <p:nvSpPr>
+          <p:cNvPr id="31" name="TextBox 30"/>
+          <p:cNvSpPr txBox="1"/>
+          <p:nvPr/>
+        </p:nvSpPr>
+        <p:spPr>
+          <a:xfrm>
+            <a:off x="7015841" y="1374857"/>
+            <a:ext cx="1685522" cy="276999"/>
+          </a:xfrm>
+          <a:prstGeom prst="rect">
+            <a:avLst/>
+          </a:prstGeom>
+          <a:noFill/>
+        </p:spPr>
+        <p:txBody>
+          <a:bodyPr wrap="square" rtlCol="0">
+            <a:spAutoFit/>
+          </a:bodyPr>
+          <a:lstStyle/>
+          <a:p>
+            <a:r>
+              <a:rPr lang="en-US" sz="1200" dirty="0" smtClean="0"/>
+              <a:t>User Service</a:t>
+            </a:r>
+            <a:endParaRPr lang="en-US" sz="1200" dirty="0"/>
+          </a:p>
+        </p:txBody>
+      </p:sp>
+      <p:cxnSp>
+        <p:nvCxnSpPr>
+          <p:cNvPr id="34" name="Straight Arrow Connector 33"/>
+          <p:cNvCxnSpPr>
+            <a:stCxn id="27" idx="3"/>
+            <a:endCxn id="28" idx="2"/>
+          </p:cNvCxnSpPr>
+          <p:nvPr/>
+        </p:nvCxnSpPr>
+        <p:spPr>
+          <a:xfrm>
+            <a:off x="6333949" y="1544637"/>
+            <a:ext cx="681892" cy="4672"/>
+          </a:xfrm>
+          <a:prstGeom prst="straightConnector1">
+            <a:avLst/>
+          </a:prstGeom>
+          <a:ln>
+            <a:headEnd type="triangle"/>
+            <a:tailEnd type="triangle"/>
+          </a:ln>
+        </p:spPr>
+        <p:style>
+          <a:lnRef idx="1">
+            <a:schemeClr val="accent1"/>
+          </a:lnRef>
+          <a:fillRef idx="0">
+            <a:schemeClr val="accent1"/>
+          </a:fillRef>
+          <a:effectRef idx="0">
+            <a:schemeClr val="accent1"/>
+          </a:effectRef>
+          <a:fontRef idx="minor">
+            <a:schemeClr val="tx1"/>
+          </a:fontRef>
+        </p:style>
+      </p:cxnSp>
+      <p:cxnSp>
+        <p:nvCxnSpPr>
+          <p:cNvPr id="36" name="Straight Arrow Connector 35"/>
+          <p:cNvCxnSpPr>
+            <a:stCxn id="28" idx="3"/>
+            <a:endCxn id="14" idx="0"/>
+          </p:cNvCxnSpPr>
+          <p:nvPr/>
+        </p:nvCxnSpPr>
+        <p:spPr>
+          <a:xfrm>
+            <a:off x="7954147" y="1705823"/>
+            <a:ext cx="0" cy="634290"/>
+          </a:xfrm>
+          <a:prstGeom prst="straightConnector1">
+            <a:avLst/>
+          </a:prstGeom>
+          <a:ln>
+            <a:headEnd type="triangle"/>
+            <a:tailEnd type="triangle"/>
+          </a:ln>
+        </p:spPr>
+        <p:style>
+          <a:lnRef idx="1">
+            <a:schemeClr val="accent1"/>
+          </a:lnRef>
+          <a:fillRef idx="0">
+            <a:schemeClr val="accent1"/>
+          </a:fillRef>
+          <a:effectRef idx="0">
+            <a:schemeClr val="accent1"/>
+          </a:effectRef>
+          <a:fontRef idx="minor">
+            <a:schemeClr val="tx1"/>
+          </a:fontRef>
+        </p:style>
+      </p:cxnSp>
+      <p:sp>
+        <p:nvSpPr>
+          <p:cNvPr id="39" name="TextBox 38"/>
+          <p:cNvSpPr txBox="1"/>
+          <p:nvPr/>
+        </p:nvSpPr>
+        <p:spPr>
+          <a:xfrm>
+            <a:off x="332509" y="3158841"/>
+            <a:ext cx="11542816" cy="3477875"/>
+          </a:xfrm>
+          <a:prstGeom prst="rect">
+            <a:avLst/>
+          </a:prstGeom>
+          <a:noFill/>
+        </p:spPr>
+        <p:txBody>
+          <a:bodyPr wrap="square" rtlCol="0">
+            <a:spAutoFit/>
+          </a:bodyPr>
+          <a:lstStyle/>
+          <a:p>
+            <a:pPr marL="342900" indent="-342900">
+              <a:buFont typeface="Arial" charset="0"/>
+              <a:buChar char="•"/>
+            </a:pPr>
+            <a:r>
+              <a:rPr lang="en-US" sz="2000" dirty="0" smtClean="0"/>
+              <a:t>Allow users to create/update/delete accounts and subscribe/unsubscribe categories.</a:t>
+            </a:r>
+          </a:p>
+          <a:p>
+            <a:pPr marL="342900" indent="-342900">
+              <a:buFont typeface="Arial" charset="0"/>
+              <a:buChar char="•"/>
+            </a:pPr>
+            <a:r>
+              <a:rPr lang="en-US" sz="2000" dirty="0" smtClean="0"/>
+              <a:t>Allow users to query for discount products in any category.</a:t>
+            </a:r>
+            <a:endParaRPr lang="en-US" sz="2000" dirty="0"/>
+          </a:p>
+          <a:p>
+            <a:endParaRPr lang="en-US" sz="2000" dirty="0" smtClean="0"/>
+          </a:p>
+          <a:p>
+            <a:r>
+              <a:rPr lang="en-US" sz="2000" dirty="0" smtClean="0"/>
+              <a:t>POST	/users								Create user</a:t>
+            </a:r>
+          </a:p>
+          <a:p>
+            <a:r>
+              <a:rPr lang="en-US" sz="2000" dirty="0" smtClean="0"/>
+              <a:t>PUT	/users/{userId}							Update user</a:t>
+            </a:r>
+          </a:p>
+          <a:p>
+            <a:r>
+              <a:rPr lang="en-US" sz="2000" dirty="0" smtClean="0"/>
+              <a:t>DELETE	/users/{userId}							Delete user</a:t>
+            </a:r>
+          </a:p>
+          <a:p>
+            <a:r>
+              <a:rPr lang="en-US" sz="2000" dirty="0" smtClean="0"/>
+              <a:t>POST	/users/{userId}/categories/{categoryId}				Subscribe category</a:t>
+            </a:r>
+          </a:p>
+          <a:p>
+            <a:r>
+              <a:rPr lang="en-US" sz="2000" dirty="0" smtClean="0"/>
+              <a:t>DELETE	/users/{userId}/categories/{categoryId}				Unsubscribe category</a:t>
+            </a:r>
+          </a:p>
+          <a:p>
+            <a:r>
+              <a:rPr lang="en-US" sz="2000" dirty="0" smtClean="0"/>
+              <a:t>GET	/users/categories</a:t>
+            </a:r>
+            <a:r>
+              <a:rPr lang="en-US" sz="2000" dirty="0"/>
+              <a:t>		</a:t>
+            </a:r>
+            <a:r>
+              <a:rPr lang="en-US" sz="2000" dirty="0" smtClean="0"/>
+              <a:t>					List </a:t>
+            </a:r>
+            <a:r>
+              <a:rPr lang="en-US" sz="2000" dirty="0"/>
+              <a:t>all categories</a:t>
+            </a:r>
+          </a:p>
+          <a:p>
+            <a:r>
+              <a:rPr lang="en-US" sz="2000" dirty="0" smtClean="0"/>
+              <a:t>GET	/users/deals?page=&lt;page#&gt;&amp;size=&lt;page size&gt;			Search deals</a:t>
+            </a:r>
+          </a:p>
+          <a:p>
+            <a:r>
+              <a:rPr lang="en-US" sz="2000" dirty="0" smtClean="0"/>
+              <a:t>	&amp;sortBy=&lt;field&gt;&amp;direction=&lt;ASC/DESC&gt;&amp;categoryId=&lt;categoryId&gt;</a:t>
+            </a:r>
+            <a:endParaRPr lang="en-US" sz="2000" dirty="0"/>
+          </a:p>
+        </p:txBody>
+      </p:sp>
+      <p:pic>
+        <p:nvPicPr>
+          <p:cNvPr id="14" name="Picture 13"/>
+          <p:cNvPicPr>
+            <a:picLocks noChangeAspect="1"/>
+          </p:cNvPicPr>
+          <p:nvPr/>
+        </p:nvPicPr>
+        <p:blipFill>
+          <a:blip r:embed="rId4">
+            <a:extLst>
+              <a:ext uri="{28A0092B-C50C-407E-A947-70E740481C1C}">
+                <a14:useLocalDpi xmlns:a14="http://schemas.microsoft.com/office/drawing/2010/main" val="0"/>
+              </a:ext>
+            </a:extLst>
+          </a:blip>
+          <a:stretch>
+            <a:fillRect/>
+          </a:stretch>
+        </p:blipFill>
+        <p:spPr>
+          <a:xfrm>
+            <a:off x="7590961" y="2340113"/>
+            <a:ext cx="726372" cy="726372"/>
+          </a:xfrm>
+          <a:prstGeom prst="rect">
+            <a:avLst/>
+          </a:prstGeom>
+        </p:spPr>
+      </p:pic>
+    </p:spTree>
+    <p:extLst>
+      <p:ext uri="{BB962C8B-B14F-4D97-AF65-F5344CB8AC3E}">
+        <p14:creationId xmlns:p14="http://schemas.microsoft.com/office/powerpoint/2010/main" val="1506946782"/>
+      </p:ext>
+    </p:extLst>
+  </p:cSld>
+  <p:clrMapOvr>
+    <a:masterClrMapping/>
+  </p:clrMapOvr>
+  <p:timing>
+    <p:tnLst>
+      <p:par>
+        <p:cTn id="1" dur="indefinite" restart="never" nodeType="tmRoot"/>
+      </p:par>
+    </p:tnLst>
+  </p:timing>
+</p:sld>
+</file>
+
+<file path=ppt/slides/slide11.xml><?xml version="1.0" encoding="utf-8"?>
 <p:sld xmlns:a="http://schemas.openxmlformats.org/drawingml/2006/main" xmlns:r="http://schemas.openxmlformats.org/officeDocument/2006/relationships" xmlns:p="http://schemas.openxmlformats.org/presentationml/2006/main">
   <p:cSld>
     <p:spTree>
@@ -3996,6 +4506,134 @@
             <p:ph type="title"/>
           </p:nvPr>
         </p:nvSpPr>
+        <p:spPr/>
+        <p:txBody>
+          <a:bodyPr/>
+          <a:lstStyle/>
+          <a:p>
+            <a:pPr algn="ctr"/>
+            <a:r>
+              <a:rPr lang="en-US" dirty="0" smtClean="0"/>
+              <a:t>Price Monitoring System	</a:t>
+            </a:r>
+            <a:endParaRPr lang="en-US" dirty="0"/>
+          </a:p>
+        </p:txBody>
+      </p:sp>
+      <p:sp>
+        <p:nvSpPr>
+          <p:cNvPr id="3" name="Content Placeholder 2"/>
+          <p:cNvSpPr>
+            <a:spLocks noGrp="1"/>
+          </p:cNvSpPr>
+          <p:nvPr>
+            <p:ph idx="1"/>
+          </p:nvPr>
+        </p:nvSpPr>
+        <p:spPr>
+          <a:xfrm>
+            <a:off x="838200" y="1825625"/>
+            <a:ext cx="10515600" cy="3067009"/>
+          </a:xfrm>
+        </p:spPr>
+        <p:txBody>
+          <a:bodyPr>
+            <a:normAutofit/>
+          </a:bodyPr>
+          <a:lstStyle/>
+          <a:p>
+            <a:r>
+              <a:rPr lang="en-US" dirty="0"/>
+              <a:t>K</a:t>
+            </a:r>
+            <a:r>
+              <a:rPr lang="en-US" dirty="0" smtClean="0"/>
+              <a:t>eeps track of product prices at online shopping web site. </a:t>
+            </a:r>
+          </a:p>
+          <a:p>
+            <a:r>
+              <a:rPr lang="en-US" dirty="0" smtClean="0"/>
+              <a:t>Allows users to subscribe by emails for interested product categories.</a:t>
+            </a:r>
+          </a:p>
+          <a:p>
+            <a:r>
+              <a:rPr lang="en-US" dirty="0"/>
+              <a:t>Notifies subscribers if </a:t>
+            </a:r>
+            <a:r>
+              <a:rPr lang="en-US" dirty="0" smtClean="0"/>
+              <a:t>there is any discount product in the subscribed categories. </a:t>
+            </a:r>
+          </a:p>
+          <a:p>
+            <a:r>
+              <a:rPr lang="en-US" dirty="0" smtClean="0"/>
+              <a:t>Also allows users </a:t>
+            </a:r>
+            <a:r>
+              <a:rPr lang="en-US" dirty="0"/>
+              <a:t>to query discount products </a:t>
+            </a:r>
+            <a:r>
+              <a:rPr lang="en-US" dirty="0" smtClean="0"/>
+              <a:t>online.</a:t>
+            </a:r>
+            <a:endParaRPr lang="en-US" dirty="0"/>
+          </a:p>
+          <a:p>
+            <a:endParaRPr lang="en-US" dirty="0" smtClean="0"/>
+          </a:p>
+        </p:txBody>
+      </p:sp>
+    </p:spTree>
+    <p:extLst>
+      <p:ext uri="{BB962C8B-B14F-4D97-AF65-F5344CB8AC3E}">
+        <p14:creationId xmlns:p14="http://schemas.microsoft.com/office/powerpoint/2010/main" val="1660518413"/>
+      </p:ext>
+    </p:extLst>
+  </p:cSld>
+  <p:clrMapOvr>
+    <a:masterClrMapping/>
+  </p:clrMapOvr>
+  <p:timing>
+    <p:tnLst>
+      <p:par>
+        <p:cTn id="1" dur="indefinite" restart="never" nodeType="tmRoot"/>
+      </p:par>
+    </p:tnLst>
+  </p:timing>
+</p:sld>
+</file>
+
+<file path=ppt/slides/slide3.xml><?xml version="1.0" encoding="utf-8"?>
+<p:sld xmlns:a="http://schemas.openxmlformats.org/drawingml/2006/main" xmlns:r="http://schemas.openxmlformats.org/officeDocument/2006/relationships" xmlns:p="http://schemas.openxmlformats.org/presentationml/2006/main">
+  <p:cSld>
+    <p:spTree>
+      <p:nvGrpSpPr>
+        <p:cNvPr id="1" name=""/>
+        <p:cNvGrpSpPr/>
+        <p:nvPr/>
+      </p:nvGrpSpPr>
+      <p:grpSpPr>
+        <a:xfrm>
+          <a:off x="0" y="0"/>
+          <a:ext cx="0" cy="0"/>
+          <a:chOff x="0" y="0"/>
+          <a:chExt cx="0" cy="0"/>
+        </a:xfrm>
+      </p:grpSpPr>
+      <p:sp>
+        <p:nvSpPr>
+          <p:cNvPr id="2" name="Title 1"/>
+          <p:cNvSpPr>
+            <a:spLocks noGrp="1"/>
+          </p:cNvSpPr>
+          <p:nvPr>
+            <p:ph type="title"/>
+          </p:nvPr>
+        </p:nvSpPr>
         <p:spPr>
           <a:xfrm>
             <a:off x="893026" y="220954"/>
@@ -6282,7 +6920,7 @@
 </p:sld>
 </file>
 
-<file path=ppt/slides/slide3.xml><?xml version="1.0" encoding="utf-8"?>
+<file path=ppt/slides/slide4.xml><?xml version="1.0" encoding="utf-8"?>
 <p:sld xmlns:a="http://schemas.openxmlformats.org/drawingml/2006/main" xmlns:r="http://schemas.openxmlformats.org/officeDocument/2006/relationships" xmlns:p="http://schemas.openxmlformats.org/presentationml/2006/main">
   <p:cSld>
     <p:spTree>
@@ -7919,7 +8557,7 @@
 </p:sld>
 </file>
 
-<file path=ppt/slides/slide4.xml><?xml version="1.0" encoding="utf-8"?>
+<file path=ppt/slides/slide5.xml><?xml version="1.0" encoding="utf-8"?>
 <p:sld xmlns:a="http://schemas.openxmlformats.org/drawingml/2006/main" xmlns:r="http://schemas.openxmlformats.org/officeDocument/2006/relationships" xmlns:p="http://schemas.openxmlformats.org/presentationml/2006/main">
   <p:cSld>
     <p:spTree>
@@ -8360,7 +8998,7 @@
 </p:sld>
 </file>
 
-<file path=ppt/slides/slide5.xml><?xml version="1.0" encoding="utf-8"?>
+<file path=ppt/slides/slide6.xml><?xml version="1.0" encoding="utf-8"?>
 <p:sld xmlns:a="http://schemas.openxmlformats.org/drawingml/2006/main" xmlns:r="http://schemas.openxmlformats.org/officeDocument/2006/relationships" xmlns:p="http://schemas.openxmlformats.org/presentationml/2006/main">
   <p:cSld>
     <p:spTree>
@@ -9107,1329 +9745,6 @@
 </p:sld>
 </file>
 
-<file path=ppt/slides/slide6.xml><?xml version="1.0" encoding="utf-8"?>
-<p:sld xmlns:a="http://schemas.openxmlformats.org/drawingml/2006/main" xmlns:r="http://schemas.openxmlformats.org/officeDocument/2006/relationships" xmlns:p="http://schemas.openxmlformats.org/presentationml/2006/main">
-  <p:cSld>
-    <p:spTree>
-      <p:nvGrpSpPr>
-        <p:cNvPr id="1" name=""/>
-        <p:cNvGrpSpPr/>
-        <p:nvPr/>
-      </p:nvGrpSpPr>
-      <p:grpSpPr>
-        <a:xfrm>
-          <a:off x="0" y="0"/>
-          <a:ext cx="0" cy="0"/>
-          <a:chOff x="0" y="0"/>
-          <a:chExt cx="0" cy="0"/>
-        </a:xfrm>
-      </p:grpSpPr>
-      <p:sp>
-        <p:nvSpPr>
-          <p:cNvPr id="2" name="Title 1"/>
-          <p:cNvSpPr>
-            <a:spLocks noGrp="1"/>
-          </p:cNvSpPr>
-          <p:nvPr>
-            <p:ph type="ctrTitle"/>
-          </p:nvPr>
-        </p:nvSpPr>
-        <p:spPr>
-          <a:xfrm>
-            <a:off x="1524000" y="0"/>
-            <a:ext cx="9144000" cy="856527"/>
-          </a:xfrm>
-        </p:spPr>
-        <p:txBody>
-          <a:bodyPr>
-            <a:normAutofit fontScale="90000"/>
-          </a:bodyPr>
-          <a:lstStyle/>
-          <a:p>
-            <a:r>
-              <a:rPr lang="en-US" dirty="0" smtClean="0"/>
-              <a:t>Product Crawler</a:t>
-            </a:r>
-            <a:endParaRPr lang="en-US" dirty="0"/>
-          </a:p>
-        </p:txBody>
-      </p:sp>
-      <p:pic>
-        <p:nvPicPr>
-          <p:cNvPr id="13" name="Content Placeholder 119"/>
-          <p:cNvPicPr>
-            <a:picLocks noChangeAspect="1"/>
-          </p:cNvPicPr>
-          <p:nvPr/>
-        </p:nvPicPr>
-        <p:blipFill>
-          <a:blip r:embed="rId3">
-            <a:extLst>
-              <a:ext uri="{28A0092B-C50C-407E-A947-70E740481C1C}">
-                <a14:useLocalDpi xmlns:a14="http://schemas.microsoft.com/office/drawing/2010/main" val="0"/>
-              </a:ext>
-            </a:extLst>
-          </a:blip>
-          <a:stretch>
-            <a:fillRect/>
-          </a:stretch>
-        </p:blipFill>
-        <p:spPr>
-          <a:xfrm>
-            <a:off x="1250955" y="875226"/>
-            <a:ext cx="273043" cy="273043"/>
-          </a:xfrm>
-          <a:prstGeom prst="rect">
-            <a:avLst/>
-          </a:prstGeom>
-        </p:spPr>
-      </p:pic>
-      <p:pic>
-        <p:nvPicPr>
-          <p:cNvPr id="14" name="Content Placeholder 119"/>
-          <p:cNvPicPr>
-            <a:picLocks noChangeAspect="1"/>
-          </p:cNvPicPr>
-          <p:nvPr/>
-        </p:nvPicPr>
-        <p:blipFill>
-          <a:blip r:embed="rId3">
-            <a:extLst>
-              <a:ext uri="{28A0092B-C50C-407E-A947-70E740481C1C}">
-                <a14:useLocalDpi xmlns:a14="http://schemas.microsoft.com/office/drawing/2010/main" val="0"/>
-              </a:ext>
-            </a:extLst>
-          </a:blip>
-          <a:stretch>
-            <a:fillRect/>
-          </a:stretch>
-        </p:blipFill>
-        <p:spPr>
-          <a:xfrm>
-            <a:off x="1250955" y="1197973"/>
-            <a:ext cx="273043" cy="273043"/>
-          </a:xfrm>
-          <a:prstGeom prst="rect">
-            <a:avLst/>
-          </a:prstGeom>
-        </p:spPr>
-      </p:pic>
-      <p:pic>
-        <p:nvPicPr>
-          <p:cNvPr id="15" name="Content Placeholder 119"/>
-          <p:cNvPicPr>
-            <a:picLocks noChangeAspect="1"/>
-          </p:cNvPicPr>
-          <p:nvPr/>
-        </p:nvPicPr>
-        <p:blipFill>
-          <a:blip r:embed="rId3">
-            <a:extLst>
-              <a:ext uri="{28A0092B-C50C-407E-A947-70E740481C1C}">
-                <a14:useLocalDpi xmlns:a14="http://schemas.microsoft.com/office/drawing/2010/main" val="0"/>
-              </a:ext>
-            </a:extLst>
-          </a:blip>
-          <a:stretch>
-            <a:fillRect/>
-          </a:stretch>
-        </p:blipFill>
-        <p:spPr>
-          <a:xfrm>
-            <a:off x="1250955" y="1509122"/>
-            <a:ext cx="273043" cy="273043"/>
-          </a:xfrm>
-          <a:prstGeom prst="rect">
-            <a:avLst/>
-          </a:prstGeom>
-        </p:spPr>
-      </p:pic>
-      <p:sp>
-        <p:nvSpPr>
-          <p:cNvPr id="6" name="TextBox 5"/>
-          <p:cNvSpPr txBox="1"/>
-          <p:nvPr/>
-        </p:nvSpPr>
-        <p:spPr>
-          <a:xfrm>
-            <a:off x="1524000" y="875226"/>
-            <a:ext cx="8154390" cy="369332"/>
-          </a:xfrm>
-          <a:prstGeom prst="rect">
-            <a:avLst/>
-          </a:prstGeom>
-          <a:noFill/>
-        </p:spPr>
-        <p:txBody>
-          <a:bodyPr wrap="square" rtlCol="0">
-            <a:spAutoFit/>
-          </a:bodyPr>
-          <a:lstStyle/>
-          <a:p>
-            <a:r>
-              <a:rPr lang="en-US" dirty="0"/>
-              <a:t>HIGH priority: executed every 3 hours starting at 01:00:00 AM</a:t>
-            </a:r>
-          </a:p>
-        </p:txBody>
-      </p:sp>
-      <p:sp>
-        <p:nvSpPr>
-          <p:cNvPr id="8" name="TextBox 7"/>
-          <p:cNvSpPr txBox="1"/>
-          <p:nvPr/>
-        </p:nvSpPr>
-        <p:spPr>
-          <a:xfrm>
-            <a:off x="1523999" y="1197973"/>
-            <a:ext cx="8380021" cy="369332"/>
-          </a:xfrm>
-          <a:prstGeom prst="rect">
-            <a:avLst/>
-          </a:prstGeom>
-          <a:noFill/>
-        </p:spPr>
-        <p:txBody>
-          <a:bodyPr wrap="square" rtlCol="0">
-            <a:spAutoFit/>
-          </a:bodyPr>
-          <a:lstStyle/>
-          <a:p>
-            <a:r>
-              <a:rPr lang="en-US" dirty="0"/>
-              <a:t>MIDUM priority: executed every 12 hours starting at 02:00:00 </a:t>
-            </a:r>
-            <a:r>
-              <a:rPr lang="en-US" dirty="0" smtClean="0"/>
-              <a:t>AM</a:t>
-            </a:r>
-            <a:endParaRPr lang="en-US" dirty="0"/>
-          </a:p>
-        </p:txBody>
-      </p:sp>
-      <p:sp>
-        <p:nvSpPr>
-          <p:cNvPr id="9" name="TextBox 8"/>
-          <p:cNvSpPr txBox="1"/>
-          <p:nvPr/>
-        </p:nvSpPr>
-        <p:spPr>
-          <a:xfrm>
-            <a:off x="1524000" y="1509122"/>
-            <a:ext cx="5838701" cy="369332"/>
-          </a:xfrm>
-          <a:prstGeom prst="rect">
-            <a:avLst/>
-          </a:prstGeom>
-          <a:noFill/>
-        </p:spPr>
-        <p:txBody>
-          <a:bodyPr wrap="square" rtlCol="0">
-            <a:spAutoFit/>
-          </a:bodyPr>
-          <a:lstStyle/>
-          <a:p>
-            <a:r>
-              <a:rPr lang="en-US" dirty="0"/>
-              <a:t>LOW priority: executed every day at 03:00:00 AM</a:t>
-            </a:r>
-          </a:p>
-        </p:txBody>
-      </p:sp>
-      <p:sp>
-        <p:nvSpPr>
-          <p:cNvPr id="21" name="Cube 20"/>
-          <p:cNvSpPr/>
-          <p:nvPr/>
-        </p:nvSpPr>
-        <p:spPr>
-          <a:xfrm>
-            <a:off x="3980219" y="2182310"/>
-            <a:ext cx="1980955" cy="417372"/>
-          </a:xfrm>
-          <a:prstGeom prst="cube">
-            <a:avLst/>
-          </a:prstGeom>
-          <a:solidFill>
-            <a:srgbClr val="00B0F0"/>
-          </a:solidFill>
-        </p:spPr>
-        <p:style>
-          <a:lnRef idx="2">
-            <a:schemeClr val="accent1">
-              <a:shade val="50000"/>
-            </a:schemeClr>
-          </a:lnRef>
-          <a:fillRef idx="1">
-            <a:schemeClr val="accent1"/>
-          </a:fillRef>
-          <a:effectRef idx="0">
-            <a:schemeClr val="accent1"/>
-          </a:effectRef>
-          <a:fontRef idx="minor">
-            <a:schemeClr val="lt1"/>
-          </a:fontRef>
-        </p:style>
-        <p:txBody>
-          <a:bodyPr rtlCol="0" anchor="ctr"/>
-          <a:lstStyle/>
-          <a:p>
-            <a:pPr algn="ctr"/>
-            <a:endParaRPr lang="en-US" dirty="0"/>
-          </a:p>
-        </p:txBody>
-      </p:sp>
-      <p:sp>
-        <p:nvSpPr>
-          <p:cNvPr id="22" name="TextBox 21"/>
-          <p:cNvSpPr txBox="1"/>
-          <p:nvPr/>
-        </p:nvSpPr>
-        <p:spPr>
-          <a:xfrm>
-            <a:off x="3992323" y="2292193"/>
-            <a:ext cx="1980726" cy="276999"/>
-          </a:xfrm>
-          <a:prstGeom prst="rect">
-            <a:avLst/>
-          </a:prstGeom>
-          <a:noFill/>
-        </p:spPr>
-        <p:txBody>
-          <a:bodyPr wrap="square" rtlCol="0">
-            <a:spAutoFit/>
-          </a:bodyPr>
-          <a:lstStyle/>
-          <a:p>
-            <a:r>
-              <a:rPr lang="en-US" sz="1200" dirty="0" smtClean="0"/>
-              <a:t>Category Crawler (p1)</a:t>
-            </a:r>
-            <a:endParaRPr lang="en-US" sz="1200" dirty="0"/>
-          </a:p>
-        </p:txBody>
-      </p:sp>
-      <p:pic>
-        <p:nvPicPr>
-          <p:cNvPr id="23" name="Picture 22"/>
-          <p:cNvPicPr>
-            <a:picLocks noChangeAspect="1"/>
-          </p:cNvPicPr>
-          <p:nvPr/>
-        </p:nvPicPr>
-        <p:blipFill>
-          <a:blip r:embed="rId4">
-            <a:extLst>
-              <a:ext uri="{28A0092B-C50C-407E-A947-70E740481C1C}">
-                <a14:useLocalDpi xmlns:a14="http://schemas.microsoft.com/office/drawing/2010/main" val="0"/>
-              </a:ext>
-            </a:extLst>
-          </a:blip>
-          <a:stretch>
-            <a:fillRect/>
-          </a:stretch>
-        </p:blipFill>
-        <p:spPr>
-          <a:xfrm>
-            <a:off x="6757330" y="2059247"/>
-            <a:ext cx="517918" cy="517918"/>
-          </a:xfrm>
-          <a:prstGeom prst="rect">
-            <a:avLst/>
-          </a:prstGeom>
-        </p:spPr>
-      </p:pic>
-      <p:cxnSp>
-        <p:nvCxnSpPr>
-          <p:cNvPr id="17" name="Straight Arrow Connector 16"/>
-          <p:cNvCxnSpPr>
-            <a:stCxn id="42" idx="2"/>
-            <a:endCxn id="38" idx="0"/>
-          </p:cNvCxnSpPr>
-          <p:nvPr/>
-        </p:nvCxnSpPr>
-        <p:spPr>
-          <a:xfrm flipH="1">
-            <a:off x="2791218" y="3058706"/>
-            <a:ext cx="1200876" cy="739860"/>
-          </a:xfrm>
-          <a:prstGeom prst="straightConnector1">
-            <a:avLst/>
-          </a:prstGeom>
-          <a:ln>
-            <a:headEnd type="triangle"/>
-            <a:tailEnd type="triangle"/>
-          </a:ln>
-        </p:spPr>
-        <p:style>
-          <a:lnRef idx="1">
-            <a:schemeClr val="accent1"/>
-          </a:lnRef>
-          <a:fillRef idx="0">
-            <a:schemeClr val="accent1"/>
-          </a:fillRef>
-          <a:effectRef idx="0">
-            <a:schemeClr val="accent1"/>
-          </a:effectRef>
-          <a:fontRef idx="minor">
-            <a:schemeClr val="tx1"/>
-          </a:fontRef>
-        </p:style>
-      </p:cxnSp>
-      <p:cxnSp>
-        <p:nvCxnSpPr>
-          <p:cNvPr id="19" name="Straight Arrow Connector 18"/>
-          <p:cNvCxnSpPr>
-            <a:stCxn id="21" idx="5"/>
-            <a:endCxn id="23" idx="1"/>
-          </p:cNvCxnSpPr>
-          <p:nvPr/>
-        </p:nvCxnSpPr>
-        <p:spPr>
-          <a:xfrm flipV="1">
-            <a:off x="5961174" y="2318206"/>
-            <a:ext cx="796156" cy="20619"/>
-          </a:xfrm>
-          <a:prstGeom prst="straightConnector1">
-            <a:avLst/>
-          </a:prstGeom>
-          <a:ln>
-            <a:tailEnd type="triangle"/>
-          </a:ln>
-        </p:spPr>
-        <p:style>
-          <a:lnRef idx="1">
-            <a:schemeClr val="accent1"/>
-          </a:lnRef>
-          <a:fillRef idx="0">
-            <a:schemeClr val="accent1"/>
-          </a:fillRef>
-          <a:effectRef idx="0">
-            <a:schemeClr val="accent1"/>
-          </a:effectRef>
-          <a:fontRef idx="minor">
-            <a:schemeClr val="tx1"/>
-          </a:fontRef>
-        </p:style>
-      </p:cxnSp>
-      <p:sp>
-        <p:nvSpPr>
-          <p:cNvPr id="20" name="TextBox 19"/>
-          <p:cNvSpPr txBox="1"/>
-          <p:nvPr/>
-        </p:nvSpPr>
-        <p:spPr>
-          <a:xfrm>
-            <a:off x="1029197" y="4667013"/>
-            <a:ext cx="10371119" cy="1938992"/>
-          </a:xfrm>
-          <a:prstGeom prst="rect">
-            <a:avLst/>
-          </a:prstGeom>
-          <a:noFill/>
-        </p:spPr>
-        <p:txBody>
-          <a:bodyPr wrap="square" rtlCol="0">
-            <a:spAutoFit/>
-          </a:bodyPr>
-          <a:lstStyle/>
-          <a:p>
-            <a:pPr marL="285750" indent="-285750">
-              <a:buFont typeface="Arial" charset="0"/>
-              <a:buChar char="•"/>
-            </a:pPr>
-            <a:r>
-              <a:rPr lang="en-US" sz="2000" smtClean="0"/>
-              <a:t>Get categories </a:t>
-            </a:r>
-            <a:r>
-              <a:rPr lang="en-US" sz="2000" dirty="0" smtClean="0"/>
-              <a:t>from Category table with the matching priority.</a:t>
-            </a:r>
-          </a:p>
-          <a:p>
-            <a:pPr marL="285750" indent="-285750">
-              <a:buFont typeface="Arial" charset="0"/>
-              <a:buChar char="•"/>
-            </a:pPr>
-            <a:r>
-              <a:rPr lang="en-US" sz="2000" dirty="0" smtClean="0"/>
-              <a:t>Order categories by user_count in descending order.</a:t>
-            </a:r>
-          </a:p>
-          <a:p>
-            <a:pPr marL="285750" indent="-285750">
-              <a:buFont typeface="Arial" charset="0"/>
-              <a:buChar char="•"/>
-            </a:pPr>
-            <a:r>
-              <a:rPr lang="en-US" sz="2000" dirty="0"/>
-              <a:t>For each category, a new worker thread is started to </a:t>
-            </a:r>
-            <a:r>
-              <a:rPr lang="en-US" sz="2000" dirty="0" smtClean="0"/>
-              <a:t>crawl </a:t>
-            </a:r>
-            <a:r>
-              <a:rPr lang="en-US" sz="2000" dirty="0"/>
-              <a:t>the </a:t>
-            </a:r>
-            <a:r>
-              <a:rPr lang="en-US" sz="2000" dirty="0" smtClean="0"/>
-              <a:t>products in parallel.</a:t>
-            </a:r>
-            <a:endParaRPr lang="en-US" sz="2000" dirty="0"/>
-          </a:p>
-          <a:p>
-            <a:pPr marL="285750" indent="-285750">
-              <a:buFont typeface="Arial" charset="0"/>
-              <a:buChar char="•"/>
-            </a:pPr>
-            <a:r>
-              <a:rPr lang="en-US" sz="2000" dirty="0" smtClean="0"/>
-              <a:t>The worker thread crawls the online shopping web site with product_list_url to get all products.</a:t>
-            </a:r>
-          </a:p>
-          <a:p>
-            <a:pPr marL="285750" indent="-285750">
-              <a:buFont typeface="Arial" charset="0"/>
-              <a:buChar char="•"/>
-            </a:pPr>
-            <a:r>
-              <a:rPr lang="en-US" sz="2000" dirty="0" smtClean="0"/>
-              <a:t>Product information is sent to q_product_p(n).</a:t>
-            </a:r>
-          </a:p>
-          <a:p>
-            <a:pPr marL="285750" indent="-285750">
-              <a:buFont typeface="Arial" charset="0"/>
-              <a:buChar char="•"/>
-            </a:pPr>
-            <a:r>
-              <a:rPr lang="en-US" sz="2000" dirty="0" smtClean="0"/>
-              <a:t>Log information is sent to q_product_log with status SUCCESS (0) or FAIL (1). </a:t>
-            </a:r>
-            <a:endParaRPr lang="en-US" sz="2000" dirty="0"/>
-          </a:p>
-        </p:txBody>
-      </p:sp>
-      <p:pic>
-        <p:nvPicPr>
-          <p:cNvPr id="31" name="Picture 30"/>
-          <p:cNvPicPr>
-            <a:picLocks noChangeAspect="1"/>
-          </p:cNvPicPr>
-          <p:nvPr/>
-        </p:nvPicPr>
-        <p:blipFill>
-          <a:blip r:embed="rId4">
-            <a:extLst>
-              <a:ext uri="{28A0092B-C50C-407E-A947-70E740481C1C}">
-                <a14:useLocalDpi xmlns:a14="http://schemas.microsoft.com/office/drawing/2010/main" val="0"/>
-              </a:ext>
-            </a:extLst>
-          </a:blip>
-          <a:stretch>
-            <a:fillRect/>
-          </a:stretch>
-        </p:blipFill>
-        <p:spPr>
-          <a:xfrm>
-            <a:off x="6757330" y="4021588"/>
-            <a:ext cx="517918" cy="517918"/>
-          </a:xfrm>
-          <a:prstGeom prst="rect">
-            <a:avLst/>
-          </a:prstGeom>
-        </p:spPr>
-      </p:pic>
-      <p:cxnSp>
-        <p:nvCxnSpPr>
-          <p:cNvPr id="33" name="Straight Arrow Connector 32"/>
-          <p:cNvCxnSpPr>
-            <a:stCxn id="21" idx="5"/>
-            <a:endCxn id="31" idx="1"/>
-          </p:cNvCxnSpPr>
-          <p:nvPr/>
-        </p:nvCxnSpPr>
-        <p:spPr>
-          <a:xfrm>
-            <a:off x="5961174" y="2338825"/>
-            <a:ext cx="796156" cy="1941722"/>
-          </a:xfrm>
-          <a:prstGeom prst="straightConnector1">
-            <a:avLst/>
-          </a:prstGeom>
-          <a:ln>
-            <a:tailEnd type="triangle"/>
-          </a:ln>
-        </p:spPr>
-        <p:style>
-          <a:lnRef idx="1">
-            <a:schemeClr val="accent1"/>
-          </a:lnRef>
-          <a:fillRef idx="0">
-            <a:schemeClr val="accent1"/>
-          </a:fillRef>
-          <a:effectRef idx="0">
-            <a:schemeClr val="accent1"/>
-          </a:effectRef>
-          <a:fontRef idx="minor">
-            <a:schemeClr val="tx1"/>
-          </a:fontRef>
-        </p:style>
-      </p:cxnSp>
-      <p:sp>
-        <p:nvSpPr>
-          <p:cNvPr id="30" name="TextBox 29"/>
-          <p:cNvSpPr txBox="1"/>
-          <p:nvPr/>
-        </p:nvSpPr>
-        <p:spPr>
-          <a:xfrm>
-            <a:off x="7220193" y="2059247"/>
-            <a:ext cx="2339441" cy="369332"/>
-          </a:xfrm>
-          <a:prstGeom prst="rect">
-            <a:avLst/>
-          </a:prstGeom>
-          <a:noFill/>
-        </p:spPr>
-        <p:txBody>
-          <a:bodyPr wrap="square" rtlCol="0">
-            <a:spAutoFit/>
-          </a:bodyPr>
-          <a:lstStyle/>
-          <a:p>
-            <a:r>
-              <a:rPr lang="en-US" dirty="0" smtClean="0"/>
-              <a:t>q_product_p1 (High)</a:t>
-            </a:r>
-            <a:endParaRPr lang="en-US" dirty="0"/>
-          </a:p>
-        </p:txBody>
-      </p:sp>
-      <p:sp>
-        <p:nvSpPr>
-          <p:cNvPr id="32" name="TextBox 31"/>
-          <p:cNvSpPr txBox="1"/>
-          <p:nvPr/>
-        </p:nvSpPr>
-        <p:spPr>
-          <a:xfrm>
-            <a:off x="7220194" y="4021588"/>
-            <a:ext cx="1626920" cy="369332"/>
-          </a:xfrm>
-          <a:prstGeom prst="rect">
-            <a:avLst/>
-          </a:prstGeom>
-          <a:noFill/>
-        </p:spPr>
-        <p:txBody>
-          <a:bodyPr wrap="square" rtlCol="0">
-            <a:spAutoFit/>
-          </a:bodyPr>
-          <a:lstStyle/>
-          <a:p>
-            <a:r>
-              <a:rPr lang="en-US" dirty="0"/>
-              <a:t>q</a:t>
-            </a:r>
-            <a:r>
-              <a:rPr lang="en-US" dirty="0" smtClean="0"/>
-              <a:t>_product_log</a:t>
-            </a:r>
-            <a:endParaRPr lang="en-US" dirty="0"/>
-          </a:p>
-        </p:txBody>
-      </p:sp>
-      <p:pic>
-        <p:nvPicPr>
-          <p:cNvPr id="39" name="Picture 38"/>
-          <p:cNvPicPr>
-            <a:picLocks noChangeAspect="1"/>
-          </p:cNvPicPr>
-          <p:nvPr/>
-        </p:nvPicPr>
-        <p:blipFill>
-          <a:blip r:embed="rId4">
-            <a:extLst>
-              <a:ext uri="{28A0092B-C50C-407E-A947-70E740481C1C}">
-                <a14:useLocalDpi xmlns:a14="http://schemas.microsoft.com/office/drawing/2010/main" val="0"/>
-              </a:ext>
-            </a:extLst>
-          </a:blip>
-          <a:stretch>
-            <a:fillRect/>
-          </a:stretch>
-        </p:blipFill>
-        <p:spPr>
-          <a:xfrm>
-            <a:off x="6757330" y="2710410"/>
-            <a:ext cx="517918" cy="517918"/>
-          </a:xfrm>
-          <a:prstGeom prst="rect">
-            <a:avLst/>
-          </a:prstGeom>
-        </p:spPr>
-      </p:pic>
-      <p:pic>
-        <p:nvPicPr>
-          <p:cNvPr id="40" name="Picture 39"/>
-          <p:cNvPicPr>
-            <a:picLocks noChangeAspect="1"/>
-          </p:cNvPicPr>
-          <p:nvPr/>
-        </p:nvPicPr>
-        <p:blipFill>
-          <a:blip r:embed="rId4">
-            <a:extLst>
-              <a:ext uri="{28A0092B-C50C-407E-A947-70E740481C1C}">
-                <a14:useLocalDpi xmlns:a14="http://schemas.microsoft.com/office/drawing/2010/main" val="0"/>
-              </a:ext>
-            </a:extLst>
-          </a:blip>
-          <a:stretch>
-            <a:fillRect/>
-          </a:stretch>
-        </p:blipFill>
-        <p:spPr>
-          <a:xfrm>
-            <a:off x="6757330" y="3370425"/>
-            <a:ext cx="517918" cy="517918"/>
-          </a:xfrm>
-          <a:prstGeom prst="rect">
-            <a:avLst/>
-          </a:prstGeom>
-        </p:spPr>
-      </p:pic>
-      <p:sp>
-        <p:nvSpPr>
-          <p:cNvPr id="42" name="Cube 41"/>
-          <p:cNvSpPr/>
-          <p:nvPr/>
-        </p:nvSpPr>
-        <p:spPr>
-          <a:xfrm>
-            <a:off x="3992094" y="2797848"/>
-            <a:ext cx="1980955" cy="417372"/>
-          </a:xfrm>
-          <a:prstGeom prst="cube">
-            <a:avLst/>
-          </a:prstGeom>
-          <a:solidFill>
-            <a:srgbClr val="00B0F0"/>
-          </a:solidFill>
-        </p:spPr>
-        <p:style>
-          <a:lnRef idx="2">
-            <a:schemeClr val="accent1">
-              <a:shade val="50000"/>
-            </a:schemeClr>
-          </a:lnRef>
-          <a:fillRef idx="1">
-            <a:schemeClr val="accent1"/>
-          </a:fillRef>
-          <a:effectRef idx="0">
-            <a:schemeClr val="accent1"/>
-          </a:effectRef>
-          <a:fontRef idx="minor">
-            <a:schemeClr val="lt1"/>
-          </a:fontRef>
-        </p:style>
-        <p:txBody>
-          <a:bodyPr rtlCol="0" anchor="ctr"/>
-          <a:lstStyle/>
-          <a:p>
-            <a:pPr algn="ctr"/>
-            <a:endParaRPr lang="en-US" dirty="0"/>
-          </a:p>
-        </p:txBody>
-      </p:sp>
-      <p:sp>
-        <p:nvSpPr>
-          <p:cNvPr id="43" name="Cube 42"/>
-          <p:cNvSpPr/>
-          <p:nvPr/>
-        </p:nvSpPr>
-        <p:spPr>
-          <a:xfrm>
-            <a:off x="3968351" y="3413385"/>
-            <a:ext cx="1980955" cy="417372"/>
-          </a:xfrm>
-          <a:prstGeom prst="cube">
-            <a:avLst/>
-          </a:prstGeom>
-          <a:solidFill>
-            <a:srgbClr val="00B0F0"/>
-          </a:solidFill>
-        </p:spPr>
-        <p:style>
-          <a:lnRef idx="2">
-            <a:schemeClr val="accent1">
-              <a:shade val="50000"/>
-            </a:schemeClr>
-          </a:lnRef>
-          <a:fillRef idx="1">
-            <a:schemeClr val="accent1"/>
-          </a:fillRef>
-          <a:effectRef idx="0">
-            <a:schemeClr val="accent1"/>
-          </a:effectRef>
-          <a:fontRef idx="minor">
-            <a:schemeClr val="lt1"/>
-          </a:fontRef>
-        </p:style>
-        <p:txBody>
-          <a:bodyPr rtlCol="0" anchor="ctr"/>
-          <a:lstStyle/>
-          <a:p>
-            <a:pPr algn="ctr"/>
-            <a:endParaRPr lang="en-US" dirty="0"/>
-          </a:p>
-        </p:txBody>
-      </p:sp>
-      <p:sp>
-        <p:nvSpPr>
-          <p:cNvPr id="44" name="TextBox 43"/>
-          <p:cNvSpPr txBox="1"/>
-          <p:nvPr/>
-        </p:nvSpPr>
-        <p:spPr>
-          <a:xfrm>
-            <a:off x="3980449" y="2914659"/>
-            <a:ext cx="1980726" cy="276999"/>
-          </a:xfrm>
-          <a:prstGeom prst="rect">
-            <a:avLst/>
-          </a:prstGeom>
-          <a:noFill/>
-        </p:spPr>
-        <p:txBody>
-          <a:bodyPr wrap="square" rtlCol="0">
-            <a:spAutoFit/>
-          </a:bodyPr>
-          <a:lstStyle/>
-          <a:p>
-            <a:r>
-              <a:rPr lang="en-US" sz="1200" dirty="0" smtClean="0"/>
-              <a:t>Category Crawler (p2)</a:t>
-            </a:r>
-            <a:endParaRPr lang="en-US" sz="1200" dirty="0"/>
-          </a:p>
-        </p:txBody>
-      </p:sp>
-      <p:sp>
-        <p:nvSpPr>
-          <p:cNvPr id="45" name="TextBox 44"/>
-          <p:cNvSpPr txBox="1"/>
-          <p:nvPr/>
-        </p:nvSpPr>
-        <p:spPr>
-          <a:xfrm>
-            <a:off x="3992323" y="3537126"/>
-            <a:ext cx="1980726" cy="276999"/>
-          </a:xfrm>
-          <a:prstGeom prst="rect">
-            <a:avLst/>
-          </a:prstGeom>
-          <a:noFill/>
-        </p:spPr>
-        <p:txBody>
-          <a:bodyPr wrap="square" rtlCol="0">
-            <a:spAutoFit/>
-          </a:bodyPr>
-          <a:lstStyle/>
-          <a:p>
-            <a:r>
-              <a:rPr lang="en-US" sz="1200" dirty="0" smtClean="0"/>
-              <a:t>Category Crawler (p3)</a:t>
-            </a:r>
-            <a:endParaRPr lang="en-US" sz="1200" dirty="0"/>
-          </a:p>
-        </p:txBody>
-      </p:sp>
-      <p:cxnSp>
-        <p:nvCxnSpPr>
-          <p:cNvPr id="47" name="Straight Arrow Connector 46"/>
-          <p:cNvCxnSpPr>
-            <a:stCxn id="43" idx="2"/>
-            <a:endCxn id="38" idx="0"/>
-          </p:cNvCxnSpPr>
-          <p:nvPr/>
-        </p:nvCxnSpPr>
-        <p:spPr>
-          <a:xfrm flipH="1">
-            <a:off x="2791218" y="3674243"/>
-            <a:ext cx="1177133" cy="124323"/>
-          </a:xfrm>
-          <a:prstGeom prst="straightConnector1">
-            <a:avLst/>
-          </a:prstGeom>
-          <a:ln>
-            <a:headEnd type="triangle"/>
-            <a:tailEnd type="triangle"/>
-          </a:ln>
-        </p:spPr>
-        <p:style>
-          <a:lnRef idx="1">
-            <a:schemeClr val="accent1"/>
-          </a:lnRef>
-          <a:fillRef idx="0">
-            <a:schemeClr val="accent1"/>
-          </a:fillRef>
-          <a:effectRef idx="0">
-            <a:schemeClr val="accent1"/>
-          </a:effectRef>
-          <a:fontRef idx="minor">
-            <a:schemeClr val="tx1"/>
-          </a:fontRef>
-        </p:style>
-      </p:cxnSp>
-      <p:cxnSp>
-        <p:nvCxnSpPr>
-          <p:cNvPr id="48" name="Straight Arrow Connector 47"/>
-          <p:cNvCxnSpPr>
-            <a:stCxn id="21" idx="2"/>
-            <a:endCxn id="38" idx="0"/>
-          </p:cNvCxnSpPr>
-          <p:nvPr/>
-        </p:nvCxnSpPr>
-        <p:spPr>
-          <a:xfrm flipH="1">
-            <a:off x="2791218" y="2443168"/>
-            <a:ext cx="1189001" cy="1355398"/>
-          </a:xfrm>
-          <a:prstGeom prst="straightConnector1">
-            <a:avLst/>
-          </a:prstGeom>
-          <a:ln>
-            <a:headEnd type="triangle"/>
-            <a:tailEnd type="triangle"/>
-          </a:ln>
-        </p:spPr>
-        <p:style>
-          <a:lnRef idx="1">
-            <a:schemeClr val="accent1"/>
-          </a:lnRef>
-          <a:fillRef idx="0">
-            <a:schemeClr val="accent1"/>
-          </a:fillRef>
-          <a:effectRef idx="0">
-            <a:schemeClr val="accent1"/>
-          </a:effectRef>
-          <a:fontRef idx="minor">
-            <a:schemeClr val="tx1"/>
-          </a:fontRef>
-        </p:style>
-      </p:cxnSp>
-      <p:cxnSp>
-        <p:nvCxnSpPr>
-          <p:cNvPr id="53" name="Straight Arrow Connector 52"/>
-          <p:cNvCxnSpPr>
-            <a:stCxn id="42" idx="5"/>
-            <a:endCxn id="39" idx="1"/>
-          </p:cNvCxnSpPr>
-          <p:nvPr/>
-        </p:nvCxnSpPr>
-        <p:spPr>
-          <a:xfrm>
-            <a:off x="5973049" y="2954363"/>
-            <a:ext cx="784281" cy="15006"/>
-          </a:xfrm>
-          <a:prstGeom prst="straightConnector1">
-            <a:avLst/>
-          </a:prstGeom>
-          <a:ln>
-            <a:tailEnd type="triangle"/>
-          </a:ln>
-        </p:spPr>
-        <p:style>
-          <a:lnRef idx="1">
-            <a:schemeClr val="accent1"/>
-          </a:lnRef>
-          <a:fillRef idx="0">
-            <a:schemeClr val="accent1"/>
-          </a:fillRef>
-          <a:effectRef idx="0">
-            <a:schemeClr val="accent1"/>
-          </a:effectRef>
-          <a:fontRef idx="minor">
-            <a:schemeClr val="tx1"/>
-          </a:fontRef>
-        </p:style>
-      </p:cxnSp>
-      <p:cxnSp>
-        <p:nvCxnSpPr>
-          <p:cNvPr id="54" name="Straight Arrow Connector 53"/>
-          <p:cNvCxnSpPr>
-            <a:stCxn id="43" idx="5"/>
-            <a:endCxn id="40" idx="1"/>
-          </p:cNvCxnSpPr>
-          <p:nvPr/>
-        </p:nvCxnSpPr>
-        <p:spPr>
-          <a:xfrm>
-            <a:off x="5949306" y="3569900"/>
-            <a:ext cx="808024" cy="59484"/>
-          </a:xfrm>
-          <a:prstGeom prst="straightConnector1">
-            <a:avLst/>
-          </a:prstGeom>
-          <a:ln>
-            <a:tailEnd type="triangle"/>
-          </a:ln>
-        </p:spPr>
-        <p:style>
-          <a:lnRef idx="1">
-            <a:schemeClr val="accent1"/>
-          </a:lnRef>
-          <a:fillRef idx="0">
-            <a:schemeClr val="accent1"/>
-          </a:fillRef>
-          <a:effectRef idx="0">
-            <a:schemeClr val="accent1"/>
-          </a:effectRef>
-          <a:fontRef idx="minor">
-            <a:schemeClr val="tx1"/>
-          </a:fontRef>
-        </p:style>
-      </p:cxnSp>
-      <p:cxnSp>
-        <p:nvCxnSpPr>
-          <p:cNvPr id="60" name="Straight Arrow Connector 59"/>
-          <p:cNvCxnSpPr>
-            <a:stCxn id="43" idx="5"/>
-            <a:endCxn id="31" idx="1"/>
-          </p:cNvCxnSpPr>
-          <p:nvPr/>
-        </p:nvCxnSpPr>
-        <p:spPr>
-          <a:xfrm>
-            <a:off x="5949306" y="3569900"/>
-            <a:ext cx="808024" cy="710647"/>
-          </a:xfrm>
-          <a:prstGeom prst="straightConnector1">
-            <a:avLst/>
-          </a:prstGeom>
-          <a:ln>
-            <a:tailEnd type="triangle"/>
-          </a:ln>
-        </p:spPr>
-        <p:style>
-          <a:lnRef idx="1">
-            <a:schemeClr val="accent1"/>
-          </a:lnRef>
-          <a:fillRef idx="0">
-            <a:schemeClr val="accent1"/>
-          </a:fillRef>
-          <a:effectRef idx="0">
-            <a:schemeClr val="accent1"/>
-          </a:effectRef>
-          <a:fontRef idx="minor">
-            <a:schemeClr val="tx1"/>
-          </a:fontRef>
-        </p:style>
-      </p:cxnSp>
-      <p:cxnSp>
-        <p:nvCxnSpPr>
-          <p:cNvPr id="61" name="Straight Arrow Connector 60"/>
-          <p:cNvCxnSpPr>
-            <a:stCxn id="42" idx="5"/>
-            <a:endCxn id="31" idx="1"/>
-          </p:cNvCxnSpPr>
-          <p:nvPr/>
-        </p:nvCxnSpPr>
-        <p:spPr>
-          <a:xfrm>
-            <a:off x="5973049" y="2954363"/>
-            <a:ext cx="784281" cy="1326184"/>
-          </a:xfrm>
-          <a:prstGeom prst="straightConnector1">
-            <a:avLst/>
-          </a:prstGeom>
-          <a:ln>
-            <a:tailEnd type="triangle"/>
-          </a:ln>
-        </p:spPr>
-        <p:style>
-          <a:lnRef idx="1">
-            <a:schemeClr val="accent1"/>
-          </a:lnRef>
-          <a:fillRef idx="0">
-            <a:schemeClr val="accent1"/>
-          </a:fillRef>
-          <a:effectRef idx="0">
-            <a:schemeClr val="accent1"/>
-          </a:effectRef>
-          <a:fontRef idx="minor">
-            <a:schemeClr val="tx1"/>
-          </a:fontRef>
-        </p:style>
-      </p:cxnSp>
-      <p:sp>
-        <p:nvSpPr>
-          <p:cNvPr id="67" name="TextBox 66"/>
-          <p:cNvSpPr txBox="1"/>
-          <p:nvPr/>
-        </p:nvSpPr>
-        <p:spPr>
-          <a:xfrm>
-            <a:off x="7220193" y="2710410"/>
-            <a:ext cx="2719451" cy="369332"/>
-          </a:xfrm>
-          <a:prstGeom prst="rect">
-            <a:avLst/>
-          </a:prstGeom>
-          <a:noFill/>
-        </p:spPr>
-        <p:txBody>
-          <a:bodyPr wrap="square" rtlCol="0">
-            <a:spAutoFit/>
-          </a:bodyPr>
-          <a:lstStyle/>
-          <a:p>
-            <a:r>
-              <a:rPr lang="en-US" dirty="0" smtClean="0"/>
-              <a:t>q_product_p2 (Medium)</a:t>
-            </a:r>
-            <a:endParaRPr lang="en-US" dirty="0"/>
-          </a:p>
-        </p:txBody>
-      </p:sp>
-      <p:sp>
-        <p:nvSpPr>
-          <p:cNvPr id="68" name="TextBox 67"/>
-          <p:cNvSpPr txBox="1"/>
-          <p:nvPr/>
-        </p:nvSpPr>
-        <p:spPr>
-          <a:xfrm>
-            <a:off x="7220194" y="3370425"/>
-            <a:ext cx="2339440" cy="369332"/>
-          </a:xfrm>
-          <a:prstGeom prst="rect">
-            <a:avLst/>
-          </a:prstGeom>
-          <a:noFill/>
-        </p:spPr>
-        <p:txBody>
-          <a:bodyPr wrap="square" rtlCol="0">
-            <a:spAutoFit/>
-          </a:bodyPr>
-          <a:lstStyle/>
-          <a:p>
-            <a:r>
-              <a:rPr lang="en-US" dirty="0" smtClean="0"/>
-              <a:t>q_product_p3 (Low)</a:t>
-            </a:r>
-            <a:endParaRPr lang="en-US" dirty="0"/>
-          </a:p>
-        </p:txBody>
-      </p:sp>
-      <p:sp>
-        <p:nvSpPr>
-          <p:cNvPr id="72" name="Cloud 71"/>
-          <p:cNvSpPr/>
-          <p:nvPr/>
-        </p:nvSpPr>
-        <p:spPr>
-          <a:xfrm>
-            <a:off x="2395716" y="1956510"/>
-            <a:ext cx="791004" cy="653598"/>
-          </a:xfrm>
-          <a:prstGeom prst="cloud">
-            <a:avLst/>
-          </a:prstGeom>
-          <a:solidFill>
-            <a:schemeClr val="bg2">
-              <a:lumMod val="90000"/>
-            </a:schemeClr>
-          </a:solidFill>
-        </p:spPr>
-        <p:style>
-          <a:lnRef idx="2">
-            <a:schemeClr val="accent1">
-              <a:shade val="50000"/>
-            </a:schemeClr>
-          </a:lnRef>
-          <a:fillRef idx="1">
-            <a:schemeClr val="accent1"/>
-          </a:fillRef>
-          <a:effectRef idx="0">
-            <a:schemeClr val="accent1"/>
-          </a:effectRef>
-          <a:fontRef idx="minor">
-            <a:schemeClr val="lt1"/>
-          </a:fontRef>
-        </p:style>
-        <p:txBody>
-          <a:bodyPr rtlCol="0" anchor="ctr"/>
-          <a:lstStyle/>
-          <a:p>
-            <a:pPr algn="ctr"/>
-            <a:endParaRPr lang="en-US" dirty="0"/>
-          </a:p>
-        </p:txBody>
-      </p:sp>
-      <p:cxnSp>
-        <p:nvCxnSpPr>
-          <p:cNvPr id="77" name="Straight Arrow Connector 76"/>
-          <p:cNvCxnSpPr>
-            <a:stCxn id="72" idx="0"/>
-            <a:endCxn id="21" idx="2"/>
-          </p:cNvCxnSpPr>
-          <p:nvPr/>
-        </p:nvCxnSpPr>
-        <p:spPr>
-          <a:xfrm>
-            <a:off x="3186061" y="2283309"/>
-            <a:ext cx="794158" cy="159859"/>
-          </a:xfrm>
-          <a:prstGeom prst="straightConnector1">
-            <a:avLst/>
-          </a:prstGeom>
-          <a:ln>
-            <a:tailEnd type="triangle"/>
-          </a:ln>
-        </p:spPr>
-        <p:style>
-          <a:lnRef idx="1">
-            <a:schemeClr val="accent1"/>
-          </a:lnRef>
-          <a:fillRef idx="0">
-            <a:schemeClr val="accent1"/>
-          </a:fillRef>
-          <a:effectRef idx="0">
-            <a:schemeClr val="accent1"/>
-          </a:effectRef>
-          <a:fontRef idx="minor">
-            <a:schemeClr val="tx1"/>
-          </a:fontRef>
-        </p:style>
-      </p:cxnSp>
-      <p:cxnSp>
-        <p:nvCxnSpPr>
-          <p:cNvPr id="78" name="Straight Arrow Connector 77"/>
-          <p:cNvCxnSpPr>
-            <a:stCxn id="72" idx="0"/>
-            <a:endCxn id="42" idx="2"/>
-          </p:cNvCxnSpPr>
-          <p:nvPr/>
-        </p:nvCxnSpPr>
-        <p:spPr>
-          <a:xfrm>
-            <a:off x="3186061" y="2283309"/>
-            <a:ext cx="806033" cy="775397"/>
-          </a:xfrm>
-          <a:prstGeom prst="straightConnector1">
-            <a:avLst/>
-          </a:prstGeom>
-          <a:ln>
-            <a:tailEnd type="triangle"/>
-          </a:ln>
-        </p:spPr>
-        <p:style>
-          <a:lnRef idx="1">
-            <a:schemeClr val="accent1"/>
-          </a:lnRef>
-          <a:fillRef idx="0">
-            <a:schemeClr val="accent1"/>
-          </a:fillRef>
-          <a:effectRef idx="0">
-            <a:schemeClr val="accent1"/>
-          </a:effectRef>
-          <a:fontRef idx="minor">
-            <a:schemeClr val="tx1"/>
-          </a:fontRef>
-        </p:style>
-      </p:cxnSp>
-      <p:cxnSp>
-        <p:nvCxnSpPr>
-          <p:cNvPr id="81" name="Straight Arrow Connector 80"/>
-          <p:cNvCxnSpPr>
-            <a:stCxn id="72" idx="0"/>
-            <a:endCxn id="43" idx="2"/>
-          </p:cNvCxnSpPr>
-          <p:nvPr/>
-        </p:nvCxnSpPr>
-        <p:spPr>
-          <a:xfrm>
-            <a:off x="3186061" y="2283309"/>
-            <a:ext cx="782290" cy="1390934"/>
-          </a:xfrm>
-          <a:prstGeom prst="straightConnector1">
-            <a:avLst/>
-          </a:prstGeom>
-          <a:ln>
-            <a:tailEnd type="triangle"/>
-          </a:ln>
-        </p:spPr>
-        <p:style>
-          <a:lnRef idx="1">
-            <a:schemeClr val="accent1"/>
-          </a:lnRef>
-          <a:fillRef idx="0">
-            <a:schemeClr val="accent1"/>
-          </a:fillRef>
-          <a:effectRef idx="0">
-            <a:schemeClr val="accent1"/>
-          </a:effectRef>
-          <a:fontRef idx="minor">
-            <a:schemeClr val="tx1"/>
-          </a:fontRef>
-        </p:style>
-      </p:cxnSp>
-      <p:pic>
-        <p:nvPicPr>
-          <p:cNvPr id="38" name="Picture 37"/>
-          <p:cNvPicPr>
-            <a:picLocks noChangeAspect="1"/>
-          </p:cNvPicPr>
-          <p:nvPr/>
-        </p:nvPicPr>
-        <p:blipFill>
-          <a:blip r:embed="rId5">
-            <a:extLst>
-              <a:ext uri="{28A0092B-C50C-407E-A947-70E740481C1C}">
-                <a14:useLocalDpi xmlns:a14="http://schemas.microsoft.com/office/drawing/2010/main" val="0"/>
-              </a:ext>
-            </a:extLst>
-          </a:blip>
-          <a:stretch>
-            <a:fillRect/>
-          </a:stretch>
-        </p:blipFill>
-        <p:spPr>
-          <a:xfrm>
-            <a:off x="2428032" y="3798566"/>
-            <a:ext cx="726372" cy="726372"/>
-          </a:xfrm>
-          <a:prstGeom prst="rect">
-            <a:avLst/>
-          </a:prstGeom>
-        </p:spPr>
-      </p:pic>
-    </p:spTree>
-    <p:extLst>
-      <p:ext uri="{BB962C8B-B14F-4D97-AF65-F5344CB8AC3E}">
-        <p14:creationId xmlns:p14="http://schemas.microsoft.com/office/powerpoint/2010/main" val="1689035394"/>
-      </p:ext>
-    </p:extLst>
-  </p:cSld>
-  <p:clrMapOvr>
-    <a:masterClrMapping/>
-  </p:clrMapOvr>
-  <p:timing>
-    <p:tnLst>
-      <p:par>
-        <p:cTn id="1" dur="indefinite" restart="never" nodeType="tmRoot"/>
-      </p:par>
-    </p:tnLst>
-  </p:timing>
-</p:sld>
-</file>
-
 <file path=ppt/slides/slide7.xml><?xml version="1.0" encoding="utf-8"?>
 <p:sld xmlns:a="http://schemas.openxmlformats.org/drawingml/2006/main" xmlns:r="http://schemas.openxmlformats.org/officeDocument/2006/relationships" xmlns:p="http://schemas.openxmlformats.org/presentationml/2006/main">
   <p:cSld>
@@ -10471,7 +9786,7 @@
           <a:p>
             <a:r>
               <a:rPr lang="en-US" dirty="0" smtClean="0"/>
-              <a:t>Price Monitoring Service</a:t>
+              <a:t>Product Crawler</a:t>
             </a:r>
             <a:endParaRPr lang="en-US" dirty="0"/>
           </a:p>
@@ -10479,913 +9794,7 @@
       </p:sp>
       <p:pic>
         <p:nvPicPr>
-          <p:cNvPr id="17" name="Picture 16"/>
-          <p:cNvPicPr>
-            <a:picLocks noChangeAspect="1"/>
-          </p:cNvPicPr>
-          <p:nvPr/>
-        </p:nvPicPr>
-        <p:blipFill>
-          <a:blip r:embed="rId2">
-            <a:extLst>
-              <a:ext uri="{28A0092B-C50C-407E-A947-70E740481C1C}">
-                <a14:useLocalDpi xmlns:a14="http://schemas.microsoft.com/office/drawing/2010/main" val="0"/>
-              </a:ext>
-            </a:extLst>
-          </a:blip>
-          <a:stretch>
-            <a:fillRect/>
-          </a:stretch>
-        </p:blipFill>
-        <p:spPr>
-          <a:xfrm>
-            <a:off x="678995" y="1192925"/>
-            <a:ext cx="517918" cy="517918"/>
-          </a:xfrm>
-          <a:prstGeom prst="rect">
-            <a:avLst/>
-          </a:prstGeom>
-        </p:spPr>
-      </p:pic>
-      <p:pic>
-        <p:nvPicPr>
-          <p:cNvPr id="18" name="Picture 17"/>
-          <p:cNvPicPr>
-            <a:picLocks noChangeAspect="1"/>
-          </p:cNvPicPr>
-          <p:nvPr/>
-        </p:nvPicPr>
-        <p:blipFill>
-          <a:blip r:embed="rId2">
-            <a:extLst>
-              <a:ext uri="{28A0092B-C50C-407E-A947-70E740481C1C}">
-                <a14:useLocalDpi xmlns:a14="http://schemas.microsoft.com/office/drawing/2010/main" val="0"/>
-              </a:ext>
-            </a:extLst>
-          </a:blip>
-          <a:stretch>
-            <a:fillRect/>
-          </a:stretch>
-        </p:blipFill>
-        <p:spPr>
-          <a:xfrm>
-            <a:off x="678995" y="1824554"/>
-            <a:ext cx="517918" cy="517918"/>
-          </a:xfrm>
-          <a:prstGeom prst="rect">
-            <a:avLst/>
-          </a:prstGeom>
-        </p:spPr>
-      </p:pic>
-      <p:pic>
-        <p:nvPicPr>
-          <p:cNvPr id="19" name="Picture 18"/>
-          <p:cNvPicPr>
-            <a:picLocks noChangeAspect="1"/>
-          </p:cNvPicPr>
-          <p:nvPr/>
-        </p:nvPicPr>
-        <p:blipFill>
-          <a:blip r:embed="rId2">
-            <a:extLst>
-              <a:ext uri="{28A0092B-C50C-407E-A947-70E740481C1C}">
-                <a14:useLocalDpi xmlns:a14="http://schemas.microsoft.com/office/drawing/2010/main" val="0"/>
-              </a:ext>
-            </a:extLst>
-          </a:blip>
-          <a:stretch>
-            <a:fillRect/>
-          </a:stretch>
-        </p:blipFill>
-        <p:spPr>
-          <a:xfrm>
-            <a:off x="678798" y="2456183"/>
-            <a:ext cx="517918" cy="517918"/>
-          </a:xfrm>
-          <a:prstGeom prst="rect">
-            <a:avLst/>
-          </a:prstGeom>
-        </p:spPr>
-      </p:pic>
-      <p:pic>
-        <p:nvPicPr>
-          <p:cNvPr id="21" name="Picture 20"/>
-          <p:cNvPicPr>
-            <a:picLocks noChangeAspect="1"/>
-          </p:cNvPicPr>
-          <p:nvPr/>
-        </p:nvPicPr>
-        <p:blipFill>
-          <a:blip r:embed="rId2">
-            <a:extLst>
-              <a:ext uri="{28A0092B-C50C-407E-A947-70E740481C1C}">
-                <a14:useLocalDpi xmlns:a14="http://schemas.microsoft.com/office/drawing/2010/main" val="0"/>
-              </a:ext>
-            </a:extLst>
-          </a:blip>
-          <a:stretch>
-            <a:fillRect/>
-          </a:stretch>
-        </p:blipFill>
-        <p:spPr>
-          <a:xfrm>
-            <a:off x="7849500" y="1086050"/>
-            <a:ext cx="517918" cy="517918"/>
-          </a:xfrm>
-          <a:prstGeom prst="rect">
-            <a:avLst/>
-          </a:prstGeom>
-        </p:spPr>
-      </p:pic>
-      <p:pic>
-        <p:nvPicPr>
-          <p:cNvPr id="22" name="Picture 21"/>
-          <p:cNvPicPr>
-            <a:picLocks noChangeAspect="1"/>
-          </p:cNvPicPr>
-          <p:nvPr/>
-        </p:nvPicPr>
-        <p:blipFill>
-          <a:blip r:embed="rId2">
-            <a:extLst>
-              <a:ext uri="{28A0092B-C50C-407E-A947-70E740481C1C}">
-                <a14:useLocalDpi xmlns:a14="http://schemas.microsoft.com/office/drawing/2010/main" val="0"/>
-              </a:ext>
-            </a:extLst>
-          </a:blip>
-          <a:stretch>
-            <a:fillRect/>
-          </a:stretch>
-        </p:blipFill>
-        <p:spPr>
-          <a:xfrm>
-            <a:off x="7849500" y="1729554"/>
-            <a:ext cx="517918" cy="517918"/>
-          </a:xfrm>
-          <a:prstGeom prst="rect">
-            <a:avLst/>
-          </a:prstGeom>
-        </p:spPr>
-      </p:pic>
-      <p:pic>
-        <p:nvPicPr>
-          <p:cNvPr id="23" name="Picture 22"/>
-          <p:cNvPicPr>
-            <a:picLocks noChangeAspect="1"/>
-          </p:cNvPicPr>
-          <p:nvPr/>
-        </p:nvPicPr>
-        <p:blipFill>
-          <a:blip r:embed="rId2">
-            <a:extLst>
-              <a:ext uri="{28A0092B-C50C-407E-A947-70E740481C1C}">
-                <a14:useLocalDpi xmlns:a14="http://schemas.microsoft.com/office/drawing/2010/main" val="0"/>
-              </a:ext>
-            </a:extLst>
-          </a:blip>
-          <a:stretch>
-            <a:fillRect/>
-          </a:stretch>
-        </p:blipFill>
-        <p:spPr>
-          <a:xfrm>
-            <a:off x="7849500" y="2361183"/>
-            <a:ext cx="517918" cy="517918"/>
-          </a:xfrm>
-          <a:prstGeom prst="rect">
-            <a:avLst/>
-          </a:prstGeom>
-        </p:spPr>
-      </p:pic>
-      <p:sp>
-        <p:nvSpPr>
-          <p:cNvPr id="24" name="Cube 23"/>
-          <p:cNvSpPr/>
-          <p:nvPr/>
-        </p:nvSpPr>
-        <p:spPr>
-          <a:xfrm>
-            <a:off x="4098974" y="1192925"/>
-            <a:ext cx="3047271" cy="417372"/>
-          </a:xfrm>
-          <a:prstGeom prst="cube">
-            <a:avLst/>
-          </a:prstGeom>
-          <a:solidFill>
-            <a:srgbClr val="00B0F0"/>
-          </a:solidFill>
-        </p:spPr>
-        <p:style>
-          <a:lnRef idx="2">
-            <a:schemeClr val="accent1">
-              <a:shade val="50000"/>
-            </a:schemeClr>
-          </a:lnRef>
-          <a:fillRef idx="1">
-            <a:schemeClr val="accent1"/>
-          </a:fillRef>
-          <a:effectRef idx="0">
-            <a:schemeClr val="accent1"/>
-          </a:effectRef>
-          <a:fontRef idx="minor">
-            <a:schemeClr val="lt1"/>
-          </a:fontRef>
-        </p:style>
-        <p:txBody>
-          <a:bodyPr rtlCol="0" anchor="ctr"/>
-          <a:lstStyle/>
-          <a:p>
-            <a:pPr algn="ctr"/>
-            <a:endParaRPr lang="en-US" dirty="0"/>
-          </a:p>
-        </p:txBody>
-      </p:sp>
-      <p:sp>
-        <p:nvSpPr>
-          <p:cNvPr id="26" name="Cube 25"/>
-          <p:cNvSpPr/>
-          <p:nvPr/>
-        </p:nvSpPr>
-        <p:spPr>
-          <a:xfrm>
-            <a:off x="4098974" y="1824554"/>
-            <a:ext cx="3047271" cy="417372"/>
-          </a:xfrm>
-          <a:prstGeom prst="cube">
-            <a:avLst/>
-          </a:prstGeom>
-          <a:solidFill>
-            <a:srgbClr val="00B0F0"/>
-          </a:solidFill>
-        </p:spPr>
-        <p:style>
-          <a:lnRef idx="2">
-            <a:schemeClr val="accent1">
-              <a:shade val="50000"/>
-            </a:schemeClr>
-          </a:lnRef>
-          <a:fillRef idx="1">
-            <a:schemeClr val="accent1"/>
-          </a:fillRef>
-          <a:effectRef idx="0">
-            <a:schemeClr val="accent1"/>
-          </a:effectRef>
-          <a:fontRef idx="minor">
-            <a:schemeClr val="lt1"/>
-          </a:fontRef>
-        </p:style>
-        <p:txBody>
-          <a:bodyPr rtlCol="0" anchor="ctr"/>
-          <a:lstStyle/>
-          <a:p>
-            <a:pPr algn="ctr"/>
-            <a:endParaRPr lang="en-US" dirty="0"/>
-          </a:p>
-        </p:txBody>
-      </p:sp>
-      <p:sp>
-        <p:nvSpPr>
-          <p:cNvPr id="27" name="Cube 26"/>
-          <p:cNvSpPr/>
-          <p:nvPr/>
-        </p:nvSpPr>
-        <p:spPr>
-          <a:xfrm>
-            <a:off x="4098974" y="2456183"/>
-            <a:ext cx="3047271" cy="417372"/>
-          </a:xfrm>
-          <a:prstGeom prst="cube">
-            <a:avLst/>
-          </a:prstGeom>
-          <a:solidFill>
-            <a:srgbClr val="00B0F0"/>
-          </a:solidFill>
-        </p:spPr>
-        <p:style>
-          <a:lnRef idx="2">
-            <a:schemeClr val="accent1">
-              <a:shade val="50000"/>
-            </a:schemeClr>
-          </a:lnRef>
-          <a:fillRef idx="1">
-            <a:schemeClr val="accent1"/>
-          </a:fillRef>
-          <a:effectRef idx="0">
-            <a:schemeClr val="accent1"/>
-          </a:effectRef>
-          <a:fontRef idx="minor">
-            <a:schemeClr val="lt1"/>
-          </a:fontRef>
-        </p:style>
-        <p:txBody>
-          <a:bodyPr rtlCol="0" anchor="ctr"/>
-          <a:lstStyle/>
-          <a:p>
-            <a:pPr algn="ctr"/>
-            <a:endParaRPr lang="en-US" dirty="0"/>
-          </a:p>
-        </p:txBody>
-      </p:sp>
-      <p:sp>
-        <p:nvSpPr>
-          <p:cNvPr id="30" name="TextBox 29"/>
-          <p:cNvSpPr txBox="1"/>
-          <p:nvPr/>
-        </p:nvSpPr>
-        <p:spPr>
-          <a:xfrm>
-            <a:off x="1180300" y="1454177"/>
-            <a:ext cx="2339441" cy="369332"/>
-          </a:xfrm>
-          <a:prstGeom prst="rect">
-            <a:avLst/>
-          </a:prstGeom>
-          <a:noFill/>
-        </p:spPr>
-        <p:txBody>
-          <a:bodyPr wrap="square" rtlCol="0">
-            <a:spAutoFit/>
-          </a:bodyPr>
-          <a:lstStyle/>
-          <a:p>
-            <a:r>
-              <a:rPr lang="en-US" dirty="0" smtClean="0"/>
-              <a:t>q_product_p1 (High)</a:t>
-            </a:r>
-            <a:endParaRPr lang="en-US" dirty="0"/>
-          </a:p>
-        </p:txBody>
-      </p:sp>
-      <p:sp>
-        <p:nvSpPr>
-          <p:cNvPr id="33" name="TextBox 32"/>
-          <p:cNvSpPr txBox="1"/>
-          <p:nvPr/>
-        </p:nvSpPr>
-        <p:spPr>
-          <a:xfrm>
-            <a:off x="1180300" y="2085810"/>
-            <a:ext cx="2576548" cy="369332"/>
-          </a:xfrm>
-          <a:prstGeom prst="rect">
-            <a:avLst/>
-          </a:prstGeom>
-          <a:noFill/>
-        </p:spPr>
-        <p:txBody>
-          <a:bodyPr wrap="square" rtlCol="0">
-            <a:spAutoFit/>
-          </a:bodyPr>
-          <a:lstStyle/>
-          <a:p>
-            <a:r>
-              <a:rPr lang="en-US" dirty="0" smtClean="0"/>
-              <a:t>q_product_p2 (Medium)</a:t>
-            </a:r>
-            <a:endParaRPr lang="en-US" dirty="0"/>
-          </a:p>
-        </p:txBody>
-      </p:sp>
-      <p:sp>
-        <p:nvSpPr>
-          <p:cNvPr id="34" name="TextBox 33"/>
-          <p:cNvSpPr txBox="1"/>
-          <p:nvPr/>
-        </p:nvSpPr>
-        <p:spPr>
-          <a:xfrm>
-            <a:off x="1180300" y="2729315"/>
-            <a:ext cx="2339441" cy="369332"/>
-          </a:xfrm>
-          <a:prstGeom prst="rect">
-            <a:avLst/>
-          </a:prstGeom>
-          <a:noFill/>
-        </p:spPr>
-        <p:txBody>
-          <a:bodyPr wrap="square" rtlCol="0">
-            <a:spAutoFit/>
-          </a:bodyPr>
-          <a:lstStyle/>
-          <a:p>
-            <a:r>
-              <a:rPr lang="en-US" dirty="0" smtClean="0"/>
-              <a:t>q_product_p1 (Low)</a:t>
-            </a:r>
-            <a:endParaRPr lang="en-US" dirty="0"/>
-          </a:p>
-        </p:txBody>
-      </p:sp>
-      <p:sp>
-        <p:nvSpPr>
-          <p:cNvPr id="36" name="TextBox 35"/>
-          <p:cNvSpPr txBox="1"/>
-          <p:nvPr/>
-        </p:nvSpPr>
-        <p:spPr>
-          <a:xfrm>
-            <a:off x="8394161" y="1086050"/>
-            <a:ext cx="3170501" cy="369332"/>
-          </a:xfrm>
-          <a:prstGeom prst="rect">
-            <a:avLst/>
-          </a:prstGeom>
-          <a:noFill/>
-        </p:spPr>
-        <p:txBody>
-          <a:bodyPr wrap="square" rtlCol="0">
-            <a:spAutoFit/>
-          </a:bodyPr>
-          <a:lstStyle/>
-          <a:p>
-            <a:r>
-              <a:rPr lang="en-US" dirty="0" smtClean="0"/>
-              <a:t>q_discount_product_p1 (High)</a:t>
-            </a:r>
-            <a:endParaRPr lang="en-US" dirty="0"/>
-          </a:p>
-        </p:txBody>
-      </p:sp>
-      <p:sp>
-        <p:nvSpPr>
-          <p:cNvPr id="39" name="TextBox 38"/>
-          <p:cNvSpPr txBox="1"/>
-          <p:nvPr/>
-        </p:nvSpPr>
-        <p:spPr>
-          <a:xfrm>
-            <a:off x="8394161" y="1729554"/>
-            <a:ext cx="3477206" cy="369332"/>
-          </a:xfrm>
-          <a:prstGeom prst="rect">
-            <a:avLst/>
-          </a:prstGeom>
-          <a:noFill/>
-        </p:spPr>
-        <p:txBody>
-          <a:bodyPr wrap="square" rtlCol="0">
-            <a:spAutoFit/>
-          </a:bodyPr>
-          <a:lstStyle/>
-          <a:p>
-            <a:r>
-              <a:rPr lang="en-US" dirty="0" smtClean="0"/>
-              <a:t>q_discount_product_p2 (Medium)</a:t>
-            </a:r>
-            <a:endParaRPr lang="en-US" dirty="0"/>
-          </a:p>
-        </p:txBody>
-      </p:sp>
-      <p:sp>
-        <p:nvSpPr>
-          <p:cNvPr id="41" name="TextBox 40"/>
-          <p:cNvSpPr txBox="1"/>
-          <p:nvPr/>
-        </p:nvSpPr>
-        <p:spPr>
-          <a:xfrm>
-            <a:off x="8394161" y="2361183"/>
-            <a:ext cx="3101155" cy="369332"/>
-          </a:xfrm>
-          <a:prstGeom prst="rect">
-            <a:avLst/>
-          </a:prstGeom>
-          <a:noFill/>
-        </p:spPr>
-        <p:txBody>
-          <a:bodyPr wrap="square" rtlCol="0">
-            <a:spAutoFit/>
-          </a:bodyPr>
-          <a:lstStyle/>
-          <a:p>
-            <a:r>
-              <a:rPr lang="en-US" dirty="0" smtClean="0"/>
-              <a:t>q_discount_product_p3 (Low)</a:t>
-            </a:r>
-            <a:endParaRPr lang="en-US" dirty="0"/>
-          </a:p>
-        </p:txBody>
-      </p:sp>
-      <p:sp>
-        <p:nvSpPr>
-          <p:cNvPr id="6" name="TextBox 5"/>
-          <p:cNvSpPr txBox="1"/>
-          <p:nvPr/>
-        </p:nvSpPr>
-        <p:spPr>
-          <a:xfrm>
-            <a:off x="4098974" y="1255343"/>
-            <a:ext cx="3047271" cy="369332"/>
-          </a:xfrm>
-          <a:prstGeom prst="rect">
-            <a:avLst/>
-          </a:prstGeom>
-          <a:noFill/>
-        </p:spPr>
-        <p:txBody>
-          <a:bodyPr wrap="square" rtlCol="0">
-            <a:spAutoFit/>
-          </a:bodyPr>
-          <a:lstStyle/>
-          <a:p>
-            <a:r>
-              <a:rPr lang="en-US" dirty="0" smtClean="0"/>
-              <a:t>Price_monitoring_service (p1)</a:t>
-            </a:r>
-            <a:endParaRPr lang="en-US" dirty="0"/>
-          </a:p>
-        </p:txBody>
-      </p:sp>
-      <p:sp>
-        <p:nvSpPr>
-          <p:cNvPr id="42" name="TextBox 41"/>
-          <p:cNvSpPr txBox="1"/>
-          <p:nvPr/>
-        </p:nvSpPr>
-        <p:spPr>
-          <a:xfrm>
-            <a:off x="4125717" y="1906223"/>
-            <a:ext cx="3047271" cy="369332"/>
-          </a:xfrm>
-          <a:prstGeom prst="rect">
-            <a:avLst/>
-          </a:prstGeom>
-          <a:noFill/>
-        </p:spPr>
-        <p:txBody>
-          <a:bodyPr wrap="square" rtlCol="0">
-            <a:spAutoFit/>
-          </a:bodyPr>
-          <a:lstStyle/>
-          <a:p>
-            <a:r>
-              <a:rPr lang="en-US" dirty="0" smtClean="0"/>
-              <a:t>Price_monitoring_service (p2)</a:t>
-            </a:r>
-            <a:endParaRPr lang="en-US" dirty="0"/>
-          </a:p>
-        </p:txBody>
-      </p:sp>
-      <p:sp>
-        <p:nvSpPr>
-          <p:cNvPr id="43" name="TextBox 42"/>
-          <p:cNvSpPr txBox="1"/>
-          <p:nvPr/>
-        </p:nvSpPr>
-        <p:spPr>
-          <a:xfrm>
-            <a:off x="4098974" y="2541768"/>
-            <a:ext cx="3047271" cy="369332"/>
-          </a:xfrm>
-          <a:prstGeom prst="rect">
-            <a:avLst/>
-          </a:prstGeom>
-          <a:noFill/>
-        </p:spPr>
-        <p:txBody>
-          <a:bodyPr wrap="square" rtlCol="0">
-            <a:spAutoFit/>
-          </a:bodyPr>
-          <a:lstStyle/>
-          <a:p>
-            <a:r>
-              <a:rPr lang="en-US" dirty="0" smtClean="0"/>
-              <a:t>Price_monitoring_service (p3)</a:t>
-            </a:r>
-            <a:endParaRPr lang="en-US" dirty="0"/>
-          </a:p>
-        </p:txBody>
-      </p:sp>
-      <p:cxnSp>
-        <p:nvCxnSpPr>
-          <p:cNvPr id="11" name="Straight Arrow Connector 10"/>
-          <p:cNvCxnSpPr>
-            <a:stCxn id="17" idx="3"/>
-            <a:endCxn id="6" idx="1"/>
-          </p:cNvCxnSpPr>
-          <p:nvPr/>
-        </p:nvCxnSpPr>
-        <p:spPr>
-          <a:xfrm flipV="1">
-            <a:off x="1196913" y="1440009"/>
-            <a:ext cx="2902061" cy="11875"/>
-          </a:xfrm>
-          <a:prstGeom prst="straightConnector1">
-            <a:avLst/>
-          </a:prstGeom>
-          <a:ln>
-            <a:tailEnd type="triangle"/>
-          </a:ln>
-        </p:spPr>
-        <p:style>
-          <a:lnRef idx="1">
-            <a:schemeClr val="accent1"/>
-          </a:lnRef>
-          <a:fillRef idx="0">
-            <a:schemeClr val="accent1"/>
-          </a:fillRef>
-          <a:effectRef idx="0">
-            <a:schemeClr val="accent1"/>
-          </a:effectRef>
-          <a:fontRef idx="minor">
-            <a:schemeClr val="tx1"/>
-          </a:fontRef>
-        </p:style>
-      </p:cxnSp>
-      <p:cxnSp>
-        <p:nvCxnSpPr>
-          <p:cNvPr id="45" name="Straight Arrow Connector 44"/>
-          <p:cNvCxnSpPr>
-            <a:stCxn id="18" idx="3"/>
-            <a:endCxn id="26" idx="2"/>
-          </p:cNvCxnSpPr>
-          <p:nvPr/>
-        </p:nvCxnSpPr>
-        <p:spPr>
-          <a:xfrm>
-            <a:off x="1196913" y="2083513"/>
-            <a:ext cx="2902061" cy="1899"/>
-          </a:xfrm>
-          <a:prstGeom prst="straightConnector1">
-            <a:avLst/>
-          </a:prstGeom>
-          <a:ln>
-            <a:tailEnd type="triangle"/>
-          </a:ln>
-        </p:spPr>
-        <p:style>
-          <a:lnRef idx="1">
-            <a:schemeClr val="accent1"/>
-          </a:lnRef>
-          <a:fillRef idx="0">
-            <a:schemeClr val="accent1"/>
-          </a:fillRef>
-          <a:effectRef idx="0">
-            <a:schemeClr val="accent1"/>
-          </a:effectRef>
-          <a:fontRef idx="minor">
-            <a:schemeClr val="tx1"/>
-          </a:fontRef>
-        </p:style>
-      </p:cxnSp>
-      <p:cxnSp>
-        <p:nvCxnSpPr>
-          <p:cNvPr id="47" name="Straight Arrow Connector 46"/>
-          <p:cNvCxnSpPr>
-            <a:stCxn id="19" idx="3"/>
-            <a:endCxn id="27" idx="2"/>
-          </p:cNvCxnSpPr>
-          <p:nvPr/>
-        </p:nvCxnSpPr>
-        <p:spPr>
-          <a:xfrm>
-            <a:off x="1196716" y="2715142"/>
-            <a:ext cx="2902258" cy="1899"/>
-          </a:xfrm>
-          <a:prstGeom prst="straightConnector1">
-            <a:avLst/>
-          </a:prstGeom>
-          <a:ln>
-            <a:tailEnd type="triangle"/>
-          </a:ln>
-        </p:spPr>
-        <p:style>
-          <a:lnRef idx="1">
-            <a:schemeClr val="accent1"/>
-          </a:lnRef>
-          <a:fillRef idx="0">
-            <a:schemeClr val="accent1"/>
-          </a:fillRef>
-          <a:effectRef idx="0">
-            <a:schemeClr val="accent1"/>
-          </a:effectRef>
-          <a:fontRef idx="minor">
-            <a:schemeClr val="tx1"/>
-          </a:fontRef>
-        </p:style>
-      </p:cxnSp>
-      <p:cxnSp>
-        <p:nvCxnSpPr>
-          <p:cNvPr id="64" name="Straight Arrow Connector 63"/>
-          <p:cNvCxnSpPr>
-            <a:stCxn id="24" idx="5"/>
-            <a:endCxn id="21" idx="1"/>
-          </p:cNvCxnSpPr>
-          <p:nvPr/>
-        </p:nvCxnSpPr>
-        <p:spPr>
-          <a:xfrm flipV="1">
-            <a:off x="7146245" y="1345009"/>
-            <a:ext cx="703255" cy="4431"/>
-          </a:xfrm>
-          <a:prstGeom prst="straightConnector1">
-            <a:avLst/>
-          </a:prstGeom>
-          <a:ln>
-            <a:tailEnd type="triangle"/>
-          </a:ln>
-        </p:spPr>
-        <p:style>
-          <a:lnRef idx="1">
-            <a:schemeClr val="accent1"/>
-          </a:lnRef>
-          <a:fillRef idx="0">
-            <a:schemeClr val="accent1"/>
-          </a:fillRef>
-          <a:effectRef idx="0">
-            <a:schemeClr val="accent1"/>
-          </a:effectRef>
-          <a:fontRef idx="minor">
-            <a:schemeClr val="tx1"/>
-          </a:fontRef>
-        </p:style>
-      </p:cxnSp>
-      <p:cxnSp>
-        <p:nvCxnSpPr>
-          <p:cNvPr id="67" name="Straight Arrow Connector 66"/>
-          <p:cNvCxnSpPr>
-            <a:stCxn id="26" idx="5"/>
-            <a:endCxn id="22" idx="1"/>
-          </p:cNvCxnSpPr>
-          <p:nvPr/>
-        </p:nvCxnSpPr>
-        <p:spPr>
-          <a:xfrm>
-            <a:off x="7146245" y="1981069"/>
-            <a:ext cx="703255" cy="7444"/>
-          </a:xfrm>
-          <a:prstGeom prst="straightConnector1">
-            <a:avLst/>
-          </a:prstGeom>
-          <a:ln>
-            <a:tailEnd type="triangle"/>
-          </a:ln>
-        </p:spPr>
-        <p:style>
-          <a:lnRef idx="1">
-            <a:schemeClr val="accent1"/>
-          </a:lnRef>
-          <a:fillRef idx="0">
-            <a:schemeClr val="accent1"/>
-          </a:fillRef>
-          <a:effectRef idx="0">
-            <a:schemeClr val="accent1"/>
-          </a:effectRef>
-          <a:fontRef idx="minor">
-            <a:schemeClr val="tx1"/>
-          </a:fontRef>
-        </p:style>
-      </p:cxnSp>
-      <p:cxnSp>
-        <p:nvCxnSpPr>
-          <p:cNvPr id="69" name="Straight Arrow Connector 68"/>
-          <p:cNvCxnSpPr>
-            <a:stCxn id="27" idx="5"/>
-            <a:endCxn id="23" idx="1"/>
-          </p:cNvCxnSpPr>
-          <p:nvPr/>
-        </p:nvCxnSpPr>
-        <p:spPr>
-          <a:xfrm>
-            <a:off x="7146245" y="2612698"/>
-            <a:ext cx="703255" cy="7444"/>
-          </a:xfrm>
-          <a:prstGeom prst="straightConnector1">
-            <a:avLst/>
-          </a:prstGeom>
-          <a:ln>
-            <a:tailEnd type="triangle"/>
-          </a:ln>
-        </p:spPr>
-        <p:style>
-          <a:lnRef idx="1">
-            <a:schemeClr val="accent1"/>
-          </a:lnRef>
-          <a:fillRef idx="0">
-            <a:schemeClr val="accent1"/>
-          </a:fillRef>
-          <a:effectRef idx="0">
-            <a:schemeClr val="accent1"/>
-          </a:effectRef>
-          <a:fontRef idx="minor">
-            <a:schemeClr val="tx1"/>
-          </a:fontRef>
-        </p:style>
-      </p:cxnSp>
-      <p:cxnSp>
-        <p:nvCxnSpPr>
-          <p:cNvPr id="71" name="Straight Arrow Connector 70"/>
-          <p:cNvCxnSpPr>
-            <a:stCxn id="24" idx="2"/>
-            <a:endCxn id="88" idx="0"/>
-          </p:cNvCxnSpPr>
-          <p:nvPr/>
-        </p:nvCxnSpPr>
-        <p:spPr>
-          <a:xfrm flipH="1">
-            <a:off x="3246663" y="1453783"/>
-            <a:ext cx="852311" cy="2049628"/>
-          </a:xfrm>
-          <a:prstGeom prst="straightConnector1">
-            <a:avLst/>
-          </a:prstGeom>
-          <a:ln>
-            <a:headEnd type="triangle"/>
-            <a:tailEnd type="triangle"/>
-          </a:ln>
-        </p:spPr>
-        <p:style>
-          <a:lnRef idx="1">
-            <a:schemeClr val="accent1"/>
-          </a:lnRef>
-          <a:fillRef idx="0">
-            <a:schemeClr val="accent1"/>
-          </a:fillRef>
-          <a:effectRef idx="0">
-            <a:schemeClr val="accent1"/>
-          </a:effectRef>
-          <a:fontRef idx="minor">
-            <a:schemeClr val="tx1"/>
-          </a:fontRef>
-        </p:style>
-      </p:cxnSp>
-      <p:cxnSp>
-        <p:nvCxnSpPr>
-          <p:cNvPr id="72" name="Straight Arrow Connector 71"/>
-          <p:cNvCxnSpPr>
-            <a:stCxn id="26" idx="2"/>
-            <a:endCxn id="88" idx="0"/>
-          </p:cNvCxnSpPr>
-          <p:nvPr/>
-        </p:nvCxnSpPr>
-        <p:spPr>
-          <a:xfrm flipH="1">
-            <a:off x="3246663" y="2085412"/>
-            <a:ext cx="852311" cy="1417999"/>
-          </a:xfrm>
-          <a:prstGeom prst="straightConnector1">
-            <a:avLst/>
-          </a:prstGeom>
-          <a:ln>
-            <a:headEnd type="triangle"/>
-            <a:tailEnd type="triangle"/>
-          </a:ln>
-        </p:spPr>
-        <p:style>
-          <a:lnRef idx="1">
-            <a:schemeClr val="accent1"/>
-          </a:lnRef>
-          <a:fillRef idx="0">
-            <a:schemeClr val="accent1"/>
-          </a:fillRef>
-          <a:effectRef idx="0">
-            <a:schemeClr val="accent1"/>
-          </a:effectRef>
-          <a:fontRef idx="minor">
-            <a:schemeClr val="tx1"/>
-          </a:fontRef>
-        </p:style>
-      </p:cxnSp>
-      <p:cxnSp>
-        <p:nvCxnSpPr>
-          <p:cNvPr id="75" name="Straight Arrow Connector 74"/>
-          <p:cNvCxnSpPr>
-            <a:stCxn id="27" idx="2"/>
-            <a:endCxn id="88" idx="0"/>
-          </p:cNvCxnSpPr>
-          <p:nvPr/>
-        </p:nvCxnSpPr>
-        <p:spPr>
-          <a:xfrm flipH="1">
-            <a:off x="3246663" y="2717041"/>
-            <a:ext cx="852311" cy="786370"/>
-          </a:xfrm>
-          <a:prstGeom prst="straightConnector1">
-            <a:avLst/>
-          </a:prstGeom>
-          <a:ln>
-            <a:headEnd type="triangle"/>
-            <a:tailEnd type="triangle"/>
-          </a:ln>
-        </p:spPr>
-        <p:style>
-          <a:lnRef idx="1">
-            <a:schemeClr val="accent1"/>
-          </a:lnRef>
-          <a:fillRef idx="0">
-            <a:schemeClr val="accent1"/>
-          </a:fillRef>
-          <a:effectRef idx="0">
-            <a:schemeClr val="accent1"/>
-          </a:effectRef>
-          <a:fontRef idx="minor">
-            <a:schemeClr val="tx1"/>
-          </a:fontRef>
-        </p:style>
-      </p:cxnSp>
-      <p:pic>
-        <p:nvPicPr>
-          <p:cNvPr id="88" name="Picture 87"/>
+          <p:cNvPr id="13" name="Content Placeholder 119"/>
           <p:cNvPicPr>
             <a:picLocks noChangeAspect="1"/>
           </p:cNvPicPr>
@@ -11405,24 +9814,84 @@
         </p:blipFill>
         <p:spPr>
           <a:xfrm>
-            <a:off x="2669471" y="3503411"/>
-            <a:ext cx="1154384" cy="385784"/>
+            <a:off x="1250955" y="875226"/>
+            <a:ext cx="273043" cy="273043"/>
           </a:xfrm>
           <a:prstGeom prst="rect">
             <a:avLst/>
           </a:prstGeom>
         </p:spPr>
       </p:pic>
-      <p:sp>
-        <p:nvSpPr>
-          <p:cNvPr id="92" name="TextBox 91"/>
+      <p:pic>
+        <p:nvPicPr>
+          <p:cNvPr id="14" name="Content Placeholder 119"/>
+          <p:cNvPicPr>
+            <a:picLocks noChangeAspect="1"/>
+          </p:cNvPicPr>
+          <p:nvPr/>
+        </p:nvPicPr>
+        <p:blipFill>
+          <a:blip r:embed="rId3">
+            <a:extLst>
+              <a:ext uri="{28A0092B-C50C-407E-A947-70E740481C1C}">
+                <a14:useLocalDpi xmlns:a14="http://schemas.microsoft.com/office/drawing/2010/main" val="0"/>
+              </a:ext>
+            </a:extLst>
+          </a:blip>
+          <a:stretch>
+            <a:fillRect/>
+          </a:stretch>
+        </p:blipFill>
+        <p:spPr>
+          <a:xfrm>
+            <a:off x="1250955" y="1197973"/>
+            <a:ext cx="273043" cy="273043"/>
+          </a:xfrm>
+          <a:prstGeom prst="rect">
+            <a:avLst/>
+          </a:prstGeom>
+        </p:spPr>
+      </p:pic>
+      <p:pic>
+        <p:nvPicPr>
+          <p:cNvPr id="15" name="Content Placeholder 119"/>
+          <p:cNvPicPr>
+            <a:picLocks noChangeAspect="1"/>
+          </p:cNvPicPr>
+          <p:nvPr/>
+        </p:nvPicPr>
+        <p:blipFill>
+          <a:blip r:embed="rId3">
+            <a:extLst>
+              <a:ext uri="{28A0092B-C50C-407E-A947-70E740481C1C}">
+                <a14:useLocalDpi xmlns:a14="http://schemas.microsoft.com/office/drawing/2010/main" val="0"/>
+              </a:ext>
+            </a:extLst>
+          </a:blip>
+          <a:stretch>
+            <a:fillRect/>
+          </a:stretch>
+        </p:blipFill>
+        <p:spPr>
+          <a:xfrm>
+            <a:off x="1250955" y="1509122"/>
+            <a:ext cx="273043" cy="273043"/>
+          </a:xfrm>
+          <a:prstGeom prst="rect">
+            <a:avLst/>
+          </a:prstGeom>
+        </p:spPr>
+      </p:pic>
+      <p:sp>
+        <p:nvSpPr>
+          <p:cNvPr id="6" name="TextBox 5"/>
           <p:cNvSpPr txBox="1"/>
           <p:nvPr/>
         </p:nvSpPr>
         <p:spPr>
           <a:xfrm>
-            <a:off x="296883" y="4239494"/>
-            <a:ext cx="11588412" cy="1323439"/>
+            <a:off x="1524000" y="875226"/>
+            <a:ext cx="8154390" cy="369332"/>
           </a:xfrm>
           <a:prstGeom prst="rect">
             <a:avLst/>
@@ -11435,162 +9904,152 @@
           </a:bodyPr>
           <a:lstStyle/>
           <a:p>
-            <a:pPr marL="285750" indent="-285750">
-              <a:buFont typeface="Arial" charset="0"/>
-              <a:buChar char="•"/>
-            </a:pPr>
-            <a:r>
-              <a:rPr lang="en-US" sz="2000" dirty="0" smtClean="0"/>
-              <a:t>Get product from q_product_p(n) queue.</a:t>
-            </a:r>
-          </a:p>
-          <a:p>
-            <a:pPr marL="285750" indent="-285750">
-              <a:buFont typeface="Arial" charset="0"/>
-              <a:buChar char="•"/>
-            </a:pPr>
-            <a:r>
-              <a:rPr lang="en-US" sz="2000" dirty="0" smtClean="0"/>
-              <a:t>Check if product’s id exists in cache, if not, store the product in DB and &lt;product_id, price&gt; pair to cache.</a:t>
-            </a:r>
-          </a:p>
-          <a:p>
-            <a:pPr marL="285750" indent="-285750">
-              <a:buFont typeface="Arial" charset="0"/>
-              <a:buChar char="•"/>
-            </a:pPr>
-            <a:r>
-              <a:rPr lang="en-US" sz="2000" dirty="0" smtClean="0"/>
-              <a:t>If product exists in cache, compare if price is reduced, if yes, send product to q_discount_product_p(n) .</a:t>
-            </a:r>
-          </a:p>
-          <a:p>
-            <a:pPr marL="285750" indent="-285750">
-              <a:buFont typeface="Arial" charset="0"/>
-              <a:buChar char="•"/>
-            </a:pPr>
-            <a:r>
-              <a:rPr lang="en-US" sz="2000" dirty="0" smtClean="0"/>
-              <a:t>Update cache and DB with new price if price is changed.</a:t>
-            </a:r>
-            <a:endParaRPr lang="en-US" sz="2000" dirty="0"/>
-          </a:p>
-        </p:txBody>
-      </p:sp>
-      <p:cxnSp>
-        <p:nvCxnSpPr>
-          <p:cNvPr id="95" name="Straight Arrow Connector 94"/>
-          <p:cNvCxnSpPr>
-            <a:stCxn id="24" idx="5"/>
-            <a:endCxn id="37" idx="0"/>
-          </p:cNvCxnSpPr>
-          <p:nvPr/>
-        </p:nvCxnSpPr>
-        <p:spPr>
-          <a:xfrm>
-            <a:off x="7146245" y="1349440"/>
-            <a:ext cx="593084" cy="2024210"/>
-          </a:xfrm>
-          <a:prstGeom prst="straightConnector1">
-            <a:avLst/>
-          </a:prstGeom>
-          <a:ln>
-            <a:headEnd type="triangle"/>
-            <a:tailEnd type="triangle"/>
-          </a:ln>
+            <a:r>
+              <a:rPr lang="en-US" dirty="0"/>
+              <a:t>HIGH priority: executed every 3 hours starting at 01:00:00 AM</a:t>
+            </a:r>
+          </a:p>
+        </p:txBody>
+      </p:sp>
+      <p:sp>
+        <p:nvSpPr>
+          <p:cNvPr id="8" name="TextBox 7"/>
+          <p:cNvSpPr txBox="1"/>
+          <p:nvPr/>
+        </p:nvSpPr>
+        <p:spPr>
+          <a:xfrm>
+            <a:off x="1523999" y="1197973"/>
+            <a:ext cx="8380021" cy="369332"/>
+          </a:xfrm>
+          <a:prstGeom prst="rect">
+            <a:avLst/>
+          </a:prstGeom>
+          <a:noFill/>
+        </p:spPr>
+        <p:txBody>
+          <a:bodyPr wrap="square" rtlCol="0">
+            <a:spAutoFit/>
+          </a:bodyPr>
+          <a:lstStyle/>
+          <a:p>
+            <a:r>
+              <a:rPr lang="en-US" dirty="0"/>
+              <a:t>MIDUM priority: executed every 12 hours starting at 02:00:00 </a:t>
+            </a:r>
+            <a:r>
+              <a:rPr lang="en-US" dirty="0" smtClean="0"/>
+              <a:t>AM</a:t>
+            </a:r>
+            <a:endParaRPr lang="en-US" dirty="0"/>
+          </a:p>
+        </p:txBody>
+      </p:sp>
+      <p:sp>
+        <p:nvSpPr>
+          <p:cNvPr id="9" name="TextBox 8"/>
+          <p:cNvSpPr txBox="1"/>
+          <p:nvPr/>
+        </p:nvSpPr>
+        <p:spPr>
+          <a:xfrm>
+            <a:off x="1524000" y="1509122"/>
+            <a:ext cx="5838701" cy="369332"/>
+          </a:xfrm>
+          <a:prstGeom prst="rect">
+            <a:avLst/>
+          </a:prstGeom>
+          <a:noFill/>
+        </p:spPr>
+        <p:txBody>
+          <a:bodyPr wrap="square" rtlCol="0">
+            <a:spAutoFit/>
+          </a:bodyPr>
+          <a:lstStyle/>
+          <a:p>
+            <a:r>
+              <a:rPr lang="en-US" dirty="0"/>
+              <a:t>LOW priority: executed every day at 03:00:00 AM</a:t>
+            </a:r>
+          </a:p>
+        </p:txBody>
+      </p:sp>
+      <p:sp>
+        <p:nvSpPr>
+          <p:cNvPr id="21" name="Cube 20"/>
+          <p:cNvSpPr/>
+          <p:nvPr/>
+        </p:nvSpPr>
+        <p:spPr>
+          <a:xfrm>
+            <a:off x="3980219" y="2182310"/>
+            <a:ext cx="1980955" cy="417372"/>
+          </a:xfrm>
+          <a:prstGeom prst="cube">
+            <a:avLst/>
+          </a:prstGeom>
+          <a:solidFill>
+            <a:srgbClr val="00B0F0"/>
+          </a:solidFill>
         </p:spPr>
         <p:style>
-          <a:lnRef idx="1">
-            <a:schemeClr val="accent1"/>
+          <a:lnRef idx="2">
+            <a:schemeClr val="accent1">
+              <a:shade val="50000"/>
+            </a:schemeClr>
           </a:lnRef>
-          <a:fillRef idx="0">
+          <a:fillRef idx="1">
             <a:schemeClr val="accent1"/>
           </a:fillRef>
           <a:effectRef idx="0">
             <a:schemeClr val="accent1"/>
           </a:effectRef>
           <a:fontRef idx="minor">
-            <a:schemeClr val="tx1"/>
+            <a:schemeClr val="lt1"/>
           </a:fontRef>
         </p:style>
-      </p:cxnSp>
-      <p:cxnSp>
-        <p:nvCxnSpPr>
-          <p:cNvPr id="98" name="Straight Arrow Connector 97"/>
-          <p:cNvCxnSpPr>
-            <a:stCxn id="26" idx="5"/>
-            <a:endCxn id="37" idx="0"/>
-          </p:cNvCxnSpPr>
-          <p:nvPr/>
-        </p:nvCxnSpPr>
-        <p:spPr>
-          <a:xfrm>
-            <a:off x="7146245" y="1981069"/>
-            <a:ext cx="593084" cy="1392581"/>
-          </a:xfrm>
-          <a:prstGeom prst="straightConnector1">
-            <a:avLst/>
-          </a:prstGeom>
-          <a:ln>
-            <a:headEnd type="triangle"/>
-            <a:tailEnd type="triangle"/>
-          </a:ln>
-        </p:spPr>
-        <p:style>
-          <a:lnRef idx="1">
-            <a:schemeClr val="accent1"/>
-          </a:lnRef>
-          <a:fillRef idx="0">
-            <a:schemeClr val="accent1"/>
-          </a:fillRef>
-          <a:effectRef idx="0">
-            <a:schemeClr val="accent1"/>
-          </a:effectRef>
-          <a:fontRef idx="minor">
-            <a:schemeClr val="tx1"/>
-          </a:fontRef>
-        </p:style>
-      </p:cxnSp>
-      <p:cxnSp>
-        <p:nvCxnSpPr>
-          <p:cNvPr id="101" name="Straight Arrow Connector 100"/>
-          <p:cNvCxnSpPr>
-            <a:stCxn id="27" idx="5"/>
-            <a:endCxn id="37" idx="0"/>
-          </p:cNvCxnSpPr>
-          <p:nvPr/>
-        </p:nvCxnSpPr>
-        <p:spPr>
-          <a:xfrm>
-            <a:off x="7146245" y="2612698"/>
-            <a:ext cx="593084" cy="760952"/>
-          </a:xfrm>
-          <a:prstGeom prst="straightConnector1">
-            <a:avLst/>
-          </a:prstGeom>
-          <a:ln>
-            <a:headEnd type="triangle"/>
-            <a:tailEnd type="triangle"/>
-          </a:ln>
-        </p:spPr>
-        <p:style>
-          <a:lnRef idx="1">
-            <a:schemeClr val="accent1"/>
-          </a:lnRef>
-          <a:fillRef idx="0">
-            <a:schemeClr val="accent1"/>
-          </a:fillRef>
-          <a:effectRef idx="0">
-            <a:schemeClr val="accent1"/>
-          </a:effectRef>
-          <a:fontRef idx="minor">
-            <a:schemeClr val="tx1"/>
-          </a:fontRef>
-        </p:style>
-      </p:cxnSp>
+        <p:txBody>
+          <a:bodyPr rtlCol="0" anchor="ctr"/>
+          <a:lstStyle/>
+          <a:p>
+            <a:pPr algn="ctr"/>
+            <a:endParaRPr lang="en-US" dirty="0"/>
+          </a:p>
+        </p:txBody>
+      </p:sp>
+      <p:sp>
+        <p:nvSpPr>
+          <p:cNvPr id="22" name="TextBox 21"/>
+          <p:cNvSpPr txBox="1"/>
+          <p:nvPr/>
+        </p:nvSpPr>
+        <p:spPr>
+          <a:xfrm>
+            <a:off x="3992323" y="2292193"/>
+            <a:ext cx="1980726" cy="276999"/>
+          </a:xfrm>
+          <a:prstGeom prst="rect">
+            <a:avLst/>
+          </a:prstGeom>
+          <a:noFill/>
+        </p:spPr>
+        <p:txBody>
+          <a:bodyPr wrap="square" rtlCol="0">
+            <a:spAutoFit/>
+          </a:bodyPr>
+          <a:lstStyle/>
+          <a:p>
+            <a:r>
+              <a:rPr lang="en-US" sz="1200" dirty="0" smtClean="0"/>
+              <a:t>Category Crawler (p1)</a:t>
+            </a:r>
+            <a:endParaRPr lang="en-US" sz="1200" dirty="0"/>
+          </a:p>
+        </p:txBody>
+      </p:sp>
       <p:pic>
         <p:nvPicPr>
-          <p:cNvPr id="37" name="Picture 36"/>
+          <p:cNvPr id="23" name="Picture 22"/>
           <p:cNvPicPr>
             <a:picLocks noChangeAspect="1"/>
           </p:cNvPicPr>
@@ -11610,7 +10069,978 @@
         </p:blipFill>
         <p:spPr>
           <a:xfrm>
-            <a:off x="7376143" y="3373650"/>
+            <a:off x="6757330" y="2059247"/>
+            <a:ext cx="517918" cy="517918"/>
+          </a:xfrm>
+          <a:prstGeom prst="rect">
+            <a:avLst/>
+          </a:prstGeom>
+        </p:spPr>
+      </p:pic>
+      <p:cxnSp>
+        <p:nvCxnSpPr>
+          <p:cNvPr id="17" name="Straight Arrow Connector 16"/>
+          <p:cNvCxnSpPr>
+            <a:stCxn id="42" idx="2"/>
+            <a:endCxn id="38" idx="0"/>
+          </p:cNvCxnSpPr>
+          <p:nvPr/>
+        </p:nvCxnSpPr>
+        <p:spPr>
+          <a:xfrm flipH="1">
+            <a:off x="2791218" y="3058706"/>
+            <a:ext cx="1200876" cy="739860"/>
+          </a:xfrm>
+          <a:prstGeom prst="straightConnector1">
+            <a:avLst/>
+          </a:prstGeom>
+          <a:ln>
+            <a:headEnd type="triangle"/>
+            <a:tailEnd type="triangle"/>
+          </a:ln>
+        </p:spPr>
+        <p:style>
+          <a:lnRef idx="1">
+            <a:schemeClr val="accent1"/>
+          </a:lnRef>
+          <a:fillRef idx="0">
+            <a:schemeClr val="accent1"/>
+          </a:fillRef>
+          <a:effectRef idx="0">
+            <a:schemeClr val="accent1"/>
+          </a:effectRef>
+          <a:fontRef idx="minor">
+            <a:schemeClr val="tx1"/>
+          </a:fontRef>
+        </p:style>
+      </p:cxnSp>
+      <p:cxnSp>
+        <p:nvCxnSpPr>
+          <p:cNvPr id="19" name="Straight Arrow Connector 18"/>
+          <p:cNvCxnSpPr>
+            <a:stCxn id="21" idx="5"/>
+            <a:endCxn id="23" idx="1"/>
+          </p:cNvCxnSpPr>
+          <p:nvPr/>
+        </p:nvCxnSpPr>
+        <p:spPr>
+          <a:xfrm flipV="1">
+            <a:off x="5961174" y="2318206"/>
+            <a:ext cx="796156" cy="20619"/>
+          </a:xfrm>
+          <a:prstGeom prst="straightConnector1">
+            <a:avLst/>
+          </a:prstGeom>
+          <a:ln>
+            <a:tailEnd type="triangle"/>
+          </a:ln>
+        </p:spPr>
+        <p:style>
+          <a:lnRef idx="1">
+            <a:schemeClr val="accent1"/>
+          </a:lnRef>
+          <a:fillRef idx="0">
+            <a:schemeClr val="accent1"/>
+          </a:fillRef>
+          <a:effectRef idx="0">
+            <a:schemeClr val="accent1"/>
+          </a:effectRef>
+          <a:fontRef idx="minor">
+            <a:schemeClr val="tx1"/>
+          </a:fontRef>
+        </p:style>
+      </p:cxnSp>
+      <p:sp>
+        <p:nvSpPr>
+          <p:cNvPr id="20" name="TextBox 19"/>
+          <p:cNvSpPr txBox="1"/>
+          <p:nvPr/>
+        </p:nvSpPr>
+        <p:spPr>
+          <a:xfrm>
+            <a:off x="1029197" y="4667013"/>
+            <a:ext cx="10371119" cy="1938992"/>
+          </a:xfrm>
+          <a:prstGeom prst="rect">
+            <a:avLst/>
+          </a:prstGeom>
+          <a:noFill/>
+        </p:spPr>
+        <p:txBody>
+          <a:bodyPr wrap="square" rtlCol="0">
+            <a:spAutoFit/>
+          </a:bodyPr>
+          <a:lstStyle/>
+          <a:p>
+            <a:pPr marL="285750" indent="-285750">
+              <a:buFont typeface="Arial" charset="0"/>
+              <a:buChar char="•"/>
+            </a:pPr>
+            <a:r>
+              <a:rPr lang="en-US" sz="2000" smtClean="0"/>
+              <a:t>Get categories </a:t>
+            </a:r>
+            <a:r>
+              <a:rPr lang="en-US" sz="2000" dirty="0" smtClean="0"/>
+              <a:t>from Category table with the matching priority.</a:t>
+            </a:r>
+          </a:p>
+          <a:p>
+            <a:pPr marL="285750" indent="-285750">
+              <a:buFont typeface="Arial" charset="0"/>
+              <a:buChar char="•"/>
+            </a:pPr>
+            <a:r>
+              <a:rPr lang="en-US" sz="2000" dirty="0" smtClean="0"/>
+              <a:t>Order categories by user_count in descending order.</a:t>
+            </a:r>
+          </a:p>
+          <a:p>
+            <a:pPr marL="285750" indent="-285750">
+              <a:buFont typeface="Arial" charset="0"/>
+              <a:buChar char="•"/>
+            </a:pPr>
+            <a:r>
+              <a:rPr lang="en-US" sz="2000" dirty="0"/>
+              <a:t>For each category, a new worker thread is started to </a:t>
+            </a:r>
+            <a:r>
+              <a:rPr lang="en-US" sz="2000" dirty="0" smtClean="0"/>
+              <a:t>crawl </a:t>
+            </a:r>
+            <a:r>
+              <a:rPr lang="en-US" sz="2000" dirty="0"/>
+              <a:t>the </a:t>
+            </a:r>
+            <a:r>
+              <a:rPr lang="en-US" sz="2000" dirty="0" smtClean="0"/>
+              <a:t>products in parallel.</a:t>
+            </a:r>
+            <a:endParaRPr lang="en-US" sz="2000" dirty="0"/>
+          </a:p>
+          <a:p>
+            <a:pPr marL="285750" indent="-285750">
+              <a:buFont typeface="Arial" charset="0"/>
+              <a:buChar char="•"/>
+            </a:pPr>
+            <a:r>
+              <a:rPr lang="en-US" sz="2000" dirty="0" smtClean="0"/>
+              <a:t>The worker thread crawls the online shopping web site with product_list_url to get all products.</a:t>
+            </a:r>
+          </a:p>
+          <a:p>
+            <a:pPr marL="285750" indent="-285750">
+              <a:buFont typeface="Arial" charset="0"/>
+              <a:buChar char="•"/>
+            </a:pPr>
+            <a:r>
+              <a:rPr lang="en-US" sz="2000" dirty="0" smtClean="0"/>
+              <a:t>Product information is sent to q_product_p(n).</a:t>
+            </a:r>
+          </a:p>
+          <a:p>
+            <a:pPr marL="285750" indent="-285750">
+              <a:buFont typeface="Arial" charset="0"/>
+              <a:buChar char="•"/>
+            </a:pPr>
+            <a:r>
+              <a:rPr lang="en-US" sz="2000" dirty="0" smtClean="0"/>
+              <a:t>Log information is sent to q_product_log with status SUCCESS (0) or FAIL (1). </a:t>
+            </a:r>
+            <a:endParaRPr lang="en-US" sz="2000" dirty="0"/>
+          </a:p>
+        </p:txBody>
+      </p:sp>
+      <p:pic>
+        <p:nvPicPr>
+          <p:cNvPr id="31" name="Picture 30"/>
+          <p:cNvPicPr>
+            <a:picLocks noChangeAspect="1"/>
+          </p:cNvPicPr>
+          <p:nvPr/>
+        </p:nvPicPr>
+        <p:blipFill>
+          <a:blip r:embed="rId4">
+            <a:extLst>
+              <a:ext uri="{28A0092B-C50C-407E-A947-70E740481C1C}">
+                <a14:useLocalDpi xmlns:a14="http://schemas.microsoft.com/office/drawing/2010/main" val="0"/>
+              </a:ext>
+            </a:extLst>
+          </a:blip>
+          <a:stretch>
+            <a:fillRect/>
+          </a:stretch>
+        </p:blipFill>
+        <p:spPr>
+          <a:xfrm>
+            <a:off x="6757330" y="4021588"/>
+            <a:ext cx="517918" cy="517918"/>
+          </a:xfrm>
+          <a:prstGeom prst="rect">
+            <a:avLst/>
+          </a:prstGeom>
+        </p:spPr>
+      </p:pic>
+      <p:cxnSp>
+        <p:nvCxnSpPr>
+          <p:cNvPr id="33" name="Straight Arrow Connector 32"/>
+          <p:cNvCxnSpPr>
+            <a:stCxn id="21" idx="5"/>
+            <a:endCxn id="31" idx="1"/>
+          </p:cNvCxnSpPr>
+          <p:nvPr/>
+        </p:nvCxnSpPr>
+        <p:spPr>
+          <a:xfrm>
+            <a:off x="5961174" y="2338825"/>
+            <a:ext cx="796156" cy="1941722"/>
+          </a:xfrm>
+          <a:prstGeom prst="straightConnector1">
+            <a:avLst/>
+          </a:prstGeom>
+          <a:ln>
+            <a:tailEnd type="triangle"/>
+          </a:ln>
+        </p:spPr>
+        <p:style>
+          <a:lnRef idx="1">
+            <a:schemeClr val="accent1"/>
+          </a:lnRef>
+          <a:fillRef idx="0">
+            <a:schemeClr val="accent1"/>
+          </a:fillRef>
+          <a:effectRef idx="0">
+            <a:schemeClr val="accent1"/>
+          </a:effectRef>
+          <a:fontRef idx="minor">
+            <a:schemeClr val="tx1"/>
+          </a:fontRef>
+        </p:style>
+      </p:cxnSp>
+      <p:sp>
+        <p:nvSpPr>
+          <p:cNvPr id="30" name="TextBox 29"/>
+          <p:cNvSpPr txBox="1"/>
+          <p:nvPr/>
+        </p:nvSpPr>
+        <p:spPr>
+          <a:xfrm>
+            <a:off x="7220193" y="2059247"/>
+            <a:ext cx="2339441" cy="369332"/>
+          </a:xfrm>
+          <a:prstGeom prst="rect">
+            <a:avLst/>
+          </a:prstGeom>
+          <a:noFill/>
+        </p:spPr>
+        <p:txBody>
+          <a:bodyPr wrap="square" rtlCol="0">
+            <a:spAutoFit/>
+          </a:bodyPr>
+          <a:lstStyle/>
+          <a:p>
+            <a:r>
+              <a:rPr lang="en-US" dirty="0" smtClean="0"/>
+              <a:t>q_product_p1 (High)</a:t>
+            </a:r>
+            <a:endParaRPr lang="en-US" dirty="0"/>
+          </a:p>
+        </p:txBody>
+      </p:sp>
+      <p:sp>
+        <p:nvSpPr>
+          <p:cNvPr id="32" name="TextBox 31"/>
+          <p:cNvSpPr txBox="1"/>
+          <p:nvPr/>
+        </p:nvSpPr>
+        <p:spPr>
+          <a:xfrm>
+            <a:off x="7220194" y="4021588"/>
+            <a:ext cx="1626920" cy="369332"/>
+          </a:xfrm>
+          <a:prstGeom prst="rect">
+            <a:avLst/>
+          </a:prstGeom>
+          <a:noFill/>
+        </p:spPr>
+        <p:txBody>
+          <a:bodyPr wrap="square" rtlCol="0">
+            <a:spAutoFit/>
+          </a:bodyPr>
+          <a:lstStyle/>
+          <a:p>
+            <a:r>
+              <a:rPr lang="en-US" dirty="0"/>
+              <a:t>q</a:t>
+            </a:r>
+            <a:r>
+              <a:rPr lang="en-US" dirty="0" smtClean="0"/>
+              <a:t>_product_log</a:t>
+            </a:r>
+            <a:endParaRPr lang="en-US" dirty="0"/>
+          </a:p>
+        </p:txBody>
+      </p:sp>
+      <p:pic>
+        <p:nvPicPr>
+          <p:cNvPr id="39" name="Picture 38"/>
+          <p:cNvPicPr>
+            <a:picLocks noChangeAspect="1"/>
+          </p:cNvPicPr>
+          <p:nvPr/>
+        </p:nvPicPr>
+        <p:blipFill>
+          <a:blip r:embed="rId4">
+            <a:extLst>
+              <a:ext uri="{28A0092B-C50C-407E-A947-70E740481C1C}">
+                <a14:useLocalDpi xmlns:a14="http://schemas.microsoft.com/office/drawing/2010/main" val="0"/>
+              </a:ext>
+            </a:extLst>
+          </a:blip>
+          <a:stretch>
+            <a:fillRect/>
+          </a:stretch>
+        </p:blipFill>
+        <p:spPr>
+          <a:xfrm>
+            <a:off x="6757330" y="2710410"/>
+            <a:ext cx="517918" cy="517918"/>
+          </a:xfrm>
+          <a:prstGeom prst="rect">
+            <a:avLst/>
+          </a:prstGeom>
+        </p:spPr>
+      </p:pic>
+      <p:pic>
+        <p:nvPicPr>
+          <p:cNvPr id="40" name="Picture 39"/>
+          <p:cNvPicPr>
+            <a:picLocks noChangeAspect="1"/>
+          </p:cNvPicPr>
+          <p:nvPr/>
+        </p:nvPicPr>
+        <p:blipFill>
+          <a:blip r:embed="rId4">
+            <a:extLst>
+              <a:ext uri="{28A0092B-C50C-407E-A947-70E740481C1C}">
+                <a14:useLocalDpi xmlns:a14="http://schemas.microsoft.com/office/drawing/2010/main" val="0"/>
+              </a:ext>
+            </a:extLst>
+          </a:blip>
+          <a:stretch>
+            <a:fillRect/>
+          </a:stretch>
+        </p:blipFill>
+        <p:spPr>
+          <a:xfrm>
+            <a:off x="6757330" y="3370425"/>
+            <a:ext cx="517918" cy="517918"/>
+          </a:xfrm>
+          <a:prstGeom prst="rect">
+            <a:avLst/>
+          </a:prstGeom>
+        </p:spPr>
+      </p:pic>
+      <p:sp>
+        <p:nvSpPr>
+          <p:cNvPr id="42" name="Cube 41"/>
+          <p:cNvSpPr/>
+          <p:nvPr/>
+        </p:nvSpPr>
+        <p:spPr>
+          <a:xfrm>
+            <a:off x="3992094" y="2797848"/>
+            <a:ext cx="1980955" cy="417372"/>
+          </a:xfrm>
+          <a:prstGeom prst="cube">
+            <a:avLst/>
+          </a:prstGeom>
+          <a:solidFill>
+            <a:srgbClr val="00B0F0"/>
+          </a:solidFill>
+        </p:spPr>
+        <p:style>
+          <a:lnRef idx="2">
+            <a:schemeClr val="accent1">
+              <a:shade val="50000"/>
+            </a:schemeClr>
+          </a:lnRef>
+          <a:fillRef idx="1">
+            <a:schemeClr val="accent1"/>
+          </a:fillRef>
+          <a:effectRef idx="0">
+            <a:schemeClr val="accent1"/>
+          </a:effectRef>
+          <a:fontRef idx="minor">
+            <a:schemeClr val="lt1"/>
+          </a:fontRef>
+        </p:style>
+        <p:txBody>
+          <a:bodyPr rtlCol="0" anchor="ctr"/>
+          <a:lstStyle/>
+          <a:p>
+            <a:pPr algn="ctr"/>
+            <a:endParaRPr lang="en-US" dirty="0"/>
+          </a:p>
+        </p:txBody>
+      </p:sp>
+      <p:sp>
+        <p:nvSpPr>
+          <p:cNvPr id="43" name="Cube 42"/>
+          <p:cNvSpPr/>
+          <p:nvPr/>
+        </p:nvSpPr>
+        <p:spPr>
+          <a:xfrm>
+            <a:off x="3968351" y="3413385"/>
+            <a:ext cx="1980955" cy="417372"/>
+          </a:xfrm>
+          <a:prstGeom prst="cube">
+            <a:avLst/>
+          </a:prstGeom>
+          <a:solidFill>
+            <a:srgbClr val="00B0F0"/>
+          </a:solidFill>
+        </p:spPr>
+        <p:style>
+          <a:lnRef idx="2">
+            <a:schemeClr val="accent1">
+              <a:shade val="50000"/>
+            </a:schemeClr>
+          </a:lnRef>
+          <a:fillRef idx="1">
+            <a:schemeClr val="accent1"/>
+          </a:fillRef>
+          <a:effectRef idx="0">
+            <a:schemeClr val="accent1"/>
+          </a:effectRef>
+          <a:fontRef idx="minor">
+            <a:schemeClr val="lt1"/>
+          </a:fontRef>
+        </p:style>
+        <p:txBody>
+          <a:bodyPr rtlCol="0" anchor="ctr"/>
+          <a:lstStyle/>
+          <a:p>
+            <a:pPr algn="ctr"/>
+            <a:endParaRPr lang="en-US" dirty="0"/>
+          </a:p>
+        </p:txBody>
+      </p:sp>
+      <p:sp>
+        <p:nvSpPr>
+          <p:cNvPr id="44" name="TextBox 43"/>
+          <p:cNvSpPr txBox="1"/>
+          <p:nvPr/>
+        </p:nvSpPr>
+        <p:spPr>
+          <a:xfrm>
+            <a:off x="3980449" y="2914659"/>
+            <a:ext cx="1980726" cy="276999"/>
+          </a:xfrm>
+          <a:prstGeom prst="rect">
+            <a:avLst/>
+          </a:prstGeom>
+          <a:noFill/>
+        </p:spPr>
+        <p:txBody>
+          <a:bodyPr wrap="square" rtlCol="0">
+            <a:spAutoFit/>
+          </a:bodyPr>
+          <a:lstStyle/>
+          <a:p>
+            <a:r>
+              <a:rPr lang="en-US" sz="1200" dirty="0" smtClean="0"/>
+              <a:t>Category Crawler (p2)</a:t>
+            </a:r>
+            <a:endParaRPr lang="en-US" sz="1200" dirty="0"/>
+          </a:p>
+        </p:txBody>
+      </p:sp>
+      <p:sp>
+        <p:nvSpPr>
+          <p:cNvPr id="45" name="TextBox 44"/>
+          <p:cNvSpPr txBox="1"/>
+          <p:nvPr/>
+        </p:nvSpPr>
+        <p:spPr>
+          <a:xfrm>
+            <a:off x="3992323" y="3537126"/>
+            <a:ext cx="1980726" cy="276999"/>
+          </a:xfrm>
+          <a:prstGeom prst="rect">
+            <a:avLst/>
+          </a:prstGeom>
+          <a:noFill/>
+        </p:spPr>
+        <p:txBody>
+          <a:bodyPr wrap="square" rtlCol="0">
+            <a:spAutoFit/>
+          </a:bodyPr>
+          <a:lstStyle/>
+          <a:p>
+            <a:r>
+              <a:rPr lang="en-US" sz="1200" dirty="0" smtClean="0"/>
+              <a:t>Category Crawler (p3)</a:t>
+            </a:r>
+            <a:endParaRPr lang="en-US" sz="1200" dirty="0"/>
+          </a:p>
+        </p:txBody>
+      </p:sp>
+      <p:cxnSp>
+        <p:nvCxnSpPr>
+          <p:cNvPr id="47" name="Straight Arrow Connector 46"/>
+          <p:cNvCxnSpPr>
+            <a:stCxn id="43" idx="2"/>
+            <a:endCxn id="38" idx="0"/>
+          </p:cNvCxnSpPr>
+          <p:nvPr/>
+        </p:nvCxnSpPr>
+        <p:spPr>
+          <a:xfrm flipH="1">
+            <a:off x="2791218" y="3674243"/>
+            <a:ext cx="1177133" cy="124323"/>
+          </a:xfrm>
+          <a:prstGeom prst="straightConnector1">
+            <a:avLst/>
+          </a:prstGeom>
+          <a:ln>
+            <a:headEnd type="triangle"/>
+            <a:tailEnd type="triangle"/>
+          </a:ln>
+        </p:spPr>
+        <p:style>
+          <a:lnRef idx="1">
+            <a:schemeClr val="accent1"/>
+          </a:lnRef>
+          <a:fillRef idx="0">
+            <a:schemeClr val="accent1"/>
+          </a:fillRef>
+          <a:effectRef idx="0">
+            <a:schemeClr val="accent1"/>
+          </a:effectRef>
+          <a:fontRef idx="minor">
+            <a:schemeClr val="tx1"/>
+          </a:fontRef>
+        </p:style>
+      </p:cxnSp>
+      <p:cxnSp>
+        <p:nvCxnSpPr>
+          <p:cNvPr id="48" name="Straight Arrow Connector 47"/>
+          <p:cNvCxnSpPr>
+            <a:stCxn id="21" idx="2"/>
+            <a:endCxn id="38" idx="0"/>
+          </p:cNvCxnSpPr>
+          <p:nvPr/>
+        </p:nvCxnSpPr>
+        <p:spPr>
+          <a:xfrm flipH="1">
+            <a:off x="2791218" y="2443168"/>
+            <a:ext cx="1189001" cy="1355398"/>
+          </a:xfrm>
+          <a:prstGeom prst="straightConnector1">
+            <a:avLst/>
+          </a:prstGeom>
+          <a:ln>
+            <a:headEnd type="triangle"/>
+            <a:tailEnd type="triangle"/>
+          </a:ln>
+        </p:spPr>
+        <p:style>
+          <a:lnRef idx="1">
+            <a:schemeClr val="accent1"/>
+          </a:lnRef>
+          <a:fillRef idx="0">
+            <a:schemeClr val="accent1"/>
+          </a:fillRef>
+          <a:effectRef idx="0">
+            <a:schemeClr val="accent1"/>
+          </a:effectRef>
+          <a:fontRef idx="minor">
+            <a:schemeClr val="tx1"/>
+          </a:fontRef>
+        </p:style>
+      </p:cxnSp>
+      <p:cxnSp>
+        <p:nvCxnSpPr>
+          <p:cNvPr id="53" name="Straight Arrow Connector 52"/>
+          <p:cNvCxnSpPr>
+            <a:stCxn id="42" idx="5"/>
+            <a:endCxn id="39" idx="1"/>
+          </p:cNvCxnSpPr>
+          <p:nvPr/>
+        </p:nvCxnSpPr>
+        <p:spPr>
+          <a:xfrm>
+            <a:off x="5973049" y="2954363"/>
+            <a:ext cx="784281" cy="15006"/>
+          </a:xfrm>
+          <a:prstGeom prst="straightConnector1">
+            <a:avLst/>
+          </a:prstGeom>
+          <a:ln>
+            <a:tailEnd type="triangle"/>
+          </a:ln>
+        </p:spPr>
+        <p:style>
+          <a:lnRef idx="1">
+            <a:schemeClr val="accent1"/>
+          </a:lnRef>
+          <a:fillRef idx="0">
+            <a:schemeClr val="accent1"/>
+          </a:fillRef>
+          <a:effectRef idx="0">
+            <a:schemeClr val="accent1"/>
+          </a:effectRef>
+          <a:fontRef idx="minor">
+            <a:schemeClr val="tx1"/>
+          </a:fontRef>
+        </p:style>
+      </p:cxnSp>
+      <p:cxnSp>
+        <p:nvCxnSpPr>
+          <p:cNvPr id="54" name="Straight Arrow Connector 53"/>
+          <p:cNvCxnSpPr>
+            <a:stCxn id="43" idx="5"/>
+            <a:endCxn id="40" idx="1"/>
+          </p:cNvCxnSpPr>
+          <p:nvPr/>
+        </p:nvCxnSpPr>
+        <p:spPr>
+          <a:xfrm>
+            <a:off x="5949306" y="3569900"/>
+            <a:ext cx="808024" cy="59484"/>
+          </a:xfrm>
+          <a:prstGeom prst="straightConnector1">
+            <a:avLst/>
+          </a:prstGeom>
+          <a:ln>
+            <a:tailEnd type="triangle"/>
+          </a:ln>
+        </p:spPr>
+        <p:style>
+          <a:lnRef idx="1">
+            <a:schemeClr val="accent1"/>
+          </a:lnRef>
+          <a:fillRef idx="0">
+            <a:schemeClr val="accent1"/>
+          </a:fillRef>
+          <a:effectRef idx="0">
+            <a:schemeClr val="accent1"/>
+          </a:effectRef>
+          <a:fontRef idx="minor">
+            <a:schemeClr val="tx1"/>
+          </a:fontRef>
+        </p:style>
+      </p:cxnSp>
+      <p:cxnSp>
+        <p:nvCxnSpPr>
+          <p:cNvPr id="60" name="Straight Arrow Connector 59"/>
+          <p:cNvCxnSpPr>
+            <a:stCxn id="43" idx="5"/>
+            <a:endCxn id="31" idx="1"/>
+          </p:cNvCxnSpPr>
+          <p:nvPr/>
+        </p:nvCxnSpPr>
+        <p:spPr>
+          <a:xfrm>
+            <a:off x="5949306" y="3569900"/>
+            <a:ext cx="808024" cy="710647"/>
+          </a:xfrm>
+          <a:prstGeom prst="straightConnector1">
+            <a:avLst/>
+          </a:prstGeom>
+          <a:ln>
+            <a:tailEnd type="triangle"/>
+          </a:ln>
+        </p:spPr>
+        <p:style>
+          <a:lnRef idx="1">
+            <a:schemeClr val="accent1"/>
+          </a:lnRef>
+          <a:fillRef idx="0">
+            <a:schemeClr val="accent1"/>
+          </a:fillRef>
+          <a:effectRef idx="0">
+            <a:schemeClr val="accent1"/>
+          </a:effectRef>
+          <a:fontRef idx="minor">
+            <a:schemeClr val="tx1"/>
+          </a:fontRef>
+        </p:style>
+      </p:cxnSp>
+      <p:cxnSp>
+        <p:nvCxnSpPr>
+          <p:cNvPr id="61" name="Straight Arrow Connector 60"/>
+          <p:cNvCxnSpPr>
+            <a:stCxn id="42" idx="5"/>
+            <a:endCxn id="31" idx="1"/>
+          </p:cNvCxnSpPr>
+          <p:nvPr/>
+        </p:nvCxnSpPr>
+        <p:spPr>
+          <a:xfrm>
+            <a:off x="5973049" y="2954363"/>
+            <a:ext cx="784281" cy="1326184"/>
+          </a:xfrm>
+          <a:prstGeom prst="straightConnector1">
+            <a:avLst/>
+          </a:prstGeom>
+          <a:ln>
+            <a:tailEnd type="triangle"/>
+          </a:ln>
+        </p:spPr>
+        <p:style>
+          <a:lnRef idx="1">
+            <a:schemeClr val="accent1"/>
+          </a:lnRef>
+          <a:fillRef idx="0">
+            <a:schemeClr val="accent1"/>
+          </a:fillRef>
+          <a:effectRef idx="0">
+            <a:schemeClr val="accent1"/>
+          </a:effectRef>
+          <a:fontRef idx="minor">
+            <a:schemeClr val="tx1"/>
+          </a:fontRef>
+        </p:style>
+      </p:cxnSp>
+      <p:sp>
+        <p:nvSpPr>
+          <p:cNvPr id="67" name="TextBox 66"/>
+          <p:cNvSpPr txBox="1"/>
+          <p:nvPr/>
+        </p:nvSpPr>
+        <p:spPr>
+          <a:xfrm>
+            <a:off x="7220193" y="2710410"/>
+            <a:ext cx="2719451" cy="369332"/>
+          </a:xfrm>
+          <a:prstGeom prst="rect">
+            <a:avLst/>
+          </a:prstGeom>
+          <a:noFill/>
+        </p:spPr>
+        <p:txBody>
+          <a:bodyPr wrap="square" rtlCol="0">
+            <a:spAutoFit/>
+          </a:bodyPr>
+          <a:lstStyle/>
+          <a:p>
+            <a:r>
+              <a:rPr lang="en-US" dirty="0" smtClean="0"/>
+              <a:t>q_product_p2 (Medium)</a:t>
+            </a:r>
+            <a:endParaRPr lang="en-US" dirty="0"/>
+          </a:p>
+        </p:txBody>
+      </p:sp>
+      <p:sp>
+        <p:nvSpPr>
+          <p:cNvPr id="68" name="TextBox 67"/>
+          <p:cNvSpPr txBox="1"/>
+          <p:nvPr/>
+        </p:nvSpPr>
+        <p:spPr>
+          <a:xfrm>
+            <a:off x="7220194" y="3370425"/>
+            <a:ext cx="2339440" cy="369332"/>
+          </a:xfrm>
+          <a:prstGeom prst="rect">
+            <a:avLst/>
+          </a:prstGeom>
+          <a:noFill/>
+        </p:spPr>
+        <p:txBody>
+          <a:bodyPr wrap="square" rtlCol="0">
+            <a:spAutoFit/>
+          </a:bodyPr>
+          <a:lstStyle/>
+          <a:p>
+            <a:r>
+              <a:rPr lang="en-US" dirty="0" smtClean="0"/>
+              <a:t>q_product_p3 (Low)</a:t>
+            </a:r>
+            <a:endParaRPr lang="en-US" dirty="0"/>
+          </a:p>
+        </p:txBody>
+      </p:sp>
+      <p:sp>
+        <p:nvSpPr>
+          <p:cNvPr id="72" name="Cloud 71"/>
+          <p:cNvSpPr/>
+          <p:nvPr/>
+        </p:nvSpPr>
+        <p:spPr>
+          <a:xfrm>
+            <a:off x="2395716" y="1956510"/>
+            <a:ext cx="791004" cy="653598"/>
+          </a:xfrm>
+          <a:prstGeom prst="cloud">
+            <a:avLst/>
+          </a:prstGeom>
+          <a:solidFill>
+            <a:schemeClr val="bg2">
+              <a:lumMod val="90000"/>
+            </a:schemeClr>
+          </a:solidFill>
+        </p:spPr>
+        <p:style>
+          <a:lnRef idx="2">
+            <a:schemeClr val="accent1">
+              <a:shade val="50000"/>
+            </a:schemeClr>
+          </a:lnRef>
+          <a:fillRef idx="1">
+            <a:schemeClr val="accent1"/>
+          </a:fillRef>
+          <a:effectRef idx="0">
+            <a:schemeClr val="accent1"/>
+          </a:effectRef>
+          <a:fontRef idx="minor">
+            <a:schemeClr val="lt1"/>
+          </a:fontRef>
+        </p:style>
+        <p:txBody>
+          <a:bodyPr rtlCol="0" anchor="ctr"/>
+          <a:lstStyle/>
+          <a:p>
+            <a:pPr algn="ctr"/>
+            <a:endParaRPr lang="en-US" dirty="0"/>
+          </a:p>
+        </p:txBody>
+      </p:sp>
+      <p:cxnSp>
+        <p:nvCxnSpPr>
+          <p:cNvPr id="77" name="Straight Arrow Connector 76"/>
+          <p:cNvCxnSpPr>
+            <a:stCxn id="72" idx="0"/>
+            <a:endCxn id="21" idx="2"/>
+          </p:cNvCxnSpPr>
+          <p:nvPr/>
+        </p:nvCxnSpPr>
+        <p:spPr>
+          <a:xfrm>
+            <a:off x="3186061" y="2283309"/>
+            <a:ext cx="794158" cy="159859"/>
+          </a:xfrm>
+          <a:prstGeom prst="straightConnector1">
+            <a:avLst/>
+          </a:prstGeom>
+          <a:ln>
+            <a:tailEnd type="triangle"/>
+          </a:ln>
+        </p:spPr>
+        <p:style>
+          <a:lnRef idx="1">
+            <a:schemeClr val="accent1"/>
+          </a:lnRef>
+          <a:fillRef idx="0">
+            <a:schemeClr val="accent1"/>
+          </a:fillRef>
+          <a:effectRef idx="0">
+            <a:schemeClr val="accent1"/>
+          </a:effectRef>
+          <a:fontRef idx="minor">
+            <a:schemeClr val="tx1"/>
+          </a:fontRef>
+        </p:style>
+      </p:cxnSp>
+      <p:cxnSp>
+        <p:nvCxnSpPr>
+          <p:cNvPr id="78" name="Straight Arrow Connector 77"/>
+          <p:cNvCxnSpPr>
+            <a:stCxn id="72" idx="0"/>
+            <a:endCxn id="42" idx="2"/>
+          </p:cNvCxnSpPr>
+          <p:nvPr/>
+        </p:nvCxnSpPr>
+        <p:spPr>
+          <a:xfrm>
+            <a:off x="3186061" y="2283309"/>
+            <a:ext cx="806033" cy="775397"/>
+          </a:xfrm>
+          <a:prstGeom prst="straightConnector1">
+            <a:avLst/>
+          </a:prstGeom>
+          <a:ln>
+            <a:tailEnd type="triangle"/>
+          </a:ln>
+        </p:spPr>
+        <p:style>
+          <a:lnRef idx="1">
+            <a:schemeClr val="accent1"/>
+          </a:lnRef>
+          <a:fillRef idx="0">
+            <a:schemeClr val="accent1"/>
+          </a:fillRef>
+          <a:effectRef idx="0">
+            <a:schemeClr val="accent1"/>
+          </a:effectRef>
+          <a:fontRef idx="minor">
+            <a:schemeClr val="tx1"/>
+          </a:fontRef>
+        </p:style>
+      </p:cxnSp>
+      <p:cxnSp>
+        <p:nvCxnSpPr>
+          <p:cNvPr id="81" name="Straight Arrow Connector 80"/>
+          <p:cNvCxnSpPr>
+            <a:stCxn id="72" idx="0"/>
+            <a:endCxn id="43" idx="2"/>
+          </p:cNvCxnSpPr>
+          <p:nvPr/>
+        </p:nvCxnSpPr>
+        <p:spPr>
+          <a:xfrm>
+            <a:off x="3186061" y="2283309"/>
+            <a:ext cx="782290" cy="1390934"/>
+          </a:xfrm>
+          <a:prstGeom prst="straightConnector1">
+            <a:avLst/>
+          </a:prstGeom>
+          <a:ln>
+            <a:tailEnd type="triangle"/>
+          </a:ln>
+        </p:spPr>
+        <p:style>
+          <a:lnRef idx="1">
+            <a:schemeClr val="accent1"/>
+          </a:lnRef>
+          <a:fillRef idx="0">
+            <a:schemeClr val="accent1"/>
+          </a:fillRef>
+          <a:effectRef idx="0">
+            <a:schemeClr val="accent1"/>
+          </a:effectRef>
+          <a:fontRef idx="minor">
+            <a:schemeClr val="tx1"/>
+          </a:fontRef>
+        </p:style>
+      </p:cxnSp>
+      <p:pic>
+        <p:nvPicPr>
+          <p:cNvPr id="38" name="Picture 37"/>
+          <p:cNvPicPr>
+            <a:picLocks noChangeAspect="1"/>
+          </p:cNvPicPr>
+          <p:nvPr/>
+        </p:nvPicPr>
+        <p:blipFill>
+          <a:blip r:embed="rId5">
+            <a:extLst>
+              <a:ext uri="{28A0092B-C50C-407E-A947-70E740481C1C}">
+                <a14:useLocalDpi xmlns:a14="http://schemas.microsoft.com/office/drawing/2010/main" val="0"/>
+              </a:ext>
+            </a:extLst>
+          </a:blip>
+          <a:stretch>
+            <a:fillRect/>
+          </a:stretch>
+        </p:blipFill>
+        <p:spPr>
+          <a:xfrm>
+            <a:off x="2428032" y="3798566"/>
             <a:ext cx="726372" cy="726372"/>
           </a:xfrm>
           <a:prstGeom prst="rect">
@@ -11621,7 +11051,7 @@
     </p:spTree>
     <p:extLst>
       <p:ext uri="{BB962C8B-B14F-4D97-AF65-F5344CB8AC3E}">
-        <p14:creationId xmlns:p14="http://schemas.microsoft.com/office/powerpoint/2010/main" val="1902379388"/>
+        <p14:creationId xmlns:p14="http://schemas.microsoft.com/office/powerpoint/2010/main" val="1689035394"/>
       </p:ext>
     </p:extLst>
   </p:cSld>
@@ -11679,7 +11109,7 @@
           <a:p>
             <a:r>
               <a:rPr lang="en-US" dirty="0" smtClean="0"/>
-              <a:t>Instant Notification Service</a:t>
+              <a:t>Price Monitoring Service</a:t>
             </a:r>
             <a:endParaRPr lang="en-US" dirty="0"/>
           </a:p>
@@ -11687,7 +11117,7 @@
       </p:sp>
       <p:pic>
         <p:nvPicPr>
-          <p:cNvPr id="22" name="Picture 21"/>
+          <p:cNvPr id="17" name="Picture 16"/>
           <p:cNvPicPr>
             <a:picLocks noChangeAspect="1"/>
           </p:cNvPicPr>
@@ -11707,7 +11137,7 @@
         </p:blipFill>
         <p:spPr>
           <a:xfrm>
-            <a:off x="439308" y="1157302"/>
+            <a:off x="678995" y="1192925"/>
             <a:ext cx="517918" cy="517918"/>
           </a:xfrm>
           <a:prstGeom prst="rect">
@@ -11717,7 +11147,7 @@
       </p:pic>
       <p:pic>
         <p:nvPicPr>
-          <p:cNvPr id="23" name="Picture 22"/>
+          <p:cNvPr id="18" name="Picture 17"/>
           <p:cNvPicPr>
             <a:picLocks noChangeAspect="1"/>
           </p:cNvPicPr>
@@ -11737,7 +11167,7 @@
         </p:blipFill>
         <p:spPr>
           <a:xfrm>
-            <a:off x="439308" y="1800806"/>
+            <a:off x="678995" y="1824554"/>
             <a:ext cx="517918" cy="517918"/>
           </a:xfrm>
           <a:prstGeom prst="rect">
@@ -11747,7 +11177,7 @@
       </p:pic>
       <p:pic>
         <p:nvPicPr>
-          <p:cNvPr id="24" name="Picture 23"/>
+          <p:cNvPr id="19" name="Picture 18"/>
           <p:cNvPicPr>
             <a:picLocks noChangeAspect="1"/>
           </p:cNvPicPr>
@@ -11767,7 +11197,7 @@
         </p:blipFill>
         <p:spPr>
           <a:xfrm>
-            <a:off x="439308" y="2432435"/>
+            <a:off x="678798" y="2456183"/>
             <a:ext cx="517918" cy="517918"/>
           </a:xfrm>
           <a:prstGeom prst="rect">
@@ -11775,160 +11205,106 @@
           </a:prstGeom>
         </p:spPr>
       </p:pic>
-      <p:sp>
-        <p:nvSpPr>
-          <p:cNvPr id="25" name="TextBox 24"/>
-          <p:cNvSpPr txBox="1"/>
-          <p:nvPr/>
-        </p:nvSpPr>
-        <p:spPr>
-          <a:xfrm>
-            <a:off x="983969" y="1359182"/>
-            <a:ext cx="3170501" cy="369332"/>
+      <p:pic>
+        <p:nvPicPr>
+          <p:cNvPr id="21" name="Picture 20"/>
+          <p:cNvPicPr>
+            <a:picLocks noChangeAspect="1"/>
+          </p:cNvPicPr>
+          <p:nvPr/>
+        </p:nvPicPr>
+        <p:blipFill>
+          <a:blip r:embed="rId2">
+            <a:extLst>
+              <a:ext uri="{28A0092B-C50C-407E-A947-70E740481C1C}">
+                <a14:useLocalDpi xmlns:a14="http://schemas.microsoft.com/office/drawing/2010/main" val="0"/>
+              </a:ext>
+            </a:extLst>
+          </a:blip>
+          <a:stretch>
+            <a:fillRect/>
+          </a:stretch>
+        </p:blipFill>
+        <p:spPr>
+          <a:xfrm>
+            <a:off x="7849500" y="1086050"/>
+            <a:ext cx="517918" cy="517918"/>
           </a:xfrm>
           <a:prstGeom prst="rect">
             <a:avLst/>
           </a:prstGeom>
-          <a:noFill/>
-        </p:spPr>
-        <p:txBody>
-          <a:bodyPr wrap="square" rtlCol="0">
-            <a:spAutoFit/>
-          </a:bodyPr>
-          <a:lstStyle/>
-          <a:p>
-            <a:r>
-              <a:rPr lang="en-US" dirty="0" smtClean="0"/>
-              <a:t>q_discount_product_p1 (High)</a:t>
-            </a:r>
-            <a:endParaRPr lang="en-US" dirty="0"/>
-          </a:p>
-        </p:txBody>
-      </p:sp>
-      <p:sp>
-        <p:nvSpPr>
-          <p:cNvPr id="26" name="TextBox 25"/>
-          <p:cNvSpPr txBox="1"/>
-          <p:nvPr/>
-        </p:nvSpPr>
-        <p:spPr>
-          <a:xfrm>
-            <a:off x="983969" y="2002686"/>
-            <a:ext cx="3477206" cy="369332"/>
+        </p:spPr>
+      </p:pic>
+      <p:pic>
+        <p:nvPicPr>
+          <p:cNvPr id="22" name="Picture 21"/>
+          <p:cNvPicPr>
+            <a:picLocks noChangeAspect="1"/>
+          </p:cNvPicPr>
+          <p:nvPr/>
+        </p:nvPicPr>
+        <p:blipFill>
+          <a:blip r:embed="rId2">
+            <a:extLst>
+              <a:ext uri="{28A0092B-C50C-407E-A947-70E740481C1C}">
+                <a14:useLocalDpi xmlns:a14="http://schemas.microsoft.com/office/drawing/2010/main" val="0"/>
+              </a:ext>
+            </a:extLst>
+          </a:blip>
+          <a:stretch>
+            <a:fillRect/>
+          </a:stretch>
+        </p:blipFill>
+        <p:spPr>
+          <a:xfrm>
+            <a:off x="7849500" y="1729554"/>
+            <a:ext cx="517918" cy="517918"/>
           </a:xfrm>
           <a:prstGeom prst="rect">
             <a:avLst/>
           </a:prstGeom>
-          <a:noFill/>
-        </p:spPr>
-        <p:txBody>
-          <a:bodyPr wrap="square" rtlCol="0">
-            <a:spAutoFit/>
-          </a:bodyPr>
-          <a:lstStyle/>
-          <a:p>
-            <a:r>
-              <a:rPr lang="en-US" dirty="0" smtClean="0"/>
-              <a:t>q_discount_product_p2 (Medium)</a:t>
-            </a:r>
-            <a:endParaRPr lang="en-US" dirty="0"/>
-          </a:p>
-        </p:txBody>
-      </p:sp>
-      <p:sp>
-        <p:nvSpPr>
-          <p:cNvPr id="27" name="TextBox 26"/>
-          <p:cNvSpPr txBox="1"/>
-          <p:nvPr/>
-        </p:nvSpPr>
-        <p:spPr>
-          <a:xfrm>
-            <a:off x="983969" y="2634315"/>
-            <a:ext cx="3101155" cy="369332"/>
+        </p:spPr>
+      </p:pic>
+      <p:pic>
+        <p:nvPicPr>
+          <p:cNvPr id="23" name="Picture 22"/>
+          <p:cNvPicPr>
+            <a:picLocks noChangeAspect="1"/>
+          </p:cNvPicPr>
+          <p:nvPr/>
+        </p:nvPicPr>
+        <p:blipFill>
+          <a:blip r:embed="rId2">
+            <a:extLst>
+              <a:ext uri="{28A0092B-C50C-407E-A947-70E740481C1C}">
+                <a14:useLocalDpi xmlns:a14="http://schemas.microsoft.com/office/drawing/2010/main" val="0"/>
+              </a:ext>
+            </a:extLst>
+          </a:blip>
+          <a:stretch>
+            <a:fillRect/>
+          </a:stretch>
+        </p:blipFill>
+        <p:spPr>
+          <a:xfrm>
+            <a:off x="7849500" y="2361183"/>
+            <a:ext cx="517918" cy="517918"/>
           </a:xfrm>
           <a:prstGeom prst="rect">
             <a:avLst/>
           </a:prstGeom>
-          <a:noFill/>
-        </p:spPr>
-        <p:txBody>
-          <a:bodyPr wrap="square" rtlCol="0">
-            <a:spAutoFit/>
-          </a:bodyPr>
-          <a:lstStyle/>
-          <a:p>
-            <a:r>
-              <a:rPr lang="en-US" dirty="0" smtClean="0"/>
-              <a:t>q_discount_product_p3 (Low)</a:t>
-            </a:r>
-            <a:endParaRPr lang="en-US" dirty="0"/>
-          </a:p>
-        </p:txBody>
-      </p:sp>
-      <p:sp>
-        <p:nvSpPr>
-          <p:cNvPr id="9" name="TextBox 8"/>
-          <p:cNvSpPr txBox="1"/>
-          <p:nvPr/>
-        </p:nvSpPr>
-        <p:spPr>
-          <a:xfrm>
-            <a:off x="696696" y="4940135"/>
-            <a:ext cx="7861465" cy="1015663"/>
-          </a:xfrm>
-          <a:prstGeom prst="rect">
-            <a:avLst/>
-          </a:prstGeom>
-          <a:noFill/>
-        </p:spPr>
-        <p:txBody>
-          <a:bodyPr wrap="square" rtlCol="0">
-            <a:spAutoFit/>
-          </a:bodyPr>
-          <a:lstStyle/>
-          <a:p>
-            <a:pPr marL="342900" indent="-342900">
-              <a:buFont typeface="Arial" charset="0"/>
-              <a:buChar char="•"/>
-            </a:pPr>
-            <a:r>
-              <a:rPr lang="en-US" sz="2000" dirty="0" smtClean="0"/>
-              <a:t>Get discount products from q_discount_product_p(n) queues.</a:t>
-            </a:r>
-          </a:p>
-          <a:p>
-            <a:pPr marL="342900" indent="-342900">
-              <a:buFont typeface="Arial" charset="0"/>
-              <a:buChar char="•"/>
-            </a:pPr>
-            <a:r>
-              <a:rPr lang="en-US" sz="2000" dirty="0" smtClean="0"/>
-              <a:t>Find the subscribers of the product’s category.</a:t>
-            </a:r>
-          </a:p>
-          <a:p>
-            <a:pPr marL="342900" indent="-342900">
-              <a:buFont typeface="Arial" charset="0"/>
-              <a:buChar char="•"/>
-            </a:pPr>
-            <a:r>
-              <a:rPr lang="en-US" sz="2000" dirty="0" smtClean="0"/>
-              <a:t>Start a new thread to send product discount information to users.</a:t>
-            </a:r>
-            <a:endParaRPr lang="en-US" sz="2000" dirty="0"/>
-          </a:p>
-        </p:txBody>
-      </p:sp>
-      <p:sp>
-        <p:nvSpPr>
-          <p:cNvPr id="28" name="Cube 27"/>
+        </p:spPr>
+      </p:pic>
+      <p:sp>
+        <p:nvSpPr>
+          <p:cNvPr id="24" name="Cube 23"/>
           <p:cNvSpPr/>
           <p:nvPr/>
         </p:nvSpPr>
         <p:spPr>
           <a:xfrm>
-            <a:off x="4716490" y="1157302"/>
-            <a:ext cx="3370606" cy="417372"/>
+            <a:off x="4098974" y="1192925"/>
+            <a:ext cx="3047271" cy="417372"/>
           </a:xfrm>
           <a:prstGeom prst="cube">
             <a:avLst/>
@@ -11964,14 +11340,14 @@
       </p:sp>
       <p:sp>
         <p:nvSpPr>
-          <p:cNvPr id="29" name="Cube 28"/>
+          <p:cNvPr id="26" name="Cube 25"/>
           <p:cNvSpPr/>
           <p:nvPr/>
         </p:nvSpPr>
         <p:spPr>
           <a:xfrm>
-            <a:off x="4704694" y="1800806"/>
-            <a:ext cx="3382402" cy="417372"/>
+            <a:off x="4098974" y="1824554"/>
+            <a:ext cx="3047271" cy="417372"/>
           </a:xfrm>
           <a:prstGeom prst="cube">
             <a:avLst/>
@@ -12007,14 +11383,14 @@
       </p:sp>
       <p:sp>
         <p:nvSpPr>
-          <p:cNvPr id="30" name="Cube 29"/>
+          <p:cNvPr id="27" name="Cube 26"/>
           <p:cNvSpPr/>
           <p:nvPr/>
         </p:nvSpPr>
         <p:spPr>
           <a:xfrm>
-            <a:off x="4724486" y="2432435"/>
-            <a:ext cx="3362610" cy="417372"/>
+            <a:off x="4098974" y="2456183"/>
+            <a:ext cx="3047271" cy="417372"/>
           </a:xfrm>
           <a:prstGeom prst="cube">
             <a:avLst/>
@@ -12048,9 +11424,606 @@
           </a:p>
         </p:txBody>
       </p:sp>
+      <p:sp>
+        <p:nvSpPr>
+          <p:cNvPr id="30" name="TextBox 29"/>
+          <p:cNvSpPr txBox="1"/>
+          <p:nvPr/>
+        </p:nvSpPr>
+        <p:spPr>
+          <a:xfrm>
+            <a:off x="1180300" y="1454177"/>
+            <a:ext cx="2339441" cy="369332"/>
+          </a:xfrm>
+          <a:prstGeom prst="rect">
+            <a:avLst/>
+          </a:prstGeom>
+          <a:noFill/>
+        </p:spPr>
+        <p:txBody>
+          <a:bodyPr wrap="square" rtlCol="0">
+            <a:spAutoFit/>
+          </a:bodyPr>
+          <a:lstStyle/>
+          <a:p>
+            <a:r>
+              <a:rPr lang="en-US" dirty="0" smtClean="0"/>
+              <a:t>q_product_p1 (High)</a:t>
+            </a:r>
+            <a:endParaRPr lang="en-US" dirty="0"/>
+          </a:p>
+        </p:txBody>
+      </p:sp>
+      <p:sp>
+        <p:nvSpPr>
+          <p:cNvPr id="33" name="TextBox 32"/>
+          <p:cNvSpPr txBox="1"/>
+          <p:nvPr/>
+        </p:nvSpPr>
+        <p:spPr>
+          <a:xfrm>
+            <a:off x="1180300" y="2085810"/>
+            <a:ext cx="2576548" cy="369332"/>
+          </a:xfrm>
+          <a:prstGeom prst="rect">
+            <a:avLst/>
+          </a:prstGeom>
+          <a:noFill/>
+        </p:spPr>
+        <p:txBody>
+          <a:bodyPr wrap="square" rtlCol="0">
+            <a:spAutoFit/>
+          </a:bodyPr>
+          <a:lstStyle/>
+          <a:p>
+            <a:r>
+              <a:rPr lang="en-US" dirty="0" smtClean="0"/>
+              <a:t>q_product_p2 (Medium)</a:t>
+            </a:r>
+            <a:endParaRPr lang="en-US" dirty="0"/>
+          </a:p>
+        </p:txBody>
+      </p:sp>
+      <p:sp>
+        <p:nvSpPr>
+          <p:cNvPr id="34" name="TextBox 33"/>
+          <p:cNvSpPr txBox="1"/>
+          <p:nvPr/>
+        </p:nvSpPr>
+        <p:spPr>
+          <a:xfrm>
+            <a:off x="1180300" y="2729315"/>
+            <a:ext cx="2339441" cy="369332"/>
+          </a:xfrm>
+          <a:prstGeom prst="rect">
+            <a:avLst/>
+          </a:prstGeom>
+          <a:noFill/>
+        </p:spPr>
+        <p:txBody>
+          <a:bodyPr wrap="square" rtlCol="0">
+            <a:spAutoFit/>
+          </a:bodyPr>
+          <a:lstStyle/>
+          <a:p>
+            <a:r>
+              <a:rPr lang="en-US" dirty="0" smtClean="0"/>
+              <a:t>q_product_p1 (Low)</a:t>
+            </a:r>
+            <a:endParaRPr lang="en-US" dirty="0"/>
+          </a:p>
+        </p:txBody>
+      </p:sp>
+      <p:sp>
+        <p:nvSpPr>
+          <p:cNvPr id="36" name="TextBox 35"/>
+          <p:cNvSpPr txBox="1"/>
+          <p:nvPr/>
+        </p:nvSpPr>
+        <p:spPr>
+          <a:xfrm>
+            <a:off x="8394161" y="1086050"/>
+            <a:ext cx="3170501" cy="369332"/>
+          </a:xfrm>
+          <a:prstGeom prst="rect">
+            <a:avLst/>
+          </a:prstGeom>
+          <a:noFill/>
+        </p:spPr>
+        <p:txBody>
+          <a:bodyPr wrap="square" rtlCol="0">
+            <a:spAutoFit/>
+          </a:bodyPr>
+          <a:lstStyle/>
+          <a:p>
+            <a:r>
+              <a:rPr lang="en-US" dirty="0" smtClean="0"/>
+              <a:t>q_discount_product_p1 (High)</a:t>
+            </a:r>
+            <a:endParaRPr lang="en-US" dirty="0"/>
+          </a:p>
+        </p:txBody>
+      </p:sp>
+      <p:sp>
+        <p:nvSpPr>
+          <p:cNvPr id="39" name="TextBox 38"/>
+          <p:cNvSpPr txBox="1"/>
+          <p:nvPr/>
+        </p:nvSpPr>
+        <p:spPr>
+          <a:xfrm>
+            <a:off x="8394161" y="1729554"/>
+            <a:ext cx="3477206" cy="369332"/>
+          </a:xfrm>
+          <a:prstGeom prst="rect">
+            <a:avLst/>
+          </a:prstGeom>
+          <a:noFill/>
+        </p:spPr>
+        <p:txBody>
+          <a:bodyPr wrap="square" rtlCol="0">
+            <a:spAutoFit/>
+          </a:bodyPr>
+          <a:lstStyle/>
+          <a:p>
+            <a:r>
+              <a:rPr lang="en-US" dirty="0" smtClean="0"/>
+              <a:t>q_discount_product_p2 (Medium)</a:t>
+            </a:r>
+            <a:endParaRPr lang="en-US" dirty="0"/>
+          </a:p>
+        </p:txBody>
+      </p:sp>
+      <p:sp>
+        <p:nvSpPr>
+          <p:cNvPr id="41" name="TextBox 40"/>
+          <p:cNvSpPr txBox="1"/>
+          <p:nvPr/>
+        </p:nvSpPr>
+        <p:spPr>
+          <a:xfrm>
+            <a:off x="8394161" y="2361183"/>
+            <a:ext cx="3101155" cy="369332"/>
+          </a:xfrm>
+          <a:prstGeom prst="rect">
+            <a:avLst/>
+          </a:prstGeom>
+          <a:noFill/>
+        </p:spPr>
+        <p:txBody>
+          <a:bodyPr wrap="square" rtlCol="0">
+            <a:spAutoFit/>
+          </a:bodyPr>
+          <a:lstStyle/>
+          <a:p>
+            <a:r>
+              <a:rPr lang="en-US" dirty="0" smtClean="0"/>
+              <a:t>q_discount_product_p3 (Low)</a:t>
+            </a:r>
+            <a:endParaRPr lang="en-US" dirty="0"/>
+          </a:p>
+        </p:txBody>
+      </p:sp>
+      <p:sp>
+        <p:nvSpPr>
+          <p:cNvPr id="6" name="TextBox 5"/>
+          <p:cNvSpPr txBox="1"/>
+          <p:nvPr/>
+        </p:nvSpPr>
+        <p:spPr>
+          <a:xfrm>
+            <a:off x="4098974" y="1255343"/>
+            <a:ext cx="3047271" cy="369332"/>
+          </a:xfrm>
+          <a:prstGeom prst="rect">
+            <a:avLst/>
+          </a:prstGeom>
+          <a:noFill/>
+        </p:spPr>
+        <p:txBody>
+          <a:bodyPr wrap="square" rtlCol="0">
+            <a:spAutoFit/>
+          </a:bodyPr>
+          <a:lstStyle/>
+          <a:p>
+            <a:r>
+              <a:rPr lang="en-US" dirty="0" smtClean="0"/>
+              <a:t>Price_monitoring_service (p1)</a:t>
+            </a:r>
+            <a:endParaRPr lang="en-US" dirty="0"/>
+          </a:p>
+        </p:txBody>
+      </p:sp>
+      <p:sp>
+        <p:nvSpPr>
+          <p:cNvPr id="42" name="TextBox 41"/>
+          <p:cNvSpPr txBox="1"/>
+          <p:nvPr/>
+        </p:nvSpPr>
+        <p:spPr>
+          <a:xfrm>
+            <a:off x="4125717" y="1906223"/>
+            <a:ext cx="3047271" cy="369332"/>
+          </a:xfrm>
+          <a:prstGeom prst="rect">
+            <a:avLst/>
+          </a:prstGeom>
+          <a:noFill/>
+        </p:spPr>
+        <p:txBody>
+          <a:bodyPr wrap="square" rtlCol="0">
+            <a:spAutoFit/>
+          </a:bodyPr>
+          <a:lstStyle/>
+          <a:p>
+            <a:r>
+              <a:rPr lang="en-US" dirty="0" smtClean="0"/>
+              <a:t>Price_monitoring_service (p2)</a:t>
+            </a:r>
+            <a:endParaRPr lang="en-US" dirty="0"/>
+          </a:p>
+        </p:txBody>
+      </p:sp>
+      <p:sp>
+        <p:nvSpPr>
+          <p:cNvPr id="43" name="TextBox 42"/>
+          <p:cNvSpPr txBox="1"/>
+          <p:nvPr/>
+        </p:nvSpPr>
+        <p:spPr>
+          <a:xfrm>
+            <a:off x="4098974" y="2541768"/>
+            <a:ext cx="3047271" cy="369332"/>
+          </a:xfrm>
+          <a:prstGeom prst="rect">
+            <a:avLst/>
+          </a:prstGeom>
+          <a:noFill/>
+        </p:spPr>
+        <p:txBody>
+          <a:bodyPr wrap="square" rtlCol="0">
+            <a:spAutoFit/>
+          </a:bodyPr>
+          <a:lstStyle/>
+          <a:p>
+            <a:r>
+              <a:rPr lang="en-US" dirty="0" smtClean="0"/>
+              <a:t>Price_monitoring_service (p3)</a:t>
+            </a:r>
+            <a:endParaRPr lang="en-US" dirty="0"/>
+          </a:p>
+        </p:txBody>
+      </p:sp>
+      <p:cxnSp>
+        <p:nvCxnSpPr>
+          <p:cNvPr id="11" name="Straight Arrow Connector 10"/>
+          <p:cNvCxnSpPr>
+            <a:stCxn id="17" idx="3"/>
+            <a:endCxn id="6" idx="1"/>
+          </p:cNvCxnSpPr>
+          <p:nvPr/>
+        </p:nvCxnSpPr>
+        <p:spPr>
+          <a:xfrm flipV="1">
+            <a:off x="1196913" y="1440009"/>
+            <a:ext cx="2902061" cy="11875"/>
+          </a:xfrm>
+          <a:prstGeom prst="straightConnector1">
+            <a:avLst/>
+          </a:prstGeom>
+          <a:ln>
+            <a:tailEnd type="triangle"/>
+          </a:ln>
+        </p:spPr>
+        <p:style>
+          <a:lnRef idx="1">
+            <a:schemeClr val="accent1"/>
+          </a:lnRef>
+          <a:fillRef idx="0">
+            <a:schemeClr val="accent1"/>
+          </a:fillRef>
+          <a:effectRef idx="0">
+            <a:schemeClr val="accent1"/>
+          </a:effectRef>
+          <a:fontRef idx="minor">
+            <a:schemeClr val="tx1"/>
+          </a:fontRef>
+        </p:style>
+      </p:cxnSp>
+      <p:cxnSp>
+        <p:nvCxnSpPr>
+          <p:cNvPr id="45" name="Straight Arrow Connector 44"/>
+          <p:cNvCxnSpPr>
+            <a:stCxn id="18" idx="3"/>
+            <a:endCxn id="26" idx="2"/>
+          </p:cNvCxnSpPr>
+          <p:nvPr/>
+        </p:nvCxnSpPr>
+        <p:spPr>
+          <a:xfrm>
+            <a:off x="1196913" y="2083513"/>
+            <a:ext cx="2902061" cy="1899"/>
+          </a:xfrm>
+          <a:prstGeom prst="straightConnector1">
+            <a:avLst/>
+          </a:prstGeom>
+          <a:ln>
+            <a:tailEnd type="triangle"/>
+          </a:ln>
+        </p:spPr>
+        <p:style>
+          <a:lnRef idx="1">
+            <a:schemeClr val="accent1"/>
+          </a:lnRef>
+          <a:fillRef idx="0">
+            <a:schemeClr val="accent1"/>
+          </a:fillRef>
+          <a:effectRef idx="0">
+            <a:schemeClr val="accent1"/>
+          </a:effectRef>
+          <a:fontRef idx="minor">
+            <a:schemeClr val="tx1"/>
+          </a:fontRef>
+        </p:style>
+      </p:cxnSp>
+      <p:cxnSp>
+        <p:nvCxnSpPr>
+          <p:cNvPr id="47" name="Straight Arrow Connector 46"/>
+          <p:cNvCxnSpPr>
+            <a:stCxn id="19" idx="3"/>
+            <a:endCxn id="27" idx="2"/>
+          </p:cNvCxnSpPr>
+          <p:nvPr/>
+        </p:nvCxnSpPr>
+        <p:spPr>
+          <a:xfrm>
+            <a:off x="1196716" y="2715142"/>
+            <a:ext cx="2902258" cy="1899"/>
+          </a:xfrm>
+          <a:prstGeom prst="straightConnector1">
+            <a:avLst/>
+          </a:prstGeom>
+          <a:ln>
+            <a:tailEnd type="triangle"/>
+          </a:ln>
+        </p:spPr>
+        <p:style>
+          <a:lnRef idx="1">
+            <a:schemeClr val="accent1"/>
+          </a:lnRef>
+          <a:fillRef idx="0">
+            <a:schemeClr val="accent1"/>
+          </a:fillRef>
+          <a:effectRef idx="0">
+            <a:schemeClr val="accent1"/>
+          </a:effectRef>
+          <a:fontRef idx="minor">
+            <a:schemeClr val="tx1"/>
+          </a:fontRef>
+        </p:style>
+      </p:cxnSp>
+      <p:cxnSp>
+        <p:nvCxnSpPr>
+          <p:cNvPr id="64" name="Straight Arrow Connector 63"/>
+          <p:cNvCxnSpPr>
+            <a:stCxn id="24" idx="5"/>
+            <a:endCxn id="21" idx="1"/>
+          </p:cNvCxnSpPr>
+          <p:nvPr/>
+        </p:nvCxnSpPr>
+        <p:spPr>
+          <a:xfrm flipV="1">
+            <a:off x="7146245" y="1345009"/>
+            <a:ext cx="703255" cy="4431"/>
+          </a:xfrm>
+          <a:prstGeom prst="straightConnector1">
+            <a:avLst/>
+          </a:prstGeom>
+          <a:ln>
+            <a:tailEnd type="triangle"/>
+          </a:ln>
+        </p:spPr>
+        <p:style>
+          <a:lnRef idx="1">
+            <a:schemeClr val="accent1"/>
+          </a:lnRef>
+          <a:fillRef idx="0">
+            <a:schemeClr val="accent1"/>
+          </a:fillRef>
+          <a:effectRef idx="0">
+            <a:schemeClr val="accent1"/>
+          </a:effectRef>
+          <a:fontRef idx="minor">
+            <a:schemeClr val="tx1"/>
+          </a:fontRef>
+        </p:style>
+      </p:cxnSp>
+      <p:cxnSp>
+        <p:nvCxnSpPr>
+          <p:cNvPr id="67" name="Straight Arrow Connector 66"/>
+          <p:cNvCxnSpPr>
+            <a:stCxn id="26" idx="5"/>
+            <a:endCxn id="22" idx="1"/>
+          </p:cNvCxnSpPr>
+          <p:nvPr/>
+        </p:nvCxnSpPr>
+        <p:spPr>
+          <a:xfrm>
+            <a:off x="7146245" y="1981069"/>
+            <a:ext cx="703255" cy="7444"/>
+          </a:xfrm>
+          <a:prstGeom prst="straightConnector1">
+            <a:avLst/>
+          </a:prstGeom>
+          <a:ln>
+            <a:tailEnd type="triangle"/>
+          </a:ln>
+        </p:spPr>
+        <p:style>
+          <a:lnRef idx="1">
+            <a:schemeClr val="accent1"/>
+          </a:lnRef>
+          <a:fillRef idx="0">
+            <a:schemeClr val="accent1"/>
+          </a:fillRef>
+          <a:effectRef idx="0">
+            <a:schemeClr val="accent1"/>
+          </a:effectRef>
+          <a:fontRef idx="minor">
+            <a:schemeClr val="tx1"/>
+          </a:fontRef>
+        </p:style>
+      </p:cxnSp>
+      <p:cxnSp>
+        <p:nvCxnSpPr>
+          <p:cNvPr id="69" name="Straight Arrow Connector 68"/>
+          <p:cNvCxnSpPr>
+            <a:stCxn id="27" idx="5"/>
+            <a:endCxn id="23" idx="1"/>
+          </p:cNvCxnSpPr>
+          <p:nvPr/>
+        </p:nvCxnSpPr>
+        <p:spPr>
+          <a:xfrm>
+            <a:off x="7146245" y="2612698"/>
+            <a:ext cx="703255" cy="7444"/>
+          </a:xfrm>
+          <a:prstGeom prst="straightConnector1">
+            <a:avLst/>
+          </a:prstGeom>
+          <a:ln>
+            <a:tailEnd type="triangle"/>
+          </a:ln>
+        </p:spPr>
+        <p:style>
+          <a:lnRef idx="1">
+            <a:schemeClr val="accent1"/>
+          </a:lnRef>
+          <a:fillRef idx="0">
+            <a:schemeClr val="accent1"/>
+          </a:fillRef>
+          <a:effectRef idx="0">
+            <a:schemeClr val="accent1"/>
+          </a:effectRef>
+          <a:fontRef idx="minor">
+            <a:schemeClr val="tx1"/>
+          </a:fontRef>
+        </p:style>
+      </p:cxnSp>
+      <p:cxnSp>
+        <p:nvCxnSpPr>
+          <p:cNvPr id="71" name="Straight Arrow Connector 70"/>
+          <p:cNvCxnSpPr>
+            <a:stCxn id="24" idx="2"/>
+            <a:endCxn id="88" idx="0"/>
+          </p:cNvCxnSpPr>
+          <p:nvPr/>
+        </p:nvCxnSpPr>
+        <p:spPr>
+          <a:xfrm flipH="1">
+            <a:off x="3246663" y="1453783"/>
+            <a:ext cx="852311" cy="2049628"/>
+          </a:xfrm>
+          <a:prstGeom prst="straightConnector1">
+            <a:avLst/>
+          </a:prstGeom>
+          <a:ln>
+            <a:headEnd type="triangle"/>
+            <a:tailEnd type="triangle"/>
+          </a:ln>
+        </p:spPr>
+        <p:style>
+          <a:lnRef idx="1">
+            <a:schemeClr val="accent1"/>
+          </a:lnRef>
+          <a:fillRef idx="0">
+            <a:schemeClr val="accent1"/>
+          </a:fillRef>
+          <a:effectRef idx="0">
+            <a:schemeClr val="accent1"/>
+          </a:effectRef>
+          <a:fontRef idx="minor">
+            <a:schemeClr val="tx1"/>
+          </a:fontRef>
+        </p:style>
+      </p:cxnSp>
+      <p:cxnSp>
+        <p:nvCxnSpPr>
+          <p:cNvPr id="72" name="Straight Arrow Connector 71"/>
+          <p:cNvCxnSpPr>
+            <a:stCxn id="26" idx="2"/>
+            <a:endCxn id="88" idx="0"/>
+          </p:cNvCxnSpPr>
+          <p:nvPr/>
+        </p:nvCxnSpPr>
+        <p:spPr>
+          <a:xfrm flipH="1">
+            <a:off x="3246663" y="2085412"/>
+            <a:ext cx="852311" cy="1417999"/>
+          </a:xfrm>
+          <a:prstGeom prst="straightConnector1">
+            <a:avLst/>
+          </a:prstGeom>
+          <a:ln>
+            <a:headEnd type="triangle"/>
+            <a:tailEnd type="triangle"/>
+          </a:ln>
+        </p:spPr>
+        <p:style>
+          <a:lnRef idx="1">
+            <a:schemeClr val="accent1"/>
+          </a:lnRef>
+          <a:fillRef idx="0">
+            <a:schemeClr val="accent1"/>
+          </a:fillRef>
+          <a:effectRef idx="0">
+            <a:schemeClr val="accent1"/>
+          </a:effectRef>
+          <a:fontRef idx="minor">
+            <a:schemeClr val="tx1"/>
+          </a:fontRef>
+        </p:style>
+      </p:cxnSp>
+      <p:cxnSp>
+        <p:nvCxnSpPr>
+          <p:cNvPr id="75" name="Straight Arrow Connector 74"/>
+          <p:cNvCxnSpPr>
+            <a:stCxn id="27" idx="2"/>
+            <a:endCxn id="88" idx="0"/>
+          </p:cNvCxnSpPr>
+          <p:nvPr/>
+        </p:nvCxnSpPr>
+        <p:spPr>
+          <a:xfrm flipH="1">
+            <a:off x="3246663" y="2717041"/>
+            <a:ext cx="852311" cy="786370"/>
+          </a:xfrm>
+          <a:prstGeom prst="straightConnector1">
+            <a:avLst/>
+          </a:prstGeom>
+          <a:ln>
+            <a:headEnd type="triangle"/>
+            <a:tailEnd type="triangle"/>
+          </a:ln>
+        </p:spPr>
+        <p:style>
+          <a:lnRef idx="1">
+            <a:schemeClr val="accent1"/>
+          </a:lnRef>
+          <a:fillRef idx="0">
+            <a:schemeClr val="accent1"/>
+          </a:fillRef>
+          <a:effectRef idx="0">
+            <a:schemeClr val="accent1"/>
+          </a:effectRef>
+          <a:fontRef idx="minor">
+            <a:schemeClr val="tx1"/>
+          </a:fontRef>
+        </p:style>
+      </p:cxnSp>
       <p:pic>
         <p:nvPicPr>
-          <p:cNvPr id="32" name="Picture 31"/>
+          <p:cNvPr id="88" name="Picture 87"/>
           <p:cNvPicPr>
             <a:picLocks noChangeAspect="1"/>
           </p:cNvPicPr>
@@ -12070,8 +12043,8 @@
         </p:blipFill>
         <p:spPr>
           <a:xfrm>
-            <a:off x="8767853" y="1484738"/>
-            <a:ext cx="901090" cy="901090"/>
+            <a:off x="2669471" y="3503411"/>
+            <a:ext cx="1154384" cy="385784"/>
           </a:xfrm>
           <a:prstGeom prst="rect">
             <a:avLst/>
@@ -12080,14 +12053,14 @@
       </p:pic>
       <p:sp>
         <p:nvSpPr>
-          <p:cNvPr id="34" name="TextBox 33"/>
+          <p:cNvPr id="92" name="TextBox 91"/>
           <p:cNvSpPr txBox="1"/>
           <p:nvPr/>
         </p:nvSpPr>
         <p:spPr>
           <a:xfrm>
-            <a:off x="4724486" y="1231595"/>
-            <a:ext cx="3362610" cy="369332"/>
+            <a:off x="296883" y="4702630"/>
+            <a:ext cx="11588412" cy="1323439"/>
           </a:xfrm>
           <a:prstGeom prst="rect">
             <a:avLst/>
@@ -12100,92 +12073,67 @@
           </a:bodyPr>
           <a:lstStyle/>
           <a:p>
-            <a:r>
-              <a:rPr lang="en-US" dirty="0" smtClean="0"/>
-              <a:t>Instant Notification Service (p1)</a:t>
-            </a:r>
-            <a:endParaRPr lang="en-US" dirty="0"/>
-          </a:p>
-        </p:txBody>
-      </p:sp>
-      <p:sp>
-        <p:nvSpPr>
-          <p:cNvPr id="35" name="TextBox 34"/>
-          <p:cNvSpPr txBox="1"/>
-          <p:nvPr/>
-        </p:nvSpPr>
-        <p:spPr>
-          <a:xfrm>
-            <a:off x="4724486" y="1897746"/>
-            <a:ext cx="3362610" cy="369332"/>
-          </a:xfrm>
-          <a:prstGeom prst="rect">
-            <a:avLst/>
-          </a:prstGeom>
-          <a:noFill/>
-        </p:spPr>
-        <p:txBody>
-          <a:bodyPr wrap="square" rtlCol="0">
-            <a:spAutoFit/>
-          </a:bodyPr>
-          <a:lstStyle/>
-          <a:p>
-            <a:r>
-              <a:rPr lang="en-US" dirty="0" smtClean="0"/>
-              <a:t>Instant Notification Service (p2)</a:t>
-            </a:r>
-            <a:endParaRPr lang="en-US" dirty="0"/>
-          </a:p>
-        </p:txBody>
-      </p:sp>
-      <p:sp>
-        <p:nvSpPr>
-          <p:cNvPr id="36" name="TextBox 35"/>
-          <p:cNvSpPr txBox="1"/>
-          <p:nvPr/>
-        </p:nvSpPr>
-        <p:spPr>
-          <a:xfrm>
-            <a:off x="4724486" y="2531324"/>
-            <a:ext cx="3362610" cy="369332"/>
-          </a:xfrm>
-          <a:prstGeom prst="rect">
-            <a:avLst/>
-          </a:prstGeom>
-          <a:noFill/>
-        </p:spPr>
-        <p:txBody>
-          <a:bodyPr wrap="square" rtlCol="0">
-            <a:spAutoFit/>
-          </a:bodyPr>
-          <a:lstStyle/>
-          <a:p>
-            <a:r>
-              <a:rPr lang="en-US" dirty="0" smtClean="0"/>
-              <a:t>Instant Notification Service (p3)</a:t>
-            </a:r>
-            <a:endParaRPr lang="en-US" dirty="0"/>
+            <a:pPr marL="285750" indent="-285750">
+              <a:buFont typeface="Arial" charset="0"/>
+              <a:buChar char="•"/>
+            </a:pPr>
+            <a:r>
+              <a:rPr lang="en-US" sz="2000" dirty="0" smtClean="0"/>
+              <a:t>Get product from q_product_p(n) queue.</a:t>
+            </a:r>
+          </a:p>
+          <a:p>
+            <a:pPr marL="285750" indent="-285750">
+              <a:buFont typeface="Arial" charset="0"/>
+              <a:buChar char="•"/>
+            </a:pPr>
+            <a:r>
+              <a:rPr lang="en-US" sz="2000" dirty="0" smtClean="0"/>
+              <a:t>Check if product’s id exists in cache, if not, store the product in DB and &lt;product_id, price&gt; pair to cache.</a:t>
+            </a:r>
+          </a:p>
+          <a:p>
+            <a:pPr marL="285750" indent="-285750">
+              <a:buFont typeface="Arial" charset="0"/>
+              <a:buChar char="•"/>
+            </a:pPr>
+            <a:r>
+              <a:rPr lang="en-US" sz="2000" dirty="0" smtClean="0"/>
+              <a:t>If product exists in cache, compare if price is reduced, if yes, send product to q_discount_product_p(n) .</a:t>
+            </a:r>
+          </a:p>
+          <a:p>
+            <a:pPr marL="285750" indent="-285750">
+              <a:buFont typeface="Arial" charset="0"/>
+              <a:buChar char="•"/>
+            </a:pPr>
+            <a:r>
+              <a:rPr lang="en-US" sz="2000" dirty="0" smtClean="0"/>
+              <a:t>Update cache and DB with new price if price is changed.</a:t>
+            </a:r>
+            <a:endParaRPr lang="en-US" sz="2000" dirty="0"/>
           </a:p>
         </p:txBody>
       </p:sp>
       <p:cxnSp>
         <p:nvCxnSpPr>
-          <p:cNvPr id="11" name="Straight Arrow Connector 10"/>
+          <p:cNvPr id="95" name="Straight Arrow Connector 94"/>
           <p:cNvCxnSpPr>
-            <a:stCxn id="22" idx="3"/>
-            <a:endCxn id="28" idx="2"/>
+            <a:stCxn id="24" idx="5"/>
+            <a:endCxn id="37" idx="0"/>
           </p:cNvCxnSpPr>
           <p:nvPr/>
         </p:nvCxnSpPr>
         <p:spPr>
           <a:xfrm>
-            <a:off x="957226" y="1416261"/>
-            <a:ext cx="3759264" cy="1899"/>
+            <a:off x="7146245" y="1349440"/>
+            <a:ext cx="593084" cy="2024210"/>
           </a:xfrm>
           <a:prstGeom prst="straightConnector1">
             <a:avLst/>
           </a:prstGeom>
           <a:ln>
+            <a:headEnd type="triangle"/>
             <a:tailEnd type="triangle"/>
           </a:ln>
         </p:spPr>
@@ -12206,22 +12154,23 @@
       </p:cxnSp>
       <p:cxnSp>
         <p:nvCxnSpPr>
-          <p:cNvPr id="39" name="Straight Arrow Connector 38"/>
+          <p:cNvPr id="98" name="Straight Arrow Connector 97"/>
           <p:cNvCxnSpPr>
-            <a:stCxn id="23" idx="3"/>
-            <a:endCxn id="29" idx="2"/>
+            <a:stCxn id="26" idx="5"/>
+            <a:endCxn id="37" idx="0"/>
           </p:cNvCxnSpPr>
           <p:nvPr/>
         </p:nvCxnSpPr>
         <p:spPr>
           <a:xfrm>
-            <a:off x="957226" y="2059765"/>
-            <a:ext cx="3747468" cy="1899"/>
+            <a:off x="7146245" y="1981069"/>
+            <a:ext cx="593084" cy="1392581"/>
           </a:xfrm>
           <a:prstGeom prst="straightConnector1">
             <a:avLst/>
           </a:prstGeom>
           <a:ln>
+            <a:headEnd type="triangle"/>
             <a:tailEnd type="triangle"/>
           </a:ln>
         </p:spPr>
@@ -12242,22 +12191,23 @@
       </p:cxnSp>
       <p:cxnSp>
         <p:nvCxnSpPr>
-          <p:cNvPr id="42" name="Straight Arrow Connector 41"/>
+          <p:cNvPr id="101" name="Straight Arrow Connector 100"/>
           <p:cNvCxnSpPr>
-            <a:stCxn id="24" idx="3"/>
-            <a:endCxn id="30" idx="2"/>
+            <a:stCxn id="27" idx="5"/>
+            <a:endCxn id="37" idx="0"/>
           </p:cNvCxnSpPr>
           <p:nvPr/>
         </p:nvCxnSpPr>
         <p:spPr>
           <a:xfrm>
-            <a:off x="957226" y="2691394"/>
-            <a:ext cx="3767260" cy="1899"/>
+            <a:off x="7146245" y="2612698"/>
+            <a:ext cx="593084" cy="760952"/>
           </a:xfrm>
           <a:prstGeom prst="straightConnector1">
             <a:avLst/>
           </a:prstGeom>
           <a:ln>
+            <a:headEnd type="triangle"/>
             <a:tailEnd type="triangle"/>
           </a:ln>
         </p:spPr>
@@ -12276,162 +12226,9 @@
           </a:fontRef>
         </p:style>
       </p:cxnSp>
-      <p:cxnSp>
-        <p:nvCxnSpPr>
-          <p:cNvPr id="46" name="Straight Arrow Connector 45"/>
-          <p:cNvCxnSpPr>
-            <a:stCxn id="28" idx="5"/>
-            <a:endCxn id="32" idx="1"/>
-          </p:cNvCxnSpPr>
-          <p:nvPr/>
-        </p:nvCxnSpPr>
-        <p:spPr>
-          <a:xfrm>
-            <a:off x="8087096" y="1313817"/>
-            <a:ext cx="680757" cy="621466"/>
-          </a:xfrm>
-          <a:prstGeom prst="straightConnector1">
-            <a:avLst/>
-          </a:prstGeom>
-          <a:ln>
-            <a:tailEnd type="triangle"/>
-          </a:ln>
-        </p:spPr>
-        <p:style>
-          <a:lnRef idx="1">
-            <a:schemeClr val="accent1"/>
-          </a:lnRef>
-          <a:fillRef idx="0">
-            <a:schemeClr val="accent1"/>
-          </a:fillRef>
-          <a:effectRef idx="0">
-            <a:schemeClr val="accent1"/>
-          </a:effectRef>
-          <a:fontRef idx="minor">
-            <a:schemeClr val="tx1"/>
-          </a:fontRef>
-        </p:style>
-      </p:cxnSp>
-      <p:cxnSp>
-        <p:nvCxnSpPr>
-          <p:cNvPr id="49" name="Straight Arrow Connector 48"/>
-          <p:cNvCxnSpPr>
-            <a:stCxn id="29" idx="5"/>
-            <a:endCxn id="32" idx="1"/>
-          </p:cNvCxnSpPr>
-          <p:nvPr/>
-        </p:nvCxnSpPr>
-        <p:spPr>
-          <a:xfrm flipV="1">
-            <a:off x="8087096" y="1935283"/>
-            <a:ext cx="680757" cy="22038"/>
-          </a:xfrm>
-          <a:prstGeom prst="straightConnector1">
-            <a:avLst/>
-          </a:prstGeom>
-          <a:ln>
-            <a:tailEnd type="triangle"/>
-          </a:ln>
-        </p:spPr>
-        <p:style>
-          <a:lnRef idx="1">
-            <a:schemeClr val="accent1"/>
-          </a:lnRef>
-          <a:fillRef idx="0">
-            <a:schemeClr val="accent1"/>
-          </a:fillRef>
-          <a:effectRef idx="0">
-            <a:schemeClr val="accent1"/>
-          </a:effectRef>
-          <a:fontRef idx="minor">
-            <a:schemeClr val="tx1"/>
-          </a:fontRef>
-        </p:style>
-      </p:cxnSp>
-      <p:cxnSp>
-        <p:nvCxnSpPr>
-          <p:cNvPr id="52" name="Straight Arrow Connector 51"/>
-          <p:cNvCxnSpPr>
-            <a:stCxn id="30" idx="5"/>
-            <a:endCxn id="32" idx="1"/>
-          </p:cNvCxnSpPr>
-          <p:nvPr/>
-        </p:nvCxnSpPr>
-        <p:spPr>
-          <a:xfrm flipV="1">
-            <a:off x="8087096" y="1935283"/>
-            <a:ext cx="680757" cy="653667"/>
-          </a:xfrm>
-          <a:prstGeom prst="straightConnector1">
-            <a:avLst/>
-          </a:prstGeom>
-          <a:ln>
-            <a:tailEnd type="triangle"/>
-          </a:ln>
-        </p:spPr>
-        <p:style>
-          <a:lnRef idx="1">
-            <a:schemeClr val="accent1"/>
-          </a:lnRef>
-          <a:fillRef idx="0">
-            <a:schemeClr val="accent1"/>
-          </a:fillRef>
-          <a:effectRef idx="0">
-            <a:schemeClr val="accent1"/>
-          </a:effectRef>
-          <a:fontRef idx="minor">
-            <a:schemeClr val="tx1"/>
-          </a:fontRef>
-        </p:style>
-      </p:cxnSp>
-      <p:sp>
-        <p:nvSpPr>
-          <p:cNvPr id="55" name="Cloud 54"/>
-          <p:cNvSpPr/>
-          <p:nvPr/>
-        </p:nvSpPr>
-        <p:spPr>
-          <a:xfrm>
-            <a:off x="10272498" y="1522574"/>
-            <a:ext cx="791004" cy="653598"/>
-          </a:xfrm>
-          <a:prstGeom prst="cloud">
-            <a:avLst/>
-          </a:prstGeom>
-          <a:solidFill>
-            <a:schemeClr val="bg2">
-              <a:lumMod val="90000"/>
-            </a:schemeClr>
-          </a:solidFill>
-        </p:spPr>
-        <p:style>
-          <a:lnRef idx="2">
-            <a:schemeClr val="accent1">
-              <a:shade val="50000"/>
-            </a:schemeClr>
-          </a:lnRef>
-          <a:fillRef idx="1">
-            <a:schemeClr val="accent1"/>
-          </a:fillRef>
-          <a:effectRef idx="0">
-            <a:schemeClr val="accent1"/>
-          </a:effectRef>
-          <a:fontRef idx="minor">
-            <a:schemeClr val="lt1"/>
-          </a:fontRef>
-        </p:style>
-        <p:txBody>
-          <a:bodyPr rtlCol="0" anchor="ctr"/>
-          <a:lstStyle/>
-          <a:p>
-            <a:pPr algn="ctr"/>
-            <a:endParaRPr lang="en-US" dirty="0"/>
-          </a:p>
-        </p:txBody>
-      </p:sp>
       <p:pic>
         <p:nvPicPr>
-          <p:cNvPr id="56" name="Picture 55"/>
+          <p:cNvPr id="37" name="Picture 36"/>
           <p:cNvPicPr>
             <a:picLocks noChangeAspect="1"/>
           </p:cNvPicPr>
@@ -12451,184 +12248,7 @@
         </p:blipFill>
         <p:spPr>
           <a:xfrm>
-            <a:off x="11348115" y="1555988"/>
-            <a:ext cx="671607" cy="671607"/>
-          </a:xfrm>
-          <a:prstGeom prst="rect">
-            <a:avLst/>
-          </a:prstGeom>
-        </p:spPr>
-      </p:pic>
-      <p:cxnSp>
-        <p:nvCxnSpPr>
-          <p:cNvPr id="58" name="Straight Arrow Connector 57"/>
-          <p:cNvCxnSpPr>
-            <a:stCxn id="32" idx="3"/>
-            <a:endCxn id="56" idx="1"/>
-          </p:cNvCxnSpPr>
-          <p:nvPr/>
-        </p:nvCxnSpPr>
-        <p:spPr>
-          <a:xfrm flipV="1">
-            <a:off x="9668943" y="1891792"/>
-            <a:ext cx="1679172" cy="43491"/>
-          </a:xfrm>
-          <a:prstGeom prst="straightConnector1">
-            <a:avLst/>
-          </a:prstGeom>
-          <a:ln>
-            <a:tailEnd type="triangle"/>
-          </a:ln>
-        </p:spPr>
-        <p:style>
-          <a:lnRef idx="1">
-            <a:schemeClr val="accent1"/>
-          </a:lnRef>
-          <a:fillRef idx="0">
-            <a:schemeClr val="accent1"/>
-          </a:fillRef>
-          <a:effectRef idx="0">
-            <a:schemeClr val="accent1"/>
-          </a:effectRef>
-          <a:fontRef idx="minor">
-            <a:schemeClr val="tx1"/>
-          </a:fontRef>
-        </p:style>
-      </p:cxnSp>
-      <p:cxnSp>
-        <p:nvCxnSpPr>
-          <p:cNvPr id="63" name="Straight Arrow Connector 62"/>
-          <p:cNvCxnSpPr>
-            <a:stCxn id="31" idx="0"/>
-            <a:endCxn id="28" idx="2"/>
-          </p:cNvCxnSpPr>
-          <p:nvPr/>
-        </p:nvCxnSpPr>
-        <p:spPr>
-          <a:xfrm flipV="1">
-            <a:off x="3693234" y="1418160"/>
-            <a:ext cx="1023256" cy="2103807"/>
-          </a:xfrm>
-          <a:prstGeom prst="straightConnector1">
-            <a:avLst/>
-          </a:prstGeom>
-          <a:ln>
-            <a:headEnd type="triangle"/>
-            <a:tailEnd type="triangle"/>
-          </a:ln>
-        </p:spPr>
-        <p:style>
-          <a:lnRef idx="1">
-            <a:schemeClr val="accent1"/>
-          </a:lnRef>
-          <a:fillRef idx="0">
-            <a:schemeClr val="accent1"/>
-          </a:fillRef>
-          <a:effectRef idx="0">
-            <a:schemeClr val="accent1"/>
-          </a:effectRef>
-          <a:fontRef idx="minor">
-            <a:schemeClr val="tx1"/>
-          </a:fontRef>
-        </p:style>
-      </p:cxnSp>
-      <p:cxnSp>
-        <p:nvCxnSpPr>
-          <p:cNvPr id="65" name="Straight Arrow Connector 64"/>
-          <p:cNvCxnSpPr>
-            <a:stCxn id="31" idx="0"/>
-            <a:endCxn id="29" idx="2"/>
-          </p:cNvCxnSpPr>
-          <p:nvPr/>
-        </p:nvCxnSpPr>
-        <p:spPr>
-          <a:xfrm flipV="1">
-            <a:off x="3693234" y="2061664"/>
-            <a:ext cx="1011460" cy="1460303"/>
-          </a:xfrm>
-          <a:prstGeom prst="straightConnector1">
-            <a:avLst/>
-          </a:prstGeom>
-          <a:ln>
-            <a:headEnd type="triangle"/>
-            <a:tailEnd type="triangle"/>
-          </a:ln>
-        </p:spPr>
-        <p:style>
-          <a:lnRef idx="1">
-            <a:schemeClr val="accent1"/>
-          </a:lnRef>
-          <a:fillRef idx="0">
-            <a:schemeClr val="accent1"/>
-          </a:fillRef>
-          <a:effectRef idx="0">
-            <a:schemeClr val="accent1"/>
-          </a:effectRef>
-          <a:fontRef idx="minor">
-            <a:schemeClr val="tx1"/>
-          </a:fontRef>
-        </p:style>
-      </p:cxnSp>
-      <p:cxnSp>
-        <p:nvCxnSpPr>
-          <p:cNvPr id="68" name="Straight Arrow Connector 67"/>
-          <p:cNvCxnSpPr>
-            <a:stCxn id="31" idx="0"/>
-            <a:endCxn id="30" idx="2"/>
-          </p:cNvCxnSpPr>
-          <p:nvPr/>
-        </p:nvCxnSpPr>
-        <p:spPr>
-          <a:xfrm flipV="1">
-            <a:off x="3693234" y="2693293"/>
-            <a:ext cx="1031252" cy="828674"/>
-          </a:xfrm>
-          <a:prstGeom prst="straightConnector1">
-            <a:avLst/>
-          </a:prstGeom>
-          <a:ln>
-            <a:headEnd type="triangle"/>
-            <a:tailEnd type="triangle"/>
-          </a:ln>
-        </p:spPr>
-        <p:style>
-          <a:lnRef idx="1">
-            <a:schemeClr val="accent1"/>
-          </a:lnRef>
-          <a:fillRef idx="0">
-            <a:schemeClr val="accent1"/>
-          </a:fillRef>
-          <a:effectRef idx="0">
-            <a:schemeClr val="accent1"/>
-          </a:effectRef>
-          <a:fontRef idx="minor">
-            <a:schemeClr val="tx1"/>
-          </a:fontRef>
-        </p:style>
-      </p:cxnSp>
-      <p:pic>
-        <p:nvPicPr>
-          <p:cNvPr id="31" name="Picture 30"/>
-          <p:cNvPicPr>
-            <a:picLocks noChangeAspect="1"/>
-          </p:cNvPicPr>
-          <p:nvPr/>
-        </p:nvPicPr>
-        <p:blipFill>
-          <a:blip r:embed="rId5">
-            <a:extLst>
-              <a:ext uri="{28A0092B-C50C-407E-A947-70E740481C1C}">
-                <a14:useLocalDpi xmlns:a14="http://schemas.microsoft.com/office/drawing/2010/main" val="0"/>
-              </a:ext>
-            </a:extLst>
-          </a:blip>
-          <a:stretch>
-            <a:fillRect/>
-          </a:stretch>
-        </p:blipFill>
-        <p:spPr>
-          <a:xfrm>
-            <a:off x="3330048" y="3521967"/>
+            <a:off x="7376143" y="3373650"/>
             <a:ext cx="726372" cy="726372"/>
           </a:xfrm>
           <a:prstGeom prst="rect">
@@ -12639,7 +12259,7 @@
     </p:spTree>
     <p:extLst>
       <p:ext uri="{BB962C8B-B14F-4D97-AF65-F5344CB8AC3E}">
-        <p14:creationId xmlns:p14="http://schemas.microsoft.com/office/powerpoint/2010/main" val="257935025"/>
+        <p14:creationId xmlns:p14="http://schemas.microsoft.com/office/powerpoint/2010/main" val="1902379388"/>
       </p:ext>
     </p:extLst>
   </p:cSld>
@@ -12697,60 +12317,15 @@
           <a:p>
             <a:r>
               <a:rPr lang="en-US" dirty="0" smtClean="0"/>
-              <a:t>User Service</a:t>
-            </a:r>
-            <a:endParaRPr lang="en-US" dirty="0"/>
-          </a:p>
-        </p:txBody>
-      </p:sp>
-      <p:sp>
-        <p:nvSpPr>
-          <p:cNvPr id="17" name="Cloud 16"/>
-          <p:cNvSpPr/>
-          <p:nvPr/>
-        </p:nvSpPr>
-        <p:spPr>
-          <a:xfrm>
-            <a:off x="3243312" y="1153689"/>
-            <a:ext cx="791004" cy="653598"/>
-          </a:xfrm>
-          <a:prstGeom prst="cloud">
-            <a:avLst/>
-          </a:prstGeom>
-          <a:solidFill>
-            <a:schemeClr val="bg2">
-              <a:lumMod val="90000"/>
-            </a:schemeClr>
-          </a:solidFill>
-        </p:spPr>
-        <p:style>
-          <a:lnRef idx="2">
-            <a:schemeClr val="accent1">
-              <a:shade val="50000"/>
-            </a:schemeClr>
-          </a:lnRef>
-          <a:fillRef idx="1">
-            <a:schemeClr val="accent1"/>
-          </a:fillRef>
-          <a:effectRef idx="0">
-            <a:schemeClr val="accent1"/>
-          </a:effectRef>
-          <a:fontRef idx="minor">
-            <a:schemeClr val="lt1"/>
-          </a:fontRef>
-        </p:style>
-        <p:txBody>
-          <a:bodyPr rtlCol="0" anchor="ctr"/>
-          <a:lstStyle/>
-          <a:p>
-            <a:pPr algn="ctr"/>
+              <a:t>Instant Notification Service</a:t>
+            </a:r>
             <a:endParaRPr lang="en-US" dirty="0"/>
           </a:p>
         </p:txBody>
       </p:sp>
       <p:pic>
         <p:nvPicPr>
-          <p:cNvPr id="25" name="Picture 24"/>
+          <p:cNvPr id="22" name="Picture 21"/>
           <p:cNvPicPr>
             <a:picLocks noChangeAspect="1"/>
           </p:cNvPicPr>
@@ -12770,8 +12345,8 @@
         </p:blipFill>
         <p:spPr>
           <a:xfrm>
-            <a:off x="2102029" y="1142146"/>
-            <a:ext cx="671607" cy="671607"/>
+            <a:off x="439308" y="1157302"/>
+            <a:ext cx="517918" cy="517918"/>
           </a:xfrm>
           <a:prstGeom prst="rect">
             <a:avLst/>
@@ -12780,7 +12355,340 @@
       </p:pic>
       <p:pic>
         <p:nvPicPr>
-          <p:cNvPr id="27" name="Picture 26"/>
+          <p:cNvPr id="23" name="Picture 22"/>
+          <p:cNvPicPr>
+            <a:picLocks noChangeAspect="1"/>
+          </p:cNvPicPr>
+          <p:nvPr/>
+        </p:nvPicPr>
+        <p:blipFill>
+          <a:blip r:embed="rId2">
+            <a:extLst>
+              <a:ext uri="{28A0092B-C50C-407E-A947-70E740481C1C}">
+                <a14:useLocalDpi xmlns:a14="http://schemas.microsoft.com/office/drawing/2010/main" val="0"/>
+              </a:ext>
+            </a:extLst>
+          </a:blip>
+          <a:stretch>
+            <a:fillRect/>
+          </a:stretch>
+        </p:blipFill>
+        <p:spPr>
+          <a:xfrm>
+            <a:off x="439308" y="1800806"/>
+            <a:ext cx="517918" cy="517918"/>
+          </a:xfrm>
+          <a:prstGeom prst="rect">
+            <a:avLst/>
+          </a:prstGeom>
+        </p:spPr>
+      </p:pic>
+      <p:pic>
+        <p:nvPicPr>
+          <p:cNvPr id="24" name="Picture 23"/>
+          <p:cNvPicPr>
+            <a:picLocks noChangeAspect="1"/>
+          </p:cNvPicPr>
+          <p:nvPr/>
+        </p:nvPicPr>
+        <p:blipFill>
+          <a:blip r:embed="rId2">
+            <a:extLst>
+              <a:ext uri="{28A0092B-C50C-407E-A947-70E740481C1C}">
+                <a14:useLocalDpi xmlns:a14="http://schemas.microsoft.com/office/drawing/2010/main" val="0"/>
+              </a:ext>
+            </a:extLst>
+          </a:blip>
+          <a:stretch>
+            <a:fillRect/>
+          </a:stretch>
+        </p:blipFill>
+        <p:spPr>
+          <a:xfrm>
+            <a:off x="439308" y="2432435"/>
+            <a:ext cx="517918" cy="517918"/>
+          </a:xfrm>
+          <a:prstGeom prst="rect">
+            <a:avLst/>
+          </a:prstGeom>
+        </p:spPr>
+      </p:pic>
+      <p:sp>
+        <p:nvSpPr>
+          <p:cNvPr id="25" name="TextBox 24"/>
+          <p:cNvSpPr txBox="1"/>
+          <p:nvPr/>
+        </p:nvSpPr>
+        <p:spPr>
+          <a:xfrm>
+            <a:off x="983969" y="1359182"/>
+            <a:ext cx="3170501" cy="369332"/>
+          </a:xfrm>
+          <a:prstGeom prst="rect">
+            <a:avLst/>
+          </a:prstGeom>
+          <a:noFill/>
+        </p:spPr>
+        <p:txBody>
+          <a:bodyPr wrap="square" rtlCol="0">
+            <a:spAutoFit/>
+          </a:bodyPr>
+          <a:lstStyle/>
+          <a:p>
+            <a:r>
+              <a:rPr lang="en-US" dirty="0" smtClean="0"/>
+              <a:t>q_discount_product_p1 (High)</a:t>
+            </a:r>
+            <a:endParaRPr lang="en-US" dirty="0"/>
+          </a:p>
+        </p:txBody>
+      </p:sp>
+      <p:sp>
+        <p:nvSpPr>
+          <p:cNvPr id="26" name="TextBox 25"/>
+          <p:cNvSpPr txBox="1"/>
+          <p:nvPr/>
+        </p:nvSpPr>
+        <p:spPr>
+          <a:xfrm>
+            <a:off x="983969" y="2002686"/>
+            <a:ext cx="3477206" cy="369332"/>
+          </a:xfrm>
+          <a:prstGeom prst="rect">
+            <a:avLst/>
+          </a:prstGeom>
+          <a:noFill/>
+        </p:spPr>
+        <p:txBody>
+          <a:bodyPr wrap="square" rtlCol="0">
+            <a:spAutoFit/>
+          </a:bodyPr>
+          <a:lstStyle/>
+          <a:p>
+            <a:r>
+              <a:rPr lang="en-US" dirty="0" smtClean="0"/>
+              <a:t>q_discount_product_p2 (Medium)</a:t>
+            </a:r>
+            <a:endParaRPr lang="en-US" dirty="0"/>
+          </a:p>
+        </p:txBody>
+      </p:sp>
+      <p:sp>
+        <p:nvSpPr>
+          <p:cNvPr id="27" name="TextBox 26"/>
+          <p:cNvSpPr txBox="1"/>
+          <p:nvPr/>
+        </p:nvSpPr>
+        <p:spPr>
+          <a:xfrm>
+            <a:off x="983969" y="2634315"/>
+            <a:ext cx="3101155" cy="369332"/>
+          </a:xfrm>
+          <a:prstGeom prst="rect">
+            <a:avLst/>
+          </a:prstGeom>
+          <a:noFill/>
+        </p:spPr>
+        <p:txBody>
+          <a:bodyPr wrap="square" rtlCol="0">
+            <a:spAutoFit/>
+          </a:bodyPr>
+          <a:lstStyle/>
+          <a:p>
+            <a:r>
+              <a:rPr lang="en-US" dirty="0" smtClean="0"/>
+              <a:t>q_discount_product_p3 (Low)</a:t>
+            </a:r>
+            <a:endParaRPr lang="en-US" dirty="0"/>
+          </a:p>
+        </p:txBody>
+      </p:sp>
+      <p:sp>
+        <p:nvSpPr>
+          <p:cNvPr id="9" name="TextBox 8"/>
+          <p:cNvSpPr txBox="1"/>
+          <p:nvPr/>
+        </p:nvSpPr>
+        <p:spPr>
+          <a:xfrm>
+            <a:off x="696696" y="4940135"/>
+            <a:ext cx="7861465" cy="1015663"/>
+          </a:xfrm>
+          <a:prstGeom prst="rect">
+            <a:avLst/>
+          </a:prstGeom>
+          <a:noFill/>
+        </p:spPr>
+        <p:txBody>
+          <a:bodyPr wrap="square" rtlCol="0">
+            <a:spAutoFit/>
+          </a:bodyPr>
+          <a:lstStyle/>
+          <a:p>
+            <a:pPr marL="342900" indent="-342900">
+              <a:buFont typeface="Arial" charset="0"/>
+              <a:buChar char="•"/>
+            </a:pPr>
+            <a:r>
+              <a:rPr lang="en-US" sz="2000" dirty="0" smtClean="0"/>
+              <a:t>Get discount products from q_discount_product_p(n) queues.</a:t>
+            </a:r>
+          </a:p>
+          <a:p>
+            <a:pPr marL="342900" indent="-342900">
+              <a:buFont typeface="Arial" charset="0"/>
+              <a:buChar char="•"/>
+            </a:pPr>
+            <a:r>
+              <a:rPr lang="en-US" sz="2000" dirty="0" smtClean="0"/>
+              <a:t>Find the subscribers of the product’s category.</a:t>
+            </a:r>
+          </a:p>
+          <a:p>
+            <a:pPr marL="342900" indent="-342900">
+              <a:buFont typeface="Arial" charset="0"/>
+              <a:buChar char="•"/>
+            </a:pPr>
+            <a:r>
+              <a:rPr lang="en-US" sz="2000" dirty="0" smtClean="0"/>
+              <a:t>Start a new thread to send product discount information to users.</a:t>
+            </a:r>
+            <a:endParaRPr lang="en-US" sz="2000" dirty="0"/>
+          </a:p>
+        </p:txBody>
+      </p:sp>
+      <p:sp>
+        <p:nvSpPr>
+          <p:cNvPr id="28" name="Cube 27"/>
+          <p:cNvSpPr/>
+          <p:nvPr/>
+        </p:nvSpPr>
+        <p:spPr>
+          <a:xfrm>
+            <a:off x="4716490" y="1157302"/>
+            <a:ext cx="3370606" cy="417372"/>
+          </a:xfrm>
+          <a:prstGeom prst="cube">
+            <a:avLst/>
+          </a:prstGeom>
+          <a:solidFill>
+            <a:srgbClr val="00B0F0"/>
+          </a:solidFill>
+        </p:spPr>
+        <p:style>
+          <a:lnRef idx="2">
+            <a:schemeClr val="accent1">
+              <a:shade val="50000"/>
+            </a:schemeClr>
+          </a:lnRef>
+          <a:fillRef idx="1">
+            <a:schemeClr val="accent1"/>
+          </a:fillRef>
+          <a:effectRef idx="0">
+            <a:schemeClr val="accent1"/>
+          </a:effectRef>
+          <a:fontRef idx="minor">
+            <a:schemeClr val="lt1"/>
+          </a:fontRef>
+        </p:style>
+        <p:txBody>
+          <a:bodyPr rtlCol="0" anchor="ctr"/>
+          <a:lstStyle/>
+          <a:p>
+            <a:pPr algn="ctr"/>
+            <a:endParaRPr lang="en-US" dirty="0"/>
+          </a:p>
+        </p:txBody>
+      </p:sp>
+      <p:sp>
+        <p:nvSpPr>
+          <p:cNvPr id="29" name="Cube 28"/>
+          <p:cNvSpPr/>
+          <p:nvPr/>
+        </p:nvSpPr>
+        <p:spPr>
+          <a:xfrm>
+            <a:off x="4704694" y="1800806"/>
+            <a:ext cx="3382402" cy="417372"/>
+          </a:xfrm>
+          <a:prstGeom prst="cube">
+            <a:avLst/>
+          </a:prstGeom>
+          <a:solidFill>
+            <a:srgbClr val="00B0F0"/>
+          </a:solidFill>
+        </p:spPr>
+        <p:style>
+          <a:lnRef idx="2">
+            <a:schemeClr val="accent1">
+              <a:shade val="50000"/>
+            </a:schemeClr>
+          </a:lnRef>
+          <a:fillRef idx="1">
+            <a:schemeClr val="accent1"/>
+          </a:fillRef>
+          <a:effectRef idx="0">
+            <a:schemeClr val="accent1"/>
+          </a:effectRef>
+          <a:fontRef idx="minor">
+            <a:schemeClr val="lt1"/>
+          </a:fontRef>
+        </p:style>
+        <p:txBody>
+          <a:bodyPr rtlCol="0" anchor="ctr"/>
+          <a:lstStyle/>
+          <a:p>
+            <a:pPr algn="ctr"/>
+            <a:endParaRPr lang="en-US" dirty="0"/>
+          </a:p>
+        </p:txBody>
+      </p:sp>
+      <p:sp>
+        <p:nvSpPr>
+          <p:cNvPr id="30" name="Cube 29"/>
+          <p:cNvSpPr/>
+          <p:nvPr/>
+        </p:nvSpPr>
+        <p:spPr>
+          <a:xfrm>
+            <a:off x="4724486" y="2432435"/>
+            <a:ext cx="3362610" cy="417372"/>
+          </a:xfrm>
+          <a:prstGeom prst="cube">
+            <a:avLst/>
+          </a:prstGeom>
+          <a:solidFill>
+            <a:srgbClr val="00B0F0"/>
+          </a:solidFill>
+        </p:spPr>
+        <p:style>
+          <a:lnRef idx="2">
+            <a:schemeClr val="accent1">
+              <a:shade val="50000"/>
+            </a:schemeClr>
+          </a:lnRef>
+          <a:fillRef idx="1">
+            <a:schemeClr val="accent1"/>
+          </a:fillRef>
+          <a:effectRef idx="0">
+            <a:schemeClr val="accent1"/>
+          </a:effectRef>
+          <a:fontRef idx="minor">
+            <a:schemeClr val="lt1"/>
+          </a:fontRef>
+        </p:style>
+        <p:txBody>
+          <a:bodyPr rtlCol="0" anchor="ctr"/>
+          <a:lstStyle/>
+          <a:p>
+            <a:pPr algn="ctr"/>
+            <a:endParaRPr lang="en-US" dirty="0"/>
+          </a:p>
+        </p:txBody>
+      </p:sp>
+      <p:pic>
+        <p:nvPicPr>
+          <p:cNvPr id="32" name="Picture 31"/>
           <p:cNvPicPr>
             <a:picLocks noChangeAspect="1"/>
           </p:cNvPicPr>
@@ -12800,8 +12708,8 @@
         </p:blipFill>
         <p:spPr>
           <a:xfrm>
-            <a:off x="5374185" y="1064755"/>
-            <a:ext cx="959764" cy="959764"/>
+            <a:off x="8767853" y="1484738"/>
+            <a:ext cx="901090" cy="901090"/>
           </a:xfrm>
           <a:prstGeom prst="rect">
             <a:avLst/>
@@ -12810,57 +12718,107 @@
       </p:pic>
       <p:sp>
         <p:nvSpPr>
-          <p:cNvPr id="28" name="Cube 27"/>
-          <p:cNvSpPr/>
-          <p:nvPr/>
-        </p:nvSpPr>
-        <p:spPr>
-          <a:xfrm>
-            <a:off x="7015841" y="1288451"/>
-            <a:ext cx="1980955" cy="417372"/>
-          </a:xfrm>
-          <a:prstGeom prst="cube">
-            <a:avLst/>
-          </a:prstGeom>
-          <a:solidFill>
-            <a:srgbClr val="00B0F0"/>
-          </a:solidFill>
-        </p:spPr>
-        <p:style>
-          <a:lnRef idx="2">
-            <a:schemeClr val="accent1">
-              <a:shade val="50000"/>
-            </a:schemeClr>
-          </a:lnRef>
-          <a:fillRef idx="1">
-            <a:schemeClr val="accent1"/>
-          </a:fillRef>
-          <a:effectRef idx="0">
-            <a:schemeClr val="accent1"/>
-          </a:effectRef>
-          <a:fontRef idx="minor">
-            <a:schemeClr val="lt1"/>
-          </a:fontRef>
-        </p:style>
-        <p:txBody>
-          <a:bodyPr rtlCol="0" anchor="ctr"/>
-          <a:lstStyle/>
-          <a:p>
-            <a:pPr algn="ctr"/>
+          <p:cNvPr id="34" name="TextBox 33"/>
+          <p:cNvSpPr txBox="1"/>
+          <p:nvPr/>
+        </p:nvSpPr>
+        <p:spPr>
+          <a:xfrm>
+            <a:off x="4724486" y="1231595"/>
+            <a:ext cx="3362610" cy="369332"/>
+          </a:xfrm>
+          <a:prstGeom prst="rect">
+            <a:avLst/>
+          </a:prstGeom>
+          <a:noFill/>
+        </p:spPr>
+        <p:txBody>
+          <a:bodyPr wrap="square" rtlCol="0">
+            <a:spAutoFit/>
+          </a:bodyPr>
+          <a:lstStyle/>
+          <a:p>
+            <a:r>
+              <a:rPr lang="en-US" dirty="0" smtClean="0"/>
+              <a:t>Instant Notification Service (p1)</a:t>
+            </a:r>
+            <a:endParaRPr lang="en-US" dirty="0"/>
+          </a:p>
+        </p:txBody>
+      </p:sp>
+      <p:sp>
+        <p:nvSpPr>
+          <p:cNvPr id="35" name="TextBox 34"/>
+          <p:cNvSpPr txBox="1"/>
+          <p:nvPr/>
+        </p:nvSpPr>
+        <p:spPr>
+          <a:xfrm>
+            <a:off x="4724486" y="1897746"/>
+            <a:ext cx="3362610" cy="369332"/>
+          </a:xfrm>
+          <a:prstGeom prst="rect">
+            <a:avLst/>
+          </a:prstGeom>
+          <a:noFill/>
+        </p:spPr>
+        <p:txBody>
+          <a:bodyPr wrap="square" rtlCol="0">
+            <a:spAutoFit/>
+          </a:bodyPr>
+          <a:lstStyle/>
+          <a:p>
+            <a:r>
+              <a:rPr lang="en-US" dirty="0" smtClean="0"/>
+              <a:t>Instant Notification Service (p2)</a:t>
+            </a:r>
+            <a:endParaRPr lang="en-US" dirty="0"/>
+          </a:p>
+        </p:txBody>
+      </p:sp>
+      <p:sp>
+        <p:nvSpPr>
+          <p:cNvPr id="36" name="TextBox 35"/>
+          <p:cNvSpPr txBox="1"/>
+          <p:nvPr/>
+        </p:nvSpPr>
+        <p:spPr>
+          <a:xfrm>
+            <a:off x="4724486" y="2531324"/>
+            <a:ext cx="3362610" cy="369332"/>
+          </a:xfrm>
+          <a:prstGeom prst="rect">
+            <a:avLst/>
+          </a:prstGeom>
+          <a:noFill/>
+        </p:spPr>
+        <p:txBody>
+          <a:bodyPr wrap="square" rtlCol="0">
+            <a:spAutoFit/>
+          </a:bodyPr>
+          <a:lstStyle/>
+          <a:p>
+            <a:r>
+              <a:rPr lang="en-US" dirty="0" smtClean="0"/>
+              <a:t>Instant Notification Service (p3)</a:t>
+            </a:r>
             <a:endParaRPr lang="en-US" dirty="0"/>
           </a:p>
         </p:txBody>
       </p:sp>
       <p:cxnSp>
         <p:nvCxnSpPr>
-          <p:cNvPr id="8" name="Straight Arrow Connector 7"/>
-          <p:cNvCxnSpPr/>
+          <p:cNvPr id="11" name="Straight Arrow Connector 10"/>
+          <p:cNvCxnSpPr>
+            <a:stCxn id="22" idx="3"/>
+            <a:endCxn id="28" idx="2"/>
+          </p:cNvCxnSpPr>
           <p:nvPr/>
         </p:nvCxnSpPr>
         <p:spPr>
           <a:xfrm>
-            <a:off x="2842588" y="1335951"/>
-            <a:ext cx="2358805" cy="0"/>
+            <a:off x="957226" y="1416261"/>
+            <a:ext cx="3759264" cy="1899"/>
           </a:xfrm>
           <a:prstGeom prst="straightConnector1">
             <a:avLst/>
@@ -12886,86 +12844,22 @@
       </p:cxnSp>
       <p:cxnSp>
         <p:nvCxnSpPr>
-          <p:cNvPr id="10" name="Straight Arrow Connector 9"/>
-          <p:cNvCxnSpPr/>
+          <p:cNvPr id="39" name="Straight Arrow Connector 38"/>
+          <p:cNvCxnSpPr>
+            <a:stCxn id="23" idx="3"/>
+            <a:endCxn id="29" idx="2"/>
+          </p:cNvCxnSpPr>
           <p:nvPr/>
         </p:nvCxnSpPr>
         <p:spPr>
-          <a:xfrm flipH="1">
-            <a:off x="2842588" y="1675254"/>
-            <a:ext cx="2311303" cy="0"/>
+          <a:xfrm>
+            <a:off x="957226" y="2059765"/>
+            <a:ext cx="3747468" cy="1899"/>
           </a:xfrm>
           <a:prstGeom prst="straightConnector1">
             <a:avLst/>
           </a:prstGeom>
           <a:ln>
-            <a:tailEnd type="triangle"/>
-          </a:ln>
-        </p:spPr>
-        <p:style>
-          <a:lnRef idx="1">
-            <a:schemeClr val="accent1"/>
-          </a:lnRef>
-          <a:fillRef idx="0">
-            <a:schemeClr val="accent1"/>
-          </a:fillRef>
-          <a:effectRef idx="0">
-            <a:schemeClr val="accent1"/>
-          </a:effectRef>
-          <a:fontRef idx="minor">
-            <a:schemeClr val="tx1"/>
-          </a:fontRef>
-        </p:style>
-      </p:cxnSp>
-      <p:sp>
-        <p:nvSpPr>
-          <p:cNvPr id="31" name="TextBox 30"/>
-          <p:cNvSpPr txBox="1"/>
-          <p:nvPr/>
-        </p:nvSpPr>
-        <p:spPr>
-          <a:xfrm>
-            <a:off x="7015841" y="1374857"/>
-            <a:ext cx="1685522" cy="276999"/>
-          </a:xfrm>
-          <a:prstGeom prst="rect">
-            <a:avLst/>
-          </a:prstGeom>
-          <a:noFill/>
-        </p:spPr>
-        <p:txBody>
-          <a:bodyPr wrap="square" rtlCol="0">
-            <a:spAutoFit/>
-          </a:bodyPr>
-          <a:lstStyle/>
-          <a:p>
-            <a:r>
-              <a:rPr lang="en-US" sz="1200" dirty="0" smtClean="0"/>
-              <a:t>User Service</a:t>
-            </a:r>
-            <a:endParaRPr lang="en-US" sz="1200" dirty="0"/>
-          </a:p>
-        </p:txBody>
-      </p:sp>
-      <p:cxnSp>
-        <p:nvCxnSpPr>
-          <p:cNvPr id="34" name="Straight Arrow Connector 33"/>
-          <p:cNvCxnSpPr>
-            <a:stCxn id="27" idx="3"/>
-            <a:endCxn id="28" idx="2"/>
-          </p:cNvCxnSpPr>
-          <p:nvPr/>
-        </p:nvCxnSpPr>
-        <p:spPr>
-          <a:xfrm>
-            <a:off x="6333949" y="1544637"/>
-            <a:ext cx="681892" cy="4672"/>
-          </a:xfrm>
-          <a:prstGeom prst="straightConnector1">
-            <a:avLst/>
-          </a:prstGeom>
-          <a:ln>
-            <a:headEnd type="triangle"/>
             <a:tailEnd type="triangle"/>
           </a:ln>
         </p:spPr>
@@ -12986,23 +12880,22 @@
       </p:cxnSp>
       <p:cxnSp>
         <p:nvCxnSpPr>
-          <p:cNvPr id="36" name="Straight Arrow Connector 35"/>
+          <p:cNvPr id="42" name="Straight Arrow Connector 41"/>
           <p:cNvCxnSpPr>
-            <a:stCxn id="28" idx="3"/>
-            <a:endCxn id="14" idx="0"/>
+            <a:stCxn id="24" idx="3"/>
+            <a:endCxn id="30" idx="2"/>
           </p:cNvCxnSpPr>
           <p:nvPr/>
         </p:nvCxnSpPr>
         <p:spPr>
           <a:xfrm>
-            <a:off x="7954147" y="1705823"/>
-            <a:ext cx="0" cy="634290"/>
+            <a:off x="957226" y="2691394"/>
+            <a:ext cx="3767260" cy="1899"/>
           </a:xfrm>
           <a:prstGeom prst="straightConnector1">
             <a:avLst/>
           </a:prstGeom>
           <a:ln>
-            <a:headEnd type="triangle"/>
             <a:tailEnd type="triangle"/>
           </a:ln>
         </p:spPr>
@@ -13021,117 +12914,162 @@
           </a:fontRef>
         </p:style>
       </p:cxnSp>
-      <p:sp>
-        <p:nvSpPr>
-          <p:cNvPr id="39" name="TextBox 38"/>
-          <p:cNvSpPr txBox="1"/>
-          <p:nvPr/>
-        </p:nvSpPr>
-        <p:spPr>
-          <a:xfrm>
-            <a:off x="332509" y="3158841"/>
-            <a:ext cx="11542816" cy="3477875"/>
-          </a:xfrm>
-          <a:prstGeom prst="rect">
-            <a:avLst/>
-          </a:prstGeom>
-          <a:noFill/>
-        </p:spPr>
-        <p:txBody>
-          <a:bodyPr wrap="square" rtlCol="0">
-            <a:spAutoFit/>
-          </a:bodyPr>
-          <a:lstStyle/>
-          <a:p>
-            <a:pPr marL="342900" indent="-342900">
-              <a:buFont typeface="Arial" charset="0"/>
-              <a:buChar char="•"/>
-            </a:pPr>
-            <a:r>
-              <a:rPr lang="en-US" sz="2000" dirty="0" smtClean="0"/>
-              <a:t>Allow users to create/update/delete accounts and subscribe/unsubscribe categories.</a:t>
-            </a:r>
-          </a:p>
-          <a:p>
-            <a:pPr marL="342900" indent="-342900">
-              <a:buFont typeface="Arial" charset="0"/>
-              <a:buChar char="•"/>
-            </a:pPr>
-            <a:r>
-              <a:rPr lang="en-US" sz="2000" dirty="0" smtClean="0"/>
-              <a:t>Allow users to query for discount products in any category.</a:t>
-            </a:r>
-            <a:endParaRPr lang="en-US" sz="2000" dirty="0"/>
-          </a:p>
-          <a:p>
-            <a:endParaRPr lang="en-US" sz="2000" dirty="0" smtClean="0"/>
-          </a:p>
-          <a:p>
-            <a:r>
-              <a:rPr lang="en-US" sz="2000" dirty="0" smtClean="0"/>
-              <a:t>POST	/users								Create user</a:t>
-            </a:r>
-          </a:p>
-          <a:p>
-            <a:r>
-              <a:rPr lang="en-US" sz="2000" dirty="0" smtClean="0"/>
-              <a:t>PUT	/users/{userId}							Update user</a:t>
-            </a:r>
-          </a:p>
-          <a:p>
-            <a:r>
-              <a:rPr lang="en-US" sz="2000" dirty="0" smtClean="0"/>
-              <a:t>DELETE	/users/{userId}							Delete user</a:t>
-            </a:r>
-          </a:p>
-          <a:p>
-            <a:r>
-              <a:rPr lang="en-US" sz="2000" dirty="0" smtClean="0"/>
-              <a:t>POST	/users/{userId}/categories/{categoryId}				Subscribe category</a:t>
-            </a:r>
-          </a:p>
-          <a:p>
-            <a:r>
-              <a:rPr lang="en-US" sz="2000" dirty="0" smtClean="0"/>
-              <a:t>DELETE	/users/{userId}/categories/{categoryId}				Unsubscribe category</a:t>
-            </a:r>
-          </a:p>
-          <a:p>
-            <a:r>
-              <a:rPr lang="en-US" sz="2000" dirty="0" smtClean="0"/>
-              <a:t>GET	/users/categories</a:t>
-            </a:r>
-            <a:r>
-              <a:rPr lang="en-US" sz="2000" dirty="0"/>
-              <a:t>		</a:t>
-            </a:r>
-            <a:r>
-              <a:rPr lang="en-US" sz="2000" dirty="0" smtClean="0"/>
-              <a:t>					List </a:t>
-            </a:r>
-            <a:r>
-              <a:rPr lang="en-US" sz="2000" dirty="0"/>
-              <a:t>all categories</a:t>
-            </a:r>
-          </a:p>
-          <a:p>
-            <a:r>
-              <a:rPr lang="en-US" sz="2000" dirty="0" smtClean="0"/>
-              <a:t>GET	/users/deals?page=&lt;page#&gt;&amp;size=&lt;page size&gt;			Search deals</a:t>
-            </a:r>
-          </a:p>
-          <a:p>
-            <a:r>
-              <a:rPr lang="en-US" sz="2000" dirty="0" smtClean="0"/>
-              <a:t>	&amp;sortBy=&lt;field&gt;&amp;direction=&lt;ASC/DESC&gt;&amp;categoryId=&lt;categoryId&gt;</a:t>
-            </a:r>
-            <a:endParaRPr lang="en-US" sz="2000" dirty="0"/>
+      <p:cxnSp>
+        <p:nvCxnSpPr>
+          <p:cNvPr id="46" name="Straight Arrow Connector 45"/>
+          <p:cNvCxnSpPr>
+            <a:stCxn id="28" idx="5"/>
+            <a:endCxn id="32" idx="1"/>
+          </p:cNvCxnSpPr>
+          <p:nvPr/>
+        </p:nvCxnSpPr>
+        <p:spPr>
+          <a:xfrm>
+            <a:off x="8087096" y="1313817"/>
+            <a:ext cx="680757" cy="621466"/>
+          </a:xfrm>
+          <a:prstGeom prst="straightConnector1">
+            <a:avLst/>
+          </a:prstGeom>
+          <a:ln>
+            <a:tailEnd type="triangle"/>
+          </a:ln>
+        </p:spPr>
+        <p:style>
+          <a:lnRef idx="1">
+            <a:schemeClr val="accent1"/>
+          </a:lnRef>
+          <a:fillRef idx="0">
+            <a:schemeClr val="accent1"/>
+          </a:fillRef>
+          <a:effectRef idx="0">
+            <a:schemeClr val="accent1"/>
+          </a:effectRef>
+          <a:fontRef idx="minor">
+            <a:schemeClr val="tx1"/>
+          </a:fontRef>
+        </p:style>
+      </p:cxnSp>
+      <p:cxnSp>
+        <p:nvCxnSpPr>
+          <p:cNvPr id="49" name="Straight Arrow Connector 48"/>
+          <p:cNvCxnSpPr>
+            <a:stCxn id="29" idx="5"/>
+            <a:endCxn id="32" idx="1"/>
+          </p:cNvCxnSpPr>
+          <p:nvPr/>
+        </p:nvCxnSpPr>
+        <p:spPr>
+          <a:xfrm flipV="1">
+            <a:off x="8087096" y="1935283"/>
+            <a:ext cx="680757" cy="22038"/>
+          </a:xfrm>
+          <a:prstGeom prst="straightConnector1">
+            <a:avLst/>
+          </a:prstGeom>
+          <a:ln>
+            <a:tailEnd type="triangle"/>
+          </a:ln>
+        </p:spPr>
+        <p:style>
+          <a:lnRef idx="1">
+            <a:schemeClr val="accent1"/>
+          </a:lnRef>
+          <a:fillRef idx="0">
+            <a:schemeClr val="accent1"/>
+          </a:fillRef>
+          <a:effectRef idx="0">
+            <a:schemeClr val="accent1"/>
+          </a:effectRef>
+          <a:fontRef idx="minor">
+            <a:schemeClr val="tx1"/>
+          </a:fontRef>
+        </p:style>
+      </p:cxnSp>
+      <p:cxnSp>
+        <p:nvCxnSpPr>
+          <p:cNvPr id="52" name="Straight Arrow Connector 51"/>
+          <p:cNvCxnSpPr>
+            <a:stCxn id="30" idx="5"/>
+            <a:endCxn id="32" idx="1"/>
+          </p:cNvCxnSpPr>
+          <p:nvPr/>
+        </p:nvCxnSpPr>
+        <p:spPr>
+          <a:xfrm flipV="1">
+            <a:off x="8087096" y="1935283"/>
+            <a:ext cx="680757" cy="653667"/>
+          </a:xfrm>
+          <a:prstGeom prst="straightConnector1">
+            <a:avLst/>
+          </a:prstGeom>
+          <a:ln>
+            <a:tailEnd type="triangle"/>
+          </a:ln>
+        </p:spPr>
+        <p:style>
+          <a:lnRef idx="1">
+            <a:schemeClr val="accent1"/>
+          </a:lnRef>
+          <a:fillRef idx="0">
+            <a:schemeClr val="accent1"/>
+          </a:fillRef>
+          <a:effectRef idx="0">
+            <a:schemeClr val="accent1"/>
+          </a:effectRef>
+          <a:fontRef idx="minor">
+            <a:schemeClr val="tx1"/>
+          </a:fontRef>
+        </p:style>
+      </p:cxnSp>
+      <p:sp>
+        <p:nvSpPr>
+          <p:cNvPr id="55" name="Cloud 54"/>
+          <p:cNvSpPr/>
+          <p:nvPr/>
+        </p:nvSpPr>
+        <p:spPr>
+          <a:xfrm>
+            <a:off x="10272498" y="1522574"/>
+            <a:ext cx="791004" cy="653598"/>
+          </a:xfrm>
+          <a:prstGeom prst="cloud">
+            <a:avLst/>
+          </a:prstGeom>
+          <a:solidFill>
+            <a:schemeClr val="bg2">
+              <a:lumMod val="90000"/>
+            </a:schemeClr>
+          </a:solidFill>
+        </p:spPr>
+        <p:style>
+          <a:lnRef idx="2">
+            <a:schemeClr val="accent1">
+              <a:shade val="50000"/>
+            </a:schemeClr>
+          </a:lnRef>
+          <a:fillRef idx="1">
+            <a:schemeClr val="accent1"/>
+          </a:fillRef>
+          <a:effectRef idx="0">
+            <a:schemeClr val="accent1"/>
+          </a:effectRef>
+          <a:fontRef idx="minor">
+            <a:schemeClr val="lt1"/>
+          </a:fontRef>
+        </p:style>
+        <p:txBody>
+          <a:bodyPr rtlCol="0" anchor="ctr"/>
+          <a:lstStyle/>
+          <a:p>
+            <a:pPr algn="ctr"/>
+            <a:endParaRPr lang="en-US" dirty="0"/>
           </a:p>
         </p:txBody>
       </p:sp>
       <p:pic>
         <p:nvPicPr>
-          <p:cNvPr id="14" name="Picture 13"/>
+          <p:cNvPr id="56" name="Picture 55"/>
           <p:cNvPicPr>
             <a:picLocks noChangeAspect="1"/>
           </p:cNvPicPr>
@@ -13151,7 +13089,184 @@
         </p:blipFill>
         <p:spPr>
           <a:xfrm>
-            <a:off x="7590961" y="2340113"/>
+            <a:off x="11348115" y="1555988"/>
+            <a:ext cx="671607" cy="671607"/>
+          </a:xfrm>
+          <a:prstGeom prst="rect">
+            <a:avLst/>
+          </a:prstGeom>
+        </p:spPr>
+      </p:pic>
+      <p:cxnSp>
+        <p:nvCxnSpPr>
+          <p:cNvPr id="58" name="Straight Arrow Connector 57"/>
+          <p:cNvCxnSpPr>
+            <a:stCxn id="32" idx="3"/>
+            <a:endCxn id="56" idx="1"/>
+          </p:cNvCxnSpPr>
+          <p:nvPr/>
+        </p:nvCxnSpPr>
+        <p:spPr>
+          <a:xfrm flipV="1">
+            <a:off x="9668943" y="1891792"/>
+            <a:ext cx="1679172" cy="43491"/>
+          </a:xfrm>
+          <a:prstGeom prst="straightConnector1">
+            <a:avLst/>
+          </a:prstGeom>
+          <a:ln>
+            <a:tailEnd type="triangle"/>
+          </a:ln>
+        </p:spPr>
+        <p:style>
+          <a:lnRef idx="1">
+            <a:schemeClr val="accent1"/>
+          </a:lnRef>
+          <a:fillRef idx="0">
+            <a:schemeClr val="accent1"/>
+          </a:fillRef>
+          <a:effectRef idx="0">
+            <a:schemeClr val="accent1"/>
+          </a:effectRef>
+          <a:fontRef idx="minor">
+            <a:schemeClr val="tx1"/>
+          </a:fontRef>
+        </p:style>
+      </p:cxnSp>
+      <p:cxnSp>
+        <p:nvCxnSpPr>
+          <p:cNvPr id="63" name="Straight Arrow Connector 62"/>
+          <p:cNvCxnSpPr>
+            <a:stCxn id="31" idx="0"/>
+            <a:endCxn id="28" idx="2"/>
+          </p:cNvCxnSpPr>
+          <p:nvPr/>
+        </p:nvCxnSpPr>
+        <p:spPr>
+          <a:xfrm flipV="1">
+            <a:off x="3693234" y="1418160"/>
+            <a:ext cx="1023256" cy="2103807"/>
+          </a:xfrm>
+          <a:prstGeom prst="straightConnector1">
+            <a:avLst/>
+          </a:prstGeom>
+          <a:ln>
+            <a:headEnd type="triangle"/>
+            <a:tailEnd type="triangle"/>
+          </a:ln>
+        </p:spPr>
+        <p:style>
+          <a:lnRef idx="1">
+            <a:schemeClr val="accent1"/>
+          </a:lnRef>
+          <a:fillRef idx="0">
+            <a:schemeClr val="accent1"/>
+          </a:fillRef>
+          <a:effectRef idx="0">
+            <a:schemeClr val="accent1"/>
+          </a:effectRef>
+          <a:fontRef idx="minor">
+            <a:schemeClr val="tx1"/>
+          </a:fontRef>
+        </p:style>
+      </p:cxnSp>
+      <p:cxnSp>
+        <p:nvCxnSpPr>
+          <p:cNvPr id="65" name="Straight Arrow Connector 64"/>
+          <p:cNvCxnSpPr>
+            <a:stCxn id="31" idx="0"/>
+            <a:endCxn id="29" idx="2"/>
+          </p:cNvCxnSpPr>
+          <p:nvPr/>
+        </p:nvCxnSpPr>
+        <p:spPr>
+          <a:xfrm flipV="1">
+            <a:off x="3693234" y="2061664"/>
+            <a:ext cx="1011460" cy="1460303"/>
+          </a:xfrm>
+          <a:prstGeom prst="straightConnector1">
+            <a:avLst/>
+          </a:prstGeom>
+          <a:ln>
+            <a:headEnd type="triangle"/>
+            <a:tailEnd type="triangle"/>
+          </a:ln>
+        </p:spPr>
+        <p:style>
+          <a:lnRef idx="1">
+            <a:schemeClr val="accent1"/>
+          </a:lnRef>
+          <a:fillRef idx="0">
+            <a:schemeClr val="accent1"/>
+          </a:fillRef>
+          <a:effectRef idx="0">
+            <a:schemeClr val="accent1"/>
+          </a:effectRef>
+          <a:fontRef idx="minor">
+            <a:schemeClr val="tx1"/>
+          </a:fontRef>
+        </p:style>
+      </p:cxnSp>
+      <p:cxnSp>
+        <p:nvCxnSpPr>
+          <p:cNvPr id="68" name="Straight Arrow Connector 67"/>
+          <p:cNvCxnSpPr>
+            <a:stCxn id="31" idx="0"/>
+            <a:endCxn id="30" idx="2"/>
+          </p:cNvCxnSpPr>
+          <p:nvPr/>
+        </p:nvCxnSpPr>
+        <p:spPr>
+          <a:xfrm flipV="1">
+            <a:off x="3693234" y="2693293"/>
+            <a:ext cx="1031252" cy="828674"/>
+          </a:xfrm>
+          <a:prstGeom prst="straightConnector1">
+            <a:avLst/>
+          </a:prstGeom>
+          <a:ln>
+            <a:headEnd type="triangle"/>
+            <a:tailEnd type="triangle"/>
+          </a:ln>
+        </p:spPr>
+        <p:style>
+          <a:lnRef idx="1">
+            <a:schemeClr val="accent1"/>
+          </a:lnRef>
+          <a:fillRef idx="0">
+            <a:schemeClr val="accent1"/>
+          </a:fillRef>
+          <a:effectRef idx="0">
+            <a:schemeClr val="accent1"/>
+          </a:effectRef>
+          <a:fontRef idx="minor">
+            <a:schemeClr val="tx1"/>
+          </a:fontRef>
+        </p:style>
+      </p:cxnSp>
+      <p:pic>
+        <p:nvPicPr>
+          <p:cNvPr id="31" name="Picture 30"/>
+          <p:cNvPicPr>
+            <a:picLocks noChangeAspect="1"/>
+          </p:cNvPicPr>
+          <p:nvPr/>
+        </p:nvPicPr>
+        <p:blipFill>
+          <a:blip r:embed="rId5">
+            <a:extLst>
+              <a:ext uri="{28A0092B-C50C-407E-A947-70E740481C1C}">
+                <a14:useLocalDpi xmlns:a14="http://schemas.microsoft.com/office/drawing/2010/main" val="0"/>
+              </a:ext>
+            </a:extLst>
+          </a:blip>
+          <a:stretch>
+            <a:fillRect/>
+          </a:stretch>
+        </p:blipFill>
+        <p:spPr>
+          <a:xfrm>
+            <a:off x="3330048" y="3521967"/>
             <a:ext cx="726372" cy="726372"/>
           </a:xfrm>
           <a:prstGeom prst="rect">
@@ -13162,7 +13277,7 @@
     </p:spTree>
     <p:extLst>
       <p:ext uri="{BB962C8B-B14F-4D97-AF65-F5344CB8AC3E}">
-        <p14:creationId xmlns:p14="http://schemas.microsoft.com/office/powerpoint/2010/main" val="1506946782"/>
+        <p14:creationId xmlns:p14="http://schemas.microsoft.com/office/powerpoint/2010/main" val="257935025"/>
       </p:ext>
     </p:extLst>
   </p:cSld>

--- a/PriceMonitoringDesign.pptx
+++ b/PriceMonitoringDesign.pptx
@@ -5,7 +5,7 @@
     <p:sldMasterId id="2147483648" r:id="rId1"/>
   </p:sldMasterIdLst>
   <p:notesMasterIdLst>
-    <p:notesMasterId r:id="rId13"/>
+    <p:notesMasterId r:id="rId14"/>
   </p:notesMasterIdLst>
   <p:sldIdLst>
     <p:sldId id="272" r:id="rId2"/>
@@ -19,6 +19,7 @@
     <p:sldId id="259" r:id="rId10"/>
     <p:sldId id="261" r:id="rId11"/>
     <p:sldId id="269" r:id="rId12"/>
+    <p:sldId id="273" r:id="rId13"/>
   </p:sldIdLst>
   <p:sldSz cx="12192000" cy="6858000"/>
   <p:notesSz cx="6858000" cy="9144000"/>
@@ -133,6 +134,7 @@
             <p14:sldId id="259"/>
             <p14:sldId id="261"/>
             <p14:sldId id="269"/>
+            <p14:sldId id="273"/>
           </p14:sldIdLst>
         </p14:section>
         <p14:section name="Untitled Section" id="{2DCC702A-A243-DB4A-8C6D-24D6E5D6023D}">
@@ -229,7 +231,7 @@
           <a:p>
             <a:fld id="{822F189D-D7C4-2B4B-BA7D-F542C8765D31}" type="datetimeFigureOut">
               <a:rPr lang="en-US" smtClean="0"/>
-              <a:t>6/17/17</a:t>
+              <a:t>6/18/17</a:t>
             </a:fld>
             <a:endParaRPr lang="en-US" dirty="0"/>
           </a:p>
@@ -796,7 +798,7 @@
           <a:p>
             <a:fld id="{FE13B3C1-B50E-B844-B5EC-A0E6C3AA92EA}" type="datetimeFigureOut">
               <a:rPr lang="en-US" smtClean="0"/>
-              <a:t>6/17/17</a:t>
+              <a:t>6/18/17</a:t>
             </a:fld>
             <a:endParaRPr lang="en-US" dirty="0"/>
           </a:p>
@@ -966,7 +968,7 @@
           <a:p>
             <a:fld id="{FE13B3C1-B50E-B844-B5EC-A0E6C3AA92EA}" type="datetimeFigureOut">
               <a:rPr lang="en-US" smtClean="0"/>
-              <a:t>6/17/17</a:t>
+              <a:t>6/18/17</a:t>
             </a:fld>
             <a:endParaRPr lang="en-US" dirty="0"/>
           </a:p>
@@ -1146,7 +1148,7 @@
           <a:p>
             <a:fld id="{FE13B3C1-B50E-B844-B5EC-A0E6C3AA92EA}" type="datetimeFigureOut">
               <a:rPr lang="en-US" smtClean="0"/>
-              <a:t>6/17/17</a:t>
+              <a:t>6/18/17</a:t>
             </a:fld>
             <a:endParaRPr lang="en-US" dirty="0"/>
           </a:p>
@@ -1316,7 +1318,7 @@
           <a:p>
             <a:fld id="{FE13B3C1-B50E-B844-B5EC-A0E6C3AA92EA}" type="datetimeFigureOut">
               <a:rPr lang="en-US" smtClean="0"/>
-              <a:t>6/17/17</a:t>
+              <a:t>6/18/17</a:t>
             </a:fld>
             <a:endParaRPr lang="en-US" dirty="0"/>
           </a:p>
@@ -1562,7 +1564,7 @@
           <a:p>
             <a:fld id="{FE13B3C1-B50E-B844-B5EC-A0E6C3AA92EA}" type="datetimeFigureOut">
               <a:rPr lang="en-US" smtClean="0"/>
-              <a:t>6/17/17</a:t>
+              <a:t>6/18/17</a:t>
             </a:fld>
             <a:endParaRPr lang="en-US" dirty="0"/>
           </a:p>
@@ -1794,7 +1796,7 @@
           <a:p>
             <a:fld id="{FE13B3C1-B50E-B844-B5EC-A0E6C3AA92EA}" type="datetimeFigureOut">
               <a:rPr lang="en-US" smtClean="0"/>
-              <a:t>6/17/17</a:t>
+              <a:t>6/18/17</a:t>
             </a:fld>
             <a:endParaRPr lang="en-US" dirty="0"/>
           </a:p>
@@ -2161,7 +2163,7 @@
           <a:p>
             <a:fld id="{FE13B3C1-B50E-B844-B5EC-A0E6C3AA92EA}" type="datetimeFigureOut">
               <a:rPr lang="en-US" smtClean="0"/>
-              <a:t>6/17/17</a:t>
+              <a:t>6/18/17</a:t>
             </a:fld>
             <a:endParaRPr lang="en-US" dirty="0"/>
           </a:p>
@@ -2279,7 +2281,7 @@
           <a:p>
             <a:fld id="{FE13B3C1-B50E-B844-B5EC-A0E6C3AA92EA}" type="datetimeFigureOut">
               <a:rPr lang="en-US" smtClean="0"/>
-              <a:t>6/17/17</a:t>
+              <a:t>6/18/17</a:t>
             </a:fld>
             <a:endParaRPr lang="en-US" dirty="0"/>
           </a:p>
@@ -2374,7 +2376,7 @@
           <a:p>
             <a:fld id="{FE13B3C1-B50E-B844-B5EC-A0E6C3AA92EA}" type="datetimeFigureOut">
               <a:rPr lang="en-US" smtClean="0"/>
-              <a:t>6/17/17</a:t>
+              <a:t>6/18/17</a:t>
             </a:fld>
             <a:endParaRPr lang="en-US" dirty="0"/>
           </a:p>
@@ -2651,7 +2653,7 @@
           <a:p>
             <a:fld id="{FE13B3C1-B50E-B844-B5EC-A0E6C3AA92EA}" type="datetimeFigureOut">
               <a:rPr lang="en-US" smtClean="0"/>
-              <a:t>6/17/17</a:t>
+              <a:t>6/18/17</a:t>
             </a:fld>
             <a:endParaRPr lang="en-US" dirty="0"/>
           </a:p>
@@ -2904,7 +2906,7 @@
           <a:p>
             <a:fld id="{FE13B3C1-B50E-B844-B5EC-A0E6C3AA92EA}" type="datetimeFigureOut">
               <a:rPr lang="en-US" smtClean="0"/>
-              <a:t>6/17/17</a:t>
+              <a:t>6/18/17</a:t>
             </a:fld>
             <a:endParaRPr lang="en-US" dirty="0"/>
           </a:p>
@@ -3117,7 +3119,7 @@
           <a:p>
             <a:fld id="{FE13B3C1-B50E-B844-B5EC-A0E6C3AA92EA}" type="datetimeFigureOut">
               <a:rPr lang="en-US" smtClean="0"/>
-              <a:t>6/17/17</a:t>
+              <a:t>6/18/17</a:t>
             </a:fld>
             <a:endParaRPr lang="en-US" dirty="0"/>
           </a:p>
@@ -3673,7 +3675,7 @@
         </p:nvSpPr>
         <p:spPr>
           <a:xfrm>
-            <a:off x="3243312" y="1153689"/>
+            <a:off x="3243312" y="904314"/>
             <a:ext cx="791004" cy="653598"/>
           </a:xfrm>
           <a:prstGeom prst="cloud">
@@ -3732,7 +3734,7 @@
         </p:blipFill>
         <p:spPr>
           <a:xfrm>
-            <a:off x="2102029" y="1142146"/>
+            <a:off x="2102029" y="892771"/>
             <a:ext cx="671607" cy="671607"/>
           </a:xfrm>
           <a:prstGeom prst="rect">
@@ -3762,7 +3764,7 @@
         </p:blipFill>
         <p:spPr>
           <a:xfrm>
-            <a:off x="5374185" y="1064755"/>
+            <a:off x="5374185" y="815380"/>
             <a:ext cx="959764" cy="959764"/>
           </a:xfrm>
           <a:prstGeom prst="rect">
@@ -3778,7 +3780,7 @@
         </p:nvSpPr>
         <p:spPr>
           <a:xfrm>
-            <a:off x="7015841" y="1288451"/>
+            <a:off x="7015841" y="1039076"/>
             <a:ext cx="1980955" cy="417372"/>
           </a:xfrm>
           <a:prstGeom prst="cube">
@@ -3821,7 +3823,7 @@
         </p:nvCxnSpPr>
         <p:spPr>
           <a:xfrm>
-            <a:off x="2842588" y="1335951"/>
+            <a:off x="2842588" y="1086576"/>
             <a:ext cx="2358805" cy="0"/>
           </a:xfrm>
           <a:prstGeom prst="straightConnector1">
@@ -3854,7 +3856,7 @@
         </p:nvCxnSpPr>
         <p:spPr>
           <a:xfrm flipH="1">
-            <a:off x="2842588" y="1675254"/>
+            <a:off x="2842588" y="1425879"/>
             <a:ext cx="2311303" cy="0"/>
           </a:xfrm>
           <a:prstGeom prst="straightConnector1">
@@ -3887,7 +3889,7 @@
         </p:nvSpPr>
         <p:spPr>
           <a:xfrm>
-            <a:off x="7015841" y="1374857"/>
+            <a:off x="7015841" y="1125482"/>
             <a:ext cx="1685522" cy="276999"/>
           </a:xfrm>
           <a:prstGeom prst="rect">
@@ -3920,7 +3922,7 @@
         </p:nvCxnSpPr>
         <p:spPr>
           <a:xfrm>
-            <a:off x="6333949" y="1544637"/>
+            <a:off x="6333949" y="1295262"/>
             <a:ext cx="681892" cy="4672"/>
           </a:xfrm>
           <a:prstGeom prst="straightConnector1">
@@ -3957,7 +3959,7 @@
         </p:nvCxnSpPr>
         <p:spPr>
           <a:xfrm>
-            <a:off x="7954147" y="1705823"/>
+            <a:off x="7954147" y="1456448"/>
             <a:ext cx="0" cy="634290"/>
           </a:xfrm>
           <a:prstGeom prst="straightConnector1">
@@ -3991,8 +3993,8 @@
         </p:nvSpPr>
         <p:spPr>
           <a:xfrm>
-            <a:off x="332509" y="3158841"/>
-            <a:ext cx="11542816" cy="3477875"/>
+            <a:off x="332509" y="2861966"/>
+            <a:ext cx="11542816" cy="3785652"/>
           </a:xfrm>
           <a:prstGeom prst="rect">
             <a:avLst/>
@@ -4085,7 +4087,33 @@
           <a:p>
             <a:r>
               <a:rPr lang="en-US" sz="2000" dirty="0" smtClean="0"/>
-              <a:t>	&amp;sortBy=&lt;field&gt;&amp;direction=&lt;ASC/DESC&gt;&amp;categoryId=&lt;categoryId&gt;</a:t>
+              <a:t>	&amp;sortBy=&lt;field&gt;&amp;direction=&lt;ASC/DESC&gt;&amp;categoryId=&lt;</a:t>
+            </a:r>
+            <a:r>
+              <a:rPr lang="en-US" sz="2000" dirty="0" err="1" smtClean="0"/>
+              <a:t>categoryId</a:t>
+            </a:r>
+            <a:r>
+              <a:rPr lang="en-US" sz="2000" dirty="0" smtClean="0"/>
+              <a:t>&gt;</a:t>
+            </a:r>
+          </a:p>
+          <a:p>
+            <a:r>
+              <a:rPr lang="en-US" sz="2000" dirty="0"/>
+              <a:t>	</a:t>
+            </a:r>
+            <a:r>
+              <a:rPr lang="en-US" sz="2000" dirty="0" smtClean="0"/>
+              <a:t>&amp;</a:t>
+            </a:r>
+            <a:r>
+              <a:rPr lang="en-US" sz="2000" dirty="0" err="1" smtClean="0"/>
+              <a:t>minDiscountPercent</a:t>
+            </a:r>
+            <a:r>
+              <a:rPr lang="en-US" sz="2000" dirty="0" smtClean="0"/>
+              <a:t>=&lt;minimum discount percentage&gt;</a:t>
             </a:r>
             <a:endParaRPr lang="en-US" sz="2000" dirty="0"/>
           </a:p>
@@ -4113,7 +4141,7 @@
         </p:blipFill>
         <p:spPr>
           <a:xfrm>
-            <a:off x="7590961" y="2340113"/>
+            <a:off x="7590961" y="2090738"/>
             <a:ext cx="726372" cy="726372"/>
           </a:xfrm>
           <a:prstGeom prst="rect">
@@ -4479,6 +4507,68 @@
 </p:sld>
 </file>
 
+<file path=ppt/slides/slide12.xml><?xml version="1.0" encoding="utf-8"?>
+<p:sld xmlns:a="http://schemas.openxmlformats.org/drawingml/2006/main" xmlns:r="http://schemas.openxmlformats.org/officeDocument/2006/relationships" xmlns:p="http://schemas.openxmlformats.org/presentationml/2006/main">
+  <p:cSld>
+    <p:spTree>
+      <p:nvGrpSpPr>
+        <p:cNvPr id="1" name=""/>
+        <p:cNvGrpSpPr/>
+        <p:nvPr/>
+      </p:nvGrpSpPr>
+      <p:grpSpPr>
+        <a:xfrm>
+          <a:off x="0" y="0"/>
+          <a:ext cx="0" cy="0"/>
+          <a:chOff x="0" y="0"/>
+          <a:chExt cx="0" cy="0"/>
+        </a:xfrm>
+      </p:grpSpPr>
+      <p:sp>
+        <p:nvSpPr>
+          <p:cNvPr id="4" name="Title 3"/>
+          <p:cNvSpPr>
+            <a:spLocks noGrp="1"/>
+          </p:cNvSpPr>
+          <p:nvPr>
+            <p:ph type="ctrTitle"/>
+          </p:nvPr>
+        </p:nvSpPr>
+        <p:spPr/>
+        <p:txBody>
+          <a:bodyPr>
+            <a:normAutofit/>
+          </a:bodyPr>
+          <a:lstStyle/>
+          <a:p>
+            <a:r>
+              <a:rPr lang="en-US" sz="8000" dirty="0" smtClean="0"/>
+              <a:t>Demo</a:t>
+            </a:r>
+            <a:endParaRPr lang="en-US" sz="8000" dirty="0"/>
+          </a:p>
+        </p:txBody>
+      </p:sp>
+    </p:spTree>
+    <p:extLst>
+      <p:ext uri="{BB962C8B-B14F-4D97-AF65-F5344CB8AC3E}">
+        <p14:creationId xmlns:p14="http://schemas.microsoft.com/office/powerpoint/2010/main" val="510925425"/>
+      </p:ext>
+    </p:extLst>
+  </p:cSld>
+  <p:clrMapOvr>
+    <a:masterClrMapping/>
+  </p:clrMapOvr>
+  <p:timing>
+    <p:tnLst>
+      <p:par>
+        <p:cTn id="1" dur="indefinite" restart="never" nodeType="tmRoot"/>
+      </p:par>
+    </p:tnLst>
+  </p:timing>
+</p:sld>
+</file>
+
 <file path=ppt/slides/slide2.xml><?xml version="1.0" encoding="utf-8"?>
 <p:sld xmlns:a="http://schemas.openxmlformats.org/drawingml/2006/main" xmlns:r="http://schemas.openxmlformats.org/officeDocument/2006/relationships" xmlns:p="http://schemas.openxmlformats.org/presentationml/2006/main">
   <p:cSld>
@@ -6998,17 +7088,19 @@
             </a:pPr>
             <a:r>
               <a:rPr lang="en-US" sz="1800" dirty="0" smtClean="0"/>
-              <a:t>id</a:t>
-            </a:r>
+              <a:t>Id</a:t>
+            </a:r>
+            <a:endParaRPr lang="en-US" sz="1800" dirty="0" smtClean="0"/>
           </a:p>
           <a:p>
             <a:pPr marL="0" indent="0">
               <a:buNone/>
             </a:pPr>
             <a:r>
-              <a:rPr lang="en-US" sz="1800" dirty="0" smtClean="0"/>
+              <a:rPr lang="en-US" sz="1800" dirty="0" err="1" smtClean="0"/>
               <a:t>category_name</a:t>
             </a:r>
+            <a:endParaRPr lang="en-US" sz="1800" dirty="0" smtClean="0"/>
           </a:p>
           <a:p>
             <a:pPr marL="0" indent="0">
@@ -7304,8 +7396,9 @@
             </a:pPr>
             <a:r>
               <a:rPr lang="en-US" sz="1800" dirty="0" smtClean="0"/>
-              <a:t>id</a:t>
-            </a:r>
+              <a:t>Id</a:t>
+            </a:r>
+            <a:endParaRPr lang="en-US" sz="1800" dirty="0" smtClean="0"/>
           </a:p>
           <a:p>
             <a:pPr marL="0" indent="0">
@@ -7313,9 +7406,10 @@
               <a:buNone/>
             </a:pPr>
             <a:r>
-              <a:rPr lang="en-US" sz="1800" dirty="0" smtClean="0"/>
+              <a:rPr lang="en-US" sz="1800" dirty="0" err="1" smtClean="0"/>
               <a:t>category_id</a:t>
             </a:r>
+            <a:endParaRPr lang="en-US" sz="1800" dirty="0" smtClean="0"/>
           </a:p>
           <a:p>
             <a:pPr marL="0" indent="0">
@@ -7323,13 +7417,10 @@
               <a:buNone/>
             </a:pPr>
             <a:r>
-              <a:rPr lang="en-US" sz="1800" dirty="0"/>
-              <a:t>p</a:t>
-            </a:r>
-            <a:r>
               <a:rPr lang="en-US" sz="1800" dirty="0" smtClean="0"/>
-              <a:t>riority</a:t>
-            </a:r>
+              <a:t>Priority</a:t>
+            </a:r>
+            <a:endParaRPr lang="en-US" sz="1800" dirty="0" smtClean="0"/>
           </a:p>
           <a:p>
             <a:pPr marL="0" indent="0">
@@ -8104,6 +8195,7 @@
               <a:rPr lang="en-US" sz="1800" dirty="0" smtClean="0"/>
               <a:t>id</a:t>
             </a:r>
+            <a:endParaRPr lang="en-US" sz="1800" dirty="0" smtClean="0"/>
           </a:p>
           <a:p>
             <a:pPr marL="0" indent="0">
@@ -8111,13 +8203,10 @@
               <a:buNone/>
             </a:pPr>
             <a:r>
-              <a:rPr lang="en-US" sz="1800" dirty="0"/>
-              <a:t>p</a:t>
-            </a:r>
-            <a:r>
-              <a:rPr lang="en-US" sz="1800" dirty="0" smtClean="0"/>
-              <a:t>roduct_id</a:t>
-            </a:r>
+              <a:rPr lang="en-US" sz="1800" dirty="0" err="1" smtClean="0"/>
+              <a:t>product_id</a:t>
+            </a:r>
+            <a:endParaRPr lang="en-US" sz="1800" dirty="0" smtClean="0"/>
           </a:p>
           <a:p>
             <a:pPr marL="0" indent="0">

--- a/PriceMonitoringDesign.pptx
+++ b/PriceMonitoringDesign.pptx
@@ -231,7 +231,7 @@
           <a:p>
             <a:fld id="{822F189D-D7C4-2B4B-BA7D-F542C8765D31}" type="datetimeFigureOut">
               <a:rPr lang="en-US" smtClean="0"/>
-              <a:t>6/18/17</a:t>
+              <a:t>6/20/17</a:t>
             </a:fld>
             <a:endParaRPr lang="en-US" dirty="0"/>
           </a:p>
@@ -798,7 +798,7 @@
           <a:p>
             <a:fld id="{FE13B3C1-B50E-B844-B5EC-A0E6C3AA92EA}" type="datetimeFigureOut">
               <a:rPr lang="en-US" smtClean="0"/>
-              <a:t>6/18/17</a:t>
+              <a:t>6/20/17</a:t>
             </a:fld>
             <a:endParaRPr lang="en-US" dirty="0"/>
           </a:p>
@@ -968,7 +968,7 @@
           <a:p>
             <a:fld id="{FE13B3C1-B50E-B844-B5EC-A0E6C3AA92EA}" type="datetimeFigureOut">
               <a:rPr lang="en-US" smtClean="0"/>
-              <a:t>6/18/17</a:t>
+              <a:t>6/20/17</a:t>
             </a:fld>
             <a:endParaRPr lang="en-US" dirty="0"/>
           </a:p>
@@ -1148,7 +1148,7 @@
           <a:p>
             <a:fld id="{FE13B3C1-B50E-B844-B5EC-A0E6C3AA92EA}" type="datetimeFigureOut">
               <a:rPr lang="en-US" smtClean="0"/>
-              <a:t>6/18/17</a:t>
+              <a:t>6/20/17</a:t>
             </a:fld>
             <a:endParaRPr lang="en-US" dirty="0"/>
           </a:p>
@@ -1318,7 +1318,7 @@
           <a:p>
             <a:fld id="{FE13B3C1-B50E-B844-B5EC-A0E6C3AA92EA}" type="datetimeFigureOut">
               <a:rPr lang="en-US" smtClean="0"/>
-              <a:t>6/18/17</a:t>
+              <a:t>6/20/17</a:t>
             </a:fld>
             <a:endParaRPr lang="en-US" dirty="0"/>
           </a:p>
@@ -1564,7 +1564,7 @@
           <a:p>
             <a:fld id="{FE13B3C1-B50E-B844-B5EC-A0E6C3AA92EA}" type="datetimeFigureOut">
               <a:rPr lang="en-US" smtClean="0"/>
-              <a:t>6/18/17</a:t>
+              <a:t>6/20/17</a:t>
             </a:fld>
             <a:endParaRPr lang="en-US" dirty="0"/>
           </a:p>
@@ -1796,7 +1796,7 @@
           <a:p>
             <a:fld id="{FE13B3C1-B50E-B844-B5EC-A0E6C3AA92EA}" type="datetimeFigureOut">
               <a:rPr lang="en-US" smtClean="0"/>
-              <a:t>6/18/17</a:t>
+              <a:t>6/20/17</a:t>
             </a:fld>
             <a:endParaRPr lang="en-US" dirty="0"/>
           </a:p>
@@ -2163,7 +2163,7 @@
           <a:p>
             <a:fld id="{FE13B3C1-B50E-B844-B5EC-A0E6C3AA92EA}" type="datetimeFigureOut">
               <a:rPr lang="en-US" smtClean="0"/>
-              <a:t>6/18/17</a:t>
+              <a:t>6/20/17</a:t>
             </a:fld>
             <a:endParaRPr lang="en-US" dirty="0"/>
           </a:p>
@@ -2281,7 +2281,7 @@
           <a:p>
             <a:fld id="{FE13B3C1-B50E-B844-B5EC-A0E6C3AA92EA}" type="datetimeFigureOut">
               <a:rPr lang="en-US" smtClean="0"/>
-              <a:t>6/18/17</a:t>
+              <a:t>6/20/17</a:t>
             </a:fld>
             <a:endParaRPr lang="en-US" dirty="0"/>
           </a:p>
@@ -2376,7 +2376,7 @@
           <a:p>
             <a:fld id="{FE13B3C1-B50E-B844-B5EC-A0E6C3AA92EA}" type="datetimeFigureOut">
               <a:rPr lang="en-US" smtClean="0"/>
-              <a:t>6/18/17</a:t>
+              <a:t>6/20/17</a:t>
             </a:fld>
             <a:endParaRPr lang="en-US" dirty="0"/>
           </a:p>
@@ -2653,7 +2653,7 @@
           <a:p>
             <a:fld id="{FE13B3C1-B50E-B844-B5EC-A0E6C3AA92EA}" type="datetimeFigureOut">
               <a:rPr lang="en-US" smtClean="0"/>
-              <a:t>6/18/17</a:t>
+              <a:t>6/20/17</a:t>
             </a:fld>
             <a:endParaRPr lang="en-US" dirty="0"/>
           </a:p>
@@ -2906,7 +2906,7 @@
           <a:p>
             <a:fld id="{FE13B3C1-B50E-B844-B5EC-A0E6C3AA92EA}" type="datetimeFigureOut">
               <a:rPr lang="en-US" smtClean="0"/>
-              <a:t>6/18/17</a:t>
+              <a:t>6/20/17</a:t>
             </a:fld>
             <a:endParaRPr lang="en-US" dirty="0"/>
           </a:p>
@@ -3119,7 +3119,7 @@
           <a:p>
             <a:fld id="{FE13B3C1-B50E-B844-B5EC-A0E6C3AA92EA}" type="datetimeFigureOut">
               <a:rPr lang="en-US" smtClean="0"/>
-              <a:t>6/18/17</a:t>
+              <a:t>6/20/17</a:t>
             </a:fld>
             <a:endParaRPr lang="en-US" dirty="0"/>
           </a:p>
@@ -3960,7 +3960,7 @@
         <p:spPr>
           <a:xfrm>
             <a:off x="7954147" y="1456448"/>
-            <a:ext cx="0" cy="634290"/>
+            <a:ext cx="0" cy="491790"/>
           </a:xfrm>
           <a:prstGeom prst="straightConnector1">
             <a:avLst/>
@@ -3993,8 +3993,8 @@
         </p:nvSpPr>
         <p:spPr>
           <a:xfrm>
-            <a:off x="332509" y="2861966"/>
-            <a:ext cx="11542816" cy="3785652"/>
+            <a:off x="332509" y="2695716"/>
+            <a:ext cx="11542816" cy="4093428"/>
           </a:xfrm>
           <a:prstGeom prst="rect">
             <a:avLst/>
@@ -4051,13 +4051,75 @@
           <a:p>
             <a:r>
               <a:rPr lang="en-US" sz="2000" dirty="0" smtClean="0"/>
-              <a:t>POST	/users/{userId}/categories/{categoryId}				Subscribe category</a:t>
-            </a:r>
-          </a:p>
-          <a:p>
+              <a:t>POST	/</a:t>
+            </a:r>
             <a:r>
               <a:rPr lang="en-US" sz="2000" dirty="0" smtClean="0"/>
-              <a:t>DELETE	/users/{userId}/categories/{categoryId}				Unsubscribe category</a:t>
+              <a:t>users/{</a:t>
+            </a:r>
+            <a:r>
+              <a:rPr lang="en-US" sz="2000" dirty="0" err="1" smtClean="0"/>
+              <a:t>userId</a:t>
+            </a:r>
+            <a:r>
+              <a:rPr lang="en-US" sz="2000" dirty="0" smtClean="0"/>
+              <a:t>}/categories			</a:t>
+            </a:r>
+            <a:r>
+              <a:rPr lang="en-US" sz="2000" dirty="0" smtClean="0"/>
+              <a:t>			</a:t>
+            </a:r>
+            <a:r>
+              <a:rPr lang="en-US" sz="2000" dirty="0" smtClean="0"/>
+              <a:t>Subscribe </a:t>
+            </a:r>
+            <a:r>
+              <a:rPr lang="en-US" sz="2000" dirty="0" smtClean="0"/>
+              <a:t>category</a:t>
+            </a:r>
+          </a:p>
+          <a:p>
+            <a:r>
+              <a:rPr lang="en-US" sz="2000" dirty="0" smtClean="0"/>
+              <a:t>PUT</a:t>
+            </a:r>
+            <a:r>
+              <a:rPr lang="en-US" sz="2000" dirty="0"/>
+              <a:t>	/</a:t>
+            </a:r>
+            <a:r>
+              <a:rPr lang="en-US" sz="2000" dirty="0" smtClean="0"/>
+              <a:t>users/{</a:t>
+            </a:r>
+            <a:r>
+              <a:rPr lang="en-US" sz="2000" dirty="0" err="1" smtClean="0"/>
+              <a:t>userId</a:t>
+            </a:r>
+            <a:r>
+              <a:rPr lang="en-US" sz="2000" dirty="0" smtClean="0"/>
+              <a:t>}/categories</a:t>
+            </a:r>
+            <a:r>
+              <a:rPr lang="en-US" sz="2000" dirty="0"/>
+              <a:t>						</a:t>
+            </a:r>
+            <a:r>
+              <a:rPr lang="en-US" sz="2000" dirty="0" smtClean="0"/>
+              <a:t>Update subscribed </a:t>
+            </a:r>
+            <a:r>
+              <a:rPr lang="en-US" sz="2000" dirty="0"/>
+              <a:t>category</a:t>
+            </a:r>
+          </a:p>
+          <a:p>
+            <a:r>
+              <a:rPr lang="en-US" sz="2000" dirty="0" smtClean="0"/>
+              <a:t>DELETE</a:t>
+            </a:r>
+            <a:r>
+              <a:rPr lang="en-US" sz="2000" dirty="0" smtClean="0"/>
+              <a:t>	/users/{userId}/categories/{categoryId}				Unsubscribe category</a:t>
             </a:r>
           </a:p>
           <a:p>
@@ -4113,9 +4175,12 @@
             </a:r>
             <a:r>
               <a:rPr lang="en-US" sz="2000" dirty="0" smtClean="0"/>
-              <a:t>=&lt;minimum discount percentage&gt;</a:t>
-            </a:r>
-            <a:endParaRPr lang="en-US" sz="2000" dirty="0"/>
+              <a:t>=&lt;minimum discount percentage</a:t>
+            </a:r>
+            <a:r>
+              <a:rPr lang="en-US" sz="2000" dirty="0" smtClean="0"/>
+              <a:t>&gt;</a:t>
+            </a:r>
           </a:p>
         </p:txBody>
       </p:sp>
@@ -4141,7 +4206,7 @@
         </p:blipFill>
         <p:spPr>
           <a:xfrm>
-            <a:off x="7590961" y="2090738"/>
+            <a:off x="7590961" y="1948238"/>
             <a:ext cx="726372" cy="726372"/>
           </a:xfrm>
           <a:prstGeom prst="rect">
@@ -7090,7 +7155,6 @@
               <a:rPr lang="en-US" sz="1800" dirty="0" smtClean="0"/>
               <a:t>Id</a:t>
             </a:r>
-            <a:endParaRPr lang="en-US" sz="1800" dirty="0" smtClean="0"/>
           </a:p>
           <a:p>
             <a:pPr marL="0" indent="0">
@@ -7398,7 +7462,6 @@
               <a:rPr lang="en-US" sz="1800" dirty="0" smtClean="0"/>
               <a:t>Id</a:t>
             </a:r>
-            <a:endParaRPr lang="en-US" sz="1800" dirty="0" smtClean="0"/>
           </a:p>
           <a:p>
             <a:pPr marL="0" indent="0">
@@ -7420,7 +7483,6 @@
               <a:rPr lang="en-US" sz="1800" dirty="0" smtClean="0"/>
               <a:t>Priority</a:t>
             </a:r>
-            <a:endParaRPr lang="en-US" sz="1800" dirty="0" smtClean="0"/>
           </a:p>
           <a:p>
             <a:pPr marL="0" indent="0">
@@ -7704,9 +7766,24 @@
               <a:buNone/>
             </a:pPr>
             <a:r>
-              <a:rPr lang="en-US" sz="1800" dirty="0" smtClean="0"/>
+              <a:rPr lang="en-US" sz="1800" dirty="0" err="1" smtClean="0"/>
               <a:t>category_id</a:t>
             </a:r>
+            <a:endParaRPr lang="en-US" sz="1800" dirty="0" smtClean="0"/>
+          </a:p>
+          <a:p>
+            <a:pPr marL="0" indent="0">
+              <a:buNone/>
+            </a:pPr>
+            <a:r>
+              <a:rPr lang="en-US" sz="1800" dirty="0" err="1"/>
+              <a:t>m</a:t>
+            </a:r>
+            <a:r>
+              <a:rPr lang="en-US" sz="1800" dirty="0" err="1" smtClean="0"/>
+              <a:t>in_discount_percent</a:t>
+            </a:r>
+            <a:endParaRPr lang="en-US" sz="1800" dirty="0" smtClean="0"/>
           </a:p>
           <a:p>
             <a:pPr marL="0" indent="0">
@@ -8195,7 +8272,6 @@
               <a:rPr lang="en-US" sz="1800" dirty="0" smtClean="0"/>
               <a:t>id</a:t>
             </a:r>
-            <a:endParaRPr lang="en-US" sz="1800" dirty="0" smtClean="0"/>
           </a:p>
           <a:p>
             <a:pPr marL="0" indent="0">
@@ -12198,7 +12274,23 @@
             </a:pPr>
             <a:r>
               <a:rPr lang="en-US" sz="2000" dirty="0" smtClean="0"/>
-              <a:t>Update cache and DB with new price if price is changed.</a:t>
+              <a:t>Update cache and DB with new price </a:t>
+            </a:r>
+            <a:r>
+              <a:rPr lang="en-US" sz="2000" dirty="0" smtClean="0"/>
+              <a:t>and </a:t>
+            </a:r>
+            <a:r>
+              <a:rPr lang="en-US" sz="2000" dirty="0" err="1" smtClean="0"/>
+              <a:t>discountPercent</a:t>
+            </a:r>
+            <a:r>
+              <a:rPr lang="en-US" sz="2000" dirty="0" smtClean="0"/>
+              <a:t> if </a:t>
+            </a:r>
+            <a:r>
+              <a:rPr lang="en-US" sz="2000" dirty="0" smtClean="0"/>
+              <a:t>price is changed.</a:t>
             </a:r>
             <a:endParaRPr lang="en-US" sz="2000" dirty="0"/>
           </a:p>
@@ -12601,7 +12693,7 @@
         <p:spPr>
           <a:xfrm>
             <a:off x="696696" y="4940135"/>
-            <a:ext cx="7861465" cy="1015663"/>
+            <a:ext cx="11178629" cy="1323439"/>
           </a:xfrm>
           <a:prstGeom prst="rect">
             <a:avLst/>
@@ -12630,8 +12722,37 @@
             </a:pPr>
             <a:r>
               <a:rPr lang="en-US" sz="2000" dirty="0" smtClean="0"/>
-              <a:t>Find the subscribers of the product’s category.</a:t>
-            </a:r>
+              <a:t>Find the </a:t>
+            </a:r>
+            <a:r>
+              <a:rPr lang="en-US" sz="2000" dirty="0" smtClean="0"/>
+              <a:t>subscribers: </a:t>
+            </a:r>
+            <a:r>
+              <a:rPr lang="en-US" sz="2000" dirty="0" smtClean="0"/>
+              <a:t>of the product’s </a:t>
+            </a:r>
+            <a:r>
+              <a:rPr lang="en-US" sz="2000" dirty="0" smtClean="0"/>
+              <a:t>category whose </a:t>
+            </a:r>
+            <a:r>
+              <a:rPr lang="en-US" sz="2000" dirty="0" err="1" smtClean="0"/>
+              <a:t>minDiscountPercent</a:t>
+            </a:r>
+            <a:r>
+              <a:rPr lang="en-US" sz="2000" dirty="0" smtClean="0"/>
+              <a:t> &lt;= product’s </a:t>
+            </a:r>
+            <a:r>
+              <a:rPr lang="en-US" sz="2000" dirty="0" err="1" smtClean="0"/>
+              <a:t>discountPercent</a:t>
+            </a:r>
+            <a:r>
+              <a:rPr lang="en-US" sz="2000" dirty="0" smtClean="0"/>
+              <a:t>.</a:t>
+            </a:r>
+            <a:endParaRPr lang="en-US" sz="2000" dirty="0" smtClean="0"/>
           </a:p>
           <a:p>
             <a:pPr marL="342900" indent="-342900">

--- a/PriceMonitoringDesign.pptx
+++ b/PriceMonitoringDesign.pptx
@@ -231,7 +231,7 @@
           <a:p>
             <a:fld id="{822F189D-D7C4-2B4B-BA7D-F542C8765D31}" type="datetimeFigureOut">
               <a:rPr lang="en-US" smtClean="0"/>
-              <a:t>6/20/17</a:t>
+              <a:t>6/21/17</a:t>
             </a:fld>
             <a:endParaRPr lang="en-US" dirty="0"/>
           </a:p>
@@ -798,7 +798,7 @@
           <a:p>
             <a:fld id="{FE13B3C1-B50E-B844-B5EC-A0E6C3AA92EA}" type="datetimeFigureOut">
               <a:rPr lang="en-US" smtClean="0"/>
-              <a:t>6/20/17</a:t>
+              <a:t>6/21/17</a:t>
             </a:fld>
             <a:endParaRPr lang="en-US" dirty="0"/>
           </a:p>
@@ -968,7 +968,7 @@
           <a:p>
             <a:fld id="{FE13B3C1-B50E-B844-B5EC-A0E6C3AA92EA}" type="datetimeFigureOut">
               <a:rPr lang="en-US" smtClean="0"/>
-              <a:t>6/20/17</a:t>
+              <a:t>6/21/17</a:t>
             </a:fld>
             <a:endParaRPr lang="en-US" dirty="0"/>
           </a:p>
@@ -1148,7 +1148,7 @@
           <a:p>
             <a:fld id="{FE13B3C1-B50E-B844-B5EC-A0E6C3AA92EA}" type="datetimeFigureOut">
               <a:rPr lang="en-US" smtClean="0"/>
-              <a:t>6/20/17</a:t>
+              <a:t>6/21/17</a:t>
             </a:fld>
             <a:endParaRPr lang="en-US" dirty="0"/>
           </a:p>
@@ -1318,7 +1318,7 @@
           <a:p>
             <a:fld id="{FE13B3C1-B50E-B844-B5EC-A0E6C3AA92EA}" type="datetimeFigureOut">
               <a:rPr lang="en-US" smtClean="0"/>
-              <a:t>6/20/17</a:t>
+              <a:t>6/21/17</a:t>
             </a:fld>
             <a:endParaRPr lang="en-US" dirty="0"/>
           </a:p>
@@ -1564,7 +1564,7 @@
           <a:p>
             <a:fld id="{FE13B3C1-B50E-B844-B5EC-A0E6C3AA92EA}" type="datetimeFigureOut">
               <a:rPr lang="en-US" smtClean="0"/>
-              <a:t>6/20/17</a:t>
+              <a:t>6/21/17</a:t>
             </a:fld>
             <a:endParaRPr lang="en-US" dirty="0"/>
           </a:p>
@@ -1796,7 +1796,7 @@
           <a:p>
             <a:fld id="{FE13B3C1-B50E-B844-B5EC-A0E6C3AA92EA}" type="datetimeFigureOut">
               <a:rPr lang="en-US" smtClean="0"/>
-              <a:t>6/20/17</a:t>
+              <a:t>6/21/17</a:t>
             </a:fld>
             <a:endParaRPr lang="en-US" dirty="0"/>
           </a:p>
@@ -2163,7 +2163,7 @@
           <a:p>
             <a:fld id="{FE13B3C1-B50E-B844-B5EC-A0E6C3AA92EA}" type="datetimeFigureOut">
               <a:rPr lang="en-US" smtClean="0"/>
-              <a:t>6/20/17</a:t>
+              <a:t>6/21/17</a:t>
             </a:fld>
             <a:endParaRPr lang="en-US" dirty="0"/>
           </a:p>
@@ -2281,7 +2281,7 @@
           <a:p>
             <a:fld id="{FE13B3C1-B50E-B844-B5EC-A0E6C3AA92EA}" type="datetimeFigureOut">
               <a:rPr lang="en-US" smtClean="0"/>
-              <a:t>6/20/17</a:t>
+              <a:t>6/21/17</a:t>
             </a:fld>
             <a:endParaRPr lang="en-US" dirty="0"/>
           </a:p>
@@ -2376,7 +2376,7 @@
           <a:p>
             <a:fld id="{FE13B3C1-B50E-B844-B5EC-A0E6C3AA92EA}" type="datetimeFigureOut">
               <a:rPr lang="en-US" smtClean="0"/>
-              <a:t>6/20/17</a:t>
+              <a:t>6/21/17</a:t>
             </a:fld>
             <a:endParaRPr lang="en-US" dirty="0"/>
           </a:p>
@@ -2653,7 +2653,7 @@
           <a:p>
             <a:fld id="{FE13B3C1-B50E-B844-B5EC-A0E6C3AA92EA}" type="datetimeFigureOut">
               <a:rPr lang="en-US" smtClean="0"/>
-              <a:t>6/20/17</a:t>
+              <a:t>6/21/17</a:t>
             </a:fld>
             <a:endParaRPr lang="en-US" dirty="0"/>
           </a:p>
@@ -2906,7 +2906,7 @@
           <a:p>
             <a:fld id="{FE13B3C1-B50E-B844-B5EC-A0E6C3AA92EA}" type="datetimeFigureOut">
               <a:rPr lang="en-US" smtClean="0"/>
-              <a:t>6/20/17</a:t>
+              <a:t>6/21/17</a:t>
             </a:fld>
             <a:endParaRPr lang="en-US" dirty="0"/>
           </a:p>
@@ -3119,7 +3119,7 @@
           <a:p>
             <a:fld id="{FE13B3C1-B50E-B844-B5EC-A0E6C3AA92EA}" type="datetimeFigureOut">
               <a:rPr lang="en-US" smtClean="0"/>
-              <a:t>6/20/17</a:t>
+              <a:t>6/21/17</a:t>
             </a:fld>
             <a:endParaRPr lang="en-US" dirty="0"/>
           </a:p>
@@ -4051,7 +4051,25 @@
           <a:p>
             <a:r>
               <a:rPr lang="en-US" sz="2000" dirty="0" smtClean="0"/>
-              <a:t>POST	/</a:t>
+              <a:t>POST	/users/{</a:t>
+            </a:r>
+            <a:r>
+              <a:rPr lang="en-US" sz="2000" dirty="0" err="1" smtClean="0"/>
+              <a:t>userId</a:t>
+            </a:r>
+            <a:r>
+              <a:rPr lang="en-US" sz="2000" dirty="0" smtClean="0"/>
+              <a:t>}/categories						Subscribe category</a:t>
+            </a:r>
+          </a:p>
+          <a:p>
+            <a:r>
+              <a:rPr lang="en-US" sz="2000" dirty="0" smtClean="0"/>
+              <a:t>PUT</a:t>
+            </a:r>
+            <a:r>
+              <a:rPr lang="en-US" sz="2000" dirty="0"/>
+              <a:t>	/</a:t>
             </a:r>
             <a:r>
               <a:rPr lang="en-US" sz="2000" dirty="0" smtClean="0"/>
@@ -4063,40 +4081,6 @@
             </a:r>
             <a:r>
               <a:rPr lang="en-US" sz="2000" dirty="0" smtClean="0"/>
-              <a:t>}/categories			</a:t>
-            </a:r>
-            <a:r>
-              <a:rPr lang="en-US" sz="2000" dirty="0" smtClean="0"/>
-              <a:t>			</a:t>
-            </a:r>
-            <a:r>
-              <a:rPr lang="en-US" sz="2000" dirty="0" smtClean="0"/>
-              <a:t>Subscribe </a:t>
-            </a:r>
-            <a:r>
-              <a:rPr lang="en-US" sz="2000" dirty="0" smtClean="0"/>
-              <a:t>category</a:t>
-            </a:r>
-          </a:p>
-          <a:p>
-            <a:r>
-              <a:rPr lang="en-US" sz="2000" dirty="0" smtClean="0"/>
-              <a:t>PUT</a:t>
-            </a:r>
-            <a:r>
-              <a:rPr lang="en-US" sz="2000" dirty="0"/>
-              <a:t>	/</a:t>
-            </a:r>
-            <a:r>
-              <a:rPr lang="en-US" sz="2000" dirty="0" smtClean="0"/>
-              <a:t>users/{</a:t>
-            </a:r>
-            <a:r>
-              <a:rPr lang="en-US" sz="2000" dirty="0" err="1" smtClean="0"/>
-              <a:t>userId</a:t>
-            </a:r>
-            <a:r>
-              <a:rPr lang="en-US" sz="2000" dirty="0" smtClean="0"/>
               <a:t>}/categories</a:t>
             </a:r>
             <a:r>
@@ -4115,11 +4099,7 @@
           <a:p>
             <a:r>
               <a:rPr lang="en-US" sz="2000" dirty="0" smtClean="0"/>
-              <a:t>DELETE</a:t>
-            </a:r>
-            <a:r>
-              <a:rPr lang="en-US" sz="2000" dirty="0" smtClean="0"/>
-              <a:t>	/users/{userId}/categories/{categoryId}				Unsubscribe category</a:t>
+              <a:t>DELETE	/users/{userId}/categories/{categoryId}				Unsubscribe category</a:t>
             </a:r>
           </a:p>
           <a:p>
@@ -4175,11 +4155,7 @@
             </a:r>
             <a:r>
               <a:rPr lang="en-US" sz="2000" dirty="0" smtClean="0"/>
-              <a:t>=&lt;minimum discount percentage</a:t>
-            </a:r>
-            <a:r>
-              <a:rPr lang="en-US" sz="2000" dirty="0" smtClean="0"/>
-              <a:t>&gt;</a:t>
+              <a:t>=&lt;minimum discount percentage&gt;</a:t>
             </a:r>
           </a:p>
         </p:txBody>
@@ -12274,11 +12250,7 @@
             </a:pPr>
             <a:r>
               <a:rPr lang="en-US" sz="2000" dirty="0" smtClean="0"/>
-              <a:t>Update cache and DB with new price </a:t>
-            </a:r>
-            <a:r>
-              <a:rPr lang="en-US" sz="2000" dirty="0" smtClean="0"/>
-              <a:t>and </a:t>
+              <a:t>Update cache and DB with new price and </a:t>
             </a:r>
             <a:r>
               <a:rPr lang="en-US" sz="2000" dirty="0" err="1" smtClean="0"/>
@@ -12286,11 +12258,7 @@
             </a:r>
             <a:r>
               <a:rPr lang="en-US" sz="2000" dirty="0" smtClean="0"/>
-              <a:t> if </a:t>
-            </a:r>
-            <a:r>
-              <a:rPr lang="en-US" sz="2000" dirty="0" smtClean="0"/>
-              <a:t>price is changed.</a:t>
+              <a:t> if price is changed.</a:t>
             </a:r>
             <a:endParaRPr lang="en-US" sz="2000" dirty="0"/>
           </a:p>
@@ -12722,19 +12690,7 @@
             </a:pPr>
             <a:r>
               <a:rPr lang="en-US" sz="2000" dirty="0" smtClean="0"/>
-              <a:t>Find the </a:t>
-            </a:r>
-            <a:r>
-              <a:rPr lang="en-US" sz="2000" dirty="0" smtClean="0"/>
-              <a:t>subscribers: </a:t>
-            </a:r>
-            <a:r>
-              <a:rPr lang="en-US" sz="2000" dirty="0" smtClean="0"/>
-              <a:t>of the product’s </a:t>
-            </a:r>
-            <a:r>
-              <a:rPr lang="en-US" sz="2000" dirty="0" smtClean="0"/>
-              <a:t>category whose </a:t>
+              <a:t>Find the subscribers: of the product’s category whose </a:t>
             </a:r>
             <a:r>
               <a:rPr lang="en-US" sz="2000" dirty="0" err="1" smtClean="0"/>
@@ -12752,7 +12708,6 @@
               <a:rPr lang="en-US" sz="2000" dirty="0" smtClean="0"/>
               <a:t>.</a:t>
             </a:r>
-            <a:endParaRPr lang="en-US" sz="2000" dirty="0" smtClean="0"/>
           </a:p>
           <a:p>
             <a:pPr marL="342900" indent="-342900">

--- a/PriceMonitoringDesign.pptx
+++ b/PriceMonitoringDesign.pptx
@@ -4663,8 +4663,8 @@
         </p:nvSpPr>
         <p:spPr>
           <a:xfrm>
-            <a:off x="838200" y="1825625"/>
-            <a:ext cx="10515600" cy="3067009"/>
+            <a:off x="838200" y="1825626"/>
+            <a:ext cx="10515600" cy="3720152"/>
           </a:xfrm>
         </p:spPr>
         <p:txBody>
@@ -4679,7 +4679,15 @@
             </a:r>
             <a:r>
               <a:rPr lang="en-US" dirty="0" smtClean="0"/>
-              <a:t>eeps track of product prices at online shopping web site. </a:t>
+              <a:t>eeps track of product prices at </a:t>
+            </a:r>
+            <a:r>
+              <a:rPr lang="en-US" dirty="0" smtClean="0"/>
+              <a:t>an online </a:t>
+            </a:r>
+            <a:r>
+              <a:rPr lang="en-US" dirty="0" smtClean="0"/>
+              <a:t>shopping web site. </a:t>
             </a:r>
           </a:p>
           <a:p>
@@ -4695,8 +4703,23 @@
             </a:r>
             <a:r>
               <a:rPr lang="en-US" dirty="0" smtClean="0"/>
-              <a:t>there is any discount product in the subscribed categories. </a:t>
-            </a:r>
+              <a:t>there is any discount product in the subscribed categories</a:t>
+            </a:r>
+            <a:r>
+              <a:rPr lang="en-US" dirty="0" smtClean="0"/>
+              <a:t>.</a:t>
+            </a:r>
+          </a:p>
+          <a:p>
+            <a:r>
+              <a:rPr lang="en-US" dirty="0" smtClean="0"/>
+              <a:t>Subscribers can specify minimum discount threshold of each category for </a:t>
+            </a:r>
+            <a:r>
+              <a:rPr lang="en-US" smtClean="0"/>
+              <a:t>receiving notifications.</a:t>
+            </a:r>
+            <a:endParaRPr lang="en-US" dirty="0" smtClean="0"/>
           </a:p>
           <a:p>
             <a:r>

--- a/PriceMonitoringDesign.pptx
+++ b/PriceMonitoringDesign.pptx
@@ -231,7 +231,7 @@
           <a:p>
             <a:fld id="{822F189D-D7C4-2B4B-BA7D-F542C8765D31}" type="datetimeFigureOut">
               <a:rPr lang="en-US" smtClean="0"/>
-              <a:t>6/21/17</a:t>
+              <a:t>6/22/17</a:t>
             </a:fld>
             <a:endParaRPr lang="en-US" dirty="0"/>
           </a:p>
@@ -798,7 +798,7 @@
           <a:p>
             <a:fld id="{FE13B3C1-B50E-B844-B5EC-A0E6C3AA92EA}" type="datetimeFigureOut">
               <a:rPr lang="en-US" smtClean="0"/>
-              <a:t>6/21/17</a:t>
+              <a:t>6/22/17</a:t>
             </a:fld>
             <a:endParaRPr lang="en-US" dirty="0"/>
           </a:p>
@@ -968,7 +968,7 @@
           <a:p>
             <a:fld id="{FE13B3C1-B50E-B844-B5EC-A0E6C3AA92EA}" type="datetimeFigureOut">
               <a:rPr lang="en-US" smtClean="0"/>
-              <a:t>6/21/17</a:t>
+              <a:t>6/22/17</a:t>
             </a:fld>
             <a:endParaRPr lang="en-US" dirty="0"/>
           </a:p>
@@ -1148,7 +1148,7 @@
           <a:p>
             <a:fld id="{FE13B3C1-B50E-B844-B5EC-A0E6C3AA92EA}" type="datetimeFigureOut">
               <a:rPr lang="en-US" smtClean="0"/>
-              <a:t>6/21/17</a:t>
+              <a:t>6/22/17</a:t>
             </a:fld>
             <a:endParaRPr lang="en-US" dirty="0"/>
           </a:p>
@@ -1318,7 +1318,7 @@
           <a:p>
             <a:fld id="{FE13B3C1-B50E-B844-B5EC-A0E6C3AA92EA}" type="datetimeFigureOut">
               <a:rPr lang="en-US" smtClean="0"/>
-              <a:t>6/21/17</a:t>
+              <a:t>6/22/17</a:t>
             </a:fld>
             <a:endParaRPr lang="en-US" dirty="0"/>
           </a:p>
@@ -1564,7 +1564,7 @@
           <a:p>
             <a:fld id="{FE13B3C1-B50E-B844-B5EC-A0E6C3AA92EA}" type="datetimeFigureOut">
               <a:rPr lang="en-US" smtClean="0"/>
-              <a:t>6/21/17</a:t>
+              <a:t>6/22/17</a:t>
             </a:fld>
             <a:endParaRPr lang="en-US" dirty="0"/>
           </a:p>
@@ -1796,7 +1796,7 @@
           <a:p>
             <a:fld id="{FE13B3C1-B50E-B844-B5EC-A0E6C3AA92EA}" type="datetimeFigureOut">
               <a:rPr lang="en-US" smtClean="0"/>
-              <a:t>6/21/17</a:t>
+              <a:t>6/22/17</a:t>
             </a:fld>
             <a:endParaRPr lang="en-US" dirty="0"/>
           </a:p>
@@ -2163,7 +2163,7 @@
           <a:p>
             <a:fld id="{FE13B3C1-B50E-B844-B5EC-A0E6C3AA92EA}" type="datetimeFigureOut">
               <a:rPr lang="en-US" smtClean="0"/>
-              <a:t>6/21/17</a:t>
+              <a:t>6/22/17</a:t>
             </a:fld>
             <a:endParaRPr lang="en-US" dirty="0"/>
           </a:p>
@@ -2281,7 +2281,7 @@
           <a:p>
             <a:fld id="{FE13B3C1-B50E-B844-B5EC-A0E6C3AA92EA}" type="datetimeFigureOut">
               <a:rPr lang="en-US" smtClean="0"/>
-              <a:t>6/21/17</a:t>
+              <a:t>6/22/17</a:t>
             </a:fld>
             <a:endParaRPr lang="en-US" dirty="0"/>
           </a:p>
@@ -2376,7 +2376,7 @@
           <a:p>
             <a:fld id="{FE13B3C1-B50E-B844-B5EC-A0E6C3AA92EA}" type="datetimeFigureOut">
               <a:rPr lang="en-US" smtClean="0"/>
-              <a:t>6/21/17</a:t>
+              <a:t>6/22/17</a:t>
             </a:fld>
             <a:endParaRPr lang="en-US" dirty="0"/>
           </a:p>
@@ -2653,7 +2653,7 @@
           <a:p>
             <a:fld id="{FE13B3C1-B50E-B844-B5EC-A0E6C3AA92EA}" type="datetimeFigureOut">
               <a:rPr lang="en-US" smtClean="0"/>
-              <a:t>6/21/17</a:t>
+              <a:t>6/22/17</a:t>
             </a:fld>
             <a:endParaRPr lang="en-US" dirty="0"/>
           </a:p>
@@ -2906,7 +2906,7 @@
           <a:p>
             <a:fld id="{FE13B3C1-B50E-B844-B5EC-A0E6C3AA92EA}" type="datetimeFigureOut">
               <a:rPr lang="en-US" smtClean="0"/>
-              <a:t>6/21/17</a:t>
+              <a:t>6/22/17</a:t>
             </a:fld>
             <a:endParaRPr lang="en-US" dirty="0"/>
           </a:p>
@@ -3119,7 +3119,7 @@
           <a:p>
             <a:fld id="{FE13B3C1-B50E-B844-B5EC-A0E6C3AA92EA}" type="datetimeFigureOut">
               <a:rPr lang="en-US" smtClean="0"/>
-              <a:t>6/21/17</a:t>
+              <a:t>6/22/17</a:t>
             </a:fld>
             <a:endParaRPr lang="en-US" dirty="0"/>
           </a:p>
@@ -4679,15 +4679,7 @@
             </a:r>
             <a:r>
               <a:rPr lang="en-US" dirty="0" smtClean="0"/>
-              <a:t>eeps track of product prices at </a:t>
-            </a:r>
-            <a:r>
-              <a:rPr lang="en-US" dirty="0" smtClean="0"/>
-              <a:t>an online </a:t>
-            </a:r>
-            <a:r>
-              <a:rPr lang="en-US" dirty="0" smtClean="0"/>
-              <a:t>shopping web site. </a:t>
+              <a:t>eeps track of product prices at an online shopping web site. </a:t>
             </a:r>
           </a:p>
           <a:p>
@@ -4703,11 +4695,7 @@
             </a:r>
             <a:r>
               <a:rPr lang="en-US" dirty="0" smtClean="0"/>
-              <a:t>there is any discount product in the subscribed categories</a:t>
-            </a:r>
-            <a:r>
-              <a:rPr lang="en-US" dirty="0" smtClean="0"/>
-              <a:t>.</a:t>
+              <a:t>there is any discount product in the subscribed categories.</a:t>
             </a:r>
           </a:p>
           <a:p>
@@ -9234,7 +9222,15 @@
             <a:pPr algn="l"/>
             <a:r>
               <a:rPr lang="en-US" sz="2000" dirty="0" smtClean="0"/>
-              <a:t>Executed weekly at 00:00:00 AM Sunday</a:t>
+              <a:t>Executed weekly at </a:t>
+            </a:r>
+            <a:r>
+              <a:rPr lang="en-US" sz="2000" dirty="0" smtClean="0"/>
+              <a:t>07:00:00 </a:t>
+            </a:r>
+            <a:r>
+              <a:rPr lang="en-US" sz="2000" dirty="0" smtClean="0"/>
+              <a:t>AM Sunday</a:t>
             </a:r>
             <a:endParaRPr lang="en-US" sz="2000" dirty="0"/>
           </a:p>
@@ -9883,7 +9879,15 @@
             <a:pPr algn="l"/>
             <a:r>
               <a:rPr lang="en-US" sz="2000" dirty="0" smtClean="0"/>
-              <a:t>Update category priority at 00:00:00 AM Monday - Saturday</a:t>
+              <a:t>Update category priority at </a:t>
+            </a:r>
+            <a:r>
+              <a:rPr lang="en-US" sz="2000" dirty="0" smtClean="0"/>
+              <a:t>07:00:00 </a:t>
+            </a:r>
+            <a:r>
+              <a:rPr lang="en-US" sz="2000" dirty="0" smtClean="0"/>
+              <a:t>AM Monday - Saturday</a:t>
             </a:r>
             <a:endParaRPr lang="en-US" sz="2000" dirty="0"/>
           </a:p>
@@ -10070,8 +10074,21 @@
           <a:p>
             <a:r>
               <a:rPr lang="en-US" dirty="0"/>
-              <a:t>HIGH priority: executed every 3 hours starting at 01:00:00 AM</a:t>
-            </a:r>
+              <a:t>HIGH priority: executed every 3 hours starting at </a:t>
+            </a:r>
+            <a:r>
+              <a:rPr lang="en-US" dirty="0" smtClean="0"/>
+              <a:t>08:00:00 </a:t>
+            </a:r>
+            <a:r>
+              <a:rPr lang="en-US" dirty="0"/>
+              <a:t>A</a:t>
+            </a:r>
+            <a:r>
+              <a:rPr lang="en-US" dirty="0" smtClean="0"/>
+              <a:t>M</a:t>
+            </a:r>
+            <a:endParaRPr lang="en-US" dirty="0"/>
           </a:p>
         </p:txBody>
       </p:sp>
@@ -10099,7 +10116,11 @@
           <a:p>
             <a:r>
               <a:rPr lang="en-US" dirty="0"/>
-              <a:t>MIDUM priority: executed every 12 hours starting at 02:00:00 </a:t>
+              <a:t>MIDUM priority: executed every 12 hours starting at </a:t>
+            </a:r>
+            <a:r>
+              <a:rPr lang="en-US" dirty="0" smtClean="0"/>
+              <a:t>09:00:00 </a:t>
             </a:r>
             <a:r>
               <a:rPr lang="en-US" dirty="0" smtClean="0"/>
@@ -10133,7 +10154,19 @@
           <a:p>
             <a:r>
               <a:rPr lang="en-US" dirty="0"/>
-              <a:t>LOW priority: executed every day at 03:00:00 AM</a:t>
+              <a:t>LOW priority: executed every day at </a:t>
+            </a:r>
+            <a:r>
+              <a:rPr lang="en-US" dirty="0" smtClean="0"/>
+              <a:t>10</a:t>
+            </a:r>
+            <a:r>
+              <a:rPr lang="en-US" dirty="0" smtClean="0"/>
+              <a:t>:00:00 </a:t>
+            </a:r>
+            <a:r>
+              <a:rPr lang="en-US" dirty="0"/>
+              <a:t>AM</a:t>
             </a:r>
           </a:p>
         </p:txBody>

--- a/PriceMonitoringDesign.pptx
+++ b/PriceMonitoringDesign.pptx
@@ -231,7 +231,7 @@
           <a:p>
             <a:fld id="{822F189D-D7C4-2B4B-BA7D-F542C8765D31}" type="datetimeFigureOut">
               <a:rPr lang="en-US" smtClean="0"/>
-              <a:t>6/22/17</a:t>
+              <a:t>7/1/17</a:t>
             </a:fld>
             <a:endParaRPr lang="en-US" dirty="0"/>
           </a:p>
@@ -798,7 +798,7 @@
           <a:p>
             <a:fld id="{FE13B3C1-B50E-B844-B5EC-A0E6C3AA92EA}" type="datetimeFigureOut">
               <a:rPr lang="en-US" smtClean="0"/>
-              <a:t>6/22/17</a:t>
+              <a:t>7/1/17</a:t>
             </a:fld>
             <a:endParaRPr lang="en-US" dirty="0"/>
           </a:p>
@@ -968,7 +968,7 @@
           <a:p>
             <a:fld id="{FE13B3C1-B50E-B844-B5EC-A0E6C3AA92EA}" type="datetimeFigureOut">
               <a:rPr lang="en-US" smtClean="0"/>
-              <a:t>6/22/17</a:t>
+              <a:t>7/1/17</a:t>
             </a:fld>
             <a:endParaRPr lang="en-US" dirty="0"/>
           </a:p>
@@ -1148,7 +1148,7 @@
           <a:p>
             <a:fld id="{FE13B3C1-B50E-B844-B5EC-A0E6C3AA92EA}" type="datetimeFigureOut">
               <a:rPr lang="en-US" smtClean="0"/>
-              <a:t>6/22/17</a:t>
+              <a:t>7/1/17</a:t>
             </a:fld>
             <a:endParaRPr lang="en-US" dirty="0"/>
           </a:p>
@@ -1318,7 +1318,7 @@
           <a:p>
             <a:fld id="{FE13B3C1-B50E-B844-B5EC-A0E6C3AA92EA}" type="datetimeFigureOut">
               <a:rPr lang="en-US" smtClean="0"/>
-              <a:t>6/22/17</a:t>
+              <a:t>7/1/17</a:t>
             </a:fld>
             <a:endParaRPr lang="en-US" dirty="0"/>
           </a:p>
@@ -1564,7 +1564,7 @@
           <a:p>
             <a:fld id="{FE13B3C1-B50E-B844-B5EC-A0E6C3AA92EA}" type="datetimeFigureOut">
               <a:rPr lang="en-US" smtClean="0"/>
-              <a:t>6/22/17</a:t>
+              <a:t>7/1/17</a:t>
             </a:fld>
             <a:endParaRPr lang="en-US" dirty="0"/>
           </a:p>
@@ -1796,7 +1796,7 @@
           <a:p>
             <a:fld id="{FE13B3C1-B50E-B844-B5EC-A0E6C3AA92EA}" type="datetimeFigureOut">
               <a:rPr lang="en-US" smtClean="0"/>
-              <a:t>6/22/17</a:t>
+              <a:t>7/1/17</a:t>
             </a:fld>
             <a:endParaRPr lang="en-US" dirty="0"/>
           </a:p>
@@ -2163,7 +2163,7 @@
           <a:p>
             <a:fld id="{FE13B3C1-B50E-B844-B5EC-A0E6C3AA92EA}" type="datetimeFigureOut">
               <a:rPr lang="en-US" smtClean="0"/>
-              <a:t>6/22/17</a:t>
+              <a:t>7/1/17</a:t>
             </a:fld>
             <a:endParaRPr lang="en-US" dirty="0"/>
           </a:p>
@@ -2281,7 +2281,7 @@
           <a:p>
             <a:fld id="{FE13B3C1-B50E-B844-B5EC-A0E6C3AA92EA}" type="datetimeFigureOut">
               <a:rPr lang="en-US" smtClean="0"/>
-              <a:t>6/22/17</a:t>
+              <a:t>7/1/17</a:t>
             </a:fld>
             <a:endParaRPr lang="en-US" dirty="0"/>
           </a:p>
@@ -2376,7 +2376,7 @@
           <a:p>
             <a:fld id="{FE13B3C1-B50E-B844-B5EC-A0E6C3AA92EA}" type="datetimeFigureOut">
               <a:rPr lang="en-US" smtClean="0"/>
-              <a:t>6/22/17</a:t>
+              <a:t>7/1/17</a:t>
             </a:fld>
             <a:endParaRPr lang="en-US" dirty="0"/>
           </a:p>
@@ -2653,7 +2653,7 @@
           <a:p>
             <a:fld id="{FE13B3C1-B50E-B844-B5EC-A0E6C3AA92EA}" type="datetimeFigureOut">
               <a:rPr lang="en-US" smtClean="0"/>
-              <a:t>6/22/17</a:t>
+              <a:t>7/1/17</a:t>
             </a:fld>
             <a:endParaRPr lang="en-US" dirty="0"/>
           </a:p>
@@ -2906,7 +2906,7 @@
           <a:p>
             <a:fld id="{FE13B3C1-B50E-B844-B5EC-A0E6C3AA92EA}" type="datetimeFigureOut">
               <a:rPr lang="en-US" smtClean="0"/>
-              <a:t>6/22/17</a:t>
+              <a:t>7/1/17</a:t>
             </a:fld>
             <a:endParaRPr lang="en-US" dirty="0"/>
           </a:p>
@@ -3119,7 +3119,7 @@
           <a:p>
             <a:fld id="{FE13B3C1-B50E-B844-B5EC-A0E6C3AA92EA}" type="datetimeFigureOut">
               <a:rPr lang="en-US" smtClean="0"/>
-              <a:t>6/22/17</a:t>
+              <a:t>7/1/17</a:t>
             </a:fld>
             <a:endParaRPr lang="en-US" dirty="0"/>
           </a:p>
@@ -4679,7 +4679,15 @@
             </a:r>
             <a:r>
               <a:rPr lang="en-US" dirty="0" smtClean="0"/>
-              <a:t>eeps track of product prices at an online shopping web site. </a:t>
+              <a:t>eeps track of product prices at an </a:t>
+            </a:r>
+            <a:r>
+              <a:rPr lang="en-US" dirty="0" smtClean="0"/>
+              <a:t>e-commerce </a:t>
+            </a:r>
+            <a:r>
+              <a:rPr lang="en-US" dirty="0" smtClean="0"/>
+              <a:t>web site. </a:t>
             </a:r>
           </a:p>
           <a:p>
@@ -4701,18 +4709,25 @@
           <a:p>
             <a:r>
               <a:rPr lang="en-US" dirty="0" smtClean="0"/>
-              <a:t>Subscribers can specify minimum discount threshold of each category for </a:t>
-            </a:r>
-            <a:r>
-              <a:rPr lang="en-US" smtClean="0"/>
-              <a:t>receiving notifications.</a:t>
-            </a:r>
-            <a:endParaRPr lang="en-US" dirty="0" smtClean="0"/>
-          </a:p>
-          <a:p>
+              <a:t>Subscribers can specify </a:t>
+            </a:r>
             <a:r>
               <a:rPr lang="en-US" dirty="0" smtClean="0"/>
-              <a:t>Also allows users </a:t>
+              <a:t>the minimum </a:t>
+            </a:r>
+            <a:r>
+              <a:rPr lang="en-US" dirty="0" smtClean="0"/>
+              <a:t>discount threshold of each category for receiving notifications.</a:t>
+            </a:r>
+          </a:p>
+          <a:p>
+            <a:r>
+              <a:rPr lang="en-US" dirty="0" smtClean="0"/>
+              <a:t>Allows </a:t>
+            </a:r>
+            <a:r>
+              <a:rPr lang="en-US" dirty="0" smtClean="0"/>
+              <a:t>users </a:t>
             </a:r>
             <a:r>
               <a:rPr lang="en-US" dirty="0"/>
@@ -4720,7 +4735,11 @@
             </a:r>
             <a:r>
               <a:rPr lang="en-US" dirty="0" smtClean="0"/>
-              <a:t>online.</a:t>
+              <a:t>of any category online</a:t>
+            </a:r>
+            <a:r>
+              <a:rPr lang="en-US" dirty="0" smtClean="0"/>
+              <a:t>.</a:t>
             </a:r>
             <a:endParaRPr lang="en-US" dirty="0"/>
           </a:p>
@@ -9222,15 +9241,7 @@
             <a:pPr algn="l"/>
             <a:r>
               <a:rPr lang="en-US" sz="2000" dirty="0" smtClean="0"/>
-              <a:t>Executed weekly at </a:t>
-            </a:r>
-            <a:r>
-              <a:rPr lang="en-US" sz="2000" dirty="0" smtClean="0"/>
-              <a:t>07:00:00 </a:t>
-            </a:r>
-            <a:r>
-              <a:rPr lang="en-US" sz="2000" dirty="0" smtClean="0"/>
-              <a:t>AM Sunday</a:t>
+              <a:t>Executed weekly at 07:00:00 AM Sunday</a:t>
             </a:r>
             <a:endParaRPr lang="en-US" sz="2000" dirty="0"/>
           </a:p>
@@ -9484,7 +9495,15 @@
             </a:pPr>
             <a:r>
               <a:rPr lang="en-US" sz="2000" dirty="0" smtClean="0"/>
-              <a:t>Crawl categories from online shopping web site.</a:t>
+              <a:t>Crawl categories from </a:t>
+            </a:r>
+            <a:r>
+              <a:rPr lang="en-US" sz="2000" dirty="0" smtClean="0"/>
+              <a:t>an e-commerce </a:t>
+            </a:r>
+            <a:r>
+              <a:rPr lang="en-US" sz="2000" dirty="0" smtClean="0"/>
+              <a:t>web site.</a:t>
             </a:r>
           </a:p>
           <a:p>
@@ -9494,7 +9513,15 @@
             </a:pPr>
             <a:r>
               <a:rPr lang="en-US" sz="2000" dirty="0" smtClean="0"/>
-              <a:t>For each category, find the product list url, store the information into DB.</a:t>
+              <a:t>For each category, find the product list </a:t>
+            </a:r>
+            <a:r>
+              <a:rPr lang="en-US" sz="2000" dirty="0" smtClean="0"/>
+              <a:t>URL, </a:t>
+            </a:r>
+            <a:r>
+              <a:rPr lang="en-US" sz="2000" dirty="0" smtClean="0"/>
+              <a:t>store the information into DB.</a:t>
             </a:r>
           </a:p>
           <a:p>
@@ -9593,13 +9620,10 @@
               <a:t>also be changed at run time through REST </a:t>
             </a:r>
             <a:r>
-              <a:rPr lang="en-US" sz="2000" dirty="0" err="1" smtClean="0"/>
-              <a:t>api</a:t>
-            </a:r>
-            <a:r>
               <a:rPr lang="en-US" sz="2000" dirty="0" smtClean="0"/>
-              <a:t>:</a:t>
-            </a:r>
+              <a:t>API:</a:t>
+            </a:r>
+            <a:endParaRPr lang="en-US" sz="2000" dirty="0" smtClean="0"/>
           </a:p>
           <a:p>
             <a:pPr marL="285750" indent="-285750">
@@ -9879,15 +9903,7 @@
             <a:pPr algn="l"/>
             <a:r>
               <a:rPr lang="en-US" sz="2000" dirty="0" smtClean="0"/>
-              <a:t>Update category priority at </a:t>
-            </a:r>
-            <a:r>
-              <a:rPr lang="en-US" sz="2000" dirty="0" smtClean="0"/>
-              <a:t>07:00:00 </a:t>
-            </a:r>
-            <a:r>
-              <a:rPr lang="en-US" sz="2000" dirty="0" smtClean="0"/>
-              <a:t>AM Monday - Saturday</a:t>
+              <a:t>Update category priority at 07:00:00 AM Monday - Saturday</a:t>
             </a:r>
             <a:endParaRPr lang="en-US" sz="2000" dirty="0"/>
           </a:p>
@@ -10120,11 +10136,7 @@
             </a:r>
             <a:r>
               <a:rPr lang="en-US" dirty="0" smtClean="0"/>
-              <a:t>09:00:00 </a:t>
-            </a:r>
-            <a:r>
-              <a:rPr lang="en-US" dirty="0" smtClean="0"/>
-              <a:t>AM</a:t>
+              <a:t>09:00:00 AM</a:t>
             </a:r>
             <a:endParaRPr lang="en-US" dirty="0"/>
           </a:p>
@@ -10158,11 +10170,7 @@
             </a:r>
             <a:r>
               <a:rPr lang="en-US" dirty="0" smtClean="0"/>
-              <a:t>10</a:t>
-            </a:r>
-            <a:r>
-              <a:rPr lang="en-US" dirty="0" smtClean="0"/>
-              <a:t>:00:00 </a:t>
+              <a:t>10:00:00 </a:t>
             </a:r>
             <a:r>
               <a:rPr lang="en-US" dirty="0"/>
@@ -10374,12 +10382,8 @@
               <a:buChar char="•"/>
             </a:pPr>
             <a:r>
-              <a:rPr lang="en-US" sz="2000" smtClean="0"/>
-              <a:t>Get categories </a:t>
-            </a:r>
-            <a:r>
               <a:rPr lang="en-US" sz="2000" dirty="0" smtClean="0"/>
-              <a:t>from Category table with the matching priority.</a:t>
+              <a:t>Get categories from Category table with the matching priority.</a:t>
             </a:r>
           </a:p>
           <a:p>
@@ -10422,7 +10426,15 @@
             </a:pPr>
             <a:r>
               <a:rPr lang="en-US" sz="2000" dirty="0" smtClean="0"/>
-              <a:t>The worker thread crawls the online shopping web site with product_list_url to get all products.</a:t>
+              <a:t>The worker thread crawls the </a:t>
+            </a:r>
+            <a:r>
+              <a:rPr lang="en-US" sz="2000" dirty="0" smtClean="0"/>
+              <a:t>e-commerce </a:t>
+            </a:r>
+            <a:r>
+              <a:rPr lang="en-US" sz="2000" dirty="0" smtClean="0"/>
+              <a:t>web site with product_list_url to get all products.</a:t>
             </a:r>
           </a:p>
           <a:p>
@@ -12296,7 +12308,15 @@
             </a:pPr>
             <a:r>
               <a:rPr lang="en-US" sz="2000" dirty="0" smtClean="0"/>
-              <a:t>If product exists in cache, compare if price is reduced, if yes, send product to q_discount_product_p(n) .</a:t>
+              <a:t>If product exists in cache, </a:t>
+            </a:r>
+            <a:r>
+              <a:rPr lang="en-US" sz="2000" dirty="0" smtClean="0"/>
+              <a:t>check if </a:t>
+            </a:r>
+            <a:r>
+              <a:rPr lang="en-US" sz="2000" dirty="0" smtClean="0"/>
+              <a:t>price is reduced, if yes, send product to q_discount_product_p(n) .</a:t>
             </a:r>
           </a:p>
           <a:p>
